--- a/images/Bilder.pptx
+++ b/images/Bilder.pptx
@@ -6,6 +6,18 @@
   </p:sldMasterIdLst>
   <p:sldIdLst>
     <p:sldId id="256" r:id="rId2"/>
+    <p:sldId id="257" r:id="rId3"/>
+    <p:sldId id="258" r:id="rId4"/>
+    <p:sldId id="259" r:id="rId5"/>
+    <p:sldId id="260" r:id="rId6"/>
+    <p:sldId id="261" r:id="rId7"/>
+    <p:sldId id="262" r:id="rId8"/>
+    <p:sldId id="263" r:id="rId9"/>
+    <p:sldId id="264" r:id="rId10"/>
+    <p:sldId id="265" r:id="rId11"/>
+    <p:sldId id="266" r:id="rId12"/>
+    <p:sldId id="267" r:id="rId13"/>
+    <p:sldId id="268" r:id="rId14"/>
   </p:sldIdLst>
   <p:sldSz cx="9144000" cy="6858000" type="screen4x3"/>
   <p:notesSz cx="6858000" cy="9144000"/>
@@ -3449,17 +3461,7 @@
                   <a:latin typeface="Arial" pitchFamily="34" charset="0"/>
                   <a:cs typeface="Arial" pitchFamily="34" charset="0"/>
                 </a:rPr>
-                <a:t>l=k </a:t>
-              </a:r>
-              <a:r>
-                <a:rPr lang="de-DE" sz="2400" dirty="0" smtClean="0">
-                  <a:solidFill>
-                    <a:schemeClr val="accent6"/>
-                  </a:solidFill>
-                  <a:latin typeface="Arial" pitchFamily="34" charset="0"/>
-                  <a:cs typeface="Arial" pitchFamily="34" charset="0"/>
-                </a:rPr>
-                <a:t>=M</a:t>
+                <a:t>l=k =M</a:t>
               </a:r>
               <a:endParaRPr lang="de-DE" sz="2400" dirty="0">
                 <a:solidFill>
@@ -4790,6 +4792,8000 @@
 </p:sld>
 </file>
 
+<file path=ppt/slides/slide10.xml><?xml version="1.0" encoding="utf-8"?>
+<p:sld xmlns:a="http://schemas.openxmlformats.org/drawingml/2006/main" xmlns:r="http://schemas.openxmlformats.org/officeDocument/2006/relationships" xmlns:p="http://schemas.openxmlformats.org/presentationml/2006/main">
+  <p:cSld>
+    <p:spTree>
+      <p:nvGrpSpPr>
+        <p:cNvPr id="1" name=""/>
+        <p:cNvGrpSpPr/>
+        <p:nvPr/>
+      </p:nvGrpSpPr>
+      <p:grpSpPr>
+        <a:xfrm>
+          <a:off x="0" y="0"/>
+          <a:ext cx="0" cy="0"/>
+          <a:chOff x="0" y="0"/>
+          <a:chExt cx="0" cy="0"/>
+        </a:xfrm>
+      </p:grpSpPr>
+    </p:spTree>
+    <p:extLst>
+      <p:ext uri="{BB962C8B-B14F-4D97-AF65-F5344CB8AC3E}">
+        <p14:creationId xmlns:p14="http://schemas.microsoft.com/office/powerpoint/2010/main" val="3149171372"/>
+      </p:ext>
+    </p:extLst>
+  </p:cSld>
+  <p:clrMapOvr>
+    <a:masterClrMapping/>
+  </p:clrMapOvr>
+</p:sld>
+</file>
+
+<file path=ppt/slides/slide11.xml><?xml version="1.0" encoding="utf-8"?>
+<p:sld xmlns:a="http://schemas.openxmlformats.org/drawingml/2006/main" xmlns:r="http://schemas.openxmlformats.org/officeDocument/2006/relationships" xmlns:p="http://schemas.openxmlformats.org/presentationml/2006/main">
+  <p:cSld>
+    <p:spTree>
+      <p:nvGrpSpPr>
+        <p:cNvPr id="1" name=""/>
+        <p:cNvGrpSpPr/>
+        <p:nvPr/>
+      </p:nvGrpSpPr>
+      <p:grpSpPr>
+        <a:xfrm>
+          <a:off x="0" y="0"/>
+          <a:ext cx="0" cy="0"/>
+          <a:chOff x="0" y="0"/>
+          <a:chExt cx="0" cy="0"/>
+        </a:xfrm>
+      </p:grpSpPr>
+    </p:spTree>
+    <p:extLst>
+      <p:ext uri="{BB962C8B-B14F-4D97-AF65-F5344CB8AC3E}">
+        <p14:creationId xmlns:p14="http://schemas.microsoft.com/office/powerpoint/2010/main" val="3149171372"/>
+      </p:ext>
+    </p:extLst>
+  </p:cSld>
+  <p:clrMapOvr>
+    <a:masterClrMapping/>
+  </p:clrMapOvr>
+</p:sld>
+</file>
+
+<file path=ppt/slides/slide12.xml><?xml version="1.0" encoding="utf-8"?>
+<p:sld xmlns:a="http://schemas.openxmlformats.org/drawingml/2006/main" xmlns:r="http://schemas.openxmlformats.org/officeDocument/2006/relationships" xmlns:p="http://schemas.openxmlformats.org/presentationml/2006/main">
+  <p:cSld>
+    <p:spTree>
+      <p:nvGrpSpPr>
+        <p:cNvPr id="1" name=""/>
+        <p:cNvGrpSpPr/>
+        <p:nvPr/>
+      </p:nvGrpSpPr>
+      <p:grpSpPr>
+        <a:xfrm>
+          <a:off x="0" y="0"/>
+          <a:ext cx="0" cy="0"/>
+          <a:chOff x="0" y="0"/>
+          <a:chExt cx="0" cy="0"/>
+        </a:xfrm>
+      </p:grpSpPr>
+    </p:spTree>
+    <p:extLst>
+      <p:ext uri="{BB962C8B-B14F-4D97-AF65-F5344CB8AC3E}">
+        <p14:creationId xmlns:p14="http://schemas.microsoft.com/office/powerpoint/2010/main" val="3149171372"/>
+      </p:ext>
+    </p:extLst>
+  </p:cSld>
+  <p:clrMapOvr>
+    <a:masterClrMapping/>
+  </p:clrMapOvr>
+</p:sld>
+</file>
+
+<file path=ppt/slides/slide13.xml><?xml version="1.0" encoding="utf-8"?>
+<p:sld xmlns:a="http://schemas.openxmlformats.org/drawingml/2006/main" xmlns:r="http://schemas.openxmlformats.org/officeDocument/2006/relationships" xmlns:p="http://schemas.openxmlformats.org/presentationml/2006/main">
+  <p:cSld>
+    <p:spTree>
+      <p:nvGrpSpPr>
+        <p:cNvPr id="1" name=""/>
+        <p:cNvGrpSpPr/>
+        <p:nvPr/>
+      </p:nvGrpSpPr>
+      <p:grpSpPr>
+        <a:xfrm>
+          <a:off x="0" y="0"/>
+          <a:ext cx="0" cy="0"/>
+          <a:chOff x="0" y="0"/>
+          <a:chExt cx="0" cy="0"/>
+        </a:xfrm>
+      </p:grpSpPr>
+    </p:spTree>
+    <p:extLst>
+      <p:ext uri="{BB962C8B-B14F-4D97-AF65-F5344CB8AC3E}">
+        <p14:creationId xmlns:p14="http://schemas.microsoft.com/office/powerpoint/2010/main" val="3149171372"/>
+      </p:ext>
+    </p:extLst>
+  </p:cSld>
+  <p:clrMapOvr>
+    <a:masterClrMapping/>
+  </p:clrMapOvr>
+</p:sld>
+</file>
+
+<file path=ppt/slides/slide2.xml><?xml version="1.0" encoding="utf-8"?>
+<p:sld xmlns:a="http://schemas.openxmlformats.org/drawingml/2006/main" xmlns:r="http://schemas.openxmlformats.org/officeDocument/2006/relationships" xmlns:p="http://schemas.openxmlformats.org/presentationml/2006/main">
+  <p:cSld>
+    <p:spTree>
+      <p:nvGrpSpPr>
+        <p:cNvPr id="1" name=""/>
+        <p:cNvGrpSpPr/>
+        <p:nvPr/>
+      </p:nvGrpSpPr>
+      <p:grpSpPr>
+        <a:xfrm>
+          <a:off x="0" y="0"/>
+          <a:ext cx="0" cy="0"/>
+          <a:chOff x="0" y="0"/>
+          <a:chExt cx="0" cy="0"/>
+        </a:xfrm>
+      </p:grpSpPr>
+      <p:grpSp>
+        <p:nvGrpSpPr>
+          <p:cNvPr id="18" name="Gruppieren 17"/>
+          <p:cNvGrpSpPr/>
+          <p:nvPr/>
+        </p:nvGrpSpPr>
+        <p:grpSpPr>
+          <a:xfrm>
+            <a:off x="290158" y="1135490"/>
+            <a:ext cx="8032128" cy="3334898"/>
+            <a:chOff x="290158" y="1135490"/>
+            <a:chExt cx="8032128" cy="3334898"/>
+          </a:xfrm>
+        </p:grpSpPr>
+        <p:sp>
+          <p:nvSpPr>
+            <p:cNvPr id="5" name="Freihandform 4"/>
+            <p:cNvSpPr/>
+            <p:nvPr/>
+          </p:nvSpPr>
+          <p:spPr>
+            <a:xfrm>
+              <a:off x="6313714" y="1465943"/>
+              <a:ext cx="1611086" cy="2510971"/>
+            </a:xfrm>
+            <a:custGeom>
+              <a:avLst/>
+              <a:gdLst>
+                <a:gd name="connsiteX0" fmla="*/ 0 w 1611086"/>
+                <a:gd name="connsiteY0" fmla="*/ 0 h 2510971"/>
+                <a:gd name="connsiteX1" fmla="*/ 145143 w 1611086"/>
+                <a:gd name="connsiteY1" fmla="*/ 1393371 h 2510971"/>
+                <a:gd name="connsiteX2" fmla="*/ 856343 w 1611086"/>
+                <a:gd name="connsiteY2" fmla="*/ 2162628 h 2510971"/>
+                <a:gd name="connsiteX3" fmla="*/ 1611086 w 1611086"/>
+                <a:gd name="connsiteY3" fmla="*/ 2510971 h 2510971"/>
+              </a:gdLst>
+              <a:ahLst/>
+              <a:cxnLst>
+                <a:cxn ang="0">
+                  <a:pos x="connsiteX0" y="connsiteY0"/>
+                </a:cxn>
+                <a:cxn ang="0">
+                  <a:pos x="connsiteX1" y="connsiteY1"/>
+                </a:cxn>
+                <a:cxn ang="0">
+                  <a:pos x="connsiteX2" y="connsiteY2"/>
+                </a:cxn>
+                <a:cxn ang="0">
+                  <a:pos x="connsiteX3" y="connsiteY3"/>
+                </a:cxn>
+              </a:cxnLst>
+              <a:rect l="l" t="t" r="r" b="b"/>
+              <a:pathLst>
+                <a:path w="1611086" h="2510971">
+                  <a:moveTo>
+                    <a:pt x="0" y="0"/>
+                  </a:moveTo>
+                  <a:cubicBezTo>
+                    <a:pt x="1209" y="516466"/>
+                    <a:pt x="2419" y="1032933"/>
+                    <a:pt x="145143" y="1393371"/>
+                  </a:cubicBezTo>
+                  <a:cubicBezTo>
+                    <a:pt x="287867" y="1753809"/>
+                    <a:pt x="612019" y="1976361"/>
+                    <a:pt x="856343" y="2162628"/>
+                  </a:cubicBezTo>
+                  <a:cubicBezTo>
+                    <a:pt x="1100667" y="2348895"/>
+                    <a:pt x="1355876" y="2429933"/>
+                    <a:pt x="1611086" y="2510971"/>
+                  </a:cubicBezTo>
+                </a:path>
+              </a:pathLst>
+            </a:custGeom>
+            <a:noFill/>
+            <a:ln w="50800">
+              <a:solidFill>
+                <a:srgbClr val="FF0000"/>
+              </a:solidFill>
+            </a:ln>
+          </p:spPr>
+          <p:style>
+            <a:lnRef idx="2">
+              <a:schemeClr val="accent1">
+                <a:shade val="50000"/>
+              </a:schemeClr>
+            </a:lnRef>
+            <a:fillRef idx="1">
+              <a:schemeClr val="accent1"/>
+            </a:fillRef>
+            <a:effectRef idx="0">
+              <a:schemeClr val="accent1"/>
+            </a:effectRef>
+            <a:fontRef idx="minor">
+              <a:schemeClr val="lt1"/>
+            </a:fontRef>
+          </p:style>
+          <p:txBody>
+            <a:bodyPr rtlCol="0" anchor="ctr"/>
+            <a:lstStyle/>
+            <a:p>
+              <a:pPr algn="ctr"/>
+              <a:endParaRPr lang="de-DE"/>
+            </a:p>
+          </p:txBody>
+        </p:sp>
+        <p:sp>
+          <p:nvSpPr>
+            <p:cNvPr id="6" name="Freihandform 5"/>
+            <p:cNvSpPr/>
+            <p:nvPr/>
+          </p:nvSpPr>
+          <p:spPr>
+            <a:xfrm>
+              <a:off x="5181600" y="2743200"/>
+              <a:ext cx="1248229" cy="1422400"/>
+            </a:xfrm>
+            <a:custGeom>
+              <a:avLst/>
+              <a:gdLst>
+                <a:gd name="connsiteX0" fmla="*/ 0 w 1248229"/>
+                <a:gd name="connsiteY0" fmla="*/ 1422400 h 1422400"/>
+                <a:gd name="connsiteX1" fmla="*/ 449943 w 1248229"/>
+                <a:gd name="connsiteY1" fmla="*/ 319314 h 1422400"/>
+                <a:gd name="connsiteX2" fmla="*/ 1248229 w 1248229"/>
+                <a:gd name="connsiteY2" fmla="*/ 0 h 1422400"/>
+              </a:gdLst>
+              <a:ahLst/>
+              <a:cxnLst>
+                <a:cxn ang="0">
+                  <a:pos x="connsiteX0" y="connsiteY0"/>
+                </a:cxn>
+                <a:cxn ang="0">
+                  <a:pos x="connsiteX1" y="connsiteY1"/>
+                </a:cxn>
+                <a:cxn ang="0">
+                  <a:pos x="connsiteX2" y="connsiteY2"/>
+                </a:cxn>
+              </a:cxnLst>
+              <a:rect l="l" t="t" r="r" b="b"/>
+              <a:pathLst>
+                <a:path w="1248229" h="1422400">
+                  <a:moveTo>
+                    <a:pt x="0" y="1422400"/>
+                  </a:moveTo>
+                  <a:cubicBezTo>
+                    <a:pt x="120952" y="989390"/>
+                    <a:pt x="241905" y="556381"/>
+                    <a:pt x="449943" y="319314"/>
+                  </a:cubicBezTo>
+                  <a:cubicBezTo>
+                    <a:pt x="657981" y="82247"/>
+                    <a:pt x="916819" y="200781"/>
+                    <a:pt x="1248229" y="0"/>
+                  </a:cubicBezTo>
+                </a:path>
+              </a:pathLst>
+            </a:custGeom>
+            <a:noFill/>
+            <a:ln w="50800">
+              <a:solidFill>
+                <a:srgbClr val="FF0000"/>
+              </a:solidFill>
+            </a:ln>
+          </p:spPr>
+          <p:style>
+            <a:lnRef idx="2">
+              <a:schemeClr val="accent1">
+                <a:shade val="50000"/>
+              </a:schemeClr>
+            </a:lnRef>
+            <a:fillRef idx="1">
+              <a:schemeClr val="accent1"/>
+            </a:fillRef>
+            <a:effectRef idx="0">
+              <a:schemeClr val="accent1"/>
+            </a:effectRef>
+            <a:fontRef idx="minor">
+              <a:schemeClr val="lt1"/>
+            </a:fontRef>
+          </p:style>
+          <p:txBody>
+            <a:bodyPr rtlCol="0" anchor="ctr"/>
+            <a:lstStyle/>
+            <a:p>
+              <a:pPr algn="ctr"/>
+              <a:endParaRPr lang="de-DE"/>
+            </a:p>
+          </p:txBody>
+        </p:sp>
+        <p:sp>
+          <p:nvSpPr>
+            <p:cNvPr id="7" name="Freihandform 6"/>
+            <p:cNvSpPr/>
+            <p:nvPr/>
+          </p:nvSpPr>
+          <p:spPr>
+            <a:xfrm>
+              <a:off x="4667227" y="2046514"/>
+              <a:ext cx="1007859" cy="972457"/>
+            </a:xfrm>
+            <a:custGeom>
+              <a:avLst/>
+              <a:gdLst>
+                <a:gd name="connsiteX0" fmla="*/ 49916 w 1007859"/>
+                <a:gd name="connsiteY0" fmla="*/ 0 h 972457"/>
+                <a:gd name="connsiteX1" fmla="*/ 107973 w 1007859"/>
+                <a:gd name="connsiteY1" fmla="*/ 696686 h 972457"/>
+                <a:gd name="connsiteX2" fmla="*/ 1007859 w 1007859"/>
+                <a:gd name="connsiteY2" fmla="*/ 972457 h 972457"/>
+              </a:gdLst>
+              <a:ahLst/>
+              <a:cxnLst>
+                <a:cxn ang="0">
+                  <a:pos x="connsiteX0" y="connsiteY0"/>
+                </a:cxn>
+                <a:cxn ang="0">
+                  <a:pos x="connsiteX1" y="connsiteY1"/>
+                </a:cxn>
+                <a:cxn ang="0">
+                  <a:pos x="connsiteX2" y="connsiteY2"/>
+                </a:cxn>
+              </a:cxnLst>
+              <a:rect l="l" t="t" r="r" b="b"/>
+              <a:pathLst>
+                <a:path w="1007859" h="972457">
+                  <a:moveTo>
+                    <a:pt x="49916" y="0"/>
+                  </a:moveTo>
+                  <a:cubicBezTo>
+                    <a:pt x="-884" y="267305"/>
+                    <a:pt x="-51684" y="534610"/>
+                    <a:pt x="107973" y="696686"/>
+                  </a:cubicBezTo>
+                  <a:cubicBezTo>
+                    <a:pt x="267630" y="858762"/>
+                    <a:pt x="816754" y="817638"/>
+                    <a:pt x="1007859" y="972457"/>
+                  </a:cubicBezTo>
+                </a:path>
+              </a:pathLst>
+            </a:custGeom>
+            <a:noFill/>
+            <a:ln w="50800">
+              <a:solidFill>
+                <a:srgbClr val="FF0000"/>
+              </a:solidFill>
+            </a:ln>
+          </p:spPr>
+          <p:style>
+            <a:lnRef idx="2">
+              <a:schemeClr val="accent1">
+                <a:shade val="50000"/>
+              </a:schemeClr>
+            </a:lnRef>
+            <a:fillRef idx="1">
+              <a:schemeClr val="accent1"/>
+            </a:fillRef>
+            <a:effectRef idx="0">
+              <a:schemeClr val="accent1"/>
+            </a:effectRef>
+            <a:fontRef idx="minor">
+              <a:schemeClr val="lt1"/>
+            </a:fontRef>
+          </p:style>
+          <p:txBody>
+            <a:bodyPr rtlCol="0" anchor="ctr"/>
+            <a:lstStyle/>
+            <a:p>
+              <a:pPr algn="ctr"/>
+              <a:endParaRPr lang="de-DE"/>
+            </a:p>
+          </p:txBody>
+        </p:sp>
+        <p:sp>
+          <p:nvSpPr>
+            <p:cNvPr id="9" name="Freihandform 8"/>
+            <p:cNvSpPr/>
+            <p:nvPr/>
+          </p:nvSpPr>
+          <p:spPr>
+            <a:xfrm>
+              <a:off x="3672114" y="2061029"/>
+              <a:ext cx="783772" cy="1886857"/>
+            </a:xfrm>
+            <a:custGeom>
+              <a:avLst/>
+              <a:gdLst>
+                <a:gd name="connsiteX0" fmla="*/ 0 w 783772"/>
+                <a:gd name="connsiteY0" fmla="*/ 1886857 h 1886857"/>
+                <a:gd name="connsiteX1" fmla="*/ 783772 w 783772"/>
+                <a:gd name="connsiteY1" fmla="*/ 0 h 1886857"/>
+              </a:gdLst>
+              <a:ahLst/>
+              <a:cxnLst>
+                <a:cxn ang="0">
+                  <a:pos x="connsiteX0" y="connsiteY0"/>
+                </a:cxn>
+                <a:cxn ang="0">
+                  <a:pos x="connsiteX1" y="connsiteY1"/>
+                </a:cxn>
+              </a:cxnLst>
+              <a:rect l="l" t="t" r="r" b="b"/>
+              <a:pathLst>
+                <a:path w="783772" h="1886857">
+                  <a:moveTo>
+                    <a:pt x="0" y="1886857"/>
+                  </a:moveTo>
+                  <a:cubicBezTo>
+                    <a:pt x="308429" y="1167190"/>
+                    <a:pt x="616858" y="447524"/>
+                    <a:pt x="783772" y="0"/>
+                  </a:cubicBezTo>
+                </a:path>
+              </a:pathLst>
+            </a:custGeom>
+            <a:noFill/>
+            <a:ln w="50800">
+              <a:solidFill>
+                <a:srgbClr val="FF0000"/>
+              </a:solidFill>
+            </a:ln>
+          </p:spPr>
+          <p:style>
+            <a:lnRef idx="2">
+              <a:schemeClr val="accent1">
+                <a:shade val="50000"/>
+              </a:schemeClr>
+            </a:lnRef>
+            <a:fillRef idx="1">
+              <a:schemeClr val="accent1"/>
+            </a:fillRef>
+            <a:effectRef idx="0">
+              <a:schemeClr val="accent1"/>
+            </a:effectRef>
+            <a:fontRef idx="minor">
+              <a:schemeClr val="lt1"/>
+            </a:fontRef>
+          </p:style>
+          <p:txBody>
+            <a:bodyPr rtlCol="0" anchor="ctr"/>
+            <a:lstStyle/>
+            <a:p>
+              <a:pPr algn="ctr"/>
+              <a:endParaRPr lang="de-DE"/>
+            </a:p>
+          </p:txBody>
+        </p:sp>
+        <p:sp>
+          <p:nvSpPr>
+            <p:cNvPr id="10" name="Freihandform 9"/>
+            <p:cNvSpPr/>
+            <p:nvPr/>
+          </p:nvSpPr>
+          <p:spPr>
+            <a:xfrm>
+              <a:off x="1248229" y="2325233"/>
+              <a:ext cx="1640763" cy="1695224"/>
+            </a:xfrm>
+            <a:custGeom>
+              <a:avLst/>
+              <a:gdLst>
+                <a:gd name="connsiteX0" fmla="*/ 0 w 1640763"/>
+                <a:gd name="connsiteY0" fmla="*/ 1651681 h 1695224"/>
+                <a:gd name="connsiteX1" fmla="*/ 711200 w 1640763"/>
+                <a:gd name="connsiteY1" fmla="*/ 26081 h 1695224"/>
+                <a:gd name="connsiteX2" fmla="*/ 1640114 w 1640763"/>
+                <a:gd name="connsiteY2" fmla="*/ 722767 h 1695224"/>
+                <a:gd name="connsiteX3" fmla="*/ 827314 w 1640763"/>
+                <a:gd name="connsiteY3" fmla="*/ 1695224 h 1695224"/>
+              </a:gdLst>
+              <a:ahLst/>
+              <a:cxnLst>
+                <a:cxn ang="0">
+                  <a:pos x="connsiteX0" y="connsiteY0"/>
+                </a:cxn>
+                <a:cxn ang="0">
+                  <a:pos x="connsiteX1" y="connsiteY1"/>
+                </a:cxn>
+                <a:cxn ang="0">
+                  <a:pos x="connsiteX2" y="connsiteY2"/>
+                </a:cxn>
+                <a:cxn ang="0">
+                  <a:pos x="connsiteX3" y="connsiteY3"/>
+                </a:cxn>
+              </a:cxnLst>
+              <a:rect l="l" t="t" r="r" b="b"/>
+              <a:pathLst>
+                <a:path w="1640763" h="1695224">
+                  <a:moveTo>
+                    <a:pt x="0" y="1651681"/>
+                  </a:moveTo>
+                  <a:cubicBezTo>
+                    <a:pt x="218924" y="916290"/>
+                    <a:pt x="437848" y="180900"/>
+                    <a:pt x="711200" y="26081"/>
+                  </a:cubicBezTo>
+                  <a:cubicBezTo>
+                    <a:pt x="984552" y="-128738"/>
+                    <a:pt x="1620762" y="444576"/>
+                    <a:pt x="1640114" y="722767"/>
+                  </a:cubicBezTo>
+                  <a:cubicBezTo>
+                    <a:pt x="1659466" y="1000958"/>
+                    <a:pt x="1243390" y="1348091"/>
+                    <a:pt x="827314" y="1695224"/>
+                  </a:cubicBezTo>
+                </a:path>
+              </a:pathLst>
+            </a:custGeom>
+            <a:noFill/>
+            <a:ln w="50800">
+              <a:solidFill>
+                <a:srgbClr val="FF0000"/>
+              </a:solidFill>
+            </a:ln>
+          </p:spPr>
+          <p:style>
+            <a:lnRef idx="2">
+              <a:schemeClr val="accent1">
+                <a:shade val="50000"/>
+              </a:schemeClr>
+            </a:lnRef>
+            <a:fillRef idx="1">
+              <a:schemeClr val="accent1"/>
+            </a:fillRef>
+            <a:effectRef idx="0">
+              <a:schemeClr val="accent1"/>
+            </a:effectRef>
+            <a:fontRef idx="minor">
+              <a:schemeClr val="lt1"/>
+            </a:fontRef>
+          </p:style>
+          <p:txBody>
+            <a:bodyPr rtlCol="0" anchor="ctr"/>
+            <a:lstStyle/>
+            <a:p>
+              <a:pPr algn="ctr"/>
+              <a:endParaRPr lang="de-DE"/>
+            </a:p>
+          </p:txBody>
+        </p:sp>
+        <p:sp>
+          <p:nvSpPr>
+            <p:cNvPr id="11" name="Freihandform 10"/>
+            <p:cNvSpPr/>
+            <p:nvPr/>
+          </p:nvSpPr>
+          <p:spPr>
+            <a:xfrm>
+              <a:off x="1770743" y="1364343"/>
+              <a:ext cx="855895" cy="1262743"/>
+            </a:xfrm>
+            <a:custGeom>
+              <a:avLst/>
+              <a:gdLst>
+                <a:gd name="connsiteX0" fmla="*/ 827314 w 855895"/>
+                <a:gd name="connsiteY0" fmla="*/ 1262743 h 1262743"/>
+                <a:gd name="connsiteX1" fmla="*/ 754743 w 855895"/>
+                <a:gd name="connsiteY1" fmla="*/ 508000 h 1262743"/>
+                <a:gd name="connsiteX2" fmla="*/ 0 w 855895"/>
+                <a:gd name="connsiteY2" fmla="*/ 0 h 1262743"/>
+              </a:gdLst>
+              <a:ahLst/>
+              <a:cxnLst>
+                <a:cxn ang="0">
+                  <a:pos x="connsiteX0" y="connsiteY0"/>
+                </a:cxn>
+                <a:cxn ang="0">
+                  <a:pos x="connsiteX1" y="connsiteY1"/>
+                </a:cxn>
+                <a:cxn ang="0">
+                  <a:pos x="connsiteX2" y="connsiteY2"/>
+                </a:cxn>
+              </a:cxnLst>
+              <a:rect l="l" t="t" r="r" b="b"/>
+              <a:pathLst>
+                <a:path w="855895" h="1262743">
+                  <a:moveTo>
+                    <a:pt x="827314" y="1262743"/>
+                  </a:moveTo>
+                  <a:cubicBezTo>
+                    <a:pt x="859971" y="990600"/>
+                    <a:pt x="892629" y="718457"/>
+                    <a:pt x="754743" y="508000"/>
+                  </a:cubicBezTo>
+                  <a:cubicBezTo>
+                    <a:pt x="616857" y="297543"/>
+                    <a:pt x="308428" y="148771"/>
+                    <a:pt x="0" y="0"/>
+                  </a:cubicBezTo>
+                </a:path>
+              </a:pathLst>
+            </a:custGeom>
+            <a:noFill/>
+            <a:ln w="50800">
+              <a:solidFill>
+                <a:srgbClr val="FF0000"/>
+              </a:solidFill>
+            </a:ln>
+          </p:spPr>
+          <p:style>
+            <a:lnRef idx="2">
+              <a:schemeClr val="accent1">
+                <a:shade val="50000"/>
+              </a:schemeClr>
+            </a:lnRef>
+            <a:fillRef idx="1">
+              <a:schemeClr val="accent1"/>
+            </a:fillRef>
+            <a:effectRef idx="0">
+              <a:schemeClr val="accent1"/>
+            </a:effectRef>
+            <a:fontRef idx="minor">
+              <a:schemeClr val="lt1"/>
+            </a:fontRef>
+          </p:style>
+          <p:txBody>
+            <a:bodyPr rtlCol="0" anchor="ctr"/>
+            <a:lstStyle/>
+            <a:p>
+              <a:pPr algn="ctr"/>
+              <a:endParaRPr lang="de-DE"/>
+            </a:p>
+          </p:txBody>
+        </p:sp>
+        <p:sp>
+          <p:nvSpPr>
+            <p:cNvPr id="4" name="Freihandform 3"/>
+            <p:cNvSpPr/>
+            <p:nvPr/>
+          </p:nvSpPr>
+          <p:spPr>
+            <a:xfrm>
+              <a:off x="290158" y="1340993"/>
+              <a:ext cx="8032128" cy="3129395"/>
+            </a:xfrm>
+            <a:custGeom>
+              <a:avLst/>
+              <a:gdLst>
+                <a:gd name="connsiteX0" fmla="*/ 2235328 w 8032128"/>
+                <a:gd name="connsiteY0" fmla="*/ 23350 h 3129395"/>
+                <a:gd name="connsiteX1" fmla="*/ 4049613 w 8032128"/>
+                <a:gd name="connsiteY1" fmla="*/ 691007 h 3129395"/>
+                <a:gd name="connsiteX2" fmla="*/ 5268813 w 8032128"/>
+                <a:gd name="connsiteY2" fmla="*/ 545864 h 3129395"/>
+                <a:gd name="connsiteX3" fmla="*/ 5994528 w 8032128"/>
+                <a:gd name="connsiteY3" fmla="*/ 124950 h 3129395"/>
+                <a:gd name="connsiteX4" fmla="*/ 7068585 w 8032128"/>
+                <a:gd name="connsiteY4" fmla="*/ 37864 h 3129395"/>
+                <a:gd name="connsiteX5" fmla="*/ 7852356 w 8032128"/>
+                <a:gd name="connsiteY5" fmla="*/ 632950 h 3129395"/>
+                <a:gd name="connsiteX6" fmla="*/ 7924928 w 8032128"/>
+                <a:gd name="connsiteY6" fmla="*/ 2287578 h 3129395"/>
+                <a:gd name="connsiteX7" fmla="*/ 6589613 w 8032128"/>
+                <a:gd name="connsiteY7" fmla="*/ 3114893 h 3129395"/>
+                <a:gd name="connsiteX8" fmla="*/ 4760813 w 8032128"/>
+                <a:gd name="connsiteY8" fmla="*/ 2795578 h 3129395"/>
+                <a:gd name="connsiteX9" fmla="*/ 2641728 w 8032128"/>
+                <a:gd name="connsiteY9" fmla="*/ 2548836 h 3129395"/>
+                <a:gd name="connsiteX10" fmla="*/ 1886985 w 8032128"/>
+                <a:gd name="connsiteY10" fmla="*/ 2664950 h 3129395"/>
+                <a:gd name="connsiteX11" fmla="*/ 609728 w 8032128"/>
+                <a:gd name="connsiteY11" fmla="*/ 2505293 h 3129395"/>
+                <a:gd name="connsiteX12" fmla="*/ 128 w 8032128"/>
+                <a:gd name="connsiteY12" fmla="*/ 1518321 h 3129395"/>
+                <a:gd name="connsiteX13" fmla="*/ 653271 w 8032128"/>
+                <a:gd name="connsiteY13" fmla="*/ 284607 h 3129395"/>
+                <a:gd name="connsiteX14" fmla="*/ 2235328 w 8032128"/>
+                <a:gd name="connsiteY14" fmla="*/ 23350 h 3129395"/>
+              </a:gdLst>
+              <a:ahLst/>
+              <a:cxnLst>
+                <a:cxn ang="0">
+                  <a:pos x="connsiteX0" y="connsiteY0"/>
+                </a:cxn>
+                <a:cxn ang="0">
+                  <a:pos x="connsiteX1" y="connsiteY1"/>
+                </a:cxn>
+                <a:cxn ang="0">
+                  <a:pos x="connsiteX2" y="connsiteY2"/>
+                </a:cxn>
+                <a:cxn ang="0">
+                  <a:pos x="connsiteX3" y="connsiteY3"/>
+                </a:cxn>
+                <a:cxn ang="0">
+                  <a:pos x="connsiteX4" y="connsiteY4"/>
+                </a:cxn>
+                <a:cxn ang="0">
+                  <a:pos x="connsiteX5" y="connsiteY5"/>
+                </a:cxn>
+                <a:cxn ang="0">
+                  <a:pos x="connsiteX6" y="connsiteY6"/>
+                </a:cxn>
+                <a:cxn ang="0">
+                  <a:pos x="connsiteX7" y="connsiteY7"/>
+                </a:cxn>
+                <a:cxn ang="0">
+                  <a:pos x="connsiteX8" y="connsiteY8"/>
+                </a:cxn>
+                <a:cxn ang="0">
+                  <a:pos x="connsiteX9" y="connsiteY9"/>
+                </a:cxn>
+                <a:cxn ang="0">
+                  <a:pos x="connsiteX10" y="connsiteY10"/>
+                </a:cxn>
+                <a:cxn ang="0">
+                  <a:pos x="connsiteX11" y="connsiteY11"/>
+                </a:cxn>
+                <a:cxn ang="0">
+                  <a:pos x="connsiteX12" y="connsiteY12"/>
+                </a:cxn>
+                <a:cxn ang="0">
+                  <a:pos x="connsiteX13" y="connsiteY13"/>
+                </a:cxn>
+                <a:cxn ang="0">
+                  <a:pos x="connsiteX14" y="connsiteY14"/>
+                </a:cxn>
+              </a:cxnLst>
+              <a:rect l="l" t="t" r="r" b="b"/>
+              <a:pathLst>
+                <a:path w="8032128" h="3129395">
+                  <a:moveTo>
+                    <a:pt x="2235328" y="23350"/>
+                  </a:moveTo>
+                  <a:cubicBezTo>
+                    <a:pt x="2801385" y="91083"/>
+                    <a:pt x="3544032" y="603921"/>
+                    <a:pt x="4049613" y="691007"/>
+                  </a:cubicBezTo>
+                  <a:cubicBezTo>
+                    <a:pt x="4555194" y="778093"/>
+                    <a:pt x="4944661" y="640207"/>
+                    <a:pt x="5268813" y="545864"/>
+                  </a:cubicBezTo>
+                  <a:cubicBezTo>
+                    <a:pt x="5592966" y="451521"/>
+                    <a:pt x="5694566" y="209617"/>
+                    <a:pt x="5994528" y="124950"/>
+                  </a:cubicBezTo>
+                  <a:cubicBezTo>
+                    <a:pt x="6294490" y="40283"/>
+                    <a:pt x="6758947" y="-46803"/>
+                    <a:pt x="7068585" y="37864"/>
+                  </a:cubicBezTo>
+                  <a:cubicBezTo>
+                    <a:pt x="7378223" y="122531"/>
+                    <a:pt x="7709632" y="257998"/>
+                    <a:pt x="7852356" y="632950"/>
+                  </a:cubicBezTo>
+                  <a:cubicBezTo>
+                    <a:pt x="7995080" y="1007902"/>
+                    <a:pt x="8135385" y="1873921"/>
+                    <a:pt x="7924928" y="2287578"/>
+                  </a:cubicBezTo>
+                  <a:cubicBezTo>
+                    <a:pt x="7714471" y="2701235"/>
+                    <a:pt x="7116966" y="3030226"/>
+                    <a:pt x="6589613" y="3114893"/>
+                  </a:cubicBezTo>
+                  <a:cubicBezTo>
+                    <a:pt x="6062261" y="3199560"/>
+                    <a:pt x="5418794" y="2889921"/>
+                    <a:pt x="4760813" y="2795578"/>
+                  </a:cubicBezTo>
+                  <a:cubicBezTo>
+                    <a:pt x="4102832" y="2701235"/>
+                    <a:pt x="3120699" y="2570607"/>
+                    <a:pt x="2641728" y="2548836"/>
+                  </a:cubicBezTo>
+                  <a:cubicBezTo>
+                    <a:pt x="2162757" y="2527065"/>
+                    <a:pt x="2225652" y="2672207"/>
+                    <a:pt x="1886985" y="2664950"/>
+                  </a:cubicBezTo>
+                  <a:cubicBezTo>
+                    <a:pt x="1548318" y="2657693"/>
+                    <a:pt x="924204" y="2696398"/>
+                    <a:pt x="609728" y="2505293"/>
+                  </a:cubicBezTo>
+                  <a:cubicBezTo>
+                    <a:pt x="295252" y="2314188"/>
+                    <a:pt x="-7129" y="1888435"/>
+                    <a:pt x="128" y="1518321"/>
+                  </a:cubicBezTo>
+                  <a:cubicBezTo>
+                    <a:pt x="7385" y="1148207"/>
+                    <a:pt x="280738" y="536188"/>
+                    <a:pt x="653271" y="284607"/>
+                  </a:cubicBezTo>
+                  <a:cubicBezTo>
+                    <a:pt x="1025804" y="33026"/>
+                    <a:pt x="1669271" y="-44383"/>
+                    <a:pt x="2235328" y="23350"/>
+                  </a:cubicBezTo>
+                  <a:close/>
+                </a:path>
+              </a:pathLst>
+            </a:custGeom>
+            <a:noFill/>
+            <a:ln w="50800">
+              <a:solidFill>
+                <a:schemeClr val="tx1"/>
+              </a:solidFill>
+            </a:ln>
+          </p:spPr>
+          <p:style>
+            <a:lnRef idx="2">
+              <a:schemeClr val="accent1">
+                <a:shade val="50000"/>
+              </a:schemeClr>
+            </a:lnRef>
+            <a:fillRef idx="1">
+              <a:schemeClr val="accent1"/>
+            </a:fillRef>
+            <a:effectRef idx="0">
+              <a:schemeClr val="accent1"/>
+            </a:effectRef>
+            <a:fontRef idx="minor">
+              <a:schemeClr val="lt1"/>
+            </a:fontRef>
+          </p:style>
+          <p:txBody>
+            <a:bodyPr rtlCol="0" anchor="ctr"/>
+            <a:lstStyle/>
+            <a:p>
+              <a:pPr algn="ctr"/>
+              <a:endParaRPr lang="de-DE"/>
+            </a:p>
+          </p:txBody>
+        </p:sp>
+        <p:sp>
+          <p:nvSpPr>
+            <p:cNvPr id="12" name="Freihandform 11"/>
+            <p:cNvSpPr/>
+            <p:nvPr/>
+          </p:nvSpPr>
+          <p:spPr>
+            <a:xfrm>
+              <a:off x="3933371" y="1364343"/>
+              <a:ext cx="733856" cy="460040"/>
+            </a:xfrm>
+            <a:custGeom>
+              <a:avLst/>
+              <a:gdLst>
+                <a:gd name="connsiteX0" fmla="*/ 1756229 w 1756229"/>
+                <a:gd name="connsiteY0" fmla="*/ 0 h 914400"/>
+                <a:gd name="connsiteX1" fmla="*/ 420915 w 1756229"/>
+                <a:gd name="connsiteY1" fmla="*/ 217714 h 914400"/>
+                <a:gd name="connsiteX2" fmla="*/ 0 w 1756229"/>
+                <a:gd name="connsiteY2" fmla="*/ 914400 h 914400"/>
+              </a:gdLst>
+              <a:ahLst/>
+              <a:cxnLst>
+                <a:cxn ang="0">
+                  <a:pos x="connsiteX0" y="connsiteY0"/>
+                </a:cxn>
+                <a:cxn ang="0">
+                  <a:pos x="connsiteX1" y="connsiteY1"/>
+                </a:cxn>
+                <a:cxn ang="0">
+                  <a:pos x="connsiteX2" y="connsiteY2"/>
+                </a:cxn>
+              </a:cxnLst>
+              <a:rect l="l" t="t" r="r" b="b"/>
+              <a:pathLst>
+                <a:path w="1756229" h="914400">
+                  <a:moveTo>
+                    <a:pt x="1756229" y="0"/>
+                  </a:moveTo>
+                  <a:cubicBezTo>
+                    <a:pt x="1234924" y="32657"/>
+                    <a:pt x="713620" y="65314"/>
+                    <a:pt x="420915" y="217714"/>
+                  </a:cubicBezTo>
+                  <a:cubicBezTo>
+                    <a:pt x="128210" y="370114"/>
+                    <a:pt x="72571" y="834571"/>
+                    <a:pt x="0" y="914400"/>
+                  </a:cubicBezTo>
+                </a:path>
+              </a:pathLst>
+            </a:custGeom>
+            <a:noFill/>
+            <a:ln>
+              <a:solidFill>
+                <a:schemeClr val="tx1"/>
+              </a:solidFill>
+              <a:tailEnd type="stealth" w="lg" len="lg"/>
+            </a:ln>
+          </p:spPr>
+          <p:style>
+            <a:lnRef idx="2">
+              <a:schemeClr val="accent1">
+                <a:shade val="50000"/>
+              </a:schemeClr>
+            </a:lnRef>
+            <a:fillRef idx="1">
+              <a:schemeClr val="accent1"/>
+            </a:fillRef>
+            <a:effectRef idx="0">
+              <a:schemeClr val="accent1"/>
+            </a:effectRef>
+            <a:fontRef idx="minor">
+              <a:schemeClr val="lt1"/>
+            </a:fontRef>
+          </p:style>
+          <p:txBody>
+            <a:bodyPr rtlCol="0" anchor="ctr"/>
+            <a:lstStyle/>
+            <a:p>
+              <a:pPr algn="ctr"/>
+              <a:endParaRPr lang="de-DE"/>
+            </a:p>
+          </p:txBody>
+        </p:sp>
+        <p:sp>
+          <p:nvSpPr>
+            <p:cNvPr id="13" name="Textfeld 12"/>
+            <p:cNvSpPr txBox="1"/>
+            <p:nvPr/>
+          </p:nvSpPr>
+          <p:spPr>
+            <a:xfrm>
+              <a:off x="4667227" y="1135490"/>
+              <a:ext cx="1138487" cy="461665"/>
+            </a:xfrm>
+            <a:prstGeom prst="rect">
+              <a:avLst/>
+            </a:prstGeom>
+            <a:noFill/>
+          </p:spPr>
+          <p:txBody>
+            <a:bodyPr wrap="square" rtlCol="0">
+              <a:spAutoFit/>
+            </a:bodyPr>
+            <a:lstStyle/>
+            <a:p>
+              <a:r>
+                <a:rPr lang="de-DE" sz="2400" dirty="0" smtClean="0"/>
+                <a:t>C(X,Y)</a:t>
+              </a:r>
+              <a:endParaRPr lang="de-DE" sz="2400" dirty="0"/>
+            </a:p>
+          </p:txBody>
+        </p:sp>
+      </p:grpSp>
+    </p:spTree>
+    <p:extLst>
+      <p:ext uri="{BB962C8B-B14F-4D97-AF65-F5344CB8AC3E}">
+        <p14:creationId xmlns:p14="http://schemas.microsoft.com/office/powerpoint/2010/main" val="2621234488"/>
+      </p:ext>
+    </p:extLst>
+  </p:cSld>
+  <p:clrMapOvr>
+    <a:masterClrMapping/>
+  </p:clrMapOvr>
+</p:sld>
+</file>
+
+<file path=ppt/slides/slide3.xml><?xml version="1.0" encoding="utf-8"?>
+<p:sld xmlns:a="http://schemas.openxmlformats.org/drawingml/2006/main" xmlns:r="http://schemas.openxmlformats.org/officeDocument/2006/relationships" xmlns:p="http://schemas.openxmlformats.org/presentationml/2006/main">
+  <p:cSld>
+    <p:spTree>
+      <p:nvGrpSpPr>
+        <p:cNvPr id="1" name=""/>
+        <p:cNvGrpSpPr/>
+        <p:nvPr/>
+      </p:nvGrpSpPr>
+      <p:grpSpPr>
+        <a:xfrm>
+          <a:off x="0" y="0"/>
+          <a:ext cx="0" cy="0"/>
+          <a:chOff x="0" y="0"/>
+          <a:chExt cx="0" cy="0"/>
+        </a:xfrm>
+      </p:grpSpPr>
+      <p:grpSp>
+        <p:nvGrpSpPr>
+          <p:cNvPr id="38" name="Gruppieren 37"/>
+          <p:cNvGrpSpPr/>
+          <p:nvPr/>
+        </p:nvGrpSpPr>
+        <p:grpSpPr>
+          <a:xfrm>
+            <a:off x="1403648" y="692696"/>
+            <a:ext cx="7308456" cy="5215898"/>
+            <a:chOff x="1403648" y="692696"/>
+            <a:chExt cx="7308456" cy="5215898"/>
+          </a:xfrm>
+        </p:grpSpPr>
+        <p:cxnSp>
+          <p:nvCxnSpPr>
+            <p:cNvPr id="5" name="Gewinkelte Verbindung 4"/>
+            <p:cNvCxnSpPr/>
+            <p:nvPr/>
+          </p:nvCxnSpPr>
+          <p:spPr>
+            <a:xfrm>
+              <a:off x="1403648" y="692696"/>
+              <a:ext cx="6264696" cy="4896544"/>
+            </a:xfrm>
+            <a:prstGeom prst="bentConnector3">
+              <a:avLst>
+                <a:gd name="adj1" fmla="val -44"/>
+              </a:avLst>
+            </a:prstGeom>
+            <a:ln w="50800">
+              <a:solidFill>
+                <a:schemeClr val="tx1"/>
+              </a:solidFill>
+            </a:ln>
+          </p:spPr>
+          <p:style>
+            <a:lnRef idx="1">
+              <a:schemeClr val="accent1"/>
+            </a:lnRef>
+            <a:fillRef idx="0">
+              <a:schemeClr val="accent1"/>
+            </a:fillRef>
+            <a:effectRef idx="0">
+              <a:schemeClr val="accent1"/>
+            </a:effectRef>
+            <a:fontRef idx="minor">
+              <a:schemeClr val="tx1"/>
+            </a:fontRef>
+          </p:style>
+        </p:cxnSp>
+        <p:sp>
+          <p:nvSpPr>
+            <p:cNvPr id="7" name="Freihandform 6"/>
+            <p:cNvSpPr/>
+            <p:nvPr/>
+          </p:nvSpPr>
+          <p:spPr>
+            <a:xfrm>
+              <a:off x="2307771" y="4151064"/>
+              <a:ext cx="4659086" cy="957965"/>
+            </a:xfrm>
+            <a:custGeom>
+              <a:avLst/>
+              <a:gdLst>
+                <a:gd name="connsiteX0" fmla="*/ 0 w 4659086"/>
+                <a:gd name="connsiteY0" fmla="*/ 957965 h 957965"/>
+                <a:gd name="connsiteX1" fmla="*/ 1901372 w 4659086"/>
+                <a:gd name="connsiteY1" fmla="*/ 22 h 957965"/>
+                <a:gd name="connsiteX2" fmla="*/ 4659086 w 4659086"/>
+                <a:gd name="connsiteY2" fmla="*/ 928936 h 957965"/>
+              </a:gdLst>
+              <a:ahLst/>
+              <a:cxnLst>
+                <a:cxn ang="0">
+                  <a:pos x="connsiteX0" y="connsiteY0"/>
+                </a:cxn>
+                <a:cxn ang="0">
+                  <a:pos x="connsiteX1" y="connsiteY1"/>
+                </a:cxn>
+                <a:cxn ang="0">
+                  <a:pos x="connsiteX2" y="connsiteY2"/>
+                </a:cxn>
+              </a:cxnLst>
+              <a:rect l="l" t="t" r="r" b="b"/>
+              <a:pathLst>
+                <a:path w="4659086" h="957965">
+                  <a:moveTo>
+                    <a:pt x="0" y="957965"/>
+                  </a:moveTo>
+                  <a:cubicBezTo>
+                    <a:pt x="562429" y="481412"/>
+                    <a:pt x="1124858" y="4860"/>
+                    <a:pt x="1901372" y="22"/>
+                  </a:cubicBezTo>
+                  <a:cubicBezTo>
+                    <a:pt x="2677886" y="-4816"/>
+                    <a:pt x="4189791" y="769279"/>
+                    <a:pt x="4659086" y="928936"/>
+                  </a:cubicBezTo>
+                </a:path>
+              </a:pathLst>
+            </a:custGeom>
+            <a:noFill/>
+            <a:ln w="38100">
+              <a:solidFill>
+                <a:srgbClr val="C00000"/>
+              </a:solidFill>
+            </a:ln>
+          </p:spPr>
+          <p:style>
+            <a:lnRef idx="2">
+              <a:schemeClr val="accent1">
+                <a:shade val="50000"/>
+              </a:schemeClr>
+            </a:lnRef>
+            <a:fillRef idx="1">
+              <a:schemeClr val="accent1"/>
+            </a:fillRef>
+            <a:effectRef idx="0">
+              <a:schemeClr val="accent1"/>
+            </a:effectRef>
+            <a:fontRef idx="minor">
+              <a:schemeClr val="lt1"/>
+            </a:fontRef>
+          </p:style>
+          <p:txBody>
+            <a:bodyPr rtlCol="0" anchor="ctr"/>
+            <a:lstStyle/>
+            <a:p>
+              <a:pPr algn="ctr"/>
+              <a:endParaRPr lang="de-DE"/>
+            </a:p>
+          </p:txBody>
+        </p:sp>
+        <p:sp>
+          <p:nvSpPr>
+            <p:cNvPr id="8" name="Freihandform 7"/>
+            <p:cNvSpPr/>
+            <p:nvPr/>
+          </p:nvSpPr>
+          <p:spPr>
+            <a:xfrm>
+              <a:off x="1931130" y="1276869"/>
+              <a:ext cx="5311498" cy="1760567"/>
+            </a:xfrm>
+            <a:custGeom>
+              <a:avLst/>
+              <a:gdLst>
+                <a:gd name="connsiteX0" fmla="*/ 710470 w 5180870"/>
+                <a:gd name="connsiteY0" fmla="*/ 1756617 h 1760567"/>
+                <a:gd name="connsiteX1" fmla="*/ 187956 w 5180870"/>
+                <a:gd name="connsiteY1" fmla="*/ 1553417 h 1760567"/>
+                <a:gd name="connsiteX2" fmla="*/ 86356 w 5180870"/>
+                <a:gd name="connsiteY2" fmla="*/ 421302 h 1760567"/>
+                <a:gd name="connsiteX3" fmla="*/ 1392641 w 5180870"/>
+                <a:gd name="connsiteY3" fmla="*/ 388 h 1760567"/>
+                <a:gd name="connsiteX4" fmla="*/ 2902127 w 5180870"/>
+                <a:gd name="connsiteY4" fmla="*/ 479360 h 1760567"/>
+                <a:gd name="connsiteX5" fmla="*/ 3613327 w 5180870"/>
+                <a:gd name="connsiteY5" fmla="*/ 1321188 h 1760567"/>
+                <a:gd name="connsiteX6" fmla="*/ 4788984 w 5180870"/>
+                <a:gd name="connsiteY6" fmla="*/ 798674 h 1760567"/>
+                <a:gd name="connsiteX7" fmla="*/ 5180870 w 5180870"/>
+                <a:gd name="connsiteY7" fmla="*/ 189074 h 1760567"/>
+                <a:gd name="connsiteX0" fmla="*/ 710470 w 5311498"/>
+                <a:gd name="connsiteY0" fmla="*/ 1756617 h 1760567"/>
+                <a:gd name="connsiteX1" fmla="*/ 187956 w 5311498"/>
+                <a:gd name="connsiteY1" fmla="*/ 1553417 h 1760567"/>
+                <a:gd name="connsiteX2" fmla="*/ 86356 w 5311498"/>
+                <a:gd name="connsiteY2" fmla="*/ 421302 h 1760567"/>
+                <a:gd name="connsiteX3" fmla="*/ 1392641 w 5311498"/>
+                <a:gd name="connsiteY3" fmla="*/ 388 h 1760567"/>
+                <a:gd name="connsiteX4" fmla="*/ 2902127 w 5311498"/>
+                <a:gd name="connsiteY4" fmla="*/ 479360 h 1760567"/>
+                <a:gd name="connsiteX5" fmla="*/ 3613327 w 5311498"/>
+                <a:gd name="connsiteY5" fmla="*/ 1321188 h 1760567"/>
+                <a:gd name="connsiteX6" fmla="*/ 4788984 w 5311498"/>
+                <a:gd name="connsiteY6" fmla="*/ 798674 h 1760567"/>
+                <a:gd name="connsiteX7" fmla="*/ 5311498 w 5311498"/>
+                <a:gd name="connsiteY7" fmla="*/ 464846 h 1760567"/>
+                <a:gd name="connsiteX0" fmla="*/ 710470 w 5311498"/>
+                <a:gd name="connsiteY0" fmla="*/ 1756617 h 1760567"/>
+                <a:gd name="connsiteX1" fmla="*/ 187956 w 5311498"/>
+                <a:gd name="connsiteY1" fmla="*/ 1553417 h 1760567"/>
+                <a:gd name="connsiteX2" fmla="*/ 86356 w 5311498"/>
+                <a:gd name="connsiteY2" fmla="*/ 421302 h 1760567"/>
+                <a:gd name="connsiteX3" fmla="*/ 1392641 w 5311498"/>
+                <a:gd name="connsiteY3" fmla="*/ 388 h 1760567"/>
+                <a:gd name="connsiteX4" fmla="*/ 2902127 w 5311498"/>
+                <a:gd name="connsiteY4" fmla="*/ 479360 h 1760567"/>
+                <a:gd name="connsiteX5" fmla="*/ 3613327 w 5311498"/>
+                <a:gd name="connsiteY5" fmla="*/ 1321188 h 1760567"/>
+                <a:gd name="connsiteX6" fmla="*/ 4788984 w 5311498"/>
+                <a:gd name="connsiteY6" fmla="*/ 798674 h 1760567"/>
+                <a:gd name="connsiteX7" fmla="*/ 5311498 w 5311498"/>
+                <a:gd name="connsiteY7" fmla="*/ 464846 h 1760567"/>
+                <a:gd name="connsiteX0" fmla="*/ 710470 w 5311498"/>
+                <a:gd name="connsiteY0" fmla="*/ 1756617 h 1760567"/>
+                <a:gd name="connsiteX1" fmla="*/ 187956 w 5311498"/>
+                <a:gd name="connsiteY1" fmla="*/ 1553417 h 1760567"/>
+                <a:gd name="connsiteX2" fmla="*/ 86356 w 5311498"/>
+                <a:gd name="connsiteY2" fmla="*/ 421302 h 1760567"/>
+                <a:gd name="connsiteX3" fmla="*/ 1392641 w 5311498"/>
+                <a:gd name="connsiteY3" fmla="*/ 388 h 1760567"/>
+                <a:gd name="connsiteX4" fmla="*/ 2902127 w 5311498"/>
+                <a:gd name="connsiteY4" fmla="*/ 479360 h 1760567"/>
+                <a:gd name="connsiteX5" fmla="*/ 3613327 w 5311498"/>
+                <a:gd name="connsiteY5" fmla="*/ 1321188 h 1760567"/>
+                <a:gd name="connsiteX6" fmla="*/ 4498698 w 5311498"/>
+                <a:gd name="connsiteY6" fmla="*/ 464846 h 1760567"/>
+                <a:gd name="connsiteX7" fmla="*/ 5311498 w 5311498"/>
+                <a:gd name="connsiteY7" fmla="*/ 464846 h 1760567"/>
+              </a:gdLst>
+              <a:ahLst/>
+              <a:cxnLst>
+                <a:cxn ang="0">
+                  <a:pos x="connsiteX0" y="connsiteY0"/>
+                </a:cxn>
+                <a:cxn ang="0">
+                  <a:pos x="connsiteX1" y="connsiteY1"/>
+                </a:cxn>
+                <a:cxn ang="0">
+                  <a:pos x="connsiteX2" y="connsiteY2"/>
+                </a:cxn>
+                <a:cxn ang="0">
+                  <a:pos x="connsiteX3" y="connsiteY3"/>
+                </a:cxn>
+                <a:cxn ang="0">
+                  <a:pos x="connsiteX4" y="connsiteY4"/>
+                </a:cxn>
+                <a:cxn ang="0">
+                  <a:pos x="connsiteX5" y="connsiteY5"/>
+                </a:cxn>
+                <a:cxn ang="0">
+                  <a:pos x="connsiteX6" y="connsiteY6"/>
+                </a:cxn>
+                <a:cxn ang="0">
+                  <a:pos x="connsiteX7" y="connsiteY7"/>
+                </a:cxn>
+              </a:cxnLst>
+              <a:rect l="l" t="t" r="r" b="b"/>
+              <a:pathLst>
+                <a:path w="5311498" h="1760567">
+                  <a:moveTo>
+                    <a:pt x="710470" y="1756617"/>
+                  </a:moveTo>
+                  <a:cubicBezTo>
+                    <a:pt x="501222" y="1766293"/>
+                    <a:pt x="291975" y="1775970"/>
+                    <a:pt x="187956" y="1553417"/>
+                  </a:cubicBezTo>
+                  <a:cubicBezTo>
+                    <a:pt x="83937" y="1330864"/>
+                    <a:pt x="-114425" y="680140"/>
+                    <a:pt x="86356" y="421302"/>
+                  </a:cubicBezTo>
+                  <a:cubicBezTo>
+                    <a:pt x="287137" y="162464"/>
+                    <a:pt x="923346" y="-9288"/>
+                    <a:pt x="1392641" y="388"/>
+                  </a:cubicBezTo>
+                  <a:cubicBezTo>
+                    <a:pt x="1861936" y="10064"/>
+                    <a:pt x="2532013" y="259227"/>
+                    <a:pt x="2902127" y="479360"/>
+                  </a:cubicBezTo>
+                  <a:cubicBezTo>
+                    <a:pt x="3272241" y="699493"/>
+                    <a:pt x="3347232" y="1323607"/>
+                    <a:pt x="3613327" y="1321188"/>
+                  </a:cubicBezTo>
+                  <a:cubicBezTo>
+                    <a:pt x="3879422" y="1318769"/>
+                    <a:pt x="4215670" y="607570"/>
+                    <a:pt x="4498698" y="464846"/>
+                  </a:cubicBezTo>
+                  <a:cubicBezTo>
+                    <a:pt x="4781726" y="322122"/>
+                    <a:pt x="5072012" y="501131"/>
+                    <a:pt x="5311498" y="464846"/>
+                  </a:cubicBezTo>
+                </a:path>
+              </a:pathLst>
+            </a:custGeom>
+            <a:noFill/>
+            <a:ln w="38100">
+              <a:solidFill>
+                <a:srgbClr val="00B050"/>
+              </a:solidFill>
+            </a:ln>
+          </p:spPr>
+          <p:style>
+            <a:lnRef idx="2">
+              <a:schemeClr val="accent1">
+                <a:shade val="50000"/>
+              </a:schemeClr>
+            </a:lnRef>
+            <a:fillRef idx="1">
+              <a:schemeClr val="accent1"/>
+            </a:fillRef>
+            <a:effectRef idx="0">
+              <a:schemeClr val="accent1"/>
+            </a:effectRef>
+            <a:fontRef idx="minor">
+              <a:schemeClr val="lt1"/>
+            </a:fontRef>
+          </p:style>
+          <p:txBody>
+            <a:bodyPr rtlCol="0" anchor="ctr"/>
+            <a:lstStyle/>
+            <a:p>
+              <a:pPr algn="ctr"/>
+              <a:endParaRPr lang="de-DE"/>
+            </a:p>
+          </p:txBody>
+        </p:sp>
+        <p:sp>
+          <p:nvSpPr>
+            <p:cNvPr id="9" name="Textfeld 8"/>
+            <p:cNvSpPr txBox="1"/>
+            <p:nvPr/>
+          </p:nvSpPr>
+          <p:spPr>
+            <a:xfrm>
+              <a:off x="5223768" y="4647364"/>
+              <a:ext cx="641378" cy="461665"/>
+            </a:xfrm>
+            <a:prstGeom prst="rect">
+              <a:avLst/>
+            </a:prstGeom>
+            <a:noFill/>
+          </p:spPr>
+          <p:txBody>
+            <a:bodyPr wrap="square" rtlCol="0">
+              <a:spAutoFit/>
+            </a:bodyPr>
+            <a:lstStyle/>
+            <a:p>
+              <a:r>
+                <a:rPr lang="de-DE" sz="2400" b="1" dirty="0" smtClean="0">
+                  <a:solidFill>
+                    <a:srgbClr val="C00000"/>
+                  </a:solidFill>
+                </a:rPr>
+                <a:t>f</a:t>
+              </a:r>
+              <a:endParaRPr lang="de-DE" sz="2400" b="1" dirty="0">
+                <a:solidFill>
+                  <a:srgbClr val="C00000"/>
+                </a:solidFill>
+              </a:endParaRPr>
+            </a:p>
+          </p:txBody>
+        </p:sp>
+        <p:sp>
+          <p:nvSpPr>
+            <p:cNvPr id="10" name="Textfeld 9"/>
+            <p:cNvSpPr txBox="1"/>
+            <p:nvPr/>
+          </p:nvSpPr>
+          <p:spPr>
+            <a:xfrm>
+              <a:off x="5223768" y="1276866"/>
+              <a:ext cx="641378" cy="461665"/>
+            </a:xfrm>
+            <a:prstGeom prst="rect">
+              <a:avLst/>
+            </a:prstGeom>
+            <a:noFill/>
+          </p:spPr>
+          <p:txBody>
+            <a:bodyPr wrap="square" rtlCol="0">
+              <a:spAutoFit/>
+            </a:bodyPr>
+            <a:lstStyle/>
+            <a:p>
+              <a:r>
+                <a:rPr lang="de-DE" sz="2400" b="1" dirty="0" smtClean="0">
+                  <a:solidFill>
+                    <a:srgbClr val="00B050"/>
+                  </a:solidFill>
+                </a:rPr>
+                <a:t>g</a:t>
+              </a:r>
+              <a:endParaRPr lang="de-DE" sz="2400" b="1" dirty="0">
+                <a:solidFill>
+                  <a:srgbClr val="00B050"/>
+                </a:solidFill>
+              </a:endParaRPr>
+            </a:p>
+          </p:txBody>
+        </p:sp>
+        <p:cxnSp>
+          <p:nvCxnSpPr>
+            <p:cNvPr id="12" name="Gerade Verbindung mit Pfeil 11"/>
+            <p:cNvCxnSpPr>
+              <a:stCxn id="7" idx="0"/>
+              <a:endCxn id="8" idx="0"/>
+            </p:cNvCxnSpPr>
+            <p:nvPr/>
+          </p:nvCxnSpPr>
+          <p:spPr>
+            <a:xfrm flipV="1">
+              <a:off x="2307771" y="3033486"/>
+              <a:ext cx="333829" cy="2075543"/>
+            </a:xfrm>
+            <a:prstGeom prst="straightConnector1">
+              <a:avLst/>
+            </a:prstGeom>
+            <a:ln w="25400">
+              <a:tailEnd type="arrow"/>
+            </a:ln>
+          </p:spPr>
+          <p:style>
+            <a:lnRef idx="1">
+              <a:schemeClr val="accent1"/>
+            </a:lnRef>
+            <a:fillRef idx="0">
+              <a:schemeClr val="accent1"/>
+            </a:fillRef>
+            <a:effectRef idx="0">
+              <a:schemeClr val="accent1"/>
+            </a:effectRef>
+            <a:fontRef idx="minor">
+              <a:schemeClr val="tx1"/>
+            </a:fontRef>
+          </p:style>
+        </p:cxnSp>
+        <p:cxnSp>
+          <p:nvCxnSpPr>
+            <p:cNvPr id="13" name="Gerade Verbindung mit Pfeil 12"/>
+            <p:cNvCxnSpPr>
+              <a:stCxn id="7" idx="1"/>
+              <a:endCxn id="8" idx="3"/>
+            </p:cNvCxnSpPr>
+            <p:nvPr/>
+          </p:nvCxnSpPr>
+          <p:spPr>
+            <a:xfrm flipH="1" flipV="1">
+              <a:off x="3323771" y="1277257"/>
+              <a:ext cx="885372" cy="2873829"/>
+            </a:xfrm>
+            <a:prstGeom prst="straightConnector1">
+              <a:avLst/>
+            </a:prstGeom>
+            <a:ln w="25400">
+              <a:tailEnd type="arrow"/>
+            </a:ln>
+          </p:spPr>
+          <p:style>
+            <a:lnRef idx="1">
+              <a:schemeClr val="accent1"/>
+            </a:lnRef>
+            <a:fillRef idx="0">
+              <a:schemeClr val="accent1"/>
+            </a:fillRef>
+            <a:effectRef idx="0">
+              <a:schemeClr val="accent1"/>
+            </a:effectRef>
+            <a:fontRef idx="minor">
+              <a:schemeClr val="tx1"/>
+            </a:fontRef>
+          </p:style>
+        </p:cxnSp>
+        <p:cxnSp>
+          <p:nvCxnSpPr>
+            <p:cNvPr id="14" name="Gerade Verbindung mit Pfeil 13"/>
+            <p:cNvCxnSpPr>
+              <a:endCxn id="8" idx="5"/>
+            </p:cNvCxnSpPr>
+            <p:nvPr/>
+          </p:nvCxnSpPr>
+          <p:spPr>
+            <a:xfrm flipH="1" flipV="1">
+              <a:off x="5544457" y="2598057"/>
+              <a:ext cx="323688" cy="2031990"/>
+            </a:xfrm>
+            <a:prstGeom prst="straightConnector1">
+              <a:avLst/>
+            </a:prstGeom>
+            <a:ln w="25400">
+              <a:tailEnd type="arrow"/>
+            </a:ln>
+          </p:spPr>
+          <p:style>
+            <a:lnRef idx="1">
+              <a:schemeClr val="accent1"/>
+            </a:lnRef>
+            <a:fillRef idx="0">
+              <a:schemeClr val="accent1"/>
+            </a:fillRef>
+            <a:effectRef idx="0">
+              <a:schemeClr val="accent1"/>
+            </a:effectRef>
+            <a:fontRef idx="minor">
+              <a:schemeClr val="tx1"/>
+            </a:fontRef>
+          </p:style>
+        </p:cxnSp>
+        <p:cxnSp>
+          <p:nvCxnSpPr>
+            <p:cNvPr id="15" name="Gerade Verbindung mit Pfeil 14"/>
+            <p:cNvCxnSpPr>
+              <a:stCxn id="7" idx="2"/>
+              <a:endCxn id="8" idx="7"/>
+            </p:cNvCxnSpPr>
+            <p:nvPr/>
+          </p:nvCxnSpPr>
+          <p:spPr>
+            <a:xfrm flipV="1">
+              <a:off x="6966857" y="1741715"/>
+              <a:ext cx="275771" cy="3338285"/>
+            </a:xfrm>
+            <a:prstGeom prst="straightConnector1">
+              <a:avLst/>
+            </a:prstGeom>
+            <a:ln w="25400">
+              <a:tailEnd type="arrow"/>
+            </a:ln>
+          </p:spPr>
+          <p:style>
+            <a:lnRef idx="1">
+              <a:schemeClr val="accent1"/>
+            </a:lnRef>
+            <a:fillRef idx="0">
+              <a:schemeClr val="accent1"/>
+            </a:fillRef>
+            <a:effectRef idx="0">
+              <a:schemeClr val="accent1"/>
+            </a:effectRef>
+            <a:fontRef idx="minor">
+              <a:schemeClr val="tx1"/>
+            </a:fontRef>
+          </p:style>
+        </p:cxnSp>
+        <p:cxnSp>
+          <p:nvCxnSpPr>
+            <p:cNvPr id="24" name="Gerade Verbindung 23"/>
+            <p:cNvCxnSpPr/>
+            <p:nvPr/>
+          </p:nvCxnSpPr>
+          <p:spPr>
+            <a:xfrm flipH="1">
+              <a:off x="4137136" y="4039276"/>
+              <a:ext cx="144014" cy="221839"/>
+            </a:xfrm>
+            <a:prstGeom prst="line">
+              <a:avLst/>
+            </a:prstGeom>
+            <a:ln w="38100">
+              <a:solidFill>
+                <a:srgbClr val="C00000"/>
+              </a:solidFill>
+            </a:ln>
+          </p:spPr>
+          <p:style>
+            <a:lnRef idx="1">
+              <a:schemeClr val="accent1"/>
+            </a:lnRef>
+            <a:fillRef idx="0">
+              <a:schemeClr val="accent1"/>
+            </a:fillRef>
+            <a:effectRef idx="0">
+              <a:schemeClr val="accent1"/>
+            </a:effectRef>
+            <a:fontRef idx="minor">
+              <a:schemeClr val="tx1"/>
+            </a:fontRef>
+          </p:style>
+        </p:cxnSp>
+        <p:cxnSp>
+          <p:nvCxnSpPr>
+            <p:cNvPr id="27" name="Gerade Verbindung 26"/>
+            <p:cNvCxnSpPr/>
+            <p:nvPr/>
+          </p:nvCxnSpPr>
+          <p:spPr>
+            <a:xfrm>
+              <a:off x="4139952" y="4039276"/>
+              <a:ext cx="144016" cy="221839"/>
+            </a:xfrm>
+            <a:prstGeom prst="line">
+              <a:avLst/>
+            </a:prstGeom>
+            <a:ln w="38100">
+              <a:solidFill>
+                <a:srgbClr val="C00000"/>
+              </a:solidFill>
+            </a:ln>
+          </p:spPr>
+          <p:style>
+            <a:lnRef idx="1">
+              <a:schemeClr val="accent1"/>
+            </a:lnRef>
+            <a:fillRef idx="0">
+              <a:schemeClr val="accent1"/>
+            </a:fillRef>
+            <a:effectRef idx="0">
+              <a:schemeClr val="accent1"/>
+            </a:effectRef>
+            <a:fontRef idx="minor">
+              <a:schemeClr val="tx1"/>
+            </a:fontRef>
+          </p:style>
+        </p:cxnSp>
+        <p:cxnSp>
+          <p:nvCxnSpPr>
+            <p:cNvPr id="32" name="Gerade Verbindung 31"/>
+            <p:cNvCxnSpPr/>
+            <p:nvPr/>
+          </p:nvCxnSpPr>
+          <p:spPr>
+            <a:xfrm flipH="1">
+              <a:off x="3271644" y="1137166"/>
+              <a:ext cx="144014" cy="221839"/>
+            </a:xfrm>
+            <a:prstGeom prst="line">
+              <a:avLst/>
+            </a:prstGeom>
+            <a:ln w="38100">
+              <a:solidFill>
+                <a:srgbClr val="00B050"/>
+              </a:solidFill>
+            </a:ln>
+          </p:spPr>
+          <p:style>
+            <a:lnRef idx="1">
+              <a:schemeClr val="accent1"/>
+            </a:lnRef>
+            <a:fillRef idx="0">
+              <a:schemeClr val="accent1"/>
+            </a:fillRef>
+            <a:effectRef idx="0">
+              <a:schemeClr val="accent1"/>
+            </a:effectRef>
+            <a:fontRef idx="minor">
+              <a:schemeClr val="tx1"/>
+            </a:fontRef>
+          </p:style>
+        </p:cxnSp>
+        <p:cxnSp>
+          <p:nvCxnSpPr>
+            <p:cNvPr id="33" name="Gerade Verbindung 32"/>
+            <p:cNvCxnSpPr/>
+            <p:nvPr/>
+          </p:nvCxnSpPr>
+          <p:spPr>
+            <a:xfrm>
+              <a:off x="3274460" y="1137166"/>
+              <a:ext cx="144016" cy="221839"/>
+            </a:xfrm>
+            <a:prstGeom prst="line">
+              <a:avLst/>
+            </a:prstGeom>
+            <a:ln w="38100">
+              <a:solidFill>
+                <a:srgbClr val="00B050"/>
+              </a:solidFill>
+            </a:ln>
+          </p:spPr>
+          <p:style>
+            <a:lnRef idx="1">
+              <a:schemeClr val="accent1"/>
+            </a:lnRef>
+            <a:fillRef idx="0">
+              <a:schemeClr val="accent1"/>
+            </a:fillRef>
+            <a:effectRef idx="0">
+              <a:schemeClr val="accent1"/>
+            </a:effectRef>
+            <a:fontRef idx="minor">
+              <a:schemeClr val="tx1"/>
+            </a:fontRef>
+          </p:style>
+        </p:cxnSp>
+        <p:sp>
+          <p:nvSpPr>
+            <p:cNvPr id="34" name="Textfeld 33"/>
+            <p:cNvSpPr txBox="1"/>
+            <p:nvPr/>
+          </p:nvSpPr>
+          <p:spPr>
+            <a:xfrm>
+              <a:off x="3962682" y="4246601"/>
+              <a:ext cx="517511" cy="338554"/>
+            </a:xfrm>
+            <a:prstGeom prst="rect">
+              <a:avLst/>
+            </a:prstGeom>
+            <a:noFill/>
+          </p:spPr>
+          <p:txBody>
+            <a:bodyPr wrap="square" rtlCol="0">
+              <a:spAutoFit/>
+            </a:bodyPr>
+            <a:lstStyle/>
+            <a:p>
+              <a:r>
+                <a:rPr lang="de-DE" sz="1600" dirty="0" smtClean="0">
+                  <a:solidFill>
+                    <a:srgbClr val="C00000"/>
+                  </a:solidFill>
+                </a:rPr>
+                <a:t>f(x)</a:t>
+              </a:r>
+              <a:endParaRPr lang="de-DE" sz="1600" dirty="0">
+                <a:solidFill>
+                  <a:srgbClr val="C00000"/>
+                </a:solidFill>
+              </a:endParaRPr>
+            </a:p>
+          </p:txBody>
+        </p:sp>
+        <p:sp>
+          <p:nvSpPr>
+            <p:cNvPr id="35" name="Textfeld 34"/>
+            <p:cNvSpPr txBox="1"/>
+            <p:nvPr/>
+          </p:nvSpPr>
+          <p:spPr>
+            <a:xfrm>
+              <a:off x="3271644" y="808257"/>
+              <a:ext cx="517511" cy="338554"/>
+            </a:xfrm>
+            <a:prstGeom prst="rect">
+              <a:avLst/>
+            </a:prstGeom>
+            <a:noFill/>
+          </p:spPr>
+          <p:txBody>
+            <a:bodyPr wrap="square" rtlCol="0">
+              <a:spAutoFit/>
+            </a:bodyPr>
+            <a:lstStyle/>
+            <a:p>
+              <a:r>
+                <a:rPr lang="de-DE" sz="1600" dirty="0" smtClean="0">
+                  <a:solidFill>
+                    <a:srgbClr val="00B050"/>
+                  </a:solidFill>
+                </a:rPr>
+                <a:t>g(x)</a:t>
+              </a:r>
+              <a:endParaRPr lang="de-DE" sz="1600" dirty="0">
+                <a:solidFill>
+                  <a:srgbClr val="00B050"/>
+                </a:solidFill>
+              </a:endParaRPr>
+            </a:p>
+          </p:txBody>
+        </p:sp>
+        <p:sp>
+          <p:nvSpPr>
+            <p:cNvPr id="36" name="Textfeld 35"/>
+            <p:cNvSpPr txBox="1"/>
+            <p:nvPr/>
+          </p:nvSpPr>
+          <p:spPr>
+            <a:xfrm>
+              <a:off x="7452320" y="4755086"/>
+              <a:ext cx="432048" cy="707886"/>
+            </a:xfrm>
+            <a:prstGeom prst="rect">
+              <a:avLst/>
+            </a:prstGeom>
+            <a:noFill/>
+          </p:spPr>
+          <p:txBody>
+            <a:bodyPr wrap="square" rtlCol="0">
+              <a:spAutoFit/>
+            </a:bodyPr>
+            <a:lstStyle/>
+            <a:p>
+              <a:r>
+                <a:rPr lang="de-DE" sz="4000" dirty="0" smtClean="0">
+                  <a:latin typeface="Lucida Sans Unicode"/>
+                  <a:cs typeface="Lucida Sans Unicode"/>
+                </a:rPr>
+                <a:t>ℝ</a:t>
+              </a:r>
+              <a:endParaRPr lang="de-DE" sz="4000" dirty="0"/>
+            </a:p>
+          </p:txBody>
+        </p:sp>
+        <p:sp>
+          <p:nvSpPr>
+            <p:cNvPr id="37" name="Textfeld 36"/>
+            <p:cNvSpPr txBox="1"/>
+            <p:nvPr/>
+          </p:nvSpPr>
+          <p:spPr>
+            <a:xfrm>
+              <a:off x="7776000" y="4585155"/>
+              <a:ext cx="936104" cy="1323439"/>
+            </a:xfrm>
+            <a:prstGeom prst="rect">
+              <a:avLst/>
+            </a:prstGeom>
+            <a:noFill/>
+          </p:spPr>
+          <p:txBody>
+            <a:bodyPr wrap="square" rtlCol="0">
+              <a:spAutoFit/>
+            </a:bodyPr>
+            <a:lstStyle/>
+            <a:p>
+              <a:r>
+                <a:rPr lang="de-DE" sz="4000" dirty="0">
+                  <a:latin typeface="Lucida Sans Unicode"/>
+                  <a:cs typeface="Lucida Sans Unicode"/>
+                </a:rPr>
+                <a:t>ⁿ</a:t>
+              </a:r>
+              <a:endParaRPr lang="de-DE" sz="4000" dirty="0"/>
+            </a:p>
+            <a:p>
+              <a:endParaRPr lang="de-DE" sz="4000" dirty="0"/>
+            </a:p>
+          </p:txBody>
+        </p:sp>
+      </p:grpSp>
+    </p:spTree>
+    <p:extLst>
+      <p:ext uri="{BB962C8B-B14F-4D97-AF65-F5344CB8AC3E}">
+        <p14:creationId xmlns:p14="http://schemas.microsoft.com/office/powerpoint/2010/main" val="2564462344"/>
+      </p:ext>
+    </p:extLst>
+  </p:cSld>
+  <p:clrMapOvr>
+    <a:masterClrMapping/>
+  </p:clrMapOvr>
+</p:sld>
+</file>
+
+<file path=ppt/slides/slide4.xml><?xml version="1.0" encoding="utf-8"?>
+<p:sld xmlns:a="http://schemas.openxmlformats.org/drawingml/2006/main" xmlns:r="http://schemas.openxmlformats.org/officeDocument/2006/relationships" xmlns:p="http://schemas.openxmlformats.org/presentationml/2006/main">
+  <p:cSld>
+    <p:spTree>
+      <p:nvGrpSpPr>
+        <p:cNvPr id="1" name=""/>
+        <p:cNvGrpSpPr/>
+        <p:nvPr/>
+      </p:nvGrpSpPr>
+      <p:grpSpPr>
+        <a:xfrm>
+          <a:off x="0" y="0"/>
+          <a:ext cx="0" cy="0"/>
+          <a:chOff x="0" y="0"/>
+          <a:chExt cx="0" cy="0"/>
+        </a:xfrm>
+      </p:grpSpPr>
+      <p:grpSp>
+        <p:nvGrpSpPr>
+          <p:cNvPr id="37" name="Gruppieren 36"/>
+          <p:cNvGrpSpPr/>
+          <p:nvPr/>
+        </p:nvGrpSpPr>
+        <p:grpSpPr>
+          <a:xfrm>
+            <a:off x="1403648" y="1695487"/>
+            <a:ext cx="7308456" cy="4213107"/>
+            <a:chOff x="1403648" y="1695487"/>
+            <a:chExt cx="7308456" cy="4213107"/>
+          </a:xfrm>
+        </p:grpSpPr>
+        <p:cxnSp>
+          <p:nvCxnSpPr>
+            <p:cNvPr id="5" name="Gewinkelte Verbindung 4"/>
+            <p:cNvCxnSpPr/>
+            <p:nvPr/>
+          </p:nvCxnSpPr>
+          <p:spPr>
+            <a:xfrm>
+              <a:off x="1403648" y="1695487"/>
+              <a:ext cx="6264696" cy="3893753"/>
+            </a:xfrm>
+            <a:prstGeom prst="bentConnector3">
+              <a:avLst>
+                <a:gd name="adj1" fmla="val 420"/>
+              </a:avLst>
+            </a:prstGeom>
+            <a:ln w="50800">
+              <a:solidFill>
+                <a:schemeClr val="tx1"/>
+              </a:solidFill>
+            </a:ln>
+          </p:spPr>
+          <p:style>
+            <a:lnRef idx="1">
+              <a:schemeClr val="accent1"/>
+            </a:lnRef>
+            <a:fillRef idx="0">
+              <a:schemeClr val="accent1"/>
+            </a:fillRef>
+            <a:effectRef idx="0">
+              <a:schemeClr val="accent1"/>
+            </a:effectRef>
+            <a:fontRef idx="minor">
+              <a:schemeClr val="tx1"/>
+            </a:fontRef>
+          </p:style>
+        </p:cxnSp>
+        <p:sp>
+          <p:nvSpPr>
+            <p:cNvPr id="6" name="Freihandform 5"/>
+            <p:cNvSpPr/>
+            <p:nvPr/>
+          </p:nvSpPr>
+          <p:spPr>
+            <a:xfrm>
+              <a:off x="3815873" y="3584104"/>
+              <a:ext cx="2846183" cy="1670067"/>
+            </a:xfrm>
+            <a:custGeom>
+              <a:avLst/>
+              <a:gdLst>
+                <a:gd name="connsiteX0" fmla="*/ 0 w 4659086"/>
+                <a:gd name="connsiteY0" fmla="*/ 957965 h 957965"/>
+                <a:gd name="connsiteX1" fmla="*/ 1901372 w 4659086"/>
+                <a:gd name="connsiteY1" fmla="*/ 22 h 957965"/>
+                <a:gd name="connsiteX2" fmla="*/ 4659086 w 4659086"/>
+                <a:gd name="connsiteY2" fmla="*/ 928936 h 957965"/>
+                <a:gd name="connsiteX0" fmla="*/ 0 w 4659086"/>
+                <a:gd name="connsiteY0" fmla="*/ 979076 h 979076"/>
+                <a:gd name="connsiteX1" fmla="*/ 841829 w 4659086"/>
+                <a:gd name="connsiteY1" fmla="*/ 354961 h 979076"/>
+                <a:gd name="connsiteX2" fmla="*/ 1901372 w 4659086"/>
+                <a:gd name="connsiteY2" fmla="*/ 21133 h 979076"/>
+                <a:gd name="connsiteX3" fmla="*/ 4659086 w 4659086"/>
+                <a:gd name="connsiteY3" fmla="*/ 950047 h 979076"/>
+                <a:gd name="connsiteX0" fmla="*/ 0 w 4659086"/>
+                <a:gd name="connsiteY0" fmla="*/ 967373 h 967373"/>
+                <a:gd name="connsiteX1" fmla="*/ 841829 w 4659086"/>
+                <a:gd name="connsiteY1" fmla="*/ 343258 h 967373"/>
+                <a:gd name="connsiteX2" fmla="*/ 1901372 w 4659086"/>
+                <a:gd name="connsiteY2" fmla="*/ 9430 h 967373"/>
+                <a:gd name="connsiteX3" fmla="*/ 2627086 w 4659086"/>
+                <a:gd name="connsiteY3" fmla="*/ 169087 h 967373"/>
+                <a:gd name="connsiteX4" fmla="*/ 4659086 w 4659086"/>
+                <a:gd name="connsiteY4" fmla="*/ 938344 h 967373"/>
+                <a:gd name="connsiteX0" fmla="*/ 738101 w 3873187"/>
+                <a:gd name="connsiteY0" fmla="*/ 1112516 h 1112516"/>
+                <a:gd name="connsiteX1" fmla="*/ 55930 w 3873187"/>
+                <a:gd name="connsiteY1" fmla="*/ 343258 h 1112516"/>
+                <a:gd name="connsiteX2" fmla="*/ 1115473 w 3873187"/>
+                <a:gd name="connsiteY2" fmla="*/ 9430 h 1112516"/>
+                <a:gd name="connsiteX3" fmla="*/ 1841187 w 3873187"/>
+                <a:gd name="connsiteY3" fmla="*/ 169087 h 1112516"/>
+                <a:gd name="connsiteX4" fmla="*/ 3873187 w 3873187"/>
+                <a:gd name="connsiteY4" fmla="*/ 938344 h 1112516"/>
+                <a:gd name="connsiteX0" fmla="*/ 1287578 w 4422664"/>
+                <a:gd name="connsiteY0" fmla="*/ 1126445 h 1126445"/>
+                <a:gd name="connsiteX1" fmla="*/ 39350 w 4422664"/>
+                <a:gd name="connsiteY1" fmla="*/ 560387 h 1126445"/>
+                <a:gd name="connsiteX2" fmla="*/ 1664950 w 4422664"/>
+                <a:gd name="connsiteY2" fmla="*/ 23359 h 1126445"/>
+                <a:gd name="connsiteX3" fmla="*/ 2390664 w 4422664"/>
+                <a:gd name="connsiteY3" fmla="*/ 183016 h 1126445"/>
+                <a:gd name="connsiteX4" fmla="*/ 4422664 w 4422664"/>
+                <a:gd name="connsiteY4" fmla="*/ 952273 h 1126445"/>
+                <a:gd name="connsiteX0" fmla="*/ 1287578 w 2490751"/>
+                <a:gd name="connsiteY0" fmla="*/ 1126445 h 1126445"/>
+                <a:gd name="connsiteX1" fmla="*/ 39350 w 2490751"/>
+                <a:gd name="connsiteY1" fmla="*/ 560387 h 1126445"/>
+                <a:gd name="connsiteX2" fmla="*/ 1664950 w 2490751"/>
+                <a:gd name="connsiteY2" fmla="*/ 23359 h 1126445"/>
+                <a:gd name="connsiteX3" fmla="*/ 2390664 w 2490751"/>
+                <a:gd name="connsiteY3" fmla="*/ 183016 h 1126445"/>
+                <a:gd name="connsiteX4" fmla="*/ 1897178 w 2490751"/>
+                <a:gd name="connsiteY4" fmla="*/ 952273 h 1126445"/>
+                <a:gd name="connsiteX0" fmla="*/ 1287578 w 2490751"/>
+                <a:gd name="connsiteY0" fmla="*/ 1543924 h 1543924"/>
+                <a:gd name="connsiteX1" fmla="*/ 39350 w 2490751"/>
+                <a:gd name="connsiteY1" fmla="*/ 977866 h 1543924"/>
+                <a:gd name="connsiteX2" fmla="*/ 1447235 w 2490751"/>
+                <a:gd name="connsiteY2" fmla="*/ 5409 h 1543924"/>
+                <a:gd name="connsiteX3" fmla="*/ 2390664 w 2490751"/>
+                <a:gd name="connsiteY3" fmla="*/ 600495 h 1543924"/>
+                <a:gd name="connsiteX4" fmla="*/ 1897178 w 2490751"/>
+                <a:gd name="connsiteY4" fmla="*/ 1369752 h 1543924"/>
+                <a:gd name="connsiteX0" fmla="*/ 1287578 w 1982292"/>
+                <a:gd name="connsiteY0" fmla="*/ 1539428 h 1539428"/>
+                <a:gd name="connsiteX1" fmla="*/ 39350 w 1982292"/>
+                <a:gd name="connsiteY1" fmla="*/ 973370 h 1539428"/>
+                <a:gd name="connsiteX2" fmla="*/ 1447235 w 1982292"/>
+                <a:gd name="connsiteY2" fmla="*/ 913 h 1539428"/>
+                <a:gd name="connsiteX3" fmla="*/ 1824607 w 1982292"/>
+                <a:gd name="connsiteY3" fmla="*/ 799199 h 1539428"/>
+                <a:gd name="connsiteX4" fmla="*/ 1897178 w 1982292"/>
+                <a:gd name="connsiteY4" fmla="*/ 1365256 h 1539428"/>
+                <a:gd name="connsiteX0" fmla="*/ 1480060 w 2068428"/>
+                <a:gd name="connsiteY0" fmla="*/ 1539428 h 1539428"/>
+                <a:gd name="connsiteX1" fmla="*/ 231832 w 2068428"/>
+                <a:gd name="connsiteY1" fmla="*/ 973370 h 1539428"/>
+                <a:gd name="connsiteX2" fmla="*/ 1639717 w 2068428"/>
+                <a:gd name="connsiteY2" fmla="*/ 913 h 1539428"/>
+                <a:gd name="connsiteX3" fmla="*/ 2017089 w 2068428"/>
+                <a:gd name="connsiteY3" fmla="*/ 799199 h 1539428"/>
+                <a:gd name="connsiteX4" fmla="*/ 28631 w 2068428"/>
+                <a:gd name="connsiteY4" fmla="*/ 334742 h 1539428"/>
+                <a:gd name="connsiteX0" fmla="*/ 1480060 w 2068428"/>
+                <a:gd name="connsiteY0" fmla="*/ 1551646 h 1551646"/>
+                <a:gd name="connsiteX1" fmla="*/ 1959032 w 2068428"/>
+                <a:gd name="connsiteY1" fmla="*/ 361474 h 1551646"/>
+                <a:gd name="connsiteX2" fmla="*/ 1639717 w 2068428"/>
+                <a:gd name="connsiteY2" fmla="*/ 13131 h 1551646"/>
+                <a:gd name="connsiteX3" fmla="*/ 2017089 w 2068428"/>
+                <a:gd name="connsiteY3" fmla="*/ 811417 h 1551646"/>
+                <a:gd name="connsiteX4" fmla="*/ 28631 w 2068428"/>
+                <a:gd name="connsiteY4" fmla="*/ 346960 h 1551646"/>
+                <a:gd name="connsiteX0" fmla="*/ 1480060 w 2806573"/>
+                <a:gd name="connsiteY0" fmla="*/ 1542577 h 1542577"/>
+                <a:gd name="connsiteX1" fmla="*/ 2757318 w 2806573"/>
+                <a:gd name="connsiteY1" fmla="*/ 512062 h 1542577"/>
+                <a:gd name="connsiteX2" fmla="*/ 1639717 w 2806573"/>
+                <a:gd name="connsiteY2" fmla="*/ 4062 h 1542577"/>
+                <a:gd name="connsiteX3" fmla="*/ 2017089 w 2806573"/>
+                <a:gd name="connsiteY3" fmla="*/ 802348 h 1542577"/>
+                <a:gd name="connsiteX4" fmla="*/ 28631 w 2806573"/>
+                <a:gd name="connsiteY4" fmla="*/ 337891 h 1542577"/>
+                <a:gd name="connsiteX0" fmla="*/ 0 w 2830286"/>
+                <a:gd name="connsiteY0" fmla="*/ 1542577 h 1542577"/>
+                <a:gd name="connsiteX1" fmla="*/ 1277258 w 2830286"/>
+                <a:gd name="connsiteY1" fmla="*/ 512062 h 1542577"/>
+                <a:gd name="connsiteX2" fmla="*/ 159657 w 2830286"/>
+                <a:gd name="connsiteY2" fmla="*/ 4062 h 1542577"/>
+                <a:gd name="connsiteX3" fmla="*/ 537029 w 2830286"/>
+                <a:gd name="connsiteY3" fmla="*/ 802348 h 1542577"/>
+                <a:gd name="connsiteX4" fmla="*/ 2830286 w 2830286"/>
+                <a:gd name="connsiteY4" fmla="*/ 1295834 h 1542577"/>
+                <a:gd name="connsiteX0" fmla="*/ 0 w 2830286"/>
+                <a:gd name="connsiteY0" fmla="*/ 1550952 h 1550952"/>
+                <a:gd name="connsiteX1" fmla="*/ 1277258 w 2830286"/>
+                <a:gd name="connsiteY1" fmla="*/ 520437 h 1550952"/>
+                <a:gd name="connsiteX2" fmla="*/ 159657 w 2830286"/>
+                <a:gd name="connsiteY2" fmla="*/ 12437 h 1550952"/>
+                <a:gd name="connsiteX3" fmla="*/ 537029 w 2830286"/>
+                <a:gd name="connsiteY3" fmla="*/ 810723 h 1550952"/>
+                <a:gd name="connsiteX4" fmla="*/ 2830286 w 2830286"/>
+                <a:gd name="connsiteY4" fmla="*/ 1304209 h 1550952"/>
+                <a:gd name="connsiteX0" fmla="*/ 0 w 2830286"/>
+                <a:gd name="connsiteY0" fmla="*/ 1550952 h 1550952"/>
+                <a:gd name="connsiteX1" fmla="*/ 1277258 w 2830286"/>
+                <a:gd name="connsiteY1" fmla="*/ 520437 h 1550952"/>
+                <a:gd name="connsiteX2" fmla="*/ 159657 w 2830286"/>
+                <a:gd name="connsiteY2" fmla="*/ 12437 h 1550952"/>
+                <a:gd name="connsiteX3" fmla="*/ 537029 w 2830286"/>
+                <a:gd name="connsiteY3" fmla="*/ 810723 h 1550952"/>
+                <a:gd name="connsiteX4" fmla="*/ 2830286 w 2830286"/>
+                <a:gd name="connsiteY4" fmla="*/ 1304209 h 1550952"/>
+                <a:gd name="connsiteX0" fmla="*/ 15897 w 2846183"/>
+                <a:gd name="connsiteY0" fmla="*/ 1670067 h 1670067"/>
+                <a:gd name="connsiteX1" fmla="*/ 1293155 w 2846183"/>
+                <a:gd name="connsiteY1" fmla="*/ 639552 h 1670067"/>
+                <a:gd name="connsiteX2" fmla="*/ 175554 w 2846183"/>
+                <a:gd name="connsiteY2" fmla="*/ 131552 h 1670067"/>
+                <a:gd name="connsiteX3" fmla="*/ 552926 w 2846183"/>
+                <a:gd name="connsiteY3" fmla="*/ 929838 h 1670067"/>
+                <a:gd name="connsiteX4" fmla="*/ 2846183 w 2846183"/>
+                <a:gd name="connsiteY4" fmla="*/ 1423324 h 1670067"/>
+              </a:gdLst>
+              <a:ahLst/>
+              <a:cxnLst>
+                <a:cxn ang="0">
+                  <a:pos x="connsiteX0" y="connsiteY0"/>
+                </a:cxn>
+                <a:cxn ang="0">
+                  <a:pos x="connsiteX1" y="connsiteY1"/>
+                </a:cxn>
+                <a:cxn ang="0">
+                  <a:pos x="connsiteX2" y="connsiteY2"/>
+                </a:cxn>
+                <a:cxn ang="0">
+                  <a:pos x="connsiteX3" y="connsiteY3"/>
+                </a:cxn>
+                <a:cxn ang="0">
+                  <a:pos x="connsiteX4" y="connsiteY4"/>
+                </a:cxn>
+              </a:cxnLst>
+              <a:rect l="l" t="t" r="r" b="b"/>
+              <a:pathLst>
+                <a:path w="2846183" h="1670067">
+                  <a:moveTo>
+                    <a:pt x="15897" y="1670067"/>
+                  </a:moveTo>
+                  <a:cubicBezTo>
+                    <a:pt x="156202" y="1566048"/>
+                    <a:pt x="1310088" y="1089495"/>
+                    <a:pt x="1293155" y="639552"/>
+                  </a:cubicBezTo>
+                  <a:cubicBezTo>
+                    <a:pt x="1363307" y="160580"/>
+                    <a:pt x="560182" y="-207115"/>
+                    <a:pt x="175554" y="131552"/>
+                  </a:cubicBezTo>
+                  <a:cubicBezTo>
+                    <a:pt x="-209074" y="470219"/>
+                    <a:pt x="93307" y="775019"/>
+                    <a:pt x="552926" y="929838"/>
+                  </a:cubicBezTo>
+                  <a:cubicBezTo>
+                    <a:pt x="1012545" y="1084657"/>
+                    <a:pt x="2507516" y="1295115"/>
+                    <a:pt x="2846183" y="1423324"/>
+                  </a:cubicBezTo>
+                </a:path>
+              </a:pathLst>
+            </a:custGeom>
+            <a:noFill/>
+            <a:ln w="38100">
+              <a:solidFill>
+                <a:srgbClr val="C00000"/>
+              </a:solidFill>
+            </a:ln>
+          </p:spPr>
+          <p:style>
+            <a:lnRef idx="2">
+              <a:schemeClr val="accent1">
+                <a:shade val="50000"/>
+              </a:schemeClr>
+            </a:lnRef>
+            <a:fillRef idx="1">
+              <a:schemeClr val="accent1"/>
+            </a:fillRef>
+            <a:effectRef idx="0">
+              <a:schemeClr val="accent1"/>
+            </a:effectRef>
+            <a:fontRef idx="minor">
+              <a:schemeClr val="lt1"/>
+            </a:fontRef>
+          </p:style>
+          <p:txBody>
+            <a:bodyPr rtlCol="0" anchor="ctr"/>
+            <a:lstStyle/>
+            <a:p>
+              <a:pPr algn="ctr"/>
+              <a:endParaRPr lang="de-DE"/>
+            </a:p>
+          </p:txBody>
+        </p:sp>
+        <p:sp>
+          <p:nvSpPr>
+            <p:cNvPr id="8" name="Textfeld 7"/>
+            <p:cNvSpPr txBox="1"/>
+            <p:nvPr/>
+          </p:nvSpPr>
+          <p:spPr>
+            <a:xfrm>
+              <a:off x="5223768" y="4647364"/>
+              <a:ext cx="641378" cy="461665"/>
+            </a:xfrm>
+            <a:prstGeom prst="rect">
+              <a:avLst/>
+            </a:prstGeom>
+            <a:noFill/>
+          </p:spPr>
+          <p:txBody>
+            <a:bodyPr wrap="square" rtlCol="0">
+              <a:spAutoFit/>
+            </a:bodyPr>
+            <a:lstStyle/>
+            <a:p>
+              <a:r>
+                <a:rPr lang="de-DE" sz="2400" b="1" dirty="0" smtClean="0">
+                  <a:solidFill>
+                    <a:srgbClr val="C00000"/>
+                  </a:solidFill>
+                </a:rPr>
+                <a:t>f</a:t>
+              </a:r>
+              <a:endParaRPr lang="de-DE" sz="2400" b="1" dirty="0">
+                <a:solidFill>
+                  <a:srgbClr val="C00000"/>
+                </a:solidFill>
+              </a:endParaRPr>
+            </a:p>
+          </p:txBody>
+        </p:sp>
+        <p:sp>
+          <p:nvSpPr>
+            <p:cNvPr id="9" name="Textfeld 8"/>
+            <p:cNvSpPr txBox="1"/>
+            <p:nvPr/>
+          </p:nvSpPr>
+          <p:spPr>
+            <a:xfrm>
+              <a:off x="4326666" y="1695487"/>
+              <a:ext cx="3557702" cy="461665"/>
+            </a:xfrm>
+            <a:prstGeom prst="rect">
+              <a:avLst/>
+            </a:prstGeom>
+            <a:noFill/>
+          </p:spPr>
+          <p:txBody>
+            <a:bodyPr wrap="square" rtlCol="0">
+              <a:spAutoFit/>
+            </a:bodyPr>
+            <a:lstStyle/>
+            <a:p>
+              <a:r>
+                <a:rPr lang="de-DE" sz="2400" b="1" dirty="0" err="1" smtClean="0">
+                  <a:solidFill>
+                    <a:srgbClr val="00B050"/>
+                  </a:solidFill>
+                </a:rPr>
+                <a:t>g</a:t>
+              </a:r>
+              <a:r>
+                <a:rPr lang="de-DE" sz="2400" b="1" dirty="0" err="1" smtClean="0">
+                  <a:solidFill>
+                    <a:srgbClr val="00B050"/>
+                  </a:solidFill>
+                  <a:latin typeface="Lucida Sans Unicode"/>
+                  <a:cs typeface="Lucida Sans Unicode"/>
+                </a:rPr>
+                <a:t>≡konstant</a:t>
+              </a:r>
+              <a:endParaRPr lang="de-DE" sz="2400" b="1" dirty="0">
+                <a:solidFill>
+                  <a:srgbClr val="00B050"/>
+                </a:solidFill>
+              </a:endParaRPr>
+            </a:p>
+          </p:txBody>
+        </p:sp>
+        <p:cxnSp>
+          <p:nvCxnSpPr>
+            <p:cNvPr id="10" name="Gerade Verbindung mit Pfeil 9"/>
+            <p:cNvCxnSpPr>
+              <a:stCxn id="6" idx="0"/>
+            </p:cNvCxnSpPr>
+            <p:nvPr/>
+          </p:nvCxnSpPr>
+          <p:spPr>
+            <a:xfrm flipV="1">
+              <a:off x="3831770" y="2325027"/>
+              <a:ext cx="576415" cy="2929144"/>
+            </a:xfrm>
+            <a:prstGeom prst="straightConnector1">
+              <a:avLst/>
+            </a:prstGeom>
+            <a:ln w="25400">
+              <a:tailEnd type="arrow"/>
+            </a:ln>
+          </p:spPr>
+          <p:style>
+            <a:lnRef idx="1">
+              <a:schemeClr val="accent1"/>
+            </a:lnRef>
+            <a:fillRef idx="0">
+              <a:schemeClr val="accent1"/>
+            </a:fillRef>
+            <a:effectRef idx="0">
+              <a:schemeClr val="accent1"/>
+            </a:effectRef>
+            <a:fontRef idx="minor">
+              <a:schemeClr val="tx1"/>
+            </a:fontRef>
+          </p:style>
+        </p:cxnSp>
+        <p:cxnSp>
+          <p:nvCxnSpPr>
+            <p:cNvPr id="11" name="Gerade Verbindung mit Pfeil 10"/>
+            <p:cNvCxnSpPr>
+              <a:stCxn id="6" idx="1"/>
+            </p:cNvCxnSpPr>
+            <p:nvPr/>
+          </p:nvCxnSpPr>
+          <p:spPr>
+            <a:xfrm flipH="1" flipV="1">
+              <a:off x="4480193" y="2325027"/>
+              <a:ext cx="628835" cy="1898629"/>
+            </a:xfrm>
+            <a:prstGeom prst="straightConnector1">
+              <a:avLst/>
+            </a:prstGeom>
+            <a:ln w="25400">
+              <a:tailEnd type="arrow"/>
+            </a:ln>
+          </p:spPr>
+          <p:style>
+            <a:lnRef idx="1">
+              <a:schemeClr val="accent1"/>
+            </a:lnRef>
+            <a:fillRef idx="0">
+              <a:schemeClr val="accent1"/>
+            </a:fillRef>
+            <a:effectRef idx="0">
+              <a:schemeClr val="accent1"/>
+            </a:effectRef>
+            <a:fontRef idx="minor">
+              <a:schemeClr val="tx1"/>
+            </a:fontRef>
+          </p:style>
+        </p:cxnSp>
+        <p:cxnSp>
+          <p:nvCxnSpPr>
+            <p:cNvPr id="12" name="Gerade Verbindung mit Pfeil 11"/>
+            <p:cNvCxnSpPr>
+              <a:stCxn id="6" idx="4"/>
+            </p:cNvCxnSpPr>
+            <p:nvPr/>
+          </p:nvCxnSpPr>
+          <p:spPr>
+            <a:xfrm flipH="1" flipV="1">
+              <a:off x="4480193" y="2241088"/>
+              <a:ext cx="2181863" cy="2766340"/>
+            </a:xfrm>
+            <a:prstGeom prst="straightConnector1">
+              <a:avLst/>
+            </a:prstGeom>
+            <a:ln w="25400">
+              <a:tailEnd type="arrow"/>
+            </a:ln>
+          </p:spPr>
+          <p:style>
+            <a:lnRef idx="1">
+              <a:schemeClr val="accent1"/>
+            </a:lnRef>
+            <a:fillRef idx="0">
+              <a:schemeClr val="accent1"/>
+            </a:fillRef>
+            <a:effectRef idx="0">
+              <a:schemeClr val="accent1"/>
+            </a:effectRef>
+            <a:fontRef idx="minor">
+              <a:schemeClr val="tx1"/>
+            </a:fontRef>
+          </p:style>
+        </p:cxnSp>
+        <p:cxnSp>
+          <p:nvCxnSpPr>
+            <p:cNvPr id="13" name="Gerade Verbindung mit Pfeil 12"/>
+            <p:cNvCxnSpPr>
+              <a:stCxn id="6" idx="2"/>
+            </p:cNvCxnSpPr>
+            <p:nvPr/>
+          </p:nvCxnSpPr>
+          <p:spPr>
+            <a:xfrm flipV="1">
+              <a:off x="3991427" y="2325027"/>
+              <a:ext cx="335239" cy="1390629"/>
+            </a:xfrm>
+            <a:prstGeom prst="straightConnector1">
+              <a:avLst/>
+            </a:prstGeom>
+            <a:ln w="25400">
+              <a:tailEnd type="arrow"/>
+            </a:ln>
+          </p:spPr>
+          <p:style>
+            <a:lnRef idx="1">
+              <a:schemeClr val="accent1"/>
+            </a:lnRef>
+            <a:fillRef idx="0">
+              <a:schemeClr val="accent1"/>
+            </a:fillRef>
+            <a:effectRef idx="0">
+              <a:schemeClr val="accent1"/>
+            </a:effectRef>
+            <a:fontRef idx="minor">
+              <a:schemeClr val="tx1"/>
+            </a:fontRef>
+          </p:style>
+        </p:cxnSp>
+        <p:grpSp>
+          <p:nvGrpSpPr>
+            <p:cNvPr id="22" name="Gruppieren 21"/>
+            <p:cNvGrpSpPr/>
+            <p:nvPr/>
+          </p:nvGrpSpPr>
+          <p:grpSpPr>
+            <a:xfrm>
+              <a:off x="4333361" y="2157152"/>
+              <a:ext cx="146832" cy="167872"/>
+              <a:chOff x="4333361" y="2157152"/>
+              <a:chExt cx="146832" cy="221839"/>
+            </a:xfrm>
+          </p:grpSpPr>
+          <p:cxnSp>
+            <p:nvCxnSpPr>
+              <p:cNvPr id="16" name="Gerade Verbindung 15"/>
+              <p:cNvCxnSpPr/>
+              <p:nvPr/>
+            </p:nvCxnSpPr>
+            <p:spPr>
+              <a:xfrm flipH="1">
+                <a:off x="4333361" y="2157152"/>
+                <a:ext cx="144014" cy="221839"/>
+              </a:xfrm>
+              <a:prstGeom prst="line">
+                <a:avLst/>
+              </a:prstGeom>
+              <a:ln w="63500">
+                <a:solidFill>
+                  <a:srgbClr val="00B050"/>
+                </a:solidFill>
+              </a:ln>
+            </p:spPr>
+            <p:style>
+              <a:lnRef idx="1">
+                <a:schemeClr val="accent1"/>
+              </a:lnRef>
+              <a:fillRef idx="0">
+                <a:schemeClr val="accent1"/>
+              </a:fillRef>
+              <a:effectRef idx="0">
+                <a:schemeClr val="accent1"/>
+              </a:effectRef>
+              <a:fontRef idx="minor">
+                <a:schemeClr val="tx1"/>
+              </a:fontRef>
+            </p:style>
+          </p:cxnSp>
+          <p:cxnSp>
+            <p:nvCxnSpPr>
+              <p:cNvPr id="17" name="Gerade Verbindung 16"/>
+              <p:cNvCxnSpPr/>
+              <p:nvPr/>
+            </p:nvCxnSpPr>
+            <p:spPr>
+              <a:xfrm>
+                <a:off x="4336177" y="2157152"/>
+                <a:ext cx="144016" cy="221839"/>
+              </a:xfrm>
+              <a:prstGeom prst="line">
+                <a:avLst/>
+              </a:prstGeom>
+              <a:ln w="63500">
+                <a:solidFill>
+                  <a:srgbClr val="00B050"/>
+                </a:solidFill>
+              </a:ln>
+            </p:spPr>
+            <p:style>
+              <a:lnRef idx="1">
+                <a:schemeClr val="accent1"/>
+              </a:lnRef>
+              <a:fillRef idx="0">
+                <a:schemeClr val="accent1"/>
+              </a:fillRef>
+              <a:effectRef idx="0">
+                <a:schemeClr val="accent1"/>
+              </a:effectRef>
+              <a:fontRef idx="minor">
+                <a:schemeClr val="tx1"/>
+              </a:fontRef>
+            </p:style>
+          </p:cxnSp>
+        </p:grpSp>
+        <p:sp>
+          <p:nvSpPr>
+            <p:cNvPr id="20" name="Textfeld 19"/>
+            <p:cNvSpPr txBox="1"/>
+            <p:nvPr/>
+          </p:nvSpPr>
+          <p:spPr>
+            <a:xfrm>
+              <a:off x="7452320" y="4755086"/>
+              <a:ext cx="432048" cy="707886"/>
+            </a:xfrm>
+            <a:prstGeom prst="rect">
+              <a:avLst/>
+            </a:prstGeom>
+            <a:noFill/>
+          </p:spPr>
+          <p:txBody>
+            <a:bodyPr wrap="square" rtlCol="0">
+              <a:spAutoFit/>
+            </a:bodyPr>
+            <a:lstStyle/>
+            <a:p>
+              <a:r>
+                <a:rPr lang="de-DE" sz="4000" dirty="0" smtClean="0">
+                  <a:latin typeface="Lucida Sans Unicode"/>
+                  <a:cs typeface="Lucida Sans Unicode"/>
+                </a:rPr>
+                <a:t>ℝ</a:t>
+              </a:r>
+              <a:endParaRPr lang="de-DE" sz="4000" dirty="0"/>
+            </a:p>
+          </p:txBody>
+        </p:sp>
+        <p:sp>
+          <p:nvSpPr>
+            <p:cNvPr id="21" name="Textfeld 20"/>
+            <p:cNvSpPr txBox="1"/>
+            <p:nvPr/>
+          </p:nvSpPr>
+          <p:spPr>
+            <a:xfrm>
+              <a:off x="7776000" y="4585155"/>
+              <a:ext cx="936104" cy="1323439"/>
+            </a:xfrm>
+            <a:prstGeom prst="rect">
+              <a:avLst/>
+            </a:prstGeom>
+            <a:noFill/>
+          </p:spPr>
+          <p:txBody>
+            <a:bodyPr wrap="square" rtlCol="0">
+              <a:spAutoFit/>
+            </a:bodyPr>
+            <a:lstStyle/>
+            <a:p>
+              <a:r>
+                <a:rPr lang="de-DE" sz="4000" dirty="0">
+                  <a:latin typeface="Lucida Sans Unicode"/>
+                  <a:cs typeface="Lucida Sans Unicode"/>
+                </a:rPr>
+                <a:t>ⁿ</a:t>
+              </a:r>
+              <a:endParaRPr lang="de-DE" sz="4000" dirty="0"/>
+            </a:p>
+            <a:p>
+              <a:endParaRPr lang="de-DE" sz="4000" dirty="0"/>
+            </a:p>
+          </p:txBody>
+        </p:sp>
+      </p:grpSp>
+    </p:spTree>
+    <p:extLst>
+      <p:ext uri="{BB962C8B-B14F-4D97-AF65-F5344CB8AC3E}">
+        <p14:creationId xmlns:p14="http://schemas.microsoft.com/office/powerpoint/2010/main" val="3860882785"/>
+      </p:ext>
+    </p:extLst>
+  </p:cSld>
+  <p:clrMapOvr>
+    <a:masterClrMapping/>
+  </p:clrMapOvr>
+</p:sld>
+</file>
+
+<file path=ppt/slides/slide5.xml><?xml version="1.0" encoding="utf-8"?>
+<p:sld xmlns:a="http://schemas.openxmlformats.org/drawingml/2006/main" xmlns:r="http://schemas.openxmlformats.org/officeDocument/2006/relationships" xmlns:p="http://schemas.openxmlformats.org/presentationml/2006/main">
+  <p:cSld>
+    <p:spTree>
+      <p:nvGrpSpPr>
+        <p:cNvPr id="1" name=""/>
+        <p:cNvGrpSpPr/>
+        <p:nvPr/>
+      </p:nvGrpSpPr>
+      <p:grpSpPr>
+        <a:xfrm>
+          <a:off x="0" y="0"/>
+          <a:ext cx="0" cy="0"/>
+          <a:chOff x="0" y="0"/>
+          <a:chExt cx="0" cy="0"/>
+        </a:xfrm>
+      </p:grpSpPr>
+      <p:grpSp>
+        <p:nvGrpSpPr>
+          <p:cNvPr id="9" name="Gruppieren 8"/>
+          <p:cNvGrpSpPr/>
+          <p:nvPr/>
+        </p:nvGrpSpPr>
+        <p:grpSpPr>
+          <a:xfrm>
+            <a:off x="1043608" y="908720"/>
+            <a:ext cx="6912768" cy="5040560"/>
+            <a:chOff x="1043608" y="908720"/>
+            <a:chExt cx="6912768" cy="5040560"/>
+          </a:xfrm>
+        </p:grpSpPr>
+        <p:sp>
+          <p:nvSpPr>
+            <p:cNvPr id="2" name="Rechteck 1"/>
+            <p:cNvSpPr/>
+            <p:nvPr/>
+          </p:nvSpPr>
+          <p:spPr>
+            <a:xfrm>
+              <a:off x="1043608" y="908720"/>
+              <a:ext cx="6912768" cy="5040560"/>
+            </a:xfrm>
+            <a:prstGeom prst="rect">
+              <a:avLst/>
+            </a:prstGeom>
+            <a:noFill/>
+            <a:ln w="63500">
+              <a:solidFill>
+                <a:schemeClr val="tx1"/>
+              </a:solidFill>
+            </a:ln>
+          </p:spPr>
+          <p:style>
+            <a:lnRef idx="2">
+              <a:schemeClr val="accent1">
+                <a:shade val="50000"/>
+              </a:schemeClr>
+            </a:lnRef>
+            <a:fillRef idx="1">
+              <a:schemeClr val="accent1"/>
+            </a:fillRef>
+            <a:effectRef idx="0">
+              <a:schemeClr val="accent1"/>
+            </a:effectRef>
+            <a:fontRef idx="minor">
+              <a:schemeClr val="lt1"/>
+            </a:fontRef>
+          </p:style>
+          <p:txBody>
+            <a:bodyPr rtlCol="0" anchor="ctr"/>
+            <a:lstStyle/>
+            <a:p>
+              <a:pPr algn="ctr"/>
+              <a:endParaRPr lang="de-DE"/>
+            </a:p>
+          </p:txBody>
+        </p:sp>
+        <p:sp>
+          <p:nvSpPr>
+            <p:cNvPr id="3" name="Textfeld 2"/>
+            <p:cNvSpPr txBox="1"/>
+            <p:nvPr/>
+          </p:nvSpPr>
+          <p:spPr>
+            <a:xfrm>
+              <a:off x="1331640" y="1052736"/>
+              <a:ext cx="1080120" cy="769441"/>
+            </a:xfrm>
+            <a:prstGeom prst="rect">
+              <a:avLst/>
+            </a:prstGeom>
+            <a:noFill/>
+          </p:spPr>
+          <p:txBody>
+            <a:bodyPr wrap="square" rtlCol="0">
+              <a:spAutoFit/>
+            </a:bodyPr>
+            <a:lstStyle/>
+            <a:p>
+              <a:r>
+                <a:rPr lang="de-DE" sz="4400" b="1" dirty="0" smtClean="0"/>
+                <a:t>X</a:t>
+              </a:r>
+              <a:endParaRPr lang="de-DE" sz="4400" b="1" dirty="0"/>
+            </a:p>
+          </p:txBody>
+        </p:sp>
+        <p:sp>
+          <p:nvSpPr>
+            <p:cNvPr id="6" name="Flussdiagramm: Verbindungsstelle 5"/>
+            <p:cNvSpPr/>
+            <p:nvPr/>
+          </p:nvSpPr>
+          <p:spPr>
+            <a:xfrm>
+              <a:off x="1475656" y="3717032"/>
+              <a:ext cx="1872208" cy="1872208"/>
+            </a:xfrm>
+            <a:prstGeom prst="flowChartConnector">
+              <a:avLst/>
+            </a:prstGeom>
+            <a:noFill/>
+            <a:ln w="63500">
+              <a:solidFill>
+                <a:srgbClr val="002060"/>
+              </a:solidFill>
+            </a:ln>
+          </p:spPr>
+          <p:style>
+            <a:lnRef idx="2">
+              <a:schemeClr val="accent1">
+                <a:shade val="50000"/>
+              </a:schemeClr>
+            </a:lnRef>
+            <a:fillRef idx="1">
+              <a:schemeClr val="accent1"/>
+            </a:fillRef>
+            <a:effectRef idx="0">
+              <a:schemeClr val="accent1"/>
+            </a:effectRef>
+            <a:fontRef idx="minor">
+              <a:schemeClr val="lt1"/>
+            </a:fontRef>
+          </p:style>
+          <p:txBody>
+            <a:bodyPr rtlCol="0" anchor="ctr"/>
+            <a:lstStyle/>
+            <a:p>
+              <a:pPr algn="ctr"/>
+              <a:endParaRPr lang="de-DE"/>
+            </a:p>
+          </p:txBody>
+        </p:sp>
+        <p:sp>
+          <p:nvSpPr>
+            <p:cNvPr id="7" name="Herz 6"/>
+            <p:cNvSpPr/>
+            <p:nvPr/>
+          </p:nvSpPr>
+          <p:spPr>
+            <a:xfrm>
+              <a:off x="2460104" y="1437456"/>
+              <a:ext cx="1775520" cy="1775520"/>
+            </a:xfrm>
+            <a:prstGeom prst="heart">
+              <a:avLst/>
+            </a:prstGeom>
+            <a:noFill/>
+            <a:ln w="63500">
+              <a:solidFill>
+                <a:srgbClr val="FF0000"/>
+              </a:solidFill>
+            </a:ln>
+          </p:spPr>
+          <p:style>
+            <a:lnRef idx="2">
+              <a:schemeClr val="accent1">
+                <a:shade val="50000"/>
+              </a:schemeClr>
+            </a:lnRef>
+            <a:fillRef idx="1">
+              <a:schemeClr val="accent1"/>
+            </a:fillRef>
+            <a:effectRef idx="0">
+              <a:schemeClr val="accent1"/>
+            </a:effectRef>
+            <a:fontRef idx="minor">
+              <a:schemeClr val="lt1"/>
+            </a:fontRef>
+          </p:style>
+          <p:txBody>
+            <a:bodyPr rtlCol="0" anchor="ctr"/>
+            <a:lstStyle/>
+            <a:p>
+              <a:pPr algn="ctr"/>
+              <a:endParaRPr lang="de-DE"/>
+            </a:p>
+          </p:txBody>
+        </p:sp>
+        <p:sp>
+          <p:nvSpPr>
+            <p:cNvPr id="8" name="Freihandform 7"/>
+            <p:cNvSpPr/>
+            <p:nvPr/>
+          </p:nvSpPr>
+          <p:spPr>
+            <a:xfrm>
+              <a:off x="3999612" y="2325216"/>
+              <a:ext cx="3715263" cy="3260011"/>
+            </a:xfrm>
+            <a:custGeom>
+              <a:avLst/>
+              <a:gdLst>
+                <a:gd name="connsiteX0" fmla="*/ 695076 w 3716337"/>
+                <a:gd name="connsiteY0" fmla="*/ 3091747 h 3260578"/>
+                <a:gd name="connsiteX1" fmla="*/ 1711076 w 3716337"/>
+                <a:gd name="connsiteY1" fmla="*/ 2772433 h 3260578"/>
+                <a:gd name="connsiteX2" fmla="*/ 1638504 w 3716337"/>
+                <a:gd name="connsiteY2" fmla="*/ 2235404 h 3260578"/>
+                <a:gd name="connsiteX3" fmla="*/ 1217590 w 3716337"/>
+                <a:gd name="connsiteY3" fmla="*/ 2235404 h 3260578"/>
+                <a:gd name="connsiteX4" fmla="*/ 1188561 w 3716337"/>
+                <a:gd name="connsiteY4" fmla="*/ 2874033 h 3260578"/>
+                <a:gd name="connsiteX5" fmla="*/ 1841704 w 3716337"/>
+                <a:gd name="connsiteY5" fmla="*/ 3251404 h 3260578"/>
+                <a:gd name="connsiteX6" fmla="*/ 2727076 w 3716337"/>
+                <a:gd name="connsiteY6" fmla="*/ 2888547 h 3260578"/>
+                <a:gd name="connsiteX7" fmla="*/ 2494847 w 3716337"/>
+                <a:gd name="connsiteY7" fmla="*/ 2206375 h 3260578"/>
+                <a:gd name="connsiteX8" fmla="*/ 1957819 w 3716337"/>
+                <a:gd name="connsiteY8" fmla="*/ 2220890 h 3260578"/>
+                <a:gd name="connsiteX9" fmla="*/ 2161019 w 3716337"/>
+                <a:gd name="connsiteY9" fmla="*/ 3004661 h 3260578"/>
+                <a:gd name="connsiteX10" fmla="*/ 2973819 w 3716337"/>
+                <a:gd name="connsiteY10" fmla="*/ 3236890 h 3260578"/>
+                <a:gd name="connsiteX11" fmla="*/ 3583419 w 3716337"/>
+                <a:gd name="connsiteY11" fmla="*/ 2511175 h 3260578"/>
+                <a:gd name="connsiteX12" fmla="*/ 3147990 w 3716337"/>
+                <a:gd name="connsiteY12" fmla="*/ 1175861 h 3260578"/>
+                <a:gd name="connsiteX13" fmla="*/ 2523876 w 3716337"/>
+                <a:gd name="connsiteY13" fmla="*/ 1843518 h 3260578"/>
+                <a:gd name="connsiteX14" fmla="*/ 3147990 w 3716337"/>
+                <a:gd name="connsiteY14" fmla="*/ 2264433 h 3260578"/>
+                <a:gd name="connsiteX15" fmla="*/ 3714047 w 3716337"/>
+                <a:gd name="connsiteY15" fmla="*/ 1350033 h 3260578"/>
+                <a:gd name="connsiteX16" fmla="*/ 2930276 w 3716337"/>
+                <a:gd name="connsiteY16" fmla="*/ 217918 h 3260578"/>
+                <a:gd name="connsiteX17" fmla="*/ 1623990 w 3716337"/>
+                <a:gd name="connsiteY17" fmla="*/ 566261 h 3260578"/>
+                <a:gd name="connsiteX18" fmla="*/ 2393247 w 3716337"/>
+                <a:gd name="connsiteY18" fmla="*/ 1262947 h 3260578"/>
+                <a:gd name="connsiteX19" fmla="*/ 2799647 w 3716337"/>
+                <a:gd name="connsiteY19" fmla="*/ 725918 h 3260578"/>
+                <a:gd name="connsiteX20" fmla="*/ 1623990 w 3716337"/>
+                <a:gd name="connsiteY20" fmla="*/ 204 h 3260578"/>
+                <a:gd name="connsiteX21" fmla="*/ 549933 w 3716337"/>
+                <a:gd name="connsiteY21" fmla="*/ 798490 h 3260578"/>
+                <a:gd name="connsiteX22" fmla="*/ 303190 w 3716337"/>
+                <a:gd name="connsiteY22" fmla="*/ 1872547 h 3260578"/>
+                <a:gd name="connsiteX23" fmla="*/ 1130504 w 3716337"/>
+                <a:gd name="connsiteY23" fmla="*/ 1974147 h 3260578"/>
+                <a:gd name="connsiteX24" fmla="*/ 1072447 w 3716337"/>
+                <a:gd name="connsiteY24" fmla="*/ 1364547 h 3260578"/>
+                <a:gd name="connsiteX25" fmla="*/ 70961 w 3716337"/>
+                <a:gd name="connsiteY25" fmla="*/ 1887061 h 3260578"/>
+                <a:gd name="connsiteX26" fmla="*/ 172561 w 3716337"/>
+                <a:gd name="connsiteY26" fmla="*/ 2917575 h 3260578"/>
+                <a:gd name="connsiteX27" fmla="*/ 898276 w 3716337"/>
+                <a:gd name="connsiteY27" fmla="*/ 2757918 h 3260578"/>
+                <a:gd name="connsiteX28" fmla="*/ 564447 w 3716337"/>
+                <a:gd name="connsiteY28" fmla="*/ 2278947 h 3260578"/>
+                <a:gd name="connsiteX29" fmla="*/ 303190 w 3716337"/>
+                <a:gd name="connsiteY29" fmla="*/ 2670833 h 3260578"/>
+                <a:gd name="connsiteX30" fmla="*/ 695076 w 3716337"/>
+                <a:gd name="connsiteY30" fmla="*/ 3091747 h 3260578"/>
+                <a:gd name="connsiteX0" fmla="*/ 695076 w 3716337"/>
+                <a:gd name="connsiteY0" fmla="*/ 3091747 h 3260578"/>
+                <a:gd name="connsiteX1" fmla="*/ 1711076 w 3716337"/>
+                <a:gd name="connsiteY1" fmla="*/ 2772433 h 3260578"/>
+                <a:gd name="connsiteX2" fmla="*/ 1638504 w 3716337"/>
+                <a:gd name="connsiteY2" fmla="*/ 2235404 h 3260578"/>
+                <a:gd name="connsiteX3" fmla="*/ 1217590 w 3716337"/>
+                <a:gd name="connsiteY3" fmla="*/ 2235404 h 3260578"/>
+                <a:gd name="connsiteX4" fmla="*/ 1188561 w 3716337"/>
+                <a:gd name="connsiteY4" fmla="*/ 2874033 h 3260578"/>
+                <a:gd name="connsiteX5" fmla="*/ 1841704 w 3716337"/>
+                <a:gd name="connsiteY5" fmla="*/ 3251404 h 3260578"/>
+                <a:gd name="connsiteX6" fmla="*/ 2727076 w 3716337"/>
+                <a:gd name="connsiteY6" fmla="*/ 2888547 h 3260578"/>
+                <a:gd name="connsiteX7" fmla="*/ 2494847 w 3716337"/>
+                <a:gd name="connsiteY7" fmla="*/ 2206375 h 3260578"/>
+                <a:gd name="connsiteX8" fmla="*/ 1957819 w 3716337"/>
+                <a:gd name="connsiteY8" fmla="*/ 2220890 h 3260578"/>
+                <a:gd name="connsiteX9" fmla="*/ 2161019 w 3716337"/>
+                <a:gd name="connsiteY9" fmla="*/ 3004661 h 3260578"/>
+                <a:gd name="connsiteX10" fmla="*/ 2973819 w 3716337"/>
+                <a:gd name="connsiteY10" fmla="*/ 3236890 h 3260578"/>
+                <a:gd name="connsiteX11" fmla="*/ 3583419 w 3716337"/>
+                <a:gd name="connsiteY11" fmla="*/ 2511175 h 3260578"/>
+                <a:gd name="connsiteX12" fmla="*/ 3147990 w 3716337"/>
+                <a:gd name="connsiteY12" fmla="*/ 1175861 h 3260578"/>
+                <a:gd name="connsiteX13" fmla="*/ 2523876 w 3716337"/>
+                <a:gd name="connsiteY13" fmla="*/ 1843518 h 3260578"/>
+                <a:gd name="connsiteX14" fmla="*/ 3147990 w 3716337"/>
+                <a:gd name="connsiteY14" fmla="*/ 2264433 h 3260578"/>
+                <a:gd name="connsiteX15" fmla="*/ 3714047 w 3716337"/>
+                <a:gd name="connsiteY15" fmla="*/ 1350033 h 3260578"/>
+                <a:gd name="connsiteX16" fmla="*/ 2930276 w 3716337"/>
+                <a:gd name="connsiteY16" fmla="*/ 217918 h 3260578"/>
+                <a:gd name="connsiteX17" fmla="*/ 1623990 w 3716337"/>
+                <a:gd name="connsiteY17" fmla="*/ 566261 h 3260578"/>
+                <a:gd name="connsiteX18" fmla="*/ 2393247 w 3716337"/>
+                <a:gd name="connsiteY18" fmla="*/ 1262947 h 3260578"/>
+                <a:gd name="connsiteX19" fmla="*/ 2799647 w 3716337"/>
+                <a:gd name="connsiteY19" fmla="*/ 725918 h 3260578"/>
+                <a:gd name="connsiteX20" fmla="*/ 1623990 w 3716337"/>
+                <a:gd name="connsiteY20" fmla="*/ 204 h 3260578"/>
+                <a:gd name="connsiteX21" fmla="*/ 549933 w 3716337"/>
+                <a:gd name="connsiteY21" fmla="*/ 798490 h 3260578"/>
+                <a:gd name="connsiteX22" fmla="*/ 303190 w 3716337"/>
+                <a:gd name="connsiteY22" fmla="*/ 1872547 h 3260578"/>
+                <a:gd name="connsiteX23" fmla="*/ 1130504 w 3716337"/>
+                <a:gd name="connsiteY23" fmla="*/ 1974147 h 3260578"/>
+                <a:gd name="connsiteX24" fmla="*/ 1072447 w 3716337"/>
+                <a:gd name="connsiteY24" fmla="*/ 1364547 h 3260578"/>
+                <a:gd name="connsiteX25" fmla="*/ 70961 w 3716337"/>
+                <a:gd name="connsiteY25" fmla="*/ 1887061 h 3260578"/>
+                <a:gd name="connsiteX26" fmla="*/ 172561 w 3716337"/>
+                <a:gd name="connsiteY26" fmla="*/ 2917575 h 3260578"/>
+                <a:gd name="connsiteX27" fmla="*/ 898276 w 3716337"/>
+                <a:gd name="connsiteY27" fmla="*/ 2757918 h 3260578"/>
+                <a:gd name="connsiteX28" fmla="*/ 564447 w 3716337"/>
+                <a:gd name="connsiteY28" fmla="*/ 2278947 h 3260578"/>
+                <a:gd name="connsiteX29" fmla="*/ 303190 w 3716337"/>
+                <a:gd name="connsiteY29" fmla="*/ 2670833 h 3260578"/>
+                <a:gd name="connsiteX30" fmla="*/ 695076 w 3716337"/>
+                <a:gd name="connsiteY30" fmla="*/ 3091747 h 3260578"/>
+                <a:gd name="connsiteX0" fmla="*/ 695076 w 3716337"/>
+                <a:gd name="connsiteY0" fmla="*/ 3091747 h 3260578"/>
+                <a:gd name="connsiteX1" fmla="*/ 1711076 w 3716337"/>
+                <a:gd name="connsiteY1" fmla="*/ 2772433 h 3260578"/>
+                <a:gd name="connsiteX2" fmla="*/ 1638504 w 3716337"/>
+                <a:gd name="connsiteY2" fmla="*/ 2235404 h 3260578"/>
+                <a:gd name="connsiteX3" fmla="*/ 1217590 w 3716337"/>
+                <a:gd name="connsiteY3" fmla="*/ 2235404 h 3260578"/>
+                <a:gd name="connsiteX4" fmla="*/ 1188561 w 3716337"/>
+                <a:gd name="connsiteY4" fmla="*/ 2874033 h 3260578"/>
+                <a:gd name="connsiteX5" fmla="*/ 1841704 w 3716337"/>
+                <a:gd name="connsiteY5" fmla="*/ 3251404 h 3260578"/>
+                <a:gd name="connsiteX6" fmla="*/ 2727076 w 3716337"/>
+                <a:gd name="connsiteY6" fmla="*/ 2888547 h 3260578"/>
+                <a:gd name="connsiteX7" fmla="*/ 2494847 w 3716337"/>
+                <a:gd name="connsiteY7" fmla="*/ 2206375 h 3260578"/>
+                <a:gd name="connsiteX8" fmla="*/ 1957819 w 3716337"/>
+                <a:gd name="connsiteY8" fmla="*/ 2220890 h 3260578"/>
+                <a:gd name="connsiteX9" fmla="*/ 2161019 w 3716337"/>
+                <a:gd name="connsiteY9" fmla="*/ 3004661 h 3260578"/>
+                <a:gd name="connsiteX10" fmla="*/ 2973819 w 3716337"/>
+                <a:gd name="connsiteY10" fmla="*/ 3236890 h 3260578"/>
+                <a:gd name="connsiteX11" fmla="*/ 3583419 w 3716337"/>
+                <a:gd name="connsiteY11" fmla="*/ 2511175 h 3260578"/>
+                <a:gd name="connsiteX12" fmla="*/ 3147990 w 3716337"/>
+                <a:gd name="connsiteY12" fmla="*/ 1175861 h 3260578"/>
+                <a:gd name="connsiteX13" fmla="*/ 2523876 w 3716337"/>
+                <a:gd name="connsiteY13" fmla="*/ 1843518 h 3260578"/>
+                <a:gd name="connsiteX14" fmla="*/ 3147990 w 3716337"/>
+                <a:gd name="connsiteY14" fmla="*/ 2264433 h 3260578"/>
+                <a:gd name="connsiteX15" fmla="*/ 3714047 w 3716337"/>
+                <a:gd name="connsiteY15" fmla="*/ 1350033 h 3260578"/>
+                <a:gd name="connsiteX16" fmla="*/ 2930276 w 3716337"/>
+                <a:gd name="connsiteY16" fmla="*/ 217918 h 3260578"/>
+                <a:gd name="connsiteX17" fmla="*/ 1885248 w 3716337"/>
+                <a:gd name="connsiteY17" fmla="*/ 566261 h 3260578"/>
+                <a:gd name="connsiteX18" fmla="*/ 2393247 w 3716337"/>
+                <a:gd name="connsiteY18" fmla="*/ 1262947 h 3260578"/>
+                <a:gd name="connsiteX19" fmla="*/ 2799647 w 3716337"/>
+                <a:gd name="connsiteY19" fmla="*/ 725918 h 3260578"/>
+                <a:gd name="connsiteX20" fmla="*/ 1623990 w 3716337"/>
+                <a:gd name="connsiteY20" fmla="*/ 204 h 3260578"/>
+                <a:gd name="connsiteX21" fmla="*/ 549933 w 3716337"/>
+                <a:gd name="connsiteY21" fmla="*/ 798490 h 3260578"/>
+                <a:gd name="connsiteX22" fmla="*/ 303190 w 3716337"/>
+                <a:gd name="connsiteY22" fmla="*/ 1872547 h 3260578"/>
+                <a:gd name="connsiteX23" fmla="*/ 1130504 w 3716337"/>
+                <a:gd name="connsiteY23" fmla="*/ 1974147 h 3260578"/>
+                <a:gd name="connsiteX24" fmla="*/ 1072447 w 3716337"/>
+                <a:gd name="connsiteY24" fmla="*/ 1364547 h 3260578"/>
+                <a:gd name="connsiteX25" fmla="*/ 70961 w 3716337"/>
+                <a:gd name="connsiteY25" fmla="*/ 1887061 h 3260578"/>
+                <a:gd name="connsiteX26" fmla="*/ 172561 w 3716337"/>
+                <a:gd name="connsiteY26" fmla="*/ 2917575 h 3260578"/>
+                <a:gd name="connsiteX27" fmla="*/ 898276 w 3716337"/>
+                <a:gd name="connsiteY27" fmla="*/ 2757918 h 3260578"/>
+                <a:gd name="connsiteX28" fmla="*/ 564447 w 3716337"/>
+                <a:gd name="connsiteY28" fmla="*/ 2278947 h 3260578"/>
+                <a:gd name="connsiteX29" fmla="*/ 303190 w 3716337"/>
+                <a:gd name="connsiteY29" fmla="*/ 2670833 h 3260578"/>
+                <a:gd name="connsiteX30" fmla="*/ 695076 w 3716337"/>
+                <a:gd name="connsiteY30" fmla="*/ 3091747 h 3260578"/>
+                <a:gd name="connsiteX0" fmla="*/ 695076 w 3716337"/>
+                <a:gd name="connsiteY0" fmla="*/ 3091730 h 3260561"/>
+                <a:gd name="connsiteX1" fmla="*/ 1711076 w 3716337"/>
+                <a:gd name="connsiteY1" fmla="*/ 2772416 h 3260561"/>
+                <a:gd name="connsiteX2" fmla="*/ 1638504 w 3716337"/>
+                <a:gd name="connsiteY2" fmla="*/ 2235387 h 3260561"/>
+                <a:gd name="connsiteX3" fmla="*/ 1217590 w 3716337"/>
+                <a:gd name="connsiteY3" fmla="*/ 2235387 h 3260561"/>
+                <a:gd name="connsiteX4" fmla="*/ 1188561 w 3716337"/>
+                <a:gd name="connsiteY4" fmla="*/ 2874016 h 3260561"/>
+                <a:gd name="connsiteX5" fmla="*/ 1841704 w 3716337"/>
+                <a:gd name="connsiteY5" fmla="*/ 3251387 h 3260561"/>
+                <a:gd name="connsiteX6" fmla="*/ 2727076 w 3716337"/>
+                <a:gd name="connsiteY6" fmla="*/ 2888530 h 3260561"/>
+                <a:gd name="connsiteX7" fmla="*/ 2494847 w 3716337"/>
+                <a:gd name="connsiteY7" fmla="*/ 2206358 h 3260561"/>
+                <a:gd name="connsiteX8" fmla="*/ 1957819 w 3716337"/>
+                <a:gd name="connsiteY8" fmla="*/ 2220873 h 3260561"/>
+                <a:gd name="connsiteX9" fmla="*/ 2161019 w 3716337"/>
+                <a:gd name="connsiteY9" fmla="*/ 3004644 h 3260561"/>
+                <a:gd name="connsiteX10" fmla="*/ 2973819 w 3716337"/>
+                <a:gd name="connsiteY10" fmla="*/ 3236873 h 3260561"/>
+                <a:gd name="connsiteX11" fmla="*/ 3583419 w 3716337"/>
+                <a:gd name="connsiteY11" fmla="*/ 2511158 h 3260561"/>
+                <a:gd name="connsiteX12" fmla="*/ 3147990 w 3716337"/>
+                <a:gd name="connsiteY12" fmla="*/ 1175844 h 3260561"/>
+                <a:gd name="connsiteX13" fmla="*/ 2523876 w 3716337"/>
+                <a:gd name="connsiteY13" fmla="*/ 1843501 h 3260561"/>
+                <a:gd name="connsiteX14" fmla="*/ 3147990 w 3716337"/>
+                <a:gd name="connsiteY14" fmla="*/ 2264416 h 3260561"/>
+                <a:gd name="connsiteX15" fmla="*/ 3714047 w 3716337"/>
+                <a:gd name="connsiteY15" fmla="*/ 1350016 h 3260561"/>
+                <a:gd name="connsiteX16" fmla="*/ 2930276 w 3716337"/>
+                <a:gd name="connsiteY16" fmla="*/ 217901 h 3260561"/>
+                <a:gd name="connsiteX17" fmla="*/ 1885248 w 3716337"/>
+                <a:gd name="connsiteY17" fmla="*/ 566244 h 3260561"/>
+                <a:gd name="connsiteX18" fmla="*/ 2219076 w 3716337"/>
+                <a:gd name="connsiteY18" fmla="*/ 958130 h 3260561"/>
+                <a:gd name="connsiteX19" fmla="*/ 2799647 w 3716337"/>
+                <a:gd name="connsiteY19" fmla="*/ 725901 h 3260561"/>
+                <a:gd name="connsiteX20" fmla="*/ 1623990 w 3716337"/>
+                <a:gd name="connsiteY20" fmla="*/ 187 h 3260561"/>
+                <a:gd name="connsiteX21" fmla="*/ 549933 w 3716337"/>
+                <a:gd name="connsiteY21" fmla="*/ 798473 h 3260561"/>
+                <a:gd name="connsiteX22" fmla="*/ 303190 w 3716337"/>
+                <a:gd name="connsiteY22" fmla="*/ 1872530 h 3260561"/>
+                <a:gd name="connsiteX23" fmla="*/ 1130504 w 3716337"/>
+                <a:gd name="connsiteY23" fmla="*/ 1974130 h 3260561"/>
+                <a:gd name="connsiteX24" fmla="*/ 1072447 w 3716337"/>
+                <a:gd name="connsiteY24" fmla="*/ 1364530 h 3260561"/>
+                <a:gd name="connsiteX25" fmla="*/ 70961 w 3716337"/>
+                <a:gd name="connsiteY25" fmla="*/ 1887044 h 3260561"/>
+                <a:gd name="connsiteX26" fmla="*/ 172561 w 3716337"/>
+                <a:gd name="connsiteY26" fmla="*/ 2917558 h 3260561"/>
+                <a:gd name="connsiteX27" fmla="*/ 898276 w 3716337"/>
+                <a:gd name="connsiteY27" fmla="*/ 2757901 h 3260561"/>
+                <a:gd name="connsiteX28" fmla="*/ 564447 w 3716337"/>
+                <a:gd name="connsiteY28" fmla="*/ 2278930 h 3260561"/>
+                <a:gd name="connsiteX29" fmla="*/ 303190 w 3716337"/>
+                <a:gd name="connsiteY29" fmla="*/ 2670816 h 3260561"/>
+                <a:gd name="connsiteX30" fmla="*/ 695076 w 3716337"/>
+                <a:gd name="connsiteY30" fmla="*/ 3091730 h 3260561"/>
+                <a:gd name="connsiteX0" fmla="*/ 695076 w 3716337"/>
+                <a:gd name="connsiteY0" fmla="*/ 3092048 h 3260879"/>
+                <a:gd name="connsiteX1" fmla="*/ 1711076 w 3716337"/>
+                <a:gd name="connsiteY1" fmla="*/ 2772734 h 3260879"/>
+                <a:gd name="connsiteX2" fmla="*/ 1638504 w 3716337"/>
+                <a:gd name="connsiteY2" fmla="*/ 2235705 h 3260879"/>
+                <a:gd name="connsiteX3" fmla="*/ 1217590 w 3716337"/>
+                <a:gd name="connsiteY3" fmla="*/ 2235705 h 3260879"/>
+                <a:gd name="connsiteX4" fmla="*/ 1188561 w 3716337"/>
+                <a:gd name="connsiteY4" fmla="*/ 2874334 h 3260879"/>
+                <a:gd name="connsiteX5" fmla="*/ 1841704 w 3716337"/>
+                <a:gd name="connsiteY5" fmla="*/ 3251705 h 3260879"/>
+                <a:gd name="connsiteX6" fmla="*/ 2727076 w 3716337"/>
+                <a:gd name="connsiteY6" fmla="*/ 2888848 h 3260879"/>
+                <a:gd name="connsiteX7" fmla="*/ 2494847 w 3716337"/>
+                <a:gd name="connsiteY7" fmla="*/ 2206676 h 3260879"/>
+                <a:gd name="connsiteX8" fmla="*/ 1957819 w 3716337"/>
+                <a:gd name="connsiteY8" fmla="*/ 2221191 h 3260879"/>
+                <a:gd name="connsiteX9" fmla="*/ 2161019 w 3716337"/>
+                <a:gd name="connsiteY9" fmla="*/ 3004962 h 3260879"/>
+                <a:gd name="connsiteX10" fmla="*/ 2973819 w 3716337"/>
+                <a:gd name="connsiteY10" fmla="*/ 3237191 h 3260879"/>
+                <a:gd name="connsiteX11" fmla="*/ 3583419 w 3716337"/>
+                <a:gd name="connsiteY11" fmla="*/ 2511476 h 3260879"/>
+                <a:gd name="connsiteX12" fmla="*/ 3147990 w 3716337"/>
+                <a:gd name="connsiteY12" fmla="*/ 1176162 h 3260879"/>
+                <a:gd name="connsiteX13" fmla="*/ 2523876 w 3716337"/>
+                <a:gd name="connsiteY13" fmla="*/ 1843819 h 3260879"/>
+                <a:gd name="connsiteX14" fmla="*/ 3147990 w 3716337"/>
+                <a:gd name="connsiteY14" fmla="*/ 2264734 h 3260879"/>
+                <a:gd name="connsiteX15" fmla="*/ 3714047 w 3716337"/>
+                <a:gd name="connsiteY15" fmla="*/ 1350334 h 3260879"/>
+                <a:gd name="connsiteX16" fmla="*/ 2930276 w 3716337"/>
+                <a:gd name="connsiteY16" fmla="*/ 218219 h 3260879"/>
+                <a:gd name="connsiteX17" fmla="*/ 1885248 w 3716337"/>
+                <a:gd name="connsiteY17" fmla="*/ 566562 h 3260879"/>
+                <a:gd name="connsiteX18" fmla="*/ 2219076 w 3716337"/>
+                <a:gd name="connsiteY18" fmla="*/ 958448 h 3260879"/>
+                <a:gd name="connsiteX19" fmla="*/ 2625475 w 3716337"/>
+                <a:gd name="connsiteY19" fmla="*/ 682676 h 3260879"/>
+                <a:gd name="connsiteX20" fmla="*/ 1623990 w 3716337"/>
+                <a:gd name="connsiteY20" fmla="*/ 505 h 3260879"/>
+                <a:gd name="connsiteX21" fmla="*/ 549933 w 3716337"/>
+                <a:gd name="connsiteY21" fmla="*/ 798791 h 3260879"/>
+                <a:gd name="connsiteX22" fmla="*/ 303190 w 3716337"/>
+                <a:gd name="connsiteY22" fmla="*/ 1872848 h 3260879"/>
+                <a:gd name="connsiteX23" fmla="*/ 1130504 w 3716337"/>
+                <a:gd name="connsiteY23" fmla="*/ 1974448 h 3260879"/>
+                <a:gd name="connsiteX24" fmla="*/ 1072447 w 3716337"/>
+                <a:gd name="connsiteY24" fmla="*/ 1364848 h 3260879"/>
+                <a:gd name="connsiteX25" fmla="*/ 70961 w 3716337"/>
+                <a:gd name="connsiteY25" fmla="*/ 1887362 h 3260879"/>
+                <a:gd name="connsiteX26" fmla="*/ 172561 w 3716337"/>
+                <a:gd name="connsiteY26" fmla="*/ 2917876 h 3260879"/>
+                <a:gd name="connsiteX27" fmla="*/ 898276 w 3716337"/>
+                <a:gd name="connsiteY27" fmla="*/ 2758219 h 3260879"/>
+                <a:gd name="connsiteX28" fmla="*/ 564447 w 3716337"/>
+                <a:gd name="connsiteY28" fmla="*/ 2279248 h 3260879"/>
+                <a:gd name="connsiteX29" fmla="*/ 303190 w 3716337"/>
+                <a:gd name="connsiteY29" fmla="*/ 2671134 h 3260879"/>
+                <a:gd name="connsiteX30" fmla="*/ 695076 w 3716337"/>
+                <a:gd name="connsiteY30" fmla="*/ 3092048 h 3260879"/>
+                <a:gd name="connsiteX0" fmla="*/ 695076 w 3716337"/>
+                <a:gd name="connsiteY0" fmla="*/ 3092076 h 3260907"/>
+                <a:gd name="connsiteX1" fmla="*/ 1711076 w 3716337"/>
+                <a:gd name="connsiteY1" fmla="*/ 2772762 h 3260907"/>
+                <a:gd name="connsiteX2" fmla="*/ 1638504 w 3716337"/>
+                <a:gd name="connsiteY2" fmla="*/ 2235733 h 3260907"/>
+                <a:gd name="connsiteX3" fmla="*/ 1217590 w 3716337"/>
+                <a:gd name="connsiteY3" fmla="*/ 2235733 h 3260907"/>
+                <a:gd name="connsiteX4" fmla="*/ 1188561 w 3716337"/>
+                <a:gd name="connsiteY4" fmla="*/ 2874362 h 3260907"/>
+                <a:gd name="connsiteX5" fmla="*/ 1841704 w 3716337"/>
+                <a:gd name="connsiteY5" fmla="*/ 3251733 h 3260907"/>
+                <a:gd name="connsiteX6" fmla="*/ 2727076 w 3716337"/>
+                <a:gd name="connsiteY6" fmla="*/ 2888876 h 3260907"/>
+                <a:gd name="connsiteX7" fmla="*/ 2494847 w 3716337"/>
+                <a:gd name="connsiteY7" fmla="*/ 2206704 h 3260907"/>
+                <a:gd name="connsiteX8" fmla="*/ 1957819 w 3716337"/>
+                <a:gd name="connsiteY8" fmla="*/ 2221219 h 3260907"/>
+                <a:gd name="connsiteX9" fmla="*/ 2161019 w 3716337"/>
+                <a:gd name="connsiteY9" fmla="*/ 3004990 h 3260907"/>
+                <a:gd name="connsiteX10" fmla="*/ 2973819 w 3716337"/>
+                <a:gd name="connsiteY10" fmla="*/ 3237219 h 3260907"/>
+                <a:gd name="connsiteX11" fmla="*/ 3583419 w 3716337"/>
+                <a:gd name="connsiteY11" fmla="*/ 2511504 h 3260907"/>
+                <a:gd name="connsiteX12" fmla="*/ 3147990 w 3716337"/>
+                <a:gd name="connsiteY12" fmla="*/ 1176190 h 3260907"/>
+                <a:gd name="connsiteX13" fmla="*/ 2523876 w 3716337"/>
+                <a:gd name="connsiteY13" fmla="*/ 1843847 h 3260907"/>
+                <a:gd name="connsiteX14" fmla="*/ 3147990 w 3716337"/>
+                <a:gd name="connsiteY14" fmla="*/ 2264762 h 3260907"/>
+                <a:gd name="connsiteX15" fmla="*/ 3714047 w 3716337"/>
+                <a:gd name="connsiteY15" fmla="*/ 1350362 h 3260907"/>
+                <a:gd name="connsiteX16" fmla="*/ 2930276 w 3716337"/>
+                <a:gd name="connsiteY16" fmla="*/ 218247 h 3260907"/>
+                <a:gd name="connsiteX17" fmla="*/ 1885248 w 3716337"/>
+                <a:gd name="connsiteY17" fmla="*/ 566590 h 3260907"/>
+                <a:gd name="connsiteX18" fmla="*/ 2219076 w 3716337"/>
+                <a:gd name="connsiteY18" fmla="*/ 958476 h 3260907"/>
+                <a:gd name="connsiteX19" fmla="*/ 2625475 w 3716337"/>
+                <a:gd name="connsiteY19" fmla="*/ 682704 h 3260907"/>
+                <a:gd name="connsiteX20" fmla="*/ 1623990 w 3716337"/>
+                <a:gd name="connsiteY20" fmla="*/ 533 h 3260907"/>
+                <a:gd name="connsiteX21" fmla="*/ 549933 w 3716337"/>
+                <a:gd name="connsiteY21" fmla="*/ 798819 h 3260907"/>
+                <a:gd name="connsiteX22" fmla="*/ 303190 w 3716337"/>
+                <a:gd name="connsiteY22" fmla="*/ 1872876 h 3260907"/>
+                <a:gd name="connsiteX23" fmla="*/ 1130504 w 3716337"/>
+                <a:gd name="connsiteY23" fmla="*/ 1974476 h 3260907"/>
+                <a:gd name="connsiteX24" fmla="*/ 1072447 w 3716337"/>
+                <a:gd name="connsiteY24" fmla="*/ 1364876 h 3260907"/>
+                <a:gd name="connsiteX25" fmla="*/ 70961 w 3716337"/>
+                <a:gd name="connsiteY25" fmla="*/ 1887390 h 3260907"/>
+                <a:gd name="connsiteX26" fmla="*/ 172561 w 3716337"/>
+                <a:gd name="connsiteY26" fmla="*/ 2917904 h 3260907"/>
+                <a:gd name="connsiteX27" fmla="*/ 898276 w 3716337"/>
+                <a:gd name="connsiteY27" fmla="*/ 2758247 h 3260907"/>
+                <a:gd name="connsiteX28" fmla="*/ 564447 w 3716337"/>
+                <a:gd name="connsiteY28" fmla="*/ 2279276 h 3260907"/>
+                <a:gd name="connsiteX29" fmla="*/ 303190 w 3716337"/>
+                <a:gd name="connsiteY29" fmla="*/ 2671162 h 3260907"/>
+                <a:gd name="connsiteX30" fmla="*/ 695076 w 3716337"/>
+                <a:gd name="connsiteY30" fmla="*/ 3092076 h 3260907"/>
+                <a:gd name="connsiteX0" fmla="*/ 695076 w 3716337"/>
+                <a:gd name="connsiteY0" fmla="*/ 3093101 h 3261932"/>
+                <a:gd name="connsiteX1" fmla="*/ 1711076 w 3716337"/>
+                <a:gd name="connsiteY1" fmla="*/ 2773787 h 3261932"/>
+                <a:gd name="connsiteX2" fmla="*/ 1638504 w 3716337"/>
+                <a:gd name="connsiteY2" fmla="*/ 2236758 h 3261932"/>
+                <a:gd name="connsiteX3" fmla="*/ 1217590 w 3716337"/>
+                <a:gd name="connsiteY3" fmla="*/ 2236758 h 3261932"/>
+                <a:gd name="connsiteX4" fmla="*/ 1188561 w 3716337"/>
+                <a:gd name="connsiteY4" fmla="*/ 2875387 h 3261932"/>
+                <a:gd name="connsiteX5" fmla="*/ 1841704 w 3716337"/>
+                <a:gd name="connsiteY5" fmla="*/ 3252758 h 3261932"/>
+                <a:gd name="connsiteX6" fmla="*/ 2727076 w 3716337"/>
+                <a:gd name="connsiteY6" fmla="*/ 2889901 h 3261932"/>
+                <a:gd name="connsiteX7" fmla="*/ 2494847 w 3716337"/>
+                <a:gd name="connsiteY7" fmla="*/ 2207729 h 3261932"/>
+                <a:gd name="connsiteX8" fmla="*/ 1957819 w 3716337"/>
+                <a:gd name="connsiteY8" fmla="*/ 2222244 h 3261932"/>
+                <a:gd name="connsiteX9" fmla="*/ 2161019 w 3716337"/>
+                <a:gd name="connsiteY9" fmla="*/ 3006015 h 3261932"/>
+                <a:gd name="connsiteX10" fmla="*/ 2973819 w 3716337"/>
+                <a:gd name="connsiteY10" fmla="*/ 3238244 h 3261932"/>
+                <a:gd name="connsiteX11" fmla="*/ 3583419 w 3716337"/>
+                <a:gd name="connsiteY11" fmla="*/ 2512529 h 3261932"/>
+                <a:gd name="connsiteX12" fmla="*/ 3147990 w 3716337"/>
+                <a:gd name="connsiteY12" fmla="*/ 1177215 h 3261932"/>
+                <a:gd name="connsiteX13" fmla="*/ 2523876 w 3716337"/>
+                <a:gd name="connsiteY13" fmla="*/ 1844872 h 3261932"/>
+                <a:gd name="connsiteX14" fmla="*/ 3147990 w 3716337"/>
+                <a:gd name="connsiteY14" fmla="*/ 2265787 h 3261932"/>
+                <a:gd name="connsiteX15" fmla="*/ 3714047 w 3716337"/>
+                <a:gd name="connsiteY15" fmla="*/ 1351387 h 3261932"/>
+                <a:gd name="connsiteX16" fmla="*/ 2930276 w 3716337"/>
+                <a:gd name="connsiteY16" fmla="*/ 219272 h 3261932"/>
+                <a:gd name="connsiteX17" fmla="*/ 1885248 w 3716337"/>
+                <a:gd name="connsiteY17" fmla="*/ 567615 h 3261932"/>
+                <a:gd name="connsiteX18" fmla="*/ 2219076 w 3716337"/>
+                <a:gd name="connsiteY18" fmla="*/ 959501 h 3261932"/>
+                <a:gd name="connsiteX19" fmla="*/ 2625475 w 3716337"/>
+                <a:gd name="connsiteY19" fmla="*/ 683729 h 3261932"/>
+                <a:gd name="connsiteX20" fmla="*/ 1623990 w 3716337"/>
+                <a:gd name="connsiteY20" fmla="*/ 1558 h 3261932"/>
+                <a:gd name="connsiteX21" fmla="*/ 549933 w 3716337"/>
+                <a:gd name="connsiteY21" fmla="*/ 799844 h 3261932"/>
+                <a:gd name="connsiteX22" fmla="*/ 303190 w 3716337"/>
+                <a:gd name="connsiteY22" fmla="*/ 1873901 h 3261932"/>
+                <a:gd name="connsiteX23" fmla="*/ 1130504 w 3716337"/>
+                <a:gd name="connsiteY23" fmla="*/ 1975501 h 3261932"/>
+                <a:gd name="connsiteX24" fmla="*/ 1072447 w 3716337"/>
+                <a:gd name="connsiteY24" fmla="*/ 1365901 h 3261932"/>
+                <a:gd name="connsiteX25" fmla="*/ 70961 w 3716337"/>
+                <a:gd name="connsiteY25" fmla="*/ 1888415 h 3261932"/>
+                <a:gd name="connsiteX26" fmla="*/ 172561 w 3716337"/>
+                <a:gd name="connsiteY26" fmla="*/ 2918929 h 3261932"/>
+                <a:gd name="connsiteX27" fmla="*/ 898276 w 3716337"/>
+                <a:gd name="connsiteY27" fmla="*/ 2759272 h 3261932"/>
+                <a:gd name="connsiteX28" fmla="*/ 564447 w 3716337"/>
+                <a:gd name="connsiteY28" fmla="*/ 2280301 h 3261932"/>
+                <a:gd name="connsiteX29" fmla="*/ 303190 w 3716337"/>
+                <a:gd name="connsiteY29" fmla="*/ 2672187 h 3261932"/>
+                <a:gd name="connsiteX30" fmla="*/ 695076 w 3716337"/>
+                <a:gd name="connsiteY30" fmla="*/ 3093101 h 3261932"/>
+                <a:gd name="connsiteX0" fmla="*/ 695076 w 3716337"/>
+                <a:gd name="connsiteY0" fmla="*/ 3093101 h 3261932"/>
+                <a:gd name="connsiteX1" fmla="*/ 1711076 w 3716337"/>
+                <a:gd name="connsiteY1" fmla="*/ 2773787 h 3261932"/>
+                <a:gd name="connsiteX2" fmla="*/ 1638504 w 3716337"/>
+                <a:gd name="connsiteY2" fmla="*/ 2236758 h 3261932"/>
+                <a:gd name="connsiteX3" fmla="*/ 1217590 w 3716337"/>
+                <a:gd name="connsiteY3" fmla="*/ 2236758 h 3261932"/>
+                <a:gd name="connsiteX4" fmla="*/ 1188561 w 3716337"/>
+                <a:gd name="connsiteY4" fmla="*/ 2875387 h 3261932"/>
+                <a:gd name="connsiteX5" fmla="*/ 1841704 w 3716337"/>
+                <a:gd name="connsiteY5" fmla="*/ 3252758 h 3261932"/>
+                <a:gd name="connsiteX6" fmla="*/ 2727076 w 3716337"/>
+                <a:gd name="connsiteY6" fmla="*/ 2889901 h 3261932"/>
+                <a:gd name="connsiteX7" fmla="*/ 2494847 w 3716337"/>
+                <a:gd name="connsiteY7" fmla="*/ 2207729 h 3261932"/>
+                <a:gd name="connsiteX8" fmla="*/ 1957819 w 3716337"/>
+                <a:gd name="connsiteY8" fmla="*/ 2222244 h 3261932"/>
+                <a:gd name="connsiteX9" fmla="*/ 2161019 w 3716337"/>
+                <a:gd name="connsiteY9" fmla="*/ 3006015 h 3261932"/>
+                <a:gd name="connsiteX10" fmla="*/ 2973819 w 3716337"/>
+                <a:gd name="connsiteY10" fmla="*/ 3238244 h 3261932"/>
+                <a:gd name="connsiteX11" fmla="*/ 3583419 w 3716337"/>
+                <a:gd name="connsiteY11" fmla="*/ 2512529 h 3261932"/>
+                <a:gd name="connsiteX12" fmla="*/ 3147990 w 3716337"/>
+                <a:gd name="connsiteY12" fmla="*/ 1177215 h 3261932"/>
+                <a:gd name="connsiteX13" fmla="*/ 2523876 w 3716337"/>
+                <a:gd name="connsiteY13" fmla="*/ 1844872 h 3261932"/>
+                <a:gd name="connsiteX14" fmla="*/ 3147990 w 3716337"/>
+                <a:gd name="connsiteY14" fmla="*/ 2265787 h 3261932"/>
+                <a:gd name="connsiteX15" fmla="*/ 3714047 w 3716337"/>
+                <a:gd name="connsiteY15" fmla="*/ 1351387 h 3261932"/>
+                <a:gd name="connsiteX16" fmla="*/ 2930276 w 3716337"/>
+                <a:gd name="connsiteY16" fmla="*/ 219272 h 3261932"/>
+                <a:gd name="connsiteX17" fmla="*/ 1885248 w 3716337"/>
+                <a:gd name="connsiteY17" fmla="*/ 567615 h 3261932"/>
+                <a:gd name="connsiteX18" fmla="*/ 2219076 w 3716337"/>
+                <a:gd name="connsiteY18" fmla="*/ 959501 h 3261932"/>
+                <a:gd name="connsiteX19" fmla="*/ 2625475 w 3716337"/>
+                <a:gd name="connsiteY19" fmla="*/ 683729 h 3261932"/>
+                <a:gd name="connsiteX20" fmla="*/ 1623990 w 3716337"/>
+                <a:gd name="connsiteY20" fmla="*/ 1558 h 3261932"/>
+                <a:gd name="connsiteX21" fmla="*/ 549933 w 3716337"/>
+                <a:gd name="connsiteY21" fmla="*/ 799844 h 3261932"/>
+                <a:gd name="connsiteX22" fmla="*/ 303190 w 3716337"/>
+                <a:gd name="connsiteY22" fmla="*/ 1873901 h 3261932"/>
+                <a:gd name="connsiteX23" fmla="*/ 1130504 w 3716337"/>
+                <a:gd name="connsiteY23" fmla="*/ 1975501 h 3261932"/>
+                <a:gd name="connsiteX24" fmla="*/ 1072447 w 3716337"/>
+                <a:gd name="connsiteY24" fmla="*/ 1365901 h 3261932"/>
+                <a:gd name="connsiteX25" fmla="*/ 70961 w 3716337"/>
+                <a:gd name="connsiteY25" fmla="*/ 1888415 h 3261932"/>
+                <a:gd name="connsiteX26" fmla="*/ 172561 w 3716337"/>
+                <a:gd name="connsiteY26" fmla="*/ 2918929 h 3261932"/>
+                <a:gd name="connsiteX27" fmla="*/ 898276 w 3716337"/>
+                <a:gd name="connsiteY27" fmla="*/ 2759272 h 3261932"/>
+                <a:gd name="connsiteX28" fmla="*/ 564447 w 3716337"/>
+                <a:gd name="connsiteY28" fmla="*/ 2280301 h 3261932"/>
+                <a:gd name="connsiteX29" fmla="*/ 303190 w 3716337"/>
+                <a:gd name="connsiteY29" fmla="*/ 2672187 h 3261932"/>
+                <a:gd name="connsiteX30" fmla="*/ 695076 w 3716337"/>
+                <a:gd name="connsiteY30" fmla="*/ 3093101 h 3261932"/>
+                <a:gd name="connsiteX0" fmla="*/ 695076 w 3716337"/>
+                <a:gd name="connsiteY0" fmla="*/ 3093101 h 3261932"/>
+                <a:gd name="connsiteX1" fmla="*/ 1711076 w 3716337"/>
+                <a:gd name="connsiteY1" fmla="*/ 2773787 h 3261932"/>
+                <a:gd name="connsiteX2" fmla="*/ 1638504 w 3716337"/>
+                <a:gd name="connsiteY2" fmla="*/ 2236758 h 3261932"/>
+                <a:gd name="connsiteX3" fmla="*/ 1217590 w 3716337"/>
+                <a:gd name="connsiteY3" fmla="*/ 2236758 h 3261932"/>
+                <a:gd name="connsiteX4" fmla="*/ 1188561 w 3716337"/>
+                <a:gd name="connsiteY4" fmla="*/ 2875387 h 3261932"/>
+                <a:gd name="connsiteX5" fmla="*/ 1841704 w 3716337"/>
+                <a:gd name="connsiteY5" fmla="*/ 3252758 h 3261932"/>
+                <a:gd name="connsiteX6" fmla="*/ 2727076 w 3716337"/>
+                <a:gd name="connsiteY6" fmla="*/ 2889901 h 3261932"/>
+                <a:gd name="connsiteX7" fmla="*/ 2494847 w 3716337"/>
+                <a:gd name="connsiteY7" fmla="*/ 2207729 h 3261932"/>
+                <a:gd name="connsiteX8" fmla="*/ 1957819 w 3716337"/>
+                <a:gd name="connsiteY8" fmla="*/ 2222244 h 3261932"/>
+                <a:gd name="connsiteX9" fmla="*/ 2161019 w 3716337"/>
+                <a:gd name="connsiteY9" fmla="*/ 3006015 h 3261932"/>
+                <a:gd name="connsiteX10" fmla="*/ 2973819 w 3716337"/>
+                <a:gd name="connsiteY10" fmla="*/ 3238244 h 3261932"/>
+                <a:gd name="connsiteX11" fmla="*/ 3583419 w 3716337"/>
+                <a:gd name="connsiteY11" fmla="*/ 2512529 h 3261932"/>
+                <a:gd name="connsiteX12" fmla="*/ 3147990 w 3716337"/>
+                <a:gd name="connsiteY12" fmla="*/ 1177215 h 3261932"/>
+                <a:gd name="connsiteX13" fmla="*/ 2523876 w 3716337"/>
+                <a:gd name="connsiteY13" fmla="*/ 1844872 h 3261932"/>
+                <a:gd name="connsiteX14" fmla="*/ 3147990 w 3716337"/>
+                <a:gd name="connsiteY14" fmla="*/ 2265787 h 3261932"/>
+                <a:gd name="connsiteX15" fmla="*/ 3714047 w 3716337"/>
+                <a:gd name="connsiteY15" fmla="*/ 1351387 h 3261932"/>
+                <a:gd name="connsiteX16" fmla="*/ 2930276 w 3716337"/>
+                <a:gd name="connsiteY16" fmla="*/ 219272 h 3261932"/>
+                <a:gd name="connsiteX17" fmla="*/ 1885248 w 3716337"/>
+                <a:gd name="connsiteY17" fmla="*/ 567615 h 3261932"/>
+                <a:gd name="connsiteX18" fmla="*/ 2219076 w 3716337"/>
+                <a:gd name="connsiteY18" fmla="*/ 959501 h 3261932"/>
+                <a:gd name="connsiteX19" fmla="*/ 2625475 w 3716337"/>
+                <a:gd name="connsiteY19" fmla="*/ 683729 h 3261932"/>
+                <a:gd name="connsiteX20" fmla="*/ 1623990 w 3716337"/>
+                <a:gd name="connsiteY20" fmla="*/ 1558 h 3261932"/>
+                <a:gd name="connsiteX21" fmla="*/ 549933 w 3716337"/>
+                <a:gd name="connsiteY21" fmla="*/ 799844 h 3261932"/>
+                <a:gd name="connsiteX22" fmla="*/ 303190 w 3716337"/>
+                <a:gd name="connsiteY22" fmla="*/ 1873901 h 3261932"/>
+                <a:gd name="connsiteX23" fmla="*/ 970847 w 3716337"/>
+                <a:gd name="connsiteY23" fmla="*/ 1931958 h 3261932"/>
+                <a:gd name="connsiteX24" fmla="*/ 1072447 w 3716337"/>
+                <a:gd name="connsiteY24" fmla="*/ 1365901 h 3261932"/>
+                <a:gd name="connsiteX25" fmla="*/ 70961 w 3716337"/>
+                <a:gd name="connsiteY25" fmla="*/ 1888415 h 3261932"/>
+                <a:gd name="connsiteX26" fmla="*/ 172561 w 3716337"/>
+                <a:gd name="connsiteY26" fmla="*/ 2918929 h 3261932"/>
+                <a:gd name="connsiteX27" fmla="*/ 898276 w 3716337"/>
+                <a:gd name="connsiteY27" fmla="*/ 2759272 h 3261932"/>
+                <a:gd name="connsiteX28" fmla="*/ 564447 w 3716337"/>
+                <a:gd name="connsiteY28" fmla="*/ 2280301 h 3261932"/>
+                <a:gd name="connsiteX29" fmla="*/ 303190 w 3716337"/>
+                <a:gd name="connsiteY29" fmla="*/ 2672187 h 3261932"/>
+                <a:gd name="connsiteX30" fmla="*/ 695076 w 3716337"/>
+                <a:gd name="connsiteY30" fmla="*/ 3093101 h 3261932"/>
+                <a:gd name="connsiteX0" fmla="*/ 695076 w 3716337"/>
+                <a:gd name="connsiteY0" fmla="*/ 3093101 h 3261932"/>
+                <a:gd name="connsiteX1" fmla="*/ 1711076 w 3716337"/>
+                <a:gd name="connsiteY1" fmla="*/ 2773787 h 3261932"/>
+                <a:gd name="connsiteX2" fmla="*/ 1638504 w 3716337"/>
+                <a:gd name="connsiteY2" fmla="*/ 2236758 h 3261932"/>
+                <a:gd name="connsiteX3" fmla="*/ 1217590 w 3716337"/>
+                <a:gd name="connsiteY3" fmla="*/ 2236758 h 3261932"/>
+                <a:gd name="connsiteX4" fmla="*/ 1188561 w 3716337"/>
+                <a:gd name="connsiteY4" fmla="*/ 2875387 h 3261932"/>
+                <a:gd name="connsiteX5" fmla="*/ 1841704 w 3716337"/>
+                <a:gd name="connsiteY5" fmla="*/ 3252758 h 3261932"/>
+                <a:gd name="connsiteX6" fmla="*/ 2727076 w 3716337"/>
+                <a:gd name="connsiteY6" fmla="*/ 2889901 h 3261932"/>
+                <a:gd name="connsiteX7" fmla="*/ 2494847 w 3716337"/>
+                <a:gd name="connsiteY7" fmla="*/ 2207729 h 3261932"/>
+                <a:gd name="connsiteX8" fmla="*/ 1957819 w 3716337"/>
+                <a:gd name="connsiteY8" fmla="*/ 2222244 h 3261932"/>
+                <a:gd name="connsiteX9" fmla="*/ 2161019 w 3716337"/>
+                <a:gd name="connsiteY9" fmla="*/ 3006015 h 3261932"/>
+                <a:gd name="connsiteX10" fmla="*/ 2973819 w 3716337"/>
+                <a:gd name="connsiteY10" fmla="*/ 3238244 h 3261932"/>
+                <a:gd name="connsiteX11" fmla="*/ 3583419 w 3716337"/>
+                <a:gd name="connsiteY11" fmla="*/ 2512529 h 3261932"/>
+                <a:gd name="connsiteX12" fmla="*/ 3147990 w 3716337"/>
+                <a:gd name="connsiteY12" fmla="*/ 1177215 h 3261932"/>
+                <a:gd name="connsiteX13" fmla="*/ 2523876 w 3716337"/>
+                <a:gd name="connsiteY13" fmla="*/ 1844872 h 3261932"/>
+                <a:gd name="connsiteX14" fmla="*/ 3147990 w 3716337"/>
+                <a:gd name="connsiteY14" fmla="*/ 2265787 h 3261932"/>
+                <a:gd name="connsiteX15" fmla="*/ 3714047 w 3716337"/>
+                <a:gd name="connsiteY15" fmla="*/ 1351387 h 3261932"/>
+                <a:gd name="connsiteX16" fmla="*/ 2930276 w 3716337"/>
+                <a:gd name="connsiteY16" fmla="*/ 219272 h 3261932"/>
+                <a:gd name="connsiteX17" fmla="*/ 1885248 w 3716337"/>
+                <a:gd name="connsiteY17" fmla="*/ 567615 h 3261932"/>
+                <a:gd name="connsiteX18" fmla="*/ 2219076 w 3716337"/>
+                <a:gd name="connsiteY18" fmla="*/ 959501 h 3261932"/>
+                <a:gd name="connsiteX19" fmla="*/ 2625475 w 3716337"/>
+                <a:gd name="connsiteY19" fmla="*/ 683729 h 3261932"/>
+                <a:gd name="connsiteX20" fmla="*/ 1623990 w 3716337"/>
+                <a:gd name="connsiteY20" fmla="*/ 1558 h 3261932"/>
+                <a:gd name="connsiteX21" fmla="*/ 549933 w 3716337"/>
+                <a:gd name="connsiteY21" fmla="*/ 799844 h 3261932"/>
+                <a:gd name="connsiteX22" fmla="*/ 666047 w 3716337"/>
+                <a:gd name="connsiteY22" fmla="*/ 1786815 h 3261932"/>
+                <a:gd name="connsiteX23" fmla="*/ 970847 w 3716337"/>
+                <a:gd name="connsiteY23" fmla="*/ 1931958 h 3261932"/>
+                <a:gd name="connsiteX24" fmla="*/ 1072447 w 3716337"/>
+                <a:gd name="connsiteY24" fmla="*/ 1365901 h 3261932"/>
+                <a:gd name="connsiteX25" fmla="*/ 70961 w 3716337"/>
+                <a:gd name="connsiteY25" fmla="*/ 1888415 h 3261932"/>
+                <a:gd name="connsiteX26" fmla="*/ 172561 w 3716337"/>
+                <a:gd name="connsiteY26" fmla="*/ 2918929 h 3261932"/>
+                <a:gd name="connsiteX27" fmla="*/ 898276 w 3716337"/>
+                <a:gd name="connsiteY27" fmla="*/ 2759272 h 3261932"/>
+                <a:gd name="connsiteX28" fmla="*/ 564447 w 3716337"/>
+                <a:gd name="connsiteY28" fmla="*/ 2280301 h 3261932"/>
+                <a:gd name="connsiteX29" fmla="*/ 303190 w 3716337"/>
+                <a:gd name="connsiteY29" fmla="*/ 2672187 h 3261932"/>
+                <a:gd name="connsiteX30" fmla="*/ 695076 w 3716337"/>
+                <a:gd name="connsiteY30" fmla="*/ 3093101 h 3261932"/>
+                <a:gd name="connsiteX0" fmla="*/ 695076 w 3716337"/>
+                <a:gd name="connsiteY0" fmla="*/ 3093101 h 3261932"/>
+                <a:gd name="connsiteX1" fmla="*/ 1711076 w 3716337"/>
+                <a:gd name="connsiteY1" fmla="*/ 2773787 h 3261932"/>
+                <a:gd name="connsiteX2" fmla="*/ 1638504 w 3716337"/>
+                <a:gd name="connsiteY2" fmla="*/ 2236758 h 3261932"/>
+                <a:gd name="connsiteX3" fmla="*/ 1217590 w 3716337"/>
+                <a:gd name="connsiteY3" fmla="*/ 2236758 h 3261932"/>
+                <a:gd name="connsiteX4" fmla="*/ 1188561 w 3716337"/>
+                <a:gd name="connsiteY4" fmla="*/ 2875387 h 3261932"/>
+                <a:gd name="connsiteX5" fmla="*/ 1841704 w 3716337"/>
+                <a:gd name="connsiteY5" fmla="*/ 3252758 h 3261932"/>
+                <a:gd name="connsiteX6" fmla="*/ 2727076 w 3716337"/>
+                <a:gd name="connsiteY6" fmla="*/ 2889901 h 3261932"/>
+                <a:gd name="connsiteX7" fmla="*/ 2494847 w 3716337"/>
+                <a:gd name="connsiteY7" fmla="*/ 2207729 h 3261932"/>
+                <a:gd name="connsiteX8" fmla="*/ 1957819 w 3716337"/>
+                <a:gd name="connsiteY8" fmla="*/ 2222244 h 3261932"/>
+                <a:gd name="connsiteX9" fmla="*/ 2161019 w 3716337"/>
+                <a:gd name="connsiteY9" fmla="*/ 3006015 h 3261932"/>
+                <a:gd name="connsiteX10" fmla="*/ 2973819 w 3716337"/>
+                <a:gd name="connsiteY10" fmla="*/ 3238244 h 3261932"/>
+                <a:gd name="connsiteX11" fmla="*/ 3583419 w 3716337"/>
+                <a:gd name="connsiteY11" fmla="*/ 2512529 h 3261932"/>
+                <a:gd name="connsiteX12" fmla="*/ 3147990 w 3716337"/>
+                <a:gd name="connsiteY12" fmla="*/ 1177215 h 3261932"/>
+                <a:gd name="connsiteX13" fmla="*/ 2523876 w 3716337"/>
+                <a:gd name="connsiteY13" fmla="*/ 1844872 h 3261932"/>
+                <a:gd name="connsiteX14" fmla="*/ 3147990 w 3716337"/>
+                <a:gd name="connsiteY14" fmla="*/ 2265787 h 3261932"/>
+                <a:gd name="connsiteX15" fmla="*/ 3714047 w 3716337"/>
+                <a:gd name="connsiteY15" fmla="*/ 1351387 h 3261932"/>
+                <a:gd name="connsiteX16" fmla="*/ 2930276 w 3716337"/>
+                <a:gd name="connsiteY16" fmla="*/ 219272 h 3261932"/>
+                <a:gd name="connsiteX17" fmla="*/ 1885248 w 3716337"/>
+                <a:gd name="connsiteY17" fmla="*/ 567615 h 3261932"/>
+                <a:gd name="connsiteX18" fmla="*/ 2219076 w 3716337"/>
+                <a:gd name="connsiteY18" fmla="*/ 959501 h 3261932"/>
+                <a:gd name="connsiteX19" fmla="*/ 2625475 w 3716337"/>
+                <a:gd name="connsiteY19" fmla="*/ 683729 h 3261932"/>
+                <a:gd name="connsiteX20" fmla="*/ 1623990 w 3716337"/>
+                <a:gd name="connsiteY20" fmla="*/ 1558 h 3261932"/>
+                <a:gd name="connsiteX21" fmla="*/ 549933 w 3716337"/>
+                <a:gd name="connsiteY21" fmla="*/ 799844 h 3261932"/>
+                <a:gd name="connsiteX22" fmla="*/ 666047 w 3716337"/>
+                <a:gd name="connsiteY22" fmla="*/ 1786815 h 3261932"/>
+                <a:gd name="connsiteX23" fmla="*/ 1130504 w 3716337"/>
+                <a:gd name="connsiteY23" fmla="*/ 1656187 h 3261932"/>
+                <a:gd name="connsiteX24" fmla="*/ 1072447 w 3716337"/>
+                <a:gd name="connsiteY24" fmla="*/ 1365901 h 3261932"/>
+                <a:gd name="connsiteX25" fmla="*/ 70961 w 3716337"/>
+                <a:gd name="connsiteY25" fmla="*/ 1888415 h 3261932"/>
+                <a:gd name="connsiteX26" fmla="*/ 172561 w 3716337"/>
+                <a:gd name="connsiteY26" fmla="*/ 2918929 h 3261932"/>
+                <a:gd name="connsiteX27" fmla="*/ 898276 w 3716337"/>
+                <a:gd name="connsiteY27" fmla="*/ 2759272 h 3261932"/>
+                <a:gd name="connsiteX28" fmla="*/ 564447 w 3716337"/>
+                <a:gd name="connsiteY28" fmla="*/ 2280301 h 3261932"/>
+                <a:gd name="connsiteX29" fmla="*/ 303190 w 3716337"/>
+                <a:gd name="connsiteY29" fmla="*/ 2672187 h 3261932"/>
+                <a:gd name="connsiteX30" fmla="*/ 695076 w 3716337"/>
+                <a:gd name="connsiteY30" fmla="*/ 3093101 h 3261932"/>
+                <a:gd name="connsiteX0" fmla="*/ 694002 w 3715263"/>
+                <a:gd name="connsiteY0" fmla="*/ 3093101 h 3261932"/>
+                <a:gd name="connsiteX1" fmla="*/ 1710002 w 3715263"/>
+                <a:gd name="connsiteY1" fmla="*/ 2773787 h 3261932"/>
+                <a:gd name="connsiteX2" fmla="*/ 1637430 w 3715263"/>
+                <a:gd name="connsiteY2" fmla="*/ 2236758 h 3261932"/>
+                <a:gd name="connsiteX3" fmla="*/ 1216516 w 3715263"/>
+                <a:gd name="connsiteY3" fmla="*/ 2236758 h 3261932"/>
+                <a:gd name="connsiteX4" fmla="*/ 1187487 w 3715263"/>
+                <a:gd name="connsiteY4" fmla="*/ 2875387 h 3261932"/>
+                <a:gd name="connsiteX5" fmla="*/ 1840630 w 3715263"/>
+                <a:gd name="connsiteY5" fmla="*/ 3252758 h 3261932"/>
+                <a:gd name="connsiteX6" fmla="*/ 2726002 w 3715263"/>
+                <a:gd name="connsiteY6" fmla="*/ 2889901 h 3261932"/>
+                <a:gd name="connsiteX7" fmla="*/ 2493773 w 3715263"/>
+                <a:gd name="connsiteY7" fmla="*/ 2207729 h 3261932"/>
+                <a:gd name="connsiteX8" fmla="*/ 1956745 w 3715263"/>
+                <a:gd name="connsiteY8" fmla="*/ 2222244 h 3261932"/>
+                <a:gd name="connsiteX9" fmla="*/ 2159945 w 3715263"/>
+                <a:gd name="connsiteY9" fmla="*/ 3006015 h 3261932"/>
+                <a:gd name="connsiteX10" fmla="*/ 2972745 w 3715263"/>
+                <a:gd name="connsiteY10" fmla="*/ 3238244 h 3261932"/>
+                <a:gd name="connsiteX11" fmla="*/ 3582345 w 3715263"/>
+                <a:gd name="connsiteY11" fmla="*/ 2512529 h 3261932"/>
+                <a:gd name="connsiteX12" fmla="*/ 3146916 w 3715263"/>
+                <a:gd name="connsiteY12" fmla="*/ 1177215 h 3261932"/>
+                <a:gd name="connsiteX13" fmla="*/ 2522802 w 3715263"/>
+                <a:gd name="connsiteY13" fmla="*/ 1844872 h 3261932"/>
+                <a:gd name="connsiteX14" fmla="*/ 3146916 w 3715263"/>
+                <a:gd name="connsiteY14" fmla="*/ 2265787 h 3261932"/>
+                <a:gd name="connsiteX15" fmla="*/ 3712973 w 3715263"/>
+                <a:gd name="connsiteY15" fmla="*/ 1351387 h 3261932"/>
+                <a:gd name="connsiteX16" fmla="*/ 2929202 w 3715263"/>
+                <a:gd name="connsiteY16" fmla="*/ 219272 h 3261932"/>
+                <a:gd name="connsiteX17" fmla="*/ 1884174 w 3715263"/>
+                <a:gd name="connsiteY17" fmla="*/ 567615 h 3261932"/>
+                <a:gd name="connsiteX18" fmla="*/ 2218002 w 3715263"/>
+                <a:gd name="connsiteY18" fmla="*/ 959501 h 3261932"/>
+                <a:gd name="connsiteX19" fmla="*/ 2624401 w 3715263"/>
+                <a:gd name="connsiteY19" fmla="*/ 683729 h 3261932"/>
+                <a:gd name="connsiteX20" fmla="*/ 1622916 w 3715263"/>
+                <a:gd name="connsiteY20" fmla="*/ 1558 h 3261932"/>
+                <a:gd name="connsiteX21" fmla="*/ 548859 w 3715263"/>
+                <a:gd name="connsiteY21" fmla="*/ 799844 h 3261932"/>
+                <a:gd name="connsiteX22" fmla="*/ 664973 w 3715263"/>
+                <a:gd name="connsiteY22" fmla="*/ 1786815 h 3261932"/>
+                <a:gd name="connsiteX23" fmla="*/ 1129430 w 3715263"/>
+                <a:gd name="connsiteY23" fmla="*/ 1656187 h 3261932"/>
+                <a:gd name="connsiteX24" fmla="*/ 1056859 w 3715263"/>
+                <a:gd name="connsiteY24" fmla="*/ 1017558 h 3261932"/>
+                <a:gd name="connsiteX25" fmla="*/ 69887 w 3715263"/>
+                <a:gd name="connsiteY25" fmla="*/ 1888415 h 3261932"/>
+                <a:gd name="connsiteX26" fmla="*/ 171487 w 3715263"/>
+                <a:gd name="connsiteY26" fmla="*/ 2918929 h 3261932"/>
+                <a:gd name="connsiteX27" fmla="*/ 897202 w 3715263"/>
+                <a:gd name="connsiteY27" fmla="*/ 2759272 h 3261932"/>
+                <a:gd name="connsiteX28" fmla="*/ 563373 w 3715263"/>
+                <a:gd name="connsiteY28" fmla="*/ 2280301 h 3261932"/>
+                <a:gd name="connsiteX29" fmla="*/ 302116 w 3715263"/>
+                <a:gd name="connsiteY29" fmla="*/ 2672187 h 3261932"/>
+                <a:gd name="connsiteX30" fmla="*/ 694002 w 3715263"/>
+                <a:gd name="connsiteY30" fmla="*/ 3093101 h 3261932"/>
+                <a:gd name="connsiteX0" fmla="*/ 694002 w 3715263"/>
+                <a:gd name="connsiteY0" fmla="*/ 3093101 h 3261932"/>
+                <a:gd name="connsiteX1" fmla="*/ 1710002 w 3715263"/>
+                <a:gd name="connsiteY1" fmla="*/ 2773787 h 3261932"/>
+                <a:gd name="connsiteX2" fmla="*/ 1637430 w 3715263"/>
+                <a:gd name="connsiteY2" fmla="*/ 2236758 h 3261932"/>
+                <a:gd name="connsiteX3" fmla="*/ 1216516 w 3715263"/>
+                <a:gd name="connsiteY3" fmla="*/ 2236758 h 3261932"/>
+                <a:gd name="connsiteX4" fmla="*/ 1187487 w 3715263"/>
+                <a:gd name="connsiteY4" fmla="*/ 2875387 h 3261932"/>
+                <a:gd name="connsiteX5" fmla="*/ 1840630 w 3715263"/>
+                <a:gd name="connsiteY5" fmla="*/ 3252758 h 3261932"/>
+                <a:gd name="connsiteX6" fmla="*/ 2726002 w 3715263"/>
+                <a:gd name="connsiteY6" fmla="*/ 2889901 h 3261932"/>
+                <a:gd name="connsiteX7" fmla="*/ 2493773 w 3715263"/>
+                <a:gd name="connsiteY7" fmla="*/ 2207729 h 3261932"/>
+                <a:gd name="connsiteX8" fmla="*/ 1956745 w 3715263"/>
+                <a:gd name="connsiteY8" fmla="*/ 2222244 h 3261932"/>
+                <a:gd name="connsiteX9" fmla="*/ 2159945 w 3715263"/>
+                <a:gd name="connsiteY9" fmla="*/ 3006015 h 3261932"/>
+                <a:gd name="connsiteX10" fmla="*/ 2972745 w 3715263"/>
+                <a:gd name="connsiteY10" fmla="*/ 3238244 h 3261932"/>
+                <a:gd name="connsiteX11" fmla="*/ 3582345 w 3715263"/>
+                <a:gd name="connsiteY11" fmla="*/ 2512529 h 3261932"/>
+                <a:gd name="connsiteX12" fmla="*/ 3146916 w 3715263"/>
+                <a:gd name="connsiteY12" fmla="*/ 1177215 h 3261932"/>
+                <a:gd name="connsiteX13" fmla="*/ 2522802 w 3715263"/>
+                <a:gd name="connsiteY13" fmla="*/ 1844872 h 3261932"/>
+                <a:gd name="connsiteX14" fmla="*/ 3146916 w 3715263"/>
+                <a:gd name="connsiteY14" fmla="*/ 2265787 h 3261932"/>
+                <a:gd name="connsiteX15" fmla="*/ 3712973 w 3715263"/>
+                <a:gd name="connsiteY15" fmla="*/ 1351387 h 3261932"/>
+                <a:gd name="connsiteX16" fmla="*/ 2929202 w 3715263"/>
+                <a:gd name="connsiteY16" fmla="*/ 219272 h 3261932"/>
+                <a:gd name="connsiteX17" fmla="*/ 1884174 w 3715263"/>
+                <a:gd name="connsiteY17" fmla="*/ 567615 h 3261932"/>
+                <a:gd name="connsiteX18" fmla="*/ 2218002 w 3715263"/>
+                <a:gd name="connsiteY18" fmla="*/ 959501 h 3261932"/>
+                <a:gd name="connsiteX19" fmla="*/ 2624401 w 3715263"/>
+                <a:gd name="connsiteY19" fmla="*/ 683729 h 3261932"/>
+                <a:gd name="connsiteX20" fmla="*/ 1622916 w 3715263"/>
+                <a:gd name="connsiteY20" fmla="*/ 1558 h 3261932"/>
+                <a:gd name="connsiteX21" fmla="*/ 548859 w 3715263"/>
+                <a:gd name="connsiteY21" fmla="*/ 799844 h 3261932"/>
+                <a:gd name="connsiteX22" fmla="*/ 664973 w 3715263"/>
+                <a:gd name="connsiteY22" fmla="*/ 1786815 h 3261932"/>
+                <a:gd name="connsiteX23" fmla="*/ 1114916 w 3715263"/>
+                <a:gd name="connsiteY23" fmla="*/ 1409444 h 3261932"/>
+                <a:gd name="connsiteX24" fmla="*/ 1056859 w 3715263"/>
+                <a:gd name="connsiteY24" fmla="*/ 1017558 h 3261932"/>
+                <a:gd name="connsiteX25" fmla="*/ 69887 w 3715263"/>
+                <a:gd name="connsiteY25" fmla="*/ 1888415 h 3261932"/>
+                <a:gd name="connsiteX26" fmla="*/ 171487 w 3715263"/>
+                <a:gd name="connsiteY26" fmla="*/ 2918929 h 3261932"/>
+                <a:gd name="connsiteX27" fmla="*/ 897202 w 3715263"/>
+                <a:gd name="connsiteY27" fmla="*/ 2759272 h 3261932"/>
+                <a:gd name="connsiteX28" fmla="*/ 563373 w 3715263"/>
+                <a:gd name="connsiteY28" fmla="*/ 2280301 h 3261932"/>
+                <a:gd name="connsiteX29" fmla="*/ 302116 w 3715263"/>
+                <a:gd name="connsiteY29" fmla="*/ 2672187 h 3261932"/>
+                <a:gd name="connsiteX30" fmla="*/ 694002 w 3715263"/>
+                <a:gd name="connsiteY30" fmla="*/ 3093101 h 3261932"/>
+                <a:gd name="connsiteX0" fmla="*/ 694002 w 3715263"/>
+                <a:gd name="connsiteY0" fmla="*/ 3093101 h 3261932"/>
+                <a:gd name="connsiteX1" fmla="*/ 1710002 w 3715263"/>
+                <a:gd name="connsiteY1" fmla="*/ 2773787 h 3261932"/>
+                <a:gd name="connsiteX2" fmla="*/ 1637430 w 3715263"/>
+                <a:gd name="connsiteY2" fmla="*/ 2236758 h 3261932"/>
+                <a:gd name="connsiteX3" fmla="*/ 1216516 w 3715263"/>
+                <a:gd name="connsiteY3" fmla="*/ 2236758 h 3261932"/>
+                <a:gd name="connsiteX4" fmla="*/ 1187487 w 3715263"/>
+                <a:gd name="connsiteY4" fmla="*/ 2875387 h 3261932"/>
+                <a:gd name="connsiteX5" fmla="*/ 1840630 w 3715263"/>
+                <a:gd name="connsiteY5" fmla="*/ 3252758 h 3261932"/>
+                <a:gd name="connsiteX6" fmla="*/ 2726002 w 3715263"/>
+                <a:gd name="connsiteY6" fmla="*/ 2889901 h 3261932"/>
+                <a:gd name="connsiteX7" fmla="*/ 2493773 w 3715263"/>
+                <a:gd name="connsiteY7" fmla="*/ 2207729 h 3261932"/>
+                <a:gd name="connsiteX8" fmla="*/ 1956745 w 3715263"/>
+                <a:gd name="connsiteY8" fmla="*/ 2222244 h 3261932"/>
+                <a:gd name="connsiteX9" fmla="*/ 2159945 w 3715263"/>
+                <a:gd name="connsiteY9" fmla="*/ 3006015 h 3261932"/>
+                <a:gd name="connsiteX10" fmla="*/ 2972745 w 3715263"/>
+                <a:gd name="connsiteY10" fmla="*/ 3238244 h 3261932"/>
+                <a:gd name="connsiteX11" fmla="*/ 3582345 w 3715263"/>
+                <a:gd name="connsiteY11" fmla="*/ 2512529 h 3261932"/>
+                <a:gd name="connsiteX12" fmla="*/ 3146916 w 3715263"/>
+                <a:gd name="connsiteY12" fmla="*/ 1177215 h 3261932"/>
+                <a:gd name="connsiteX13" fmla="*/ 2522802 w 3715263"/>
+                <a:gd name="connsiteY13" fmla="*/ 1844872 h 3261932"/>
+                <a:gd name="connsiteX14" fmla="*/ 3146916 w 3715263"/>
+                <a:gd name="connsiteY14" fmla="*/ 2265787 h 3261932"/>
+                <a:gd name="connsiteX15" fmla="*/ 3712973 w 3715263"/>
+                <a:gd name="connsiteY15" fmla="*/ 1351387 h 3261932"/>
+                <a:gd name="connsiteX16" fmla="*/ 2929202 w 3715263"/>
+                <a:gd name="connsiteY16" fmla="*/ 219272 h 3261932"/>
+                <a:gd name="connsiteX17" fmla="*/ 1884174 w 3715263"/>
+                <a:gd name="connsiteY17" fmla="*/ 567615 h 3261932"/>
+                <a:gd name="connsiteX18" fmla="*/ 2218002 w 3715263"/>
+                <a:gd name="connsiteY18" fmla="*/ 959501 h 3261932"/>
+                <a:gd name="connsiteX19" fmla="*/ 2624401 w 3715263"/>
+                <a:gd name="connsiteY19" fmla="*/ 683729 h 3261932"/>
+                <a:gd name="connsiteX20" fmla="*/ 1622916 w 3715263"/>
+                <a:gd name="connsiteY20" fmla="*/ 1558 h 3261932"/>
+                <a:gd name="connsiteX21" fmla="*/ 548859 w 3715263"/>
+                <a:gd name="connsiteY21" fmla="*/ 799844 h 3261932"/>
+                <a:gd name="connsiteX22" fmla="*/ 795602 w 3715263"/>
+                <a:gd name="connsiteY22" fmla="*/ 1627158 h 3261932"/>
+                <a:gd name="connsiteX23" fmla="*/ 1114916 w 3715263"/>
+                <a:gd name="connsiteY23" fmla="*/ 1409444 h 3261932"/>
+                <a:gd name="connsiteX24" fmla="*/ 1056859 w 3715263"/>
+                <a:gd name="connsiteY24" fmla="*/ 1017558 h 3261932"/>
+                <a:gd name="connsiteX25" fmla="*/ 69887 w 3715263"/>
+                <a:gd name="connsiteY25" fmla="*/ 1888415 h 3261932"/>
+                <a:gd name="connsiteX26" fmla="*/ 171487 w 3715263"/>
+                <a:gd name="connsiteY26" fmla="*/ 2918929 h 3261932"/>
+                <a:gd name="connsiteX27" fmla="*/ 897202 w 3715263"/>
+                <a:gd name="connsiteY27" fmla="*/ 2759272 h 3261932"/>
+                <a:gd name="connsiteX28" fmla="*/ 563373 w 3715263"/>
+                <a:gd name="connsiteY28" fmla="*/ 2280301 h 3261932"/>
+                <a:gd name="connsiteX29" fmla="*/ 302116 w 3715263"/>
+                <a:gd name="connsiteY29" fmla="*/ 2672187 h 3261932"/>
+                <a:gd name="connsiteX30" fmla="*/ 694002 w 3715263"/>
+                <a:gd name="connsiteY30" fmla="*/ 3093101 h 3261932"/>
+                <a:gd name="connsiteX0" fmla="*/ 694002 w 3715263"/>
+                <a:gd name="connsiteY0" fmla="*/ 3093101 h 3261932"/>
+                <a:gd name="connsiteX1" fmla="*/ 1710002 w 3715263"/>
+                <a:gd name="connsiteY1" fmla="*/ 2773787 h 3261932"/>
+                <a:gd name="connsiteX2" fmla="*/ 1637430 w 3715263"/>
+                <a:gd name="connsiteY2" fmla="*/ 2236758 h 3261932"/>
+                <a:gd name="connsiteX3" fmla="*/ 1216516 w 3715263"/>
+                <a:gd name="connsiteY3" fmla="*/ 2236758 h 3261932"/>
+                <a:gd name="connsiteX4" fmla="*/ 1187487 w 3715263"/>
+                <a:gd name="connsiteY4" fmla="*/ 2875387 h 3261932"/>
+                <a:gd name="connsiteX5" fmla="*/ 1840630 w 3715263"/>
+                <a:gd name="connsiteY5" fmla="*/ 3252758 h 3261932"/>
+                <a:gd name="connsiteX6" fmla="*/ 2726002 w 3715263"/>
+                <a:gd name="connsiteY6" fmla="*/ 2889901 h 3261932"/>
+                <a:gd name="connsiteX7" fmla="*/ 2493773 w 3715263"/>
+                <a:gd name="connsiteY7" fmla="*/ 2207729 h 3261932"/>
+                <a:gd name="connsiteX8" fmla="*/ 1956745 w 3715263"/>
+                <a:gd name="connsiteY8" fmla="*/ 2222244 h 3261932"/>
+                <a:gd name="connsiteX9" fmla="*/ 2159945 w 3715263"/>
+                <a:gd name="connsiteY9" fmla="*/ 3006015 h 3261932"/>
+                <a:gd name="connsiteX10" fmla="*/ 2972745 w 3715263"/>
+                <a:gd name="connsiteY10" fmla="*/ 3238244 h 3261932"/>
+                <a:gd name="connsiteX11" fmla="*/ 3582345 w 3715263"/>
+                <a:gd name="connsiteY11" fmla="*/ 2512529 h 3261932"/>
+                <a:gd name="connsiteX12" fmla="*/ 3146916 w 3715263"/>
+                <a:gd name="connsiteY12" fmla="*/ 1177215 h 3261932"/>
+                <a:gd name="connsiteX13" fmla="*/ 2522802 w 3715263"/>
+                <a:gd name="connsiteY13" fmla="*/ 1844872 h 3261932"/>
+                <a:gd name="connsiteX14" fmla="*/ 3146916 w 3715263"/>
+                <a:gd name="connsiteY14" fmla="*/ 2265787 h 3261932"/>
+                <a:gd name="connsiteX15" fmla="*/ 3712973 w 3715263"/>
+                <a:gd name="connsiteY15" fmla="*/ 1351387 h 3261932"/>
+                <a:gd name="connsiteX16" fmla="*/ 2929202 w 3715263"/>
+                <a:gd name="connsiteY16" fmla="*/ 219272 h 3261932"/>
+                <a:gd name="connsiteX17" fmla="*/ 1884174 w 3715263"/>
+                <a:gd name="connsiteY17" fmla="*/ 567615 h 3261932"/>
+                <a:gd name="connsiteX18" fmla="*/ 2218002 w 3715263"/>
+                <a:gd name="connsiteY18" fmla="*/ 959501 h 3261932"/>
+                <a:gd name="connsiteX19" fmla="*/ 2624401 w 3715263"/>
+                <a:gd name="connsiteY19" fmla="*/ 683729 h 3261932"/>
+                <a:gd name="connsiteX20" fmla="*/ 1622916 w 3715263"/>
+                <a:gd name="connsiteY20" fmla="*/ 1558 h 3261932"/>
+                <a:gd name="connsiteX21" fmla="*/ 548859 w 3715263"/>
+                <a:gd name="connsiteY21" fmla="*/ 799844 h 3261932"/>
+                <a:gd name="connsiteX22" fmla="*/ 795602 w 3715263"/>
+                <a:gd name="connsiteY22" fmla="*/ 1627158 h 3261932"/>
+                <a:gd name="connsiteX23" fmla="*/ 1114916 w 3715263"/>
+                <a:gd name="connsiteY23" fmla="*/ 1409444 h 3261932"/>
+                <a:gd name="connsiteX24" fmla="*/ 1056859 w 3715263"/>
+                <a:gd name="connsiteY24" fmla="*/ 1017558 h 3261932"/>
+                <a:gd name="connsiteX25" fmla="*/ 69887 w 3715263"/>
+                <a:gd name="connsiteY25" fmla="*/ 1888415 h 3261932"/>
+                <a:gd name="connsiteX26" fmla="*/ 171487 w 3715263"/>
+                <a:gd name="connsiteY26" fmla="*/ 2918929 h 3261932"/>
+                <a:gd name="connsiteX27" fmla="*/ 897202 w 3715263"/>
+                <a:gd name="connsiteY27" fmla="*/ 2759272 h 3261932"/>
+                <a:gd name="connsiteX28" fmla="*/ 563373 w 3715263"/>
+                <a:gd name="connsiteY28" fmla="*/ 2280301 h 3261932"/>
+                <a:gd name="connsiteX29" fmla="*/ 302116 w 3715263"/>
+                <a:gd name="connsiteY29" fmla="*/ 2672187 h 3261932"/>
+                <a:gd name="connsiteX30" fmla="*/ 694002 w 3715263"/>
+                <a:gd name="connsiteY30" fmla="*/ 3093101 h 3261932"/>
+                <a:gd name="connsiteX0" fmla="*/ 694002 w 3715263"/>
+                <a:gd name="connsiteY0" fmla="*/ 3093101 h 3261932"/>
+                <a:gd name="connsiteX1" fmla="*/ 1710002 w 3715263"/>
+                <a:gd name="connsiteY1" fmla="*/ 2773787 h 3261932"/>
+                <a:gd name="connsiteX2" fmla="*/ 1637430 w 3715263"/>
+                <a:gd name="connsiteY2" fmla="*/ 2236758 h 3261932"/>
+                <a:gd name="connsiteX3" fmla="*/ 1216516 w 3715263"/>
+                <a:gd name="connsiteY3" fmla="*/ 2236758 h 3261932"/>
+                <a:gd name="connsiteX4" fmla="*/ 1187487 w 3715263"/>
+                <a:gd name="connsiteY4" fmla="*/ 2875387 h 3261932"/>
+                <a:gd name="connsiteX5" fmla="*/ 1840630 w 3715263"/>
+                <a:gd name="connsiteY5" fmla="*/ 3252758 h 3261932"/>
+                <a:gd name="connsiteX6" fmla="*/ 2726002 w 3715263"/>
+                <a:gd name="connsiteY6" fmla="*/ 2889901 h 3261932"/>
+                <a:gd name="connsiteX7" fmla="*/ 2493773 w 3715263"/>
+                <a:gd name="connsiteY7" fmla="*/ 2207729 h 3261932"/>
+                <a:gd name="connsiteX8" fmla="*/ 1956745 w 3715263"/>
+                <a:gd name="connsiteY8" fmla="*/ 2222244 h 3261932"/>
+                <a:gd name="connsiteX9" fmla="*/ 2159945 w 3715263"/>
+                <a:gd name="connsiteY9" fmla="*/ 3006015 h 3261932"/>
+                <a:gd name="connsiteX10" fmla="*/ 2972745 w 3715263"/>
+                <a:gd name="connsiteY10" fmla="*/ 3238244 h 3261932"/>
+                <a:gd name="connsiteX11" fmla="*/ 3582345 w 3715263"/>
+                <a:gd name="connsiteY11" fmla="*/ 2512529 h 3261932"/>
+                <a:gd name="connsiteX12" fmla="*/ 3146916 w 3715263"/>
+                <a:gd name="connsiteY12" fmla="*/ 1177215 h 3261932"/>
+                <a:gd name="connsiteX13" fmla="*/ 2522802 w 3715263"/>
+                <a:gd name="connsiteY13" fmla="*/ 1844872 h 3261932"/>
+                <a:gd name="connsiteX14" fmla="*/ 3146916 w 3715263"/>
+                <a:gd name="connsiteY14" fmla="*/ 2265787 h 3261932"/>
+                <a:gd name="connsiteX15" fmla="*/ 3712973 w 3715263"/>
+                <a:gd name="connsiteY15" fmla="*/ 1351387 h 3261932"/>
+                <a:gd name="connsiteX16" fmla="*/ 2929202 w 3715263"/>
+                <a:gd name="connsiteY16" fmla="*/ 219272 h 3261932"/>
+                <a:gd name="connsiteX17" fmla="*/ 1884174 w 3715263"/>
+                <a:gd name="connsiteY17" fmla="*/ 567615 h 3261932"/>
+                <a:gd name="connsiteX18" fmla="*/ 2218002 w 3715263"/>
+                <a:gd name="connsiteY18" fmla="*/ 959501 h 3261932"/>
+                <a:gd name="connsiteX19" fmla="*/ 2624401 w 3715263"/>
+                <a:gd name="connsiteY19" fmla="*/ 683729 h 3261932"/>
+                <a:gd name="connsiteX20" fmla="*/ 1622916 w 3715263"/>
+                <a:gd name="connsiteY20" fmla="*/ 1558 h 3261932"/>
+                <a:gd name="connsiteX21" fmla="*/ 548859 w 3715263"/>
+                <a:gd name="connsiteY21" fmla="*/ 799844 h 3261932"/>
+                <a:gd name="connsiteX22" fmla="*/ 795602 w 3715263"/>
+                <a:gd name="connsiteY22" fmla="*/ 1627158 h 3261932"/>
+                <a:gd name="connsiteX23" fmla="*/ 1114916 w 3715263"/>
+                <a:gd name="connsiteY23" fmla="*/ 1409444 h 3261932"/>
+                <a:gd name="connsiteX24" fmla="*/ 1056859 w 3715263"/>
+                <a:gd name="connsiteY24" fmla="*/ 1017558 h 3261932"/>
+                <a:gd name="connsiteX25" fmla="*/ 69887 w 3715263"/>
+                <a:gd name="connsiteY25" fmla="*/ 1888415 h 3261932"/>
+                <a:gd name="connsiteX26" fmla="*/ 171487 w 3715263"/>
+                <a:gd name="connsiteY26" fmla="*/ 2918929 h 3261932"/>
+                <a:gd name="connsiteX27" fmla="*/ 897202 w 3715263"/>
+                <a:gd name="connsiteY27" fmla="*/ 2759272 h 3261932"/>
+                <a:gd name="connsiteX28" fmla="*/ 563373 w 3715263"/>
+                <a:gd name="connsiteY28" fmla="*/ 2280301 h 3261932"/>
+                <a:gd name="connsiteX29" fmla="*/ 302116 w 3715263"/>
+                <a:gd name="connsiteY29" fmla="*/ 2672187 h 3261932"/>
+                <a:gd name="connsiteX30" fmla="*/ 694002 w 3715263"/>
+                <a:gd name="connsiteY30" fmla="*/ 3093101 h 3261932"/>
+                <a:gd name="connsiteX0" fmla="*/ 694002 w 3715263"/>
+                <a:gd name="connsiteY0" fmla="*/ 3093101 h 3261932"/>
+                <a:gd name="connsiteX1" fmla="*/ 1710002 w 3715263"/>
+                <a:gd name="connsiteY1" fmla="*/ 2773787 h 3261932"/>
+                <a:gd name="connsiteX2" fmla="*/ 1637430 w 3715263"/>
+                <a:gd name="connsiteY2" fmla="*/ 2236758 h 3261932"/>
+                <a:gd name="connsiteX3" fmla="*/ 1216516 w 3715263"/>
+                <a:gd name="connsiteY3" fmla="*/ 2236758 h 3261932"/>
+                <a:gd name="connsiteX4" fmla="*/ 1187487 w 3715263"/>
+                <a:gd name="connsiteY4" fmla="*/ 2875387 h 3261932"/>
+                <a:gd name="connsiteX5" fmla="*/ 1840630 w 3715263"/>
+                <a:gd name="connsiteY5" fmla="*/ 3252758 h 3261932"/>
+                <a:gd name="connsiteX6" fmla="*/ 2726002 w 3715263"/>
+                <a:gd name="connsiteY6" fmla="*/ 2889901 h 3261932"/>
+                <a:gd name="connsiteX7" fmla="*/ 2493773 w 3715263"/>
+                <a:gd name="connsiteY7" fmla="*/ 2207729 h 3261932"/>
+                <a:gd name="connsiteX8" fmla="*/ 1956745 w 3715263"/>
+                <a:gd name="connsiteY8" fmla="*/ 2222244 h 3261932"/>
+                <a:gd name="connsiteX9" fmla="*/ 2159945 w 3715263"/>
+                <a:gd name="connsiteY9" fmla="*/ 3006015 h 3261932"/>
+                <a:gd name="connsiteX10" fmla="*/ 2972745 w 3715263"/>
+                <a:gd name="connsiteY10" fmla="*/ 3238244 h 3261932"/>
+                <a:gd name="connsiteX11" fmla="*/ 3582345 w 3715263"/>
+                <a:gd name="connsiteY11" fmla="*/ 2512529 h 3261932"/>
+                <a:gd name="connsiteX12" fmla="*/ 3146916 w 3715263"/>
+                <a:gd name="connsiteY12" fmla="*/ 1177215 h 3261932"/>
+                <a:gd name="connsiteX13" fmla="*/ 2522802 w 3715263"/>
+                <a:gd name="connsiteY13" fmla="*/ 1844872 h 3261932"/>
+                <a:gd name="connsiteX14" fmla="*/ 3146916 w 3715263"/>
+                <a:gd name="connsiteY14" fmla="*/ 2265787 h 3261932"/>
+                <a:gd name="connsiteX15" fmla="*/ 3712973 w 3715263"/>
+                <a:gd name="connsiteY15" fmla="*/ 1351387 h 3261932"/>
+                <a:gd name="connsiteX16" fmla="*/ 2929202 w 3715263"/>
+                <a:gd name="connsiteY16" fmla="*/ 219272 h 3261932"/>
+                <a:gd name="connsiteX17" fmla="*/ 1884174 w 3715263"/>
+                <a:gd name="connsiteY17" fmla="*/ 567615 h 3261932"/>
+                <a:gd name="connsiteX18" fmla="*/ 2218002 w 3715263"/>
+                <a:gd name="connsiteY18" fmla="*/ 959501 h 3261932"/>
+                <a:gd name="connsiteX19" fmla="*/ 2624401 w 3715263"/>
+                <a:gd name="connsiteY19" fmla="*/ 683729 h 3261932"/>
+                <a:gd name="connsiteX20" fmla="*/ 1622916 w 3715263"/>
+                <a:gd name="connsiteY20" fmla="*/ 1558 h 3261932"/>
+                <a:gd name="connsiteX21" fmla="*/ 548859 w 3715263"/>
+                <a:gd name="connsiteY21" fmla="*/ 799844 h 3261932"/>
+                <a:gd name="connsiteX22" fmla="*/ 795602 w 3715263"/>
+                <a:gd name="connsiteY22" fmla="*/ 1627158 h 3261932"/>
+                <a:gd name="connsiteX23" fmla="*/ 1114916 w 3715263"/>
+                <a:gd name="connsiteY23" fmla="*/ 1409444 h 3261932"/>
+                <a:gd name="connsiteX24" fmla="*/ 1056859 w 3715263"/>
+                <a:gd name="connsiteY24" fmla="*/ 1017558 h 3261932"/>
+                <a:gd name="connsiteX25" fmla="*/ 69887 w 3715263"/>
+                <a:gd name="connsiteY25" fmla="*/ 1888415 h 3261932"/>
+                <a:gd name="connsiteX26" fmla="*/ 171487 w 3715263"/>
+                <a:gd name="connsiteY26" fmla="*/ 2918929 h 3261932"/>
+                <a:gd name="connsiteX27" fmla="*/ 897202 w 3715263"/>
+                <a:gd name="connsiteY27" fmla="*/ 2759272 h 3261932"/>
+                <a:gd name="connsiteX28" fmla="*/ 563373 w 3715263"/>
+                <a:gd name="connsiteY28" fmla="*/ 2280301 h 3261932"/>
+                <a:gd name="connsiteX29" fmla="*/ 302116 w 3715263"/>
+                <a:gd name="connsiteY29" fmla="*/ 2672187 h 3261932"/>
+                <a:gd name="connsiteX30" fmla="*/ 694002 w 3715263"/>
+                <a:gd name="connsiteY30" fmla="*/ 3093101 h 3261932"/>
+                <a:gd name="connsiteX0" fmla="*/ 694002 w 3715263"/>
+                <a:gd name="connsiteY0" fmla="*/ 3093101 h 3261932"/>
+                <a:gd name="connsiteX1" fmla="*/ 1710002 w 3715263"/>
+                <a:gd name="connsiteY1" fmla="*/ 2773787 h 3261932"/>
+                <a:gd name="connsiteX2" fmla="*/ 1637430 w 3715263"/>
+                <a:gd name="connsiteY2" fmla="*/ 2236758 h 3261932"/>
+                <a:gd name="connsiteX3" fmla="*/ 1216516 w 3715263"/>
+                <a:gd name="connsiteY3" fmla="*/ 2236758 h 3261932"/>
+                <a:gd name="connsiteX4" fmla="*/ 1187487 w 3715263"/>
+                <a:gd name="connsiteY4" fmla="*/ 2875387 h 3261932"/>
+                <a:gd name="connsiteX5" fmla="*/ 1840630 w 3715263"/>
+                <a:gd name="connsiteY5" fmla="*/ 3252758 h 3261932"/>
+                <a:gd name="connsiteX6" fmla="*/ 2726002 w 3715263"/>
+                <a:gd name="connsiteY6" fmla="*/ 2889901 h 3261932"/>
+                <a:gd name="connsiteX7" fmla="*/ 2493773 w 3715263"/>
+                <a:gd name="connsiteY7" fmla="*/ 2207729 h 3261932"/>
+                <a:gd name="connsiteX8" fmla="*/ 1956745 w 3715263"/>
+                <a:gd name="connsiteY8" fmla="*/ 2222244 h 3261932"/>
+                <a:gd name="connsiteX9" fmla="*/ 2159945 w 3715263"/>
+                <a:gd name="connsiteY9" fmla="*/ 3006015 h 3261932"/>
+                <a:gd name="connsiteX10" fmla="*/ 2972745 w 3715263"/>
+                <a:gd name="connsiteY10" fmla="*/ 3238244 h 3261932"/>
+                <a:gd name="connsiteX11" fmla="*/ 3582345 w 3715263"/>
+                <a:gd name="connsiteY11" fmla="*/ 2512529 h 3261932"/>
+                <a:gd name="connsiteX12" fmla="*/ 3146916 w 3715263"/>
+                <a:gd name="connsiteY12" fmla="*/ 1177215 h 3261932"/>
+                <a:gd name="connsiteX13" fmla="*/ 2522802 w 3715263"/>
+                <a:gd name="connsiteY13" fmla="*/ 1844872 h 3261932"/>
+                <a:gd name="connsiteX14" fmla="*/ 3146916 w 3715263"/>
+                <a:gd name="connsiteY14" fmla="*/ 2265787 h 3261932"/>
+                <a:gd name="connsiteX15" fmla="*/ 3712973 w 3715263"/>
+                <a:gd name="connsiteY15" fmla="*/ 1351387 h 3261932"/>
+                <a:gd name="connsiteX16" fmla="*/ 2929202 w 3715263"/>
+                <a:gd name="connsiteY16" fmla="*/ 219272 h 3261932"/>
+                <a:gd name="connsiteX17" fmla="*/ 1884174 w 3715263"/>
+                <a:gd name="connsiteY17" fmla="*/ 567615 h 3261932"/>
+                <a:gd name="connsiteX18" fmla="*/ 2218002 w 3715263"/>
+                <a:gd name="connsiteY18" fmla="*/ 959501 h 3261932"/>
+                <a:gd name="connsiteX19" fmla="*/ 2624401 w 3715263"/>
+                <a:gd name="connsiteY19" fmla="*/ 683729 h 3261932"/>
+                <a:gd name="connsiteX20" fmla="*/ 1622916 w 3715263"/>
+                <a:gd name="connsiteY20" fmla="*/ 1558 h 3261932"/>
+                <a:gd name="connsiteX21" fmla="*/ 548859 w 3715263"/>
+                <a:gd name="connsiteY21" fmla="*/ 799844 h 3261932"/>
+                <a:gd name="connsiteX22" fmla="*/ 795602 w 3715263"/>
+                <a:gd name="connsiteY22" fmla="*/ 1627158 h 3261932"/>
+                <a:gd name="connsiteX23" fmla="*/ 1114916 w 3715263"/>
+                <a:gd name="connsiteY23" fmla="*/ 1409444 h 3261932"/>
+                <a:gd name="connsiteX24" fmla="*/ 1056859 w 3715263"/>
+                <a:gd name="connsiteY24" fmla="*/ 1017558 h 3261932"/>
+                <a:gd name="connsiteX25" fmla="*/ 69887 w 3715263"/>
+                <a:gd name="connsiteY25" fmla="*/ 1888415 h 3261932"/>
+                <a:gd name="connsiteX26" fmla="*/ 171487 w 3715263"/>
+                <a:gd name="connsiteY26" fmla="*/ 2918929 h 3261932"/>
+                <a:gd name="connsiteX27" fmla="*/ 897202 w 3715263"/>
+                <a:gd name="connsiteY27" fmla="*/ 2759272 h 3261932"/>
+                <a:gd name="connsiteX28" fmla="*/ 563373 w 3715263"/>
+                <a:gd name="connsiteY28" fmla="*/ 2280301 h 3261932"/>
+                <a:gd name="connsiteX29" fmla="*/ 302116 w 3715263"/>
+                <a:gd name="connsiteY29" fmla="*/ 2672187 h 3261932"/>
+                <a:gd name="connsiteX30" fmla="*/ 694002 w 3715263"/>
+                <a:gd name="connsiteY30" fmla="*/ 3093101 h 3261932"/>
+                <a:gd name="connsiteX0" fmla="*/ 694002 w 3715263"/>
+                <a:gd name="connsiteY0" fmla="*/ 3093101 h 3261932"/>
+                <a:gd name="connsiteX1" fmla="*/ 1710002 w 3715263"/>
+                <a:gd name="connsiteY1" fmla="*/ 2773787 h 3261932"/>
+                <a:gd name="connsiteX2" fmla="*/ 1637430 w 3715263"/>
+                <a:gd name="connsiteY2" fmla="*/ 2236758 h 3261932"/>
+                <a:gd name="connsiteX3" fmla="*/ 1216516 w 3715263"/>
+                <a:gd name="connsiteY3" fmla="*/ 2236758 h 3261932"/>
+                <a:gd name="connsiteX4" fmla="*/ 1187487 w 3715263"/>
+                <a:gd name="connsiteY4" fmla="*/ 2875387 h 3261932"/>
+                <a:gd name="connsiteX5" fmla="*/ 1840630 w 3715263"/>
+                <a:gd name="connsiteY5" fmla="*/ 3252758 h 3261932"/>
+                <a:gd name="connsiteX6" fmla="*/ 2726002 w 3715263"/>
+                <a:gd name="connsiteY6" fmla="*/ 2889901 h 3261932"/>
+                <a:gd name="connsiteX7" fmla="*/ 2493773 w 3715263"/>
+                <a:gd name="connsiteY7" fmla="*/ 2207729 h 3261932"/>
+                <a:gd name="connsiteX8" fmla="*/ 1956745 w 3715263"/>
+                <a:gd name="connsiteY8" fmla="*/ 2222244 h 3261932"/>
+                <a:gd name="connsiteX9" fmla="*/ 2159945 w 3715263"/>
+                <a:gd name="connsiteY9" fmla="*/ 3006015 h 3261932"/>
+                <a:gd name="connsiteX10" fmla="*/ 2972745 w 3715263"/>
+                <a:gd name="connsiteY10" fmla="*/ 3238244 h 3261932"/>
+                <a:gd name="connsiteX11" fmla="*/ 3582345 w 3715263"/>
+                <a:gd name="connsiteY11" fmla="*/ 2512529 h 3261932"/>
+                <a:gd name="connsiteX12" fmla="*/ 3146916 w 3715263"/>
+                <a:gd name="connsiteY12" fmla="*/ 1177215 h 3261932"/>
+                <a:gd name="connsiteX13" fmla="*/ 2522802 w 3715263"/>
+                <a:gd name="connsiteY13" fmla="*/ 1844872 h 3261932"/>
+                <a:gd name="connsiteX14" fmla="*/ 3146916 w 3715263"/>
+                <a:gd name="connsiteY14" fmla="*/ 2265787 h 3261932"/>
+                <a:gd name="connsiteX15" fmla="*/ 3712973 w 3715263"/>
+                <a:gd name="connsiteY15" fmla="*/ 1351387 h 3261932"/>
+                <a:gd name="connsiteX16" fmla="*/ 2929202 w 3715263"/>
+                <a:gd name="connsiteY16" fmla="*/ 219272 h 3261932"/>
+                <a:gd name="connsiteX17" fmla="*/ 1884174 w 3715263"/>
+                <a:gd name="connsiteY17" fmla="*/ 567615 h 3261932"/>
+                <a:gd name="connsiteX18" fmla="*/ 2218002 w 3715263"/>
+                <a:gd name="connsiteY18" fmla="*/ 959501 h 3261932"/>
+                <a:gd name="connsiteX19" fmla="*/ 2624401 w 3715263"/>
+                <a:gd name="connsiteY19" fmla="*/ 683729 h 3261932"/>
+                <a:gd name="connsiteX20" fmla="*/ 1622916 w 3715263"/>
+                <a:gd name="connsiteY20" fmla="*/ 1558 h 3261932"/>
+                <a:gd name="connsiteX21" fmla="*/ 548859 w 3715263"/>
+                <a:gd name="connsiteY21" fmla="*/ 799844 h 3261932"/>
+                <a:gd name="connsiteX22" fmla="*/ 795602 w 3715263"/>
+                <a:gd name="connsiteY22" fmla="*/ 1627158 h 3261932"/>
+                <a:gd name="connsiteX23" fmla="*/ 1114916 w 3715263"/>
+                <a:gd name="connsiteY23" fmla="*/ 1409444 h 3261932"/>
+                <a:gd name="connsiteX24" fmla="*/ 1056859 w 3715263"/>
+                <a:gd name="connsiteY24" fmla="*/ 1017558 h 3261932"/>
+                <a:gd name="connsiteX25" fmla="*/ 69887 w 3715263"/>
+                <a:gd name="connsiteY25" fmla="*/ 1888415 h 3261932"/>
+                <a:gd name="connsiteX26" fmla="*/ 171487 w 3715263"/>
+                <a:gd name="connsiteY26" fmla="*/ 2918929 h 3261932"/>
+                <a:gd name="connsiteX27" fmla="*/ 897202 w 3715263"/>
+                <a:gd name="connsiteY27" fmla="*/ 2759272 h 3261932"/>
+                <a:gd name="connsiteX28" fmla="*/ 563373 w 3715263"/>
+                <a:gd name="connsiteY28" fmla="*/ 2280301 h 3261932"/>
+                <a:gd name="connsiteX29" fmla="*/ 302116 w 3715263"/>
+                <a:gd name="connsiteY29" fmla="*/ 2672187 h 3261932"/>
+                <a:gd name="connsiteX30" fmla="*/ 694002 w 3715263"/>
+                <a:gd name="connsiteY30" fmla="*/ 3093101 h 3261932"/>
+                <a:gd name="connsiteX0" fmla="*/ 694002 w 3715263"/>
+                <a:gd name="connsiteY0" fmla="*/ 3093101 h 3261932"/>
+                <a:gd name="connsiteX1" fmla="*/ 1710002 w 3715263"/>
+                <a:gd name="connsiteY1" fmla="*/ 2773787 h 3261932"/>
+                <a:gd name="connsiteX2" fmla="*/ 1637430 w 3715263"/>
+                <a:gd name="connsiteY2" fmla="*/ 2236758 h 3261932"/>
+                <a:gd name="connsiteX3" fmla="*/ 1216516 w 3715263"/>
+                <a:gd name="connsiteY3" fmla="*/ 2236758 h 3261932"/>
+                <a:gd name="connsiteX4" fmla="*/ 1187487 w 3715263"/>
+                <a:gd name="connsiteY4" fmla="*/ 2875387 h 3261932"/>
+                <a:gd name="connsiteX5" fmla="*/ 1840630 w 3715263"/>
+                <a:gd name="connsiteY5" fmla="*/ 3252758 h 3261932"/>
+                <a:gd name="connsiteX6" fmla="*/ 2726002 w 3715263"/>
+                <a:gd name="connsiteY6" fmla="*/ 2889901 h 3261932"/>
+                <a:gd name="connsiteX7" fmla="*/ 2493773 w 3715263"/>
+                <a:gd name="connsiteY7" fmla="*/ 2207729 h 3261932"/>
+                <a:gd name="connsiteX8" fmla="*/ 1956745 w 3715263"/>
+                <a:gd name="connsiteY8" fmla="*/ 2222244 h 3261932"/>
+                <a:gd name="connsiteX9" fmla="*/ 2159945 w 3715263"/>
+                <a:gd name="connsiteY9" fmla="*/ 3006015 h 3261932"/>
+                <a:gd name="connsiteX10" fmla="*/ 2972745 w 3715263"/>
+                <a:gd name="connsiteY10" fmla="*/ 3238244 h 3261932"/>
+                <a:gd name="connsiteX11" fmla="*/ 3582345 w 3715263"/>
+                <a:gd name="connsiteY11" fmla="*/ 2512529 h 3261932"/>
+                <a:gd name="connsiteX12" fmla="*/ 3146916 w 3715263"/>
+                <a:gd name="connsiteY12" fmla="*/ 1177215 h 3261932"/>
+                <a:gd name="connsiteX13" fmla="*/ 2522802 w 3715263"/>
+                <a:gd name="connsiteY13" fmla="*/ 1844872 h 3261932"/>
+                <a:gd name="connsiteX14" fmla="*/ 3146916 w 3715263"/>
+                <a:gd name="connsiteY14" fmla="*/ 2265787 h 3261932"/>
+                <a:gd name="connsiteX15" fmla="*/ 3712973 w 3715263"/>
+                <a:gd name="connsiteY15" fmla="*/ 1351387 h 3261932"/>
+                <a:gd name="connsiteX16" fmla="*/ 2929202 w 3715263"/>
+                <a:gd name="connsiteY16" fmla="*/ 219272 h 3261932"/>
+                <a:gd name="connsiteX17" fmla="*/ 1884174 w 3715263"/>
+                <a:gd name="connsiteY17" fmla="*/ 567615 h 3261932"/>
+                <a:gd name="connsiteX18" fmla="*/ 2218002 w 3715263"/>
+                <a:gd name="connsiteY18" fmla="*/ 959501 h 3261932"/>
+                <a:gd name="connsiteX19" fmla="*/ 2624401 w 3715263"/>
+                <a:gd name="connsiteY19" fmla="*/ 683729 h 3261932"/>
+                <a:gd name="connsiteX20" fmla="*/ 1622916 w 3715263"/>
+                <a:gd name="connsiteY20" fmla="*/ 1558 h 3261932"/>
+                <a:gd name="connsiteX21" fmla="*/ 548859 w 3715263"/>
+                <a:gd name="connsiteY21" fmla="*/ 799844 h 3261932"/>
+                <a:gd name="connsiteX22" fmla="*/ 795602 w 3715263"/>
+                <a:gd name="connsiteY22" fmla="*/ 1627158 h 3261932"/>
+                <a:gd name="connsiteX23" fmla="*/ 1216516 w 3715263"/>
+                <a:gd name="connsiteY23" fmla="*/ 1496530 h 3261932"/>
+                <a:gd name="connsiteX24" fmla="*/ 1056859 w 3715263"/>
+                <a:gd name="connsiteY24" fmla="*/ 1017558 h 3261932"/>
+                <a:gd name="connsiteX25" fmla="*/ 69887 w 3715263"/>
+                <a:gd name="connsiteY25" fmla="*/ 1888415 h 3261932"/>
+                <a:gd name="connsiteX26" fmla="*/ 171487 w 3715263"/>
+                <a:gd name="connsiteY26" fmla="*/ 2918929 h 3261932"/>
+                <a:gd name="connsiteX27" fmla="*/ 897202 w 3715263"/>
+                <a:gd name="connsiteY27" fmla="*/ 2759272 h 3261932"/>
+                <a:gd name="connsiteX28" fmla="*/ 563373 w 3715263"/>
+                <a:gd name="connsiteY28" fmla="*/ 2280301 h 3261932"/>
+                <a:gd name="connsiteX29" fmla="*/ 302116 w 3715263"/>
+                <a:gd name="connsiteY29" fmla="*/ 2672187 h 3261932"/>
+                <a:gd name="connsiteX30" fmla="*/ 694002 w 3715263"/>
+                <a:gd name="connsiteY30" fmla="*/ 3093101 h 3261932"/>
+                <a:gd name="connsiteX0" fmla="*/ 694002 w 3715263"/>
+                <a:gd name="connsiteY0" fmla="*/ 3093101 h 3261932"/>
+                <a:gd name="connsiteX1" fmla="*/ 1710002 w 3715263"/>
+                <a:gd name="connsiteY1" fmla="*/ 2773787 h 3261932"/>
+                <a:gd name="connsiteX2" fmla="*/ 1637430 w 3715263"/>
+                <a:gd name="connsiteY2" fmla="*/ 2236758 h 3261932"/>
+                <a:gd name="connsiteX3" fmla="*/ 1216516 w 3715263"/>
+                <a:gd name="connsiteY3" fmla="*/ 2236758 h 3261932"/>
+                <a:gd name="connsiteX4" fmla="*/ 1187487 w 3715263"/>
+                <a:gd name="connsiteY4" fmla="*/ 2875387 h 3261932"/>
+                <a:gd name="connsiteX5" fmla="*/ 1840630 w 3715263"/>
+                <a:gd name="connsiteY5" fmla="*/ 3252758 h 3261932"/>
+                <a:gd name="connsiteX6" fmla="*/ 2726002 w 3715263"/>
+                <a:gd name="connsiteY6" fmla="*/ 2889901 h 3261932"/>
+                <a:gd name="connsiteX7" fmla="*/ 2493773 w 3715263"/>
+                <a:gd name="connsiteY7" fmla="*/ 2207729 h 3261932"/>
+                <a:gd name="connsiteX8" fmla="*/ 1956745 w 3715263"/>
+                <a:gd name="connsiteY8" fmla="*/ 2222244 h 3261932"/>
+                <a:gd name="connsiteX9" fmla="*/ 2159945 w 3715263"/>
+                <a:gd name="connsiteY9" fmla="*/ 3006015 h 3261932"/>
+                <a:gd name="connsiteX10" fmla="*/ 2972745 w 3715263"/>
+                <a:gd name="connsiteY10" fmla="*/ 3238244 h 3261932"/>
+                <a:gd name="connsiteX11" fmla="*/ 3582345 w 3715263"/>
+                <a:gd name="connsiteY11" fmla="*/ 2512529 h 3261932"/>
+                <a:gd name="connsiteX12" fmla="*/ 3146916 w 3715263"/>
+                <a:gd name="connsiteY12" fmla="*/ 1177215 h 3261932"/>
+                <a:gd name="connsiteX13" fmla="*/ 2522802 w 3715263"/>
+                <a:gd name="connsiteY13" fmla="*/ 1844872 h 3261932"/>
+                <a:gd name="connsiteX14" fmla="*/ 3146916 w 3715263"/>
+                <a:gd name="connsiteY14" fmla="*/ 2265787 h 3261932"/>
+                <a:gd name="connsiteX15" fmla="*/ 3712973 w 3715263"/>
+                <a:gd name="connsiteY15" fmla="*/ 1351387 h 3261932"/>
+                <a:gd name="connsiteX16" fmla="*/ 2929202 w 3715263"/>
+                <a:gd name="connsiteY16" fmla="*/ 219272 h 3261932"/>
+                <a:gd name="connsiteX17" fmla="*/ 1884174 w 3715263"/>
+                <a:gd name="connsiteY17" fmla="*/ 567615 h 3261932"/>
+                <a:gd name="connsiteX18" fmla="*/ 2218002 w 3715263"/>
+                <a:gd name="connsiteY18" fmla="*/ 959501 h 3261932"/>
+                <a:gd name="connsiteX19" fmla="*/ 2624401 w 3715263"/>
+                <a:gd name="connsiteY19" fmla="*/ 683729 h 3261932"/>
+                <a:gd name="connsiteX20" fmla="*/ 1622916 w 3715263"/>
+                <a:gd name="connsiteY20" fmla="*/ 1558 h 3261932"/>
+                <a:gd name="connsiteX21" fmla="*/ 548859 w 3715263"/>
+                <a:gd name="connsiteY21" fmla="*/ 799844 h 3261932"/>
+                <a:gd name="connsiteX22" fmla="*/ 795602 w 3715263"/>
+                <a:gd name="connsiteY22" fmla="*/ 1627158 h 3261932"/>
+                <a:gd name="connsiteX23" fmla="*/ 1216516 w 3715263"/>
+                <a:gd name="connsiteY23" fmla="*/ 1496530 h 3261932"/>
+                <a:gd name="connsiteX24" fmla="*/ 1056859 w 3715263"/>
+                <a:gd name="connsiteY24" fmla="*/ 1017558 h 3261932"/>
+                <a:gd name="connsiteX25" fmla="*/ 69887 w 3715263"/>
+                <a:gd name="connsiteY25" fmla="*/ 1888415 h 3261932"/>
+                <a:gd name="connsiteX26" fmla="*/ 171487 w 3715263"/>
+                <a:gd name="connsiteY26" fmla="*/ 2918929 h 3261932"/>
+                <a:gd name="connsiteX27" fmla="*/ 897202 w 3715263"/>
+                <a:gd name="connsiteY27" fmla="*/ 2759272 h 3261932"/>
+                <a:gd name="connsiteX28" fmla="*/ 563373 w 3715263"/>
+                <a:gd name="connsiteY28" fmla="*/ 2280301 h 3261932"/>
+                <a:gd name="connsiteX29" fmla="*/ 302116 w 3715263"/>
+                <a:gd name="connsiteY29" fmla="*/ 2672187 h 3261932"/>
+                <a:gd name="connsiteX30" fmla="*/ 694002 w 3715263"/>
+                <a:gd name="connsiteY30" fmla="*/ 3093101 h 3261932"/>
+                <a:gd name="connsiteX0" fmla="*/ 694002 w 3715263"/>
+                <a:gd name="connsiteY0" fmla="*/ 3093101 h 3261932"/>
+                <a:gd name="connsiteX1" fmla="*/ 1710002 w 3715263"/>
+                <a:gd name="connsiteY1" fmla="*/ 2773787 h 3261932"/>
+                <a:gd name="connsiteX2" fmla="*/ 1637430 w 3715263"/>
+                <a:gd name="connsiteY2" fmla="*/ 2236758 h 3261932"/>
+                <a:gd name="connsiteX3" fmla="*/ 1216516 w 3715263"/>
+                <a:gd name="connsiteY3" fmla="*/ 2236758 h 3261932"/>
+                <a:gd name="connsiteX4" fmla="*/ 1187487 w 3715263"/>
+                <a:gd name="connsiteY4" fmla="*/ 2875387 h 3261932"/>
+                <a:gd name="connsiteX5" fmla="*/ 1840630 w 3715263"/>
+                <a:gd name="connsiteY5" fmla="*/ 3252758 h 3261932"/>
+                <a:gd name="connsiteX6" fmla="*/ 2726002 w 3715263"/>
+                <a:gd name="connsiteY6" fmla="*/ 2889901 h 3261932"/>
+                <a:gd name="connsiteX7" fmla="*/ 2493773 w 3715263"/>
+                <a:gd name="connsiteY7" fmla="*/ 2207729 h 3261932"/>
+                <a:gd name="connsiteX8" fmla="*/ 1956745 w 3715263"/>
+                <a:gd name="connsiteY8" fmla="*/ 2222244 h 3261932"/>
+                <a:gd name="connsiteX9" fmla="*/ 2159945 w 3715263"/>
+                <a:gd name="connsiteY9" fmla="*/ 3006015 h 3261932"/>
+                <a:gd name="connsiteX10" fmla="*/ 2972745 w 3715263"/>
+                <a:gd name="connsiteY10" fmla="*/ 3238244 h 3261932"/>
+                <a:gd name="connsiteX11" fmla="*/ 3582345 w 3715263"/>
+                <a:gd name="connsiteY11" fmla="*/ 2512529 h 3261932"/>
+                <a:gd name="connsiteX12" fmla="*/ 3146916 w 3715263"/>
+                <a:gd name="connsiteY12" fmla="*/ 1177215 h 3261932"/>
+                <a:gd name="connsiteX13" fmla="*/ 2522802 w 3715263"/>
+                <a:gd name="connsiteY13" fmla="*/ 1844872 h 3261932"/>
+                <a:gd name="connsiteX14" fmla="*/ 3146916 w 3715263"/>
+                <a:gd name="connsiteY14" fmla="*/ 2265787 h 3261932"/>
+                <a:gd name="connsiteX15" fmla="*/ 3712973 w 3715263"/>
+                <a:gd name="connsiteY15" fmla="*/ 1351387 h 3261932"/>
+                <a:gd name="connsiteX16" fmla="*/ 2929202 w 3715263"/>
+                <a:gd name="connsiteY16" fmla="*/ 219272 h 3261932"/>
+                <a:gd name="connsiteX17" fmla="*/ 1884174 w 3715263"/>
+                <a:gd name="connsiteY17" fmla="*/ 567615 h 3261932"/>
+                <a:gd name="connsiteX18" fmla="*/ 2218002 w 3715263"/>
+                <a:gd name="connsiteY18" fmla="*/ 959501 h 3261932"/>
+                <a:gd name="connsiteX19" fmla="*/ 2624401 w 3715263"/>
+                <a:gd name="connsiteY19" fmla="*/ 683729 h 3261932"/>
+                <a:gd name="connsiteX20" fmla="*/ 1622916 w 3715263"/>
+                <a:gd name="connsiteY20" fmla="*/ 1558 h 3261932"/>
+                <a:gd name="connsiteX21" fmla="*/ 548859 w 3715263"/>
+                <a:gd name="connsiteY21" fmla="*/ 799844 h 3261932"/>
+                <a:gd name="connsiteX22" fmla="*/ 795602 w 3715263"/>
+                <a:gd name="connsiteY22" fmla="*/ 1627158 h 3261932"/>
+                <a:gd name="connsiteX23" fmla="*/ 1216516 w 3715263"/>
+                <a:gd name="connsiteY23" fmla="*/ 1496530 h 3261932"/>
+                <a:gd name="connsiteX24" fmla="*/ 1056859 w 3715263"/>
+                <a:gd name="connsiteY24" fmla="*/ 1017558 h 3261932"/>
+                <a:gd name="connsiteX25" fmla="*/ 69887 w 3715263"/>
+                <a:gd name="connsiteY25" fmla="*/ 1888415 h 3261932"/>
+                <a:gd name="connsiteX26" fmla="*/ 171487 w 3715263"/>
+                <a:gd name="connsiteY26" fmla="*/ 2918929 h 3261932"/>
+                <a:gd name="connsiteX27" fmla="*/ 897202 w 3715263"/>
+                <a:gd name="connsiteY27" fmla="*/ 2759272 h 3261932"/>
+                <a:gd name="connsiteX28" fmla="*/ 563373 w 3715263"/>
+                <a:gd name="connsiteY28" fmla="*/ 2280301 h 3261932"/>
+                <a:gd name="connsiteX29" fmla="*/ 302116 w 3715263"/>
+                <a:gd name="connsiteY29" fmla="*/ 2672187 h 3261932"/>
+                <a:gd name="connsiteX30" fmla="*/ 694002 w 3715263"/>
+                <a:gd name="connsiteY30" fmla="*/ 3093101 h 3261932"/>
+                <a:gd name="connsiteX0" fmla="*/ 694002 w 3715263"/>
+                <a:gd name="connsiteY0" fmla="*/ 3093101 h 3261932"/>
+                <a:gd name="connsiteX1" fmla="*/ 1710002 w 3715263"/>
+                <a:gd name="connsiteY1" fmla="*/ 2773787 h 3261932"/>
+                <a:gd name="connsiteX2" fmla="*/ 1637430 w 3715263"/>
+                <a:gd name="connsiteY2" fmla="*/ 2236758 h 3261932"/>
+                <a:gd name="connsiteX3" fmla="*/ 1216516 w 3715263"/>
+                <a:gd name="connsiteY3" fmla="*/ 2236758 h 3261932"/>
+                <a:gd name="connsiteX4" fmla="*/ 1187487 w 3715263"/>
+                <a:gd name="connsiteY4" fmla="*/ 2875387 h 3261932"/>
+                <a:gd name="connsiteX5" fmla="*/ 1840630 w 3715263"/>
+                <a:gd name="connsiteY5" fmla="*/ 3252758 h 3261932"/>
+                <a:gd name="connsiteX6" fmla="*/ 2726002 w 3715263"/>
+                <a:gd name="connsiteY6" fmla="*/ 2889901 h 3261932"/>
+                <a:gd name="connsiteX7" fmla="*/ 2493773 w 3715263"/>
+                <a:gd name="connsiteY7" fmla="*/ 2207729 h 3261932"/>
+                <a:gd name="connsiteX8" fmla="*/ 1956745 w 3715263"/>
+                <a:gd name="connsiteY8" fmla="*/ 2222244 h 3261932"/>
+                <a:gd name="connsiteX9" fmla="*/ 2159945 w 3715263"/>
+                <a:gd name="connsiteY9" fmla="*/ 3006015 h 3261932"/>
+                <a:gd name="connsiteX10" fmla="*/ 2972745 w 3715263"/>
+                <a:gd name="connsiteY10" fmla="*/ 3238244 h 3261932"/>
+                <a:gd name="connsiteX11" fmla="*/ 3582345 w 3715263"/>
+                <a:gd name="connsiteY11" fmla="*/ 2512529 h 3261932"/>
+                <a:gd name="connsiteX12" fmla="*/ 3146916 w 3715263"/>
+                <a:gd name="connsiteY12" fmla="*/ 1177215 h 3261932"/>
+                <a:gd name="connsiteX13" fmla="*/ 2522802 w 3715263"/>
+                <a:gd name="connsiteY13" fmla="*/ 1844872 h 3261932"/>
+                <a:gd name="connsiteX14" fmla="*/ 3146916 w 3715263"/>
+                <a:gd name="connsiteY14" fmla="*/ 2265787 h 3261932"/>
+                <a:gd name="connsiteX15" fmla="*/ 3712973 w 3715263"/>
+                <a:gd name="connsiteY15" fmla="*/ 1351387 h 3261932"/>
+                <a:gd name="connsiteX16" fmla="*/ 2929202 w 3715263"/>
+                <a:gd name="connsiteY16" fmla="*/ 219272 h 3261932"/>
+                <a:gd name="connsiteX17" fmla="*/ 1884174 w 3715263"/>
+                <a:gd name="connsiteY17" fmla="*/ 567615 h 3261932"/>
+                <a:gd name="connsiteX18" fmla="*/ 2218002 w 3715263"/>
+                <a:gd name="connsiteY18" fmla="*/ 959501 h 3261932"/>
+                <a:gd name="connsiteX19" fmla="*/ 2624401 w 3715263"/>
+                <a:gd name="connsiteY19" fmla="*/ 683729 h 3261932"/>
+                <a:gd name="connsiteX20" fmla="*/ 1622916 w 3715263"/>
+                <a:gd name="connsiteY20" fmla="*/ 1558 h 3261932"/>
+                <a:gd name="connsiteX21" fmla="*/ 548859 w 3715263"/>
+                <a:gd name="connsiteY21" fmla="*/ 799844 h 3261932"/>
+                <a:gd name="connsiteX22" fmla="*/ 795602 w 3715263"/>
+                <a:gd name="connsiteY22" fmla="*/ 1627158 h 3261932"/>
+                <a:gd name="connsiteX23" fmla="*/ 1216516 w 3715263"/>
+                <a:gd name="connsiteY23" fmla="*/ 1496530 h 3261932"/>
+                <a:gd name="connsiteX24" fmla="*/ 1056859 w 3715263"/>
+                <a:gd name="connsiteY24" fmla="*/ 1017558 h 3261932"/>
+                <a:gd name="connsiteX25" fmla="*/ 69887 w 3715263"/>
+                <a:gd name="connsiteY25" fmla="*/ 1888415 h 3261932"/>
+                <a:gd name="connsiteX26" fmla="*/ 171487 w 3715263"/>
+                <a:gd name="connsiteY26" fmla="*/ 2918929 h 3261932"/>
+                <a:gd name="connsiteX27" fmla="*/ 897202 w 3715263"/>
+                <a:gd name="connsiteY27" fmla="*/ 2759272 h 3261932"/>
+                <a:gd name="connsiteX28" fmla="*/ 563373 w 3715263"/>
+                <a:gd name="connsiteY28" fmla="*/ 2280301 h 3261932"/>
+                <a:gd name="connsiteX29" fmla="*/ 302116 w 3715263"/>
+                <a:gd name="connsiteY29" fmla="*/ 2672187 h 3261932"/>
+                <a:gd name="connsiteX30" fmla="*/ 694002 w 3715263"/>
+                <a:gd name="connsiteY30" fmla="*/ 3093101 h 3261932"/>
+                <a:gd name="connsiteX0" fmla="*/ 694002 w 3715263"/>
+                <a:gd name="connsiteY0" fmla="*/ 3093101 h 3260011"/>
+                <a:gd name="connsiteX1" fmla="*/ 1710002 w 3715263"/>
+                <a:gd name="connsiteY1" fmla="*/ 2773787 h 3260011"/>
+                <a:gd name="connsiteX2" fmla="*/ 1637430 w 3715263"/>
+                <a:gd name="connsiteY2" fmla="*/ 2236758 h 3260011"/>
+                <a:gd name="connsiteX3" fmla="*/ 1216516 w 3715263"/>
+                <a:gd name="connsiteY3" fmla="*/ 2236758 h 3260011"/>
+                <a:gd name="connsiteX4" fmla="*/ 1187487 w 3715263"/>
+                <a:gd name="connsiteY4" fmla="*/ 2875387 h 3260011"/>
+                <a:gd name="connsiteX5" fmla="*/ 1840630 w 3715263"/>
+                <a:gd name="connsiteY5" fmla="*/ 3252758 h 3260011"/>
+                <a:gd name="connsiteX6" fmla="*/ 2726002 w 3715263"/>
+                <a:gd name="connsiteY6" fmla="*/ 2889901 h 3260011"/>
+                <a:gd name="connsiteX7" fmla="*/ 2493773 w 3715263"/>
+                <a:gd name="connsiteY7" fmla="*/ 2207729 h 3260011"/>
+                <a:gd name="connsiteX8" fmla="*/ 2116402 w 3715263"/>
+                <a:gd name="connsiteY8" fmla="*/ 2352873 h 3260011"/>
+                <a:gd name="connsiteX9" fmla="*/ 2159945 w 3715263"/>
+                <a:gd name="connsiteY9" fmla="*/ 3006015 h 3260011"/>
+                <a:gd name="connsiteX10" fmla="*/ 2972745 w 3715263"/>
+                <a:gd name="connsiteY10" fmla="*/ 3238244 h 3260011"/>
+                <a:gd name="connsiteX11" fmla="*/ 3582345 w 3715263"/>
+                <a:gd name="connsiteY11" fmla="*/ 2512529 h 3260011"/>
+                <a:gd name="connsiteX12" fmla="*/ 3146916 w 3715263"/>
+                <a:gd name="connsiteY12" fmla="*/ 1177215 h 3260011"/>
+                <a:gd name="connsiteX13" fmla="*/ 2522802 w 3715263"/>
+                <a:gd name="connsiteY13" fmla="*/ 1844872 h 3260011"/>
+                <a:gd name="connsiteX14" fmla="*/ 3146916 w 3715263"/>
+                <a:gd name="connsiteY14" fmla="*/ 2265787 h 3260011"/>
+                <a:gd name="connsiteX15" fmla="*/ 3712973 w 3715263"/>
+                <a:gd name="connsiteY15" fmla="*/ 1351387 h 3260011"/>
+                <a:gd name="connsiteX16" fmla="*/ 2929202 w 3715263"/>
+                <a:gd name="connsiteY16" fmla="*/ 219272 h 3260011"/>
+                <a:gd name="connsiteX17" fmla="*/ 1884174 w 3715263"/>
+                <a:gd name="connsiteY17" fmla="*/ 567615 h 3260011"/>
+                <a:gd name="connsiteX18" fmla="*/ 2218002 w 3715263"/>
+                <a:gd name="connsiteY18" fmla="*/ 959501 h 3260011"/>
+                <a:gd name="connsiteX19" fmla="*/ 2624401 w 3715263"/>
+                <a:gd name="connsiteY19" fmla="*/ 683729 h 3260011"/>
+                <a:gd name="connsiteX20" fmla="*/ 1622916 w 3715263"/>
+                <a:gd name="connsiteY20" fmla="*/ 1558 h 3260011"/>
+                <a:gd name="connsiteX21" fmla="*/ 548859 w 3715263"/>
+                <a:gd name="connsiteY21" fmla="*/ 799844 h 3260011"/>
+                <a:gd name="connsiteX22" fmla="*/ 795602 w 3715263"/>
+                <a:gd name="connsiteY22" fmla="*/ 1627158 h 3260011"/>
+                <a:gd name="connsiteX23" fmla="*/ 1216516 w 3715263"/>
+                <a:gd name="connsiteY23" fmla="*/ 1496530 h 3260011"/>
+                <a:gd name="connsiteX24" fmla="*/ 1056859 w 3715263"/>
+                <a:gd name="connsiteY24" fmla="*/ 1017558 h 3260011"/>
+                <a:gd name="connsiteX25" fmla="*/ 69887 w 3715263"/>
+                <a:gd name="connsiteY25" fmla="*/ 1888415 h 3260011"/>
+                <a:gd name="connsiteX26" fmla="*/ 171487 w 3715263"/>
+                <a:gd name="connsiteY26" fmla="*/ 2918929 h 3260011"/>
+                <a:gd name="connsiteX27" fmla="*/ 897202 w 3715263"/>
+                <a:gd name="connsiteY27" fmla="*/ 2759272 h 3260011"/>
+                <a:gd name="connsiteX28" fmla="*/ 563373 w 3715263"/>
+                <a:gd name="connsiteY28" fmla="*/ 2280301 h 3260011"/>
+                <a:gd name="connsiteX29" fmla="*/ 302116 w 3715263"/>
+                <a:gd name="connsiteY29" fmla="*/ 2672187 h 3260011"/>
+                <a:gd name="connsiteX30" fmla="*/ 694002 w 3715263"/>
+                <a:gd name="connsiteY30" fmla="*/ 3093101 h 3260011"/>
+                <a:gd name="connsiteX0" fmla="*/ 694002 w 3715263"/>
+                <a:gd name="connsiteY0" fmla="*/ 3093101 h 3260011"/>
+                <a:gd name="connsiteX1" fmla="*/ 1710002 w 3715263"/>
+                <a:gd name="connsiteY1" fmla="*/ 2773787 h 3260011"/>
+                <a:gd name="connsiteX2" fmla="*/ 1637430 w 3715263"/>
+                <a:gd name="connsiteY2" fmla="*/ 2236758 h 3260011"/>
+                <a:gd name="connsiteX3" fmla="*/ 1216516 w 3715263"/>
+                <a:gd name="connsiteY3" fmla="*/ 2236758 h 3260011"/>
+                <a:gd name="connsiteX4" fmla="*/ 1187487 w 3715263"/>
+                <a:gd name="connsiteY4" fmla="*/ 2875387 h 3260011"/>
+                <a:gd name="connsiteX5" fmla="*/ 1840630 w 3715263"/>
+                <a:gd name="connsiteY5" fmla="*/ 3252758 h 3260011"/>
+                <a:gd name="connsiteX6" fmla="*/ 2726002 w 3715263"/>
+                <a:gd name="connsiteY6" fmla="*/ 2889901 h 3260011"/>
+                <a:gd name="connsiteX7" fmla="*/ 2667945 w 3715263"/>
+                <a:gd name="connsiteY7" fmla="*/ 2439959 h 3260011"/>
+                <a:gd name="connsiteX8" fmla="*/ 2493773 w 3715263"/>
+                <a:gd name="connsiteY8" fmla="*/ 2207729 h 3260011"/>
+                <a:gd name="connsiteX9" fmla="*/ 2116402 w 3715263"/>
+                <a:gd name="connsiteY9" fmla="*/ 2352873 h 3260011"/>
+                <a:gd name="connsiteX10" fmla="*/ 2159945 w 3715263"/>
+                <a:gd name="connsiteY10" fmla="*/ 3006015 h 3260011"/>
+                <a:gd name="connsiteX11" fmla="*/ 2972745 w 3715263"/>
+                <a:gd name="connsiteY11" fmla="*/ 3238244 h 3260011"/>
+                <a:gd name="connsiteX12" fmla="*/ 3582345 w 3715263"/>
+                <a:gd name="connsiteY12" fmla="*/ 2512529 h 3260011"/>
+                <a:gd name="connsiteX13" fmla="*/ 3146916 w 3715263"/>
+                <a:gd name="connsiteY13" fmla="*/ 1177215 h 3260011"/>
+                <a:gd name="connsiteX14" fmla="*/ 2522802 w 3715263"/>
+                <a:gd name="connsiteY14" fmla="*/ 1844872 h 3260011"/>
+                <a:gd name="connsiteX15" fmla="*/ 3146916 w 3715263"/>
+                <a:gd name="connsiteY15" fmla="*/ 2265787 h 3260011"/>
+                <a:gd name="connsiteX16" fmla="*/ 3712973 w 3715263"/>
+                <a:gd name="connsiteY16" fmla="*/ 1351387 h 3260011"/>
+                <a:gd name="connsiteX17" fmla="*/ 2929202 w 3715263"/>
+                <a:gd name="connsiteY17" fmla="*/ 219272 h 3260011"/>
+                <a:gd name="connsiteX18" fmla="*/ 1884174 w 3715263"/>
+                <a:gd name="connsiteY18" fmla="*/ 567615 h 3260011"/>
+                <a:gd name="connsiteX19" fmla="*/ 2218002 w 3715263"/>
+                <a:gd name="connsiteY19" fmla="*/ 959501 h 3260011"/>
+                <a:gd name="connsiteX20" fmla="*/ 2624401 w 3715263"/>
+                <a:gd name="connsiteY20" fmla="*/ 683729 h 3260011"/>
+                <a:gd name="connsiteX21" fmla="*/ 1622916 w 3715263"/>
+                <a:gd name="connsiteY21" fmla="*/ 1558 h 3260011"/>
+                <a:gd name="connsiteX22" fmla="*/ 548859 w 3715263"/>
+                <a:gd name="connsiteY22" fmla="*/ 799844 h 3260011"/>
+                <a:gd name="connsiteX23" fmla="*/ 795602 w 3715263"/>
+                <a:gd name="connsiteY23" fmla="*/ 1627158 h 3260011"/>
+                <a:gd name="connsiteX24" fmla="*/ 1216516 w 3715263"/>
+                <a:gd name="connsiteY24" fmla="*/ 1496530 h 3260011"/>
+                <a:gd name="connsiteX25" fmla="*/ 1056859 w 3715263"/>
+                <a:gd name="connsiteY25" fmla="*/ 1017558 h 3260011"/>
+                <a:gd name="connsiteX26" fmla="*/ 69887 w 3715263"/>
+                <a:gd name="connsiteY26" fmla="*/ 1888415 h 3260011"/>
+                <a:gd name="connsiteX27" fmla="*/ 171487 w 3715263"/>
+                <a:gd name="connsiteY27" fmla="*/ 2918929 h 3260011"/>
+                <a:gd name="connsiteX28" fmla="*/ 897202 w 3715263"/>
+                <a:gd name="connsiteY28" fmla="*/ 2759272 h 3260011"/>
+                <a:gd name="connsiteX29" fmla="*/ 563373 w 3715263"/>
+                <a:gd name="connsiteY29" fmla="*/ 2280301 h 3260011"/>
+                <a:gd name="connsiteX30" fmla="*/ 302116 w 3715263"/>
+                <a:gd name="connsiteY30" fmla="*/ 2672187 h 3260011"/>
+                <a:gd name="connsiteX31" fmla="*/ 694002 w 3715263"/>
+                <a:gd name="connsiteY31" fmla="*/ 3093101 h 3260011"/>
+                <a:gd name="connsiteX0" fmla="*/ 694002 w 3715263"/>
+                <a:gd name="connsiteY0" fmla="*/ 3093101 h 3260011"/>
+                <a:gd name="connsiteX1" fmla="*/ 1710002 w 3715263"/>
+                <a:gd name="connsiteY1" fmla="*/ 2773787 h 3260011"/>
+                <a:gd name="connsiteX2" fmla="*/ 1637430 w 3715263"/>
+                <a:gd name="connsiteY2" fmla="*/ 2236758 h 3260011"/>
+                <a:gd name="connsiteX3" fmla="*/ 1216516 w 3715263"/>
+                <a:gd name="connsiteY3" fmla="*/ 2236758 h 3260011"/>
+                <a:gd name="connsiteX4" fmla="*/ 1187487 w 3715263"/>
+                <a:gd name="connsiteY4" fmla="*/ 2875387 h 3260011"/>
+                <a:gd name="connsiteX5" fmla="*/ 1840630 w 3715263"/>
+                <a:gd name="connsiteY5" fmla="*/ 3252758 h 3260011"/>
+                <a:gd name="connsiteX6" fmla="*/ 2726002 w 3715263"/>
+                <a:gd name="connsiteY6" fmla="*/ 2889901 h 3260011"/>
+                <a:gd name="connsiteX7" fmla="*/ 2667945 w 3715263"/>
+                <a:gd name="connsiteY7" fmla="*/ 2439959 h 3260011"/>
+                <a:gd name="connsiteX8" fmla="*/ 2508287 w 3715263"/>
+                <a:gd name="connsiteY8" fmla="*/ 2251272 h 3260011"/>
+                <a:gd name="connsiteX9" fmla="*/ 2116402 w 3715263"/>
+                <a:gd name="connsiteY9" fmla="*/ 2352873 h 3260011"/>
+                <a:gd name="connsiteX10" fmla="*/ 2159945 w 3715263"/>
+                <a:gd name="connsiteY10" fmla="*/ 3006015 h 3260011"/>
+                <a:gd name="connsiteX11" fmla="*/ 2972745 w 3715263"/>
+                <a:gd name="connsiteY11" fmla="*/ 3238244 h 3260011"/>
+                <a:gd name="connsiteX12" fmla="*/ 3582345 w 3715263"/>
+                <a:gd name="connsiteY12" fmla="*/ 2512529 h 3260011"/>
+                <a:gd name="connsiteX13" fmla="*/ 3146916 w 3715263"/>
+                <a:gd name="connsiteY13" fmla="*/ 1177215 h 3260011"/>
+                <a:gd name="connsiteX14" fmla="*/ 2522802 w 3715263"/>
+                <a:gd name="connsiteY14" fmla="*/ 1844872 h 3260011"/>
+                <a:gd name="connsiteX15" fmla="*/ 3146916 w 3715263"/>
+                <a:gd name="connsiteY15" fmla="*/ 2265787 h 3260011"/>
+                <a:gd name="connsiteX16" fmla="*/ 3712973 w 3715263"/>
+                <a:gd name="connsiteY16" fmla="*/ 1351387 h 3260011"/>
+                <a:gd name="connsiteX17" fmla="*/ 2929202 w 3715263"/>
+                <a:gd name="connsiteY17" fmla="*/ 219272 h 3260011"/>
+                <a:gd name="connsiteX18" fmla="*/ 1884174 w 3715263"/>
+                <a:gd name="connsiteY18" fmla="*/ 567615 h 3260011"/>
+                <a:gd name="connsiteX19" fmla="*/ 2218002 w 3715263"/>
+                <a:gd name="connsiteY19" fmla="*/ 959501 h 3260011"/>
+                <a:gd name="connsiteX20" fmla="*/ 2624401 w 3715263"/>
+                <a:gd name="connsiteY20" fmla="*/ 683729 h 3260011"/>
+                <a:gd name="connsiteX21" fmla="*/ 1622916 w 3715263"/>
+                <a:gd name="connsiteY21" fmla="*/ 1558 h 3260011"/>
+                <a:gd name="connsiteX22" fmla="*/ 548859 w 3715263"/>
+                <a:gd name="connsiteY22" fmla="*/ 799844 h 3260011"/>
+                <a:gd name="connsiteX23" fmla="*/ 795602 w 3715263"/>
+                <a:gd name="connsiteY23" fmla="*/ 1627158 h 3260011"/>
+                <a:gd name="connsiteX24" fmla="*/ 1216516 w 3715263"/>
+                <a:gd name="connsiteY24" fmla="*/ 1496530 h 3260011"/>
+                <a:gd name="connsiteX25" fmla="*/ 1056859 w 3715263"/>
+                <a:gd name="connsiteY25" fmla="*/ 1017558 h 3260011"/>
+                <a:gd name="connsiteX26" fmla="*/ 69887 w 3715263"/>
+                <a:gd name="connsiteY26" fmla="*/ 1888415 h 3260011"/>
+                <a:gd name="connsiteX27" fmla="*/ 171487 w 3715263"/>
+                <a:gd name="connsiteY27" fmla="*/ 2918929 h 3260011"/>
+                <a:gd name="connsiteX28" fmla="*/ 897202 w 3715263"/>
+                <a:gd name="connsiteY28" fmla="*/ 2759272 h 3260011"/>
+                <a:gd name="connsiteX29" fmla="*/ 563373 w 3715263"/>
+                <a:gd name="connsiteY29" fmla="*/ 2280301 h 3260011"/>
+                <a:gd name="connsiteX30" fmla="*/ 302116 w 3715263"/>
+                <a:gd name="connsiteY30" fmla="*/ 2672187 h 3260011"/>
+                <a:gd name="connsiteX31" fmla="*/ 694002 w 3715263"/>
+                <a:gd name="connsiteY31" fmla="*/ 3093101 h 3260011"/>
+                <a:gd name="connsiteX0" fmla="*/ 694002 w 3715263"/>
+                <a:gd name="connsiteY0" fmla="*/ 3093101 h 3260011"/>
+                <a:gd name="connsiteX1" fmla="*/ 1710002 w 3715263"/>
+                <a:gd name="connsiteY1" fmla="*/ 2773787 h 3260011"/>
+                <a:gd name="connsiteX2" fmla="*/ 1637430 w 3715263"/>
+                <a:gd name="connsiteY2" fmla="*/ 2236758 h 3260011"/>
+                <a:gd name="connsiteX3" fmla="*/ 1216516 w 3715263"/>
+                <a:gd name="connsiteY3" fmla="*/ 2236758 h 3260011"/>
+                <a:gd name="connsiteX4" fmla="*/ 1187487 w 3715263"/>
+                <a:gd name="connsiteY4" fmla="*/ 2875387 h 3260011"/>
+                <a:gd name="connsiteX5" fmla="*/ 1840630 w 3715263"/>
+                <a:gd name="connsiteY5" fmla="*/ 3252758 h 3260011"/>
+                <a:gd name="connsiteX6" fmla="*/ 2726002 w 3715263"/>
+                <a:gd name="connsiteY6" fmla="*/ 2889901 h 3260011"/>
+                <a:gd name="connsiteX7" fmla="*/ 2667945 w 3715263"/>
+                <a:gd name="connsiteY7" fmla="*/ 2439959 h 3260011"/>
+                <a:gd name="connsiteX8" fmla="*/ 2508287 w 3715263"/>
+                <a:gd name="connsiteY8" fmla="*/ 2251272 h 3260011"/>
+                <a:gd name="connsiteX9" fmla="*/ 2116402 w 3715263"/>
+                <a:gd name="connsiteY9" fmla="*/ 2352873 h 3260011"/>
+                <a:gd name="connsiteX10" fmla="*/ 2159945 w 3715263"/>
+                <a:gd name="connsiteY10" fmla="*/ 3006015 h 3260011"/>
+                <a:gd name="connsiteX11" fmla="*/ 2972745 w 3715263"/>
+                <a:gd name="connsiteY11" fmla="*/ 3238244 h 3260011"/>
+                <a:gd name="connsiteX12" fmla="*/ 3582345 w 3715263"/>
+                <a:gd name="connsiteY12" fmla="*/ 2512529 h 3260011"/>
+                <a:gd name="connsiteX13" fmla="*/ 3146916 w 3715263"/>
+                <a:gd name="connsiteY13" fmla="*/ 1177215 h 3260011"/>
+                <a:gd name="connsiteX14" fmla="*/ 2522802 w 3715263"/>
+                <a:gd name="connsiteY14" fmla="*/ 1844872 h 3260011"/>
+                <a:gd name="connsiteX15" fmla="*/ 3146916 w 3715263"/>
+                <a:gd name="connsiteY15" fmla="*/ 2265787 h 3260011"/>
+                <a:gd name="connsiteX16" fmla="*/ 3712973 w 3715263"/>
+                <a:gd name="connsiteY16" fmla="*/ 1351387 h 3260011"/>
+                <a:gd name="connsiteX17" fmla="*/ 2929202 w 3715263"/>
+                <a:gd name="connsiteY17" fmla="*/ 219272 h 3260011"/>
+                <a:gd name="connsiteX18" fmla="*/ 1884174 w 3715263"/>
+                <a:gd name="connsiteY18" fmla="*/ 567615 h 3260011"/>
+                <a:gd name="connsiteX19" fmla="*/ 2218002 w 3715263"/>
+                <a:gd name="connsiteY19" fmla="*/ 959501 h 3260011"/>
+                <a:gd name="connsiteX20" fmla="*/ 2624401 w 3715263"/>
+                <a:gd name="connsiteY20" fmla="*/ 683729 h 3260011"/>
+                <a:gd name="connsiteX21" fmla="*/ 1622916 w 3715263"/>
+                <a:gd name="connsiteY21" fmla="*/ 1558 h 3260011"/>
+                <a:gd name="connsiteX22" fmla="*/ 548859 w 3715263"/>
+                <a:gd name="connsiteY22" fmla="*/ 799844 h 3260011"/>
+                <a:gd name="connsiteX23" fmla="*/ 795602 w 3715263"/>
+                <a:gd name="connsiteY23" fmla="*/ 1627158 h 3260011"/>
+                <a:gd name="connsiteX24" fmla="*/ 1216516 w 3715263"/>
+                <a:gd name="connsiteY24" fmla="*/ 1496530 h 3260011"/>
+                <a:gd name="connsiteX25" fmla="*/ 1056859 w 3715263"/>
+                <a:gd name="connsiteY25" fmla="*/ 1017558 h 3260011"/>
+                <a:gd name="connsiteX26" fmla="*/ 69887 w 3715263"/>
+                <a:gd name="connsiteY26" fmla="*/ 1888415 h 3260011"/>
+                <a:gd name="connsiteX27" fmla="*/ 171487 w 3715263"/>
+                <a:gd name="connsiteY27" fmla="*/ 2918929 h 3260011"/>
+                <a:gd name="connsiteX28" fmla="*/ 897202 w 3715263"/>
+                <a:gd name="connsiteY28" fmla="*/ 2759272 h 3260011"/>
+                <a:gd name="connsiteX29" fmla="*/ 563373 w 3715263"/>
+                <a:gd name="connsiteY29" fmla="*/ 2280301 h 3260011"/>
+                <a:gd name="connsiteX30" fmla="*/ 302116 w 3715263"/>
+                <a:gd name="connsiteY30" fmla="*/ 2672187 h 3260011"/>
+                <a:gd name="connsiteX31" fmla="*/ 694002 w 3715263"/>
+                <a:gd name="connsiteY31" fmla="*/ 3093101 h 3260011"/>
+              </a:gdLst>
+              <a:ahLst/>
+              <a:cxnLst>
+                <a:cxn ang="0">
+                  <a:pos x="connsiteX0" y="connsiteY0"/>
+                </a:cxn>
+                <a:cxn ang="0">
+                  <a:pos x="connsiteX1" y="connsiteY1"/>
+                </a:cxn>
+                <a:cxn ang="0">
+                  <a:pos x="connsiteX2" y="connsiteY2"/>
+                </a:cxn>
+                <a:cxn ang="0">
+                  <a:pos x="connsiteX3" y="connsiteY3"/>
+                </a:cxn>
+                <a:cxn ang="0">
+                  <a:pos x="connsiteX4" y="connsiteY4"/>
+                </a:cxn>
+                <a:cxn ang="0">
+                  <a:pos x="connsiteX5" y="connsiteY5"/>
+                </a:cxn>
+                <a:cxn ang="0">
+                  <a:pos x="connsiteX6" y="connsiteY6"/>
+                </a:cxn>
+                <a:cxn ang="0">
+                  <a:pos x="connsiteX7" y="connsiteY7"/>
+                </a:cxn>
+                <a:cxn ang="0">
+                  <a:pos x="connsiteX8" y="connsiteY8"/>
+                </a:cxn>
+                <a:cxn ang="0">
+                  <a:pos x="connsiteX9" y="connsiteY9"/>
+                </a:cxn>
+                <a:cxn ang="0">
+                  <a:pos x="connsiteX10" y="connsiteY10"/>
+                </a:cxn>
+                <a:cxn ang="0">
+                  <a:pos x="connsiteX11" y="connsiteY11"/>
+                </a:cxn>
+                <a:cxn ang="0">
+                  <a:pos x="connsiteX12" y="connsiteY12"/>
+                </a:cxn>
+                <a:cxn ang="0">
+                  <a:pos x="connsiteX13" y="connsiteY13"/>
+                </a:cxn>
+                <a:cxn ang="0">
+                  <a:pos x="connsiteX14" y="connsiteY14"/>
+                </a:cxn>
+                <a:cxn ang="0">
+                  <a:pos x="connsiteX15" y="connsiteY15"/>
+                </a:cxn>
+                <a:cxn ang="0">
+                  <a:pos x="connsiteX16" y="connsiteY16"/>
+                </a:cxn>
+                <a:cxn ang="0">
+                  <a:pos x="connsiteX17" y="connsiteY17"/>
+                </a:cxn>
+                <a:cxn ang="0">
+                  <a:pos x="connsiteX18" y="connsiteY18"/>
+                </a:cxn>
+                <a:cxn ang="0">
+                  <a:pos x="connsiteX19" y="connsiteY19"/>
+                </a:cxn>
+                <a:cxn ang="0">
+                  <a:pos x="connsiteX20" y="connsiteY20"/>
+                </a:cxn>
+                <a:cxn ang="0">
+                  <a:pos x="connsiteX21" y="connsiteY21"/>
+                </a:cxn>
+                <a:cxn ang="0">
+                  <a:pos x="connsiteX22" y="connsiteY22"/>
+                </a:cxn>
+                <a:cxn ang="0">
+                  <a:pos x="connsiteX23" y="connsiteY23"/>
+                </a:cxn>
+                <a:cxn ang="0">
+                  <a:pos x="connsiteX24" y="connsiteY24"/>
+                </a:cxn>
+                <a:cxn ang="0">
+                  <a:pos x="connsiteX25" y="connsiteY25"/>
+                </a:cxn>
+                <a:cxn ang="0">
+                  <a:pos x="connsiteX26" y="connsiteY26"/>
+                </a:cxn>
+                <a:cxn ang="0">
+                  <a:pos x="connsiteX27" y="connsiteY27"/>
+                </a:cxn>
+                <a:cxn ang="0">
+                  <a:pos x="connsiteX28" y="connsiteY28"/>
+                </a:cxn>
+                <a:cxn ang="0">
+                  <a:pos x="connsiteX29" y="connsiteY29"/>
+                </a:cxn>
+                <a:cxn ang="0">
+                  <a:pos x="connsiteX30" y="connsiteY30"/>
+                </a:cxn>
+                <a:cxn ang="0">
+                  <a:pos x="connsiteX31" y="connsiteY31"/>
+                </a:cxn>
+              </a:cxnLst>
+              <a:rect l="l" t="t" r="r" b="b"/>
+              <a:pathLst>
+                <a:path w="3715263" h="3260011">
+                  <a:moveTo>
+                    <a:pt x="694002" y="3093101"/>
+                  </a:moveTo>
+                  <a:cubicBezTo>
+                    <a:pt x="928650" y="3110034"/>
+                    <a:pt x="1552764" y="2916511"/>
+                    <a:pt x="1710002" y="2773787"/>
+                  </a:cubicBezTo>
+                  <a:cubicBezTo>
+                    <a:pt x="1867240" y="2631063"/>
+                    <a:pt x="1719678" y="2326263"/>
+                    <a:pt x="1637430" y="2236758"/>
+                  </a:cubicBezTo>
+                  <a:cubicBezTo>
+                    <a:pt x="1555182" y="2147253"/>
+                    <a:pt x="1291507" y="2130320"/>
+                    <a:pt x="1216516" y="2236758"/>
+                  </a:cubicBezTo>
+                  <a:cubicBezTo>
+                    <a:pt x="1141525" y="2343196"/>
+                    <a:pt x="1083468" y="2706054"/>
+                    <a:pt x="1187487" y="2875387"/>
+                  </a:cubicBezTo>
+                  <a:cubicBezTo>
+                    <a:pt x="1291506" y="3044720"/>
+                    <a:pt x="1584211" y="3250339"/>
+                    <a:pt x="1840630" y="3252758"/>
+                  </a:cubicBezTo>
+                  <a:cubicBezTo>
+                    <a:pt x="2097049" y="3255177"/>
+                    <a:pt x="2660688" y="3068911"/>
+                    <a:pt x="2726002" y="2889901"/>
+                  </a:cubicBezTo>
+                  <a:cubicBezTo>
+                    <a:pt x="2791316" y="2710891"/>
+                    <a:pt x="2706650" y="2553654"/>
+                    <a:pt x="2667945" y="2439959"/>
+                  </a:cubicBezTo>
+                  <a:cubicBezTo>
+                    <a:pt x="2629240" y="2326264"/>
+                    <a:pt x="2600211" y="2265786"/>
+                    <a:pt x="2508287" y="2251272"/>
+                  </a:cubicBezTo>
+                  <a:cubicBezTo>
+                    <a:pt x="2416363" y="2236758"/>
+                    <a:pt x="2174459" y="2227083"/>
+                    <a:pt x="2116402" y="2352873"/>
+                  </a:cubicBezTo>
+                  <a:cubicBezTo>
+                    <a:pt x="2058345" y="2478664"/>
+                    <a:pt x="2017221" y="2858453"/>
+                    <a:pt x="2159945" y="3006015"/>
+                  </a:cubicBezTo>
+                  <a:cubicBezTo>
+                    <a:pt x="2302669" y="3153577"/>
+                    <a:pt x="2735678" y="3320492"/>
+                    <a:pt x="2972745" y="3238244"/>
+                  </a:cubicBezTo>
+                  <a:cubicBezTo>
+                    <a:pt x="3209812" y="3155996"/>
+                    <a:pt x="3553317" y="2856034"/>
+                    <a:pt x="3582345" y="2512529"/>
+                  </a:cubicBezTo>
+                  <a:cubicBezTo>
+                    <a:pt x="3611373" y="2169024"/>
+                    <a:pt x="3599277" y="1201405"/>
+                    <a:pt x="3146916" y="1177215"/>
+                  </a:cubicBezTo>
+                  <a:cubicBezTo>
+                    <a:pt x="2694555" y="1153025"/>
+                    <a:pt x="2522802" y="1663443"/>
+                    <a:pt x="2522802" y="1844872"/>
+                  </a:cubicBezTo>
+                  <a:cubicBezTo>
+                    <a:pt x="2522802" y="2026301"/>
+                    <a:pt x="2948554" y="2348034"/>
+                    <a:pt x="3146916" y="2265787"/>
+                  </a:cubicBezTo>
+                  <a:cubicBezTo>
+                    <a:pt x="3345278" y="2183540"/>
+                    <a:pt x="3749259" y="1692473"/>
+                    <a:pt x="3712973" y="1351387"/>
+                  </a:cubicBezTo>
+                  <a:cubicBezTo>
+                    <a:pt x="3676687" y="1010301"/>
+                    <a:pt x="3234002" y="349901"/>
+                    <a:pt x="2929202" y="219272"/>
+                  </a:cubicBezTo>
+                  <a:cubicBezTo>
+                    <a:pt x="2624402" y="88643"/>
+                    <a:pt x="2002707" y="444243"/>
+                    <a:pt x="1884174" y="567615"/>
+                  </a:cubicBezTo>
+                  <a:cubicBezTo>
+                    <a:pt x="1765641" y="690987"/>
+                    <a:pt x="2094631" y="940149"/>
+                    <a:pt x="2218002" y="959501"/>
+                  </a:cubicBezTo>
+                  <a:cubicBezTo>
+                    <a:pt x="2341373" y="978853"/>
+                    <a:pt x="2607468" y="872415"/>
+                    <a:pt x="2624401" y="683729"/>
+                  </a:cubicBezTo>
+                  <a:cubicBezTo>
+                    <a:pt x="2641334" y="495043"/>
+                    <a:pt x="2375240" y="-32308"/>
+                    <a:pt x="1622916" y="1558"/>
+                  </a:cubicBezTo>
+                  <a:cubicBezTo>
+                    <a:pt x="870592" y="35424"/>
+                    <a:pt x="686745" y="528911"/>
+                    <a:pt x="548859" y="799844"/>
+                  </a:cubicBezTo>
+                  <a:cubicBezTo>
+                    <a:pt x="410973" y="1070777"/>
+                    <a:pt x="684326" y="1511044"/>
+                    <a:pt x="795602" y="1627158"/>
+                  </a:cubicBezTo>
+                  <a:cubicBezTo>
+                    <a:pt x="906878" y="1743272"/>
+                    <a:pt x="1114916" y="1598130"/>
+                    <a:pt x="1216516" y="1496530"/>
+                  </a:cubicBezTo>
+                  <a:cubicBezTo>
+                    <a:pt x="1318116" y="1394930"/>
+                    <a:pt x="1247964" y="952244"/>
+                    <a:pt x="1056859" y="1017558"/>
+                  </a:cubicBezTo>
+                  <a:cubicBezTo>
+                    <a:pt x="865754" y="1082872"/>
+                    <a:pt x="217449" y="1571520"/>
+                    <a:pt x="69887" y="1888415"/>
+                  </a:cubicBezTo>
+                  <a:cubicBezTo>
+                    <a:pt x="-77675" y="2205310"/>
+                    <a:pt x="33601" y="2773786"/>
+                    <a:pt x="171487" y="2918929"/>
+                  </a:cubicBezTo>
+                  <a:cubicBezTo>
+                    <a:pt x="309373" y="3064072"/>
+                    <a:pt x="831888" y="2865710"/>
+                    <a:pt x="897202" y="2759272"/>
+                  </a:cubicBezTo>
+                  <a:cubicBezTo>
+                    <a:pt x="962516" y="2652834"/>
+                    <a:pt x="662554" y="2294815"/>
+                    <a:pt x="563373" y="2280301"/>
+                  </a:cubicBezTo>
+                  <a:cubicBezTo>
+                    <a:pt x="464192" y="2265787"/>
+                    <a:pt x="282764" y="2534301"/>
+                    <a:pt x="302116" y="2672187"/>
+                  </a:cubicBezTo>
+                  <a:cubicBezTo>
+                    <a:pt x="321468" y="2810073"/>
+                    <a:pt x="459354" y="3076168"/>
+                    <a:pt x="694002" y="3093101"/>
+                  </a:cubicBezTo>
+                  <a:close/>
+                </a:path>
+              </a:pathLst>
+            </a:custGeom>
+            <a:noFill/>
+            <a:ln w="63500">
+              <a:solidFill>
+                <a:srgbClr val="00B050"/>
+              </a:solidFill>
+            </a:ln>
+          </p:spPr>
+          <p:style>
+            <a:lnRef idx="2">
+              <a:schemeClr val="accent1">
+                <a:shade val="50000"/>
+              </a:schemeClr>
+            </a:lnRef>
+            <a:fillRef idx="1">
+              <a:schemeClr val="accent1"/>
+            </a:fillRef>
+            <a:effectRef idx="0">
+              <a:schemeClr val="accent1"/>
+            </a:effectRef>
+            <a:fontRef idx="minor">
+              <a:schemeClr val="lt1"/>
+            </a:fontRef>
+          </p:style>
+          <p:txBody>
+            <a:bodyPr rtlCol="0" anchor="ctr"/>
+            <a:lstStyle/>
+            <a:p>
+              <a:pPr algn="ctr"/>
+              <a:endParaRPr lang="de-DE"/>
+            </a:p>
+          </p:txBody>
+        </p:sp>
+      </p:grpSp>
+    </p:spTree>
+    <p:extLst>
+      <p:ext uri="{BB962C8B-B14F-4D97-AF65-F5344CB8AC3E}">
+        <p14:creationId xmlns:p14="http://schemas.microsoft.com/office/powerpoint/2010/main" val="3612407225"/>
+      </p:ext>
+    </p:extLst>
+  </p:cSld>
+  <p:clrMapOvr>
+    <a:masterClrMapping/>
+  </p:clrMapOvr>
+</p:sld>
+</file>
+
+<file path=ppt/slides/slide6.xml><?xml version="1.0" encoding="utf-8"?>
+<p:sld xmlns:a="http://schemas.openxmlformats.org/drawingml/2006/main" xmlns:r="http://schemas.openxmlformats.org/officeDocument/2006/relationships" xmlns:p="http://schemas.openxmlformats.org/presentationml/2006/main">
+  <p:cSld>
+    <p:spTree>
+      <p:nvGrpSpPr>
+        <p:cNvPr id="1" name=""/>
+        <p:cNvGrpSpPr/>
+        <p:nvPr/>
+      </p:nvGrpSpPr>
+      <p:grpSpPr>
+        <a:xfrm>
+          <a:off x="0" y="0"/>
+          <a:ext cx="0" cy="0"/>
+          <a:chOff x="0" y="0"/>
+          <a:chExt cx="0" cy="0"/>
+        </a:xfrm>
+      </p:grpSpPr>
+      <p:grpSp>
+        <p:nvGrpSpPr>
+          <p:cNvPr id="65" name="Gruppieren 64"/>
+          <p:cNvGrpSpPr/>
+          <p:nvPr/>
+        </p:nvGrpSpPr>
+        <p:grpSpPr>
+          <a:xfrm>
+            <a:off x="755576" y="404664"/>
+            <a:ext cx="7992888" cy="5785899"/>
+            <a:chOff x="755576" y="404664"/>
+            <a:chExt cx="7992888" cy="5785899"/>
+          </a:xfrm>
+        </p:grpSpPr>
+        <p:sp>
+          <p:nvSpPr>
+            <p:cNvPr id="2" name="Rechteck 1"/>
+            <p:cNvSpPr/>
+            <p:nvPr/>
+          </p:nvSpPr>
+          <p:spPr>
+            <a:xfrm>
+              <a:off x="755576" y="404664"/>
+              <a:ext cx="7848872" cy="5616624"/>
+            </a:xfrm>
+            <a:prstGeom prst="rect">
+              <a:avLst/>
+            </a:prstGeom>
+            <a:solidFill>
+              <a:schemeClr val="bg1">
+                <a:lumMod val="75000"/>
+              </a:schemeClr>
+            </a:solidFill>
+            <a:ln>
+              <a:noFill/>
+            </a:ln>
+          </p:spPr>
+          <p:style>
+            <a:lnRef idx="2">
+              <a:schemeClr val="accent1">
+                <a:shade val="50000"/>
+              </a:schemeClr>
+            </a:lnRef>
+            <a:fillRef idx="1">
+              <a:schemeClr val="accent1"/>
+            </a:fillRef>
+            <a:effectRef idx="0">
+              <a:schemeClr val="accent1"/>
+            </a:effectRef>
+            <a:fontRef idx="minor">
+              <a:schemeClr val="lt1"/>
+            </a:fontRef>
+          </p:style>
+          <p:txBody>
+            <a:bodyPr rtlCol="0" anchor="ctr"/>
+            <a:lstStyle/>
+            <a:p>
+              <a:pPr algn="ctr"/>
+              <a:endParaRPr lang="de-DE"/>
+            </a:p>
+          </p:txBody>
+        </p:sp>
+        <p:sp>
+          <p:nvSpPr>
+            <p:cNvPr id="3" name="Rechteck 2"/>
+            <p:cNvSpPr/>
+            <p:nvPr/>
+          </p:nvSpPr>
+          <p:spPr>
+            <a:xfrm>
+              <a:off x="4680012" y="3140968"/>
+              <a:ext cx="108012" cy="144016"/>
+            </a:xfrm>
+            <a:prstGeom prst="rect">
+              <a:avLst/>
+            </a:prstGeom>
+            <a:solidFill>
+              <a:srgbClr val="C00000"/>
+            </a:solidFill>
+            <a:ln>
+              <a:noFill/>
+            </a:ln>
+          </p:spPr>
+          <p:style>
+            <a:lnRef idx="2">
+              <a:schemeClr val="accent1">
+                <a:shade val="50000"/>
+              </a:schemeClr>
+            </a:lnRef>
+            <a:fillRef idx="1">
+              <a:schemeClr val="accent1"/>
+            </a:fillRef>
+            <a:effectRef idx="0">
+              <a:schemeClr val="accent1"/>
+            </a:effectRef>
+            <a:fontRef idx="minor">
+              <a:schemeClr val="lt1"/>
+            </a:fontRef>
+          </p:style>
+          <p:txBody>
+            <a:bodyPr rtlCol="0" anchor="ctr"/>
+            <a:lstStyle/>
+            <a:p>
+              <a:pPr algn="ctr"/>
+              <a:endParaRPr lang="de-DE"/>
+            </a:p>
+          </p:txBody>
+        </p:sp>
+        <p:sp>
+          <p:nvSpPr>
+            <p:cNvPr id="4" name="Ellipse 3"/>
+            <p:cNvSpPr/>
+            <p:nvPr/>
+          </p:nvSpPr>
+          <p:spPr>
+            <a:xfrm>
+              <a:off x="2933818" y="1412775"/>
+              <a:ext cx="3600400" cy="3600400"/>
+            </a:xfrm>
+            <a:prstGeom prst="ellipse">
+              <a:avLst/>
+            </a:prstGeom>
+            <a:noFill/>
+            <a:ln w="63500">
+              <a:solidFill>
+                <a:schemeClr val="tx1"/>
+              </a:solidFill>
+            </a:ln>
+          </p:spPr>
+          <p:style>
+            <a:lnRef idx="2">
+              <a:schemeClr val="accent1">
+                <a:shade val="50000"/>
+              </a:schemeClr>
+            </a:lnRef>
+            <a:fillRef idx="1">
+              <a:schemeClr val="accent1"/>
+            </a:fillRef>
+            <a:effectRef idx="0">
+              <a:schemeClr val="accent1"/>
+            </a:effectRef>
+            <a:fontRef idx="minor">
+              <a:schemeClr val="lt1"/>
+            </a:fontRef>
+          </p:style>
+          <p:txBody>
+            <a:bodyPr rtlCol="0" anchor="ctr"/>
+            <a:lstStyle/>
+            <a:p>
+              <a:pPr algn="ctr"/>
+              <a:endParaRPr lang="de-DE"/>
+            </a:p>
+          </p:txBody>
+        </p:sp>
+        <p:sp>
+          <p:nvSpPr>
+            <p:cNvPr id="8" name="Textfeld 7"/>
+            <p:cNvSpPr txBox="1"/>
+            <p:nvPr/>
+          </p:nvSpPr>
+          <p:spPr>
+            <a:xfrm>
+              <a:off x="7056784" y="5605789"/>
+              <a:ext cx="1691680" cy="461665"/>
+            </a:xfrm>
+            <a:prstGeom prst="rect">
+              <a:avLst/>
+            </a:prstGeom>
+            <a:noFill/>
+          </p:spPr>
+          <p:txBody>
+            <a:bodyPr wrap="square" rtlCol="0">
+              <a:spAutoFit/>
+            </a:bodyPr>
+            <a:lstStyle/>
+            <a:p>
+              <a:r>
+                <a:rPr lang="de-DE" sz="1000" dirty="0" smtClean="0">
+                  <a:latin typeface="Lucida Sans Unicode"/>
+                  <a:cs typeface="Lucida Sans Unicode"/>
+                </a:rPr>
+                <a:t> </a:t>
+              </a:r>
+              <a:r>
+                <a:rPr lang="de-DE" sz="2400" dirty="0" smtClean="0">
+                  <a:latin typeface="Lucida Sans Unicode"/>
+                  <a:cs typeface="Lucida Sans Unicode"/>
+                </a:rPr>
+                <a:t>ℝ \{</a:t>
+              </a:r>
+              <a:r>
+                <a:rPr lang="de-DE" sz="2400" dirty="0" smtClean="0">
+                  <a:solidFill>
+                    <a:srgbClr val="C00000"/>
+                  </a:solidFill>
+                  <a:latin typeface="Lucida Sans Unicode"/>
+                  <a:cs typeface="Lucida Sans Unicode"/>
+                </a:rPr>
+                <a:t>(0,0)</a:t>
+              </a:r>
+              <a:r>
+                <a:rPr lang="de-DE" sz="2400" dirty="0" smtClean="0">
+                  <a:latin typeface="Lucida Sans Unicode"/>
+                  <a:cs typeface="Lucida Sans Unicode"/>
+                </a:rPr>
+                <a:t>}</a:t>
+              </a:r>
+              <a:endParaRPr lang="de-DE" sz="2400" dirty="0"/>
+            </a:p>
+          </p:txBody>
+        </p:sp>
+        <p:sp>
+          <p:nvSpPr>
+            <p:cNvPr id="9" name="Textfeld 8"/>
+            <p:cNvSpPr txBox="1"/>
+            <p:nvPr/>
+          </p:nvSpPr>
+          <p:spPr>
+            <a:xfrm>
+              <a:off x="7308812" y="5513455"/>
+              <a:ext cx="504056" cy="677108"/>
+            </a:xfrm>
+            <a:prstGeom prst="rect">
+              <a:avLst/>
+            </a:prstGeom>
+            <a:noFill/>
+          </p:spPr>
+          <p:txBody>
+            <a:bodyPr wrap="square" rtlCol="0">
+              <a:spAutoFit/>
+            </a:bodyPr>
+            <a:lstStyle/>
+            <a:p>
+              <a:r>
+                <a:rPr lang="de-DE" sz="2000" dirty="0" smtClean="0">
+                  <a:latin typeface="Lucida Sans Unicode"/>
+                  <a:cs typeface="Lucida Sans Unicode"/>
+                </a:rPr>
+                <a:t>²</a:t>
+              </a:r>
+              <a:endParaRPr lang="de-DE" sz="2000" dirty="0"/>
+            </a:p>
+            <a:p>
+              <a:endParaRPr lang="de-DE" dirty="0"/>
+            </a:p>
+          </p:txBody>
+        </p:sp>
+        <p:sp>
+          <p:nvSpPr>
+            <p:cNvPr id="10" name="Textfeld 9"/>
+            <p:cNvSpPr txBox="1"/>
+            <p:nvPr/>
+          </p:nvSpPr>
+          <p:spPr>
+            <a:xfrm>
+              <a:off x="3817953" y="4422209"/>
+              <a:ext cx="693251" cy="461665"/>
+            </a:xfrm>
+            <a:prstGeom prst="rect">
+              <a:avLst/>
+            </a:prstGeom>
+            <a:noFill/>
+          </p:spPr>
+          <p:txBody>
+            <a:bodyPr wrap="square" rtlCol="0">
+              <a:spAutoFit/>
+            </a:bodyPr>
+            <a:lstStyle/>
+            <a:p>
+              <a:r>
+                <a:rPr lang="de-DE" sz="800" dirty="0" smtClean="0"/>
+                <a:t>  </a:t>
+              </a:r>
+              <a:r>
+                <a:rPr lang="de-DE" sz="2400" dirty="0" smtClean="0"/>
+                <a:t>S</a:t>
+              </a:r>
+              <a:endParaRPr lang="de-DE" sz="2400" dirty="0"/>
+            </a:p>
+          </p:txBody>
+        </p:sp>
+        <p:sp>
+          <p:nvSpPr>
+            <p:cNvPr id="11" name="Textfeld 10"/>
+            <p:cNvSpPr txBox="1"/>
+            <p:nvPr/>
+          </p:nvSpPr>
+          <p:spPr>
+            <a:xfrm>
+              <a:off x="3981500" y="4362626"/>
+              <a:ext cx="504056" cy="400110"/>
+            </a:xfrm>
+            <a:prstGeom prst="rect">
+              <a:avLst/>
+            </a:prstGeom>
+            <a:noFill/>
+          </p:spPr>
+          <p:txBody>
+            <a:bodyPr wrap="square" rtlCol="0">
+              <a:spAutoFit/>
+            </a:bodyPr>
+            <a:lstStyle/>
+            <a:p>
+              <a:r>
+                <a:rPr lang="de-DE" sz="2000" dirty="0" smtClean="0">
+                  <a:latin typeface="Lucida Sans Unicode"/>
+                  <a:cs typeface="Lucida Sans Unicode"/>
+                </a:rPr>
+                <a:t>₁</a:t>
+              </a:r>
+              <a:endParaRPr lang="de-DE" dirty="0"/>
+            </a:p>
+          </p:txBody>
+        </p:sp>
+        <p:grpSp>
+          <p:nvGrpSpPr>
+            <p:cNvPr id="64" name="Gruppieren 63"/>
+            <p:cNvGrpSpPr/>
+            <p:nvPr/>
+          </p:nvGrpSpPr>
+          <p:grpSpPr>
+            <a:xfrm>
+              <a:off x="2033657" y="611628"/>
+              <a:ext cx="5400719" cy="5202696"/>
+              <a:chOff x="2033657" y="611628"/>
+              <a:chExt cx="5400719" cy="5202696"/>
+            </a:xfrm>
+          </p:grpSpPr>
+          <p:cxnSp>
+            <p:nvCxnSpPr>
+              <p:cNvPr id="13" name="Gerade Verbindung mit Pfeil 12"/>
+              <p:cNvCxnSpPr>
+                <a:stCxn id="7" idx="2"/>
+                <a:endCxn id="4" idx="2"/>
+              </p:cNvCxnSpPr>
+              <p:nvPr/>
+            </p:nvCxnSpPr>
+            <p:spPr>
+              <a:xfrm flipH="1" flipV="1">
+                <a:off x="2933818" y="3212975"/>
+                <a:ext cx="1467337" cy="1"/>
+              </a:xfrm>
+              <a:prstGeom prst="straightConnector1">
+                <a:avLst/>
+              </a:prstGeom>
+              <a:ln w="38100">
+                <a:solidFill>
+                  <a:schemeClr val="bg1">
+                    <a:lumMod val="95000"/>
+                  </a:schemeClr>
+                </a:solidFill>
+                <a:tailEnd type="arrow"/>
+              </a:ln>
+            </p:spPr>
+            <p:style>
+              <a:lnRef idx="1">
+                <a:schemeClr val="accent1"/>
+              </a:lnRef>
+              <a:fillRef idx="0">
+                <a:schemeClr val="accent1"/>
+              </a:fillRef>
+              <a:effectRef idx="0">
+                <a:schemeClr val="accent1"/>
+              </a:effectRef>
+              <a:fontRef idx="minor">
+                <a:schemeClr val="tx1"/>
+              </a:fontRef>
+            </p:style>
+          </p:cxnSp>
+          <p:cxnSp>
+            <p:nvCxnSpPr>
+              <p:cNvPr id="16" name="Gerade Verbindung mit Pfeil 15"/>
+              <p:cNvCxnSpPr>
+                <a:stCxn id="7" idx="0"/>
+                <a:endCxn id="4" idx="0"/>
+              </p:cNvCxnSpPr>
+              <p:nvPr/>
+            </p:nvCxnSpPr>
+            <p:spPr>
+              <a:xfrm flipV="1">
+                <a:off x="4734018" y="1412775"/>
+                <a:ext cx="0" cy="1467338"/>
+              </a:xfrm>
+              <a:prstGeom prst="straightConnector1">
+                <a:avLst/>
+              </a:prstGeom>
+              <a:ln w="38100">
+                <a:solidFill>
+                  <a:schemeClr val="bg1">
+                    <a:lumMod val="95000"/>
+                  </a:schemeClr>
+                </a:solidFill>
+                <a:tailEnd type="arrow"/>
+              </a:ln>
+            </p:spPr>
+            <p:style>
+              <a:lnRef idx="1">
+                <a:schemeClr val="accent1"/>
+              </a:lnRef>
+              <a:fillRef idx="0">
+                <a:schemeClr val="accent1"/>
+              </a:fillRef>
+              <a:effectRef idx="0">
+                <a:schemeClr val="accent1"/>
+              </a:effectRef>
+              <a:fontRef idx="minor">
+                <a:schemeClr val="tx1"/>
+              </a:fontRef>
+            </p:style>
+          </p:cxnSp>
+          <p:cxnSp>
+            <p:nvCxnSpPr>
+              <p:cNvPr id="17" name="Gerade Verbindung mit Pfeil 16"/>
+              <p:cNvCxnSpPr>
+                <a:stCxn id="7" idx="1"/>
+                <a:endCxn id="4" idx="1"/>
+              </p:cNvCxnSpPr>
+              <p:nvPr/>
+            </p:nvCxnSpPr>
+            <p:spPr>
+              <a:xfrm flipH="1" flipV="1">
+                <a:off x="3461084" y="1940041"/>
+                <a:ext cx="1037564" cy="1037565"/>
+              </a:xfrm>
+              <a:prstGeom prst="straightConnector1">
+                <a:avLst/>
+              </a:prstGeom>
+              <a:ln w="38100">
+                <a:solidFill>
+                  <a:schemeClr val="bg1">
+                    <a:lumMod val="95000"/>
+                  </a:schemeClr>
+                </a:solidFill>
+                <a:tailEnd type="arrow"/>
+              </a:ln>
+            </p:spPr>
+            <p:style>
+              <a:lnRef idx="1">
+                <a:schemeClr val="accent1"/>
+              </a:lnRef>
+              <a:fillRef idx="0">
+                <a:schemeClr val="accent1"/>
+              </a:fillRef>
+              <a:effectRef idx="0">
+                <a:schemeClr val="accent1"/>
+              </a:effectRef>
+              <a:fontRef idx="minor">
+                <a:schemeClr val="tx1"/>
+              </a:fontRef>
+            </p:style>
+          </p:cxnSp>
+          <p:cxnSp>
+            <p:nvCxnSpPr>
+              <p:cNvPr id="18" name="Gerade Verbindung mit Pfeil 17"/>
+              <p:cNvCxnSpPr>
+                <a:stCxn id="7" idx="3"/>
+                <a:endCxn id="4" idx="3"/>
+              </p:cNvCxnSpPr>
+              <p:nvPr/>
+            </p:nvCxnSpPr>
+            <p:spPr>
+              <a:xfrm flipH="1">
+                <a:off x="3461084" y="3448345"/>
+                <a:ext cx="1037564" cy="1037564"/>
+              </a:xfrm>
+              <a:prstGeom prst="straightConnector1">
+                <a:avLst/>
+              </a:prstGeom>
+              <a:ln w="38100">
+                <a:solidFill>
+                  <a:schemeClr val="bg1">
+                    <a:lumMod val="95000"/>
+                  </a:schemeClr>
+                </a:solidFill>
+                <a:tailEnd type="arrow"/>
+              </a:ln>
+            </p:spPr>
+            <p:style>
+              <a:lnRef idx="1">
+                <a:schemeClr val="accent1"/>
+              </a:lnRef>
+              <a:fillRef idx="0">
+                <a:schemeClr val="accent1"/>
+              </a:fillRef>
+              <a:effectRef idx="0">
+                <a:schemeClr val="accent1"/>
+              </a:effectRef>
+              <a:fontRef idx="minor">
+                <a:schemeClr val="tx1"/>
+              </a:fontRef>
+            </p:style>
+          </p:cxnSp>
+          <p:cxnSp>
+            <p:nvCxnSpPr>
+              <p:cNvPr id="19" name="Gerade Verbindung mit Pfeil 18"/>
+              <p:cNvCxnSpPr>
+                <a:stCxn id="7" idx="4"/>
+                <a:endCxn id="4" idx="4"/>
+              </p:cNvCxnSpPr>
+              <p:nvPr/>
+            </p:nvCxnSpPr>
+            <p:spPr>
+              <a:xfrm>
+                <a:off x="4734018" y="3545838"/>
+                <a:ext cx="0" cy="1467337"/>
+              </a:xfrm>
+              <a:prstGeom prst="straightConnector1">
+                <a:avLst/>
+              </a:prstGeom>
+              <a:ln w="38100">
+                <a:solidFill>
+                  <a:schemeClr val="bg1">
+                    <a:lumMod val="95000"/>
+                  </a:schemeClr>
+                </a:solidFill>
+                <a:tailEnd type="arrow"/>
+              </a:ln>
+            </p:spPr>
+            <p:style>
+              <a:lnRef idx="1">
+                <a:schemeClr val="accent1"/>
+              </a:lnRef>
+              <a:fillRef idx="0">
+                <a:schemeClr val="accent1"/>
+              </a:fillRef>
+              <a:effectRef idx="0">
+                <a:schemeClr val="accent1"/>
+              </a:effectRef>
+              <a:fontRef idx="minor">
+                <a:schemeClr val="tx1"/>
+              </a:fontRef>
+            </p:style>
+          </p:cxnSp>
+          <p:cxnSp>
+            <p:nvCxnSpPr>
+              <p:cNvPr id="20" name="Gerade Verbindung mit Pfeil 19"/>
+              <p:cNvCxnSpPr>
+                <a:stCxn id="7" idx="7"/>
+                <a:endCxn id="4" idx="7"/>
+              </p:cNvCxnSpPr>
+              <p:nvPr/>
+            </p:nvCxnSpPr>
+            <p:spPr>
+              <a:xfrm flipV="1">
+                <a:off x="4969387" y="1940041"/>
+                <a:ext cx="1037565" cy="1037565"/>
+              </a:xfrm>
+              <a:prstGeom prst="straightConnector1">
+                <a:avLst/>
+              </a:prstGeom>
+              <a:ln w="38100">
+                <a:solidFill>
+                  <a:schemeClr val="bg1">
+                    <a:lumMod val="95000"/>
+                  </a:schemeClr>
+                </a:solidFill>
+                <a:tailEnd type="arrow"/>
+              </a:ln>
+            </p:spPr>
+            <p:style>
+              <a:lnRef idx="1">
+                <a:schemeClr val="accent1"/>
+              </a:lnRef>
+              <a:fillRef idx="0">
+                <a:schemeClr val="accent1"/>
+              </a:fillRef>
+              <a:effectRef idx="0">
+                <a:schemeClr val="accent1"/>
+              </a:effectRef>
+              <a:fontRef idx="minor">
+                <a:schemeClr val="tx1"/>
+              </a:fontRef>
+            </p:style>
+          </p:cxnSp>
+          <p:cxnSp>
+            <p:nvCxnSpPr>
+              <p:cNvPr id="21" name="Gerade Verbindung mit Pfeil 20"/>
+              <p:cNvCxnSpPr>
+                <a:stCxn id="6" idx="1"/>
+                <a:endCxn id="4" idx="1"/>
+              </p:cNvCxnSpPr>
+              <p:nvPr/>
+            </p:nvCxnSpPr>
+            <p:spPr>
+              <a:xfrm>
+                <a:off x="2824574" y="1373545"/>
+                <a:ext cx="636510" cy="566496"/>
+              </a:xfrm>
+              <a:prstGeom prst="straightConnector1">
+                <a:avLst/>
+              </a:prstGeom>
+              <a:ln w="38100">
+                <a:solidFill>
+                  <a:schemeClr val="bg1">
+                    <a:lumMod val="95000"/>
+                  </a:schemeClr>
+                </a:solidFill>
+                <a:tailEnd type="arrow"/>
+              </a:ln>
+            </p:spPr>
+            <p:style>
+              <a:lnRef idx="1">
+                <a:schemeClr val="accent1"/>
+              </a:lnRef>
+              <a:fillRef idx="0">
+                <a:schemeClr val="accent1"/>
+              </a:fillRef>
+              <a:effectRef idx="0">
+                <a:schemeClr val="accent1"/>
+              </a:effectRef>
+              <a:fontRef idx="minor">
+                <a:schemeClr val="tx1"/>
+              </a:fontRef>
+            </p:style>
+          </p:cxnSp>
+          <p:cxnSp>
+            <p:nvCxnSpPr>
+              <p:cNvPr id="22" name="Gerade Verbindung mit Pfeil 21"/>
+              <p:cNvCxnSpPr>
+                <a:stCxn id="6" idx="2"/>
+                <a:endCxn id="4" idx="2"/>
+              </p:cNvCxnSpPr>
+              <p:nvPr/>
+            </p:nvCxnSpPr>
+            <p:spPr>
+              <a:xfrm flipV="1">
+                <a:off x="2033657" y="3212975"/>
+                <a:ext cx="900161" cy="1"/>
+              </a:xfrm>
+              <a:prstGeom prst="straightConnector1">
+                <a:avLst/>
+              </a:prstGeom>
+              <a:ln w="38100">
+                <a:solidFill>
+                  <a:schemeClr val="bg1">
+                    <a:lumMod val="95000"/>
+                  </a:schemeClr>
+                </a:solidFill>
+                <a:tailEnd type="arrow"/>
+              </a:ln>
+            </p:spPr>
+            <p:style>
+              <a:lnRef idx="1">
+                <a:schemeClr val="accent1"/>
+              </a:lnRef>
+              <a:fillRef idx="0">
+                <a:schemeClr val="accent1"/>
+              </a:fillRef>
+              <a:effectRef idx="0">
+                <a:schemeClr val="accent1"/>
+              </a:effectRef>
+              <a:fontRef idx="minor">
+                <a:schemeClr val="tx1"/>
+              </a:fontRef>
+            </p:style>
+          </p:cxnSp>
+          <p:cxnSp>
+            <p:nvCxnSpPr>
+              <p:cNvPr id="23" name="Gerade Verbindung mit Pfeil 22"/>
+              <p:cNvCxnSpPr>
+                <a:stCxn id="6" idx="0"/>
+                <a:endCxn id="4" idx="0"/>
+              </p:cNvCxnSpPr>
+              <p:nvPr/>
+            </p:nvCxnSpPr>
+            <p:spPr>
+              <a:xfrm>
+                <a:off x="4734017" y="611628"/>
+                <a:ext cx="1" cy="801147"/>
+              </a:xfrm>
+              <a:prstGeom prst="straightConnector1">
+                <a:avLst/>
+              </a:prstGeom>
+              <a:ln w="38100">
+                <a:solidFill>
+                  <a:schemeClr val="bg1">
+                    <a:lumMod val="95000"/>
+                  </a:schemeClr>
+                </a:solidFill>
+                <a:tailEnd type="arrow"/>
+              </a:ln>
+            </p:spPr>
+            <p:style>
+              <a:lnRef idx="1">
+                <a:schemeClr val="accent1"/>
+              </a:lnRef>
+              <a:fillRef idx="0">
+                <a:schemeClr val="accent1"/>
+              </a:fillRef>
+              <a:effectRef idx="0">
+                <a:schemeClr val="accent1"/>
+              </a:effectRef>
+              <a:fontRef idx="minor">
+                <a:schemeClr val="tx1"/>
+              </a:fontRef>
+            </p:style>
+          </p:cxnSp>
+          <p:cxnSp>
+            <p:nvCxnSpPr>
+              <p:cNvPr id="24" name="Gerade Verbindung mit Pfeil 23"/>
+              <p:cNvCxnSpPr>
+                <a:stCxn id="6" idx="3"/>
+                <a:endCxn id="4" idx="3"/>
+              </p:cNvCxnSpPr>
+              <p:nvPr/>
+            </p:nvCxnSpPr>
+            <p:spPr>
+              <a:xfrm flipV="1">
+                <a:off x="2824574" y="4485909"/>
+                <a:ext cx="636510" cy="566498"/>
+              </a:xfrm>
+              <a:prstGeom prst="straightConnector1">
+                <a:avLst/>
+              </a:prstGeom>
+              <a:ln w="38100">
+                <a:solidFill>
+                  <a:schemeClr val="bg1">
+                    <a:lumMod val="95000"/>
+                  </a:schemeClr>
+                </a:solidFill>
+                <a:tailEnd type="arrow"/>
+              </a:ln>
+            </p:spPr>
+            <p:style>
+              <a:lnRef idx="1">
+                <a:schemeClr val="accent1"/>
+              </a:lnRef>
+              <a:fillRef idx="0">
+                <a:schemeClr val="accent1"/>
+              </a:fillRef>
+              <a:effectRef idx="0">
+                <a:schemeClr val="accent1"/>
+              </a:effectRef>
+              <a:fontRef idx="minor">
+                <a:schemeClr val="tx1"/>
+              </a:fontRef>
+            </p:style>
+          </p:cxnSp>
+          <p:cxnSp>
+            <p:nvCxnSpPr>
+              <p:cNvPr id="25" name="Gerade Verbindung mit Pfeil 24"/>
+              <p:cNvCxnSpPr>
+                <a:stCxn id="6" idx="7"/>
+                <a:endCxn id="4" idx="7"/>
+              </p:cNvCxnSpPr>
+              <p:nvPr/>
+            </p:nvCxnSpPr>
+            <p:spPr>
+              <a:xfrm flipH="1">
+                <a:off x="6006952" y="1373545"/>
+                <a:ext cx="636507" cy="566496"/>
+              </a:xfrm>
+              <a:prstGeom prst="straightConnector1">
+                <a:avLst/>
+              </a:prstGeom>
+              <a:ln w="38100">
+                <a:solidFill>
+                  <a:schemeClr val="bg1">
+                    <a:lumMod val="95000"/>
+                  </a:schemeClr>
+                </a:solidFill>
+                <a:tailEnd type="arrow"/>
+              </a:ln>
+            </p:spPr>
+            <p:style>
+              <a:lnRef idx="1">
+                <a:schemeClr val="accent1"/>
+              </a:lnRef>
+              <a:fillRef idx="0">
+                <a:schemeClr val="accent1"/>
+              </a:fillRef>
+              <a:effectRef idx="0">
+                <a:schemeClr val="accent1"/>
+              </a:effectRef>
+              <a:fontRef idx="minor">
+                <a:schemeClr val="tx1"/>
+              </a:fontRef>
+            </p:style>
+          </p:cxnSp>
+          <p:cxnSp>
+            <p:nvCxnSpPr>
+              <p:cNvPr id="26" name="Gerade Verbindung mit Pfeil 25"/>
+              <p:cNvCxnSpPr>
+                <a:stCxn id="6" idx="4"/>
+                <a:endCxn id="4" idx="4"/>
+              </p:cNvCxnSpPr>
+              <p:nvPr/>
+            </p:nvCxnSpPr>
+            <p:spPr>
+              <a:xfrm flipV="1">
+                <a:off x="4734017" y="5013175"/>
+                <a:ext cx="1" cy="801149"/>
+              </a:xfrm>
+              <a:prstGeom prst="straightConnector1">
+                <a:avLst/>
+              </a:prstGeom>
+              <a:ln w="38100">
+                <a:solidFill>
+                  <a:schemeClr val="bg1">
+                    <a:lumMod val="95000"/>
+                  </a:schemeClr>
+                </a:solidFill>
+                <a:tailEnd type="arrow"/>
+              </a:ln>
+            </p:spPr>
+            <p:style>
+              <a:lnRef idx="1">
+                <a:schemeClr val="accent1"/>
+              </a:lnRef>
+              <a:fillRef idx="0">
+                <a:schemeClr val="accent1"/>
+              </a:fillRef>
+              <a:effectRef idx="0">
+                <a:schemeClr val="accent1"/>
+              </a:effectRef>
+              <a:fontRef idx="minor">
+                <a:schemeClr val="tx1"/>
+              </a:fontRef>
+            </p:style>
+          </p:cxnSp>
+          <p:cxnSp>
+            <p:nvCxnSpPr>
+              <p:cNvPr id="27" name="Gerade Verbindung mit Pfeil 26"/>
+              <p:cNvCxnSpPr>
+                <a:stCxn id="7" idx="5"/>
+                <a:endCxn id="4" idx="5"/>
+              </p:cNvCxnSpPr>
+              <p:nvPr/>
+            </p:nvCxnSpPr>
+            <p:spPr>
+              <a:xfrm>
+                <a:off x="4969387" y="3448345"/>
+                <a:ext cx="1037565" cy="1037564"/>
+              </a:xfrm>
+              <a:prstGeom prst="straightConnector1">
+                <a:avLst/>
+              </a:prstGeom>
+              <a:ln w="38100">
+                <a:solidFill>
+                  <a:schemeClr val="bg1">
+                    <a:lumMod val="95000"/>
+                  </a:schemeClr>
+                </a:solidFill>
+                <a:tailEnd type="arrow"/>
+              </a:ln>
+            </p:spPr>
+            <p:style>
+              <a:lnRef idx="1">
+                <a:schemeClr val="accent1"/>
+              </a:lnRef>
+              <a:fillRef idx="0">
+                <a:schemeClr val="accent1"/>
+              </a:fillRef>
+              <a:effectRef idx="0">
+                <a:schemeClr val="accent1"/>
+              </a:effectRef>
+              <a:fontRef idx="minor">
+                <a:schemeClr val="tx1"/>
+              </a:fontRef>
+            </p:style>
+          </p:cxnSp>
+          <p:cxnSp>
+            <p:nvCxnSpPr>
+              <p:cNvPr id="28" name="Gerade Verbindung mit Pfeil 27"/>
+              <p:cNvCxnSpPr>
+                <a:stCxn id="7" idx="6"/>
+                <a:endCxn id="4" idx="6"/>
+              </p:cNvCxnSpPr>
+              <p:nvPr/>
+            </p:nvCxnSpPr>
+            <p:spPr>
+              <a:xfrm flipV="1">
+                <a:off x="5066880" y="3212975"/>
+                <a:ext cx="1467338" cy="1"/>
+              </a:xfrm>
+              <a:prstGeom prst="straightConnector1">
+                <a:avLst/>
+              </a:prstGeom>
+              <a:ln w="38100">
+                <a:solidFill>
+                  <a:schemeClr val="bg1">
+                    <a:lumMod val="95000"/>
+                  </a:schemeClr>
+                </a:solidFill>
+                <a:tailEnd type="arrow"/>
+              </a:ln>
+            </p:spPr>
+            <p:style>
+              <a:lnRef idx="1">
+                <a:schemeClr val="accent1"/>
+              </a:lnRef>
+              <a:fillRef idx="0">
+                <a:schemeClr val="accent1"/>
+              </a:fillRef>
+              <a:effectRef idx="0">
+                <a:schemeClr val="accent1"/>
+              </a:effectRef>
+              <a:fontRef idx="minor">
+                <a:schemeClr val="tx1"/>
+              </a:fontRef>
+            </p:style>
+          </p:cxnSp>
+          <p:cxnSp>
+            <p:nvCxnSpPr>
+              <p:cNvPr id="29" name="Gerade Verbindung mit Pfeil 28"/>
+              <p:cNvCxnSpPr>
+                <a:stCxn id="6" idx="6"/>
+                <a:endCxn id="4" idx="6"/>
+              </p:cNvCxnSpPr>
+              <p:nvPr/>
+            </p:nvCxnSpPr>
+            <p:spPr>
+              <a:xfrm flipH="1" flipV="1">
+                <a:off x="6534218" y="3212975"/>
+                <a:ext cx="900158" cy="1"/>
+              </a:xfrm>
+              <a:prstGeom prst="straightConnector1">
+                <a:avLst/>
+              </a:prstGeom>
+              <a:ln w="38100">
+                <a:solidFill>
+                  <a:schemeClr val="bg1">
+                    <a:lumMod val="95000"/>
+                  </a:schemeClr>
+                </a:solidFill>
+                <a:tailEnd type="arrow"/>
+              </a:ln>
+            </p:spPr>
+            <p:style>
+              <a:lnRef idx="1">
+                <a:schemeClr val="accent1"/>
+              </a:lnRef>
+              <a:fillRef idx="0">
+                <a:schemeClr val="accent1"/>
+              </a:fillRef>
+              <a:effectRef idx="0">
+                <a:schemeClr val="accent1"/>
+              </a:effectRef>
+              <a:fontRef idx="minor">
+                <a:schemeClr val="tx1"/>
+              </a:fontRef>
+            </p:style>
+          </p:cxnSp>
+          <p:cxnSp>
+            <p:nvCxnSpPr>
+              <p:cNvPr id="30" name="Gerade Verbindung mit Pfeil 29"/>
+              <p:cNvCxnSpPr>
+                <a:stCxn id="6" idx="5"/>
+                <a:endCxn id="4" idx="5"/>
+              </p:cNvCxnSpPr>
+              <p:nvPr/>
+            </p:nvCxnSpPr>
+            <p:spPr>
+              <a:xfrm flipH="1" flipV="1">
+                <a:off x="6006952" y="4485909"/>
+                <a:ext cx="636507" cy="566498"/>
+              </a:xfrm>
+              <a:prstGeom prst="straightConnector1">
+                <a:avLst/>
+              </a:prstGeom>
+              <a:ln w="38100">
+                <a:solidFill>
+                  <a:schemeClr val="bg1">
+                    <a:lumMod val="95000"/>
+                  </a:schemeClr>
+                </a:solidFill>
+                <a:tailEnd type="arrow"/>
+              </a:ln>
+            </p:spPr>
+            <p:style>
+              <a:lnRef idx="1">
+                <a:schemeClr val="accent1"/>
+              </a:lnRef>
+              <a:fillRef idx="0">
+                <a:schemeClr val="accent1"/>
+              </a:fillRef>
+              <a:effectRef idx="0">
+                <a:schemeClr val="accent1"/>
+              </a:effectRef>
+              <a:fontRef idx="minor">
+                <a:schemeClr val="tx1"/>
+              </a:fontRef>
+            </p:style>
+          </p:cxnSp>
+        </p:grpSp>
+        <p:sp>
+          <p:nvSpPr>
+            <p:cNvPr id="6" name="Ellipse 5"/>
+            <p:cNvSpPr/>
+            <p:nvPr/>
+          </p:nvSpPr>
+          <p:spPr>
+            <a:xfrm>
+              <a:off x="2033657" y="611628"/>
+              <a:ext cx="5400719" cy="5202696"/>
+            </a:xfrm>
+            <a:prstGeom prst="ellipse">
+              <a:avLst/>
+            </a:prstGeom>
+            <a:noFill/>
+            <a:ln w="63500">
+              <a:solidFill>
+                <a:schemeClr val="tx1"/>
+              </a:solidFill>
+            </a:ln>
+          </p:spPr>
+          <p:style>
+            <a:lnRef idx="2">
+              <a:schemeClr val="accent1">
+                <a:shade val="50000"/>
+              </a:schemeClr>
+            </a:lnRef>
+            <a:fillRef idx="1">
+              <a:schemeClr val="accent1"/>
+            </a:fillRef>
+            <a:effectRef idx="0">
+              <a:schemeClr val="accent1"/>
+            </a:effectRef>
+            <a:fontRef idx="minor">
+              <a:schemeClr val="lt1"/>
+            </a:fontRef>
+          </p:style>
+          <p:txBody>
+            <a:bodyPr rtlCol="0" anchor="ctr"/>
+            <a:lstStyle/>
+            <a:p>
+              <a:pPr algn="ctr"/>
+              <a:endParaRPr lang="de-DE"/>
+            </a:p>
+          </p:txBody>
+        </p:sp>
+        <p:sp>
+          <p:nvSpPr>
+            <p:cNvPr id="7" name="Ellipse 6"/>
+            <p:cNvSpPr/>
+            <p:nvPr/>
+          </p:nvSpPr>
+          <p:spPr>
+            <a:xfrm>
+              <a:off x="4401155" y="2880113"/>
+              <a:ext cx="665725" cy="665725"/>
+            </a:xfrm>
+            <a:prstGeom prst="ellipse">
+              <a:avLst/>
+            </a:prstGeom>
+            <a:noFill/>
+            <a:ln w="63500">
+              <a:solidFill>
+                <a:schemeClr val="tx1"/>
+              </a:solidFill>
+            </a:ln>
+          </p:spPr>
+          <p:style>
+            <a:lnRef idx="2">
+              <a:schemeClr val="accent1">
+                <a:shade val="50000"/>
+              </a:schemeClr>
+            </a:lnRef>
+            <a:fillRef idx="1">
+              <a:schemeClr val="accent1"/>
+            </a:fillRef>
+            <a:effectRef idx="0">
+              <a:schemeClr val="accent1"/>
+            </a:effectRef>
+            <a:fontRef idx="minor">
+              <a:schemeClr val="lt1"/>
+            </a:fontRef>
+          </p:style>
+          <p:txBody>
+            <a:bodyPr rtlCol="0" anchor="ctr"/>
+            <a:lstStyle/>
+            <a:p>
+              <a:pPr algn="ctr"/>
+              <a:endParaRPr lang="de-DE"/>
+            </a:p>
+          </p:txBody>
+        </p:sp>
+      </p:grpSp>
+    </p:spTree>
+    <p:extLst>
+      <p:ext uri="{BB962C8B-B14F-4D97-AF65-F5344CB8AC3E}">
+        <p14:creationId xmlns:p14="http://schemas.microsoft.com/office/powerpoint/2010/main" val="3612407225"/>
+      </p:ext>
+    </p:extLst>
+  </p:cSld>
+  <p:clrMapOvr>
+    <a:masterClrMapping/>
+  </p:clrMapOvr>
+</p:sld>
+</file>
+
+<file path=ppt/slides/slide7.xml><?xml version="1.0" encoding="utf-8"?>
+<p:sld xmlns:a="http://schemas.openxmlformats.org/drawingml/2006/main" xmlns:r="http://schemas.openxmlformats.org/officeDocument/2006/relationships" xmlns:p="http://schemas.openxmlformats.org/presentationml/2006/main">
+  <p:cSld>
+    <p:spTree>
+      <p:nvGrpSpPr>
+        <p:cNvPr id="1" name=""/>
+        <p:cNvGrpSpPr/>
+        <p:nvPr/>
+      </p:nvGrpSpPr>
+      <p:grpSpPr>
+        <a:xfrm>
+          <a:off x="0" y="0"/>
+          <a:ext cx="0" cy="0"/>
+          <a:chOff x="0" y="0"/>
+          <a:chExt cx="0" cy="0"/>
+        </a:xfrm>
+      </p:grpSpPr>
+      <p:grpSp>
+        <p:nvGrpSpPr>
+          <p:cNvPr id="54" name="Gruppieren 53"/>
+          <p:cNvGrpSpPr/>
+          <p:nvPr/>
+        </p:nvGrpSpPr>
+        <p:grpSpPr>
+          <a:xfrm>
+            <a:off x="863588" y="405215"/>
+            <a:ext cx="7760690" cy="5890005"/>
+            <a:chOff x="863588" y="405215"/>
+            <a:chExt cx="7760690" cy="5890005"/>
+          </a:xfrm>
+        </p:grpSpPr>
+        <p:sp>
+          <p:nvSpPr>
+            <p:cNvPr id="43" name="Ellipse 42"/>
+            <p:cNvSpPr/>
+            <p:nvPr/>
+          </p:nvSpPr>
+          <p:spPr>
+            <a:xfrm>
+              <a:off x="4470614" y="3177976"/>
+              <a:ext cx="2794514" cy="2595248"/>
+            </a:xfrm>
+            <a:prstGeom prst="ellipse">
+              <a:avLst/>
+            </a:prstGeom>
+            <a:pattFill prst="pct20">
+              <a:fgClr>
+                <a:srgbClr val="FF0000"/>
+              </a:fgClr>
+              <a:bgClr>
+                <a:schemeClr val="bg1"/>
+              </a:bgClr>
+            </a:pattFill>
+            <a:ln>
+              <a:solidFill>
+                <a:srgbClr val="FF0000"/>
+              </a:solidFill>
+              <a:prstDash val="dash"/>
+            </a:ln>
+          </p:spPr>
+          <p:style>
+            <a:lnRef idx="2">
+              <a:schemeClr val="accent1">
+                <a:shade val="50000"/>
+              </a:schemeClr>
+            </a:lnRef>
+            <a:fillRef idx="1">
+              <a:schemeClr val="accent1"/>
+            </a:fillRef>
+            <a:effectRef idx="0">
+              <a:schemeClr val="accent1"/>
+            </a:effectRef>
+            <a:fontRef idx="minor">
+              <a:schemeClr val="lt1"/>
+            </a:fontRef>
+          </p:style>
+          <p:txBody>
+            <a:bodyPr rtlCol="0" anchor="ctr"/>
+            <a:lstStyle/>
+            <a:p>
+              <a:pPr algn="ctr"/>
+              <a:endParaRPr lang="de-DE"/>
+            </a:p>
+          </p:txBody>
+        </p:sp>
+        <p:cxnSp>
+          <p:nvCxnSpPr>
+            <p:cNvPr id="3" name="Gewinkelte Verbindung 2"/>
+            <p:cNvCxnSpPr/>
+            <p:nvPr/>
+          </p:nvCxnSpPr>
+          <p:spPr>
+            <a:xfrm>
+              <a:off x="863588" y="405215"/>
+              <a:ext cx="7596844" cy="5890005"/>
+            </a:xfrm>
+            <a:prstGeom prst="bentConnector3">
+              <a:avLst>
+                <a:gd name="adj1" fmla="val 325"/>
+              </a:avLst>
+            </a:prstGeom>
+            <a:ln w="63500">
+              <a:solidFill>
+                <a:schemeClr val="tx1"/>
+              </a:solidFill>
+            </a:ln>
+          </p:spPr>
+          <p:style>
+            <a:lnRef idx="1">
+              <a:schemeClr val="accent1"/>
+            </a:lnRef>
+            <a:fillRef idx="0">
+              <a:schemeClr val="accent1"/>
+            </a:fillRef>
+            <a:effectRef idx="0">
+              <a:schemeClr val="accent1"/>
+            </a:effectRef>
+            <a:fontRef idx="minor">
+              <a:schemeClr val="tx1"/>
+            </a:fontRef>
+          </p:style>
+        </p:cxnSp>
+        <p:grpSp>
+          <p:nvGrpSpPr>
+            <p:cNvPr id="44" name="Gruppieren 43"/>
+            <p:cNvGrpSpPr/>
+            <p:nvPr/>
+          </p:nvGrpSpPr>
+          <p:grpSpPr>
+            <a:xfrm>
+              <a:off x="1043608" y="405215"/>
+              <a:ext cx="1766611" cy="1323439"/>
+              <a:chOff x="552740" y="5071463"/>
+              <a:chExt cx="1766611" cy="1323439"/>
+            </a:xfrm>
+          </p:grpSpPr>
+          <p:sp>
+            <p:nvSpPr>
+              <p:cNvPr id="15" name="Textfeld 14"/>
+              <p:cNvSpPr txBox="1"/>
+              <p:nvPr/>
+            </p:nvSpPr>
+            <p:spPr>
+              <a:xfrm>
+                <a:off x="552740" y="5241394"/>
+                <a:ext cx="1766611" cy="707886"/>
+              </a:xfrm>
+              <a:prstGeom prst="rect">
+                <a:avLst/>
+              </a:prstGeom>
+              <a:noFill/>
+            </p:spPr>
+            <p:txBody>
+              <a:bodyPr wrap="square" rtlCol="0">
+                <a:spAutoFit/>
+              </a:bodyPr>
+              <a:lstStyle/>
+              <a:p>
+                <a:r>
+                  <a:rPr lang="de-DE" sz="4000" dirty="0" smtClean="0">
+                    <a:latin typeface="Lucida Sans Unicode"/>
+                    <a:cs typeface="Lucida Sans Unicode"/>
+                  </a:rPr>
+                  <a:t>X=ℝ</a:t>
+                </a:r>
+                <a:endParaRPr lang="de-DE" sz="4000" dirty="0"/>
+              </a:p>
+            </p:txBody>
+          </p:sp>
+          <p:sp>
+            <p:nvSpPr>
+              <p:cNvPr id="16" name="Textfeld 15"/>
+              <p:cNvSpPr txBox="1"/>
+              <p:nvPr/>
+            </p:nvSpPr>
+            <p:spPr>
+              <a:xfrm>
+                <a:off x="1634404" y="5071463"/>
+                <a:ext cx="468052" cy="1323439"/>
+              </a:xfrm>
+              <a:prstGeom prst="rect">
+                <a:avLst/>
+              </a:prstGeom>
+              <a:noFill/>
+            </p:spPr>
+            <p:txBody>
+              <a:bodyPr wrap="square" rtlCol="0">
+                <a:spAutoFit/>
+              </a:bodyPr>
+              <a:lstStyle/>
+              <a:p>
+                <a:r>
+                  <a:rPr lang="de-DE" sz="4000" dirty="0" smtClean="0">
+                    <a:latin typeface="Lucida Sans Unicode"/>
+                    <a:cs typeface="Lucida Sans Unicode"/>
+                  </a:rPr>
+                  <a:t>²</a:t>
+                </a:r>
+                <a:endParaRPr lang="de-DE" sz="4000" dirty="0"/>
+              </a:p>
+              <a:p>
+                <a:endParaRPr lang="de-DE" sz="4000" dirty="0"/>
+              </a:p>
+            </p:txBody>
+          </p:sp>
+        </p:grpSp>
+        <p:sp>
+          <p:nvSpPr>
+            <p:cNvPr id="19" name="Ellipse 18"/>
+            <p:cNvSpPr/>
+            <p:nvPr/>
+          </p:nvSpPr>
+          <p:spPr>
+            <a:xfrm>
+              <a:off x="1812944" y="1682326"/>
+              <a:ext cx="4176464" cy="4176464"/>
+            </a:xfrm>
+            <a:prstGeom prst="ellipse">
+              <a:avLst/>
+            </a:prstGeom>
+            <a:noFill/>
+            <a:ln w="63500">
+              <a:solidFill>
+                <a:schemeClr val="tx2">
+                  <a:lumMod val="40000"/>
+                  <a:lumOff val="60000"/>
+                </a:schemeClr>
+              </a:solidFill>
+            </a:ln>
+          </p:spPr>
+          <p:style>
+            <a:lnRef idx="2">
+              <a:schemeClr val="accent1">
+                <a:shade val="50000"/>
+              </a:schemeClr>
+            </a:lnRef>
+            <a:fillRef idx="1">
+              <a:schemeClr val="accent1"/>
+            </a:fillRef>
+            <a:effectRef idx="0">
+              <a:schemeClr val="accent1"/>
+            </a:effectRef>
+            <a:fontRef idx="minor">
+              <a:schemeClr val="lt1"/>
+            </a:fontRef>
+          </p:style>
+          <p:txBody>
+            <a:bodyPr rtlCol="0" anchor="ctr"/>
+            <a:lstStyle/>
+            <a:p>
+              <a:pPr algn="ctr"/>
+              <a:endParaRPr lang="de-DE"/>
+            </a:p>
+          </p:txBody>
+        </p:sp>
+        <p:sp>
+          <p:nvSpPr>
+            <p:cNvPr id="20" name="Textfeld 19"/>
+            <p:cNvSpPr txBox="1"/>
+            <p:nvPr/>
+          </p:nvSpPr>
+          <p:spPr>
+            <a:xfrm>
+              <a:off x="3102462" y="1214274"/>
+              <a:ext cx="798714" cy="461665"/>
+            </a:xfrm>
+            <a:prstGeom prst="rect">
+              <a:avLst/>
+            </a:prstGeom>
+            <a:noFill/>
+          </p:spPr>
+          <p:txBody>
+            <a:bodyPr wrap="square" rtlCol="0">
+              <a:spAutoFit/>
+            </a:bodyPr>
+            <a:lstStyle/>
+            <a:p>
+              <a:r>
+                <a:rPr lang="de-DE" sz="2400" dirty="0" smtClean="0">
+                  <a:solidFill>
+                    <a:schemeClr val="tx2">
+                      <a:lumMod val="40000"/>
+                      <a:lumOff val="60000"/>
+                    </a:schemeClr>
+                  </a:solidFill>
+                </a:rPr>
+                <a:t>A=S</a:t>
+              </a:r>
+              <a:endParaRPr lang="de-DE" sz="2400" dirty="0">
+                <a:solidFill>
+                  <a:schemeClr val="tx2">
+                    <a:lumMod val="40000"/>
+                    <a:lumOff val="60000"/>
+                  </a:schemeClr>
+                </a:solidFill>
+              </a:endParaRPr>
+            </a:p>
+          </p:txBody>
+        </p:sp>
+        <p:sp>
+          <p:nvSpPr>
+            <p:cNvPr id="21" name="Textfeld 20"/>
+            <p:cNvSpPr txBox="1"/>
+            <p:nvPr/>
+          </p:nvSpPr>
+          <p:spPr>
+            <a:xfrm>
+              <a:off x="3577140" y="1151562"/>
+              <a:ext cx="648072" cy="369332"/>
+            </a:xfrm>
+            <a:prstGeom prst="rect">
+              <a:avLst/>
+            </a:prstGeom>
+            <a:noFill/>
+          </p:spPr>
+          <p:txBody>
+            <a:bodyPr wrap="square" rtlCol="0">
+              <a:spAutoFit/>
+            </a:bodyPr>
+            <a:lstStyle/>
+            <a:p>
+              <a:r>
+                <a:rPr lang="de-DE" dirty="0" smtClean="0">
+                  <a:solidFill>
+                    <a:schemeClr val="tx2">
+                      <a:lumMod val="40000"/>
+                      <a:lumOff val="60000"/>
+                    </a:schemeClr>
+                  </a:solidFill>
+                </a:rPr>
+                <a:t>1</a:t>
+              </a:r>
+              <a:endParaRPr lang="de-DE" dirty="0">
+                <a:solidFill>
+                  <a:schemeClr val="tx2">
+                    <a:lumMod val="40000"/>
+                    <a:lumOff val="60000"/>
+                  </a:schemeClr>
+                </a:solidFill>
+              </a:endParaRPr>
+            </a:p>
+          </p:txBody>
+        </p:sp>
+        <p:sp>
+          <p:nvSpPr>
+            <p:cNvPr id="22" name="Freihandform 21"/>
+            <p:cNvSpPr/>
+            <p:nvPr/>
+          </p:nvSpPr>
+          <p:spPr>
+            <a:xfrm>
+              <a:off x="5086413" y="3193334"/>
+              <a:ext cx="884581" cy="2293258"/>
+            </a:xfrm>
+            <a:custGeom>
+              <a:avLst/>
+              <a:gdLst>
+                <a:gd name="connsiteX0" fmla="*/ 783772 w 837533"/>
+                <a:gd name="connsiteY0" fmla="*/ 0 h 2249715"/>
+                <a:gd name="connsiteX1" fmla="*/ 754743 w 837533"/>
+                <a:gd name="connsiteY1" fmla="*/ 1262743 h 2249715"/>
+                <a:gd name="connsiteX2" fmla="*/ 0 w 837533"/>
+                <a:gd name="connsiteY2" fmla="*/ 2249715 h 2249715"/>
+                <a:gd name="connsiteX0" fmla="*/ 740229 w 791140"/>
+                <a:gd name="connsiteY0" fmla="*/ 0 h 2278744"/>
+                <a:gd name="connsiteX1" fmla="*/ 711200 w 791140"/>
+                <a:gd name="connsiteY1" fmla="*/ 1262743 h 2278744"/>
+                <a:gd name="connsiteX2" fmla="*/ 0 w 791140"/>
+                <a:gd name="connsiteY2" fmla="*/ 2278744 h 2278744"/>
+                <a:gd name="connsiteX0" fmla="*/ 740229 w 807721"/>
+                <a:gd name="connsiteY0" fmla="*/ 0 h 2278744"/>
+                <a:gd name="connsiteX1" fmla="*/ 711200 w 807721"/>
+                <a:gd name="connsiteY1" fmla="*/ 1262743 h 2278744"/>
+                <a:gd name="connsiteX2" fmla="*/ 0 w 807721"/>
+                <a:gd name="connsiteY2" fmla="*/ 2278744 h 2278744"/>
+                <a:gd name="connsiteX0" fmla="*/ 740229 w 807721"/>
+                <a:gd name="connsiteY0" fmla="*/ 0 h 2278744"/>
+                <a:gd name="connsiteX1" fmla="*/ 711200 w 807721"/>
+                <a:gd name="connsiteY1" fmla="*/ 1262743 h 2278744"/>
+                <a:gd name="connsiteX2" fmla="*/ 0 w 807721"/>
+                <a:gd name="connsiteY2" fmla="*/ 2278744 h 2278744"/>
+                <a:gd name="connsiteX0" fmla="*/ 812800 w 884581"/>
+                <a:gd name="connsiteY0" fmla="*/ 0 h 2293258"/>
+                <a:gd name="connsiteX1" fmla="*/ 783771 w 884581"/>
+                <a:gd name="connsiteY1" fmla="*/ 1262743 h 2293258"/>
+                <a:gd name="connsiteX2" fmla="*/ 0 w 884581"/>
+                <a:gd name="connsiteY2" fmla="*/ 2293258 h 2293258"/>
+                <a:gd name="connsiteX0" fmla="*/ 812800 w 884581"/>
+                <a:gd name="connsiteY0" fmla="*/ 0 h 2293258"/>
+                <a:gd name="connsiteX1" fmla="*/ 783771 w 884581"/>
+                <a:gd name="connsiteY1" fmla="*/ 1262743 h 2293258"/>
+                <a:gd name="connsiteX2" fmla="*/ 0 w 884581"/>
+                <a:gd name="connsiteY2" fmla="*/ 2293258 h 2293258"/>
+              </a:gdLst>
+              <a:ahLst/>
+              <a:cxnLst>
+                <a:cxn ang="0">
+                  <a:pos x="connsiteX0" y="connsiteY0"/>
+                </a:cxn>
+                <a:cxn ang="0">
+                  <a:pos x="connsiteX1" y="connsiteY1"/>
+                </a:cxn>
+                <a:cxn ang="0">
+                  <a:pos x="connsiteX2" y="connsiteY2"/>
+                </a:cxn>
+              </a:cxnLst>
+              <a:rect l="l" t="t" r="r" b="b"/>
+              <a:pathLst>
+                <a:path w="884581" h="2293258">
+                  <a:moveTo>
+                    <a:pt x="812800" y="0"/>
+                  </a:moveTo>
+                  <a:cubicBezTo>
+                    <a:pt x="907142" y="443895"/>
+                    <a:pt x="919238" y="880533"/>
+                    <a:pt x="783771" y="1262743"/>
+                  </a:cubicBezTo>
+                  <a:cubicBezTo>
+                    <a:pt x="648304" y="1644953"/>
+                    <a:pt x="413657" y="2001762"/>
+                    <a:pt x="0" y="2293258"/>
+                  </a:cubicBezTo>
+                </a:path>
+              </a:pathLst>
+            </a:custGeom>
+            <a:noFill/>
+            <a:ln w="88900" cap="rnd">
+              <a:solidFill>
+                <a:schemeClr val="tx1"/>
+              </a:solidFill>
+            </a:ln>
+          </p:spPr>
+          <p:style>
+            <a:lnRef idx="2">
+              <a:schemeClr val="accent1">
+                <a:shade val="50000"/>
+              </a:schemeClr>
+            </a:lnRef>
+            <a:fillRef idx="1">
+              <a:schemeClr val="accent1"/>
+            </a:fillRef>
+            <a:effectRef idx="0">
+              <a:schemeClr val="accent1"/>
+            </a:effectRef>
+            <a:fontRef idx="minor">
+              <a:schemeClr val="lt1"/>
+            </a:fontRef>
+          </p:style>
+          <p:txBody>
+            <a:bodyPr rtlCol="0" anchor="ctr"/>
+            <a:lstStyle/>
+            <a:p>
+              <a:pPr algn="ctr"/>
+              <a:endParaRPr lang="de-DE"/>
+            </a:p>
+          </p:txBody>
+        </p:sp>
+        <p:sp>
+          <p:nvSpPr>
+            <p:cNvPr id="25" name="Freihandform 24"/>
+            <p:cNvSpPr/>
+            <p:nvPr/>
+          </p:nvSpPr>
+          <p:spPr>
+            <a:xfrm>
+              <a:off x="5671107" y="3177976"/>
+              <a:ext cx="508300" cy="377562"/>
+            </a:xfrm>
+            <a:custGeom>
+              <a:avLst/>
+              <a:gdLst>
+                <a:gd name="connsiteX0" fmla="*/ 783772 w 837533"/>
+                <a:gd name="connsiteY0" fmla="*/ 0 h 2249715"/>
+                <a:gd name="connsiteX1" fmla="*/ 754743 w 837533"/>
+                <a:gd name="connsiteY1" fmla="*/ 1262743 h 2249715"/>
+                <a:gd name="connsiteX2" fmla="*/ 0 w 837533"/>
+                <a:gd name="connsiteY2" fmla="*/ 2249715 h 2249715"/>
+                <a:gd name="connsiteX0" fmla="*/ 740229 w 791140"/>
+                <a:gd name="connsiteY0" fmla="*/ 0 h 2278744"/>
+                <a:gd name="connsiteX1" fmla="*/ 711200 w 791140"/>
+                <a:gd name="connsiteY1" fmla="*/ 1262743 h 2278744"/>
+                <a:gd name="connsiteX2" fmla="*/ 0 w 791140"/>
+                <a:gd name="connsiteY2" fmla="*/ 2278744 h 2278744"/>
+                <a:gd name="connsiteX0" fmla="*/ 740229 w 807721"/>
+                <a:gd name="connsiteY0" fmla="*/ 0 h 2278744"/>
+                <a:gd name="connsiteX1" fmla="*/ 711200 w 807721"/>
+                <a:gd name="connsiteY1" fmla="*/ 1262743 h 2278744"/>
+                <a:gd name="connsiteX2" fmla="*/ 0 w 807721"/>
+                <a:gd name="connsiteY2" fmla="*/ 2278744 h 2278744"/>
+                <a:gd name="connsiteX0" fmla="*/ 740229 w 807721"/>
+                <a:gd name="connsiteY0" fmla="*/ 0 h 2278744"/>
+                <a:gd name="connsiteX1" fmla="*/ 711200 w 807721"/>
+                <a:gd name="connsiteY1" fmla="*/ 1262743 h 2278744"/>
+                <a:gd name="connsiteX2" fmla="*/ 0 w 807721"/>
+                <a:gd name="connsiteY2" fmla="*/ 2278744 h 2278744"/>
+                <a:gd name="connsiteX0" fmla="*/ 812800 w 884581"/>
+                <a:gd name="connsiteY0" fmla="*/ 0 h 2293258"/>
+                <a:gd name="connsiteX1" fmla="*/ 783771 w 884581"/>
+                <a:gd name="connsiteY1" fmla="*/ 1262743 h 2293258"/>
+                <a:gd name="connsiteX2" fmla="*/ 0 w 884581"/>
+                <a:gd name="connsiteY2" fmla="*/ 2293258 h 2293258"/>
+                <a:gd name="connsiteX0" fmla="*/ 812800 w 884581"/>
+                <a:gd name="connsiteY0" fmla="*/ 0 h 2293258"/>
+                <a:gd name="connsiteX1" fmla="*/ 783771 w 884581"/>
+                <a:gd name="connsiteY1" fmla="*/ 1262743 h 2293258"/>
+                <a:gd name="connsiteX2" fmla="*/ 0 w 884581"/>
+                <a:gd name="connsiteY2" fmla="*/ 2293258 h 2293258"/>
+                <a:gd name="connsiteX0" fmla="*/ 0 w 1846937"/>
+                <a:gd name="connsiteY0" fmla="*/ 527394 h 1035395"/>
+                <a:gd name="connsiteX1" fmla="*/ 1814285 w 1846937"/>
+                <a:gd name="connsiteY1" fmla="*/ 4880 h 1035395"/>
+                <a:gd name="connsiteX2" fmla="*/ 1030514 w 1846937"/>
+                <a:gd name="connsiteY2" fmla="*/ 1035395 h 1035395"/>
+                <a:gd name="connsiteX0" fmla="*/ 0 w 1123948"/>
+                <a:gd name="connsiteY0" fmla="*/ 267668 h 775669"/>
+                <a:gd name="connsiteX1" fmla="*/ 188685 w 1123948"/>
+                <a:gd name="connsiteY1" fmla="*/ 6411 h 775669"/>
+                <a:gd name="connsiteX2" fmla="*/ 1030514 w 1123948"/>
+                <a:gd name="connsiteY2" fmla="*/ 775669 h 775669"/>
+                <a:gd name="connsiteX0" fmla="*/ 0 w 581663"/>
+                <a:gd name="connsiteY0" fmla="*/ 268332 h 415649"/>
+                <a:gd name="connsiteX1" fmla="*/ 188685 w 581663"/>
+                <a:gd name="connsiteY1" fmla="*/ 7075 h 415649"/>
+                <a:gd name="connsiteX2" fmla="*/ 435428 w 581663"/>
+                <a:gd name="connsiteY2" fmla="*/ 239304 h 415649"/>
+                <a:gd name="connsiteX0" fmla="*/ 0 w 435428"/>
+                <a:gd name="connsiteY0" fmla="*/ 300719 h 448036"/>
+                <a:gd name="connsiteX1" fmla="*/ 188685 w 435428"/>
+                <a:gd name="connsiteY1" fmla="*/ 39462 h 448036"/>
+                <a:gd name="connsiteX2" fmla="*/ 435428 w 435428"/>
+                <a:gd name="connsiteY2" fmla="*/ 271691 h 448036"/>
+                <a:gd name="connsiteX0" fmla="*/ 0 w 435639"/>
+                <a:gd name="connsiteY0" fmla="*/ 261363 h 408680"/>
+                <a:gd name="connsiteX1" fmla="*/ 188685 w 435639"/>
+                <a:gd name="connsiteY1" fmla="*/ 106 h 408680"/>
+                <a:gd name="connsiteX2" fmla="*/ 435428 w 435639"/>
+                <a:gd name="connsiteY2" fmla="*/ 232335 h 408680"/>
+                <a:gd name="connsiteX0" fmla="*/ 0 w 929286"/>
+                <a:gd name="connsiteY0" fmla="*/ 727347 h 834376"/>
+                <a:gd name="connsiteX1" fmla="*/ 682170 w 929286"/>
+                <a:gd name="connsiteY1" fmla="*/ 16147 h 834376"/>
+                <a:gd name="connsiteX2" fmla="*/ 928913 w 929286"/>
+                <a:gd name="connsiteY2" fmla="*/ 248376 h 834376"/>
+                <a:gd name="connsiteX0" fmla="*/ 0 w 929286"/>
+                <a:gd name="connsiteY0" fmla="*/ 727347 h 727347"/>
+                <a:gd name="connsiteX1" fmla="*/ 682170 w 929286"/>
+                <a:gd name="connsiteY1" fmla="*/ 16147 h 727347"/>
+                <a:gd name="connsiteX2" fmla="*/ 928913 w 929286"/>
+                <a:gd name="connsiteY2" fmla="*/ 248376 h 727347"/>
+                <a:gd name="connsiteX0" fmla="*/ 0 w 1524063"/>
+                <a:gd name="connsiteY0" fmla="*/ 714829 h 801915"/>
+                <a:gd name="connsiteX1" fmla="*/ 682170 w 1524063"/>
+                <a:gd name="connsiteY1" fmla="*/ 3629 h 801915"/>
+                <a:gd name="connsiteX2" fmla="*/ 1523998 w 1524063"/>
+                <a:gd name="connsiteY2" fmla="*/ 801915 h 801915"/>
+                <a:gd name="connsiteX0" fmla="*/ 0 w 1248333"/>
+                <a:gd name="connsiteY0" fmla="*/ 715554 h 817154"/>
+                <a:gd name="connsiteX1" fmla="*/ 682170 w 1248333"/>
+                <a:gd name="connsiteY1" fmla="*/ 4354 h 817154"/>
+                <a:gd name="connsiteX2" fmla="*/ 1248227 w 1248333"/>
+                <a:gd name="connsiteY2" fmla="*/ 817154 h 817154"/>
+                <a:gd name="connsiteX0" fmla="*/ 0 w 1276196"/>
+                <a:gd name="connsiteY0" fmla="*/ 715554 h 817154"/>
+                <a:gd name="connsiteX1" fmla="*/ 682170 w 1276196"/>
+                <a:gd name="connsiteY1" fmla="*/ 4354 h 817154"/>
+                <a:gd name="connsiteX2" fmla="*/ 1248227 w 1276196"/>
+                <a:gd name="connsiteY2" fmla="*/ 817154 h 817154"/>
+                <a:gd name="connsiteX0" fmla="*/ 0 w 1276196"/>
+                <a:gd name="connsiteY0" fmla="*/ 713456 h 771513"/>
+                <a:gd name="connsiteX1" fmla="*/ 682170 w 1276196"/>
+                <a:gd name="connsiteY1" fmla="*/ 2256 h 771513"/>
+                <a:gd name="connsiteX2" fmla="*/ 1248227 w 1276196"/>
+                <a:gd name="connsiteY2" fmla="*/ 771513 h 771513"/>
+                <a:gd name="connsiteX0" fmla="*/ 0 w 1252556"/>
+                <a:gd name="connsiteY0" fmla="*/ 713456 h 771513"/>
+                <a:gd name="connsiteX1" fmla="*/ 682170 w 1252556"/>
+                <a:gd name="connsiteY1" fmla="*/ 2256 h 771513"/>
+                <a:gd name="connsiteX2" fmla="*/ 1248227 w 1252556"/>
+                <a:gd name="connsiteY2" fmla="*/ 771513 h 771513"/>
+                <a:gd name="connsiteX0" fmla="*/ 0 w 1151958"/>
+                <a:gd name="connsiteY0" fmla="*/ 776435 h 776435"/>
+                <a:gd name="connsiteX1" fmla="*/ 682170 w 1151958"/>
+                <a:gd name="connsiteY1" fmla="*/ 65235 h 776435"/>
+                <a:gd name="connsiteX2" fmla="*/ 1146627 w 1151958"/>
+                <a:gd name="connsiteY2" fmla="*/ 457120 h 776435"/>
+                <a:gd name="connsiteX0" fmla="*/ 0 w 1149552"/>
+                <a:gd name="connsiteY0" fmla="*/ 723088 h 723088"/>
+                <a:gd name="connsiteX1" fmla="*/ 682170 w 1149552"/>
+                <a:gd name="connsiteY1" fmla="*/ 11888 h 723088"/>
+                <a:gd name="connsiteX2" fmla="*/ 1146627 w 1149552"/>
+                <a:gd name="connsiteY2" fmla="*/ 403773 h 723088"/>
+                <a:gd name="connsiteX0" fmla="*/ 0 w 742673"/>
+                <a:gd name="connsiteY0" fmla="*/ 457653 h 486681"/>
+                <a:gd name="connsiteX1" fmla="*/ 275770 w 742673"/>
+                <a:gd name="connsiteY1" fmla="*/ 94796 h 486681"/>
+                <a:gd name="connsiteX2" fmla="*/ 740227 w 742673"/>
+                <a:gd name="connsiteY2" fmla="*/ 486681 h 486681"/>
+                <a:gd name="connsiteX0" fmla="*/ 0 w 742673"/>
+                <a:gd name="connsiteY0" fmla="*/ 364405 h 393433"/>
+                <a:gd name="connsiteX1" fmla="*/ 275770 w 742673"/>
+                <a:gd name="connsiteY1" fmla="*/ 1548 h 393433"/>
+                <a:gd name="connsiteX2" fmla="*/ 740227 w 742673"/>
+                <a:gd name="connsiteY2" fmla="*/ 393433 h 393433"/>
+                <a:gd name="connsiteX0" fmla="*/ 0 w 829848"/>
+                <a:gd name="connsiteY0" fmla="*/ 364405 h 393433"/>
+                <a:gd name="connsiteX1" fmla="*/ 362856 w 829848"/>
+                <a:gd name="connsiteY1" fmla="*/ 1548 h 393433"/>
+                <a:gd name="connsiteX2" fmla="*/ 827313 w 829848"/>
+                <a:gd name="connsiteY2" fmla="*/ 393433 h 393433"/>
+                <a:gd name="connsiteX0" fmla="*/ 0 w 829848"/>
+                <a:gd name="connsiteY0" fmla="*/ 363024 h 392052"/>
+                <a:gd name="connsiteX1" fmla="*/ 362856 w 829848"/>
+                <a:gd name="connsiteY1" fmla="*/ 167 h 392052"/>
+                <a:gd name="connsiteX2" fmla="*/ 827313 w 829848"/>
+                <a:gd name="connsiteY2" fmla="*/ 392052 h 392052"/>
+                <a:gd name="connsiteX0" fmla="*/ 0 w 728950"/>
+                <a:gd name="connsiteY0" fmla="*/ 362901 h 377415"/>
+                <a:gd name="connsiteX1" fmla="*/ 362856 w 728950"/>
+                <a:gd name="connsiteY1" fmla="*/ 44 h 377415"/>
+                <a:gd name="connsiteX2" fmla="*/ 725713 w 728950"/>
+                <a:gd name="connsiteY2" fmla="*/ 377415 h 377415"/>
+                <a:gd name="connsiteX0" fmla="*/ 0 w 725713"/>
+                <a:gd name="connsiteY0" fmla="*/ 362901 h 377415"/>
+                <a:gd name="connsiteX1" fmla="*/ 362856 w 725713"/>
+                <a:gd name="connsiteY1" fmla="*/ 44 h 377415"/>
+                <a:gd name="connsiteX2" fmla="*/ 725713 w 725713"/>
+                <a:gd name="connsiteY2" fmla="*/ 377415 h 377415"/>
+                <a:gd name="connsiteX0" fmla="*/ 0 w 725713"/>
+                <a:gd name="connsiteY0" fmla="*/ 362901 h 377415"/>
+                <a:gd name="connsiteX1" fmla="*/ 362856 w 725713"/>
+                <a:gd name="connsiteY1" fmla="*/ 44 h 377415"/>
+                <a:gd name="connsiteX2" fmla="*/ 725713 w 725713"/>
+                <a:gd name="connsiteY2" fmla="*/ 377415 h 377415"/>
+                <a:gd name="connsiteX0" fmla="*/ 0 w 725713"/>
+                <a:gd name="connsiteY0" fmla="*/ 362901 h 377415"/>
+                <a:gd name="connsiteX1" fmla="*/ 362856 w 725713"/>
+                <a:gd name="connsiteY1" fmla="*/ 44 h 377415"/>
+                <a:gd name="connsiteX2" fmla="*/ 725713 w 725713"/>
+                <a:gd name="connsiteY2" fmla="*/ 377415 h 377415"/>
+                <a:gd name="connsiteX0" fmla="*/ 106 w 725819"/>
+                <a:gd name="connsiteY0" fmla="*/ 362901 h 377415"/>
+                <a:gd name="connsiteX1" fmla="*/ 362962 w 725819"/>
+                <a:gd name="connsiteY1" fmla="*/ 44 h 377415"/>
+                <a:gd name="connsiteX2" fmla="*/ 725819 w 725819"/>
+                <a:gd name="connsiteY2" fmla="*/ 377415 h 377415"/>
+                <a:gd name="connsiteX0" fmla="*/ 233 w 624346"/>
+                <a:gd name="connsiteY0" fmla="*/ 348534 h 377562"/>
+                <a:gd name="connsiteX1" fmla="*/ 261489 w 624346"/>
+                <a:gd name="connsiteY1" fmla="*/ 191 h 377562"/>
+                <a:gd name="connsiteX2" fmla="*/ 624346 w 624346"/>
+                <a:gd name="connsiteY2" fmla="*/ 377562 h 377562"/>
+                <a:gd name="connsiteX0" fmla="*/ 220 w 566276"/>
+                <a:gd name="connsiteY0" fmla="*/ 348534 h 377562"/>
+                <a:gd name="connsiteX1" fmla="*/ 261476 w 566276"/>
+                <a:gd name="connsiteY1" fmla="*/ 191 h 377562"/>
+                <a:gd name="connsiteX2" fmla="*/ 566276 w 566276"/>
+                <a:gd name="connsiteY2" fmla="*/ 377562 h 377562"/>
+                <a:gd name="connsiteX0" fmla="*/ 301 w 508300"/>
+                <a:gd name="connsiteY0" fmla="*/ 348534 h 377562"/>
+                <a:gd name="connsiteX1" fmla="*/ 203500 w 508300"/>
+                <a:gd name="connsiteY1" fmla="*/ 191 h 377562"/>
+                <a:gd name="connsiteX2" fmla="*/ 508300 w 508300"/>
+                <a:gd name="connsiteY2" fmla="*/ 377562 h 377562"/>
+              </a:gdLst>
+              <a:ahLst/>
+              <a:cxnLst>
+                <a:cxn ang="0">
+                  <a:pos x="connsiteX0" y="connsiteY0"/>
+                </a:cxn>
+                <a:cxn ang="0">
+                  <a:pos x="connsiteX1" y="connsiteY1"/>
+                </a:cxn>
+                <a:cxn ang="0">
+                  <a:pos x="connsiteX2" y="connsiteY2"/>
+                </a:cxn>
+              </a:cxnLst>
+              <a:rect l="l" t="t" r="r" b="b"/>
+              <a:pathLst>
+                <a:path w="508300" h="377562">
+                  <a:moveTo>
+                    <a:pt x="301" y="348534"/>
+                  </a:moveTo>
+                  <a:cubicBezTo>
+                    <a:pt x="-6957" y="81229"/>
+                    <a:pt x="118834" y="-4647"/>
+                    <a:pt x="203500" y="191"/>
+                  </a:cubicBezTo>
+                  <a:cubicBezTo>
+                    <a:pt x="288166" y="5029"/>
+                    <a:pt x="472014" y="28008"/>
+                    <a:pt x="508300" y="377562"/>
+                  </a:cubicBezTo>
+                </a:path>
+              </a:pathLst>
+            </a:custGeom>
+            <a:noFill/>
+            <a:ln w="88900" cap="rnd">
+              <a:solidFill>
+                <a:schemeClr val="tx1"/>
+              </a:solidFill>
+            </a:ln>
+          </p:spPr>
+          <p:style>
+            <a:lnRef idx="2">
+              <a:schemeClr val="accent1">
+                <a:shade val="50000"/>
+              </a:schemeClr>
+            </a:lnRef>
+            <a:fillRef idx="1">
+              <a:schemeClr val="accent1"/>
+            </a:fillRef>
+            <a:effectRef idx="0">
+              <a:schemeClr val="accent1"/>
+            </a:effectRef>
+            <a:fontRef idx="minor">
+              <a:schemeClr val="lt1"/>
+            </a:fontRef>
+          </p:style>
+          <p:txBody>
+            <a:bodyPr rtlCol="0" anchor="ctr"/>
+            <a:lstStyle/>
+            <a:p>
+              <a:pPr algn="ctr"/>
+              <a:endParaRPr lang="de-DE"/>
+            </a:p>
+          </p:txBody>
+        </p:sp>
+        <p:sp>
+          <p:nvSpPr>
+            <p:cNvPr id="26" name="Freihandform 25"/>
+            <p:cNvSpPr/>
+            <p:nvPr/>
+          </p:nvSpPr>
+          <p:spPr>
+            <a:xfrm rot="8095744">
+              <a:off x="1917007" y="3384367"/>
+              <a:ext cx="884581" cy="2293258"/>
+            </a:xfrm>
+            <a:custGeom>
+              <a:avLst/>
+              <a:gdLst>
+                <a:gd name="connsiteX0" fmla="*/ 783772 w 837533"/>
+                <a:gd name="connsiteY0" fmla="*/ 0 h 2249715"/>
+                <a:gd name="connsiteX1" fmla="*/ 754743 w 837533"/>
+                <a:gd name="connsiteY1" fmla="*/ 1262743 h 2249715"/>
+                <a:gd name="connsiteX2" fmla="*/ 0 w 837533"/>
+                <a:gd name="connsiteY2" fmla="*/ 2249715 h 2249715"/>
+                <a:gd name="connsiteX0" fmla="*/ 740229 w 791140"/>
+                <a:gd name="connsiteY0" fmla="*/ 0 h 2278744"/>
+                <a:gd name="connsiteX1" fmla="*/ 711200 w 791140"/>
+                <a:gd name="connsiteY1" fmla="*/ 1262743 h 2278744"/>
+                <a:gd name="connsiteX2" fmla="*/ 0 w 791140"/>
+                <a:gd name="connsiteY2" fmla="*/ 2278744 h 2278744"/>
+                <a:gd name="connsiteX0" fmla="*/ 740229 w 807721"/>
+                <a:gd name="connsiteY0" fmla="*/ 0 h 2278744"/>
+                <a:gd name="connsiteX1" fmla="*/ 711200 w 807721"/>
+                <a:gd name="connsiteY1" fmla="*/ 1262743 h 2278744"/>
+                <a:gd name="connsiteX2" fmla="*/ 0 w 807721"/>
+                <a:gd name="connsiteY2" fmla="*/ 2278744 h 2278744"/>
+                <a:gd name="connsiteX0" fmla="*/ 740229 w 807721"/>
+                <a:gd name="connsiteY0" fmla="*/ 0 h 2278744"/>
+                <a:gd name="connsiteX1" fmla="*/ 711200 w 807721"/>
+                <a:gd name="connsiteY1" fmla="*/ 1262743 h 2278744"/>
+                <a:gd name="connsiteX2" fmla="*/ 0 w 807721"/>
+                <a:gd name="connsiteY2" fmla="*/ 2278744 h 2278744"/>
+                <a:gd name="connsiteX0" fmla="*/ 812800 w 884581"/>
+                <a:gd name="connsiteY0" fmla="*/ 0 h 2293258"/>
+                <a:gd name="connsiteX1" fmla="*/ 783771 w 884581"/>
+                <a:gd name="connsiteY1" fmla="*/ 1262743 h 2293258"/>
+                <a:gd name="connsiteX2" fmla="*/ 0 w 884581"/>
+                <a:gd name="connsiteY2" fmla="*/ 2293258 h 2293258"/>
+                <a:gd name="connsiteX0" fmla="*/ 812800 w 884581"/>
+                <a:gd name="connsiteY0" fmla="*/ 0 h 2293258"/>
+                <a:gd name="connsiteX1" fmla="*/ 783771 w 884581"/>
+                <a:gd name="connsiteY1" fmla="*/ 1262743 h 2293258"/>
+                <a:gd name="connsiteX2" fmla="*/ 0 w 884581"/>
+                <a:gd name="connsiteY2" fmla="*/ 2293258 h 2293258"/>
+              </a:gdLst>
+              <a:ahLst/>
+              <a:cxnLst>
+                <a:cxn ang="0">
+                  <a:pos x="connsiteX0" y="connsiteY0"/>
+                </a:cxn>
+                <a:cxn ang="0">
+                  <a:pos x="connsiteX1" y="connsiteY1"/>
+                </a:cxn>
+                <a:cxn ang="0">
+                  <a:pos x="connsiteX2" y="connsiteY2"/>
+                </a:cxn>
+              </a:cxnLst>
+              <a:rect l="l" t="t" r="r" b="b"/>
+              <a:pathLst>
+                <a:path w="884581" h="2293258">
+                  <a:moveTo>
+                    <a:pt x="812800" y="0"/>
+                  </a:moveTo>
+                  <a:cubicBezTo>
+                    <a:pt x="907142" y="443895"/>
+                    <a:pt x="919238" y="880533"/>
+                    <a:pt x="783771" y="1262743"/>
+                  </a:cubicBezTo>
+                  <a:cubicBezTo>
+                    <a:pt x="648304" y="1644953"/>
+                    <a:pt x="413657" y="2001762"/>
+                    <a:pt x="0" y="2293258"/>
+                  </a:cubicBezTo>
+                </a:path>
+              </a:pathLst>
+            </a:custGeom>
+            <a:noFill/>
+            <a:ln w="88900" cap="rnd">
+              <a:solidFill>
+                <a:schemeClr val="tx1"/>
+              </a:solidFill>
+            </a:ln>
+          </p:spPr>
+          <p:style>
+            <a:lnRef idx="2">
+              <a:schemeClr val="accent1">
+                <a:shade val="50000"/>
+              </a:schemeClr>
+            </a:lnRef>
+            <a:fillRef idx="1">
+              <a:schemeClr val="accent1"/>
+            </a:fillRef>
+            <a:effectRef idx="0">
+              <a:schemeClr val="accent1"/>
+            </a:effectRef>
+            <a:fontRef idx="minor">
+              <a:schemeClr val="lt1"/>
+            </a:fontRef>
+          </p:style>
+          <p:txBody>
+            <a:bodyPr rtlCol="0" anchor="ctr"/>
+            <a:lstStyle/>
+            <a:p>
+              <a:pPr algn="ctr"/>
+              <a:endParaRPr lang="de-DE"/>
+            </a:p>
+          </p:txBody>
+        </p:sp>
+        <p:sp>
+          <p:nvSpPr>
+            <p:cNvPr id="27" name="Freihandform 26"/>
+            <p:cNvSpPr/>
+            <p:nvPr/>
+          </p:nvSpPr>
+          <p:spPr>
+            <a:xfrm rot="14060187">
+              <a:off x="4962760" y="5159641"/>
+              <a:ext cx="508300" cy="377562"/>
+            </a:xfrm>
+            <a:custGeom>
+              <a:avLst/>
+              <a:gdLst>
+                <a:gd name="connsiteX0" fmla="*/ 783772 w 837533"/>
+                <a:gd name="connsiteY0" fmla="*/ 0 h 2249715"/>
+                <a:gd name="connsiteX1" fmla="*/ 754743 w 837533"/>
+                <a:gd name="connsiteY1" fmla="*/ 1262743 h 2249715"/>
+                <a:gd name="connsiteX2" fmla="*/ 0 w 837533"/>
+                <a:gd name="connsiteY2" fmla="*/ 2249715 h 2249715"/>
+                <a:gd name="connsiteX0" fmla="*/ 740229 w 791140"/>
+                <a:gd name="connsiteY0" fmla="*/ 0 h 2278744"/>
+                <a:gd name="connsiteX1" fmla="*/ 711200 w 791140"/>
+                <a:gd name="connsiteY1" fmla="*/ 1262743 h 2278744"/>
+                <a:gd name="connsiteX2" fmla="*/ 0 w 791140"/>
+                <a:gd name="connsiteY2" fmla="*/ 2278744 h 2278744"/>
+                <a:gd name="connsiteX0" fmla="*/ 740229 w 807721"/>
+                <a:gd name="connsiteY0" fmla="*/ 0 h 2278744"/>
+                <a:gd name="connsiteX1" fmla="*/ 711200 w 807721"/>
+                <a:gd name="connsiteY1" fmla="*/ 1262743 h 2278744"/>
+                <a:gd name="connsiteX2" fmla="*/ 0 w 807721"/>
+                <a:gd name="connsiteY2" fmla="*/ 2278744 h 2278744"/>
+                <a:gd name="connsiteX0" fmla="*/ 740229 w 807721"/>
+                <a:gd name="connsiteY0" fmla="*/ 0 h 2278744"/>
+                <a:gd name="connsiteX1" fmla="*/ 711200 w 807721"/>
+                <a:gd name="connsiteY1" fmla="*/ 1262743 h 2278744"/>
+                <a:gd name="connsiteX2" fmla="*/ 0 w 807721"/>
+                <a:gd name="connsiteY2" fmla="*/ 2278744 h 2278744"/>
+                <a:gd name="connsiteX0" fmla="*/ 812800 w 884581"/>
+                <a:gd name="connsiteY0" fmla="*/ 0 h 2293258"/>
+                <a:gd name="connsiteX1" fmla="*/ 783771 w 884581"/>
+                <a:gd name="connsiteY1" fmla="*/ 1262743 h 2293258"/>
+                <a:gd name="connsiteX2" fmla="*/ 0 w 884581"/>
+                <a:gd name="connsiteY2" fmla="*/ 2293258 h 2293258"/>
+                <a:gd name="connsiteX0" fmla="*/ 812800 w 884581"/>
+                <a:gd name="connsiteY0" fmla="*/ 0 h 2293258"/>
+                <a:gd name="connsiteX1" fmla="*/ 783771 w 884581"/>
+                <a:gd name="connsiteY1" fmla="*/ 1262743 h 2293258"/>
+                <a:gd name="connsiteX2" fmla="*/ 0 w 884581"/>
+                <a:gd name="connsiteY2" fmla="*/ 2293258 h 2293258"/>
+                <a:gd name="connsiteX0" fmla="*/ 0 w 1846937"/>
+                <a:gd name="connsiteY0" fmla="*/ 527394 h 1035395"/>
+                <a:gd name="connsiteX1" fmla="*/ 1814285 w 1846937"/>
+                <a:gd name="connsiteY1" fmla="*/ 4880 h 1035395"/>
+                <a:gd name="connsiteX2" fmla="*/ 1030514 w 1846937"/>
+                <a:gd name="connsiteY2" fmla="*/ 1035395 h 1035395"/>
+                <a:gd name="connsiteX0" fmla="*/ 0 w 1123948"/>
+                <a:gd name="connsiteY0" fmla="*/ 267668 h 775669"/>
+                <a:gd name="connsiteX1" fmla="*/ 188685 w 1123948"/>
+                <a:gd name="connsiteY1" fmla="*/ 6411 h 775669"/>
+                <a:gd name="connsiteX2" fmla="*/ 1030514 w 1123948"/>
+                <a:gd name="connsiteY2" fmla="*/ 775669 h 775669"/>
+                <a:gd name="connsiteX0" fmla="*/ 0 w 581663"/>
+                <a:gd name="connsiteY0" fmla="*/ 268332 h 415649"/>
+                <a:gd name="connsiteX1" fmla="*/ 188685 w 581663"/>
+                <a:gd name="connsiteY1" fmla="*/ 7075 h 415649"/>
+                <a:gd name="connsiteX2" fmla="*/ 435428 w 581663"/>
+                <a:gd name="connsiteY2" fmla="*/ 239304 h 415649"/>
+                <a:gd name="connsiteX0" fmla="*/ 0 w 435428"/>
+                <a:gd name="connsiteY0" fmla="*/ 300719 h 448036"/>
+                <a:gd name="connsiteX1" fmla="*/ 188685 w 435428"/>
+                <a:gd name="connsiteY1" fmla="*/ 39462 h 448036"/>
+                <a:gd name="connsiteX2" fmla="*/ 435428 w 435428"/>
+                <a:gd name="connsiteY2" fmla="*/ 271691 h 448036"/>
+                <a:gd name="connsiteX0" fmla="*/ 0 w 435639"/>
+                <a:gd name="connsiteY0" fmla="*/ 261363 h 408680"/>
+                <a:gd name="connsiteX1" fmla="*/ 188685 w 435639"/>
+                <a:gd name="connsiteY1" fmla="*/ 106 h 408680"/>
+                <a:gd name="connsiteX2" fmla="*/ 435428 w 435639"/>
+                <a:gd name="connsiteY2" fmla="*/ 232335 h 408680"/>
+                <a:gd name="connsiteX0" fmla="*/ 0 w 929286"/>
+                <a:gd name="connsiteY0" fmla="*/ 727347 h 834376"/>
+                <a:gd name="connsiteX1" fmla="*/ 682170 w 929286"/>
+                <a:gd name="connsiteY1" fmla="*/ 16147 h 834376"/>
+                <a:gd name="connsiteX2" fmla="*/ 928913 w 929286"/>
+                <a:gd name="connsiteY2" fmla="*/ 248376 h 834376"/>
+                <a:gd name="connsiteX0" fmla="*/ 0 w 929286"/>
+                <a:gd name="connsiteY0" fmla="*/ 727347 h 727347"/>
+                <a:gd name="connsiteX1" fmla="*/ 682170 w 929286"/>
+                <a:gd name="connsiteY1" fmla="*/ 16147 h 727347"/>
+                <a:gd name="connsiteX2" fmla="*/ 928913 w 929286"/>
+                <a:gd name="connsiteY2" fmla="*/ 248376 h 727347"/>
+                <a:gd name="connsiteX0" fmla="*/ 0 w 1524063"/>
+                <a:gd name="connsiteY0" fmla="*/ 714829 h 801915"/>
+                <a:gd name="connsiteX1" fmla="*/ 682170 w 1524063"/>
+                <a:gd name="connsiteY1" fmla="*/ 3629 h 801915"/>
+                <a:gd name="connsiteX2" fmla="*/ 1523998 w 1524063"/>
+                <a:gd name="connsiteY2" fmla="*/ 801915 h 801915"/>
+                <a:gd name="connsiteX0" fmla="*/ 0 w 1248333"/>
+                <a:gd name="connsiteY0" fmla="*/ 715554 h 817154"/>
+                <a:gd name="connsiteX1" fmla="*/ 682170 w 1248333"/>
+                <a:gd name="connsiteY1" fmla="*/ 4354 h 817154"/>
+                <a:gd name="connsiteX2" fmla="*/ 1248227 w 1248333"/>
+                <a:gd name="connsiteY2" fmla="*/ 817154 h 817154"/>
+                <a:gd name="connsiteX0" fmla="*/ 0 w 1276196"/>
+                <a:gd name="connsiteY0" fmla="*/ 715554 h 817154"/>
+                <a:gd name="connsiteX1" fmla="*/ 682170 w 1276196"/>
+                <a:gd name="connsiteY1" fmla="*/ 4354 h 817154"/>
+                <a:gd name="connsiteX2" fmla="*/ 1248227 w 1276196"/>
+                <a:gd name="connsiteY2" fmla="*/ 817154 h 817154"/>
+                <a:gd name="connsiteX0" fmla="*/ 0 w 1276196"/>
+                <a:gd name="connsiteY0" fmla="*/ 713456 h 771513"/>
+                <a:gd name="connsiteX1" fmla="*/ 682170 w 1276196"/>
+                <a:gd name="connsiteY1" fmla="*/ 2256 h 771513"/>
+                <a:gd name="connsiteX2" fmla="*/ 1248227 w 1276196"/>
+                <a:gd name="connsiteY2" fmla="*/ 771513 h 771513"/>
+                <a:gd name="connsiteX0" fmla="*/ 0 w 1252556"/>
+                <a:gd name="connsiteY0" fmla="*/ 713456 h 771513"/>
+                <a:gd name="connsiteX1" fmla="*/ 682170 w 1252556"/>
+                <a:gd name="connsiteY1" fmla="*/ 2256 h 771513"/>
+                <a:gd name="connsiteX2" fmla="*/ 1248227 w 1252556"/>
+                <a:gd name="connsiteY2" fmla="*/ 771513 h 771513"/>
+                <a:gd name="connsiteX0" fmla="*/ 0 w 1151958"/>
+                <a:gd name="connsiteY0" fmla="*/ 776435 h 776435"/>
+                <a:gd name="connsiteX1" fmla="*/ 682170 w 1151958"/>
+                <a:gd name="connsiteY1" fmla="*/ 65235 h 776435"/>
+                <a:gd name="connsiteX2" fmla="*/ 1146627 w 1151958"/>
+                <a:gd name="connsiteY2" fmla="*/ 457120 h 776435"/>
+                <a:gd name="connsiteX0" fmla="*/ 0 w 1149552"/>
+                <a:gd name="connsiteY0" fmla="*/ 723088 h 723088"/>
+                <a:gd name="connsiteX1" fmla="*/ 682170 w 1149552"/>
+                <a:gd name="connsiteY1" fmla="*/ 11888 h 723088"/>
+                <a:gd name="connsiteX2" fmla="*/ 1146627 w 1149552"/>
+                <a:gd name="connsiteY2" fmla="*/ 403773 h 723088"/>
+                <a:gd name="connsiteX0" fmla="*/ 0 w 742673"/>
+                <a:gd name="connsiteY0" fmla="*/ 457653 h 486681"/>
+                <a:gd name="connsiteX1" fmla="*/ 275770 w 742673"/>
+                <a:gd name="connsiteY1" fmla="*/ 94796 h 486681"/>
+                <a:gd name="connsiteX2" fmla="*/ 740227 w 742673"/>
+                <a:gd name="connsiteY2" fmla="*/ 486681 h 486681"/>
+                <a:gd name="connsiteX0" fmla="*/ 0 w 742673"/>
+                <a:gd name="connsiteY0" fmla="*/ 364405 h 393433"/>
+                <a:gd name="connsiteX1" fmla="*/ 275770 w 742673"/>
+                <a:gd name="connsiteY1" fmla="*/ 1548 h 393433"/>
+                <a:gd name="connsiteX2" fmla="*/ 740227 w 742673"/>
+                <a:gd name="connsiteY2" fmla="*/ 393433 h 393433"/>
+                <a:gd name="connsiteX0" fmla="*/ 0 w 829848"/>
+                <a:gd name="connsiteY0" fmla="*/ 364405 h 393433"/>
+                <a:gd name="connsiteX1" fmla="*/ 362856 w 829848"/>
+                <a:gd name="connsiteY1" fmla="*/ 1548 h 393433"/>
+                <a:gd name="connsiteX2" fmla="*/ 827313 w 829848"/>
+                <a:gd name="connsiteY2" fmla="*/ 393433 h 393433"/>
+                <a:gd name="connsiteX0" fmla="*/ 0 w 829848"/>
+                <a:gd name="connsiteY0" fmla="*/ 363024 h 392052"/>
+                <a:gd name="connsiteX1" fmla="*/ 362856 w 829848"/>
+                <a:gd name="connsiteY1" fmla="*/ 167 h 392052"/>
+                <a:gd name="connsiteX2" fmla="*/ 827313 w 829848"/>
+                <a:gd name="connsiteY2" fmla="*/ 392052 h 392052"/>
+                <a:gd name="connsiteX0" fmla="*/ 0 w 728950"/>
+                <a:gd name="connsiteY0" fmla="*/ 362901 h 377415"/>
+                <a:gd name="connsiteX1" fmla="*/ 362856 w 728950"/>
+                <a:gd name="connsiteY1" fmla="*/ 44 h 377415"/>
+                <a:gd name="connsiteX2" fmla="*/ 725713 w 728950"/>
+                <a:gd name="connsiteY2" fmla="*/ 377415 h 377415"/>
+                <a:gd name="connsiteX0" fmla="*/ 0 w 725713"/>
+                <a:gd name="connsiteY0" fmla="*/ 362901 h 377415"/>
+                <a:gd name="connsiteX1" fmla="*/ 362856 w 725713"/>
+                <a:gd name="connsiteY1" fmla="*/ 44 h 377415"/>
+                <a:gd name="connsiteX2" fmla="*/ 725713 w 725713"/>
+                <a:gd name="connsiteY2" fmla="*/ 377415 h 377415"/>
+                <a:gd name="connsiteX0" fmla="*/ 0 w 725713"/>
+                <a:gd name="connsiteY0" fmla="*/ 362901 h 377415"/>
+                <a:gd name="connsiteX1" fmla="*/ 362856 w 725713"/>
+                <a:gd name="connsiteY1" fmla="*/ 44 h 377415"/>
+                <a:gd name="connsiteX2" fmla="*/ 725713 w 725713"/>
+                <a:gd name="connsiteY2" fmla="*/ 377415 h 377415"/>
+                <a:gd name="connsiteX0" fmla="*/ 0 w 725713"/>
+                <a:gd name="connsiteY0" fmla="*/ 362901 h 377415"/>
+                <a:gd name="connsiteX1" fmla="*/ 362856 w 725713"/>
+                <a:gd name="connsiteY1" fmla="*/ 44 h 377415"/>
+                <a:gd name="connsiteX2" fmla="*/ 725713 w 725713"/>
+                <a:gd name="connsiteY2" fmla="*/ 377415 h 377415"/>
+                <a:gd name="connsiteX0" fmla="*/ 106 w 725819"/>
+                <a:gd name="connsiteY0" fmla="*/ 362901 h 377415"/>
+                <a:gd name="connsiteX1" fmla="*/ 362962 w 725819"/>
+                <a:gd name="connsiteY1" fmla="*/ 44 h 377415"/>
+                <a:gd name="connsiteX2" fmla="*/ 725819 w 725819"/>
+                <a:gd name="connsiteY2" fmla="*/ 377415 h 377415"/>
+                <a:gd name="connsiteX0" fmla="*/ 233 w 624346"/>
+                <a:gd name="connsiteY0" fmla="*/ 348534 h 377562"/>
+                <a:gd name="connsiteX1" fmla="*/ 261489 w 624346"/>
+                <a:gd name="connsiteY1" fmla="*/ 191 h 377562"/>
+                <a:gd name="connsiteX2" fmla="*/ 624346 w 624346"/>
+                <a:gd name="connsiteY2" fmla="*/ 377562 h 377562"/>
+                <a:gd name="connsiteX0" fmla="*/ 220 w 566276"/>
+                <a:gd name="connsiteY0" fmla="*/ 348534 h 377562"/>
+                <a:gd name="connsiteX1" fmla="*/ 261476 w 566276"/>
+                <a:gd name="connsiteY1" fmla="*/ 191 h 377562"/>
+                <a:gd name="connsiteX2" fmla="*/ 566276 w 566276"/>
+                <a:gd name="connsiteY2" fmla="*/ 377562 h 377562"/>
+                <a:gd name="connsiteX0" fmla="*/ 301 w 508300"/>
+                <a:gd name="connsiteY0" fmla="*/ 348534 h 377562"/>
+                <a:gd name="connsiteX1" fmla="*/ 203500 w 508300"/>
+                <a:gd name="connsiteY1" fmla="*/ 191 h 377562"/>
+                <a:gd name="connsiteX2" fmla="*/ 508300 w 508300"/>
+                <a:gd name="connsiteY2" fmla="*/ 377562 h 377562"/>
+              </a:gdLst>
+              <a:ahLst/>
+              <a:cxnLst>
+                <a:cxn ang="0">
+                  <a:pos x="connsiteX0" y="connsiteY0"/>
+                </a:cxn>
+                <a:cxn ang="0">
+                  <a:pos x="connsiteX1" y="connsiteY1"/>
+                </a:cxn>
+                <a:cxn ang="0">
+                  <a:pos x="connsiteX2" y="connsiteY2"/>
+                </a:cxn>
+              </a:cxnLst>
+              <a:rect l="l" t="t" r="r" b="b"/>
+              <a:pathLst>
+                <a:path w="508300" h="377562">
+                  <a:moveTo>
+                    <a:pt x="301" y="348534"/>
+                  </a:moveTo>
+                  <a:cubicBezTo>
+                    <a:pt x="-6957" y="81229"/>
+                    <a:pt x="118834" y="-4647"/>
+                    <a:pt x="203500" y="191"/>
+                  </a:cubicBezTo>
+                  <a:cubicBezTo>
+                    <a:pt x="288166" y="5029"/>
+                    <a:pt x="472014" y="28008"/>
+                    <a:pt x="508300" y="377562"/>
+                  </a:cubicBezTo>
+                </a:path>
+              </a:pathLst>
+            </a:custGeom>
+            <a:noFill/>
+            <a:ln w="88900" cap="rnd">
+              <a:solidFill>
+                <a:schemeClr val="tx1"/>
+              </a:solidFill>
+            </a:ln>
+          </p:spPr>
+          <p:style>
+            <a:lnRef idx="2">
+              <a:schemeClr val="accent1">
+                <a:shade val="50000"/>
+              </a:schemeClr>
+            </a:lnRef>
+            <a:fillRef idx="1">
+              <a:schemeClr val="accent1"/>
+            </a:fillRef>
+            <a:effectRef idx="0">
+              <a:schemeClr val="accent1"/>
+            </a:effectRef>
+            <a:fontRef idx="minor">
+              <a:schemeClr val="lt1"/>
+            </a:fontRef>
+          </p:style>
+          <p:txBody>
+            <a:bodyPr rtlCol="0" anchor="ctr"/>
+            <a:lstStyle/>
+            <a:p>
+              <a:pPr algn="ctr"/>
+              <a:endParaRPr lang="de-DE"/>
+            </a:p>
+          </p:txBody>
+        </p:sp>
+        <p:sp>
+          <p:nvSpPr>
+            <p:cNvPr id="41" name="Freihandform 40"/>
+            <p:cNvSpPr/>
+            <p:nvPr/>
+          </p:nvSpPr>
+          <p:spPr>
+            <a:xfrm rot="795472">
+              <a:off x="1553419" y="3306491"/>
+              <a:ext cx="519049" cy="362215"/>
+            </a:xfrm>
+            <a:custGeom>
+              <a:avLst/>
+              <a:gdLst>
+                <a:gd name="connsiteX0" fmla="*/ 783772 w 837533"/>
+                <a:gd name="connsiteY0" fmla="*/ 0 h 2249715"/>
+                <a:gd name="connsiteX1" fmla="*/ 754743 w 837533"/>
+                <a:gd name="connsiteY1" fmla="*/ 1262743 h 2249715"/>
+                <a:gd name="connsiteX2" fmla="*/ 0 w 837533"/>
+                <a:gd name="connsiteY2" fmla="*/ 2249715 h 2249715"/>
+                <a:gd name="connsiteX0" fmla="*/ 740229 w 791140"/>
+                <a:gd name="connsiteY0" fmla="*/ 0 h 2278744"/>
+                <a:gd name="connsiteX1" fmla="*/ 711200 w 791140"/>
+                <a:gd name="connsiteY1" fmla="*/ 1262743 h 2278744"/>
+                <a:gd name="connsiteX2" fmla="*/ 0 w 791140"/>
+                <a:gd name="connsiteY2" fmla="*/ 2278744 h 2278744"/>
+                <a:gd name="connsiteX0" fmla="*/ 740229 w 807721"/>
+                <a:gd name="connsiteY0" fmla="*/ 0 h 2278744"/>
+                <a:gd name="connsiteX1" fmla="*/ 711200 w 807721"/>
+                <a:gd name="connsiteY1" fmla="*/ 1262743 h 2278744"/>
+                <a:gd name="connsiteX2" fmla="*/ 0 w 807721"/>
+                <a:gd name="connsiteY2" fmla="*/ 2278744 h 2278744"/>
+                <a:gd name="connsiteX0" fmla="*/ 740229 w 807721"/>
+                <a:gd name="connsiteY0" fmla="*/ 0 h 2278744"/>
+                <a:gd name="connsiteX1" fmla="*/ 711200 w 807721"/>
+                <a:gd name="connsiteY1" fmla="*/ 1262743 h 2278744"/>
+                <a:gd name="connsiteX2" fmla="*/ 0 w 807721"/>
+                <a:gd name="connsiteY2" fmla="*/ 2278744 h 2278744"/>
+                <a:gd name="connsiteX0" fmla="*/ 812800 w 884581"/>
+                <a:gd name="connsiteY0" fmla="*/ 0 h 2293258"/>
+                <a:gd name="connsiteX1" fmla="*/ 783771 w 884581"/>
+                <a:gd name="connsiteY1" fmla="*/ 1262743 h 2293258"/>
+                <a:gd name="connsiteX2" fmla="*/ 0 w 884581"/>
+                <a:gd name="connsiteY2" fmla="*/ 2293258 h 2293258"/>
+                <a:gd name="connsiteX0" fmla="*/ 812800 w 884581"/>
+                <a:gd name="connsiteY0" fmla="*/ 0 h 2293258"/>
+                <a:gd name="connsiteX1" fmla="*/ 783771 w 884581"/>
+                <a:gd name="connsiteY1" fmla="*/ 1262743 h 2293258"/>
+                <a:gd name="connsiteX2" fmla="*/ 0 w 884581"/>
+                <a:gd name="connsiteY2" fmla="*/ 2293258 h 2293258"/>
+                <a:gd name="connsiteX0" fmla="*/ 0 w 1846937"/>
+                <a:gd name="connsiteY0" fmla="*/ 527394 h 1035395"/>
+                <a:gd name="connsiteX1" fmla="*/ 1814285 w 1846937"/>
+                <a:gd name="connsiteY1" fmla="*/ 4880 h 1035395"/>
+                <a:gd name="connsiteX2" fmla="*/ 1030514 w 1846937"/>
+                <a:gd name="connsiteY2" fmla="*/ 1035395 h 1035395"/>
+                <a:gd name="connsiteX0" fmla="*/ 0 w 1123948"/>
+                <a:gd name="connsiteY0" fmla="*/ 267668 h 775669"/>
+                <a:gd name="connsiteX1" fmla="*/ 188685 w 1123948"/>
+                <a:gd name="connsiteY1" fmla="*/ 6411 h 775669"/>
+                <a:gd name="connsiteX2" fmla="*/ 1030514 w 1123948"/>
+                <a:gd name="connsiteY2" fmla="*/ 775669 h 775669"/>
+                <a:gd name="connsiteX0" fmla="*/ 0 w 581663"/>
+                <a:gd name="connsiteY0" fmla="*/ 268332 h 415649"/>
+                <a:gd name="connsiteX1" fmla="*/ 188685 w 581663"/>
+                <a:gd name="connsiteY1" fmla="*/ 7075 h 415649"/>
+                <a:gd name="connsiteX2" fmla="*/ 435428 w 581663"/>
+                <a:gd name="connsiteY2" fmla="*/ 239304 h 415649"/>
+                <a:gd name="connsiteX0" fmla="*/ 0 w 435428"/>
+                <a:gd name="connsiteY0" fmla="*/ 300719 h 448036"/>
+                <a:gd name="connsiteX1" fmla="*/ 188685 w 435428"/>
+                <a:gd name="connsiteY1" fmla="*/ 39462 h 448036"/>
+                <a:gd name="connsiteX2" fmla="*/ 435428 w 435428"/>
+                <a:gd name="connsiteY2" fmla="*/ 271691 h 448036"/>
+                <a:gd name="connsiteX0" fmla="*/ 0 w 435639"/>
+                <a:gd name="connsiteY0" fmla="*/ 261363 h 408680"/>
+                <a:gd name="connsiteX1" fmla="*/ 188685 w 435639"/>
+                <a:gd name="connsiteY1" fmla="*/ 106 h 408680"/>
+                <a:gd name="connsiteX2" fmla="*/ 435428 w 435639"/>
+                <a:gd name="connsiteY2" fmla="*/ 232335 h 408680"/>
+                <a:gd name="connsiteX0" fmla="*/ 0 w 929286"/>
+                <a:gd name="connsiteY0" fmla="*/ 727347 h 834376"/>
+                <a:gd name="connsiteX1" fmla="*/ 682170 w 929286"/>
+                <a:gd name="connsiteY1" fmla="*/ 16147 h 834376"/>
+                <a:gd name="connsiteX2" fmla="*/ 928913 w 929286"/>
+                <a:gd name="connsiteY2" fmla="*/ 248376 h 834376"/>
+                <a:gd name="connsiteX0" fmla="*/ 0 w 929286"/>
+                <a:gd name="connsiteY0" fmla="*/ 727347 h 727347"/>
+                <a:gd name="connsiteX1" fmla="*/ 682170 w 929286"/>
+                <a:gd name="connsiteY1" fmla="*/ 16147 h 727347"/>
+                <a:gd name="connsiteX2" fmla="*/ 928913 w 929286"/>
+                <a:gd name="connsiteY2" fmla="*/ 248376 h 727347"/>
+                <a:gd name="connsiteX0" fmla="*/ 0 w 1524063"/>
+                <a:gd name="connsiteY0" fmla="*/ 714829 h 801915"/>
+                <a:gd name="connsiteX1" fmla="*/ 682170 w 1524063"/>
+                <a:gd name="connsiteY1" fmla="*/ 3629 h 801915"/>
+                <a:gd name="connsiteX2" fmla="*/ 1523998 w 1524063"/>
+                <a:gd name="connsiteY2" fmla="*/ 801915 h 801915"/>
+                <a:gd name="connsiteX0" fmla="*/ 0 w 1248333"/>
+                <a:gd name="connsiteY0" fmla="*/ 715554 h 817154"/>
+                <a:gd name="connsiteX1" fmla="*/ 682170 w 1248333"/>
+                <a:gd name="connsiteY1" fmla="*/ 4354 h 817154"/>
+                <a:gd name="connsiteX2" fmla="*/ 1248227 w 1248333"/>
+                <a:gd name="connsiteY2" fmla="*/ 817154 h 817154"/>
+                <a:gd name="connsiteX0" fmla="*/ 0 w 1276196"/>
+                <a:gd name="connsiteY0" fmla="*/ 715554 h 817154"/>
+                <a:gd name="connsiteX1" fmla="*/ 682170 w 1276196"/>
+                <a:gd name="connsiteY1" fmla="*/ 4354 h 817154"/>
+                <a:gd name="connsiteX2" fmla="*/ 1248227 w 1276196"/>
+                <a:gd name="connsiteY2" fmla="*/ 817154 h 817154"/>
+                <a:gd name="connsiteX0" fmla="*/ 0 w 1276196"/>
+                <a:gd name="connsiteY0" fmla="*/ 713456 h 771513"/>
+                <a:gd name="connsiteX1" fmla="*/ 682170 w 1276196"/>
+                <a:gd name="connsiteY1" fmla="*/ 2256 h 771513"/>
+                <a:gd name="connsiteX2" fmla="*/ 1248227 w 1276196"/>
+                <a:gd name="connsiteY2" fmla="*/ 771513 h 771513"/>
+                <a:gd name="connsiteX0" fmla="*/ 0 w 1252556"/>
+                <a:gd name="connsiteY0" fmla="*/ 713456 h 771513"/>
+                <a:gd name="connsiteX1" fmla="*/ 682170 w 1252556"/>
+                <a:gd name="connsiteY1" fmla="*/ 2256 h 771513"/>
+                <a:gd name="connsiteX2" fmla="*/ 1248227 w 1252556"/>
+                <a:gd name="connsiteY2" fmla="*/ 771513 h 771513"/>
+                <a:gd name="connsiteX0" fmla="*/ 0 w 1151958"/>
+                <a:gd name="connsiteY0" fmla="*/ 776435 h 776435"/>
+                <a:gd name="connsiteX1" fmla="*/ 682170 w 1151958"/>
+                <a:gd name="connsiteY1" fmla="*/ 65235 h 776435"/>
+                <a:gd name="connsiteX2" fmla="*/ 1146627 w 1151958"/>
+                <a:gd name="connsiteY2" fmla="*/ 457120 h 776435"/>
+                <a:gd name="connsiteX0" fmla="*/ 0 w 1149552"/>
+                <a:gd name="connsiteY0" fmla="*/ 723088 h 723088"/>
+                <a:gd name="connsiteX1" fmla="*/ 682170 w 1149552"/>
+                <a:gd name="connsiteY1" fmla="*/ 11888 h 723088"/>
+                <a:gd name="connsiteX2" fmla="*/ 1146627 w 1149552"/>
+                <a:gd name="connsiteY2" fmla="*/ 403773 h 723088"/>
+                <a:gd name="connsiteX0" fmla="*/ 0 w 742673"/>
+                <a:gd name="connsiteY0" fmla="*/ 457653 h 486681"/>
+                <a:gd name="connsiteX1" fmla="*/ 275770 w 742673"/>
+                <a:gd name="connsiteY1" fmla="*/ 94796 h 486681"/>
+                <a:gd name="connsiteX2" fmla="*/ 740227 w 742673"/>
+                <a:gd name="connsiteY2" fmla="*/ 486681 h 486681"/>
+                <a:gd name="connsiteX0" fmla="*/ 0 w 742673"/>
+                <a:gd name="connsiteY0" fmla="*/ 364405 h 393433"/>
+                <a:gd name="connsiteX1" fmla="*/ 275770 w 742673"/>
+                <a:gd name="connsiteY1" fmla="*/ 1548 h 393433"/>
+                <a:gd name="connsiteX2" fmla="*/ 740227 w 742673"/>
+                <a:gd name="connsiteY2" fmla="*/ 393433 h 393433"/>
+                <a:gd name="connsiteX0" fmla="*/ 0 w 829848"/>
+                <a:gd name="connsiteY0" fmla="*/ 364405 h 393433"/>
+                <a:gd name="connsiteX1" fmla="*/ 362856 w 829848"/>
+                <a:gd name="connsiteY1" fmla="*/ 1548 h 393433"/>
+                <a:gd name="connsiteX2" fmla="*/ 827313 w 829848"/>
+                <a:gd name="connsiteY2" fmla="*/ 393433 h 393433"/>
+                <a:gd name="connsiteX0" fmla="*/ 0 w 829848"/>
+                <a:gd name="connsiteY0" fmla="*/ 363024 h 392052"/>
+                <a:gd name="connsiteX1" fmla="*/ 362856 w 829848"/>
+                <a:gd name="connsiteY1" fmla="*/ 167 h 392052"/>
+                <a:gd name="connsiteX2" fmla="*/ 827313 w 829848"/>
+                <a:gd name="connsiteY2" fmla="*/ 392052 h 392052"/>
+                <a:gd name="connsiteX0" fmla="*/ 0 w 728950"/>
+                <a:gd name="connsiteY0" fmla="*/ 362901 h 377415"/>
+                <a:gd name="connsiteX1" fmla="*/ 362856 w 728950"/>
+                <a:gd name="connsiteY1" fmla="*/ 44 h 377415"/>
+                <a:gd name="connsiteX2" fmla="*/ 725713 w 728950"/>
+                <a:gd name="connsiteY2" fmla="*/ 377415 h 377415"/>
+                <a:gd name="connsiteX0" fmla="*/ 0 w 725713"/>
+                <a:gd name="connsiteY0" fmla="*/ 362901 h 377415"/>
+                <a:gd name="connsiteX1" fmla="*/ 362856 w 725713"/>
+                <a:gd name="connsiteY1" fmla="*/ 44 h 377415"/>
+                <a:gd name="connsiteX2" fmla="*/ 725713 w 725713"/>
+                <a:gd name="connsiteY2" fmla="*/ 377415 h 377415"/>
+                <a:gd name="connsiteX0" fmla="*/ 0 w 725713"/>
+                <a:gd name="connsiteY0" fmla="*/ 362901 h 377415"/>
+                <a:gd name="connsiteX1" fmla="*/ 362856 w 725713"/>
+                <a:gd name="connsiteY1" fmla="*/ 44 h 377415"/>
+                <a:gd name="connsiteX2" fmla="*/ 725713 w 725713"/>
+                <a:gd name="connsiteY2" fmla="*/ 377415 h 377415"/>
+                <a:gd name="connsiteX0" fmla="*/ 0 w 725713"/>
+                <a:gd name="connsiteY0" fmla="*/ 362901 h 377415"/>
+                <a:gd name="connsiteX1" fmla="*/ 362856 w 725713"/>
+                <a:gd name="connsiteY1" fmla="*/ 44 h 377415"/>
+                <a:gd name="connsiteX2" fmla="*/ 725713 w 725713"/>
+                <a:gd name="connsiteY2" fmla="*/ 377415 h 377415"/>
+                <a:gd name="connsiteX0" fmla="*/ 106 w 725819"/>
+                <a:gd name="connsiteY0" fmla="*/ 362901 h 377415"/>
+                <a:gd name="connsiteX1" fmla="*/ 362962 w 725819"/>
+                <a:gd name="connsiteY1" fmla="*/ 44 h 377415"/>
+                <a:gd name="connsiteX2" fmla="*/ 725819 w 725819"/>
+                <a:gd name="connsiteY2" fmla="*/ 377415 h 377415"/>
+                <a:gd name="connsiteX0" fmla="*/ 233 w 624346"/>
+                <a:gd name="connsiteY0" fmla="*/ 348534 h 377562"/>
+                <a:gd name="connsiteX1" fmla="*/ 261489 w 624346"/>
+                <a:gd name="connsiteY1" fmla="*/ 191 h 377562"/>
+                <a:gd name="connsiteX2" fmla="*/ 624346 w 624346"/>
+                <a:gd name="connsiteY2" fmla="*/ 377562 h 377562"/>
+                <a:gd name="connsiteX0" fmla="*/ 220 w 566276"/>
+                <a:gd name="connsiteY0" fmla="*/ 348534 h 377562"/>
+                <a:gd name="connsiteX1" fmla="*/ 261476 w 566276"/>
+                <a:gd name="connsiteY1" fmla="*/ 191 h 377562"/>
+                <a:gd name="connsiteX2" fmla="*/ 566276 w 566276"/>
+                <a:gd name="connsiteY2" fmla="*/ 377562 h 377562"/>
+                <a:gd name="connsiteX0" fmla="*/ 301 w 508300"/>
+                <a:gd name="connsiteY0" fmla="*/ 348534 h 377562"/>
+                <a:gd name="connsiteX1" fmla="*/ 203500 w 508300"/>
+                <a:gd name="connsiteY1" fmla="*/ 191 h 377562"/>
+                <a:gd name="connsiteX2" fmla="*/ 508300 w 508300"/>
+                <a:gd name="connsiteY2" fmla="*/ 377562 h 377562"/>
+                <a:gd name="connsiteX0" fmla="*/ 0 w 507999"/>
+                <a:gd name="connsiteY0" fmla="*/ 806039 h 835067"/>
+                <a:gd name="connsiteX1" fmla="*/ 203199 w 507999"/>
+                <a:gd name="connsiteY1" fmla="*/ 457696 h 835067"/>
+                <a:gd name="connsiteX2" fmla="*/ 507999 w 507999"/>
+                <a:gd name="connsiteY2" fmla="*/ 835067 h 835067"/>
+                <a:gd name="connsiteX0" fmla="*/ 0 w 507999"/>
+                <a:gd name="connsiteY0" fmla="*/ 821441 h 850469"/>
+                <a:gd name="connsiteX1" fmla="*/ 203199 w 507999"/>
+                <a:gd name="connsiteY1" fmla="*/ 473098 h 850469"/>
+                <a:gd name="connsiteX2" fmla="*/ 507999 w 507999"/>
+                <a:gd name="connsiteY2" fmla="*/ 850469 h 850469"/>
+                <a:gd name="connsiteX0" fmla="*/ 14918 w 522917"/>
+                <a:gd name="connsiteY0" fmla="*/ 408479 h 437507"/>
+                <a:gd name="connsiteX1" fmla="*/ 218117 w 522917"/>
+                <a:gd name="connsiteY1" fmla="*/ 60136 h 437507"/>
+                <a:gd name="connsiteX2" fmla="*/ 522917 w 522917"/>
+                <a:gd name="connsiteY2" fmla="*/ 437507 h 437507"/>
+                <a:gd name="connsiteX0" fmla="*/ 11291 w 519290"/>
+                <a:gd name="connsiteY0" fmla="*/ 380991 h 410019"/>
+                <a:gd name="connsiteX1" fmla="*/ 214490 w 519290"/>
+                <a:gd name="connsiteY1" fmla="*/ 32648 h 410019"/>
+                <a:gd name="connsiteX2" fmla="*/ 519290 w 519290"/>
+                <a:gd name="connsiteY2" fmla="*/ 410019 h 410019"/>
+                <a:gd name="connsiteX0" fmla="*/ 6871 w 514870"/>
+                <a:gd name="connsiteY0" fmla="*/ 371249 h 400277"/>
+                <a:gd name="connsiteX1" fmla="*/ 210070 w 514870"/>
+                <a:gd name="connsiteY1" fmla="*/ 22906 h 400277"/>
+                <a:gd name="connsiteX2" fmla="*/ 514870 w 514870"/>
+                <a:gd name="connsiteY2" fmla="*/ 400277 h 400277"/>
+                <a:gd name="connsiteX0" fmla="*/ 1807 w 509806"/>
+                <a:gd name="connsiteY0" fmla="*/ 389801 h 418829"/>
+                <a:gd name="connsiteX1" fmla="*/ 21190 w 509806"/>
+                <a:gd name="connsiteY1" fmla="*/ 48857 h 418829"/>
+                <a:gd name="connsiteX2" fmla="*/ 205006 w 509806"/>
+                <a:gd name="connsiteY2" fmla="*/ 41458 h 418829"/>
+                <a:gd name="connsiteX3" fmla="*/ 509806 w 509806"/>
+                <a:gd name="connsiteY3" fmla="*/ 418829 h 418829"/>
+                <a:gd name="connsiteX0" fmla="*/ 1807 w 509806"/>
+                <a:gd name="connsiteY0" fmla="*/ 372244 h 401272"/>
+                <a:gd name="connsiteX1" fmla="*/ 21190 w 509806"/>
+                <a:gd name="connsiteY1" fmla="*/ 31300 h 401272"/>
+                <a:gd name="connsiteX2" fmla="*/ 205006 w 509806"/>
+                <a:gd name="connsiteY2" fmla="*/ 23901 h 401272"/>
+                <a:gd name="connsiteX3" fmla="*/ 449587 w 509806"/>
+                <a:gd name="connsiteY3" fmla="*/ 106480 h 401272"/>
+                <a:gd name="connsiteX4" fmla="*/ 509806 w 509806"/>
+                <a:gd name="connsiteY4" fmla="*/ 401272 h 401272"/>
+                <a:gd name="connsiteX0" fmla="*/ 1807 w 510247"/>
+                <a:gd name="connsiteY0" fmla="*/ 369146 h 398174"/>
+                <a:gd name="connsiteX1" fmla="*/ 21190 w 510247"/>
+                <a:gd name="connsiteY1" fmla="*/ 28202 h 398174"/>
+                <a:gd name="connsiteX2" fmla="*/ 205006 w 510247"/>
+                <a:gd name="connsiteY2" fmla="*/ 20803 h 398174"/>
+                <a:gd name="connsiteX3" fmla="*/ 480107 w 510247"/>
+                <a:gd name="connsiteY3" fmla="*/ 35959 h 398174"/>
+                <a:gd name="connsiteX4" fmla="*/ 509806 w 510247"/>
+                <a:gd name="connsiteY4" fmla="*/ 398174 h 398174"/>
+                <a:gd name="connsiteX0" fmla="*/ 1807 w 510247"/>
+                <a:gd name="connsiteY0" fmla="*/ 386111 h 415139"/>
+                <a:gd name="connsiteX1" fmla="*/ 21190 w 510247"/>
+                <a:gd name="connsiteY1" fmla="*/ 45167 h 415139"/>
+                <a:gd name="connsiteX2" fmla="*/ 230393 w 510247"/>
+                <a:gd name="connsiteY2" fmla="*/ 2391 h 415139"/>
+                <a:gd name="connsiteX3" fmla="*/ 480107 w 510247"/>
+                <a:gd name="connsiteY3" fmla="*/ 52924 h 415139"/>
+                <a:gd name="connsiteX4" fmla="*/ 509806 w 510247"/>
+                <a:gd name="connsiteY4" fmla="*/ 415139 h 415139"/>
+                <a:gd name="connsiteX0" fmla="*/ 1807 w 510247"/>
+                <a:gd name="connsiteY0" fmla="*/ 386111 h 415139"/>
+                <a:gd name="connsiteX1" fmla="*/ 21190 w 510247"/>
+                <a:gd name="connsiteY1" fmla="*/ 45167 h 415139"/>
+                <a:gd name="connsiteX2" fmla="*/ 230393 w 510247"/>
+                <a:gd name="connsiteY2" fmla="*/ 2391 h 415139"/>
+                <a:gd name="connsiteX3" fmla="*/ 480107 w 510247"/>
+                <a:gd name="connsiteY3" fmla="*/ 52924 h 415139"/>
+                <a:gd name="connsiteX4" fmla="*/ 509806 w 510247"/>
+                <a:gd name="connsiteY4" fmla="*/ 415139 h 415139"/>
+                <a:gd name="connsiteX0" fmla="*/ 13861 w 522301"/>
+                <a:gd name="connsiteY0" fmla="*/ 384659 h 413687"/>
+                <a:gd name="connsiteX1" fmla="*/ 14518 w 522301"/>
+                <a:gd name="connsiteY1" fmla="*/ 119601 h 413687"/>
+                <a:gd name="connsiteX2" fmla="*/ 242447 w 522301"/>
+                <a:gd name="connsiteY2" fmla="*/ 939 h 413687"/>
+                <a:gd name="connsiteX3" fmla="*/ 492161 w 522301"/>
+                <a:gd name="connsiteY3" fmla="*/ 51472 h 413687"/>
+                <a:gd name="connsiteX4" fmla="*/ 521860 w 522301"/>
+                <a:gd name="connsiteY4" fmla="*/ 413687 h 413687"/>
+                <a:gd name="connsiteX0" fmla="*/ 13861 w 522301"/>
+                <a:gd name="connsiteY0" fmla="*/ 333187 h 362215"/>
+                <a:gd name="connsiteX1" fmla="*/ 14518 w 522301"/>
+                <a:gd name="connsiteY1" fmla="*/ 68129 h 362215"/>
+                <a:gd name="connsiteX2" fmla="*/ 191673 w 522301"/>
+                <a:gd name="connsiteY2" fmla="*/ 20220 h 362215"/>
+                <a:gd name="connsiteX3" fmla="*/ 492161 w 522301"/>
+                <a:gd name="connsiteY3" fmla="*/ 0 h 362215"/>
+                <a:gd name="connsiteX4" fmla="*/ 521860 w 522301"/>
+                <a:gd name="connsiteY4" fmla="*/ 362215 h 362215"/>
+                <a:gd name="connsiteX0" fmla="*/ 13861 w 522301"/>
+                <a:gd name="connsiteY0" fmla="*/ 333187 h 362215"/>
+                <a:gd name="connsiteX1" fmla="*/ 14518 w 522301"/>
+                <a:gd name="connsiteY1" fmla="*/ 68129 h 362215"/>
+                <a:gd name="connsiteX2" fmla="*/ 191673 w 522301"/>
+                <a:gd name="connsiteY2" fmla="*/ 20220 h 362215"/>
+                <a:gd name="connsiteX3" fmla="*/ 492161 w 522301"/>
+                <a:gd name="connsiteY3" fmla="*/ 0 h 362215"/>
+                <a:gd name="connsiteX4" fmla="*/ 521860 w 522301"/>
+                <a:gd name="connsiteY4" fmla="*/ 362215 h 362215"/>
+                <a:gd name="connsiteX0" fmla="*/ 10609 w 519049"/>
+                <a:gd name="connsiteY0" fmla="*/ 333187 h 362215"/>
+                <a:gd name="connsiteX1" fmla="*/ 11266 w 519049"/>
+                <a:gd name="connsiteY1" fmla="*/ 68129 h 362215"/>
+                <a:gd name="connsiteX2" fmla="*/ 188421 w 519049"/>
+                <a:gd name="connsiteY2" fmla="*/ 20220 h 362215"/>
+                <a:gd name="connsiteX3" fmla="*/ 488909 w 519049"/>
+                <a:gd name="connsiteY3" fmla="*/ 0 h 362215"/>
+                <a:gd name="connsiteX4" fmla="*/ 518608 w 519049"/>
+                <a:gd name="connsiteY4" fmla="*/ 362215 h 362215"/>
+              </a:gdLst>
+              <a:ahLst/>
+              <a:cxnLst>
+                <a:cxn ang="0">
+                  <a:pos x="connsiteX0" y="connsiteY0"/>
+                </a:cxn>
+                <a:cxn ang="0">
+                  <a:pos x="connsiteX1" y="connsiteY1"/>
+                </a:cxn>
+                <a:cxn ang="0">
+                  <a:pos x="connsiteX2" y="connsiteY2"/>
+                </a:cxn>
+                <a:cxn ang="0">
+                  <a:pos x="connsiteX3" y="connsiteY3"/>
+                </a:cxn>
+                <a:cxn ang="0">
+                  <a:pos x="connsiteX4" y="connsiteY4"/>
+                </a:cxn>
+              </a:cxnLst>
+              <a:rect l="l" t="t" r="r" b="b"/>
+              <a:pathLst>
+                <a:path w="519049" h="362215">
+                  <a:moveTo>
+                    <a:pt x="10609" y="333187"/>
+                  </a:moveTo>
+                  <a:cubicBezTo>
+                    <a:pt x="32840" y="75621"/>
+                    <a:pt x="-22601" y="126186"/>
+                    <a:pt x="11266" y="68129"/>
+                  </a:cubicBezTo>
+                  <a:cubicBezTo>
+                    <a:pt x="45133" y="10072"/>
+                    <a:pt x="-4251" y="39763"/>
+                    <a:pt x="188421" y="20220"/>
+                  </a:cubicBezTo>
+                  <a:cubicBezTo>
+                    <a:pt x="381093" y="677"/>
+                    <a:pt x="100445" y="34224"/>
+                    <a:pt x="488909" y="0"/>
+                  </a:cubicBezTo>
+                  <a:cubicBezTo>
+                    <a:pt x="539709" y="62895"/>
+                    <a:pt x="508571" y="313083"/>
+                    <a:pt x="518608" y="362215"/>
+                  </a:cubicBezTo>
+                </a:path>
+              </a:pathLst>
+            </a:custGeom>
+            <a:noFill/>
+            <a:ln w="88900" cap="rnd">
+              <a:solidFill>
+                <a:schemeClr val="tx1"/>
+              </a:solidFill>
+            </a:ln>
+          </p:spPr>
+          <p:style>
+            <a:lnRef idx="2">
+              <a:schemeClr val="accent1">
+                <a:shade val="50000"/>
+              </a:schemeClr>
+            </a:lnRef>
+            <a:fillRef idx="1">
+              <a:schemeClr val="accent1"/>
+            </a:fillRef>
+            <a:effectRef idx="0">
+              <a:schemeClr val="accent1"/>
+            </a:effectRef>
+            <a:fontRef idx="minor">
+              <a:schemeClr val="lt1"/>
+            </a:fontRef>
+          </p:style>
+          <p:txBody>
+            <a:bodyPr rtlCol="0" anchor="ctr"/>
+            <a:lstStyle/>
+            <a:p>
+              <a:pPr algn="ctr"/>
+              <a:endParaRPr lang="de-DE"/>
+            </a:p>
+          </p:txBody>
+        </p:sp>
+        <p:sp>
+          <p:nvSpPr>
+            <p:cNvPr id="42" name="Freihandform 41"/>
+            <p:cNvSpPr/>
+            <p:nvPr/>
+          </p:nvSpPr>
+          <p:spPr>
+            <a:xfrm rot="8063698">
+              <a:off x="2531967" y="5305485"/>
+              <a:ext cx="519049" cy="362215"/>
+            </a:xfrm>
+            <a:custGeom>
+              <a:avLst/>
+              <a:gdLst>
+                <a:gd name="connsiteX0" fmla="*/ 783772 w 837533"/>
+                <a:gd name="connsiteY0" fmla="*/ 0 h 2249715"/>
+                <a:gd name="connsiteX1" fmla="*/ 754743 w 837533"/>
+                <a:gd name="connsiteY1" fmla="*/ 1262743 h 2249715"/>
+                <a:gd name="connsiteX2" fmla="*/ 0 w 837533"/>
+                <a:gd name="connsiteY2" fmla="*/ 2249715 h 2249715"/>
+                <a:gd name="connsiteX0" fmla="*/ 740229 w 791140"/>
+                <a:gd name="connsiteY0" fmla="*/ 0 h 2278744"/>
+                <a:gd name="connsiteX1" fmla="*/ 711200 w 791140"/>
+                <a:gd name="connsiteY1" fmla="*/ 1262743 h 2278744"/>
+                <a:gd name="connsiteX2" fmla="*/ 0 w 791140"/>
+                <a:gd name="connsiteY2" fmla="*/ 2278744 h 2278744"/>
+                <a:gd name="connsiteX0" fmla="*/ 740229 w 807721"/>
+                <a:gd name="connsiteY0" fmla="*/ 0 h 2278744"/>
+                <a:gd name="connsiteX1" fmla="*/ 711200 w 807721"/>
+                <a:gd name="connsiteY1" fmla="*/ 1262743 h 2278744"/>
+                <a:gd name="connsiteX2" fmla="*/ 0 w 807721"/>
+                <a:gd name="connsiteY2" fmla="*/ 2278744 h 2278744"/>
+                <a:gd name="connsiteX0" fmla="*/ 740229 w 807721"/>
+                <a:gd name="connsiteY0" fmla="*/ 0 h 2278744"/>
+                <a:gd name="connsiteX1" fmla="*/ 711200 w 807721"/>
+                <a:gd name="connsiteY1" fmla="*/ 1262743 h 2278744"/>
+                <a:gd name="connsiteX2" fmla="*/ 0 w 807721"/>
+                <a:gd name="connsiteY2" fmla="*/ 2278744 h 2278744"/>
+                <a:gd name="connsiteX0" fmla="*/ 812800 w 884581"/>
+                <a:gd name="connsiteY0" fmla="*/ 0 h 2293258"/>
+                <a:gd name="connsiteX1" fmla="*/ 783771 w 884581"/>
+                <a:gd name="connsiteY1" fmla="*/ 1262743 h 2293258"/>
+                <a:gd name="connsiteX2" fmla="*/ 0 w 884581"/>
+                <a:gd name="connsiteY2" fmla="*/ 2293258 h 2293258"/>
+                <a:gd name="connsiteX0" fmla="*/ 812800 w 884581"/>
+                <a:gd name="connsiteY0" fmla="*/ 0 h 2293258"/>
+                <a:gd name="connsiteX1" fmla="*/ 783771 w 884581"/>
+                <a:gd name="connsiteY1" fmla="*/ 1262743 h 2293258"/>
+                <a:gd name="connsiteX2" fmla="*/ 0 w 884581"/>
+                <a:gd name="connsiteY2" fmla="*/ 2293258 h 2293258"/>
+                <a:gd name="connsiteX0" fmla="*/ 0 w 1846937"/>
+                <a:gd name="connsiteY0" fmla="*/ 527394 h 1035395"/>
+                <a:gd name="connsiteX1" fmla="*/ 1814285 w 1846937"/>
+                <a:gd name="connsiteY1" fmla="*/ 4880 h 1035395"/>
+                <a:gd name="connsiteX2" fmla="*/ 1030514 w 1846937"/>
+                <a:gd name="connsiteY2" fmla="*/ 1035395 h 1035395"/>
+                <a:gd name="connsiteX0" fmla="*/ 0 w 1123948"/>
+                <a:gd name="connsiteY0" fmla="*/ 267668 h 775669"/>
+                <a:gd name="connsiteX1" fmla="*/ 188685 w 1123948"/>
+                <a:gd name="connsiteY1" fmla="*/ 6411 h 775669"/>
+                <a:gd name="connsiteX2" fmla="*/ 1030514 w 1123948"/>
+                <a:gd name="connsiteY2" fmla="*/ 775669 h 775669"/>
+                <a:gd name="connsiteX0" fmla="*/ 0 w 581663"/>
+                <a:gd name="connsiteY0" fmla="*/ 268332 h 415649"/>
+                <a:gd name="connsiteX1" fmla="*/ 188685 w 581663"/>
+                <a:gd name="connsiteY1" fmla="*/ 7075 h 415649"/>
+                <a:gd name="connsiteX2" fmla="*/ 435428 w 581663"/>
+                <a:gd name="connsiteY2" fmla="*/ 239304 h 415649"/>
+                <a:gd name="connsiteX0" fmla="*/ 0 w 435428"/>
+                <a:gd name="connsiteY0" fmla="*/ 300719 h 448036"/>
+                <a:gd name="connsiteX1" fmla="*/ 188685 w 435428"/>
+                <a:gd name="connsiteY1" fmla="*/ 39462 h 448036"/>
+                <a:gd name="connsiteX2" fmla="*/ 435428 w 435428"/>
+                <a:gd name="connsiteY2" fmla="*/ 271691 h 448036"/>
+                <a:gd name="connsiteX0" fmla="*/ 0 w 435639"/>
+                <a:gd name="connsiteY0" fmla="*/ 261363 h 408680"/>
+                <a:gd name="connsiteX1" fmla="*/ 188685 w 435639"/>
+                <a:gd name="connsiteY1" fmla="*/ 106 h 408680"/>
+                <a:gd name="connsiteX2" fmla="*/ 435428 w 435639"/>
+                <a:gd name="connsiteY2" fmla="*/ 232335 h 408680"/>
+                <a:gd name="connsiteX0" fmla="*/ 0 w 929286"/>
+                <a:gd name="connsiteY0" fmla="*/ 727347 h 834376"/>
+                <a:gd name="connsiteX1" fmla="*/ 682170 w 929286"/>
+                <a:gd name="connsiteY1" fmla="*/ 16147 h 834376"/>
+                <a:gd name="connsiteX2" fmla="*/ 928913 w 929286"/>
+                <a:gd name="connsiteY2" fmla="*/ 248376 h 834376"/>
+                <a:gd name="connsiteX0" fmla="*/ 0 w 929286"/>
+                <a:gd name="connsiteY0" fmla="*/ 727347 h 727347"/>
+                <a:gd name="connsiteX1" fmla="*/ 682170 w 929286"/>
+                <a:gd name="connsiteY1" fmla="*/ 16147 h 727347"/>
+                <a:gd name="connsiteX2" fmla="*/ 928913 w 929286"/>
+                <a:gd name="connsiteY2" fmla="*/ 248376 h 727347"/>
+                <a:gd name="connsiteX0" fmla="*/ 0 w 1524063"/>
+                <a:gd name="connsiteY0" fmla="*/ 714829 h 801915"/>
+                <a:gd name="connsiteX1" fmla="*/ 682170 w 1524063"/>
+                <a:gd name="connsiteY1" fmla="*/ 3629 h 801915"/>
+                <a:gd name="connsiteX2" fmla="*/ 1523998 w 1524063"/>
+                <a:gd name="connsiteY2" fmla="*/ 801915 h 801915"/>
+                <a:gd name="connsiteX0" fmla="*/ 0 w 1248333"/>
+                <a:gd name="connsiteY0" fmla="*/ 715554 h 817154"/>
+                <a:gd name="connsiteX1" fmla="*/ 682170 w 1248333"/>
+                <a:gd name="connsiteY1" fmla="*/ 4354 h 817154"/>
+                <a:gd name="connsiteX2" fmla="*/ 1248227 w 1248333"/>
+                <a:gd name="connsiteY2" fmla="*/ 817154 h 817154"/>
+                <a:gd name="connsiteX0" fmla="*/ 0 w 1276196"/>
+                <a:gd name="connsiteY0" fmla="*/ 715554 h 817154"/>
+                <a:gd name="connsiteX1" fmla="*/ 682170 w 1276196"/>
+                <a:gd name="connsiteY1" fmla="*/ 4354 h 817154"/>
+                <a:gd name="connsiteX2" fmla="*/ 1248227 w 1276196"/>
+                <a:gd name="connsiteY2" fmla="*/ 817154 h 817154"/>
+                <a:gd name="connsiteX0" fmla="*/ 0 w 1276196"/>
+                <a:gd name="connsiteY0" fmla="*/ 713456 h 771513"/>
+                <a:gd name="connsiteX1" fmla="*/ 682170 w 1276196"/>
+                <a:gd name="connsiteY1" fmla="*/ 2256 h 771513"/>
+                <a:gd name="connsiteX2" fmla="*/ 1248227 w 1276196"/>
+                <a:gd name="connsiteY2" fmla="*/ 771513 h 771513"/>
+                <a:gd name="connsiteX0" fmla="*/ 0 w 1252556"/>
+                <a:gd name="connsiteY0" fmla="*/ 713456 h 771513"/>
+                <a:gd name="connsiteX1" fmla="*/ 682170 w 1252556"/>
+                <a:gd name="connsiteY1" fmla="*/ 2256 h 771513"/>
+                <a:gd name="connsiteX2" fmla="*/ 1248227 w 1252556"/>
+                <a:gd name="connsiteY2" fmla="*/ 771513 h 771513"/>
+                <a:gd name="connsiteX0" fmla="*/ 0 w 1151958"/>
+                <a:gd name="connsiteY0" fmla="*/ 776435 h 776435"/>
+                <a:gd name="connsiteX1" fmla="*/ 682170 w 1151958"/>
+                <a:gd name="connsiteY1" fmla="*/ 65235 h 776435"/>
+                <a:gd name="connsiteX2" fmla="*/ 1146627 w 1151958"/>
+                <a:gd name="connsiteY2" fmla="*/ 457120 h 776435"/>
+                <a:gd name="connsiteX0" fmla="*/ 0 w 1149552"/>
+                <a:gd name="connsiteY0" fmla="*/ 723088 h 723088"/>
+                <a:gd name="connsiteX1" fmla="*/ 682170 w 1149552"/>
+                <a:gd name="connsiteY1" fmla="*/ 11888 h 723088"/>
+                <a:gd name="connsiteX2" fmla="*/ 1146627 w 1149552"/>
+                <a:gd name="connsiteY2" fmla="*/ 403773 h 723088"/>
+                <a:gd name="connsiteX0" fmla="*/ 0 w 742673"/>
+                <a:gd name="connsiteY0" fmla="*/ 457653 h 486681"/>
+                <a:gd name="connsiteX1" fmla="*/ 275770 w 742673"/>
+                <a:gd name="connsiteY1" fmla="*/ 94796 h 486681"/>
+                <a:gd name="connsiteX2" fmla="*/ 740227 w 742673"/>
+                <a:gd name="connsiteY2" fmla="*/ 486681 h 486681"/>
+                <a:gd name="connsiteX0" fmla="*/ 0 w 742673"/>
+                <a:gd name="connsiteY0" fmla="*/ 364405 h 393433"/>
+                <a:gd name="connsiteX1" fmla="*/ 275770 w 742673"/>
+                <a:gd name="connsiteY1" fmla="*/ 1548 h 393433"/>
+                <a:gd name="connsiteX2" fmla="*/ 740227 w 742673"/>
+                <a:gd name="connsiteY2" fmla="*/ 393433 h 393433"/>
+                <a:gd name="connsiteX0" fmla="*/ 0 w 829848"/>
+                <a:gd name="connsiteY0" fmla="*/ 364405 h 393433"/>
+                <a:gd name="connsiteX1" fmla="*/ 362856 w 829848"/>
+                <a:gd name="connsiteY1" fmla="*/ 1548 h 393433"/>
+                <a:gd name="connsiteX2" fmla="*/ 827313 w 829848"/>
+                <a:gd name="connsiteY2" fmla="*/ 393433 h 393433"/>
+                <a:gd name="connsiteX0" fmla="*/ 0 w 829848"/>
+                <a:gd name="connsiteY0" fmla="*/ 363024 h 392052"/>
+                <a:gd name="connsiteX1" fmla="*/ 362856 w 829848"/>
+                <a:gd name="connsiteY1" fmla="*/ 167 h 392052"/>
+                <a:gd name="connsiteX2" fmla="*/ 827313 w 829848"/>
+                <a:gd name="connsiteY2" fmla="*/ 392052 h 392052"/>
+                <a:gd name="connsiteX0" fmla="*/ 0 w 728950"/>
+                <a:gd name="connsiteY0" fmla="*/ 362901 h 377415"/>
+                <a:gd name="connsiteX1" fmla="*/ 362856 w 728950"/>
+                <a:gd name="connsiteY1" fmla="*/ 44 h 377415"/>
+                <a:gd name="connsiteX2" fmla="*/ 725713 w 728950"/>
+                <a:gd name="connsiteY2" fmla="*/ 377415 h 377415"/>
+                <a:gd name="connsiteX0" fmla="*/ 0 w 725713"/>
+                <a:gd name="connsiteY0" fmla="*/ 362901 h 377415"/>
+                <a:gd name="connsiteX1" fmla="*/ 362856 w 725713"/>
+                <a:gd name="connsiteY1" fmla="*/ 44 h 377415"/>
+                <a:gd name="connsiteX2" fmla="*/ 725713 w 725713"/>
+                <a:gd name="connsiteY2" fmla="*/ 377415 h 377415"/>
+                <a:gd name="connsiteX0" fmla="*/ 0 w 725713"/>
+                <a:gd name="connsiteY0" fmla="*/ 362901 h 377415"/>
+                <a:gd name="connsiteX1" fmla="*/ 362856 w 725713"/>
+                <a:gd name="connsiteY1" fmla="*/ 44 h 377415"/>
+                <a:gd name="connsiteX2" fmla="*/ 725713 w 725713"/>
+                <a:gd name="connsiteY2" fmla="*/ 377415 h 377415"/>
+                <a:gd name="connsiteX0" fmla="*/ 0 w 725713"/>
+                <a:gd name="connsiteY0" fmla="*/ 362901 h 377415"/>
+                <a:gd name="connsiteX1" fmla="*/ 362856 w 725713"/>
+                <a:gd name="connsiteY1" fmla="*/ 44 h 377415"/>
+                <a:gd name="connsiteX2" fmla="*/ 725713 w 725713"/>
+                <a:gd name="connsiteY2" fmla="*/ 377415 h 377415"/>
+                <a:gd name="connsiteX0" fmla="*/ 106 w 725819"/>
+                <a:gd name="connsiteY0" fmla="*/ 362901 h 377415"/>
+                <a:gd name="connsiteX1" fmla="*/ 362962 w 725819"/>
+                <a:gd name="connsiteY1" fmla="*/ 44 h 377415"/>
+                <a:gd name="connsiteX2" fmla="*/ 725819 w 725819"/>
+                <a:gd name="connsiteY2" fmla="*/ 377415 h 377415"/>
+                <a:gd name="connsiteX0" fmla="*/ 233 w 624346"/>
+                <a:gd name="connsiteY0" fmla="*/ 348534 h 377562"/>
+                <a:gd name="connsiteX1" fmla="*/ 261489 w 624346"/>
+                <a:gd name="connsiteY1" fmla="*/ 191 h 377562"/>
+                <a:gd name="connsiteX2" fmla="*/ 624346 w 624346"/>
+                <a:gd name="connsiteY2" fmla="*/ 377562 h 377562"/>
+                <a:gd name="connsiteX0" fmla="*/ 220 w 566276"/>
+                <a:gd name="connsiteY0" fmla="*/ 348534 h 377562"/>
+                <a:gd name="connsiteX1" fmla="*/ 261476 w 566276"/>
+                <a:gd name="connsiteY1" fmla="*/ 191 h 377562"/>
+                <a:gd name="connsiteX2" fmla="*/ 566276 w 566276"/>
+                <a:gd name="connsiteY2" fmla="*/ 377562 h 377562"/>
+                <a:gd name="connsiteX0" fmla="*/ 301 w 508300"/>
+                <a:gd name="connsiteY0" fmla="*/ 348534 h 377562"/>
+                <a:gd name="connsiteX1" fmla="*/ 203500 w 508300"/>
+                <a:gd name="connsiteY1" fmla="*/ 191 h 377562"/>
+                <a:gd name="connsiteX2" fmla="*/ 508300 w 508300"/>
+                <a:gd name="connsiteY2" fmla="*/ 377562 h 377562"/>
+                <a:gd name="connsiteX0" fmla="*/ 0 w 507999"/>
+                <a:gd name="connsiteY0" fmla="*/ 806039 h 835067"/>
+                <a:gd name="connsiteX1" fmla="*/ 203199 w 507999"/>
+                <a:gd name="connsiteY1" fmla="*/ 457696 h 835067"/>
+                <a:gd name="connsiteX2" fmla="*/ 507999 w 507999"/>
+                <a:gd name="connsiteY2" fmla="*/ 835067 h 835067"/>
+                <a:gd name="connsiteX0" fmla="*/ 0 w 507999"/>
+                <a:gd name="connsiteY0" fmla="*/ 821441 h 850469"/>
+                <a:gd name="connsiteX1" fmla="*/ 203199 w 507999"/>
+                <a:gd name="connsiteY1" fmla="*/ 473098 h 850469"/>
+                <a:gd name="connsiteX2" fmla="*/ 507999 w 507999"/>
+                <a:gd name="connsiteY2" fmla="*/ 850469 h 850469"/>
+                <a:gd name="connsiteX0" fmla="*/ 14918 w 522917"/>
+                <a:gd name="connsiteY0" fmla="*/ 408479 h 437507"/>
+                <a:gd name="connsiteX1" fmla="*/ 218117 w 522917"/>
+                <a:gd name="connsiteY1" fmla="*/ 60136 h 437507"/>
+                <a:gd name="connsiteX2" fmla="*/ 522917 w 522917"/>
+                <a:gd name="connsiteY2" fmla="*/ 437507 h 437507"/>
+                <a:gd name="connsiteX0" fmla="*/ 11291 w 519290"/>
+                <a:gd name="connsiteY0" fmla="*/ 380991 h 410019"/>
+                <a:gd name="connsiteX1" fmla="*/ 214490 w 519290"/>
+                <a:gd name="connsiteY1" fmla="*/ 32648 h 410019"/>
+                <a:gd name="connsiteX2" fmla="*/ 519290 w 519290"/>
+                <a:gd name="connsiteY2" fmla="*/ 410019 h 410019"/>
+                <a:gd name="connsiteX0" fmla="*/ 6871 w 514870"/>
+                <a:gd name="connsiteY0" fmla="*/ 371249 h 400277"/>
+                <a:gd name="connsiteX1" fmla="*/ 210070 w 514870"/>
+                <a:gd name="connsiteY1" fmla="*/ 22906 h 400277"/>
+                <a:gd name="connsiteX2" fmla="*/ 514870 w 514870"/>
+                <a:gd name="connsiteY2" fmla="*/ 400277 h 400277"/>
+                <a:gd name="connsiteX0" fmla="*/ 1807 w 509806"/>
+                <a:gd name="connsiteY0" fmla="*/ 389801 h 418829"/>
+                <a:gd name="connsiteX1" fmla="*/ 21190 w 509806"/>
+                <a:gd name="connsiteY1" fmla="*/ 48857 h 418829"/>
+                <a:gd name="connsiteX2" fmla="*/ 205006 w 509806"/>
+                <a:gd name="connsiteY2" fmla="*/ 41458 h 418829"/>
+                <a:gd name="connsiteX3" fmla="*/ 509806 w 509806"/>
+                <a:gd name="connsiteY3" fmla="*/ 418829 h 418829"/>
+                <a:gd name="connsiteX0" fmla="*/ 1807 w 509806"/>
+                <a:gd name="connsiteY0" fmla="*/ 372244 h 401272"/>
+                <a:gd name="connsiteX1" fmla="*/ 21190 w 509806"/>
+                <a:gd name="connsiteY1" fmla="*/ 31300 h 401272"/>
+                <a:gd name="connsiteX2" fmla="*/ 205006 w 509806"/>
+                <a:gd name="connsiteY2" fmla="*/ 23901 h 401272"/>
+                <a:gd name="connsiteX3" fmla="*/ 449587 w 509806"/>
+                <a:gd name="connsiteY3" fmla="*/ 106480 h 401272"/>
+                <a:gd name="connsiteX4" fmla="*/ 509806 w 509806"/>
+                <a:gd name="connsiteY4" fmla="*/ 401272 h 401272"/>
+                <a:gd name="connsiteX0" fmla="*/ 1807 w 510247"/>
+                <a:gd name="connsiteY0" fmla="*/ 369146 h 398174"/>
+                <a:gd name="connsiteX1" fmla="*/ 21190 w 510247"/>
+                <a:gd name="connsiteY1" fmla="*/ 28202 h 398174"/>
+                <a:gd name="connsiteX2" fmla="*/ 205006 w 510247"/>
+                <a:gd name="connsiteY2" fmla="*/ 20803 h 398174"/>
+                <a:gd name="connsiteX3" fmla="*/ 480107 w 510247"/>
+                <a:gd name="connsiteY3" fmla="*/ 35959 h 398174"/>
+                <a:gd name="connsiteX4" fmla="*/ 509806 w 510247"/>
+                <a:gd name="connsiteY4" fmla="*/ 398174 h 398174"/>
+                <a:gd name="connsiteX0" fmla="*/ 1807 w 510247"/>
+                <a:gd name="connsiteY0" fmla="*/ 386111 h 415139"/>
+                <a:gd name="connsiteX1" fmla="*/ 21190 w 510247"/>
+                <a:gd name="connsiteY1" fmla="*/ 45167 h 415139"/>
+                <a:gd name="connsiteX2" fmla="*/ 230393 w 510247"/>
+                <a:gd name="connsiteY2" fmla="*/ 2391 h 415139"/>
+                <a:gd name="connsiteX3" fmla="*/ 480107 w 510247"/>
+                <a:gd name="connsiteY3" fmla="*/ 52924 h 415139"/>
+                <a:gd name="connsiteX4" fmla="*/ 509806 w 510247"/>
+                <a:gd name="connsiteY4" fmla="*/ 415139 h 415139"/>
+                <a:gd name="connsiteX0" fmla="*/ 1807 w 510247"/>
+                <a:gd name="connsiteY0" fmla="*/ 386111 h 415139"/>
+                <a:gd name="connsiteX1" fmla="*/ 21190 w 510247"/>
+                <a:gd name="connsiteY1" fmla="*/ 45167 h 415139"/>
+                <a:gd name="connsiteX2" fmla="*/ 230393 w 510247"/>
+                <a:gd name="connsiteY2" fmla="*/ 2391 h 415139"/>
+                <a:gd name="connsiteX3" fmla="*/ 480107 w 510247"/>
+                <a:gd name="connsiteY3" fmla="*/ 52924 h 415139"/>
+                <a:gd name="connsiteX4" fmla="*/ 509806 w 510247"/>
+                <a:gd name="connsiteY4" fmla="*/ 415139 h 415139"/>
+                <a:gd name="connsiteX0" fmla="*/ 13861 w 522301"/>
+                <a:gd name="connsiteY0" fmla="*/ 384659 h 413687"/>
+                <a:gd name="connsiteX1" fmla="*/ 14518 w 522301"/>
+                <a:gd name="connsiteY1" fmla="*/ 119601 h 413687"/>
+                <a:gd name="connsiteX2" fmla="*/ 242447 w 522301"/>
+                <a:gd name="connsiteY2" fmla="*/ 939 h 413687"/>
+                <a:gd name="connsiteX3" fmla="*/ 492161 w 522301"/>
+                <a:gd name="connsiteY3" fmla="*/ 51472 h 413687"/>
+                <a:gd name="connsiteX4" fmla="*/ 521860 w 522301"/>
+                <a:gd name="connsiteY4" fmla="*/ 413687 h 413687"/>
+                <a:gd name="connsiteX0" fmla="*/ 13861 w 522301"/>
+                <a:gd name="connsiteY0" fmla="*/ 333187 h 362215"/>
+                <a:gd name="connsiteX1" fmla="*/ 14518 w 522301"/>
+                <a:gd name="connsiteY1" fmla="*/ 68129 h 362215"/>
+                <a:gd name="connsiteX2" fmla="*/ 191673 w 522301"/>
+                <a:gd name="connsiteY2" fmla="*/ 20220 h 362215"/>
+                <a:gd name="connsiteX3" fmla="*/ 492161 w 522301"/>
+                <a:gd name="connsiteY3" fmla="*/ 0 h 362215"/>
+                <a:gd name="connsiteX4" fmla="*/ 521860 w 522301"/>
+                <a:gd name="connsiteY4" fmla="*/ 362215 h 362215"/>
+                <a:gd name="connsiteX0" fmla="*/ 13861 w 522301"/>
+                <a:gd name="connsiteY0" fmla="*/ 333187 h 362215"/>
+                <a:gd name="connsiteX1" fmla="*/ 14518 w 522301"/>
+                <a:gd name="connsiteY1" fmla="*/ 68129 h 362215"/>
+                <a:gd name="connsiteX2" fmla="*/ 191673 w 522301"/>
+                <a:gd name="connsiteY2" fmla="*/ 20220 h 362215"/>
+                <a:gd name="connsiteX3" fmla="*/ 492161 w 522301"/>
+                <a:gd name="connsiteY3" fmla="*/ 0 h 362215"/>
+                <a:gd name="connsiteX4" fmla="*/ 521860 w 522301"/>
+                <a:gd name="connsiteY4" fmla="*/ 362215 h 362215"/>
+                <a:gd name="connsiteX0" fmla="*/ 10609 w 519049"/>
+                <a:gd name="connsiteY0" fmla="*/ 333187 h 362215"/>
+                <a:gd name="connsiteX1" fmla="*/ 11266 w 519049"/>
+                <a:gd name="connsiteY1" fmla="*/ 68129 h 362215"/>
+                <a:gd name="connsiteX2" fmla="*/ 188421 w 519049"/>
+                <a:gd name="connsiteY2" fmla="*/ 20220 h 362215"/>
+                <a:gd name="connsiteX3" fmla="*/ 488909 w 519049"/>
+                <a:gd name="connsiteY3" fmla="*/ 0 h 362215"/>
+                <a:gd name="connsiteX4" fmla="*/ 518608 w 519049"/>
+                <a:gd name="connsiteY4" fmla="*/ 362215 h 362215"/>
+              </a:gdLst>
+              <a:ahLst/>
+              <a:cxnLst>
+                <a:cxn ang="0">
+                  <a:pos x="connsiteX0" y="connsiteY0"/>
+                </a:cxn>
+                <a:cxn ang="0">
+                  <a:pos x="connsiteX1" y="connsiteY1"/>
+                </a:cxn>
+                <a:cxn ang="0">
+                  <a:pos x="connsiteX2" y="connsiteY2"/>
+                </a:cxn>
+                <a:cxn ang="0">
+                  <a:pos x="connsiteX3" y="connsiteY3"/>
+                </a:cxn>
+                <a:cxn ang="0">
+                  <a:pos x="connsiteX4" y="connsiteY4"/>
+                </a:cxn>
+              </a:cxnLst>
+              <a:rect l="l" t="t" r="r" b="b"/>
+              <a:pathLst>
+                <a:path w="519049" h="362215">
+                  <a:moveTo>
+                    <a:pt x="10609" y="333187"/>
+                  </a:moveTo>
+                  <a:cubicBezTo>
+                    <a:pt x="32840" y="75621"/>
+                    <a:pt x="-22601" y="126186"/>
+                    <a:pt x="11266" y="68129"/>
+                  </a:cubicBezTo>
+                  <a:cubicBezTo>
+                    <a:pt x="45133" y="10072"/>
+                    <a:pt x="-4251" y="39763"/>
+                    <a:pt x="188421" y="20220"/>
+                  </a:cubicBezTo>
+                  <a:cubicBezTo>
+                    <a:pt x="381093" y="677"/>
+                    <a:pt x="100445" y="34224"/>
+                    <a:pt x="488909" y="0"/>
+                  </a:cubicBezTo>
+                  <a:cubicBezTo>
+                    <a:pt x="539709" y="62895"/>
+                    <a:pt x="508571" y="313083"/>
+                    <a:pt x="518608" y="362215"/>
+                  </a:cubicBezTo>
+                </a:path>
+              </a:pathLst>
+            </a:custGeom>
+            <a:noFill/>
+            <a:ln w="88900" cap="rnd">
+              <a:solidFill>
+                <a:schemeClr val="tx1"/>
+              </a:solidFill>
+            </a:ln>
+          </p:spPr>
+          <p:style>
+            <a:lnRef idx="2">
+              <a:schemeClr val="accent1">
+                <a:shade val="50000"/>
+              </a:schemeClr>
+            </a:lnRef>
+            <a:fillRef idx="1">
+              <a:schemeClr val="accent1"/>
+            </a:fillRef>
+            <a:effectRef idx="0">
+              <a:schemeClr val="accent1"/>
+            </a:effectRef>
+            <a:fontRef idx="minor">
+              <a:schemeClr val="lt1"/>
+            </a:fontRef>
+          </p:style>
+          <p:txBody>
+            <a:bodyPr rtlCol="0" anchor="ctr"/>
+            <a:lstStyle/>
+            <a:p>
+              <a:pPr algn="ctr"/>
+              <a:endParaRPr lang="de-DE"/>
+            </a:p>
+          </p:txBody>
+        </p:sp>
+        <p:sp>
+          <p:nvSpPr>
+            <p:cNvPr id="45" name="Textfeld 44"/>
+            <p:cNvSpPr txBox="1"/>
+            <p:nvPr/>
+          </p:nvSpPr>
+          <p:spPr>
+            <a:xfrm>
+              <a:off x="5301604" y="4238610"/>
+              <a:ext cx="454197" cy="584775"/>
+            </a:xfrm>
+            <a:prstGeom prst="rect">
+              <a:avLst/>
+            </a:prstGeom>
+            <a:noFill/>
+          </p:spPr>
+          <p:txBody>
+            <a:bodyPr wrap="square" rtlCol="0">
+              <a:spAutoFit/>
+            </a:bodyPr>
+            <a:lstStyle/>
+            <a:p>
+              <a:r>
+                <a:rPr lang="de-DE" sz="3200" b="1" dirty="0" smtClean="0"/>
+                <a:t>B</a:t>
+              </a:r>
+              <a:endParaRPr lang="de-DE" sz="3200" b="1" dirty="0"/>
+            </a:p>
+          </p:txBody>
+        </p:sp>
+        <p:sp>
+          <p:nvSpPr>
+            <p:cNvPr id="46" name="Textfeld 45"/>
+            <p:cNvSpPr txBox="1"/>
+            <p:nvPr/>
+          </p:nvSpPr>
+          <p:spPr>
+            <a:xfrm>
+              <a:off x="5867871" y="2618312"/>
+              <a:ext cx="2480545" cy="584775"/>
+            </a:xfrm>
+            <a:prstGeom prst="rect">
+              <a:avLst/>
+            </a:prstGeom>
+            <a:noFill/>
+          </p:spPr>
+          <p:txBody>
+            <a:bodyPr wrap="square" rtlCol="0">
+              <a:spAutoFit/>
+            </a:bodyPr>
+            <a:lstStyle/>
+            <a:p>
+              <a:r>
+                <a:rPr lang="de-DE" sz="3200" b="1" dirty="0" smtClean="0">
+                  <a:solidFill>
+                    <a:srgbClr val="FF0000"/>
+                  </a:solidFill>
+                </a:rPr>
+                <a:t>U offen in X</a:t>
+              </a:r>
+              <a:endParaRPr lang="de-DE" sz="3200" b="1" dirty="0">
+                <a:solidFill>
+                  <a:srgbClr val="FF0000"/>
+                </a:solidFill>
+              </a:endParaRPr>
+            </a:p>
+          </p:txBody>
+        </p:sp>
+        <p:sp>
+          <p:nvSpPr>
+            <p:cNvPr id="52" name="Textfeld 51"/>
+            <p:cNvSpPr txBox="1"/>
+            <p:nvPr/>
+          </p:nvSpPr>
+          <p:spPr>
+            <a:xfrm>
+              <a:off x="2048472" y="3598006"/>
+              <a:ext cx="864096" cy="1200329"/>
+            </a:xfrm>
+            <a:prstGeom prst="rect">
+              <a:avLst/>
+            </a:prstGeom>
+            <a:noFill/>
+          </p:spPr>
+          <p:txBody>
+            <a:bodyPr wrap="square" rtlCol="0">
+              <a:spAutoFit/>
+            </a:bodyPr>
+            <a:lstStyle/>
+            <a:p>
+              <a:r>
+                <a:rPr lang="de-DE" sz="2400" dirty="0" smtClean="0"/>
+                <a:t>nicht offen in A!</a:t>
+              </a:r>
+              <a:endParaRPr lang="de-DE" sz="2400" dirty="0"/>
+            </a:p>
+          </p:txBody>
+        </p:sp>
+        <p:sp>
+          <p:nvSpPr>
+            <p:cNvPr id="53" name="Textfeld 52"/>
+            <p:cNvSpPr txBox="1"/>
+            <p:nvPr/>
+          </p:nvSpPr>
+          <p:spPr>
+            <a:xfrm>
+              <a:off x="4915358" y="513590"/>
+              <a:ext cx="3708920" cy="830997"/>
+            </a:xfrm>
+            <a:prstGeom prst="rect">
+              <a:avLst/>
+            </a:prstGeom>
+            <a:noFill/>
+          </p:spPr>
+          <p:txBody>
+            <a:bodyPr wrap="square" rtlCol="0">
+              <a:spAutoFit/>
+            </a:bodyPr>
+            <a:lstStyle/>
+            <a:p>
+              <a:r>
+                <a:rPr lang="de-DE" sz="2400" b="1" dirty="0">
+                  <a:latin typeface="Lucida Sans Unicode"/>
+                  <a:cs typeface="Lucida Sans Unicode"/>
+                </a:rPr>
+                <a:t>B = A </a:t>
+              </a:r>
+              <a:r>
+                <a:rPr lang="de-DE" sz="2400" b="1" dirty="0" smtClean="0">
+                  <a:latin typeface="Lucida Sans Unicode"/>
+                  <a:cs typeface="Lucida Sans Unicode"/>
+                </a:rPr>
+                <a:t>∩ U offen in A (nicht in X)</a:t>
+              </a:r>
+              <a:endParaRPr lang="de-DE" sz="2400" b="1" dirty="0"/>
+            </a:p>
+          </p:txBody>
+        </p:sp>
+      </p:grpSp>
+    </p:spTree>
+    <p:extLst>
+      <p:ext uri="{BB962C8B-B14F-4D97-AF65-F5344CB8AC3E}">
+        <p14:creationId xmlns:p14="http://schemas.microsoft.com/office/powerpoint/2010/main" val="3149171372"/>
+      </p:ext>
+    </p:extLst>
+  </p:cSld>
+  <p:clrMapOvr>
+    <a:masterClrMapping/>
+  </p:clrMapOvr>
+</p:sld>
+</file>
+
+<file path=ppt/slides/slide8.xml><?xml version="1.0" encoding="utf-8"?>
+<p:sld xmlns:a="http://schemas.openxmlformats.org/drawingml/2006/main" xmlns:r="http://schemas.openxmlformats.org/officeDocument/2006/relationships" xmlns:p="http://schemas.openxmlformats.org/presentationml/2006/main">
+  <p:cSld>
+    <p:spTree>
+      <p:nvGrpSpPr>
+        <p:cNvPr id="1" name=""/>
+        <p:cNvGrpSpPr/>
+        <p:nvPr/>
+      </p:nvGrpSpPr>
+      <p:grpSpPr>
+        <a:xfrm>
+          <a:off x="0" y="0"/>
+          <a:ext cx="0" cy="0"/>
+          <a:chOff x="0" y="0"/>
+          <a:chExt cx="0" cy="0"/>
+        </a:xfrm>
+      </p:grpSpPr>
+    </p:spTree>
+    <p:extLst>
+      <p:ext uri="{BB962C8B-B14F-4D97-AF65-F5344CB8AC3E}">
+        <p14:creationId xmlns:p14="http://schemas.microsoft.com/office/powerpoint/2010/main" val="3149171372"/>
+      </p:ext>
+    </p:extLst>
+  </p:cSld>
+  <p:clrMapOvr>
+    <a:masterClrMapping/>
+  </p:clrMapOvr>
+</p:sld>
+</file>
+
+<file path=ppt/slides/slide9.xml><?xml version="1.0" encoding="utf-8"?>
+<p:sld xmlns:a="http://schemas.openxmlformats.org/drawingml/2006/main" xmlns:r="http://schemas.openxmlformats.org/officeDocument/2006/relationships" xmlns:p="http://schemas.openxmlformats.org/presentationml/2006/main">
+  <p:cSld>
+    <p:spTree>
+      <p:nvGrpSpPr>
+        <p:cNvPr id="1" name=""/>
+        <p:cNvGrpSpPr/>
+        <p:nvPr/>
+      </p:nvGrpSpPr>
+      <p:grpSpPr>
+        <a:xfrm>
+          <a:off x="0" y="0"/>
+          <a:ext cx="0" cy="0"/>
+          <a:chOff x="0" y="0"/>
+          <a:chExt cx="0" cy="0"/>
+        </a:xfrm>
+      </p:grpSpPr>
+    </p:spTree>
+    <p:extLst>
+      <p:ext uri="{BB962C8B-B14F-4D97-AF65-F5344CB8AC3E}">
+        <p14:creationId xmlns:p14="http://schemas.microsoft.com/office/powerpoint/2010/main" val="3149171372"/>
+      </p:ext>
+    </p:extLst>
+  </p:cSld>
+  <p:clrMapOvr>
+    <a:masterClrMapping/>
+  </p:clrMapOvr>
+</p:sld>
+</file>
+
 <file path=ppt/theme/theme1.xml><?xml version="1.0" encoding="utf-8"?>
 <a:theme xmlns:a="http://schemas.openxmlformats.org/drawingml/2006/main" name="Larissa">
   <a:themeElements>

--- a/images/Bilder.pptx
+++ b/images/Bilder.pptx
@@ -18,6 +18,7 @@
     <p:sldId id="266" r:id="rId12"/>
     <p:sldId id="267" r:id="rId13"/>
     <p:sldId id="268" r:id="rId14"/>
+    <p:sldId id="269" r:id="rId15"/>
   </p:sldIdLst>
   <p:sldSz cx="9144000" cy="6858000" type="screen4x3"/>
   <p:notesSz cx="6858000" cy="9144000"/>
@@ -3107,340 +3108,30 @@
           <a:chExt cx="0" cy="0"/>
         </a:xfrm>
       </p:grpSpPr>
-      <p:sp>
-        <p:nvSpPr>
-          <p:cNvPr id="50" name="Textfeld 49"/>
-          <p:cNvSpPr txBox="1"/>
-          <p:nvPr/>
-        </p:nvSpPr>
-        <p:spPr>
-          <a:xfrm>
-            <a:off x="6168571" y="2224626"/>
-            <a:ext cx="1715797" cy="461665"/>
-          </a:xfrm>
-          <a:prstGeom prst="rect">
-            <a:avLst/>
-          </a:prstGeom>
-          <a:noFill/>
-        </p:spPr>
-        <p:txBody>
-          <a:bodyPr wrap="square" rtlCol="0">
-            <a:spAutoFit/>
-          </a:bodyPr>
-          <a:lstStyle/>
-          <a:p>
-            <a:r>
-              <a:rPr lang="de-DE" sz="2400" dirty="0" smtClean="0">
-                <a:solidFill>
-                  <a:srgbClr val="00B050"/>
-                </a:solidFill>
-              </a:rPr>
-              <a:t>g=h =k =M</a:t>
-            </a:r>
-            <a:endParaRPr lang="de-DE" sz="2400" dirty="0">
-              <a:solidFill>
-                <a:srgbClr val="00B050"/>
-              </a:solidFill>
-            </a:endParaRPr>
-          </a:p>
-        </p:txBody>
-      </p:sp>
-      <p:sp>
-        <p:nvSpPr>
-          <p:cNvPr id="59" name="Textfeld 58"/>
-          <p:cNvSpPr txBox="1"/>
-          <p:nvPr/>
-        </p:nvSpPr>
-        <p:spPr>
-          <a:xfrm>
-            <a:off x="7428655" y="2367789"/>
-            <a:ext cx="743745" cy="369332"/>
-          </a:xfrm>
-          <a:prstGeom prst="rect">
-            <a:avLst/>
-          </a:prstGeom>
-          <a:noFill/>
-        </p:spPr>
-        <p:txBody>
-          <a:bodyPr wrap="square" rtlCol="0">
-            <a:spAutoFit/>
-          </a:bodyPr>
-          <a:lstStyle/>
-          <a:p>
-            <a:r>
-              <a:rPr lang="de-DE" dirty="0" smtClean="0">
-                <a:solidFill>
-                  <a:srgbClr val="00B050"/>
-                </a:solidFill>
-              </a:rPr>
-              <a:t>0,5</a:t>
-            </a:r>
-            <a:endParaRPr lang="de-DE" dirty="0">
-              <a:solidFill>
-                <a:srgbClr val="00B050"/>
-              </a:solidFill>
-            </a:endParaRPr>
-          </a:p>
-        </p:txBody>
-      </p:sp>
       <p:grpSp>
         <p:nvGrpSpPr>
-          <p:cNvPr id="97" name="Gruppieren 96"/>
+          <p:cNvPr id="2" name="Gruppieren 1"/>
           <p:cNvGrpSpPr/>
           <p:nvPr/>
         </p:nvGrpSpPr>
         <p:grpSpPr>
           <a:xfrm>
             <a:off x="1775829" y="692696"/>
-            <a:ext cx="5604483" cy="4395347"/>
+            <a:ext cx="6396571" cy="4395347"/>
             <a:chOff x="1775829" y="692696"/>
-            <a:chExt cx="5604483" cy="4395347"/>
+            <a:chExt cx="6396571" cy="4395347"/>
           </a:xfrm>
         </p:grpSpPr>
         <p:sp>
           <p:nvSpPr>
-            <p:cNvPr id="45" name="Freihandform 44"/>
-            <p:cNvSpPr/>
-            <p:nvPr/>
-          </p:nvSpPr>
-          <p:spPr>
-            <a:xfrm>
-              <a:off x="1775829" y="827314"/>
-              <a:ext cx="4624969" cy="4049486"/>
-            </a:xfrm>
-            <a:custGeom>
-              <a:avLst/>
-              <a:gdLst>
-                <a:gd name="connsiteX0" fmla="*/ 0 w 4470400"/>
-                <a:gd name="connsiteY0" fmla="*/ 0 h 4049486"/>
-                <a:gd name="connsiteX1" fmla="*/ 711200 w 4470400"/>
-                <a:gd name="connsiteY1" fmla="*/ 2249715 h 4049486"/>
-                <a:gd name="connsiteX2" fmla="*/ 145143 w 4470400"/>
-                <a:gd name="connsiteY2" fmla="*/ 3962400 h 4049486"/>
-                <a:gd name="connsiteX3" fmla="*/ 2772229 w 4470400"/>
-                <a:gd name="connsiteY3" fmla="*/ 3323772 h 4049486"/>
-                <a:gd name="connsiteX4" fmla="*/ 4470400 w 4470400"/>
-                <a:gd name="connsiteY4" fmla="*/ 4049486 h 4049486"/>
-                <a:gd name="connsiteX0" fmla="*/ 3597 w 4473997"/>
-                <a:gd name="connsiteY0" fmla="*/ 0 h 4049486"/>
-                <a:gd name="connsiteX1" fmla="*/ 293883 w 4473997"/>
-                <a:gd name="connsiteY1" fmla="*/ 2148115 h 4049486"/>
-                <a:gd name="connsiteX2" fmla="*/ 148740 w 4473997"/>
-                <a:gd name="connsiteY2" fmla="*/ 3962400 h 4049486"/>
-                <a:gd name="connsiteX3" fmla="*/ 2775826 w 4473997"/>
-                <a:gd name="connsiteY3" fmla="*/ 3323772 h 4049486"/>
-                <a:gd name="connsiteX4" fmla="*/ 4473997 w 4473997"/>
-                <a:gd name="connsiteY4" fmla="*/ 4049486 h 4049486"/>
-                <a:gd name="connsiteX0" fmla="*/ 3597 w 4473997"/>
-                <a:gd name="connsiteY0" fmla="*/ 0 h 4049486"/>
-                <a:gd name="connsiteX1" fmla="*/ 293883 w 4473997"/>
-                <a:gd name="connsiteY1" fmla="*/ 2148115 h 4049486"/>
-                <a:gd name="connsiteX2" fmla="*/ 148740 w 4473997"/>
-                <a:gd name="connsiteY2" fmla="*/ 3962400 h 4049486"/>
-                <a:gd name="connsiteX3" fmla="*/ 2775826 w 4473997"/>
-                <a:gd name="connsiteY3" fmla="*/ 3323772 h 4049486"/>
-                <a:gd name="connsiteX4" fmla="*/ 4473997 w 4473997"/>
-                <a:gd name="connsiteY4" fmla="*/ 4049486 h 4049486"/>
-                <a:gd name="connsiteX0" fmla="*/ 129716 w 4600116"/>
-                <a:gd name="connsiteY0" fmla="*/ 0 h 4049486"/>
-                <a:gd name="connsiteX1" fmla="*/ 420002 w 4600116"/>
-                <a:gd name="connsiteY1" fmla="*/ 2148115 h 4049486"/>
-                <a:gd name="connsiteX2" fmla="*/ 274859 w 4600116"/>
-                <a:gd name="connsiteY2" fmla="*/ 3962400 h 4049486"/>
-                <a:gd name="connsiteX3" fmla="*/ 2901945 w 4600116"/>
-                <a:gd name="connsiteY3" fmla="*/ 3323772 h 4049486"/>
-                <a:gd name="connsiteX4" fmla="*/ 4600116 w 4600116"/>
-                <a:gd name="connsiteY4" fmla="*/ 4049486 h 4049486"/>
-                <a:gd name="connsiteX0" fmla="*/ 129716 w 4600116"/>
-                <a:gd name="connsiteY0" fmla="*/ 0 h 4049486"/>
-                <a:gd name="connsiteX1" fmla="*/ 420002 w 4600116"/>
-                <a:gd name="connsiteY1" fmla="*/ 2148115 h 4049486"/>
-                <a:gd name="connsiteX2" fmla="*/ 274859 w 4600116"/>
-                <a:gd name="connsiteY2" fmla="*/ 3962400 h 4049486"/>
-                <a:gd name="connsiteX3" fmla="*/ 2901945 w 4600116"/>
-                <a:gd name="connsiteY3" fmla="*/ 3323772 h 4049486"/>
-                <a:gd name="connsiteX4" fmla="*/ 4600116 w 4600116"/>
-                <a:gd name="connsiteY4" fmla="*/ 4049486 h 4049486"/>
-                <a:gd name="connsiteX0" fmla="*/ 154569 w 4624969"/>
-                <a:gd name="connsiteY0" fmla="*/ 0 h 4049486"/>
-                <a:gd name="connsiteX1" fmla="*/ 444855 w 4624969"/>
-                <a:gd name="connsiteY1" fmla="*/ 2148115 h 4049486"/>
-                <a:gd name="connsiteX2" fmla="*/ 299712 w 4624969"/>
-                <a:gd name="connsiteY2" fmla="*/ 3962400 h 4049486"/>
-                <a:gd name="connsiteX3" fmla="*/ 2926798 w 4624969"/>
-                <a:gd name="connsiteY3" fmla="*/ 3323772 h 4049486"/>
-                <a:gd name="connsiteX4" fmla="*/ 4624969 w 4624969"/>
-                <a:gd name="connsiteY4" fmla="*/ 4049486 h 4049486"/>
-              </a:gdLst>
-              <a:ahLst/>
-              <a:cxnLst>
-                <a:cxn ang="0">
-                  <a:pos x="connsiteX0" y="connsiteY0"/>
-                </a:cxn>
-                <a:cxn ang="0">
-                  <a:pos x="connsiteX1" y="connsiteY1"/>
-                </a:cxn>
-                <a:cxn ang="0">
-                  <a:pos x="connsiteX2" y="connsiteY2"/>
-                </a:cxn>
-                <a:cxn ang="0">
-                  <a:pos x="connsiteX3" y="connsiteY3"/>
-                </a:cxn>
-                <a:cxn ang="0">
-                  <a:pos x="connsiteX4" y="connsiteY4"/>
-                </a:cxn>
-              </a:cxnLst>
-              <a:rect l="l" t="t" r="r" b="b"/>
-              <a:pathLst>
-                <a:path w="4624969" h="4049486">
-                  <a:moveTo>
-                    <a:pt x="154569" y="0"/>
-                  </a:moveTo>
-                  <a:cubicBezTo>
-                    <a:pt x="1078645" y="939800"/>
-                    <a:pt x="551293" y="1836058"/>
-                    <a:pt x="444855" y="2148115"/>
-                  </a:cubicBezTo>
-                  <a:cubicBezTo>
-                    <a:pt x="338417" y="2460172"/>
-                    <a:pt x="-404231" y="3635828"/>
-                    <a:pt x="299712" y="3962400"/>
-                  </a:cubicBezTo>
-                  <a:cubicBezTo>
-                    <a:pt x="1003655" y="4288972"/>
-                    <a:pt x="2205922" y="3309258"/>
-                    <a:pt x="2926798" y="3323772"/>
-                  </a:cubicBezTo>
-                  <a:cubicBezTo>
-                    <a:pt x="3647674" y="3338286"/>
-                    <a:pt x="4136321" y="3693886"/>
-                    <a:pt x="4624969" y="4049486"/>
-                  </a:cubicBezTo>
-                </a:path>
-              </a:pathLst>
-            </a:custGeom>
-            <a:noFill/>
-            <a:ln>
-              <a:solidFill>
-                <a:schemeClr val="tx1"/>
-              </a:solidFill>
-            </a:ln>
-          </p:spPr>
-          <p:style>
-            <a:lnRef idx="2">
-              <a:schemeClr val="accent1">
-                <a:shade val="50000"/>
-              </a:schemeClr>
-            </a:lnRef>
-            <a:fillRef idx="1">
-              <a:schemeClr val="accent1"/>
-            </a:fillRef>
-            <a:effectRef idx="0">
-              <a:schemeClr val="accent1"/>
-            </a:effectRef>
-            <a:fontRef idx="minor">
-              <a:schemeClr val="lt1"/>
-            </a:fontRef>
-          </p:style>
-          <p:txBody>
-            <a:bodyPr rtlCol="0" anchor="ctr"/>
-            <a:lstStyle/>
-            <a:p>
-              <a:pPr algn="ctr"/>
-              <a:endParaRPr lang="de-DE" sz="2400">
-                <a:solidFill>
-                  <a:schemeClr val="tx1"/>
-                </a:solidFill>
-              </a:endParaRPr>
-            </a:p>
-          </p:txBody>
-        </p:sp>
-        <p:sp>
-          <p:nvSpPr>
-            <p:cNvPr id="46" name="Textfeld 45"/>
+            <p:cNvPr id="50" name="Textfeld 49"/>
             <p:cNvSpPr txBox="1"/>
             <p:nvPr/>
           </p:nvSpPr>
           <p:spPr>
             <a:xfrm>
-              <a:off x="4088313" y="4318602"/>
-              <a:ext cx="792088" cy="769441"/>
-            </a:xfrm>
-            <a:prstGeom prst="rect">
-              <a:avLst/>
-            </a:prstGeom>
-            <a:noFill/>
-          </p:spPr>
-          <p:txBody>
-            <a:bodyPr wrap="square" rtlCol="0">
-              <a:spAutoFit/>
-            </a:bodyPr>
-            <a:lstStyle/>
-            <a:p>
-              <a:r>
-                <a:rPr lang="de-DE" sz="4400" b="1" dirty="0" smtClean="0"/>
-                <a:t>Y</a:t>
-              </a:r>
-              <a:endParaRPr lang="de-DE" sz="4400" b="1" dirty="0"/>
-            </a:p>
-          </p:txBody>
-        </p:sp>
-        <p:sp>
-          <p:nvSpPr>
-            <p:cNvPr id="47" name="Bogen 46"/>
-            <p:cNvSpPr/>
-            <p:nvPr/>
-          </p:nvSpPr>
-          <p:spPr>
-            <a:xfrm>
-              <a:off x="2699792" y="692696"/>
-              <a:ext cx="3701006" cy="2880320"/>
-            </a:xfrm>
-            <a:prstGeom prst="arc">
-              <a:avLst>
-                <a:gd name="adj1" fmla="val 11809698"/>
-                <a:gd name="adj2" fmla="val 20184483"/>
-              </a:avLst>
-            </a:prstGeom>
-            <a:ln w="38100">
-              <a:solidFill>
-                <a:schemeClr val="accent6"/>
-              </a:solidFill>
-            </a:ln>
-          </p:spPr>
-          <p:style>
-            <a:lnRef idx="1">
-              <a:schemeClr val="accent1"/>
-            </a:lnRef>
-            <a:fillRef idx="0">
-              <a:schemeClr val="accent1"/>
-            </a:fillRef>
-            <a:effectRef idx="0">
-              <a:schemeClr val="accent1"/>
-            </a:effectRef>
-            <a:fontRef idx="minor">
-              <a:schemeClr val="tx1"/>
-            </a:fontRef>
-          </p:style>
-          <p:txBody>
-            <a:bodyPr rtlCol="0" anchor="ctr"/>
-            <a:lstStyle/>
-            <a:p>
-              <a:pPr algn="ctr"/>
-              <a:endParaRPr lang="de-DE"/>
-            </a:p>
-          </p:txBody>
-        </p:sp>
-        <p:sp>
-          <p:nvSpPr>
-            <p:cNvPr id="48" name="Textfeld 47"/>
-            <p:cNvSpPr txBox="1"/>
-            <p:nvPr/>
-          </p:nvSpPr>
-          <p:spPr>
-            <a:xfrm>
-              <a:off x="6163794" y="692696"/>
-              <a:ext cx="1216518" cy="461665"/>
+              <a:off x="6168571" y="2224626"/>
+              <a:ext cx="1715797" cy="461665"/>
             </a:xfrm>
             <a:prstGeom prst="rect">
               <a:avLst/>
@@ -3456,144 +3147,12 @@
               <a:r>
                 <a:rPr lang="de-DE" sz="2400" dirty="0" smtClean="0">
                   <a:solidFill>
-                    <a:schemeClr val="accent6"/>
+                    <a:srgbClr val="00B050"/>
                   </a:solidFill>
-                  <a:latin typeface="Arial" pitchFamily="34" charset="0"/>
-                  <a:cs typeface="Arial" pitchFamily="34" charset="0"/>
                 </a:rPr>
-                <a:t>l=k =M</a:t>
+                <a:t>g=h =k =M</a:t>
               </a:r>
               <a:endParaRPr lang="de-DE" sz="2400" dirty="0">
-                <a:solidFill>
-                  <a:schemeClr val="accent6"/>
-                </a:solidFill>
-                <a:latin typeface="Arial" pitchFamily="34" charset="0"/>
-                <a:cs typeface="Arial" pitchFamily="34" charset="0"/>
-              </a:endParaRPr>
-            </a:p>
-          </p:txBody>
-        </p:sp>
-        <p:sp>
-          <p:nvSpPr>
-            <p:cNvPr id="49" name="Freihandform 48"/>
-            <p:cNvSpPr/>
-            <p:nvPr/>
-          </p:nvSpPr>
-          <p:spPr>
-            <a:xfrm>
-              <a:off x="2960914" y="2409292"/>
-              <a:ext cx="3207657" cy="537108"/>
-            </a:xfrm>
-            <a:custGeom>
-              <a:avLst/>
-              <a:gdLst>
-                <a:gd name="connsiteX0" fmla="*/ 0 w 3207657"/>
-                <a:gd name="connsiteY0" fmla="*/ 537108 h 537108"/>
-                <a:gd name="connsiteX1" fmla="*/ 464457 w 3207657"/>
-                <a:gd name="connsiteY1" fmla="*/ 79 h 537108"/>
-                <a:gd name="connsiteX2" fmla="*/ 1016000 w 3207657"/>
-                <a:gd name="connsiteY2" fmla="*/ 493565 h 537108"/>
-                <a:gd name="connsiteX3" fmla="*/ 1654629 w 3207657"/>
-                <a:gd name="connsiteY3" fmla="*/ 58137 h 537108"/>
-                <a:gd name="connsiteX4" fmla="*/ 2148115 w 3207657"/>
-                <a:gd name="connsiteY4" fmla="*/ 435508 h 537108"/>
-                <a:gd name="connsiteX5" fmla="*/ 2801257 w 3207657"/>
-                <a:gd name="connsiteY5" fmla="*/ 58137 h 537108"/>
-                <a:gd name="connsiteX6" fmla="*/ 3207657 w 3207657"/>
-                <a:gd name="connsiteY6" fmla="*/ 479051 h 537108"/>
-              </a:gdLst>
-              <a:ahLst/>
-              <a:cxnLst>
-                <a:cxn ang="0">
-                  <a:pos x="connsiteX0" y="connsiteY0"/>
-                </a:cxn>
-                <a:cxn ang="0">
-                  <a:pos x="connsiteX1" y="connsiteY1"/>
-                </a:cxn>
-                <a:cxn ang="0">
-                  <a:pos x="connsiteX2" y="connsiteY2"/>
-                </a:cxn>
-                <a:cxn ang="0">
-                  <a:pos x="connsiteX3" y="connsiteY3"/>
-                </a:cxn>
-                <a:cxn ang="0">
-                  <a:pos x="connsiteX4" y="connsiteY4"/>
-                </a:cxn>
-                <a:cxn ang="0">
-                  <a:pos x="connsiteX5" y="connsiteY5"/>
-                </a:cxn>
-                <a:cxn ang="0">
-                  <a:pos x="connsiteX6" y="connsiteY6"/>
-                </a:cxn>
-              </a:cxnLst>
-              <a:rect l="l" t="t" r="r" b="b"/>
-              <a:pathLst>
-                <a:path w="3207657" h="537108">
-                  <a:moveTo>
-                    <a:pt x="0" y="537108"/>
-                  </a:moveTo>
-                  <a:cubicBezTo>
-                    <a:pt x="147562" y="272222"/>
-                    <a:pt x="295124" y="7336"/>
-                    <a:pt x="464457" y="79"/>
-                  </a:cubicBezTo>
-                  <a:cubicBezTo>
-                    <a:pt x="633790" y="-7178"/>
-                    <a:pt x="817638" y="483889"/>
-                    <a:pt x="1016000" y="493565"/>
-                  </a:cubicBezTo>
-                  <a:cubicBezTo>
-                    <a:pt x="1214362" y="503241"/>
-                    <a:pt x="1465943" y="67813"/>
-                    <a:pt x="1654629" y="58137"/>
-                  </a:cubicBezTo>
-                  <a:cubicBezTo>
-                    <a:pt x="1843315" y="48461"/>
-                    <a:pt x="1957010" y="435508"/>
-                    <a:pt x="2148115" y="435508"/>
-                  </a:cubicBezTo>
-                  <a:cubicBezTo>
-                    <a:pt x="2339220" y="435508"/>
-                    <a:pt x="2624667" y="50880"/>
-                    <a:pt x="2801257" y="58137"/>
-                  </a:cubicBezTo>
-                  <a:cubicBezTo>
-                    <a:pt x="2977847" y="65394"/>
-                    <a:pt x="3092752" y="272222"/>
-                    <a:pt x="3207657" y="479051"/>
-                  </a:cubicBezTo>
-                </a:path>
-              </a:pathLst>
-            </a:custGeom>
-            <a:noFill/>
-            <a:ln w="38100">
-              <a:solidFill>
-                <a:srgbClr val="00B050"/>
-              </a:solidFill>
-            </a:ln>
-          </p:spPr>
-          <p:style>
-            <a:lnRef idx="2">
-              <a:schemeClr val="accent1">
-                <a:shade val="50000"/>
-              </a:schemeClr>
-            </a:lnRef>
-            <a:fillRef idx="1">
-              <a:schemeClr val="accent1"/>
-            </a:fillRef>
-            <a:effectRef idx="0">
-              <a:schemeClr val="accent1"/>
-            </a:effectRef>
-            <a:fontRef idx="minor">
-              <a:schemeClr val="lt1"/>
-            </a:fontRef>
-          </p:style>
-          <p:txBody>
-            <a:bodyPr rtlCol="0" anchor="ctr"/>
-            <a:lstStyle/>
-            <a:p>
-              <a:pPr algn="ctr"/>
-              <a:endParaRPr lang="de-DE">
                 <a:solidFill>
                   <a:srgbClr val="00B050"/>
                 </a:solidFill>
@@ -3601,165 +3160,16 @@
             </a:p>
           </p:txBody>
         </p:sp>
-        <p:cxnSp>
-          <p:nvCxnSpPr>
-            <p:cNvPr id="52" name="Gerade Verbindung 51"/>
-            <p:cNvCxnSpPr/>
-            <p:nvPr/>
-          </p:nvCxnSpPr>
-          <p:spPr>
-            <a:xfrm flipV="1">
-              <a:off x="2960914" y="3789040"/>
-              <a:ext cx="2547190" cy="288032"/>
-            </a:xfrm>
-            <a:prstGeom prst="line">
-              <a:avLst/>
-            </a:prstGeom>
-            <a:ln w="38100">
-              <a:solidFill>
-                <a:srgbClr val="FF0000"/>
-              </a:solidFill>
-            </a:ln>
-          </p:spPr>
-          <p:style>
-            <a:lnRef idx="1">
-              <a:schemeClr val="accent1"/>
-            </a:lnRef>
-            <a:fillRef idx="0">
-              <a:schemeClr val="accent1"/>
-            </a:fillRef>
-            <a:effectRef idx="0">
-              <a:schemeClr val="accent1"/>
-            </a:effectRef>
-            <a:fontRef idx="minor">
-              <a:schemeClr val="tx1"/>
-            </a:fontRef>
-          </p:style>
-        </p:cxnSp>
         <p:sp>
           <p:nvSpPr>
-            <p:cNvPr id="53" name="Textfeld 52"/>
+            <p:cNvPr id="59" name="Textfeld 58"/>
             <p:cNvSpPr txBox="1"/>
             <p:nvPr/>
           </p:nvSpPr>
           <p:spPr>
             <a:xfrm>
-              <a:off x="5724128" y="3717032"/>
-              <a:ext cx="1302341" cy="461665"/>
-            </a:xfrm>
-            <a:prstGeom prst="rect">
-              <a:avLst/>
-            </a:prstGeom>
-            <a:noFill/>
-          </p:spPr>
-          <p:txBody>
-            <a:bodyPr wrap="square" rtlCol="0">
-              <a:spAutoFit/>
-            </a:bodyPr>
-            <a:lstStyle/>
-            <a:p>
-              <a:r>
-                <a:rPr lang="de-DE" sz="2400" dirty="0" smtClean="0">
-                  <a:solidFill>
-                    <a:srgbClr val="FF0000"/>
-                  </a:solidFill>
-                </a:rPr>
-                <a:t>f=h =M</a:t>
-              </a:r>
-              <a:endParaRPr lang="de-DE" sz="2400" dirty="0">
-                <a:solidFill>
-                  <a:srgbClr val="FF0000"/>
-                </a:solidFill>
-              </a:endParaRPr>
-            </a:p>
-          </p:txBody>
-        </p:sp>
-        <p:sp>
-          <p:nvSpPr>
-            <p:cNvPr id="54" name="Textfeld 53"/>
-            <p:cNvSpPr txBox="1"/>
-            <p:nvPr/>
-          </p:nvSpPr>
-          <p:spPr>
-            <a:xfrm>
-              <a:off x="6109200" y="3867107"/>
-              <a:ext cx="206727" cy="369332"/>
-            </a:xfrm>
-            <a:prstGeom prst="rect">
-              <a:avLst/>
-            </a:prstGeom>
-            <a:noFill/>
-          </p:spPr>
-          <p:txBody>
-            <a:bodyPr wrap="square" rtlCol="0">
-              <a:spAutoFit/>
-            </a:bodyPr>
-            <a:lstStyle/>
-            <a:p>
-              <a:r>
-                <a:rPr lang="de-DE" dirty="0" smtClean="0">
-                  <a:solidFill>
-                    <a:srgbClr val="FF0000"/>
-                  </a:solidFill>
-                </a:rPr>
-                <a:t>0</a:t>
-              </a:r>
-              <a:endParaRPr lang="de-DE" dirty="0">
-                <a:solidFill>
-                  <a:srgbClr val="FF0000"/>
-                </a:solidFill>
-              </a:endParaRPr>
-            </a:p>
-          </p:txBody>
-        </p:sp>
-        <p:sp>
-          <p:nvSpPr>
-            <p:cNvPr id="56" name="Textfeld 55"/>
-            <p:cNvSpPr txBox="1"/>
-            <p:nvPr/>
-          </p:nvSpPr>
-          <p:spPr>
-            <a:xfrm>
-              <a:off x="6598800" y="3892406"/>
-              <a:ext cx="206727" cy="369332"/>
-            </a:xfrm>
-            <a:prstGeom prst="rect">
-              <a:avLst/>
-            </a:prstGeom>
-            <a:noFill/>
-          </p:spPr>
-          <p:txBody>
-            <a:bodyPr wrap="square" rtlCol="0">
-              <a:spAutoFit/>
-            </a:bodyPr>
-            <a:lstStyle/>
-            <a:p>
-              <a:r>
-                <a:rPr lang="de-DE" dirty="0" smtClean="0">
-                  <a:solidFill>
-                    <a:srgbClr val="FF0000"/>
-                  </a:solidFill>
-                </a:rPr>
-                <a:t>0</a:t>
-              </a:r>
-              <a:endParaRPr lang="de-DE" dirty="0">
-                <a:solidFill>
-                  <a:srgbClr val="FF0000"/>
-                </a:solidFill>
-              </a:endParaRPr>
-            </a:p>
-          </p:txBody>
-        </p:sp>
-        <p:sp>
-          <p:nvSpPr>
-            <p:cNvPr id="57" name="Textfeld 56"/>
-            <p:cNvSpPr txBox="1"/>
-            <p:nvPr/>
-          </p:nvSpPr>
-          <p:spPr>
-            <a:xfrm>
-              <a:off x="6602327" y="2367789"/>
-              <a:ext cx="206727" cy="369332"/>
+              <a:off x="7428655" y="2367789"/>
+              <a:ext cx="743745" cy="369332"/>
             </a:xfrm>
             <a:prstGeom prst="rect">
               <a:avLst/>
@@ -3778,7 +3188,7 @@
                     <a:srgbClr val="00B050"/>
                   </a:solidFill>
                 </a:rPr>
-                <a:t>1</a:t>
+                <a:t>0,5</a:t>
               </a:r>
               <a:endParaRPr lang="de-DE" dirty="0">
                 <a:solidFill>
@@ -3788,989 +3198,1595 @@
             </a:p>
           </p:txBody>
         </p:sp>
-        <p:sp>
-          <p:nvSpPr>
-            <p:cNvPr id="58" name="Textfeld 57"/>
-            <p:cNvSpPr txBox="1"/>
+        <p:grpSp>
+          <p:nvGrpSpPr>
+            <p:cNvPr id="97" name="Gruppieren 96"/>
+            <p:cNvGrpSpPr/>
             <p:nvPr/>
-          </p:nvSpPr>
-          <p:spPr>
+          </p:nvGrpSpPr>
+          <p:grpSpPr>
             <a:xfrm>
-              <a:off x="6962400" y="2380242"/>
-              <a:ext cx="206727" cy="369332"/>
+              <a:off x="1775829" y="692696"/>
+              <a:ext cx="5604483" cy="4395347"/>
+              <a:chOff x="1775829" y="692696"/>
+              <a:chExt cx="5604483" cy="4395347"/>
             </a:xfrm>
-            <a:prstGeom prst="rect">
-              <a:avLst/>
-            </a:prstGeom>
-            <a:noFill/>
-          </p:spPr>
-          <p:txBody>
-            <a:bodyPr wrap="square" rtlCol="0">
-              <a:spAutoFit/>
-            </a:bodyPr>
-            <a:lstStyle/>
-            <a:p>
-              <a:r>
-                <a:rPr lang="de-DE" dirty="0" smtClean="0">
+          </p:grpSpPr>
+          <p:sp>
+            <p:nvSpPr>
+              <p:cNvPr id="45" name="Freihandform 44"/>
+              <p:cNvSpPr/>
+              <p:nvPr/>
+            </p:nvSpPr>
+            <p:spPr>
+              <a:xfrm>
+                <a:off x="1775829" y="827314"/>
+                <a:ext cx="4624969" cy="4049486"/>
+              </a:xfrm>
+              <a:custGeom>
+                <a:avLst/>
+                <a:gdLst>
+                  <a:gd name="connsiteX0" fmla="*/ 0 w 4470400"/>
+                  <a:gd name="connsiteY0" fmla="*/ 0 h 4049486"/>
+                  <a:gd name="connsiteX1" fmla="*/ 711200 w 4470400"/>
+                  <a:gd name="connsiteY1" fmla="*/ 2249715 h 4049486"/>
+                  <a:gd name="connsiteX2" fmla="*/ 145143 w 4470400"/>
+                  <a:gd name="connsiteY2" fmla="*/ 3962400 h 4049486"/>
+                  <a:gd name="connsiteX3" fmla="*/ 2772229 w 4470400"/>
+                  <a:gd name="connsiteY3" fmla="*/ 3323772 h 4049486"/>
+                  <a:gd name="connsiteX4" fmla="*/ 4470400 w 4470400"/>
+                  <a:gd name="connsiteY4" fmla="*/ 4049486 h 4049486"/>
+                  <a:gd name="connsiteX0" fmla="*/ 3597 w 4473997"/>
+                  <a:gd name="connsiteY0" fmla="*/ 0 h 4049486"/>
+                  <a:gd name="connsiteX1" fmla="*/ 293883 w 4473997"/>
+                  <a:gd name="connsiteY1" fmla="*/ 2148115 h 4049486"/>
+                  <a:gd name="connsiteX2" fmla="*/ 148740 w 4473997"/>
+                  <a:gd name="connsiteY2" fmla="*/ 3962400 h 4049486"/>
+                  <a:gd name="connsiteX3" fmla="*/ 2775826 w 4473997"/>
+                  <a:gd name="connsiteY3" fmla="*/ 3323772 h 4049486"/>
+                  <a:gd name="connsiteX4" fmla="*/ 4473997 w 4473997"/>
+                  <a:gd name="connsiteY4" fmla="*/ 4049486 h 4049486"/>
+                  <a:gd name="connsiteX0" fmla="*/ 3597 w 4473997"/>
+                  <a:gd name="connsiteY0" fmla="*/ 0 h 4049486"/>
+                  <a:gd name="connsiteX1" fmla="*/ 293883 w 4473997"/>
+                  <a:gd name="connsiteY1" fmla="*/ 2148115 h 4049486"/>
+                  <a:gd name="connsiteX2" fmla="*/ 148740 w 4473997"/>
+                  <a:gd name="connsiteY2" fmla="*/ 3962400 h 4049486"/>
+                  <a:gd name="connsiteX3" fmla="*/ 2775826 w 4473997"/>
+                  <a:gd name="connsiteY3" fmla="*/ 3323772 h 4049486"/>
+                  <a:gd name="connsiteX4" fmla="*/ 4473997 w 4473997"/>
+                  <a:gd name="connsiteY4" fmla="*/ 4049486 h 4049486"/>
+                  <a:gd name="connsiteX0" fmla="*/ 129716 w 4600116"/>
+                  <a:gd name="connsiteY0" fmla="*/ 0 h 4049486"/>
+                  <a:gd name="connsiteX1" fmla="*/ 420002 w 4600116"/>
+                  <a:gd name="connsiteY1" fmla="*/ 2148115 h 4049486"/>
+                  <a:gd name="connsiteX2" fmla="*/ 274859 w 4600116"/>
+                  <a:gd name="connsiteY2" fmla="*/ 3962400 h 4049486"/>
+                  <a:gd name="connsiteX3" fmla="*/ 2901945 w 4600116"/>
+                  <a:gd name="connsiteY3" fmla="*/ 3323772 h 4049486"/>
+                  <a:gd name="connsiteX4" fmla="*/ 4600116 w 4600116"/>
+                  <a:gd name="connsiteY4" fmla="*/ 4049486 h 4049486"/>
+                  <a:gd name="connsiteX0" fmla="*/ 129716 w 4600116"/>
+                  <a:gd name="connsiteY0" fmla="*/ 0 h 4049486"/>
+                  <a:gd name="connsiteX1" fmla="*/ 420002 w 4600116"/>
+                  <a:gd name="connsiteY1" fmla="*/ 2148115 h 4049486"/>
+                  <a:gd name="connsiteX2" fmla="*/ 274859 w 4600116"/>
+                  <a:gd name="connsiteY2" fmla="*/ 3962400 h 4049486"/>
+                  <a:gd name="connsiteX3" fmla="*/ 2901945 w 4600116"/>
+                  <a:gd name="connsiteY3" fmla="*/ 3323772 h 4049486"/>
+                  <a:gd name="connsiteX4" fmla="*/ 4600116 w 4600116"/>
+                  <a:gd name="connsiteY4" fmla="*/ 4049486 h 4049486"/>
+                  <a:gd name="connsiteX0" fmla="*/ 154569 w 4624969"/>
+                  <a:gd name="connsiteY0" fmla="*/ 0 h 4049486"/>
+                  <a:gd name="connsiteX1" fmla="*/ 444855 w 4624969"/>
+                  <a:gd name="connsiteY1" fmla="*/ 2148115 h 4049486"/>
+                  <a:gd name="connsiteX2" fmla="*/ 299712 w 4624969"/>
+                  <a:gd name="connsiteY2" fmla="*/ 3962400 h 4049486"/>
+                  <a:gd name="connsiteX3" fmla="*/ 2926798 w 4624969"/>
+                  <a:gd name="connsiteY3" fmla="*/ 3323772 h 4049486"/>
+                  <a:gd name="connsiteX4" fmla="*/ 4624969 w 4624969"/>
+                  <a:gd name="connsiteY4" fmla="*/ 4049486 h 4049486"/>
+                </a:gdLst>
+                <a:ahLst/>
+                <a:cxnLst>
+                  <a:cxn ang="0">
+                    <a:pos x="connsiteX0" y="connsiteY0"/>
+                  </a:cxn>
+                  <a:cxn ang="0">
+                    <a:pos x="connsiteX1" y="connsiteY1"/>
+                  </a:cxn>
+                  <a:cxn ang="0">
+                    <a:pos x="connsiteX2" y="connsiteY2"/>
+                  </a:cxn>
+                  <a:cxn ang="0">
+                    <a:pos x="connsiteX3" y="connsiteY3"/>
+                  </a:cxn>
+                  <a:cxn ang="0">
+                    <a:pos x="connsiteX4" y="connsiteY4"/>
+                  </a:cxn>
+                </a:cxnLst>
+                <a:rect l="l" t="t" r="r" b="b"/>
+                <a:pathLst>
+                  <a:path w="4624969" h="4049486">
+                    <a:moveTo>
+                      <a:pt x="154569" y="0"/>
+                    </a:moveTo>
+                    <a:cubicBezTo>
+                      <a:pt x="1078645" y="939800"/>
+                      <a:pt x="551293" y="1836058"/>
+                      <a:pt x="444855" y="2148115"/>
+                    </a:cubicBezTo>
+                    <a:cubicBezTo>
+                      <a:pt x="338417" y="2460172"/>
+                      <a:pt x="-404231" y="3635828"/>
+                      <a:pt x="299712" y="3962400"/>
+                    </a:cubicBezTo>
+                    <a:cubicBezTo>
+                      <a:pt x="1003655" y="4288972"/>
+                      <a:pt x="2205922" y="3309258"/>
+                      <a:pt x="2926798" y="3323772"/>
+                    </a:cubicBezTo>
+                    <a:cubicBezTo>
+                      <a:pt x="3647674" y="3338286"/>
+                      <a:pt x="4136321" y="3693886"/>
+                      <a:pt x="4624969" y="4049486"/>
+                    </a:cubicBezTo>
+                  </a:path>
+                </a:pathLst>
+              </a:custGeom>
+              <a:noFill/>
+              <a:ln>
+                <a:solidFill>
+                  <a:schemeClr val="tx1"/>
+                </a:solidFill>
+              </a:ln>
+            </p:spPr>
+            <p:style>
+              <a:lnRef idx="2">
+                <a:schemeClr val="accent1">
+                  <a:shade val="50000"/>
+                </a:schemeClr>
+              </a:lnRef>
+              <a:fillRef idx="1">
+                <a:schemeClr val="accent1"/>
+              </a:fillRef>
+              <a:effectRef idx="0">
+                <a:schemeClr val="accent1"/>
+              </a:effectRef>
+              <a:fontRef idx="minor">
+                <a:schemeClr val="lt1"/>
+              </a:fontRef>
+            </p:style>
+            <p:txBody>
+              <a:bodyPr rtlCol="0" anchor="ctr"/>
+              <a:lstStyle/>
+              <a:p>
+                <a:pPr algn="ctr"/>
+                <a:endParaRPr lang="de-DE" sz="2400">
+                  <a:solidFill>
+                    <a:schemeClr val="tx1"/>
+                  </a:solidFill>
+                </a:endParaRPr>
+              </a:p>
+            </p:txBody>
+          </p:sp>
+          <p:sp>
+            <p:nvSpPr>
+              <p:cNvPr id="46" name="Textfeld 45"/>
+              <p:cNvSpPr txBox="1"/>
+              <p:nvPr/>
+            </p:nvSpPr>
+            <p:spPr>
+              <a:xfrm>
+                <a:off x="4088313" y="4318602"/>
+                <a:ext cx="792088" cy="769441"/>
+              </a:xfrm>
+              <a:prstGeom prst="rect">
+                <a:avLst/>
+              </a:prstGeom>
+              <a:noFill/>
+            </p:spPr>
+            <p:txBody>
+              <a:bodyPr wrap="square" rtlCol="0">
+                <a:spAutoFit/>
+              </a:bodyPr>
+              <a:lstStyle/>
+              <a:p>
+                <a:r>
+                  <a:rPr lang="de-DE" sz="4400" b="1" dirty="0" smtClean="0"/>
+                  <a:t>Y</a:t>
+                </a:r>
+                <a:endParaRPr lang="de-DE" sz="4400" b="1" dirty="0"/>
+              </a:p>
+            </p:txBody>
+          </p:sp>
+          <p:sp>
+            <p:nvSpPr>
+              <p:cNvPr id="47" name="Bogen 46"/>
+              <p:cNvSpPr/>
+              <p:nvPr/>
+            </p:nvSpPr>
+            <p:spPr>
+              <a:xfrm>
+                <a:off x="2699792" y="692696"/>
+                <a:ext cx="3701006" cy="2880320"/>
+              </a:xfrm>
+              <a:prstGeom prst="arc">
+                <a:avLst>
+                  <a:gd name="adj1" fmla="val 11809698"/>
+                  <a:gd name="adj2" fmla="val 20184483"/>
+                </a:avLst>
+              </a:prstGeom>
+              <a:ln w="38100">
+                <a:solidFill>
+                  <a:schemeClr val="accent6"/>
+                </a:solidFill>
+              </a:ln>
+            </p:spPr>
+            <p:style>
+              <a:lnRef idx="1">
+                <a:schemeClr val="accent1"/>
+              </a:lnRef>
+              <a:fillRef idx="0">
+                <a:schemeClr val="accent1"/>
+              </a:fillRef>
+              <a:effectRef idx="0">
+                <a:schemeClr val="accent1"/>
+              </a:effectRef>
+              <a:fontRef idx="minor">
+                <a:schemeClr val="tx1"/>
+              </a:fontRef>
+            </p:style>
+            <p:txBody>
+              <a:bodyPr rtlCol="0" anchor="ctr"/>
+              <a:lstStyle/>
+              <a:p>
+                <a:pPr algn="ctr"/>
+                <a:endParaRPr lang="de-DE"/>
+              </a:p>
+            </p:txBody>
+          </p:sp>
+          <p:sp>
+            <p:nvSpPr>
+              <p:cNvPr id="48" name="Textfeld 47"/>
+              <p:cNvSpPr txBox="1"/>
+              <p:nvPr/>
+            </p:nvSpPr>
+            <p:spPr>
+              <a:xfrm>
+                <a:off x="6163794" y="692696"/>
+                <a:ext cx="1216518" cy="461665"/>
+              </a:xfrm>
+              <a:prstGeom prst="rect">
+                <a:avLst/>
+              </a:prstGeom>
+              <a:noFill/>
+            </p:spPr>
+            <p:txBody>
+              <a:bodyPr wrap="square" rtlCol="0">
+                <a:spAutoFit/>
+              </a:bodyPr>
+              <a:lstStyle/>
+              <a:p>
+                <a:r>
+                  <a:rPr lang="de-DE" sz="2400" dirty="0" smtClean="0">
+                    <a:solidFill>
+                      <a:schemeClr val="accent6"/>
+                    </a:solidFill>
+                    <a:latin typeface="Arial" pitchFamily="34" charset="0"/>
+                    <a:cs typeface="Arial" pitchFamily="34" charset="0"/>
+                  </a:rPr>
+                  <a:t>l=k =M</a:t>
+                </a:r>
+                <a:endParaRPr lang="de-DE" sz="2400" dirty="0">
+                  <a:solidFill>
+                    <a:schemeClr val="accent6"/>
+                  </a:solidFill>
+                  <a:latin typeface="Arial" pitchFamily="34" charset="0"/>
+                  <a:cs typeface="Arial" pitchFamily="34" charset="0"/>
+                </a:endParaRPr>
+              </a:p>
+            </p:txBody>
+          </p:sp>
+          <p:sp>
+            <p:nvSpPr>
+              <p:cNvPr id="49" name="Freihandform 48"/>
+              <p:cNvSpPr/>
+              <p:nvPr/>
+            </p:nvSpPr>
+            <p:spPr>
+              <a:xfrm>
+                <a:off x="2960914" y="2409292"/>
+                <a:ext cx="3207657" cy="537108"/>
+              </a:xfrm>
+              <a:custGeom>
+                <a:avLst/>
+                <a:gdLst>
+                  <a:gd name="connsiteX0" fmla="*/ 0 w 3207657"/>
+                  <a:gd name="connsiteY0" fmla="*/ 537108 h 537108"/>
+                  <a:gd name="connsiteX1" fmla="*/ 464457 w 3207657"/>
+                  <a:gd name="connsiteY1" fmla="*/ 79 h 537108"/>
+                  <a:gd name="connsiteX2" fmla="*/ 1016000 w 3207657"/>
+                  <a:gd name="connsiteY2" fmla="*/ 493565 h 537108"/>
+                  <a:gd name="connsiteX3" fmla="*/ 1654629 w 3207657"/>
+                  <a:gd name="connsiteY3" fmla="*/ 58137 h 537108"/>
+                  <a:gd name="connsiteX4" fmla="*/ 2148115 w 3207657"/>
+                  <a:gd name="connsiteY4" fmla="*/ 435508 h 537108"/>
+                  <a:gd name="connsiteX5" fmla="*/ 2801257 w 3207657"/>
+                  <a:gd name="connsiteY5" fmla="*/ 58137 h 537108"/>
+                  <a:gd name="connsiteX6" fmla="*/ 3207657 w 3207657"/>
+                  <a:gd name="connsiteY6" fmla="*/ 479051 h 537108"/>
+                </a:gdLst>
+                <a:ahLst/>
+                <a:cxnLst>
+                  <a:cxn ang="0">
+                    <a:pos x="connsiteX0" y="connsiteY0"/>
+                  </a:cxn>
+                  <a:cxn ang="0">
+                    <a:pos x="connsiteX1" y="connsiteY1"/>
+                  </a:cxn>
+                  <a:cxn ang="0">
+                    <a:pos x="connsiteX2" y="connsiteY2"/>
+                  </a:cxn>
+                  <a:cxn ang="0">
+                    <a:pos x="connsiteX3" y="connsiteY3"/>
+                  </a:cxn>
+                  <a:cxn ang="0">
+                    <a:pos x="connsiteX4" y="connsiteY4"/>
+                  </a:cxn>
+                  <a:cxn ang="0">
+                    <a:pos x="connsiteX5" y="connsiteY5"/>
+                  </a:cxn>
+                  <a:cxn ang="0">
+                    <a:pos x="connsiteX6" y="connsiteY6"/>
+                  </a:cxn>
+                </a:cxnLst>
+                <a:rect l="l" t="t" r="r" b="b"/>
+                <a:pathLst>
+                  <a:path w="3207657" h="537108">
+                    <a:moveTo>
+                      <a:pt x="0" y="537108"/>
+                    </a:moveTo>
+                    <a:cubicBezTo>
+                      <a:pt x="147562" y="272222"/>
+                      <a:pt x="295124" y="7336"/>
+                      <a:pt x="464457" y="79"/>
+                    </a:cubicBezTo>
+                    <a:cubicBezTo>
+                      <a:pt x="633790" y="-7178"/>
+                      <a:pt x="817638" y="483889"/>
+                      <a:pt x="1016000" y="493565"/>
+                    </a:cubicBezTo>
+                    <a:cubicBezTo>
+                      <a:pt x="1214362" y="503241"/>
+                      <a:pt x="1465943" y="67813"/>
+                      <a:pt x="1654629" y="58137"/>
+                    </a:cubicBezTo>
+                    <a:cubicBezTo>
+                      <a:pt x="1843315" y="48461"/>
+                      <a:pt x="1957010" y="435508"/>
+                      <a:pt x="2148115" y="435508"/>
+                    </a:cubicBezTo>
+                    <a:cubicBezTo>
+                      <a:pt x="2339220" y="435508"/>
+                      <a:pt x="2624667" y="50880"/>
+                      <a:pt x="2801257" y="58137"/>
+                    </a:cubicBezTo>
+                    <a:cubicBezTo>
+                      <a:pt x="2977847" y="65394"/>
+                      <a:pt x="3092752" y="272222"/>
+                      <a:pt x="3207657" y="479051"/>
+                    </a:cubicBezTo>
+                  </a:path>
+                </a:pathLst>
+              </a:custGeom>
+              <a:noFill/>
+              <a:ln w="38100">
+                <a:solidFill>
+                  <a:srgbClr val="00B050"/>
+                </a:solidFill>
+              </a:ln>
+            </p:spPr>
+            <p:style>
+              <a:lnRef idx="2">
+                <a:schemeClr val="accent1">
+                  <a:shade val="50000"/>
+                </a:schemeClr>
+              </a:lnRef>
+              <a:fillRef idx="1">
+                <a:schemeClr val="accent1"/>
+              </a:fillRef>
+              <a:effectRef idx="0">
+                <a:schemeClr val="accent1"/>
+              </a:effectRef>
+              <a:fontRef idx="minor">
+                <a:schemeClr val="lt1"/>
+              </a:fontRef>
+            </p:style>
+            <p:txBody>
+              <a:bodyPr rtlCol="0" anchor="ctr"/>
+              <a:lstStyle/>
+              <a:p>
+                <a:pPr algn="ctr"/>
+                <a:endParaRPr lang="de-DE">
                   <a:solidFill>
                     <a:srgbClr val="00B050"/>
                   </a:solidFill>
-                </a:rPr>
-                <a:t>0</a:t>
-              </a:r>
-              <a:endParaRPr lang="de-DE" dirty="0">
+                </a:endParaRPr>
+              </a:p>
+            </p:txBody>
+          </p:sp>
+          <p:cxnSp>
+            <p:nvCxnSpPr>
+              <p:cNvPr id="52" name="Gerade Verbindung 51"/>
+              <p:cNvCxnSpPr/>
+              <p:nvPr/>
+            </p:nvCxnSpPr>
+            <p:spPr>
+              <a:xfrm flipV="1">
+                <a:off x="2960914" y="3789040"/>
+                <a:ext cx="2547190" cy="288032"/>
+              </a:xfrm>
+              <a:prstGeom prst="line">
+                <a:avLst/>
+              </a:prstGeom>
+              <a:ln w="38100">
                 <a:solidFill>
-                  <a:srgbClr val="00B050"/>
+                  <a:srgbClr val="FF0000"/>
                 </a:solidFill>
-              </a:endParaRPr>
-            </a:p>
-          </p:txBody>
-        </p:sp>
-        <p:sp>
-          <p:nvSpPr>
-            <p:cNvPr id="60" name="Textfeld 59"/>
-            <p:cNvSpPr txBox="1"/>
-            <p:nvPr/>
-          </p:nvSpPr>
-          <p:spPr>
-            <a:xfrm>
-              <a:off x="6565326" y="853976"/>
-              <a:ext cx="206727" cy="369332"/>
-            </a:xfrm>
-            <a:prstGeom prst="rect">
-              <a:avLst/>
-            </a:prstGeom>
-            <a:noFill/>
-          </p:spPr>
-          <p:txBody>
-            <a:bodyPr wrap="square" rtlCol="0">
-              <a:spAutoFit/>
-            </a:bodyPr>
-            <a:lstStyle/>
-            <a:p>
-              <a:r>
-                <a:rPr lang="de-DE" dirty="0" smtClean="0">
+              </a:ln>
+            </p:spPr>
+            <p:style>
+              <a:lnRef idx="1">
+                <a:schemeClr val="accent1"/>
+              </a:lnRef>
+              <a:fillRef idx="0">
+                <a:schemeClr val="accent1"/>
+              </a:fillRef>
+              <a:effectRef idx="0">
+                <a:schemeClr val="accent1"/>
+              </a:effectRef>
+              <a:fontRef idx="minor">
+                <a:schemeClr val="tx1"/>
+              </a:fontRef>
+            </p:style>
+          </p:cxnSp>
+          <p:sp>
+            <p:nvSpPr>
+              <p:cNvPr id="53" name="Textfeld 52"/>
+              <p:cNvSpPr txBox="1"/>
+              <p:nvPr/>
+            </p:nvSpPr>
+            <p:spPr>
+              <a:xfrm>
+                <a:off x="5724128" y="3717032"/>
+                <a:ext cx="1302341" cy="461665"/>
+              </a:xfrm>
+              <a:prstGeom prst="rect">
+                <a:avLst/>
+              </a:prstGeom>
+              <a:noFill/>
+            </p:spPr>
+            <p:txBody>
+              <a:bodyPr wrap="square" rtlCol="0">
+                <a:spAutoFit/>
+              </a:bodyPr>
+              <a:lstStyle/>
+              <a:p>
+                <a:r>
+                  <a:rPr lang="de-DE" sz="2400" dirty="0" smtClean="0">
+                    <a:solidFill>
+                      <a:srgbClr val="FF0000"/>
+                    </a:solidFill>
+                  </a:rPr>
+                  <a:t>f=h =M</a:t>
+                </a:r>
+                <a:endParaRPr lang="de-DE" sz="2400" dirty="0">
+                  <a:solidFill>
+                    <a:srgbClr val="FF0000"/>
+                  </a:solidFill>
+                </a:endParaRPr>
+              </a:p>
+            </p:txBody>
+          </p:sp>
+          <p:sp>
+            <p:nvSpPr>
+              <p:cNvPr id="54" name="Textfeld 53"/>
+              <p:cNvSpPr txBox="1"/>
+              <p:nvPr/>
+            </p:nvSpPr>
+            <p:spPr>
+              <a:xfrm>
+                <a:off x="6109200" y="3867107"/>
+                <a:ext cx="206727" cy="369332"/>
+              </a:xfrm>
+              <a:prstGeom prst="rect">
+                <a:avLst/>
+              </a:prstGeom>
+              <a:noFill/>
+            </p:spPr>
+            <p:txBody>
+              <a:bodyPr wrap="square" rtlCol="0">
+                <a:spAutoFit/>
+              </a:bodyPr>
+              <a:lstStyle/>
+              <a:p>
+                <a:r>
+                  <a:rPr lang="de-DE" dirty="0" smtClean="0">
+                    <a:solidFill>
+                      <a:srgbClr val="FF0000"/>
+                    </a:solidFill>
+                  </a:rPr>
+                  <a:t>0</a:t>
+                </a:r>
+                <a:endParaRPr lang="de-DE" dirty="0">
+                  <a:solidFill>
+                    <a:srgbClr val="FF0000"/>
+                  </a:solidFill>
+                </a:endParaRPr>
+              </a:p>
+            </p:txBody>
+          </p:sp>
+          <p:sp>
+            <p:nvSpPr>
+              <p:cNvPr id="56" name="Textfeld 55"/>
+              <p:cNvSpPr txBox="1"/>
+              <p:nvPr/>
+            </p:nvSpPr>
+            <p:spPr>
+              <a:xfrm>
+                <a:off x="6598800" y="3892406"/>
+                <a:ext cx="206727" cy="369332"/>
+              </a:xfrm>
+              <a:prstGeom prst="rect">
+                <a:avLst/>
+              </a:prstGeom>
+              <a:noFill/>
+            </p:spPr>
+            <p:txBody>
+              <a:bodyPr wrap="square" rtlCol="0">
+                <a:spAutoFit/>
+              </a:bodyPr>
+              <a:lstStyle/>
+              <a:p>
+                <a:r>
+                  <a:rPr lang="de-DE" dirty="0" smtClean="0">
+                    <a:solidFill>
+                      <a:srgbClr val="FF0000"/>
+                    </a:solidFill>
+                  </a:rPr>
+                  <a:t>0</a:t>
+                </a:r>
+                <a:endParaRPr lang="de-DE" dirty="0">
+                  <a:solidFill>
+                    <a:srgbClr val="FF0000"/>
+                  </a:solidFill>
+                </a:endParaRPr>
+              </a:p>
+            </p:txBody>
+          </p:sp>
+          <p:sp>
+            <p:nvSpPr>
+              <p:cNvPr id="57" name="Textfeld 56"/>
+              <p:cNvSpPr txBox="1"/>
+              <p:nvPr/>
+            </p:nvSpPr>
+            <p:spPr>
+              <a:xfrm>
+                <a:off x="6602327" y="2367789"/>
+                <a:ext cx="206727" cy="369332"/>
+              </a:xfrm>
+              <a:prstGeom prst="rect">
+                <a:avLst/>
+              </a:prstGeom>
+              <a:noFill/>
+            </p:spPr>
+            <p:txBody>
+              <a:bodyPr wrap="square" rtlCol="0">
+                <a:spAutoFit/>
+              </a:bodyPr>
+              <a:lstStyle/>
+              <a:p>
+                <a:r>
+                  <a:rPr lang="de-DE" dirty="0" smtClean="0">
+                    <a:solidFill>
+                      <a:srgbClr val="00B050"/>
+                    </a:solidFill>
+                  </a:rPr>
+                  <a:t>1</a:t>
+                </a:r>
+                <a:endParaRPr lang="de-DE" dirty="0">
+                  <a:solidFill>
+                    <a:srgbClr val="00B050"/>
+                  </a:solidFill>
+                </a:endParaRPr>
+              </a:p>
+            </p:txBody>
+          </p:sp>
+          <p:sp>
+            <p:nvSpPr>
+              <p:cNvPr id="58" name="Textfeld 57"/>
+              <p:cNvSpPr txBox="1"/>
+              <p:nvPr/>
+            </p:nvSpPr>
+            <p:spPr>
+              <a:xfrm>
+                <a:off x="6962400" y="2380242"/>
+                <a:ext cx="206727" cy="369332"/>
+              </a:xfrm>
+              <a:prstGeom prst="rect">
+                <a:avLst/>
+              </a:prstGeom>
+              <a:noFill/>
+            </p:spPr>
+            <p:txBody>
+              <a:bodyPr wrap="square" rtlCol="0">
+                <a:spAutoFit/>
+              </a:bodyPr>
+              <a:lstStyle/>
+              <a:p>
+                <a:r>
+                  <a:rPr lang="de-DE" dirty="0" smtClean="0">
+                    <a:solidFill>
+                      <a:srgbClr val="00B050"/>
+                    </a:solidFill>
+                  </a:rPr>
+                  <a:t>0</a:t>
+                </a:r>
+                <a:endParaRPr lang="de-DE" dirty="0">
+                  <a:solidFill>
+                    <a:srgbClr val="00B050"/>
+                  </a:solidFill>
+                </a:endParaRPr>
+              </a:p>
+            </p:txBody>
+          </p:sp>
+          <p:sp>
+            <p:nvSpPr>
+              <p:cNvPr id="60" name="Textfeld 59"/>
+              <p:cNvSpPr txBox="1"/>
+              <p:nvPr/>
+            </p:nvSpPr>
+            <p:spPr>
+              <a:xfrm>
+                <a:off x="6565326" y="853976"/>
+                <a:ext cx="206727" cy="369332"/>
+              </a:xfrm>
+              <a:prstGeom prst="rect">
+                <a:avLst/>
+              </a:prstGeom>
+              <a:noFill/>
+            </p:spPr>
+            <p:txBody>
+              <a:bodyPr wrap="square" rtlCol="0">
+                <a:spAutoFit/>
+              </a:bodyPr>
+              <a:lstStyle/>
+              <a:p>
+                <a:r>
+                  <a:rPr lang="de-DE" dirty="0" smtClean="0">
+                    <a:solidFill>
+                      <a:schemeClr val="accent6"/>
+                    </a:solidFill>
+                  </a:rPr>
+                  <a:t>1</a:t>
+                </a:r>
+                <a:endParaRPr lang="de-DE" dirty="0">
                   <a:solidFill>
                     <a:schemeClr val="accent6"/>
                   </a:solidFill>
-                </a:rPr>
-                <a:t>1</a:t>
-              </a:r>
-              <a:endParaRPr lang="de-DE" dirty="0">
-                <a:solidFill>
-                  <a:schemeClr val="accent6"/>
-                </a:solidFill>
-              </a:endParaRPr>
-            </a:p>
-          </p:txBody>
-        </p:sp>
-        <p:sp>
-          <p:nvSpPr>
-            <p:cNvPr id="61" name="Textfeld 60"/>
-            <p:cNvSpPr txBox="1"/>
-            <p:nvPr/>
-          </p:nvSpPr>
-          <p:spPr>
-            <a:xfrm>
-              <a:off x="7082978" y="853976"/>
-              <a:ext cx="206727" cy="369332"/>
-            </a:xfrm>
-            <a:prstGeom prst="rect">
-              <a:avLst/>
-            </a:prstGeom>
-            <a:noFill/>
-          </p:spPr>
-          <p:txBody>
-            <a:bodyPr wrap="square" rtlCol="0">
-              <a:spAutoFit/>
-            </a:bodyPr>
-            <a:lstStyle/>
-            <a:p>
-              <a:r>
-                <a:rPr lang="de-DE" dirty="0" smtClean="0">
+                </a:endParaRPr>
+              </a:p>
+            </p:txBody>
+          </p:sp>
+          <p:sp>
+            <p:nvSpPr>
+              <p:cNvPr id="61" name="Textfeld 60"/>
+              <p:cNvSpPr txBox="1"/>
+              <p:nvPr/>
+            </p:nvSpPr>
+            <p:spPr>
+              <a:xfrm>
+                <a:off x="7082978" y="853976"/>
+                <a:ext cx="206727" cy="369332"/>
+              </a:xfrm>
+              <a:prstGeom prst="rect">
+                <a:avLst/>
+              </a:prstGeom>
+              <a:noFill/>
+            </p:spPr>
+            <p:txBody>
+              <a:bodyPr wrap="square" rtlCol="0">
+                <a:spAutoFit/>
+              </a:bodyPr>
+              <a:lstStyle/>
+              <a:p>
+                <a:r>
+                  <a:rPr lang="de-DE" dirty="0" smtClean="0">
+                    <a:solidFill>
+                      <a:schemeClr val="accent6"/>
+                    </a:solidFill>
+                  </a:rPr>
+                  <a:t>1</a:t>
+                </a:r>
+                <a:endParaRPr lang="de-DE" dirty="0">
                   <a:solidFill>
                     <a:schemeClr val="accent6"/>
                   </a:solidFill>
-                </a:rPr>
-                <a:t>1</a:t>
-              </a:r>
-              <a:endParaRPr lang="de-DE" dirty="0">
+                </a:endParaRPr>
+              </a:p>
+            </p:txBody>
+          </p:sp>
+          <p:sp>
+            <p:nvSpPr>
+              <p:cNvPr id="62" name="Freihandform 61"/>
+              <p:cNvSpPr/>
+              <p:nvPr/>
+            </p:nvSpPr>
+            <p:spPr>
+              <a:xfrm>
+                <a:off x="2795922" y="1603488"/>
+                <a:ext cx="177893" cy="2460511"/>
+              </a:xfrm>
+              <a:custGeom>
+                <a:avLst/>
+                <a:gdLst>
+                  <a:gd name="connsiteX0" fmla="*/ 178818 w 192784"/>
+                  <a:gd name="connsiteY0" fmla="*/ 2423886 h 2423886"/>
+                  <a:gd name="connsiteX1" fmla="*/ 178818 w 192784"/>
+                  <a:gd name="connsiteY1" fmla="*/ 1320800 h 2423886"/>
+                  <a:gd name="connsiteX2" fmla="*/ 33675 w 192784"/>
+                  <a:gd name="connsiteY2" fmla="*/ 0 h 2423886"/>
+                  <a:gd name="connsiteX0" fmla="*/ 126662 w 136660"/>
+                  <a:gd name="connsiteY0" fmla="*/ 2481943 h 2481943"/>
+                  <a:gd name="connsiteX1" fmla="*/ 126662 w 136660"/>
+                  <a:gd name="connsiteY1" fmla="*/ 1378857 h 2481943"/>
+                  <a:gd name="connsiteX2" fmla="*/ 39576 w 136660"/>
+                  <a:gd name="connsiteY2" fmla="*/ 0 h 2481943"/>
+                  <a:gd name="connsiteX0" fmla="*/ 164991 w 177893"/>
+                  <a:gd name="connsiteY0" fmla="*/ 2460511 h 2460511"/>
+                  <a:gd name="connsiteX1" fmla="*/ 164991 w 177893"/>
+                  <a:gd name="connsiteY1" fmla="*/ 1357425 h 2460511"/>
+                  <a:gd name="connsiteX2" fmla="*/ 35042 w 177893"/>
+                  <a:gd name="connsiteY2" fmla="*/ 0 h 2460511"/>
+                </a:gdLst>
+                <a:ahLst/>
+                <a:cxnLst>
+                  <a:cxn ang="0">
+                    <a:pos x="connsiteX0" y="connsiteY0"/>
+                  </a:cxn>
+                  <a:cxn ang="0">
+                    <a:pos x="connsiteX1" y="connsiteY1"/>
+                  </a:cxn>
+                  <a:cxn ang="0">
+                    <a:pos x="connsiteX2" y="connsiteY2"/>
+                  </a:cxn>
+                </a:cxnLst>
+                <a:rect l="l" t="t" r="r" b="b"/>
+                <a:pathLst>
+                  <a:path w="177893" h="2460511">
+                    <a:moveTo>
+                      <a:pt x="164991" y="2460511"/>
+                    </a:moveTo>
+                    <a:cubicBezTo>
+                      <a:pt x="177086" y="2110958"/>
+                      <a:pt x="186649" y="1767510"/>
+                      <a:pt x="164991" y="1357425"/>
+                    </a:cubicBezTo>
+                    <a:cubicBezTo>
+                      <a:pt x="143333" y="947340"/>
+                      <a:pt x="-85910" y="212876"/>
+                      <a:pt x="35042" y="0"/>
+                    </a:cubicBezTo>
+                  </a:path>
+                </a:pathLst>
+              </a:custGeom>
+              <a:noFill/>
+              <a:ln w="31750">
                 <a:solidFill>
-                  <a:schemeClr val="accent6"/>
+                  <a:schemeClr val="tx2"/>
                 </a:solidFill>
-              </a:endParaRPr>
-            </a:p>
-          </p:txBody>
-        </p:sp>
-        <p:sp>
-          <p:nvSpPr>
-            <p:cNvPr id="62" name="Freihandform 61"/>
-            <p:cNvSpPr/>
-            <p:nvPr/>
-          </p:nvSpPr>
-          <p:spPr>
-            <a:xfrm>
-              <a:off x="2795922" y="1603488"/>
-              <a:ext cx="177893" cy="2460511"/>
-            </a:xfrm>
-            <a:custGeom>
-              <a:avLst/>
-              <a:gdLst>
-                <a:gd name="connsiteX0" fmla="*/ 178818 w 192784"/>
-                <a:gd name="connsiteY0" fmla="*/ 2423886 h 2423886"/>
-                <a:gd name="connsiteX1" fmla="*/ 178818 w 192784"/>
-                <a:gd name="connsiteY1" fmla="*/ 1320800 h 2423886"/>
-                <a:gd name="connsiteX2" fmla="*/ 33675 w 192784"/>
-                <a:gd name="connsiteY2" fmla="*/ 0 h 2423886"/>
-                <a:gd name="connsiteX0" fmla="*/ 126662 w 136660"/>
-                <a:gd name="connsiteY0" fmla="*/ 2481943 h 2481943"/>
-                <a:gd name="connsiteX1" fmla="*/ 126662 w 136660"/>
-                <a:gd name="connsiteY1" fmla="*/ 1378857 h 2481943"/>
-                <a:gd name="connsiteX2" fmla="*/ 39576 w 136660"/>
-                <a:gd name="connsiteY2" fmla="*/ 0 h 2481943"/>
-                <a:gd name="connsiteX0" fmla="*/ 164991 w 177893"/>
-                <a:gd name="connsiteY0" fmla="*/ 2460511 h 2460511"/>
-                <a:gd name="connsiteX1" fmla="*/ 164991 w 177893"/>
-                <a:gd name="connsiteY1" fmla="*/ 1357425 h 2460511"/>
-                <a:gd name="connsiteX2" fmla="*/ 35042 w 177893"/>
-                <a:gd name="connsiteY2" fmla="*/ 0 h 2460511"/>
-              </a:gdLst>
-              <a:ahLst/>
-              <a:cxnLst>
-                <a:cxn ang="0">
-                  <a:pos x="connsiteX0" y="connsiteY0"/>
-                </a:cxn>
-                <a:cxn ang="0">
-                  <a:pos x="connsiteX1" y="connsiteY1"/>
-                </a:cxn>
-                <a:cxn ang="0">
-                  <a:pos x="connsiteX2" y="connsiteY2"/>
-                </a:cxn>
-              </a:cxnLst>
-              <a:rect l="l" t="t" r="r" b="b"/>
-              <a:pathLst>
-                <a:path w="177893" h="2460511">
-                  <a:moveTo>
-                    <a:pt x="164991" y="2460511"/>
-                  </a:moveTo>
-                  <a:cubicBezTo>
-                    <a:pt x="177086" y="2110958"/>
-                    <a:pt x="186649" y="1767510"/>
-                    <a:pt x="164991" y="1357425"/>
-                  </a:cubicBezTo>
-                  <a:cubicBezTo>
-                    <a:pt x="143333" y="947340"/>
-                    <a:pt x="-85910" y="212876"/>
-                    <a:pt x="35042" y="0"/>
-                  </a:cubicBezTo>
-                </a:path>
-              </a:pathLst>
-            </a:custGeom>
-            <a:noFill/>
-            <a:ln w="31750">
-              <a:solidFill>
-                <a:schemeClr val="tx2"/>
-              </a:solidFill>
-              <a:prstDash val="solid"/>
-            </a:ln>
-          </p:spPr>
-          <p:style>
-            <a:lnRef idx="2">
-              <a:schemeClr val="accent1">
-                <a:shade val="50000"/>
-              </a:schemeClr>
-            </a:lnRef>
-            <a:fillRef idx="1">
-              <a:schemeClr val="accent1"/>
-            </a:fillRef>
-            <a:effectRef idx="0">
-              <a:schemeClr val="accent1"/>
-            </a:effectRef>
-            <a:fontRef idx="minor">
-              <a:schemeClr val="lt1"/>
-            </a:fontRef>
-          </p:style>
-          <p:txBody>
-            <a:bodyPr rtlCol="0" anchor="ctr"/>
-            <a:lstStyle/>
-            <a:p>
-              <a:pPr algn="ctr"/>
-              <a:endParaRPr lang="de-DE"/>
-            </a:p>
-          </p:txBody>
-        </p:sp>
-        <p:sp>
-          <p:nvSpPr>
-            <p:cNvPr id="63" name="Freihandform 62"/>
-            <p:cNvSpPr/>
-            <p:nvPr/>
-          </p:nvSpPr>
-          <p:spPr>
-            <a:xfrm>
-              <a:off x="3634277" y="783771"/>
-              <a:ext cx="830923" cy="3207658"/>
-            </a:xfrm>
-            <a:custGeom>
-              <a:avLst/>
-              <a:gdLst>
-                <a:gd name="connsiteX0" fmla="*/ 139437 w 830923"/>
-                <a:gd name="connsiteY0" fmla="*/ 3207658 h 3207658"/>
-                <a:gd name="connsiteX1" fmla="*/ 807094 w 830923"/>
-                <a:gd name="connsiteY1" fmla="*/ 2772229 h 3207658"/>
-                <a:gd name="connsiteX2" fmla="*/ 618409 w 830923"/>
-                <a:gd name="connsiteY2" fmla="*/ 1988458 h 3207658"/>
-                <a:gd name="connsiteX3" fmla="*/ 8809 w 830923"/>
-                <a:gd name="connsiteY3" fmla="*/ 1045029 h 3207658"/>
-                <a:gd name="connsiteX4" fmla="*/ 313609 w 830923"/>
-                <a:gd name="connsiteY4" fmla="*/ 0 h 3207658"/>
-              </a:gdLst>
-              <a:ahLst/>
-              <a:cxnLst>
-                <a:cxn ang="0">
-                  <a:pos x="connsiteX0" y="connsiteY0"/>
-                </a:cxn>
-                <a:cxn ang="0">
-                  <a:pos x="connsiteX1" y="connsiteY1"/>
-                </a:cxn>
-                <a:cxn ang="0">
-                  <a:pos x="connsiteX2" y="connsiteY2"/>
-                </a:cxn>
-                <a:cxn ang="0">
-                  <a:pos x="connsiteX3" y="connsiteY3"/>
-                </a:cxn>
-                <a:cxn ang="0">
-                  <a:pos x="connsiteX4" y="connsiteY4"/>
-                </a:cxn>
-              </a:cxnLst>
-              <a:rect l="l" t="t" r="r" b="b"/>
-              <a:pathLst>
-                <a:path w="830923" h="3207658">
-                  <a:moveTo>
-                    <a:pt x="139437" y="3207658"/>
-                  </a:moveTo>
-                  <a:cubicBezTo>
-                    <a:pt x="433351" y="3091543"/>
-                    <a:pt x="727265" y="2975429"/>
-                    <a:pt x="807094" y="2772229"/>
-                  </a:cubicBezTo>
-                  <a:cubicBezTo>
-                    <a:pt x="886923" y="2569029"/>
-                    <a:pt x="751456" y="2276325"/>
-                    <a:pt x="618409" y="1988458"/>
-                  </a:cubicBezTo>
-                  <a:cubicBezTo>
-                    <a:pt x="485362" y="1700591"/>
-                    <a:pt x="59609" y="1376439"/>
-                    <a:pt x="8809" y="1045029"/>
-                  </a:cubicBezTo>
-                  <a:cubicBezTo>
-                    <a:pt x="-41991" y="713619"/>
-                    <a:pt x="135809" y="356809"/>
-                    <a:pt x="313609" y="0"/>
-                  </a:cubicBezTo>
-                </a:path>
-              </a:pathLst>
-            </a:custGeom>
-            <a:noFill/>
-            <a:ln>
-              <a:solidFill>
-                <a:schemeClr val="tx2"/>
-              </a:solidFill>
-            </a:ln>
-          </p:spPr>
-          <p:style>
-            <a:lnRef idx="2">
-              <a:schemeClr val="accent1">
-                <a:shade val="50000"/>
-              </a:schemeClr>
-            </a:lnRef>
-            <a:fillRef idx="1">
-              <a:schemeClr val="accent1"/>
-            </a:fillRef>
-            <a:effectRef idx="0">
-              <a:schemeClr val="accent1"/>
-            </a:effectRef>
-            <a:fontRef idx="minor">
-              <a:schemeClr val="lt1"/>
-            </a:fontRef>
-          </p:style>
-          <p:txBody>
-            <a:bodyPr rtlCol="0" anchor="ctr"/>
-            <a:lstStyle/>
-            <a:p>
-              <a:pPr algn="ctr"/>
-              <a:endParaRPr lang="de-DE"/>
-            </a:p>
-          </p:txBody>
-        </p:sp>
-        <p:sp>
-          <p:nvSpPr>
-            <p:cNvPr id="65" name="Freihandform 64"/>
-            <p:cNvSpPr/>
-            <p:nvPr/>
-          </p:nvSpPr>
-          <p:spPr>
-            <a:xfrm>
-              <a:off x="5486400" y="1436914"/>
-              <a:ext cx="698050" cy="2351315"/>
-            </a:xfrm>
-            <a:custGeom>
-              <a:avLst/>
-              <a:gdLst>
-                <a:gd name="connsiteX0" fmla="*/ 0 w 698050"/>
-                <a:gd name="connsiteY0" fmla="*/ 2351315 h 2351315"/>
-                <a:gd name="connsiteX1" fmla="*/ 682171 w 698050"/>
-                <a:gd name="connsiteY1" fmla="*/ 1451429 h 2351315"/>
-                <a:gd name="connsiteX2" fmla="*/ 493486 w 698050"/>
-                <a:gd name="connsiteY2" fmla="*/ 682172 h 2351315"/>
-                <a:gd name="connsiteX3" fmla="*/ 638629 w 698050"/>
-                <a:gd name="connsiteY3" fmla="*/ 0 h 2351315"/>
-              </a:gdLst>
-              <a:ahLst/>
-              <a:cxnLst>
-                <a:cxn ang="0">
-                  <a:pos x="connsiteX0" y="connsiteY0"/>
-                </a:cxn>
-                <a:cxn ang="0">
-                  <a:pos x="connsiteX1" y="connsiteY1"/>
-                </a:cxn>
-                <a:cxn ang="0">
-                  <a:pos x="connsiteX2" y="connsiteY2"/>
-                </a:cxn>
-                <a:cxn ang="0">
-                  <a:pos x="connsiteX3" y="connsiteY3"/>
-                </a:cxn>
-              </a:cxnLst>
-              <a:rect l="l" t="t" r="r" b="b"/>
-              <a:pathLst>
-                <a:path w="698050" h="2351315">
-                  <a:moveTo>
-                    <a:pt x="0" y="2351315"/>
-                  </a:moveTo>
-                  <a:cubicBezTo>
-                    <a:pt x="299961" y="2040467"/>
-                    <a:pt x="599923" y="1729619"/>
-                    <a:pt x="682171" y="1451429"/>
-                  </a:cubicBezTo>
-                  <a:cubicBezTo>
-                    <a:pt x="764419" y="1173239"/>
-                    <a:pt x="500743" y="924077"/>
-                    <a:pt x="493486" y="682172"/>
-                  </a:cubicBezTo>
-                  <a:cubicBezTo>
-                    <a:pt x="486229" y="440267"/>
-                    <a:pt x="667658" y="9676"/>
-                    <a:pt x="638629" y="0"/>
-                  </a:cubicBezTo>
-                </a:path>
-              </a:pathLst>
-            </a:custGeom>
-            <a:noFill/>
-            <a:ln>
-              <a:solidFill>
-                <a:schemeClr val="tx2"/>
-              </a:solidFill>
-            </a:ln>
-          </p:spPr>
-          <p:style>
-            <a:lnRef idx="2">
-              <a:schemeClr val="accent1">
-                <a:shade val="50000"/>
-              </a:schemeClr>
-            </a:lnRef>
-            <a:fillRef idx="1">
-              <a:schemeClr val="accent1"/>
-            </a:fillRef>
-            <a:effectRef idx="0">
-              <a:schemeClr val="accent1"/>
-            </a:effectRef>
-            <a:fontRef idx="minor">
-              <a:schemeClr val="lt1"/>
-            </a:fontRef>
-          </p:style>
-          <p:txBody>
-            <a:bodyPr rtlCol="0" anchor="ctr"/>
-            <a:lstStyle/>
-            <a:p>
-              <a:pPr algn="ctr"/>
-              <a:endParaRPr lang="de-DE"/>
-            </a:p>
-          </p:txBody>
-        </p:sp>
-        <p:sp>
-          <p:nvSpPr>
-            <p:cNvPr id="66" name="Freihandform 65"/>
-            <p:cNvSpPr/>
-            <p:nvPr/>
-          </p:nvSpPr>
-          <p:spPr>
-            <a:xfrm>
-              <a:off x="4426813" y="812800"/>
-              <a:ext cx="1047268" cy="3062514"/>
-            </a:xfrm>
-            <a:custGeom>
-              <a:avLst/>
-              <a:gdLst>
-                <a:gd name="connsiteX0" fmla="*/ 377416 w 1047268"/>
-                <a:gd name="connsiteY0" fmla="*/ 3062514 h 3062514"/>
-                <a:gd name="connsiteX1" fmla="*/ 377416 w 1047268"/>
-                <a:gd name="connsiteY1" fmla="*/ 2322286 h 3062514"/>
-                <a:gd name="connsiteX2" fmla="*/ 740273 w 1047268"/>
-                <a:gd name="connsiteY2" fmla="*/ 2786743 h 3062514"/>
-                <a:gd name="connsiteX3" fmla="*/ 1001530 w 1047268"/>
-                <a:gd name="connsiteY3" fmla="*/ 1857829 h 3062514"/>
-                <a:gd name="connsiteX4" fmla="*/ 44 w 1047268"/>
-                <a:gd name="connsiteY4" fmla="*/ 1262743 h 3062514"/>
-                <a:gd name="connsiteX5" fmla="*/ 1045073 w 1047268"/>
-                <a:gd name="connsiteY5" fmla="*/ 1407886 h 3062514"/>
-                <a:gd name="connsiteX6" fmla="*/ 290330 w 1047268"/>
-                <a:gd name="connsiteY6" fmla="*/ 595086 h 3062514"/>
-                <a:gd name="connsiteX7" fmla="*/ 827358 w 1047268"/>
-                <a:gd name="connsiteY7" fmla="*/ 0 h 3062514"/>
-              </a:gdLst>
-              <a:ahLst/>
-              <a:cxnLst>
-                <a:cxn ang="0">
-                  <a:pos x="connsiteX0" y="connsiteY0"/>
-                </a:cxn>
-                <a:cxn ang="0">
-                  <a:pos x="connsiteX1" y="connsiteY1"/>
-                </a:cxn>
-                <a:cxn ang="0">
-                  <a:pos x="connsiteX2" y="connsiteY2"/>
-                </a:cxn>
-                <a:cxn ang="0">
-                  <a:pos x="connsiteX3" y="connsiteY3"/>
-                </a:cxn>
-                <a:cxn ang="0">
-                  <a:pos x="connsiteX4" y="connsiteY4"/>
-                </a:cxn>
-                <a:cxn ang="0">
-                  <a:pos x="connsiteX5" y="connsiteY5"/>
-                </a:cxn>
-                <a:cxn ang="0">
-                  <a:pos x="connsiteX6" y="connsiteY6"/>
-                </a:cxn>
-                <a:cxn ang="0">
-                  <a:pos x="connsiteX7" y="connsiteY7"/>
-                </a:cxn>
-              </a:cxnLst>
-              <a:rect l="l" t="t" r="r" b="b"/>
-              <a:pathLst>
-                <a:path w="1047268" h="3062514">
-                  <a:moveTo>
-                    <a:pt x="377416" y="3062514"/>
-                  </a:moveTo>
-                  <a:cubicBezTo>
-                    <a:pt x="347178" y="2715381"/>
-                    <a:pt x="316940" y="2368248"/>
-                    <a:pt x="377416" y="2322286"/>
-                  </a:cubicBezTo>
-                  <a:cubicBezTo>
-                    <a:pt x="437892" y="2276324"/>
-                    <a:pt x="636254" y="2864152"/>
-                    <a:pt x="740273" y="2786743"/>
-                  </a:cubicBezTo>
-                  <a:cubicBezTo>
-                    <a:pt x="844292" y="2709334"/>
-                    <a:pt x="1124902" y="2111829"/>
-                    <a:pt x="1001530" y="1857829"/>
-                  </a:cubicBezTo>
-                  <a:cubicBezTo>
-                    <a:pt x="878159" y="1603829"/>
-                    <a:pt x="-7213" y="1337733"/>
-                    <a:pt x="44" y="1262743"/>
-                  </a:cubicBezTo>
-                  <a:cubicBezTo>
-                    <a:pt x="7301" y="1187753"/>
-                    <a:pt x="996692" y="1519162"/>
-                    <a:pt x="1045073" y="1407886"/>
-                  </a:cubicBezTo>
-                  <a:cubicBezTo>
-                    <a:pt x="1093454" y="1296610"/>
-                    <a:pt x="326616" y="829734"/>
-                    <a:pt x="290330" y="595086"/>
-                  </a:cubicBezTo>
-                  <a:cubicBezTo>
-                    <a:pt x="254044" y="360438"/>
-                    <a:pt x="540701" y="180219"/>
-                    <a:pt x="827358" y="0"/>
-                  </a:cubicBezTo>
-                </a:path>
-              </a:pathLst>
-            </a:custGeom>
-            <a:noFill/>
-            <a:ln>
-              <a:solidFill>
-                <a:schemeClr val="tx2"/>
-              </a:solidFill>
-            </a:ln>
-          </p:spPr>
-          <p:style>
-            <a:lnRef idx="2">
-              <a:schemeClr val="accent1">
-                <a:shade val="50000"/>
-              </a:schemeClr>
-            </a:lnRef>
-            <a:fillRef idx="1">
-              <a:schemeClr val="accent1"/>
-            </a:fillRef>
-            <a:effectRef idx="0">
-              <a:schemeClr val="accent1"/>
-            </a:effectRef>
-            <a:fontRef idx="minor">
-              <a:schemeClr val="lt1"/>
-            </a:fontRef>
-          </p:style>
-          <p:txBody>
-            <a:bodyPr rtlCol="0" anchor="ctr"/>
-            <a:lstStyle/>
-            <a:p>
-              <a:pPr algn="ctr"/>
-              <a:endParaRPr lang="de-DE"/>
-            </a:p>
-          </p:txBody>
-        </p:sp>
-        <p:cxnSp>
-          <p:nvCxnSpPr>
-            <p:cNvPr id="68" name="Gerade Verbindung mit Pfeil 67"/>
-            <p:cNvCxnSpPr>
-              <a:stCxn id="62" idx="1"/>
-              <a:endCxn id="62" idx="1"/>
-            </p:cNvCxnSpPr>
-            <p:nvPr/>
-          </p:nvCxnSpPr>
-          <p:spPr>
-            <a:xfrm>
-              <a:off x="2960913" y="2960913"/>
-              <a:ext cx="0" cy="0"/>
-            </a:xfrm>
-            <a:prstGeom prst="straightConnector1">
-              <a:avLst/>
-            </a:prstGeom>
-            <a:ln>
-              <a:tailEnd type="arrow"/>
-            </a:ln>
-          </p:spPr>
-          <p:style>
-            <a:lnRef idx="1">
-              <a:schemeClr val="accent1"/>
-            </a:lnRef>
-            <a:fillRef idx="0">
-              <a:schemeClr val="accent1"/>
-            </a:fillRef>
-            <a:effectRef idx="0">
-              <a:schemeClr val="accent1"/>
-            </a:effectRef>
-            <a:fontRef idx="minor">
-              <a:schemeClr val="tx1"/>
-            </a:fontRef>
-          </p:style>
-        </p:cxnSp>
-        <p:cxnSp>
-          <p:nvCxnSpPr>
-            <p:cNvPr id="72" name="Gerade Verbindung mit Pfeil 71"/>
-            <p:cNvCxnSpPr>
-              <a:stCxn id="62" idx="1"/>
-              <a:endCxn id="62" idx="1"/>
-            </p:cNvCxnSpPr>
-            <p:nvPr/>
-          </p:nvCxnSpPr>
-          <p:spPr>
-            <a:xfrm>
-              <a:off x="2960913" y="2960913"/>
-              <a:ext cx="0" cy="0"/>
-            </a:xfrm>
-            <a:prstGeom prst="straightConnector1">
-              <a:avLst/>
-            </a:prstGeom>
-            <a:ln>
-              <a:tailEnd type="arrow"/>
-            </a:ln>
-          </p:spPr>
-          <p:style>
-            <a:lnRef idx="1">
-              <a:schemeClr val="accent1"/>
-            </a:lnRef>
-            <a:fillRef idx="0">
-              <a:schemeClr val="accent1"/>
-            </a:fillRef>
-            <a:effectRef idx="0">
-              <a:schemeClr val="accent1"/>
-            </a:effectRef>
-            <a:fontRef idx="minor">
-              <a:schemeClr val="tx1"/>
-            </a:fontRef>
-          </p:style>
-        </p:cxnSp>
-        <p:cxnSp>
-          <p:nvCxnSpPr>
-            <p:cNvPr id="74" name="Gerade Verbindung mit Pfeil 73"/>
-            <p:cNvCxnSpPr>
-              <a:endCxn id="62" idx="1"/>
-            </p:cNvCxnSpPr>
-            <p:nvPr/>
-          </p:nvCxnSpPr>
-          <p:spPr>
-            <a:xfrm flipH="1" flipV="1">
-              <a:off x="2960913" y="2960913"/>
-              <a:ext cx="12902" cy="180055"/>
-            </a:xfrm>
-            <a:prstGeom prst="straightConnector1">
-              <a:avLst/>
-            </a:prstGeom>
-            <a:ln w="25400">
-              <a:solidFill>
-                <a:schemeClr val="tx2"/>
-              </a:solidFill>
-              <a:tailEnd type="arrow"/>
-            </a:ln>
-          </p:spPr>
-          <p:style>
-            <a:lnRef idx="1">
-              <a:schemeClr val="accent1"/>
-            </a:lnRef>
-            <a:fillRef idx="0">
-              <a:schemeClr val="accent1"/>
-            </a:fillRef>
-            <a:effectRef idx="0">
-              <a:schemeClr val="accent1"/>
-            </a:effectRef>
-            <a:fontRef idx="minor">
-              <a:schemeClr val="tx1"/>
-            </a:fontRef>
-          </p:style>
-        </p:cxnSp>
-        <p:cxnSp>
-          <p:nvCxnSpPr>
-            <p:cNvPr id="75" name="Gerade Verbindung mit Pfeil 74"/>
-            <p:cNvCxnSpPr>
-              <a:endCxn id="63" idx="2"/>
-            </p:cNvCxnSpPr>
-            <p:nvPr/>
-          </p:nvCxnSpPr>
-          <p:spPr>
-            <a:xfrm flipH="1" flipV="1">
-              <a:off x="4252686" y="2772229"/>
-              <a:ext cx="68969" cy="168081"/>
-            </a:xfrm>
-            <a:prstGeom prst="straightConnector1">
-              <a:avLst/>
-            </a:prstGeom>
-            <a:ln w="25400">
-              <a:solidFill>
-                <a:schemeClr val="tx2"/>
-              </a:solidFill>
-              <a:tailEnd type="arrow"/>
-            </a:ln>
-          </p:spPr>
-          <p:style>
-            <a:lnRef idx="1">
-              <a:schemeClr val="accent1"/>
-            </a:lnRef>
-            <a:fillRef idx="0">
-              <a:schemeClr val="accent1"/>
-            </a:fillRef>
-            <a:effectRef idx="0">
-              <a:schemeClr val="accent1"/>
-            </a:effectRef>
-            <a:fontRef idx="minor">
-              <a:schemeClr val="tx1"/>
-            </a:fontRef>
-          </p:style>
-        </p:cxnSp>
-        <p:cxnSp>
-          <p:nvCxnSpPr>
-            <p:cNvPr id="80" name="Gerade Verbindung mit Pfeil 79"/>
-            <p:cNvCxnSpPr/>
-            <p:nvPr/>
-          </p:nvCxnSpPr>
-          <p:spPr>
-            <a:xfrm flipH="1" flipV="1">
-              <a:off x="5436096" y="2665061"/>
-              <a:ext cx="12902" cy="115867"/>
-            </a:xfrm>
-            <a:prstGeom prst="straightConnector1">
-              <a:avLst/>
-            </a:prstGeom>
-            <a:ln w="25400">
-              <a:solidFill>
-                <a:schemeClr val="tx2"/>
-              </a:solidFill>
-              <a:tailEnd type="arrow"/>
-            </a:ln>
-          </p:spPr>
-          <p:style>
-            <a:lnRef idx="1">
-              <a:schemeClr val="accent1"/>
-            </a:lnRef>
-            <a:fillRef idx="0">
-              <a:schemeClr val="accent1"/>
-            </a:fillRef>
-            <a:effectRef idx="0">
-              <a:schemeClr val="accent1"/>
-            </a:effectRef>
-            <a:fontRef idx="minor">
-              <a:schemeClr val="tx1"/>
-            </a:fontRef>
-          </p:style>
-        </p:cxnSp>
-        <p:cxnSp>
-          <p:nvCxnSpPr>
-            <p:cNvPr id="81" name="Gerade Verbindung mit Pfeil 80"/>
-            <p:cNvCxnSpPr/>
-            <p:nvPr/>
-          </p:nvCxnSpPr>
-          <p:spPr>
-            <a:xfrm flipV="1">
-              <a:off x="6121060" y="2889977"/>
-              <a:ext cx="47511" cy="112846"/>
-            </a:xfrm>
-            <a:prstGeom prst="straightConnector1">
-              <a:avLst/>
-            </a:prstGeom>
-            <a:ln w="25400">
-              <a:solidFill>
-                <a:schemeClr val="tx2"/>
-              </a:solidFill>
-              <a:tailEnd type="arrow"/>
-            </a:ln>
-          </p:spPr>
-          <p:style>
-            <a:lnRef idx="1">
-              <a:schemeClr val="accent1"/>
-            </a:lnRef>
-            <a:fillRef idx="0">
-              <a:schemeClr val="accent1"/>
-            </a:fillRef>
-            <a:effectRef idx="0">
-              <a:schemeClr val="accent1"/>
-            </a:effectRef>
-            <a:fontRef idx="minor">
-              <a:schemeClr val="tx1"/>
-            </a:fontRef>
-          </p:style>
-        </p:cxnSp>
-        <p:cxnSp>
-          <p:nvCxnSpPr>
-            <p:cNvPr id="87" name="Gerade Verbindung mit Pfeil 86"/>
-            <p:cNvCxnSpPr/>
-            <p:nvPr/>
-          </p:nvCxnSpPr>
-          <p:spPr>
-            <a:xfrm flipV="1">
-              <a:off x="2804903" y="1556792"/>
-              <a:ext cx="47511" cy="112846"/>
-            </a:xfrm>
-            <a:prstGeom prst="straightConnector1">
-              <a:avLst/>
-            </a:prstGeom>
-            <a:ln w="25400">
-              <a:solidFill>
-                <a:schemeClr val="tx2"/>
-              </a:solidFill>
-              <a:tailEnd type="arrow"/>
-            </a:ln>
-          </p:spPr>
-          <p:style>
-            <a:lnRef idx="1">
-              <a:schemeClr val="accent1"/>
-            </a:lnRef>
-            <a:fillRef idx="0">
-              <a:schemeClr val="accent1"/>
-            </a:fillRef>
-            <a:effectRef idx="0">
-              <a:schemeClr val="accent1"/>
-            </a:effectRef>
-            <a:fontRef idx="minor">
-              <a:schemeClr val="tx1"/>
-            </a:fontRef>
-          </p:style>
-        </p:cxnSp>
-        <p:cxnSp>
-          <p:nvCxnSpPr>
-            <p:cNvPr id="88" name="Gerade Verbindung mit Pfeil 87"/>
-            <p:cNvCxnSpPr/>
-            <p:nvPr/>
-          </p:nvCxnSpPr>
-          <p:spPr>
-            <a:xfrm flipV="1">
-              <a:off x="3900172" y="769303"/>
-              <a:ext cx="47511" cy="112846"/>
-            </a:xfrm>
-            <a:prstGeom prst="straightConnector1">
-              <a:avLst/>
-            </a:prstGeom>
-            <a:ln w="25400">
-              <a:solidFill>
-                <a:schemeClr val="tx2"/>
-              </a:solidFill>
-              <a:tailEnd type="arrow"/>
-            </a:ln>
-          </p:spPr>
-          <p:style>
-            <a:lnRef idx="1">
-              <a:schemeClr val="accent1"/>
-            </a:lnRef>
-            <a:fillRef idx="0">
-              <a:schemeClr val="accent1"/>
-            </a:fillRef>
-            <a:effectRef idx="0">
-              <a:schemeClr val="accent1"/>
-            </a:effectRef>
-            <a:fontRef idx="minor">
-              <a:schemeClr val="tx1"/>
-            </a:fontRef>
-          </p:style>
-        </p:cxnSp>
-        <p:cxnSp>
-          <p:nvCxnSpPr>
-            <p:cNvPr id="89" name="Gerade Verbindung mit Pfeil 88"/>
-            <p:cNvCxnSpPr/>
-            <p:nvPr/>
-          </p:nvCxnSpPr>
-          <p:spPr>
-            <a:xfrm flipV="1">
-              <a:off x="5148064" y="786862"/>
-              <a:ext cx="119519" cy="104923"/>
-            </a:xfrm>
-            <a:prstGeom prst="straightConnector1">
-              <a:avLst/>
-            </a:prstGeom>
-            <a:ln w="25400">
-              <a:solidFill>
-                <a:schemeClr val="tx2"/>
-              </a:solidFill>
-              <a:tailEnd type="arrow"/>
-            </a:ln>
-          </p:spPr>
-          <p:style>
-            <a:lnRef idx="1">
-              <a:schemeClr val="accent1"/>
-            </a:lnRef>
-            <a:fillRef idx="0">
-              <a:schemeClr val="accent1"/>
-            </a:fillRef>
-            <a:effectRef idx="0">
-              <a:schemeClr val="accent1"/>
-            </a:effectRef>
-            <a:fontRef idx="minor">
-              <a:schemeClr val="tx1"/>
-            </a:fontRef>
-          </p:style>
-        </p:cxnSp>
-        <p:cxnSp>
-          <p:nvCxnSpPr>
-            <p:cNvPr id="90" name="Gerade Verbindung mit Pfeil 89"/>
-            <p:cNvCxnSpPr/>
-            <p:nvPr/>
-          </p:nvCxnSpPr>
-          <p:spPr>
-            <a:xfrm flipV="1">
-              <a:off x="6107643" y="1405575"/>
-              <a:ext cx="47511" cy="112846"/>
-            </a:xfrm>
-            <a:prstGeom prst="straightConnector1">
-              <a:avLst/>
-            </a:prstGeom>
-            <a:ln w="25400">
-              <a:solidFill>
-                <a:schemeClr val="tx2"/>
-              </a:solidFill>
-              <a:tailEnd type="arrow"/>
-            </a:ln>
-          </p:spPr>
-          <p:style>
-            <a:lnRef idx="1">
-              <a:schemeClr val="accent1"/>
-            </a:lnRef>
-            <a:fillRef idx="0">
-              <a:schemeClr val="accent1"/>
-            </a:fillRef>
-            <a:effectRef idx="0">
-              <a:schemeClr val="accent1"/>
-            </a:effectRef>
-            <a:fontRef idx="minor">
-              <a:schemeClr val="tx1"/>
-            </a:fontRef>
-          </p:style>
-        </p:cxnSp>
-        <p:sp>
-          <p:nvSpPr>
-            <p:cNvPr id="95" name="Textfeld 94"/>
-            <p:cNvSpPr txBox="1"/>
-            <p:nvPr/>
-          </p:nvSpPr>
-          <p:spPr>
-            <a:xfrm>
-              <a:off x="2652292" y="3255367"/>
-              <a:ext cx="465151" cy="461665"/>
-            </a:xfrm>
-            <a:prstGeom prst="rect">
-              <a:avLst/>
-            </a:prstGeom>
-            <a:noFill/>
-          </p:spPr>
-          <p:txBody>
-            <a:bodyPr wrap="square" rtlCol="0">
-              <a:spAutoFit/>
-            </a:bodyPr>
-            <a:lstStyle/>
-            <a:p>
-              <a:r>
-                <a:rPr lang="de-DE" sz="2400" b="1" dirty="0" smtClean="0">
+                <a:prstDash val="solid"/>
+              </a:ln>
+            </p:spPr>
+            <p:style>
+              <a:lnRef idx="2">
+                <a:schemeClr val="accent1">
+                  <a:shade val="50000"/>
+                </a:schemeClr>
+              </a:lnRef>
+              <a:fillRef idx="1">
+                <a:schemeClr val="accent1"/>
+              </a:fillRef>
+              <a:effectRef idx="0">
+                <a:schemeClr val="accent1"/>
+              </a:effectRef>
+              <a:fontRef idx="minor">
+                <a:schemeClr val="lt1"/>
+              </a:fontRef>
+            </p:style>
+            <p:txBody>
+              <a:bodyPr rtlCol="0" anchor="ctr"/>
+              <a:lstStyle/>
+              <a:p>
+                <a:pPr algn="ctr"/>
+                <a:endParaRPr lang="de-DE"/>
+              </a:p>
+            </p:txBody>
+          </p:sp>
+          <p:sp>
+            <p:nvSpPr>
+              <p:cNvPr id="63" name="Freihandform 62"/>
+              <p:cNvSpPr/>
+              <p:nvPr/>
+            </p:nvSpPr>
+            <p:spPr>
+              <a:xfrm>
+                <a:off x="3634277" y="783771"/>
+                <a:ext cx="830923" cy="3207658"/>
+              </a:xfrm>
+              <a:custGeom>
+                <a:avLst/>
+                <a:gdLst>
+                  <a:gd name="connsiteX0" fmla="*/ 139437 w 830923"/>
+                  <a:gd name="connsiteY0" fmla="*/ 3207658 h 3207658"/>
+                  <a:gd name="connsiteX1" fmla="*/ 807094 w 830923"/>
+                  <a:gd name="connsiteY1" fmla="*/ 2772229 h 3207658"/>
+                  <a:gd name="connsiteX2" fmla="*/ 618409 w 830923"/>
+                  <a:gd name="connsiteY2" fmla="*/ 1988458 h 3207658"/>
+                  <a:gd name="connsiteX3" fmla="*/ 8809 w 830923"/>
+                  <a:gd name="connsiteY3" fmla="*/ 1045029 h 3207658"/>
+                  <a:gd name="connsiteX4" fmla="*/ 313609 w 830923"/>
+                  <a:gd name="connsiteY4" fmla="*/ 0 h 3207658"/>
+                </a:gdLst>
+                <a:ahLst/>
+                <a:cxnLst>
+                  <a:cxn ang="0">
+                    <a:pos x="connsiteX0" y="connsiteY0"/>
+                  </a:cxn>
+                  <a:cxn ang="0">
+                    <a:pos x="connsiteX1" y="connsiteY1"/>
+                  </a:cxn>
+                  <a:cxn ang="0">
+                    <a:pos x="connsiteX2" y="connsiteY2"/>
+                  </a:cxn>
+                  <a:cxn ang="0">
+                    <a:pos x="connsiteX3" y="connsiteY3"/>
+                  </a:cxn>
+                  <a:cxn ang="0">
+                    <a:pos x="connsiteX4" y="connsiteY4"/>
+                  </a:cxn>
+                </a:cxnLst>
+                <a:rect l="l" t="t" r="r" b="b"/>
+                <a:pathLst>
+                  <a:path w="830923" h="3207658">
+                    <a:moveTo>
+                      <a:pt x="139437" y="3207658"/>
+                    </a:moveTo>
+                    <a:cubicBezTo>
+                      <a:pt x="433351" y="3091543"/>
+                      <a:pt x="727265" y="2975429"/>
+                      <a:pt x="807094" y="2772229"/>
+                    </a:cubicBezTo>
+                    <a:cubicBezTo>
+                      <a:pt x="886923" y="2569029"/>
+                      <a:pt x="751456" y="2276325"/>
+                      <a:pt x="618409" y="1988458"/>
+                    </a:cubicBezTo>
+                    <a:cubicBezTo>
+                      <a:pt x="485362" y="1700591"/>
+                      <a:pt x="59609" y="1376439"/>
+                      <a:pt x="8809" y="1045029"/>
+                    </a:cubicBezTo>
+                    <a:cubicBezTo>
+                      <a:pt x="-41991" y="713619"/>
+                      <a:pt x="135809" y="356809"/>
+                      <a:pt x="313609" y="0"/>
+                    </a:cubicBezTo>
+                  </a:path>
+                </a:pathLst>
+              </a:custGeom>
+              <a:noFill/>
+              <a:ln>
+                <a:solidFill>
+                  <a:schemeClr val="tx2"/>
+                </a:solidFill>
+              </a:ln>
+            </p:spPr>
+            <p:style>
+              <a:lnRef idx="2">
+                <a:schemeClr val="accent1">
+                  <a:shade val="50000"/>
+                </a:schemeClr>
+              </a:lnRef>
+              <a:fillRef idx="1">
+                <a:schemeClr val="accent1"/>
+              </a:fillRef>
+              <a:effectRef idx="0">
+                <a:schemeClr val="accent1"/>
+              </a:effectRef>
+              <a:fontRef idx="minor">
+                <a:schemeClr val="lt1"/>
+              </a:fontRef>
+            </p:style>
+            <p:txBody>
+              <a:bodyPr rtlCol="0" anchor="ctr"/>
+              <a:lstStyle/>
+              <a:p>
+                <a:pPr algn="ctr"/>
+                <a:endParaRPr lang="de-DE"/>
+              </a:p>
+            </p:txBody>
+          </p:sp>
+          <p:sp>
+            <p:nvSpPr>
+              <p:cNvPr id="65" name="Freihandform 64"/>
+              <p:cNvSpPr/>
+              <p:nvPr/>
+            </p:nvSpPr>
+            <p:spPr>
+              <a:xfrm>
+                <a:off x="5486400" y="1436914"/>
+                <a:ext cx="698050" cy="2351315"/>
+              </a:xfrm>
+              <a:custGeom>
+                <a:avLst/>
+                <a:gdLst>
+                  <a:gd name="connsiteX0" fmla="*/ 0 w 698050"/>
+                  <a:gd name="connsiteY0" fmla="*/ 2351315 h 2351315"/>
+                  <a:gd name="connsiteX1" fmla="*/ 682171 w 698050"/>
+                  <a:gd name="connsiteY1" fmla="*/ 1451429 h 2351315"/>
+                  <a:gd name="connsiteX2" fmla="*/ 493486 w 698050"/>
+                  <a:gd name="connsiteY2" fmla="*/ 682172 h 2351315"/>
+                  <a:gd name="connsiteX3" fmla="*/ 638629 w 698050"/>
+                  <a:gd name="connsiteY3" fmla="*/ 0 h 2351315"/>
+                </a:gdLst>
+                <a:ahLst/>
+                <a:cxnLst>
+                  <a:cxn ang="0">
+                    <a:pos x="connsiteX0" y="connsiteY0"/>
+                  </a:cxn>
+                  <a:cxn ang="0">
+                    <a:pos x="connsiteX1" y="connsiteY1"/>
+                  </a:cxn>
+                  <a:cxn ang="0">
+                    <a:pos x="connsiteX2" y="connsiteY2"/>
+                  </a:cxn>
+                  <a:cxn ang="0">
+                    <a:pos x="connsiteX3" y="connsiteY3"/>
+                  </a:cxn>
+                </a:cxnLst>
+                <a:rect l="l" t="t" r="r" b="b"/>
+                <a:pathLst>
+                  <a:path w="698050" h="2351315">
+                    <a:moveTo>
+                      <a:pt x="0" y="2351315"/>
+                    </a:moveTo>
+                    <a:cubicBezTo>
+                      <a:pt x="299961" y="2040467"/>
+                      <a:pt x="599923" y="1729619"/>
+                      <a:pt x="682171" y="1451429"/>
+                    </a:cubicBezTo>
+                    <a:cubicBezTo>
+                      <a:pt x="764419" y="1173239"/>
+                      <a:pt x="500743" y="924077"/>
+                      <a:pt x="493486" y="682172"/>
+                    </a:cubicBezTo>
+                    <a:cubicBezTo>
+                      <a:pt x="486229" y="440267"/>
+                      <a:pt x="667658" y="9676"/>
+                      <a:pt x="638629" y="0"/>
+                    </a:cubicBezTo>
+                  </a:path>
+                </a:pathLst>
+              </a:custGeom>
+              <a:noFill/>
+              <a:ln>
+                <a:solidFill>
+                  <a:schemeClr val="tx2"/>
+                </a:solidFill>
+              </a:ln>
+            </p:spPr>
+            <p:style>
+              <a:lnRef idx="2">
+                <a:schemeClr val="accent1">
+                  <a:shade val="50000"/>
+                </a:schemeClr>
+              </a:lnRef>
+              <a:fillRef idx="1">
+                <a:schemeClr val="accent1"/>
+              </a:fillRef>
+              <a:effectRef idx="0">
+                <a:schemeClr val="accent1"/>
+              </a:effectRef>
+              <a:fontRef idx="minor">
+                <a:schemeClr val="lt1"/>
+              </a:fontRef>
+            </p:style>
+            <p:txBody>
+              <a:bodyPr rtlCol="0" anchor="ctr"/>
+              <a:lstStyle/>
+              <a:p>
+                <a:pPr algn="ctr"/>
+                <a:endParaRPr lang="de-DE"/>
+              </a:p>
+            </p:txBody>
+          </p:sp>
+          <p:sp>
+            <p:nvSpPr>
+              <p:cNvPr id="66" name="Freihandform 65"/>
+              <p:cNvSpPr/>
+              <p:nvPr/>
+            </p:nvSpPr>
+            <p:spPr>
+              <a:xfrm>
+                <a:off x="4426813" y="812800"/>
+                <a:ext cx="1047268" cy="3062514"/>
+              </a:xfrm>
+              <a:custGeom>
+                <a:avLst/>
+                <a:gdLst>
+                  <a:gd name="connsiteX0" fmla="*/ 377416 w 1047268"/>
+                  <a:gd name="connsiteY0" fmla="*/ 3062514 h 3062514"/>
+                  <a:gd name="connsiteX1" fmla="*/ 377416 w 1047268"/>
+                  <a:gd name="connsiteY1" fmla="*/ 2322286 h 3062514"/>
+                  <a:gd name="connsiteX2" fmla="*/ 740273 w 1047268"/>
+                  <a:gd name="connsiteY2" fmla="*/ 2786743 h 3062514"/>
+                  <a:gd name="connsiteX3" fmla="*/ 1001530 w 1047268"/>
+                  <a:gd name="connsiteY3" fmla="*/ 1857829 h 3062514"/>
+                  <a:gd name="connsiteX4" fmla="*/ 44 w 1047268"/>
+                  <a:gd name="connsiteY4" fmla="*/ 1262743 h 3062514"/>
+                  <a:gd name="connsiteX5" fmla="*/ 1045073 w 1047268"/>
+                  <a:gd name="connsiteY5" fmla="*/ 1407886 h 3062514"/>
+                  <a:gd name="connsiteX6" fmla="*/ 290330 w 1047268"/>
+                  <a:gd name="connsiteY6" fmla="*/ 595086 h 3062514"/>
+                  <a:gd name="connsiteX7" fmla="*/ 827358 w 1047268"/>
+                  <a:gd name="connsiteY7" fmla="*/ 0 h 3062514"/>
+                </a:gdLst>
+                <a:ahLst/>
+                <a:cxnLst>
+                  <a:cxn ang="0">
+                    <a:pos x="connsiteX0" y="connsiteY0"/>
+                  </a:cxn>
+                  <a:cxn ang="0">
+                    <a:pos x="connsiteX1" y="connsiteY1"/>
+                  </a:cxn>
+                  <a:cxn ang="0">
+                    <a:pos x="connsiteX2" y="connsiteY2"/>
+                  </a:cxn>
+                  <a:cxn ang="0">
+                    <a:pos x="connsiteX3" y="connsiteY3"/>
+                  </a:cxn>
+                  <a:cxn ang="0">
+                    <a:pos x="connsiteX4" y="connsiteY4"/>
+                  </a:cxn>
+                  <a:cxn ang="0">
+                    <a:pos x="connsiteX5" y="connsiteY5"/>
+                  </a:cxn>
+                  <a:cxn ang="0">
+                    <a:pos x="connsiteX6" y="connsiteY6"/>
+                  </a:cxn>
+                  <a:cxn ang="0">
+                    <a:pos x="connsiteX7" y="connsiteY7"/>
+                  </a:cxn>
+                </a:cxnLst>
+                <a:rect l="l" t="t" r="r" b="b"/>
+                <a:pathLst>
+                  <a:path w="1047268" h="3062514">
+                    <a:moveTo>
+                      <a:pt x="377416" y="3062514"/>
+                    </a:moveTo>
+                    <a:cubicBezTo>
+                      <a:pt x="347178" y="2715381"/>
+                      <a:pt x="316940" y="2368248"/>
+                      <a:pt x="377416" y="2322286"/>
+                    </a:cubicBezTo>
+                    <a:cubicBezTo>
+                      <a:pt x="437892" y="2276324"/>
+                      <a:pt x="636254" y="2864152"/>
+                      <a:pt x="740273" y="2786743"/>
+                    </a:cubicBezTo>
+                    <a:cubicBezTo>
+                      <a:pt x="844292" y="2709334"/>
+                      <a:pt x="1124902" y="2111829"/>
+                      <a:pt x="1001530" y="1857829"/>
+                    </a:cubicBezTo>
+                    <a:cubicBezTo>
+                      <a:pt x="878159" y="1603829"/>
+                      <a:pt x="-7213" y="1337733"/>
+                      <a:pt x="44" y="1262743"/>
+                    </a:cubicBezTo>
+                    <a:cubicBezTo>
+                      <a:pt x="7301" y="1187753"/>
+                      <a:pt x="996692" y="1519162"/>
+                      <a:pt x="1045073" y="1407886"/>
+                    </a:cubicBezTo>
+                    <a:cubicBezTo>
+                      <a:pt x="1093454" y="1296610"/>
+                      <a:pt x="326616" y="829734"/>
+                      <a:pt x="290330" y="595086"/>
+                    </a:cubicBezTo>
+                    <a:cubicBezTo>
+                      <a:pt x="254044" y="360438"/>
+                      <a:pt x="540701" y="180219"/>
+                      <a:pt x="827358" y="0"/>
+                    </a:cubicBezTo>
+                  </a:path>
+                </a:pathLst>
+              </a:custGeom>
+              <a:noFill/>
+              <a:ln>
+                <a:solidFill>
+                  <a:schemeClr val="tx2"/>
+                </a:solidFill>
+              </a:ln>
+            </p:spPr>
+            <p:style>
+              <a:lnRef idx="2">
+                <a:schemeClr val="accent1">
+                  <a:shade val="50000"/>
+                </a:schemeClr>
+              </a:lnRef>
+              <a:fillRef idx="1">
+                <a:schemeClr val="accent1"/>
+              </a:fillRef>
+              <a:effectRef idx="0">
+                <a:schemeClr val="accent1"/>
+              </a:effectRef>
+              <a:fontRef idx="minor">
+                <a:schemeClr val="lt1"/>
+              </a:fontRef>
+            </p:style>
+            <p:txBody>
+              <a:bodyPr rtlCol="0" anchor="ctr"/>
+              <a:lstStyle/>
+              <a:p>
+                <a:pPr algn="ctr"/>
+                <a:endParaRPr lang="de-DE"/>
+              </a:p>
+            </p:txBody>
+          </p:sp>
+          <p:cxnSp>
+            <p:nvCxnSpPr>
+              <p:cNvPr id="68" name="Gerade Verbindung mit Pfeil 67"/>
+              <p:cNvCxnSpPr>
+                <a:stCxn id="62" idx="1"/>
+                <a:endCxn id="62" idx="1"/>
+              </p:cNvCxnSpPr>
+              <p:nvPr/>
+            </p:nvCxnSpPr>
+            <p:spPr>
+              <a:xfrm>
+                <a:off x="2960913" y="2960913"/>
+                <a:ext cx="0" cy="0"/>
+              </a:xfrm>
+              <a:prstGeom prst="straightConnector1">
+                <a:avLst/>
+              </a:prstGeom>
+              <a:ln>
+                <a:tailEnd type="arrow"/>
+              </a:ln>
+            </p:spPr>
+            <p:style>
+              <a:lnRef idx="1">
+                <a:schemeClr val="accent1"/>
+              </a:lnRef>
+              <a:fillRef idx="0">
+                <a:schemeClr val="accent1"/>
+              </a:fillRef>
+              <a:effectRef idx="0">
+                <a:schemeClr val="accent1"/>
+              </a:effectRef>
+              <a:fontRef idx="minor">
+                <a:schemeClr val="tx1"/>
+              </a:fontRef>
+            </p:style>
+          </p:cxnSp>
+          <p:cxnSp>
+            <p:nvCxnSpPr>
+              <p:cNvPr id="72" name="Gerade Verbindung mit Pfeil 71"/>
+              <p:cNvCxnSpPr>
+                <a:stCxn id="62" idx="1"/>
+                <a:endCxn id="62" idx="1"/>
+              </p:cNvCxnSpPr>
+              <p:nvPr/>
+            </p:nvCxnSpPr>
+            <p:spPr>
+              <a:xfrm>
+                <a:off x="2960913" y="2960913"/>
+                <a:ext cx="0" cy="0"/>
+              </a:xfrm>
+              <a:prstGeom prst="straightConnector1">
+                <a:avLst/>
+              </a:prstGeom>
+              <a:ln>
+                <a:tailEnd type="arrow"/>
+              </a:ln>
+            </p:spPr>
+            <p:style>
+              <a:lnRef idx="1">
+                <a:schemeClr val="accent1"/>
+              </a:lnRef>
+              <a:fillRef idx="0">
+                <a:schemeClr val="accent1"/>
+              </a:fillRef>
+              <a:effectRef idx="0">
+                <a:schemeClr val="accent1"/>
+              </a:effectRef>
+              <a:fontRef idx="minor">
+                <a:schemeClr val="tx1"/>
+              </a:fontRef>
+            </p:style>
+          </p:cxnSp>
+          <p:cxnSp>
+            <p:nvCxnSpPr>
+              <p:cNvPr id="74" name="Gerade Verbindung mit Pfeil 73"/>
+              <p:cNvCxnSpPr>
+                <a:endCxn id="62" idx="1"/>
+              </p:cNvCxnSpPr>
+              <p:nvPr/>
+            </p:nvCxnSpPr>
+            <p:spPr>
+              <a:xfrm flipH="1" flipV="1">
+                <a:off x="2960913" y="2960913"/>
+                <a:ext cx="12902" cy="180055"/>
+              </a:xfrm>
+              <a:prstGeom prst="straightConnector1">
+                <a:avLst/>
+              </a:prstGeom>
+              <a:ln w="25400">
+                <a:solidFill>
+                  <a:schemeClr val="tx2"/>
+                </a:solidFill>
+                <a:tailEnd type="arrow"/>
+              </a:ln>
+            </p:spPr>
+            <p:style>
+              <a:lnRef idx="1">
+                <a:schemeClr val="accent1"/>
+              </a:lnRef>
+              <a:fillRef idx="0">
+                <a:schemeClr val="accent1"/>
+              </a:fillRef>
+              <a:effectRef idx="0">
+                <a:schemeClr val="accent1"/>
+              </a:effectRef>
+              <a:fontRef idx="minor">
+                <a:schemeClr val="tx1"/>
+              </a:fontRef>
+            </p:style>
+          </p:cxnSp>
+          <p:cxnSp>
+            <p:nvCxnSpPr>
+              <p:cNvPr id="75" name="Gerade Verbindung mit Pfeil 74"/>
+              <p:cNvCxnSpPr>
+                <a:endCxn id="63" idx="2"/>
+              </p:cNvCxnSpPr>
+              <p:nvPr/>
+            </p:nvCxnSpPr>
+            <p:spPr>
+              <a:xfrm flipH="1" flipV="1">
+                <a:off x="4252686" y="2772229"/>
+                <a:ext cx="68969" cy="168081"/>
+              </a:xfrm>
+              <a:prstGeom prst="straightConnector1">
+                <a:avLst/>
+              </a:prstGeom>
+              <a:ln w="25400">
+                <a:solidFill>
+                  <a:schemeClr val="tx2"/>
+                </a:solidFill>
+                <a:tailEnd type="arrow"/>
+              </a:ln>
+            </p:spPr>
+            <p:style>
+              <a:lnRef idx="1">
+                <a:schemeClr val="accent1"/>
+              </a:lnRef>
+              <a:fillRef idx="0">
+                <a:schemeClr val="accent1"/>
+              </a:fillRef>
+              <a:effectRef idx="0">
+                <a:schemeClr val="accent1"/>
+              </a:effectRef>
+              <a:fontRef idx="minor">
+                <a:schemeClr val="tx1"/>
+              </a:fontRef>
+            </p:style>
+          </p:cxnSp>
+          <p:cxnSp>
+            <p:nvCxnSpPr>
+              <p:cNvPr id="80" name="Gerade Verbindung mit Pfeil 79"/>
+              <p:cNvCxnSpPr/>
+              <p:nvPr/>
+            </p:nvCxnSpPr>
+            <p:spPr>
+              <a:xfrm flipH="1" flipV="1">
+                <a:off x="5436096" y="2665061"/>
+                <a:ext cx="12902" cy="115867"/>
+              </a:xfrm>
+              <a:prstGeom prst="straightConnector1">
+                <a:avLst/>
+              </a:prstGeom>
+              <a:ln w="25400">
+                <a:solidFill>
+                  <a:schemeClr val="tx2"/>
+                </a:solidFill>
+                <a:tailEnd type="arrow"/>
+              </a:ln>
+            </p:spPr>
+            <p:style>
+              <a:lnRef idx="1">
+                <a:schemeClr val="accent1"/>
+              </a:lnRef>
+              <a:fillRef idx="0">
+                <a:schemeClr val="accent1"/>
+              </a:fillRef>
+              <a:effectRef idx="0">
+                <a:schemeClr val="accent1"/>
+              </a:effectRef>
+              <a:fontRef idx="minor">
+                <a:schemeClr val="tx1"/>
+              </a:fontRef>
+            </p:style>
+          </p:cxnSp>
+          <p:cxnSp>
+            <p:nvCxnSpPr>
+              <p:cNvPr id="81" name="Gerade Verbindung mit Pfeil 80"/>
+              <p:cNvCxnSpPr/>
+              <p:nvPr/>
+            </p:nvCxnSpPr>
+            <p:spPr>
+              <a:xfrm flipV="1">
+                <a:off x="6121060" y="2889977"/>
+                <a:ext cx="47511" cy="112846"/>
+              </a:xfrm>
+              <a:prstGeom prst="straightConnector1">
+                <a:avLst/>
+              </a:prstGeom>
+              <a:ln w="25400">
+                <a:solidFill>
+                  <a:schemeClr val="tx2"/>
+                </a:solidFill>
+                <a:tailEnd type="arrow"/>
+              </a:ln>
+            </p:spPr>
+            <p:style>
+              <a:lnRef idx="1">
+                <a:schemeClr val="accent1"/>
+              </a:lnRef>
+              <a:fillRef idx="0">
+                <a:schemeClr val="accent1"/>
+              </a:fillRef>
+              <a:effectRef idx="0">
+                <a:schemeClr val="accent1"/>
+              </a:effectRef>
+              <a:fontRef idx="minor">
+                <a:schemeClr val="tx1"/>
+              </a:fontRef>
+            </p:style>
+          </p:cxnSp>
+          <p:cxnSp>
+            <p:nvCxnSpPr>
+              <p:cNvPr id="87" name="Gerade Verbindung mit Pfeil 86"/>
+              <p:cNvCxnSpPr/>
+              <p:nvPr/>
+            </p:nvCxnSpPr>
+            <p:spPr>
+              <a:xfrm flipV="1">
+                <a:off x="2804903" y="1556792"/>
+                <a:ext cx="47511" cy="112846"/>
+              </a:xfrm>
+              <a:prstGeom prst="straightConnector1">
+                <a:avLst/>
+              </a:prstGeom>
+              <a:ln w="25400">
+                <a:solidFill>
+                  <a:schemeClr val="tx2"/>
+                </a:solidFill>
+                <a:tailEnd type="arrow"/>
+              </a:ln>
+            </p:spPr>
+            <p:style>
+              <a:lnRef idx="1">
+                <a:schemeClr val="accent1"/>
+              </a:lnRef>
+              <a:fillRef idx="0">
+                <a:schemeClr val="accent1"/>
+              </a:fillRef>
+              <a:effectRef idx="0">
+                <a:schemeClr val="accent1"/>
+              </a:effectRef>
+              <a:fontRef idx="minor">
+                <a:schemeClr val="tx1"/>
+              </a:fontRef>
+            </p:style>
+          </p:cxnSp>
+          <p:cxnSp>
+            <p:nvCxnSpPr>
+              <p:cNvPr id="88" name="Gerade Verbindung mit Pfeil 87"/>
+              <p:cNvCxnSpPr/>
+              <p:nvPr/>
+            </p:nvCxnSpPr>
+            <p:spPr>
+              <a:xfrm flipV="1">
+                <a:off x="3900172" y="769303"/>
+                <a:ext cx="47511" cy="112846"/>
+              </a:xfrm>
+              <a:prstGeom prst="straightConnector1">
+                <a:avLst/>
+              </a:prstGeom>
+              <a:ln w="25400">
+                <a:solidFill>
+                  <a:schemeClr val="tx2"/>
+                </a:solidFill>
+                <a:tailEnd type="arrow"/>
+              </a:ln>
+            </p:spPr>
+            <p:style>
+              <a:lnRef idx="1">
+                <a:schemeClr val="accent1"/>
+              </a:lnRef>
+              <a:fillRef idx="0">
+                <a:schemeClr val="accent1"/>
+              </a:fillRef>
+              <a:effectRef idx="0">
+                <a:schemeClr val="accent1"/>
+              </a:effectRef>
+              <a:fontRef idx="minor">
+                <a:schemeClr val="tx1"/>
+              </a:fontRef>
+            </p:style>
+          </p:cxnSp>
+          <p:cxnSp>
+            <p:nvCxnSpPr>
+              <p:cNvPr id="89" name="Gerade Verbindung mit Pfeil 88"/>
+              <p:cNvCxnSpPr/>
+              <p:nvPr/>
+            </p:nvCxnSpPr>
+            <p:spPr>
+              <a:xfrm flipV="1">
+                <a:off x="5148064" y="786862"/>
+                <a:ext cx="119519" cy="104923"/>
+              </a:xfrm>
+              <a:prstGeom prst="straightConnector1">
+                <a:avLst/>
+              </a:prstGeom>
+              <a:ln w="25400">
+                <a:solidFill>
+                  <a:schemeClr val="tx2"/>
+                </a:solidFill>
+                <a:tailEnd type="arrow"/>
+              </a:ln>
+            </p:spPr>
+            <p:style>
+              <a:lnRef idx="1">
+                <a:schemeClr val="accent1"/>
+              </a:lnRef>
+              <a:fillRef idx="0">
+                <a:schemeClr val="accent1"/>
+              </a:fillRef>
+              <a:effectRef idx="0">
+                <a:schemeClr val="accent1"/>
+              </a:effectRef>
+              <a:fontRef idx="minor">
+                <a:schemeClr val="tx1"/>
+              </a:fontRef>
+            </p:style>
+          </p:cxnSp>
+          <p:cxnSp>
+            <p:nvCxnSpPr>
+              <p:cNvPr id="90" name="Gerade Verbindung mit Pfeil 89"/>
+              <p:cNvCxnSpPr/>
+              <p:nvPr/>
+            </p:nvCxnSpPr>
+            <p:spPr>
+              <a:xfrm flipV="1">
+                <a:off x="6107643" y="1405575"/>
+                <a:ext cx="47511" cy="112846"/>
+              </a:xfrm>
+              <a:prstGeom prst="straightConnector1">
+                <a:avLst/>
+              </a:prstGeom>
+              <a:ln w="25400">
+                <a:solidFill>
+                  <a:schemeClr val="tx2"/>
+                </a:solidFill>
+                <a:tailEnd type="arrow"/>
+              </a:ln>
+            </p:spPr>
+            <p:style>
+              <a:lnRef idx="1">
+                <a:schemeClr val="accent1"/>
+              </a:lnRef>
+              <a:fillRef idx="0">
+                <a:schemeClr val="accent1"/>
+              </a:fillRef>
+              <a:effectRef idx="0">
+                <a:schemeClr val="accent1"/>
+              </a:effectRef>
+              <a:fontRef idx="minor">
+                <a:schemeClr val="tx1"/>
+              </a:fontRef>
+            </p:style>
+          </p:cxnSp>
+          <p:sp>
+            <p:nvSpPr>
+              <p:cNvPr id="95" name="Textfeld 94"/>
+              <p:cNvSpPr txBox="1"/>
+              <p:nvPr/>
+            </p:nvSpPr>
+            <p:spPr>
+              <a:xfrm>
+                <a:off x="2652292" y="3255367"/>
+                <a:ext cx="465151" cy="461665"/>
+              </a:xfrm>
+              <a:prstGeom prst="rect">
+                <a:avLst/>
+              </a:prstGeom>
+              <a:noFill/>
+            </p:spPr>
+            <p:txBody>
+              <a:bodyPr wrap="square" rtlCol="0">
+                <a:spAutoFit/>
+              </a:bodyPr>
+              <a:lstStyle/>
+              <a:p>
+                <a:r>
+                  <a:rPr lang="de-DE" sz="2400" b="1" dirty="0" smtClean="0">
+                    <a:solidFill>
+                      <a:schemeClr val="tx2"/>
+                    </a:solidFill>
+                  </a:rPr>
+                  <a:t>h</a:t>
+                </a:r>
+                <a:endParaRPr lang="de-DE" sz="2400" b="1" dirty="0">
                   <a:solidFill>
                     <a:schemeClr val="tx2"/>
                   </a:solidFill>
-                </a:rPr>
-                <a:t>h</a:t>
-              </a:r>
-              <a:endParaRPr lang="de-DE" sz="2400" b="1" dirty="0">
-                <a:solidFill>
-                  <a:schemeClr val="tx2"/>
-                </a:solidFill>
-              </a:endParaRPr>
-            </a:p>
-          </p:txBody>
-        </p:sp>
-        <p:sp>
-          <p:nvSpPr>
-            <p:cNvPr id="96" name="Textfeld 95"/>
-            <p:cNvSpPr txBox="1"/>
-            <p:nvPr/>
-          </p:nvSpPr>
-          <p:spPr>
-            <a:xfrm>
-              <a:off x="2563346" y="2102214"/>
-              <a:ext cx="465151" cy="461665"/>
-            </a:xfrm>
-            <a:prstGeom prst="rect">
-              <a:avLst/>
-            </a:prstGeom>
-            <a:noFill/>
-          </p:spPr>
-          <p:txBody>
-            <a:bodyPr wrap="square" rtlCol="0">
-              <a:spAutoFit/>
-            </a:bodyPr>
-            <a:lstStyle/>
-            <a:p>
-              <a:r>
-                <a:rPr lang="de-DE" sz="2400" b="1" dirty="0" smtClean="0">
+                </a:endParaRPr>
+              </a:p>
+            </p:txBody>
+          </p:sp>
+          <p:sp>
+            <p:nvSpPr>
+              <p:cNvPr id="96" name="Textfeld 95"/>
+              <p:cNvSpPr txBox="1"/>
+              <p:nvPr/>
+            </p:nvSpPr>
+            <p:spPr>
+              <a:xfrm>
+                <a:off x="2563346" y="2102214"/>
+                <a:ext cx="465151" cy="461665"/>
+              </a:xfrm>
+              <a:prstGeom prst="rect">
+                <a:avLst/>
+              </a:prstGeom>
+              <a:noFill/>
+            </p:spPr>
+            <p:txBody>
+              <a:bodyPr wrap="square" rtlCol="0">
+                <a:spAutoFit/>
+              </a:bodyPr>
+              <a:lstStyle/>
+              <a:p>
+                <a:r>
+                  <a:rPr lang="de-DE" sz="2400" b="1" dirty="0" smtClean="0">
+                    <a:solidFill>
+                      <a:schemeClr val="tx2"/>
+                    </a:solidFill>
+                  </a:rPr>
+                  <a:t>k</a:t>
+                </a:r>
+                <a:endParaRPr lang="de-DE" sz="2400" b="1" dirty="0">
                   <a:solidFill>
                     <a:schemeClr val="tx2"/>
                   </a:solidFill>
-                </a:rPr>
-                <a:t>k</a:t>
-              </a:r>
-              <a:endParaRPr lang="de-DE" sz="2400" b="1" dirty="0">
-                <a:solidFill>
-                  <a:schemeClr val="tx2"/>
-                </a:solidFill>
-              </a:endParaRPr>
-            </a:p>
-          </p:txBody>
-        </p:sp>
+                </a:endParaRPr>
+              </a:p>
+            </p:txBody>
+          </p:sp>
+        </p:grpSp>
       </p:grpSp>
     </p:spTree>
     <p:extLst>
@@ -4809,6 +4825,868 @@
           <a:chExt cx="0" cy="0"/>
         </a:xfrm>
       </p:grpSpPr>
+      <p:grpSp>
+        <p:nvGrpSpPr>
+          <p:cNvPr id="30" name="Gruppieren 29"/>
+          <p:cNvGrpSpPr/>
+          <p:nvPr/>
+        </p:nvGrpSpPr>
+        <p:grpSpPr>
+          <a:xfrm>
+            <a:off x="683568" y="1065579"/>
+            <a:ext cx="7344816" cy="4091613"/>
+            <a:chOff x="683568" y="1065579"/>
+            <a:chExt cx="7344816" cy="4091613"/>
+          </a:xfrm>
+        </p:grpSpPr>
+        <p:cxnSp>
+          <p:nvCxnSpPr>
+            <p:cNvPr id="3" name="Gerade Verbindung 2"/>
+            <p:cNvCxnSpPr/>
+            <p:nvPr/>
+          </p:nvCxnSpPr>
+          <p:spPr>
+            <a:xfrm>
+              <a:off x="683568" y="3212976"/>
+              <a:ext cx="7344816" cy="0"/>
+            </a:xfrm>
+            <a:prstGeom prst="line">
+              <a:avLst/>
+            </a:prstGeom>
+            <a:ln w="25400">
+              <a:tailEnd type="triangle" w="lg" len="lg"/>
+            </a:ln>
+          </p:spPr>
+          <p:style>
+            <a:lnRef idx="1">
+              <a:schemeClr val="accent1"/>
+            </a:lnRef>
+            <a:fillRef idx="0">
+              <a:schemeClr val="accent1"/>
+            </a:fillRef>
+            <a:effectRef idx="0">
+              <a:schemeClr val="accent1"/>
+            </a:effectRef>
+            <a:fontRef idx="minor">
+              <a:schemeClr val="tx1"/>
+            </a:fontRef>
+          </p:style>
+        </p:cxnSp>
+        <p:cxnSp>
+          <p:nvCxnSpPr>
+            <p:cNvPr id="4" name="Gerade Verbindung 3"/>
+            <p:cNvCxnSpPr/>
+            <p:nvPr/>
+          </p:nvCxnSpPr>
+          <p:spPr>
+            <a:xfrm rot="10800000">
+              <a:off x="4508376" y="1340768"/>
+              <a:ext cx="0" cy="3816424"/>
+            </a:xfrm>
+            <a:prstGeom prst="line">
+              <a:avLst/>
+            </a:prstGeom>
+            <a:ln w="25400">
+              <a:tailEnd type="triangle" w="lg" len="lg"/>
+            </a:ln>
+          </p:spPr>
+          <p:style>
+            <a:lnRef idx="1">
+              <a:schemeClr val="accent1"/>
+            </a:lnRef>
+            <a:fillRef idx="0">
+              <a:schemeClr val="accent1"/>
+            </a:fillRef>
+            <a:effectRef idx="0">
+              <a:schemeClr val="accent1"/>
+            </a:effectRef>
+            <a:fontRef idx="minor">
+              <a:schemeClr val="tx1"/>
+            </a:fontRef>
+          </p:style>
+        </p:cxnSp>
+        <p:sp>
+          <p:nvSpPr>
+            <p:cNvPr id="8" name="Ellipse 7"/>
+            <p:cNvSpPr/>
+            <p:nvPr/>
+          </p:nvSpPr>
+          <p:spPr>
+            <a:xfrm>
+              <a:off x="3284239" y="1988096"/>
+              <a:ext cx="2448272" cy="2448272"/>
+            </a:xfrm>
+            <a:prstGeom prst="ellipse">
+              <a:avLst/>
+            </a:prstGeom>
+            <a:noFill/>
+            <a:ln w="63500">
+              <a:solidFill>
+                <a:schemeClr val="tx1"/>
+              </a:solidFill>
+            </a:ln>
+          </p:spPr>
+          <p:style>
+            <a:lnRef idx="2">
+              <a:schemeClr val="accent1">
+                <a:shade val="50000"/>
+              </a:schemeClr>
+            </a:lnRef>
+            <a:fillRef idx="1">
+              <a:schemeClr val="accent1"/>
+            </a:fillRef>
+            <a:effectRef idx="0">
+              <a:schemeClr val="accent1"/>
+            </a:effectRef>
+            <a:fontRef idx="minor">
+              <a:schemeClr val="lt1"/>
+            </a:fontRef>
+          </p:style>
+          <p:txBody>
+            <a:bodyPr rtlCol="0" anchor="ctr"/>
+            <a:lstStyle/>
+            <a:p>
+              <a:pPr algn="ctr"/>
+              <a:endParaRPr lang="de-DE"/>
+            </a:p>
+          </p:txBody>
+        </p:sp>
+        <p:cxnSp>
+          <p:nvCxnSpPr>
+            <p:cNvPr id="10" name="Gerade Verbindung 9"/>
+            <p:cNvCxnSpPr>
+              <a:stCxn id="8" idx="0"/>
+            </p:cNvCxnSpPr>
+            <p:nvPr/>
+          </p:nvCxnSpPr>
+          <p:spPr>
+            <a:xfrm flipH="1">
+              <a:off x="2771800" y="1988096"/>
+              <a:ext cx="1736575" cy="1224136"/>
+            </a:xfrm>
+            <a:prstGeom prst="line">
+              <a:avLst/>
+            </a:prstGeom>
+            <a:ln w="38100">
+              <a:solidFill>
+                <a:srgbClr val="00B050"/>
+              </a:solidFill>
+            </a:ln>
+          </p:spPr>
+          <p:style>
+            <a:lnRef idx="1">
+              <a:schemeClr val="accent1"/>
+            </a:lnRef>
+            <a:fillRef idx="0">
+              <a:schemeClr val="accent1"/>
+            </a:fillRef>
+            <a:effectRef idx="0">
+              <a:schemeClr val="accent1"/>
+            </a:effectRef>
+            <a:fontRef idx="minor">
+              <a:schemeClr val="tx1"/>
+            </a:fontRef>
+          </p:style>
+        </p:cxnSp>
+        <p:cxnSp>
+          <p:nvCxnSpPr>
+            <p:cNvPr id="12" name="Gerade Verbindung 11"/>
+            <p:cNvCxnSpPr>
+              <a:stCxn id="8" idx="0"/>
+              <a:endCxn id="8" idx="5"/>
+            </p:cNvCxnSpPr>
+            <p:nvPr/>
+          </p:nvCxnSpPr>
+          <p:spPr>
+            <a:xfrm>
+              <a:off x="4508375" y="1988096"/>
+              <a:ext cx="865595" cy="2089731"/>
+            </a:xfrm>
+            <a:prstGeom prst="line">
+              <a:avLst/>
+            </a:prstGeom>
+            <a:ln w="38100">
+              <a:solidFill>
+                <a:srgbClr val="00B050"/>
+              </a:solidFill>
+            </a:ln>
+          </p:spPr>
+          <p:style>
+            <a:lnRef idx="1">
+              <a:schemeClr val="accent1"/>
+            </a:lnRef>
+            <a:fillRef idx="0">
+              <a:schemeClr val="accent1"/>
+            </a:fillRef>
+            <a:effectRef idx="0">
+              <a:schemeClr val="accent1"/>
+            </a:effectRef>
+            <a:fontRef idx="minor">
+              <a:schemeClr val="tx1"/>
+            </a:fontRef>
+          </p:style>
+        </p:cxnSp>
+        <p:sp>
+          <p:nvSpPr>
+            <p:cNvPr id="13" name="Ellipse 12"/>
+            <p:cNvSpPr/>
+            <p:nvPr/>
+          </p:nvSpPr>
+          <p:spPr>
+            <a:xfrm>
+              <a:off x="4436367" y="1916088"/>
+              <a:ext cx="144016" cy="144016"/>
+            </a:xfrm>
+            <a:prstGeom prst="ellipse">
+              <a:avLst/>
+            </a:prstGeom>
+            <a:solidFill>
+              <a:srgbClr val="FF0000"/>
+            </a:solidFill>
+            <a:ln>
+              <a:solidFill>
+                <a:srgbClr val="FF0000"/>
+              </a:solidFill>
+            </a:ln>
+          </p:spPr>
+          <p:style>
+            <a:lnRef idx="2">
+              <a:schemeClr val="accent1">
+                <a:shade val="50000"/>
+              </a:schemeClr>
+            </a:lnRef>
+            <a:fillRef idx="1">
+              <a:schemeClr val="accent1"/>
+            </a:fillRef>
+            <a:effectRef idx="0">
+              <a:schemeClr val="accent1"/>
+            </a:effectRef>
+            <a:fontRef idx="minor">
+              <a:schemeClr val="lt1"/>
+            </a:fontRef>
+          </p:style>
+          <p:txBody>
+            <a:bodyPr rtlCol="0" anchor="ctr"/>
+            <a:lstStyle/>
+            <a:p>
+              <a:pPr algn="ctr"/>
+              <a:endParaRPr lang="de-DE"/>
+            </a:p>
+          </p:txBody>
+        </p:sp>
+        <p:sp>
+          <p:nvSpPr>
+            <p:cNvPr id="14" name="Ellipse 13"/>
+            <p:cNvSpPr/>
+            <p:nvPr/>
+          </p:nvSpPr>
+          <p:spPr>
+            <a:xfrm>
+              <a:off x="3317840" y="2717056"/>
+              <a:ext cx="144016" cy="144016"/>
+            </a:xfrm>
+            <a:prstGeom prst="ellipse">
+              <a:avLst/>
+            </a:prstGeom>
+            <a:solidFill>
+              <a:srgbClr val="FF0000"/>
+            </a:solidFill>
+            <a:ln>
+              <a:solidFill>
+                <a:srgbClr val="FF0000"/>
+              </a:solidFill>
+            </a:ln>
+          </p:spPr>
+          <p:style>
+            <a:lnRef idx="2">
+              <a:schemeClr val="accent1">
+                <a:shade val="50000"/>
+              </a:schemeClr>
+            </a:lnRef>
+            <a:fillRef idx="1">
+              <a:schemeClr val="accent1"/>
+            </a:fillRef>
+            <a:effectRef idx="0">
+              <a:schemeClr val="accent1"/>
+            </a:effectRef>
+            <a:fontRef idx="minor">
+              <a:schemeClr val="lt1"/>
+            </a:fontRef>
+          </p:style>
+          <p:txBody>
+            <a:bodyPr rtlCol="0" anchor="ctr"/>
+            <a:lstStyle/>
+            <a:p>
+              <a:pPr algn="ctr"/>
+              <a:endParaRPr lang="de-DE"/>
+            </a:p>
+          </p:txBody>
+        </p:sp>
+        <p:sp>
+          <p:nvSpPr>
+            <p:cNvPr id="15" name="Ellipse 14"/>
+            <p:cNvSpPr/>
+            <p:nvPr/>
+          </p:nvSpPr>
+          <p:spPr>
+            <a:xfrm>
+              <a:off x="4941172" y="3140224"/>
+              <a:ext cx="144016" cy="144016"/>
+            </a:xfrm>
+            <a:prstGeom prst="ellipse">
+              <a:avLst/>
+            </a:prstGeom>
+            <a:solidFill>
+              <a:srgbClr val="FF0000"/>
+            </a:solidFill>
+            <a:ln>
+              <a:solidFill>
+                <a:srgbClr val="FF0000"/>
+              </a:solidFill>
+            </a:ln>
+          </p:spPr>
+          <p:style>
+            <a:lnRef idx="2">
+              <a:schemeClr val="accent1">
+                <a:shade val="50000"/>
+              </a:schemeClr>
+            </a:lnRef>
+            <a:fillRef idx="1">
+              <a:schemeClr val="accent1"/>
+            </a:fillRef>
+            <a:effectRef idx="0">
+              <a:schemeClr val="accent1"/>
+            </a:effectRef>
+            <a:fontRef idx="minor">
+              <a:schemeClr val="lt1"/>
+            </a:fontRef>
+          </p:style>
+          <p:txBody>
+            <a:bodyPr rtlCol="0" anchor="ctr"/>
+            <a:lstStyle/>
+            <a:p>
+              <a:pPr algn="ctr"/>
+              <a:endParaRPr lang="de-DE"/>
+            </a:p>
+          </p:txBody>
+        </p:sp>
+        <p:sp>
+          <p:nvSpPr>
+            <p:cNvPr id="16" name="Ellipse 15"/>
+            <p:cNvSpPr/>
+            <p:nvPr/>
+          </p:nvSpPr>
+          <p:spPr>
+            <a:xfrm>
+              <a:off x="2763601" y="3140224"/>
+              <a:ext cx="144016" cy="144016"/>
+            </a:xfrm>
+            <a:prstGeom prst="ellipse">
+              <a:avLst/>
+            </a:prstGeom>
+            <a:solidFill>
+              <a:srgbClr val="FF0000"/>
+            </a:solidFill>
+            <a:ln>
+              <a:solidFill>
+                <a:srgbClr val="FF0000"/>
+              </a:solidFill>
+            </a:ln>
+          </p:spPr>
+          <p:style>
+            <a:lnRef idx="2">
+              <a:schemeClr val="accent1">
+                <a:shade val="50000"/>
+              </a:schemeClr>
+            </a:lnRef>
+            <a:fillRef idx="1">
+              <a:schemeClr val="accent1"/>
+            </a:fillRef>
+            <a:effectRef idx="0">
+              <a:schemeClr val="accent1"/>
+            </a:effectRef>
+            <a:fontRef idx="minor">
+              <a:schemeClr val="lt1"/>
+            </a:fontRef>
+          </p:style>
+          <p:txBody>
+            <a:bodyPr rtlCol="0" anchor="ctr"/>
+            <a:lstStyle/>
+            <a:p>
+              <a:pPr algn="ctr"/>
+              <a:endParaRPr lang="de-DE"/>
+            </a:p>
+          </p:txBody>
+        </p:sp>
+        <p:sp>
+          <p:nvSpPr>
+            <p:cNvPr id="17" name="Ellipse 16"/>
+            <p:cNvSpPr/>
+            <p:nvPr/>
+          </p:nvSpPr>
+          <p:spPr>
+            <a:xfrm>
+              <a:off x="5301962" y="4005819"/>
+              <a:ext cx="144016" cy="144016"/>
+            </a:xfrm>
+            <a:prstGeom prst="ellipse">
+              <a:avLst/>
+            </a:prstGeom>
+            <a:solidFill>
+              <a:srgbClr val="FF0000"/>
+            </a:solidFill>
+            <a:ln>
+              <a:solidFill>
+                <a:srgbClr val="FF0000"/>
+              </a:solidFill>
+            </a:ln>
+          </p:spPr>
+          <p:style>
+            <a:lnRef idx="2">
+              <a:schemeClr val="accent1">
+                <a:shade val="50000"/>
+              </a:schemeClr>
+            </a:lnRef>
+            <a:fillRef idx="1">
+              <a:schemeClr val="accent1"/>
+            </a:fillRef>
+            <a:effectRef idx="0">
+              <a:schemeClr val="accent1"/>
+            </a:effectRef>
+            <a:fontRef idx="minor">
+              <a:schemeClr val="lt1"/>
+            </a:fontRef>
+          </p:style>
+          <p:txBody>
+            <a:bodyPr rtlCol="0" anchor="ctr"/>
+            <a:lstStyle/>
+            <a:p>
+              <a:pPr algn="ctr"/>
+              <a:endParaRPr lang="de-DE"/>
+            </a:p>
+          </p:txBody>
+        </p:sp>
+        <p:sp>
+          <p:nvSpPr>
+            <p:cNvPr id="18" name="Textfeld 17"/>
+            <p:cNvSpPr txBox="1"/>
+            <p:nvPr/>
+          </p:nvSpPr>
+          <p:spPr>
+            <a:xfrm>
+              <a:off x="4519562" y="1527865"/>
+              <a:ext cx="1212949" cy="461665"/>
+            </a:xfrm>
+            <a:prstGeom prst="rect">
+              <a:avLst/>
+            </a:prstGeom>
+            <a:noFill/>
+          </p:spPr>
+          <p:txBody>
+            <a:bodyPr wrap="square" rtlCol="0">
+              <a:spAutoFit/>
+            </a:bodyPr>
+            <a:lstStyle/>
+            <a:p>
+              <a:r>
+                <a:rPr lang="de-DE" sz="2400" dirty="0" smtClean="0">
+                  <a:solidFill>
+                    <a:srgbClr val="FF0000"/>
+                  </a:solidFill>
+                </a:rPr>
+                <a:t>N=(0,1)</a:t>
+              </a:r>
+              <a:endParaRPr lang="de-DE" sz="2400" dirty="0">
+                <a:solidFill>
+                  <a:srgbClr val="FF0000"/>
+                </a:solidFill>
+              </a:endParaRPr>
+            </a:p>
+          </p:txBody>
+        </p:sp>
+        <p:sp>
+          <p:nvSpPr>
+            <p:cNvPr id="19" name="Textfeld 18"/>
+            <p:cNvSpPr txBox="1"/>
+            <p:nvPr/>
+          </p:nvSpPr>
+          <p:spPr>
+            <a:xfrm>
+              <a:off x="2441229" y="3249599"/>
+              <a:ext cx="661142" cy="461665"/>
+            </a:xfrm>
+            <a:prstGeom prst="rect">
+              <a:avLst/>
+            </a:prstGeom>
+            <a:noFill/>
+          </p:spPr>
+          <p:txBody>
+            <a:bodyPr wrap="square" rtlCol="0">
+              <a:spAutoFit/>
+            </a:bodyPr>
+            <a:lstStyle/>
+            <a:p>
+              <a:r>
+                <a:rPr lang="de-DE" sz="2400" dirty="0" smtClean="0">
+                  <a:solidFill>
+                    <a:srgbClr val="FF0000"/>
+                  </a:solidFill>
+                </a:rPr>
+                <a:t>f(P)</a:t>
+              </a:r>
+              <a:endParaRPr lang="de-DE" sz="2400" dirty="0">
+                <a:solidFill>
+                  <a:srgbClr val="FF0000"/>
+                </a:solidFill>
+              </a:endParaRPr>
+            </a:p>
+          </p:txBody>
+        </p:sp>
+        <p:sp>
+          <p:nvSpPr>
+            <p:cNvPr id="20" name="Textfeld 19"/>
+            <p:cNvSpPr txBox="1"/>
+            <p:nvPr/>
+          </p:nvSpPr>
+          <p:spPr>
+            <a:xfrm>
+              <a:off x="4941172" y="2739501"/>
+              <a:ext cx="686475" cy="461665"/>
+            </a:xfrm>
+            <a:prstGeom prst="rect">
+              <a:avLst/>
+            </a:prstGeom>
+            <a:noFill/>
+          </p:spPr>
+          <p:txBody>
+            <a:bodyPr wrap="square" rtlCol="0">
+              <a:spAutoFit/>
+            </a:bodyPr>
+            <a:lstStyle/>
+            <a:p>
+              <a:r>
+                <a:rPr lang="de-DE" sz="2400" dirty="0" smtClean="0">
+                  <a:solidFill>
+                    <a:srgbClr val="FF0000"/>
+                  </a:solidFill>
+                </a:rPr>
+                <a:t>f(Q)</a:t>
+              </a:r>
+              <a:endParaRPr lang="de-DE" sz="2400" dirty="0">
+                <a:solidFill>
+                  <a:srgbClr val="FF0000"/>
+                </a:solidFill>
+              </a:endParaRPr>
+            </a:p>
+          </p:txBody>
+        </p:sp>
+        <p:sp>
+          <p:nvSpPr>
+            <p:cNvPr id="21" name="Textfeld 20"/>
+            <p:cNvSpPr txBox="1"/>
+            <p:nvPr/>
+          </p:nvSpPr>
+          <p:spPr>
+            <a:xfrm>
+              <a:off x="3039690" y="2369331"/>
+              <a:ext cx="422166" cy="461665"/>
+            </a:xfrm>
+            <a:prstGeom prst="rect">
+              <a:avLst/>
+            </a:prstGeom>
+            <a:noFill/>
+          </p:spPr>
+          <p:txBody>
+            <a:bodyPr wrap="square" rtlCol="0">
+              <a:spAutoFit/>
+            </a:bodyPr>
+            <a:lstStyle/>
+            <a:p>
+              <a:r>
+                <a:rPr lang="de-DE" sz="2400" dirty="0" smtClean="0">
+                  <a:solidFill>
+                    <a:srgbClr val="FF0000"/>
+                  </a:solidFill>
+                </a:rPr>
+                <a:t>P</a:t>
+              </a:r>
+              <a:endParaRPr lang="de-DE" sz="2400" dirty="0">
+                <a:solidFill>
+                  <a:srgbClr val="FF0000"/>
+                </a:solidFill>
+              </a:endParaRPr>
+            </a:p>
+          </p:txBody>
+        </p:sp>
+        <p:sp>
+          <p:nvSpPr>
+            <p:cNvPr id="22" name="Textfeld 21"/>
+            <p:cNvSpPr txBox="1"/>
+            <p:nvPr/>
+          </p:nvSpPr>
+          <p:spPr>
+            <a:xfrm>
+              <a:off x="5416564" y="3993082"/>
+              <a:ext cx="422166" cy="461665"/>
+            </a:xfrm>
+            <a:prstGeom prst="rect">
+              <a:avLst/>
+            </a:prstGeom>
+            <a:noFill/>
+          </p:spPr>
+          <p:txBody>
+            <a:bodyPr wrap="square" rtlCol="0">
+              <a:spAutoFit/>
+            </a:bodyPr>
+            <a:lstStyle/>
+            <a:p>
+              <a:r>
+                <a:rPr lang="de-DE" sz="2400" dirty="0" smtClean="0">
+                  <a:solidFill>
+                    <a:srgbClr val="FF0000"/>
+                  </a:solidFill>
+                </a:rPr>
+                <a:t>Q</a:t>
+              </a:r>
+              <a:endParaRPr lang="de-DE" sz="2400" dirty="0">
+                <a:solidFill>
+                  <a:srgbClr val="FF0000"/>
+                </a:solidFill>
+              </a:endParaRPr>
+            </a:p>
+          </p:txBody>
+        </p:sp>
+        <p:grpSp>
+          <p:nvGrpSpPr>
+            <p:cNvPr id="26" name="Gruppieren 25"/>
+            <p:cNvGrpSpPr/>
+            <p:nvPr/>
+          </p:nvGrpSpPr>
+          <p:grpSpPr>
+            <a:xfrm>
+              <a:off x="1259632" y="1065579"/>
+              <a:ext cx="930660" cy="1077218"/>
+              <a:chOff x="6881700" y="3777638"/>
+              <a:chExt cx="930660" cy="1077218"/>
+            </a:xfrm>
+          </p:grpSpPr>
+          <p:sp>
+            <p:nvSpPr>
+              <p:cNvPr id="23" name="Textfeld 22"/>
+              <p:cNvSpPr txBox="1"/>
+              <p:nvPr/>
+            </p:nvSpPr>
+            <p:spPr>
+              <a:xfrm>
+                <a:off x="6881700" y="3897153"/>
+                <a:ext cx="756084" cy="830997"/>
+              </a:xfrm>
+              <a:prstGeom prst="rect">
+                <a:avLst/>
+              </a:prstGeom>
+              <a:noFill/>
+            </p:spPr>
+            <p:txBody>
+              <a:bodyPr wrap="square" rtlCol="0">
+                <a:spAutoFit/>
+              </a:bodyPr>
+              <a:lstStyle/>
+              <a:p>
+                <a:r>
+                  <a:rPr lang="de-DE" sz="1100" dirty="0" smtClean="0">
+                    <a:latin typeface="Lucida Sans Unicode"/>
+                    <a:cs typeface="Lucida Sans Unicode"/>
+                  </a:rPr>
+                  <a:t> </a:t>
+                </a:r>
+                <a:r>
+                  <a:rPr lang="de-DE" sz="4800" dirty="0" smtClean="0">
+                    <a:latin typeface="Lucida Sans Unicode"/>
+                    <a:cs typeface="Lucida Sans Unicode"/>
+                  </a:rPr>
+                  <a:t>ℝ</a:t>
+                </a:r>
+                <a:endParaRPr lang="de-DE" sz="4800" dirty="0"/>
+              </a:p>
+            </p:txBody>
+          </p:sp>
+          <p:sp>
+            <p:nvSpPr>
+              <p:cNvPr id="24" name="Textfeld 23"/>
+              <p:cNvSpPr txBox="1"/>
+              <p:nvPr/>
+            </p:nvSpPr>
+            <p:spPr>
+              <a:xfrm>
+                <a:off x="7308304" y="3777638"/>
+                <a:ext cx="504056" cy="1077218"/>
+              </a:xfrm>
+              <a:prstGeom prst="rect">
+                <a:avLst/>
+              </a:prstGeom>
+              <a:noFill/>
+            </p:spPr>
+            <p:txBody>
+              <a:bodyPr wrap="square" rtlCol="0">
+                <a:spAutoFit/>
+              </a:bodyPr>
+              <a:lstStyle/>
+              <a:p>
+                <a:r>
+                  <a:rPr lang="de-DE" sz="4000" dirty="0" smtClean="0">
+                    <a:latin typeface="Lucida Sans Unicode"/>
+                    <a:cs typeface="Lucida Sans Unicode"/>
+                  </a:rPr>
+                  <a:t>²</a:t>
+                </a:r>
+                <a:endParaRPr lang="de-DE" sz="4000" dirty="0"/>
+              </a:p>
+              <a:p>
+                <a:endParaRPr lang="de-DE" sz="2400" dirty="0"/>
+              </a:p>
+            </p:txBody>
+          </p:sp>
+        </p:grpSp>
+        <mc:AlternateContent xmlns:mc="http://schemas.openxmlformats.org/markup-compatibility/2006">
+          <mc:Choice xmlns:a14="http://schemas.microsoft.com/office/drawing/2010/main" Requires="a14">
+            <p:sp>
+              <p:nvSpPr>
+                <p:cNvPr id="28" name="Textfeld 27"/>
+                <p:cNvSpPr txBox="1"/>
+                <p:nvPr/>
+              </p:nvSpPr>
+              <p:spPr>
+                <a:xfrm>
+                  <a:off x="5744027" y="3308265"/>
+                  <a:ext cx="1549976" cy="569451"/>
+                </a:xfrm>
+                <a:prstGeom prst="rect">
+                  <a:avLst/>
+                </a:prstGeom>
+                <a:noFill/>
+              </p:spPr>
+              <p:txBody>
+                <a:bodyPr wrap="none" rtlCol="0">
+                  <a:spAutoFit/>
+                </a:bodyPr>
+                <a:lstStyle/>
+                <a:p>
+                  <a14:m>
+                    <m:oMathPara xmlns:m="http://schemas.openxmlformats.org/officeDocument/2006/math">
+                      <m:oMathParaPr>
+                        <m:jc m:val="centerGroup"/>
+                      </m:oMathParaPr>
+                      <m:oMath xmlns:m="http://schemas.openxmlformats.org/officeDocument/2006/math">
+                        <m:sSup>
+                          <m:sSupPr>
+                            <m:ctrlPr>
+                              <a:rPr lang="de-DE" sz="2800" b="0" i="1" smtClean="0">
+                                <a:latin typeface="Cambria Math"/>
+                              </a:rPr>
+                            </m:ctrlPr>
+                          </m:sSupPr>
+                          <m:e>
+                            <m:r>
+                              <a:rPr lang="de-DE" sz="2800" i="1" smtClean="0">
+                                <a:latin typeface="Cambria Math"/>
+                              </a:rPr>
+                              <m:t>𝑆</m:t>
+                            </m:r>
+                          </m:e>
+                          <m:sup>
+                            <m:r>
+                              <a:rPr lang="de-DE" sz="2800" b="0" i="1" smtClean="0">
+                                <a:latin typeface="Cambria Math"/>
+                              </a:rPr>
+                              <m:t>1</m:t>
+                            </m:r>
+                          </m:sup>
+                        </m:sSup>
+                        <m:r>
+                          <a:rPr lang="de-DE" sz="2800" b="0" i="1" smtClean="0">
+                            <a:latin typeface="Cambria Math"/>
+                          </a:rPr>
+                          <m:t>⊂</m:t>
+                        </m:r>
+                        <m:sSup>
+                          <m:sSupPr>
+                            <m:ctrlPr>
+                              <a:rPr lang="de-DE" sz="2800" i="1" dirty="0" smtClean="0">
+                                <a:latin typeface="Cambria Math"/>
+                                <a:cs typeface="Lucida Sans Unicode"/>
+                              </a:rPr>
+                            </m:ctrlPr>
+                          </m:sSupPr>
+                          <m:e>
+                            <m:r>
+                              <m:rPr>
+                                <m:nor/>
+                              </m:rPr>
+                              <a:rPr lang="de-DE" sz="2800" dirty="0">
+                                <a:latin typeface="Lucida Sans Unicode"/>
+                                <a:cs typeface="Lucida Sans Unicode"/>
+                              </a:rPr>
+                              <m:t>ℝ</m:t>
+                            </m:r>
+                          </m:e>
+                          <m:sup>
+                            <m:r>
+                              <a:rPr lang="de-DE" sz="2800" b="0" i="1" dirty="0" smtClean="0">
+                                <a:latin typeface="Cambria Math"/>
+                                <a:cs typeface="Lucida Sans Unicode"/>
+                              </a:rPr>
+                              <m:t>2</m:t>
+                            </m:r>
+                          </m:sup>
+                        </m:sSup>
+                      </m:oMath>
+                    </m:oMathPara>
+                  </a14:m>
+                  <a:endParaRPr lang="de-DE" dirty="0"/>
+                </a:p>
+              </p:txBody>
+            </p:sp>
+          </mc:Choice>
+          <mc:Fallback>
+            <p:sp>
+              <p:nvSpPr>
+                <p:cNvPr id="28" name="Textfeld 27"/>
+                <p:cNvSpPr txBox="1">
+                  <a:spLocks noRot="1" noChangeAspect="1" noMove="1" noResize="1" noEditPoints="1" noAdjustHandles="1" noChangeArrowheads="1" noChangeShapeType="1" noTextEdit="1"/>
+                </p:cNvSpPr>
+                <p:nvPr/>
+              </p:nvSpPr>
+              <p:spPr>
+                <a:xfrm>
+                  <a:off x="5744027" y="3308265"/>
+                  <a:ext cx="1549976" cy="569451"/>
+                </a:xfrm>
+                <a:prstGeom prst="rect">
+                  <a:avLst/>
+                </a:prstGeom>
+                <a:blipFill rotWithShape="1">
+                  <a:blip r:embed="rId2"/>
+                  <a:stretch>
+                    <a:fillRect/>
+                  </a:stretch>
+                </a:blipFill>
+              </p:spPr>
+              <p:txBody>
+                <a:bodyPr/>
+                <a:lstStyle/>
+                <a:p>
+                  <a:r>
+                    <a:rPr lang="de-DE">
+                      <a:noFill/>
+                    </a:rPr>
+                    <a:t> </a:t>
+                  </a:r>
+                </a:p>
+              </p:txBody>
+            </p:sp>
+          </mc:Fallback>
+        </mc:AlternateContent>
+      </p:grpSp>
     </p:spTree>
     <p:extLst>
       <p:ext uri="{BB962C8B-B14F-4D97-AF65-F5344CB8AC3E}">
@@ -4819,6 +5697,13 @@
   <p:clrMapOvr>
     <a:masterClrMapping/>
   </p:clrMapOvr>
+  <p:timing>
+    <p:tnLst>
+      <p:par>
+        <p:cTn id="1" dur="indefinite" restart="never" nodeType="tmRoot"/>
+      </p:par>
+    </p:tnLst>
+  </p:timing>
 </p:sld>
 </file>
 
@@ -4839,6 +5724,640 @@
           <a:chExt cx="0" cy="0"/>
         </a:xfrm>
       </p:grpSpPr>
+      <p:grpSp>
+        <p:nvGrpSpPr>
+          <p:cNvPr id="32" name="Gruppieren 31"/>
+          <p:cNvGrpSpPr/>
+          <p:nvPr/>
+        </p:nvGrpSpPr>
+        <p:grpSpPr>
+          <a:xfrm>
+            <a:off x="654541" y="922767"/>
+            <a:ext cx="8216448" cy="4274978"/>
+            <a:chOff x="654541" y="922767"/>
+            <a:chExt cx="8216448" cy="4274978"/>
+          </a:xfrm>
+        </p:grpSpPr>
+        <p:sp>
+          <p:nvSpPr>
+            <p:cNvPr id="2" name="Ellipse 1"/>
+            <p:cNvSpPr/>
+            <p:nvPr/>
+          </p:nvSpPr>
+          <p:spPr>
+            <a:xfrm>
+              <a:off x="5436096" y="1628800"/>
+              <a:ext cx="3024336" cy="3024336"/>
+            </a:xfrm>
+            <a:prstGeom prst="ellipse">
+              <a:avLst/>
+            </a:prstGeom>
+            <a:noFill/>
+            <a:ln w="63500">
+              <a:solidFill>
+                <a:schemeClr val="tx1"/>
+              </a:solidFill>
+            </a:ln>
+          </p:spPr>
+          <p:style>
+            <a:lnRef idx="2">
+              <a:schemeClr val="accent1">
+                <a:shade val="50000"/>
+              </a:schemeClr>
+            </a:lnRef>
+            <a:fillRef idx="1">
+              <a:schemeClr val="accent1"/>
+            </a:fillRef>
+            <a:effectRef idx="0">
+              <a:schemeClr val="accent1"/>
+            </a:effectRef>
+            <a:fontRef idx="minor">
+              <a:schemeClr val="lt1"/>
+            </a:fontRef>
+          </p:style>
+          <p:txBody>
+            <a:bodyPr rtlCol="0" anchor="ctr"/>
+            <a:lstStyle/>
+            <a:p>
+              <a:pPr algn="ctr"/>
+              <a:endParaRPr lang="de-DE"/>
+            </a:p>
+          </p:txBody>
+        </p:sp>
+        <p:cxnSp>
+          <p:nvCxnSpPr>
+            <p:cNvPr id="4" name="Gerade Verbindung 3"/>
+            <p:cNvCxnSpPr/>
+            <p:nvPr/>
+          </p:nvCxnSpPr>
+          <p:spPr>
+            <a:xfrm>
+              <a:off x="683568" y="3501008"/>
+              <a:ext cx="3024336" cy="0"/>
+            </a:xfrm>
+            <a:prstGeom prst="line">
+              <a:avLst/>
+            </a:prstGeom>
+            <a:noFill/>
+            <a:ln w="63500">
+              <a:solidFill>
+                <a:schemeClr val="tx1"/>
+              </a:solidFill>
+            </a:ln>
+          </p:spPr>
+          <p:style>
+            <a:lnRef idx="2">
+              <a:schemeClr val="accent1">
+                <a:shade val="50000"/>
+              </a:schemeClr>
+            </a:lnRef>
+            <a:fillRef idx="1">
+              <a:schemeClr val="accent1"/>
+            </a:fillRef>
+            <a:effectRef idx="0">
+              <a:schemeClr val="accent1"/>
+            </a:effectRef>
+            <a:fontRef idx="minor">
+              <a:schemeClr val="lt1"/>
+            </a:fontRef>
+          </p:style>
+        </p:cxnSp>
+        <p:sp>
+          <p:nvSpPr>
+            <p:cNvPr id="7" name="Freihandform 6"/>
+            <p:cNvSpPr/>
+            <p:nvPr/>
+          </p:nvSpPr>
+          <p:spPr>
+            <a:xfrm>
+              <a:off x="3265714" y="1315020"/>
+              <a:ext cx="1944915" cy="1210466"/>
+            </a:xfrm>
+            <a:custGeom>
+              <a:avLst/>
+              <a:gdLst>
+                <a:gd name="connsiteX0" fmla="*/ 0 w 1944915"/>
+                <a:gd name="connsiteY0" fmla="*/ 1201728 h 1201728"/>
+                <a:gd name="connsiteX1" fmla="*/ 986972 w 1944915"/>
+                <a:gd name="connsiteY1" fmla="*/ 11556 h 1201728"/>
+                <a:gd name="connsiteX2" fmla="*/ 1944915 w 1944915"/>
+                <a:gd name="connsiteY2" fmla="*/ 577613 h 1201728"/>
+                <a:gd name="connsiteX0" fmla="*/ 0 w 1944915"/>
+                <a:gd name="connsiteY0" fmla="*/ 1210466 h 1210466"/>
+                <a:gd name="connsiteX1" fmla="*/ 986972 w 1944915"/>
+                <a:gd name="connsiteY1" fmla="*/ 20294 h 1210466"/>
+                <a:gd name="connsiteX2" fmla="*/ 1944915 w 1944915"/>
+                <a:gd name="connsiteY2" fmla="*/ 586351 h 1210466"/>
+              </a:gdLst>
+              <a:ahLst/>
+              <a:cxnLst>
+                <a:cxn ang="0">
+                  <a:pos x="connsiteX0" y="connsiteY0"/>
+                </a:cxn>
+                <a:cxn ang="0">
+                  <a:pos x="connsiteX1" y="connsiteY1"/>
+                </a:cxn>
+                <a:cxn ang="0">
+                  <a:pos x="connsiteX2" y="connsiteY2"/>
+                </a:cxn>
+              </a:cxnLst>
+              <a:rect l="l" t="t" r="r" b="b"/>
+              <a:pathLst>
+                <a:path w="1944915" h="1210466">
+                  <a:moveTo>
+                    <a:pt x="0" y="1210466"/>
+                  </a:moveTo>
+                  <a:cubicBezTo>
+                    <a:pt x="331410" y="667389"/>
+                    <a:pt x="662820" y="124313"/>
+                    <a:pt x="986972" y="20294"/>
+                  </a:cubicBezTo>
+                  <a:cubicBezTo>
+                    <a:pt x="1311124" y="-83725"/>
+                    <a:pt x="1654630" y="228332"/>
+                    <a:pt x="1944915" y="586351"/>
+                  </a:cubicBezTo>
+                </a:path>
+              </a:pathLst>
+            </a:custGeom>
+            <a:noFill/>
+            <a:ln>
+              <a:tailEnd type="triangle" w="lg" len="lg"/>
+            </a:ln>
+          </p:spPr>
+          <p:style>
+            <a:lnRef idx="2">
+              <a:schemeClr val="accent1">
+                <a:shade val="50000"/>
+              </a:schemeClr>
+            </a:lnRef>
+            <a:fillRef idx="1">
+              <a:schemeClr val="accent1"/>
+            </a:fillRef>
+            <a:effectRef idx="0">
+              <a:schemeClr val="accent1"/>
+            </a:effectRef>
+            <a:fontRef idx="minor">
+              <a:schemeClr val="lt1"/>
+            </a:fontRef>
+          </p:style>
+          <p:txBody>
+            <a:bodyPr rtlCol="0" anchor="ctr"/>
+            <a:lstStyle/>
+            <a:p>
+              <a:pPr algn="ctr"/>
+              <a:endParaRPr lang="de-DE"/>
+            </a:p>
+          </p:txBody>
+        </p:sp>
+        <p:sp>
+          <p:nvSpPr>
+            <p:cNvPr id="8" name="Textfeld 7"/>
+            <p:cNvSpPr txBox="1"/>
+            <p:nvPr/>
+          </p:nvSpPr>
+          <p:spPr>
+            <a:xfrm>
+              <a:off x="3972542" y="922767"/>
+              <a:ext cx="1296144" cy="523220"/>
+            </a:xfrm>
+            <a:prstGeom prst="rect">
+              <a:avLst/>
+            </a:prstGeom>
+            <a:noFill/>
+          </p:spPr>
+          <p:txBody>
+            <a:bodyPr wrap="square" rtlCol="0">
+              <a:spAutoFit/>
+            </a:bodyPr>
+            <a:lstStyle/>
+            <a:p>
+              <a:r>
+                <a:rPr lang="de-DE" sz="2800" dirty="0" smtClean="0">
+                  <a:solidFill>
+                    <a:schemeClr val="accent1">
+                      <a:lumMod val="75000"/>
+                    </a:schemeClr>
+                  </a:solidFill>
+                </a:rPr>
+                <a:t>f</a:t>
+              </a:r>
+              <a:endParaRPr lang="de-DE" sz="2800" dirty="0">
+                <a:solidFill>
+                  <a:schemeClr val="accent1">
+                    <a:lumMod val="75000"/>
+                  </a:schemeClr>
+                </a:solidFill>
+              </a:endParaRPr>
+            </a:p>
+          </p:txBody>
+        </p:sp>
+        <p:sp>
+          <p:nvSpPr>
+            <p:cNvPr id="9" name="Textfeld 8"/>
+            <p:cNvSpPr txBox="1"/>
+            <p:nvPr/>
+          </p:nvSpPr>
+          <p:spPr>
+            <a:xfrm>
+              <a:off x="1475656" y="3671446"/>
+              <a:ext cx="1656184" cy="523220"/>
+            </a:xfrm>
+            <a:prstGeom prst="rect">
+              <a:avLst/>
+            </a:prstGeom>
+            <a:noFill/>
+          </p:spPr>
+          <p:txBody>
+            <a:bodyPr wrap="square" rtlCol="0">
+              <a:spAutoFit/>
+            </a:bodyPr>
+            <a:lstStyle/>
+            <a:p>
+              <a:r>
+                <a:rPr lang="de-DE" sz="2800" dirty="0" smtClean="0"/>
+                <a:t>X=[0,1)</a:t>
+              </a:r>
+              <a:endParaRPr lang="de-DE" sz="2800" dirty="0"/>
+            </a:p>
+          </p:txBody>
+        </p:sp>
+        <mc:AlternateContent xmlns:mc="http://schemas.openxmlformats.org/markup-compatibility/2006">
+          <mc:Choice xmlns:a14="http://schemas.microsoft.com/office/drawing/2010/main" Requires="a14">
+            <p:sp>
+              <p:nvSpPr>
+                <p:cNvPr id="10" name="Textfeld 9"/>
+                <p:cNvSpPr txBox="1"/>
+                <p:nvPr/>
+              </p:nvSpPr>
+              <p:spPr>
+                <a:xfrm>
+                  <a:off x="5868144" y="4674525"/>
+                  <a:ext cx="1656184" cy="523220"/>
+                </a:xfrm>
+                <a:prstGeom prst="rect">
+                  <a:avLst/>
+                </a:prstGeom>
+                <a:noFill/>
+              </p:spPr>
+              <p:txBody>
+                <a:bodyPr wrap="square" rtlCol="0">
+                  <a:spAutoFit/>
+                </a:bodyPr>
+                <a:lstStyle/>
+                <a:p>
+                  <a:r>
+                    <a:rPr lang="de-DE" sz="2800" dirty="0" smtClean="0"/>
+                    <a:t>Y=</a:t>
+                  </a:r>
+                  <a14:m>
+                    <m:oMath xmlns:m="http://schemas.openxmlformats.org/officeDocument/2006/math">
+                      <m:sSup>
+                        <m:sSupPr>
+                          <m:ctrlPr>
+                            <a:rPr lang="de-DE" sz="2800" i="1" smtClean="0">
+                              <a:latin typeface="Cambria Math"/>
+                            </a:rPr>
+                          </m:ctrlPr>
+                        </m:sSupPr>
+                        <m:e>
+                          <m:r>
+                            <a:rPr lang="de-DE" sz="2800" b="0" i="1" smtClean="0">
+                              <a:latin typeface="Cambria Math"/>
+                            </a:rPr>
+                            <m:t>𝑆</m:t>
+                          </m:r>
+                        </m:e>
+                        <m:sup>
+                          <m:r>
+                            <a:rPr lang="de-DE" sz="2800" b="0" i="1" smtClean="0">
+                              <a:latin typeface="Cambria Math"/>
+                            </a:rPr>
+                            <m:t>1</m:t>
+                          </m:r>
+                        </m:sup>
+                      </m:sSup>
+                    </m:oMath>
+                  </a14:m>
+                  <a:endParaRPr lang="de-DE" sz="2800" dirty="0"/>
+                </a:p>
+              </p:txBody>
+            </p:sp>
+          </mc:Choice>
+          <mc:Fallback>
+            <p:sp>
+              <p:nvSpPr>
+                <p:cNvPr id="10" name="Textfeld 9"/>
+                <p:cNvSpPr txBox="1">
+                  <a:spLocks noRot="1" noChangeAspect="1" noMove="1" noResize="1" noEditPoints="1" noAdjustHandles="1" noChangeArrowheads="1" noChangeShapeType="1" noTextEdit="1"/>
+                </p:cNvSpPr>
+                <p:nvPr/>
+              </p:nvSpPr>
+              <p:spPr>
+                <a:xfrm>
+                  <a:off x="5868144" y="4674525"/>
+                  <a:ext cx="1656184" cy="523220"/>
+                </a:xfrm>
+                <a:prstGeom prst="rect">
+                  <a:avLst/>
+                </a:prstGeom>
+                <a:blipFill rotWithShape="1">
+                  <a:blip r:embed="rId2"/>
+                  <a:stretch>
+                    <a:fillRect l="-7749" t="-10465" b="-32558"/>
+                  </a:stretch>
+                </a:blipFill>
+              </p:spPr>
+              <p:txBody>
+                <a:bodyPr/>
+                <a:lstStyle/>
+                <a:p>
+                  <a:r>
+                    <a:rPr lang="de-DE">
+                      <a:noFill/>
+                    </a:rPr>
+                    <a:t> </a:t>
+                  </a:r>
+                </a:p>
+              </p:txBody>
+            </p:sp>
+          </mc:Fallback>
+        </mc:AlternateContent>
+        <p:sp>
+          <p:nvSpPr>
+            <p:cNvPr id="28" name="Freihandform 27"/>
+            <p:cNvSpPr/>
+            <p:nvPr/>
+          </p:nvSpPr>
+          <p:spPr>
+            <a:xfrm>
+              <a:off x="654541" y="3215796"/>
+              <a:ext cx="179873" cy="570424"/>
+            </a:xfrm>
+            <a:custGeom>
+              <a:avLst/>
+              <a:gdLst>
+                <a:gd name="connsiteX0" fmla="*/ 1480457 w 1480457"/>
+                <a:gd name="connsiteY0" fmla="*/ 0 h 914400"/>
+                <a:gd name="connsiteX1" fmla="*/ 0 w 1480457"/>
+                <a:gd name="connsiteY1" fmla="*/ 0 h 914400"/>
+                <a:gd name="connsiteX2" fmla="*/ 0 w 1480457"/>
+                <a:gd name="connsiteY2" fmla="*/ 914400 h 914400"/>
+                <a:gd name="connsiteX3" fmla="*/ 1465943 w 1480457"/>
+                <a:gd name="connsiteY3" fmla="*/ 914400 h 914400"/>
+              </a:gdLst>
+              <a:ahLst/>
+              <a:cxnLst>
+                <a:cxn ang="0">
+                  <a:pos x="connsiteX0" y="connsiteY0"/>
+                </a:cxn>
+                <a:cxn ang="0">
+                  <a:pos x="connsiteX1" y="connsiteY1"/>
+                </a:cxn>
+                <a:cxn ang="0">
+                  <a:pos x="connsiteX2" y="connsiteY2"/>
+                </a:cxn>
+                <a:cxn ang="0">
+                  <a:pos x="connsiteX3" y="connsiteY3"/>
+                </a:cxn>
+              </a:cxnLst>
+              <a:rect l="l" t="t" r="r" b="b"/>
+              <a:pathLst>
+                <a:path w="1480457" h="914400">
+                  <a:moveTo>
+                    <a:pt x="1480457" y="0"/>
+                  </a:moveTo>
+                  <a:lnTo>
+                    <a:pt x="0" y="0"/>
+                  </a:lnTo>
+                  <a:lnTo>
+                    <a:pt x="0" y="914400"/>
+                  </a:lnTo>
+                  <a:lnTo>
+                    <a:pt x="1465943" y="914400"/>
+                  </a:lnTo>
+                </a:path>
+              </a:pathLst>
+            </a:custGeom>
+            <a:noFill/>
+            <a:ln w="63500">
+              <a:solidFill>
+                <a:schemeClr val="tx1"/>
+              </a:solidFill>
+            </a:ln>
+          </p:spPr>
+          <p:style>
+            <a:lnRef idx="2">
+              <a:schemeClr val="accent1">
+                <a:shade val="50000"/>
+              </a:schemeClr>
+            </a:lnRef>
+            <a:fillRef idx="1">
+              <a:schemeClr val="accent1"/>
+            </a:fillRef>
+            <a:effectRef idx="0">
+              <a:schemeClr val="accent1"/>
+            </a:effectRef>
+            <a:fontRef idx="minor">
+              <a:schemeClr val="lt1"/>
+            </a:fontRef>
+          </p:style>
+          <p:txBody>
+            <a:bodyPr rtlCol="0" anchor="ctr"/>
+            <a:lstStyle/>
+            <a:p>
+              <a:pPr algn="ctr"/>
+              <a:endParaRPr lang="de-DE"/>
+            </a:p>
+          </p:txBody>
+        </p:sp>
+        <p:sp>
+          <p:nvSpPr>
+            <p:cNvPr id="29" name="Freihandform 28"/>
+            <p:cNvSpPr/>
+            <p:nvPr/>
+          </p:nvSpPr>
+          <p:spPr>
+            <a:xfrm rot="16200000">
+              <a:off x="8370496" y="2765819"/>
+              <a:ext cx="179873" cy="570424"/>
+            </a:xfrm>
+            <a:custGeom>
+              <a:avLst/>
+              <a:gdLst>
+                <a:gd name="connsiteX0" fmla="*/ 1480457 w 1480457"/>
+                <a:gd name="connsiteY0" fmla="*/ 0 h 914400"/>
+                <a:gd name="connsiteX1" fmla="*/ 0 w 1480457"/>
+                <a:gd name="connsiteY1" fmla="*/ 0 h 914400"/>
+                <a:gd name="connsiteX2" fmla="*/ 0 w 1480457"/>
+                <a:gd name="connsiteY2" fmla="*/ 914400 h 914400"/>
+                <a:gd name="connsiteX3" fmla="*/ 1465943 w 1480457"/>
+                <a:gd name="connsiteY3" fmla="*/ 914400 h 914400"/>
+              </a:gdLst>
+              <a:ahLst/>
+              <a:cxnLst>
+                <a:cxn ang="0">
+                  <a:pos x="connsiteX0" y="connsiteY0"/>
+                </a:cxn>
+                <a:cxn ang="0">
+                  <a:pos x="connsiteX1" y="connsiteY1"/>
+                </a:cxn>
+                <a:cxn ang="0">
+                  <a:pos x="connsiteX2" y="connsiteY2"/>
+                </a:cxn>
+                <a:cxn ang="0">
+                  <a:pos x="connsiteX3" y="connsiteY3"/>
+                </a:cxn>
+              </a:cxnLst>
+              <a:rect l="l" t="t" r="r" b="b"/>
+              <a:pathLst>
+                <a:path w="1480457" h="914400">
+                  <a:moveTo>
+                    <a:pt x="1480457" y="0"/>
+                  </a:moveTo>
+                  <a:lnTo>
+                    <a:pt x="0" y="0"/>
+                  </a:lnTo>
+                  <a:lnTo>
+                    <a:pt x="0" y="914400"/>
+                  </a:lnTo>
+                  <a:lnTo>
+                    <a:pt x="1465943" y="914400"/>
+                  </a:lnTo>
+                </a:path>
+              </a:pathLst>
+            </a:custGeom>
+            <a:noFill/>
+            <a:ln w="63500">
+              <a:solidFill>
+                <a:schemeClr val="tx1"/>
+              </a:solidFill>
+            </a:ln>
+          </p:spPr>
+          <p:style>
+            <a:lnRef idx="2">
+              <a:schemeClr val="accent1">
+                <a:shade val="50000"/>
+              </a:schemeClr>
+            </a:lnRef>
+            <a:fillRef idx="1">
+              <a:schemeClr val="accent1"/>
+            </a:fillRef>
+            <a:effectRef idx="0">
+              <a:schemeClr val="accent1"/>
+            </a:effectRef>
+            <a:fontRef idx="minor">
+              <a:schemeClr val="lt1"/>
+            </a:fontRef>
+          </p:style>
+          <p:txBody>
+            <a:bodyPr rtlCol="0" anchor="ctr"/>
+            <a:lstStyle/>
+            <a:p>
+              <a:pPr algn="ctr"/>
+              <a:endParaRPr lang="de-DE"/>
+            </a:p>
+          </p:txBody>
+        </p:sp>
+        <p:sp>
+          <p:nvSpPr>
+            <p:cNvPr id="30" name="Bogen 29"/>
+            <p:cNvSpPr/>
+            <p:nvPr/>
+          </p:nvSpPr>
+          <p:spPr>
+            <a:xfrm rot="5400000">
+              <a:off x="2845899" y="3055870"/>
+              <a:ext cx="821115" cy="902894"/>
+            </a:xfrm>
+            <a:prstGeom prst="arc">
+              <a:avLst>
+                <a:gd name="adj1" fmla="val 13243218"/>
+                <a:gd name="adj2" fmla="val 19291918"/>
+              </a:avLst>
+            </a:prstGeom>
+            <a:noFill/>
+            <a:ln w="63500">
+              <a:solidFill>
+                <a:schemeClr val="tx1"/>
+              </a:solidFill>
+            </a:ln>
+          </p:spPr>
+          <p:style>
+            <a:lnRef idx="2">
+              <a:schemeClr val="accent1">
+                <a:shade val="50000"/>
+              </a:schemeClr>
+            </a:lnRef>
+            <a:fillRef idx="1">
+              <a:schemeClr val="accent1"/>
+            </a:fillRef>
+            <a:effectRef idx="0">
+              <a:schemeClr val="accent1"/>
+            </a:effectRef>
+            <a:fontRef idx="minor">
+              <a:schemeClr val="lt1"/>
+            </a:fontRef>
+          </p:style>
+          <p:txBody>
+            <a:bodyPr rtlCol="0" anchor="ctr"/>
+            <a:lstStyle/>
+            <a:p>
+              <a:pPr algn="ctr"/>
+              <a:endParaRPr lang="de-DE"/>
+            </a:p>
+          </p:txBody>
+        </p:sp>
+        <p:sp>
+          <p:nvSpPr>
+            <p:cNvPr id="31" name="Bogen 30"/>
+            <p:cNvSpPr/>
+            <p:nvPr/>
+          </p:nvSpPr>
+          <p:spPr>
+            <a:xfrm>
+              <a:off x="8049874" y="3165878"/>
+              <a:ext cx="821115" cy="902894"/>
+            </a:xfrm>
+            <a:prstGeom prst="arc">
+              <a:avLst>
+                <a:gd name="adj1" fmla="val 13243218"/>
+                <a:gd name="adj2" fmla="val 19291918"/>
+              </a:avLst>
+            </a:prstGeom>
+            <a:noFill/>
+            <a:ln w="63500">
+              <a:solidFill>
+                <a:schemeClr val="tx1"/>
+              </a:solidFill>
+            </a:ln>
+          </p:spPr>
+          <p:style>
+            <a:lnRef idx="2">
+              <a:schemeClr val="accent1">
+                <a:shade val="50000"/>
+              </a:schemeClr>
+            </a:lnRef>
+            <a:fillRef idx="1">
+              <a:schemeClr val="accent1"/>
+            </a:fillRef>
+            <a:effectRef idx="0">
+              <a:schemeClr val="accent1"/>
+            </a:effectRef>
+            <a:fontRef idx="minor">
+              <a:schemeClr val="lt1"/>
+            </a:fontRef>
+          </p:style>
+          <p:txBody>
+            <a:bodyPr rtlCol="0" anchor="ctr"/>
+            <a:lstStyle/>
+            <a:p>
+              <a:pPr algn="ctr"/>
+              <a:endParaRPr lang="de-DE"/>
+            </a:p>
+          </p:txBody>
+        </p:sp>
+      </p:grpSp>
     </p:spTree>
     <p:extLst>
       <p:ext uri="{BB962C8B-B14F-4D97-AF65-F5344CB8AC3E}">
@@ -4849,6 +6368,13 @@
   <p:clrMapOvr>
     <a:masterClrMapping/>
   </p:clrMapOvr>
+  <p:timing>
+    <p:tnLst>
+      <p:par>
+        <p:cTn id="1" dur="indefinite" restart="never" nodeType="tmRoot"/>
+      </p:par>
+    </p:tnLst>
+  </p:timing>
 </p:sld>
 </file>
 
@@ -4869,6 +6395,2255 @@
           <a:chExt cx="0" cy="0"/>
         </a:xfrm>
       </p:grpSpPr>
+      <p:grpSp>
+        <p:nvGrpSpPr>
+          <p:cNvPr id="35" name="Gruppieren 34"/>
+          <p:cNvGrpSpPr/>
+          <p:nvPr/>
+        </p:nvGrpSpPr>
+        <p:grpSpPr>
+          <a:xfrm>
+            <a:off x="382967" y="791800"/>
+            <a:ext cx="8761033" cy="4431278"/>
+            <a:chOff x="382967" y="791800"/>
+            <a:chExt cx="8761033" cy="4431278"/>
+          </a:xfrm>
+        </p:grpSpPr>
+        <p:sp>
+          <p:nvSpPr>
+            <p:cNvPr id="3" name="Ellipse 2"/>
+            <p:cNvSpPr/>
+            <p:nvPr/>
+          </p:nvSpPr>
+          <p:spPr>
+            <a:xfrm>
+              <a:off x="4684788" y="1654133"/>
+              <a:ext cx="3024336" cy="3024336"/>
+            </a:xfrm>
+            <a:prstGeom prst="ellipse">
+              <a:avLst/>
+            </a:prstGeom>
+            <a:noFill/>
+            <a:ln w="63500">
+              <a:solidFill>
+                <a:schemeClr val="tx1"/>
+              </a:solidFill>
+            </a:ln>
+          </p:spPr>
+          <p:style>
+            <a:lnRef idx="2">
+              <a:schemeClr val="accent1">
+                <a:shade val="50000"/>
+              </a:schemeClr>
+            </a:lnRef>
+            <a:fillRef idx="1">
+              <a:schemeClr val="accent1"/>
+            </a:fillRef>
+            <a:effectRef idx="0">
+              <a:schemeClr val="accent1"/>
+            </a:effectRef>
+            <a:fontRef idx="minor">
+              <a:schemeClr val="lt1"/>
+            </a:fontRef>
+          </p:style>
+          <p:txBody>
+            <a:bodyPr rtlCol="0" anchor="ctr"/>
+            <a:lstStyle/>
+            <a:p>
+              <a:pPr algn="ctr"/>
+              <a:endParaRPr lang="de-DE"/>
+            </a:p>
+          </p:txBody>
+        </p:sp>
+        <p:cxnSp>
+          <p:nvCxnSpPr>
+            <p:cNvPr id="4" name="Gerade Verbindung 3"/>
+            <p:cNvCxnSpPr/>
+            <p:nvPr/>
+          </p:nvCxnSpPr>
+          <p:spPr>
+            <a:xfrm>
+              <a:off x="683568" y="3501008"/>
+              <a:ext cx="3024336" cy="0"/>
+            </a:xfrm>
+            <a:prstGeom prst="line">
+              <a:avLst/>
+            </a:prstGeom>
+            <a:noFill/>
+            <a:ln w="63500">
+              <a:solidFill>
+                <a:schemeClr val="tx1"/>
+              </a:solidFill>
+            </a:ln>
+          </p:spPr>
+          <p:style>
+            <a:lnRef idx="2">
+              <a:schemeClr val="accent1">
+                <a:shade val="50000"/>
+              </a:schemeClr>
+            </a:lnRef>
+            <a:fillRef idx="1">
+              <a:schemeClr val="accent1"/>
+            </a:fillRef>
+            <a:effectRef idx="0">
+              <a:schemeClr val="accent1"/>
+            </a:effectRef>
+            <a:fontRef idx="minor">
+              <a:schemeClr val="lt1"/>
+            </a:fontRef>
+          </p:style>
+        </p:cxnSp>
+        <p:sp>
+          <p:nvSpPr>
+            <p:cNvPr id="5" name="Freihandform 4"/>
+            <p:cNvSpPr/>
+            <p:nvPr/>
+          </p:nvSpPr>
+          <p:spPr>
+            <a:xfrm>
+              <a:off x="3265714" y="1315020"/>
+              <a:ext cx="1944915" cy="1210466"/>
+            </a:xfrm>
+            <a:custGeom>
+              <a:avLst/>
+              <a:gdLst>
+                <a:gd name="connsiteX0" fmla="*/ 0 w 1944915"/>
+                <a:gd name="connsiteY0" fmla="*/ 1201728 h 1201728"/>
+                <a:gd name="connsiteX1" fmla="*/ 986972 w 1944915"/>
+                <a:gd name="connsiteY1" fmla="*/ 11556 h 1201728"/>
+                <a:gd name="connsiteX2" fmla="*/ 1944915 w 1944915"/>
+                <a:gd name="connsiteY2" fmla="*/ 577613 h 1201728"/>
+                <a:gd name="connsiteX0" fmla="*/ 0 w 1944915"/>
+                <a:gd name="connsiteY0" fmla="*/ 1210466 h 1210466"/>
+                <a:gd name="connsiteX1" fmla="*/ 986972 w 1944915"/>
+                <a:gd name="connsiteY1" fmla="*/ 20294 h 1210466"/>
+                <a:gd name="connsiteX2" fmla="*/ 1944915 w 1944915"/>
+                <a:gd name="connsiteY2" fmla="*/ 586351 h 1210466"/>
+              </a:gdLst>
+              <a:ahLst/>
+              <a:cxnLst>
+                <a:cxn ang="0">
+                  <a:pos x="connsiteX0" y="connsiteY0"/>
+                </a:cxn>
+                <a:cxn ang="0">
+                  <a:pos x="connsiteX1" y="connsiteY1"/>
+                </a:cxn>
+                <a:cxn ang="0">
+                  <a:pos x="connsiteX2" y="connsiteY2"/>
+                </a:cxn>
+              </a:cxnLst>
+              <a:rect l="l" t="t" r="r" b="b"/>
+              <a:pathLst>
+                <a:path w="1944915" h="1210466">
+                  <a:moveTo>
+                    <a:pt x="0" y="1210466"/>
+                  </a:moveTo>
+                  <a:cubicBezTo>
+                    <a:pt x="331410" y="667389"/>
+                    <a:pt x="662820" y="124313"/>
+                    <a:pt x="986972" y="20294"/>
+                  </a:cubicBezTo>
+                  <a:cubicBezTo>
+                    <a:pt x="1311124" y="-83725"/>
+                    <a:pt x="1654630" y="228332"/>
+                    <a:pt x="1944915" y="586351"/>
+                  </a:cubicBezTo>
+                </a:path>
+              </a:pathLst>
+            </a:custGeom>
+            <a:noFill/>
+            <a:ln>
+              <a:tailEnd type="triangle" w="lg" len="lg"/>
+            </a:ln>
+          </p:spPr>
+          <p:style>
+            <a:lnRef idx="2">
+              <a:schemeClr val="accent1">
+                <a:shade val="50000"/>
+              </a:schemeClr>
+            </a:lnRef>
+            <a:fillRef idx="1">
+              <a:schemeClr val="accent1"/>
+            </a:fillRef>
+            <a:effectRef idx="0">
+              <a:schemeClr val="accent1"/>
+            </a:effectRef>
+            <a:fontRef idx="minor">
+              <a:schemeClr val="lt1"/>
+            </a:fontRef>
+          </p:style>
+          <p:txBody>
+            <a:bodyPr rtlCol="0" anchor="ctr"/>
+            <a:lstStyle/>
+            <a:p>
+              <a:pPr algn="ctr"/>
+              <a:endParaRPr lang="de-DE"/>
+            </a:p>
+          </p:txBody>
+        </p:sp>
+        <mc:AlternateContent xmlns:mc="http://schemas.openxmlformats.org/markup-compatibility/2006">
+          <mc:Choice xmlns:a14="http://schemas.microsoft.com/office/drawing/2010/main" Requires="a14">
+            <p:sp>
+              <p:nvSpPr>
+                <p:cNvPr id="6" name="Textfeld 5"/>
+                <p:cNvSpPr txBox="1"/>
+                <p:nvPr/>
+              </p:nvSpPr>
+              <p:spPr>
+                <a:xfrm>
+                  <a:off x="4034734" y="791800"/>
+                  <a:ext cx="648072" cy="523220"/>
+                </a:xfrm>
+                <a:prstGeom prst="rect">
+                  <a:avLst/>
+                </a:prstGeom>
+                <a:noFill/>
+              </p:spPr>
+              <p:txBody>
+                <a:bodyPr wrap="square" rtlCol="0">
+                  <a:spAutoFit/>
+                </a:bodyPr>
+                <a:lstStyle/>
+                <a:p>
+                  <a14:m>
+                    <m:oMathPara xmlns:m="http://schemas.openxmlformats.org/officeDocument/2006/math">
+                      <m:oMathParaPr>
+                        <m:jc m:val="centerGroup"/>
+                      </m:oMathParaPr>
+                      <m:oMath xmlns:m="http://schemas.openxmlformats.org/officeDocument/2006/math">
+                        <m:r>
+                          <a:rPr lang="de-DE" sz="2800" i="1" dirty="0" smtClean="0">
+                            <a:solidFill>
+                              <a:schemeClr val="accent1">
+                                <a:lumMod val="75000"/>
+                              </a:schemeClr>
+                            </a:solidFill>
+                            <a:latin typeface="Cambria Math"/>
+                          </a:rPr>
+                          <m:t>𝑓</m:t>
+                        </m:r>
+                      </m:oMath>
+                    </m:oMathPara>
+                  </a14:m>
+                  <a:endParaRPr lang="de-DE" sz="2800" dirty="0">
+                    <a:solidFill>
+                      <a:schemeClr val="accent1">
+                        <a:lumMod val="75000"/>
+                      </a:schemeClr>
+                    </a:solidFill>
+                  </a:endParaRPr>
+                </a:p>
+              </p:txBody>
+            </p:sp>
+          </mc:Choice>
+          <mc:Fallback>
+            <p:sp>
+              <p:nvSpPr>
+                <p:cNvPr id="6" name="Textfeld 5"/>
+                <p:cNvSpPr txBox="1">
+                  <a:spLocks noRot="1" noChangeAspect="1" noMove="1" noResize="1" noEditPoints="1" noAdjustHandles="1" noChangeArrowheads="1" noChangeShapeType="1" noTextEdit="1"/>
+                </p:cNvSpPr>
+                <p:nvPr/>
+              </p:nvSpPr>
+              <p:spPr>
+                <a:xfrm>
+                  <a:off x="4034734" y="791800"/>
+                  <a:ext cx="648072" cy="523220"/>
+                </a:xfrm>
+                <a:prstGeom prst="rect">
+                  <a:avLst/>
+                </a:prstGeom>
+                <a:blipFill rotWithShape="1">
+                  <a:blip r:embed="rId2"/>
+                  <a:stretch>
+                    <a:fillRect/>
+                  </a:stretch>
+                </a:blipFill>
+              </p:spPr>
+              <p:txBody>
+                <a:bodyPr/>
+                <a:lstStyle/>
+                <a:p>
+                  <a:r>
+                    <a:rPr lang="de-DE">
+                      <a:noFill/>
+                    </a:rPr>
+                    <a:t> </a:t>
+                  </a:r>
+                </a:p>
+              </p:txBody>
+            </p:sp>
+          </mc:Fallback>
+        </mc:AlternateContent>
+        <p:sp>
+          <p:nvSpPr>
+            <p:cNvPr id="7" name="Textfeld 6"/>
+            <p:cNvSpPr txBox="1"/>
+            <p:nvPr/>
+          </p:nvSpPr>
+          <p:spPr>
+            <a:xfrm>
+              <a:off x="1475656" y="3671446"/>
+              <a:ext cx="1656184" cy="523220"/>
+            </a:xfrm>
+            <a:prstGeom prst="rect">
+              <a:avLst/>
+            </a:prstGeom>
+            <a:noFill/>
+          </p:spPr>
+          <p:txBody>
+            <a:bodyPr wrap="square" rtlCol="0">
+              <a:spAutoFit/>
+            </a:bodyPr>
+            <a:lstStyle/>
+            <a:p>
+              <a:r>
+                <a:rPr lang="de-DE" sz="2800" dirty="0" smtClean="0"/>
+                <a:t>X=[0,1)</a:t>
+              </a:r>
+              <a:endParaRPr lang="de-DE" sz="2800" dirty="0"/>
+            </a:p>
+          </p:txBody>
+        </p:sp>
+        <mc:AlternateContent xmlns:mc="http://schemas.openxmlformats.org/markup-compatibility/2006">
+          <mc:Choice xmlns:a14="http://schemas.microsoft.com/office/drawing/2010/main" Requires="a14">
+            <p:sp>
+              <p:nvSpPr>
+                <p:cNvPr id="8" name="Textfeld 7"/>
+                <p:cNvSpPr txBox="1"/>
+                <p:nvPr/>
+              </p:nvSpPr>
+              <p:spPr>
+                <a:xfrm>
+                  <a:off x="5116836" y="4699858"/>
+                  <a:ext cx="1656184" cy="523220"/>
+                </a:xfrm>
+                <a:prstGeom prst="rect">
+                  <a:avLst/>
+                </a:prstGeom>
+                <a:noFill/>
+              </p:spPr>
+              <p:txBody>
+                <a:bodyPr wrap="square" rtlCol="0">
+                  <a:spAutoFit/>
+                </a:bodyPr>
+                <a:lstStyle/>
+                <a:p>
+                  <a:r>
+                    <a:rPr lang="de-DE" sz="2800" dirty="0" smtClean="0"/>
+                    <a:t>Y=</a:t>
+                  </a:r>
+                  <a14:m>
+                    <m:oMath xmlns:m="http://schemas.openxmlformats.org/officeDocument/2006/math">
+                      <m:sSup>
+                        <m:sSupPr>
+                          <m:ctrlPr>
+                            <a:rPr lang="de-DE" sz="2800" i="1" smtClean="0">
+                              <a:latin typeface="Cambria Math"/>
+                            </a:rPr>
+                          </m:ctrlPr>
+                        </m:sSupPr>
+                        <m:e>
+                          <m:r>
+                            <a:rPr lang="de-DE" sz="2800" b="0" i="1" smtClean="0">
+                              <a:latin typeface="Cambria Math"/>
+                            </a:rPr>
+                            <m:t>𝑆</m:t>
+                          </m:r>
+                        </m:e>
+                        <m:sup>
+                          <m:r>
+                            <a:rPr lang="de-DE" sz="2800" b="0" i="1" smtClean="0">
+                              <a:latin typeface="Cambria Math"/>
+                            </a:rPr>
+                            <m:t>1</m:t>
+                          </m:r>
+                        </m:sup>
+                      </m:sSup>
+                    </m:oMath>
+                  </a14:m>
+                  <a:endParaRPr lang="de-DE" sz="2800" dirty="0"/>
+                </a:p>
+              </p:txBody>
+            </p:sp>
+          </mc:Choice>
+          <mc:Fallback>
+            <p:sp>
+              <p:nvSpPr>
+                <p:cNvPr id="8" name="Textfeld 7"/>
+                <p:cNvSpPr txBox="1">
+                  <a:spLocks noRot="1" noChangeAspect="1" noMove="1" noResize="1" noEditPoints="1" noAdjustHandles="1" noChangeArrowheads="1" noChangeShapeType="1" noTextEdit="1"/>
+                </p:cNvSpPr>
+                <p:nvPr/>
+              </p:nvSpPr>
+              <p:spPr>
+                <a:xfrm>
+                  <a:off x="5116836" y="4699858"/>
+                  <a:ext cx="1656184" cy="523220"/>
+                </a:xfrm>
+                <a:prstGeom prst="rect">
+                  <a:avLst/>
+                </a:prstGeom>
+                <a:blipFill rotWithShape="1">
+                  <a:blip r:embed="rId3"/>
+                  <a:stretch>
+                    <a:fillRect l="-7353" t="-10465" b="-32558"/>
+                  </a:stretch>
+                </a:blipFill>
+              </p:spPr>
+              <p:txBody>
+                <a:bodyPr/>
+                <a:lstStyle/>
+                <a:p>
+                  <a:r>
+                    <a:rPr lang="de-DE">
+                      <a:noFill/>
+                    </a:rPr>
+                    <a:t> </a:t>
+                  </a:r>
+                </a:p>
+              </p:txBody>
+            </p:sp>
+          </mc:Fallback>
+        </mc:AlternateContent>
+        <p:sp>
+          <p:nvSpPr>
+            <p:cNvPr id="9" name="Freihandform 8"/>
+            <p:cNvSpPr/>
+            <p:nvPr/>
+          </p:nvSpPr>
+          <p:spPr>
+            <a:xfrm>
+              <a:off x="654541" y="3215796"/>
+              <a:ext cx="179873" cy="570424"/>
+            </a:xfrm>
+            <a:custGeom>
+              <a:avLst/>
+              <a:gdLst>
+                <a:gd name="connsiteX0" fmla="*/ 1480457 w 1480457"/>
+                <a:gd name="connsiteY0" fmla="*/ 0 h 914400"/>
+                <a:gd name="connsiteX1" fmla="*/ 0 w 1480457"/>
+                <a:gd name="connsiteY1" fmla="*/ 0 h 914400"/>
+                <a:gd name="connsiteX2" fmla="*/ 0 w 1480457"/>
+                <a:gd name="connsiteY2" fmla="*/ 914400 h 914400"/>
+                <a:gd name="connsiteX3" fmla="*/ 1465943 w 1480457"/>
+                <a:gd name="connsiteY3" fmla="*/ 914400 h 914400"/>
+              </a:gdLst>
+              <a:ahLst/>
+              <a:cxnLst>
+                <a:cxn ang="0">
+                  <a:pos x="connsiteX0" y="connsiteY0"/>
+                </a:cxn>
+                <a:cxn ang="0">
+                  <a:pos x="connsiteX1" y="connsiteY1"/>
+                </a:cxn>
+                <a:cxn ang="0">
+                  <a:pos x="connsiteX2" y="connsiteY2"/>
+                </a:cxn>
+                <a:cxn ang="0">
+                  <a:pos x="connsiteX3" y="connsiteY3"/>
+                </a:cxn>
+              </a:cxnLst>
+              <a:rect l="l" t="t" r="r" b="b"/>
+              <a:pathLst>
+                <a:path w="1480457" h="914400">
+                  <a:moveTo>
+                    <a:pt x="1480457" y="0"/>
+                  </a:moveTo>
+                  <a:lnTo>
+                    <a:pt x="0" y="0"/>
+                  </a:lnTo>
+                  <a:lnTo>
+                    <a:pt x="0" y="914400"/>
+                  </a:lnTo>
+                  <a:lnTo>
+                    <a:pt x="1465943" y="914400"/>
+                  </a:lnTo>
+                </a:path>
+              </a:pathLst>
+            </a:custGeom>
+            <a:noFill/>
+            <a:ln w="63500">
+              <a:solidFill>
+                <a:schemeClr val="tx1"/>
+              </a:solidFill>
+            </a:ln>
+          </p:spPr>
+          <p:style>
+            <a:lnRef idx="2">
+              <a:schemeClr val="accent1">
+                <a:shade val="50000"/>
+              </a:schemeClr>
+            </a:lnRef>
+            <a:fillRef idx="1">
+              <a:schemeClr val="accent1"/>
+            </a:fillRef>
+            <a:effectRef idx="0">
+              <a:schemeClr val="accent1"/>
+            </a:effectRef>
+            <a:fontRef idx="minor">
+              <a:schemeClr val="lt1"/>
+            </a:fontRef>
+          </p:style>
+          <p:txBody>
+            <a:bodyPr rtlCol="0" anchor="ctr"/>
+            <a:lstStyle/>
+            <a:p>
+              <a:pPr algn="ctr"/>
+              <a:endParaRPr lang="de-DE"/>
+            </a:p>
+          </p:txBody>
+        </p:sp>
+        <p:sp>
+          <p:nvSpPr>
+            <p:cNvPr id="10" name="Freihandform 9"/>
+            <p:cNvSpPr/>
+            <p:nvPr/>
+          </p:nvSpPr>
+          <p:spPr>
+            <a:xfrm rot="16200000">
+              <a:off x="7619188" y="2791152"/>
+              <a:ext cx="179873" cy="570424"/>
+            </a:xfrm>
+            <a:custGeom>
+              <a:avLst/>
+              <a:gdLst>
+                <a:gd name="connsiteX0" fmla="*/ 1480457 w 1480457"/>
+                <a:gd name="connsiteY0" fmla="*/ 0 h 914400"/>
+                <a:gd name="connsiteX1" fmla="*/ 0 w 1480457"/>
+                <a:gd name="connsiteY1" fmla="*/ 0 h 914400"/>
+                <a:gd name="connsiteX2" fmla="*/ 0 w 1480457"/>
+                <a:gd name="connsiteY2" fmla="*/ 914400 h 914400"/>
+                <a:gd name="connsiteX3" fmla="*/ 1465943 w 1480457"/>
+                <a:gd name="connsiteY3" fmla="*/ 914400 h 914400"/>
+              </a:gdLst>
+              <a:ahLst/>
+              <a:cxnLst>
+                <a:cxn ang="0">
+                  <a:pos x="connsiteX0" y="connsiteY0"/>
+                </a:cxn>
+                <a:cxn ang="0">
+                  <a:pos x="connsiteX1" y="connsiteY1"/>
+                </a:cxn>
+                <a:cxn ang="0">
+                  <a:pos x="connsiteX2" y="connsiteY2"/>
+                </a:cxn>
+                <a:cxn ang="0">
+                  <a:pos x="connsiteX3" y="connsiteY3"/>
+                </a:cxn>
+              </a:cxnLst>
+              <a:rect l="l" t="t" r="r" b="b"/>
+              <a:pathLst>
+                <a:path w="1480457" h="914400">
+                  <a:moveTo>
+                    <a:pt x="1480457" y="0"/>
+                  </a:moveTo>
+                  <a:lnTo>
+                    <a:pt x="0" y="0"/>
+                  </a:lnTo>
+                  <a:lnTo>
+                    <a:pt x="0" y="914400"/>
+                  </a:lnTo>
+                  <a:lnTo>
+                    <a:pt x="1465943" y="914400"/>
+                  </a:lnTo>
+                </a:path>
+              </a:pathLst>
+            </a:custGeom>
+            <a:noFill/>
+            <a:ln w="63500">
+              <a:solidFill>
+                <a:schemeClr val="tx1"/>
+              </a:solidFill>
+            </a:ln>
+          </p:spPr>
+          <p:style>
+            <a:lnRef idx="2">
+              <a:schemeClr val="accent1">
+                <a:shade val="50000"/>
+              </a:schemeClr>
+            </a:lnRef>
+            <a:fillRef idx="1">
+              <a:schemeClr val="accent1"/>
+            </a:fillRef>
+            <a:effectRef idx="0">
+              <a:schemeClr val="accent1"/>
+            </a:effectRef>
+            <a:fontRef idx="minor">
+              <a:schemeClr val="lt1"/>
+            </a:fontRef>
+          </p:style>
+          <p:txBody>
+            <a:bodyPr rtlCol="0" anchor="ctr"/>
+            <a:lstStyle/>
+            <a:p>
+              <a:pPr algn="ctr"/>
+              <a:endParaRPr lang="de-DE"/>
+            </a:p>
+          </p:txBody>
+        </p:sp>
+        <p:sp>
+          <p:nvSpPr>
+            <p:cNvPr id="11" name="Bogen 10"/>
+            <p:cNvSpPr/>
+            <p:nvPr/>
+          </p:nvSpPr>
+          <p:spPr>
+            <a:xfrm rot="5400000">
+              <a:off x="2845899" y="3055870"/>
+              <a:ext cx="821115" cy="902894"/>
+            </a:xfrm>
+            <a:prstGeom prst="arc">
+              <a:avLst>
+                <a:gd name="adj1" fmla="val 13243218"/>
+                <a:gd name="adj2" fmla="val 19291918"/>
+              </a:avLst>
+            </a:prstGeom>
+            <a:noFill/>
+            <a:ln w="63500">
+              <a:solidFill>
+                <a:schemeClr val="tx1"/>
+              </a:solidFill>
+            </a:ln>
+          </p:spPr>
+          <p:style>
+            <a:lnRef idx="2">
+              <a:schemeClr val="accent1">
+                <a:shade val="50000"/>
+              </a:schemeClr>
+            </a:lnRef>
+            <a:fillRef idx="1">
+              <a:schemeClr val="accent1"/>
+            </a:fillRef>
+            <a:effectRef idx="0">
+              <a:schemeClr val="accent1"/>
+            </a:effectRef>
+            <a:fontRef idx="minor">
+              <a:schemeClr val="lt1"/>
+            </a:fontRef>
+          </p:style>
+          <p:txBody>
+            <a:bodyPr rtlCol="0" anchor="ctr"/>
+            <a:lstStyle/>
+            <a:p>
+              <a:pPr algn="ctr"/>
+              <a:endParaRPr lang="de-DE"/>
+            </a:p>
+          </p:txBody>
+        </p:sp>
+        <p:sp>
+          <p:nvSpPr>
+            <p:cNvPr id="12" name="Bogen 11"/>
+            <p:cNvSpPr/>
+            <p:nvPr/>
+          </p:nvSpPr>
+          <p:spPr>
+            <a:xfrm>
+              <a:off x="7298566" y="3191211"/>
+              <a:ext cx="821115" cy="902894"/>
+            </a:xfrm>
+            <a:prstGeom prst="arc">
+              <a:avLst>
+                <a:gd name="adj1" fmla="val 13243218"/>
+                <a:gd name="adj2" fmla="val 19291918"/>
+              </a:avLst>
+            </a:prstGeom>
+            <a:noFill/>
+            <a:ln w="63500">
+              <a:solidFill>
+                <a:schemeClr val="tx1"/>
+              </a:solidFill>
+            </a:ln>
+          </p:spPr>
+          <p:style>
+            <a:lnRef idx="2">
+              <a:schemeClr val="accent1">
+                <a:shade val="50000"/>
+              </a:schemeClr>
+            </a:lnRef>
+            <a:fillRef idx="1">
+              <a:schemeClr val="accent1"/>
+            </a:fillRef>
+            <a:effectRef idx="0">
+              <a:schemeClr val="accent1"/>
+            </a:effectRef>
+            <a:fontRef idx="minor">
+              <a:schemeClr val="lt1"/>
+            </a:fontRef>
+          </p:style>
+          <p:txBody>
+            <a:bodyPr rtlCol="0" anchor="ctr"/>
+            <a:lstStyle/>
+            <a:p>
+              <a:pPr algn="ctr"/>
+              <a:endParaRPr lang="de-DE"/>
+            </a:p>
+          </p:txBody>
+        </p:sp>
+        <p:sp>
+          <p:nvSpPr>
+            <p:cNvPr id="13" name="Bogen 12"/>
+            <p:cNvSpPr/>
+            <p:nvPr/>
+          </p:nvSpPr>
+          <p:spPr>
+            <a:xfrm rot="20512330">
+              <a:off x="7259894" y="2493692"/>
+              <a:ext cx="821115" cy="902894"/>
+            </a:xfrm>
+            <a:prstGeom prst="arc">
+              <a:avLst>
+                <a:gd name="adj1" fmla="val 13243218"/>
+                <a:gd name="adj2" fmla="val 19291918"/>
+              </a:avLst>
+            </a:prstGeom>
+            <a:noFill/>
+            <a:ln w="63500">
+              <a:solidFill>
+                <a:srgbClr val="00B050"/>
+              </a:solidFill>
+            </a:ln>
+          </p:spPr>
+          <p:style>
+            <a:lnRef idx="2">
+              <a:schemeClr val="accent1">
+                <a:shade val="50000"/>
+              </a:schemeClr>
+            </a:lnRef>
+            <a:fillRef idx="1">
+              <a:schemeClr val="accent1"/>
+            </a:fillRef>
+            <a:effectRef idx="0">
+              <a:schemeClr val="accent1"/>
+            </a:effectRef>
+            <a:fontRef idx="minor">
+              <a:schemeClr val="lt1"/>
+            </a:fontRef>
+          </p:style>
+          <p:txBody>
+            <a:bodyPr rtlCol="0" anchor="ctr"/>
+            <a:lstStyle/>
+            <a:p>
+              <a:pPr algn="ctr"/>
+              <a:endParaRPr lang="de-DE"/>
+            </a:p>
+          </p:txBody>
+        </p:sp>
+        <p:sp>
+          <p:nvSpPr>
+            <p:cNvPr id="14" name="Bogen 13"/>
+            <p:cNvSpPr/>
+            <p:nvPr/>
+          </p:nvSpPr>
+          <p:spPr>
+            <a:xfrm rot="5400000">
+              <a:off x="2845898" y="3055907"/>
+              <a:ext cx="821115" cy="902894"/>
+            </a:xfrm>
+            <a:prstGeom prst="arc">
+              <a:avLst>
+                <a:gd name="adj1" fmla="val 13243218"/>
+                <a:gd name="adj2" fmla="val 19291918"/>
+              </a:avLst>
+            </a:prstGeom>
+            <a:noFill/>
+            <a:ln w="63500">
+              <a:solidFill>
+                <a:srgbClr val="00B050"/>
+              </a:solidFill>
+            </a:ln>
+          </p:spPr>
+          <p:style>
+            <a:lnRef idx="2">
+              <a:schemeClr val="accent1">
+                <a:shade val="50000"/>
+              </a:schemeClr>
+            </a:lnRef>
+            <a:fillRef idx="1">
+              <a:schemeClr val="accent1"/>
+            </a:fillRef>
+            <a:effectRef idx="0">
+              <a:schemeClr val="accent1"/>
+            </a:effectRef>
+            <a:fontRef idx="minor">
+              <a:schemeClr val="lt1"/>
+            </a:fontRef>
+          </p:style>
+          <p:txBody>
+            <a:bodyPr rtlCol="0" anchor="ctr"/>
+            <a:lstStyle/>
+            <a:p>
+              <a:pPr algn="ctr"/>
+              <a:endParaRPr lang="de-DE"/>
+            </a:p>
+          </p:txBody>
+        </p:sp>
+        <p:sp>
+          <p:nvSpPr>
+            <p:cNvPr id="15" name="Bogen 14"/>
+            <p:cNvSpPr/>
+            <p:nvPr/>
+          </p:nvSpPr>
+          <p:spPr>
+            <a:xfrm rot="16200000">
+              <a:off x="3172729" y="3071051"/>
+              <a:ext cx="821115" cy="902894"/>
+            </a:xfrm>
+            <a:prstGeom prst="arc">
+              <a:avLst>
+                <a:gd name="adj1" fmla="val 13243218"/>
+                <a:gd name="adj2" fmla="val 19291918"/>
+              </a:avLst>
+            </a:prstGeom>
+            <a:noFill/>
+            <a:ln w="63500">
+              <a:solidFill>
+                <a:srgbClr val="00B050"/>
+              </a:solidFill>
+            </a:ln>
+          </p:spPr>
+          <p:style>
+            <a:lnRef idx="2">
+              <a:schemeClr val="accent1">
+                <a:shade val="50000"/>
+              </a:schemeClr>
+            </a:lnRef>
+            <a:fillRef idx="1">
+              <a:schemeClr val="accent1"/>
+            </a:fillRef>
+            <a:effectRef idx="0">
+              <a:schemeClr val="accent1"/>
+            </a:effectRef>
+            <a:fontRef idx="minor">
+              <a:schemeClr val="lt1"/>
+            </a:fontRef>
+          </p:style>
+          <p:txBody>
+            <a:bodyPr rtlCol="0" anchor="ctr"/>
+            <a:lstStyle/>
+            <a:p>
+              <a:pPr algn="ctr"/>
+              <a:endParaRPr lang="de-DE"/>
+            </a:p>
+          </p:txBody>
+        </p:sp>
+        <p:sp>
+          <p:nvSpPr>
+            <p:cNvPr id="16" name="Bogen 15"/>
+            <p:cNvSpPr/>
+            <p:nvPr/>
+          </p:nvSpPr>
+          <p:spPr>
+            <a:xfrm rot="5400000">
+              <a:off x="423856" y="3043723"/>
+              <a:ext cx="821115" cy="902894"/>
+            </a:xfrm>
+            <a:prstGeom prst="arc">
+              <a:avLst>
+                <a:gd name="adj1" fmla="val 13243218"/>
+                <a:gd name="adj2" fmla="val 19291918"/>
+              </a:avLst>
+            </a:prstGeom>
+            <a:noFill/>
+            <a:ln w="63500">
+              <a:solidFill>
+                <a:srgbClr val="00B050"/>
+              </a:solidFill>
+            </a:ln>
+          </p:spPr>
+          <p:style>
+            <a:lnRef idx="2">
+              <a:schemeClr val="accent1">
+                <a:shade val="50000"/>
+              </a:schemeClr>
+            </a:lnRef>
+            <a:fillRef idx="1">
+              <a:schemeClr val="accent1"/>
+            </a:fillRef>
+            <a:effectRef idx="0">
+              <a:schemeClr val="accent1"/>
+            </a:effectRef>
+            <a:fontRef idx="minor">
+              <a:schemeClr val="lt1"/>
+            </a:fontRef>
+          </p:style>
+          <p:txBody>
+            <a:bodyPr rtlCol="0" anchor="ctr"/>
+            <a:lstStyle/>
+            <a:p>
+              <a:pPr algn="ctr"/>
+              <a:endParaRPr lang="de-DE"/>
+            </a:p>
+          </p:txBody>
+        </p:sp>
+        <p:sp>
+          <p:nvSpPr>
+            <p:cNvPr id="17" name="Bogen 16"/>
+            <p:cNvSpPr/>
+            <p:nvPr/>
+          </p:nvSpPr>
+          <p:spPr>
+            <a:xfrm rot="12397112">
+              <a:off x="7298565" y="3081240"/>
+              <a:ext cx="821115" cy="902894"/>
+            </a:xfrm>
+            <a:prstGeom prst="arc">
+              <a:avLst>
+                <a:gd name="adj1" fmla="val 13243218"/>
+                <a:gd name="adj2" fmla="val 19291918"/>
+              </a:avLst>
+            </a:prstGeom>
+            <a:noFill/>
+            <a:ln w="63500">
+              <a:solidFill>
+                <a:srgbClr val="00B050"/>
+              </a:solidFill>
+            </a:ln>
+          </p:spPr>
+          <p:style>
+            <a:lnRef idx="2">
+              <a:schemeClr val="accent1">
+                <a:shade val="50000"/>
+              </a:schemeClr>
+            </a:lnRef>
+            <a:fillRef idx="1">
+              <a:schemeClr val="accent1"/>
+            </a:fillRef>
+            <a:effectRef idx="0">
+              <a:schemeClr val="accent1"/>
+            </a:effectRef>
+            <a:fontRef idx="minor">
+              <a:schemeClr val="lt1"/>
+            </a:fontRef>
+          </p:style>
+          <p:txBody>
+            <a:bodyPr rtlCol="0" anchor="ctr"/>
+            <a:lstStyle/>
+            <a:p>
+              <a:pPr algn="ctr"/>
+              <a:endParaRPr lang="de-DE"/>
+            </a:p>
+          </p:txBody>
+        </p:sp>
+        <p:sp>
+          <p:nvSpPr>
+            <p:cNvPr id="18" name="Freihandform 17"/>
+            <p:cNvSpPr/>
+            <p:nvPr/>
+          </p:nvSpPr>
+          <p:spPr>
+            <a:xfrm>
+              <a:off x="654541" y="3215796"/>
+              <a:ext cx="179873" cy="570424"/>
+            </a:xfrm>
+            <a:custGeom>
+              <a:avLst/>
+              <a:gdLst>
+                <a:gd name="connsiteX0" fmla="*/ 1480457 w 1480457"/>
+                <a:gd name="connsiteY0" fmla="*/ 0 h 914400"/>
+                <a:gd name="connsiteX1" fmla="*/ 0 w 1480457"/>
+                <a:gd name="connsiteY1" fmla="*/ 0 h 914400"/>
+                <a:gd name="connsiteX2" fmla="*/ 0 w 1480457"/>
+                <a:gd name="connsiteY2" fmla="*/ 914400 h 914400"/>
+                <a:gd name="connsiteX3" fmla="*/ 1465943 w 1480457"/>
+                <a:gd name="connsiteY3" fmla="*/ 914400 h 914400"/>
+              </a:gdLst>
+              <a:ahLst/>
+              <a:cxnLst>
+                <a:cxn ang="0">
+                  <a:pos x="connsiteX0" y="connsiteY0"/>
+                </a:cxn>
+                <a:cxn ang="0">
+                  <a:pos x="connsiteX1" y="connsiteY1"/>
+                </a:cxn>
+                <a:cxn ang="0">
+                  <a:pos x="connsiteX2" y="connsiteY2"/>
+                </a:cxn>
+                <a:cxn ang="0">
+                  <a:pos x="connsiteX3" y="connsiteY3"/>
+                </a:cxn>
+              </a:cxnLst>
+              <a:rect l="l" t="t" r="r" b="b"/>
+              <a:pathLst>
+                <a:path w="1480457" h="914400">
+                  <a:moveTo>
+                    <a:pt x="1480457" y="0"/>
+                  </a:moveTo>
+                  <a:lnTo>
+                    <a:pt x="0" y="0"/>
+                  </a:lnTo>
+                  <a:lnTo>
+                    <a:pt x="0" y="914400"/>
+                  </a:lnTo>
+                  <a:lnTo>
+                    <a:pt x="1465943" y="914400"/>
+                  </a:lnTo>
+                </a:path>
+              </a:pathLst>
+            </a:custGeom>
+            <a:noFill/>
+            <a:ln w="63500">
+              <a:solidFill>
+                <a:srgbClr val="00B050"/>
+              </a:solidFill>
+            </a:ln>
+          </p:spPr>
+          <p:style>
+            <a:lnRef idx="2">
+              <a:schemeClr val="accent1">
+                <a:shade val="50000"/>
+              </a:schemeClr>
+            </a:lnRef>
+            <a:fillRef idx="1">
+              <a:schemeClr val="accent1"/>
+            </a:fillRef>
+            <a:effectRef idx="0">
+              <a:schemeClr val="accent1"/>
+            </a:effectRef>
+            <a:fontRef idx="minor">
+              <a:schemeClr val="lt1"/>
+            </a:fontRef>
+          </p:style>
+          <p:txBody>
+            <a:bodyPr rtlCol="0" anchor="ctr"/>
+            <a:lstStyle/>
+            <a:p>
+              <a:pPr algn="ctr"/>
+              <a:endParaRPr lang="de-DE"/>
+            </a:p>
+          </p:txBody>
+        </p:sp>
+        <p:sp>
+          <p:nvSpPr>
+            <p:cNvPr id="19" name="Freihandform 18"/>
+            <p:cNvSpPr/>
+            <p:nvPr/>
+          </p:nvSpPr>
+          <p:spPr>
+            <a:xfrm>
+              <a:off x="7495416" y="2507275"/>
+              <a:ext cx="209876" cy="1432151"/>
+            </a:xfrm>
+            <a:custGeom>
+              <a:avLst/>
+              <a:gdLst>
+                <a:gd name="connsiteX0" fmla="*/ 43542 w 219120"/>
+                <a:gd name="connsiteY0" fmla="*/ 0 h 1436914"/>
+                <a:gd name="connsiteX1" fmla="*/ 174171 w 219120"/>
+                <a:gd name="connsiteY1" fmla="*/ 348343 h 1436914"/>
+                <a:gd name="connsiteX2" fmla="*/ 217714 w 219120"/>
+                <a:gd name="connsiteY2" fmla="*/ 711200 h 1436914"/>
+                <a:gd name="connsiteX3" fmla="*/ 130628 w 219120"/>
+                <a:gd name="connsiteY3" fmla="*/ 1103086 h 1436914"/>
+                <a:gd name="connsiteX4" fmla="*/ 58057 w 219120"/>
+                <a:gd name="connsiteY4" fmla="*/ 1335314 h 1436914"/>
+                <a:gd name="connsiteX5" fmla="*/ 0 w 219120"/>
+                <a:gd name="connsiteY5" fmla="*/ 1436914 h 1436914"/>
+                <a:gd name="connsiteX0" fmla="*/ 55448 w 231026"/>
+                <a:gd name="connsiteY0" fmla="*/ 0 h 1434533"/>
+                <a:gd name="connsiteX1" fmla="*/ 186077 w 231026"/>
+                <a:gd name="connsiteY1" fmla="*/ 348343 h 1434533"/>
+                <a:gd name="connsiteX2" fmla="*/ 229620 w 231026"/>
+                <a:gd name="connsiteY2" fmla="*/ 711200 h 1434533"/>
+                <a:gd name="connsiteX3" fmla="*/ 142534 w 231026"/>
+                <a:gd name="connsiteY3" fmla="*/ 1103086 h 1434533"/>
+                <a:gd name="connsiteX4" fmla="*/ 69963 w 231026"/>
+                <a:gd name="connsiteY4" fmla="*/ 1335314 h 1434533"/>
+                <a:gd name="connsiteX5" fmla="*/ 0 w 231026"/>
+                <a:gd name="connsiteY5" fmla="*/ 1434533 h 1434533"/>
+                <a:gd name="connsiteX0" fmla="*/ 55448 w 231026"/>
+                <a:gd name="connsiteY0" fmla="*/ 0 h 1434533"/>
+                <a:gd name="connsiteX1" fmla="*/ 186077 w 231026"/>
+                <a:gd name="connsiteY1" fmla="*/ 348343 h 1434533"/>
+                <a:gd name="connsiteX2" fmla="*/ 229620 w 231026"/>
+                <a:gd name="connsiteY2" fmla="*/ 711200 h 1434533"/>
+                <a:gd name="connsiteX3" fmla="*/ 142534 w 231026"/>
+                <a:gd name="connsiteY3" fmla="*/ 1103086 h 1434533"/>
+                <a:gd name="connsiteX4" fmla="*/ 60438 w 231026"/>
+                <a:gd name="connsiteY4" fmla="*/ 1332933 h 1434533"/>
+                <a:gd name="connsiteX5" fmla="*/ 0 w 231026"/>
+                <a:gd name="connsiteY5" fmla="*/ 1434533 h 1434533"/>
+                <a:gd name="connsiteX0" fmla="*/ 55448 w 231026"/>
+                <a:gd name="connsiteY0" fmla="*/ 0 h 1434533"/>
+                <a:gd name="connsiteX1" fmla="*/ 186077 w 231026"/>
+                <a:gd name="connsiteY1" fmla="*/ 348343 h 1434533"/>
+                <a:gd name="connsiteX2" fmla="*/ 229620 w 231026"/>
+                <a:gd name="connsiteY2" fmla="*/ 711200 h 1434533"/>
+                <a:gd name="connsiteX3" fmla="*/ 142534 w 231026"/>
+                <a:gd name="connsiteY3" fmla="*/ 1103086 h 1434533"/>
+                <a:gd name="connsiteX4" fmla="*/ 50913 w 231026"/>
+                <a:gd name="connsiteY4" fmla="*/ 1330552 h 1434533"/>
+                <a:gd name="connsiteX5" fmla="*/ 0 w 231026"/>
+                <a:gd name="connsiteY5" fmla="*/ 1434533 h 1434533"/>
+                <a:gd name="connsiteX0" fmla="*/ 55448 w 231026"/>
+                <a:gd name="connsiteY0" fmla="*/ 0 h 1434533"/>
+                <a:gd name="connsiteX1" fmla="*/ 186077 w 231026"/>
+                <a:gd name="connsiteY1" fmla="*/ 348343 h 1434533"/>
+                <a:gd name="connsiteX2" fmla="*/ 229620 w 231026"/>
+                <a:gd name="connsiteY2" fmla="*/ 711200 h 1434533"/>
+                <a:gd name="connsiteX3" fmla="*/ 142534 w 231026"/>
+                <a:gd name="connsiteY3" fmla="*/ 1103086 h 1434533"/>
+                <a:gd name="connsiteX4" fmla="*/ 50913 w 231026"/>
+                <a:gd name="connsiteY4" fmla="*/ 1330552 h 1434533"/>
+                <a:gd name="connsiteX5" fmla="*/ 0 w 231026"/>
+                <a:gd name="connsiteY5" fmla="*/ 1434533 h 1434533"/>
+                <a:gd name="connsiteX0" fmla="*/ 55448 w 231026"/>
+                <a:gd name="connsiteY0" fmla="*/ 0 h 1434533"/>
+                <a:gd name="connsiteX1" fmla="*/ 186077 w 231026"/>
+                <a:gd name="connsiteY1" fmla="*/ 348343 h 1434533"/>
+                <a:gd name="connsiteX2" fmla="*/ 229620 w 231026"/>
+                <a:gd name="connsiteY2" fmla="*/ 711200 h 1434533"/>
+                <a:gd name="connsiteX3" fmla="*/ 142534 w 231026"/>
+                <a:gd name="connsiteY3" fmla="*/ 1103086 h 1434533"/>
+                <a:gd name="connsiteX4" fmla="*/ 50913 w 231026"/>
+                <a:gd name="connsiteY4" fmla="*/ 1330552 h 1434533"/>
+                <a:gd name="connsiteX5" fmla="*/ 0 w 231026"/>
+                <a:gd name="connsiteY5" fmla="*/ 1434533 h 1434533"/>
+                <a:gd name="connsiteX0" fmla="*/ 55448 w 231026"/>
+                <a:gd name="connsiteY0" fmla="*/ 0 h 1434533"/>
+                <a:gd name="connsiteX1" fmla="*/ 186077 w 231026"/>
+                <a:gd name="connsiteY1" fmla="*/ 348343 h 1434533"/>
+                <a:gd name="connsiteX2" fmla="*/ 229620 w 231026"/>
+                <a:gd name="connsiteY2" fmla="*/ 711200 h 1434533"/>
+                <a:gd name="connsiteX3" fmla="*/ 142534 w 231026"/>
+                <a:gd name="connsiteY3" fmla="*/ 1103086 h 1434533"/>
+                <a:gd name="connsiteX4" fmla="*/ 50913 w 231026"/>
+                <a:gd name="connsiteY4" fmla="*/ 1330552 h 1434533"/>
+                <a:gd name="connsiteX5" fmla="*/ 0 w 231026"/>
+                <a:gd name="connsiteY5" fmla="*/ 1434533 h 1434533"/>
+                <a:gd name="connsiteX0" fmla="*/ 55448 w 231026"/>
+                <a:gd name="connsiteY0" fmla="*/ 0 h 1434533"/>
+                <a:gd name="connsiteX1" fmla="*/ 186077 w 231026"/>
+                <a:gd name="connsiteY1" fmla="*/ 348343 h 1434533"/>
+                <a:gd name="connsiteX2" fmla="*/ 229620 w 231026"/>
+                <a:gd name="connsiteY2" fmla="*/ 711200 h 1434533"/>
+                <a:gd name="connsiteX3" fmla="*/ 142534 w 231026"/>
+                <a:gd name="connsiteY3" fmla="*/ 1103086 h 1434533"/>
+                <a:gd name="connsiteX4" fmla="*/ 58057 w 231026"/>
+                <a:gd name="connsiteY4" fmla="*/ 1330552 h 1434533"/>
+                <a:gd name="connsiteX5" fmla="*/ 0 w 231026"/>
+                <a:gd name="connsiteY5" fmla="*/ 1434533 h 1434533"/>
+                <a:gd name="connsiteX0" fmla="*/ 60211 w 235789"/>
+                <a:gd name="connsiteY0" fmla="*/ 0 h 1427389"/>
+                <a:gd name="connsiteX1" fmla="*/ 190840 w 235789"/>
+                <a:gd name="connsiteY1" fmla="*/ 348343 h 1427389"/>
+                <a:gd name="connsiteX2" fmla="*/ 234383 w 235789"/>
+                <a:gd name="connsiteY2" fmla="*/ 711200 h 1427389"/>
+                <a:gd name="connsiteX3" fmla="*/ 147297 w 235789"/>
+                <a:gd name="connsiteY3" fmla="*/ 1103086 h 1427389"/>
+                <a:gd name="connsiteX4" fmla="*/ 62820 w 235789"/>
+                <a:gd name="connsiteY4" fmla="*/ 1330552 h 1427389"/>
+                <a:gd name="connsiteX5" fmla="*/ 0 w 235789"/>
+                <a:gd name="connsiteY5" fmla="*/ 1427389 h 1427389"/>
+                <a:gd name="connsiteX0" fmla="*/ 55448 w 231026"/>
+                <a:gd name="connsiteY0" fmla="*/ 0 h 1432151"/>
+                <a:gd name="connsiteX1" fmla="*/ 186077 w 231026"/>
+                <a:gd name="connsiteY1" fmla="*/ 348343 h 1432151"/>
+                <a:gd name="connsiteX2" fmla="*/ 229620 w 231026"/>
+                <a:gd name="connsiteY2" fmla="*/ 711200 h 1432151"/>
+                <a:gd name="connsiteX3" fmla="*/ 142534 w 231026"/>
+                <a:gd name="connsiteY3" fmla="*/ 1103086 h 1432151"/>
+                <a:gd name="connsiteX4" fmla="*/ 58057 w 231026"/>
+                <a:gd name="connsiteY4" fmla="*/ 1330552 h 1432151"/>
+                <a:gd name="connsiteX5" fmla="*/ 0 w 231026"/>
+                <a:gd name="connsiteY5" fmla="*/ 1432151 h 1432151"/>
+                <a:gd name="connsiteX0" fmla="*/ 55448 w 231026"/>
+                <a:gd name="connsiteY0" fmla="*/ 0 h 1432151"/>
+                <a:gd name="connsiteX1" fmla="*/ 186077 w 231026"/>
+                <a:gd name="connsiteY1" fmla="*/ 348343 h 1432151"/>
+                <a:gd name="connsiteX2" fmla="*/ 229620 w 231026"/>
+                <a:gd name="connsiteY2" fmla="*/ 711200 h 1432151"/>
+                <a:gd name="connsiteX3" fmla="*/ 142534 w 231026"/>
+                <a:gd name="connsiteY3" fmla="*/ 1103086 h 1432151"/>
+                <a:gd name="connsiteX4" fmla="*/ 58057 w 231026"/>
+                <a:gd name="connsiteY4" fmla="*/ 1330552 h 1432151"/>
+                <a:gd name="connsiteX5" fmla="*/ 0 w 231026"/>
+                <a:gd name="connsiteY5" fmla="*/ 1432151 h 1432151"/>
+                <a:gd name="connsiteX0" fmla="*/ 55448 w 231026"/>
+                <a:gd name="connsiteY0" fmla="*/ 0 h 1432151"/>
+                <a:gd name="connsiteX1" fmla="*/ 186077 w 231026"/>
+                <a:gd name="connsiteY1" fmla="*/ 348343 h 1432151"/>
+                <a:gd name="connsiteX2" fmla="*/ 229620 w 231026"/>
+                <a:gd name="connsiteY2" fmla="*/ 711200 h 1432151"/>
+                <a:gd name="connsiteX3" fmla="*/ 142534 w 231026"/>
+                <a:gd name="connsiteY3" fmla="*/ 1103086 h 1432151"/>
+                <a:gd name="connsiteX4" fmla="*/ 58057 w 231026"/>
+                <a:gd name="connsiteY4" fmla="*/ 1330552 h 1432151"/>
+                <a:gd name="connsiteX5" fmla="*/ 0 w 231026"/>
+                <a:gd name="connsiteY5" fmla="*/ 1432151 h 1432151"/>
+                <a:gd name="connsiteX0" fmla="*/ 55448 w 230576"/>
+                <a:gd name="connsiteY0" fmla="*/ 0 h 1432151"/>
+                <a:gd name="connsiteX1" fmla="*/ 186077 w 230576"/>
+                <a:gd name="connsiteY1" fmla="*/ 348343 h 1432151"/>
+                <a:gd name="connsiteX2" fmla="*/ 229620 w 230576"/>
+                <a:gd name="connsiteY2" fmla="*/ 711200 h 1432151"/>
+                <a:gd name="connsiteX3" fmla="*/ 152059 w 230576"/>
+                <a:gd name="connsiteY3" fmla="*/ 1103086 h 1432151"/>
+                <a:gd name="connsiteX4" fmla="*/ 58057 w 230576"/>
+                <a:gd name="connsiteY4" fmla="*/ 1330552 h 1432151"/>
+                <a:gd name="connsiteX5" fmla="*/ 0 w 230576"/>
+                <a:gd name="connsiteY5" fmla="*/ 1432151 h 1432151"/>
+                <a:gd name="connsiteX0" fmla="*/ 55448 w 230909"/>
+                <a:gd name="connsiteY0" fmla="*/ 0 h 1432151"/>
+                <a:gd name="connsiteX1" fmla="*/ 186077 w 230909"/>
+                <a:gd name="connsiteY1" fmla="*/ 348343 h 1432151"/>
+                <a:gd name="connsiteX2" fmla="*/ 229620 w 230909"/>
+                <a:gd name="connsiteY2" fmla="*/ 711200 h 1432151"/>
+                <a:gd name="connsiteX3" fmla="*/ 144915 w 230909"/>
+                <a:gd name="connsiteY3" fmla="*/ 1103086 h 1432151"/>
+                <a:gd name="connsiteX4" fmla="*/ 58057 w 230909"/>
+                <a:gd name="connsiteY4" fmla="*/ 1330552 h 1432151"/>
+                <a:gd name="connsiteX5" fmla="*/ 0 w 230909"/>
+                <a:gd name="connsiteY5" fmla="*/ 1432151 h 1432151"/>
+                <a:gd name="connsiteX0" fmla="*/ 55448 w 230909"/>
+                <a:gd name="connsiteY0" fmla="*/ 0 h 1432151"/>
+                <a:gd name="connsiteX1" fmla="*/ 186077 w 230909"/>
+                <a:gd name="connsiteY1" fmla="*/ 348343 h 1432151"/>
+                <a:gd name="connsiteX2" fmla="*/ 229620 w 230909"/>
+                <a:gd name="connsiteY2" fmla="*/ 711200 h 1432151"/>
+                <a:gd name="connsiteX3" fmla="*/ 144915 w 230909"/>
+                <a:gd name="connsiteY3" fmla="*/ 1103086 h 1432151"/>
+                <a:gd name="connsiteX4" fmla="*/ 58057 w 230909"/>
+                <a:gd name="connsiteY4" fmla="*/ 1330552 h 1432151"/>
+                <a:gd name="connsiteX5" fmla="*/ 0 w 230909"/>
+                <a:gd name="connsiteY5" fmla="*/ 1432151 h 1432151"/>
+                <a:gd name="connsiteX0" fmla="*/ 55448 w 230909"/>
+                <a:gd name="connsiteY0" fmla="*/ 0 h 1432151"/>
+                <a:gd name="connsiteX1" fmla="*/ 186077 w 230909"/>
+                <a:gd name="connsiteY1" fmla="*/ 348343 h 1432151"/>
+                <a:gd name="connsiteX2" fmla="*/ 229620 w 230909"/>
+                <a:gd name="connsiteY2" fmla="*/ 711200 h 1432151"/>
+                <a:gd name="connsiteX3" fmla="*/ 144915 w 230909"/>
+                <a:gd name="connsiteY3" fmla="*/ 1103086 h 1432151"/>
+                <a:gd name="connsiteX4" fmla="*/ 58057 w 230909"/>
+                <a:gd name="connsiteY4" fmla="*/ 1330552 h 1432151"/>
+                <a:gd name="connsiteX5" fmla="*/ 0 w 230909"/>
+                <a:gd name="connsiteY5" fmla="*/ 1432151 h 1432151"/>
+                <a:gd name="connsiteX0" fmla="*/ 55448 w 219659"/>
+                <a:gd name="connsiteY0" fmla="*/ 0 h 1432151"/>
+                <a:gd name="connsiteX1" fmla="*/ 186077 w 219659"/>
+                <a:gd name="connsiteY1" fmla="*/ 348343 h 1432151"/>
+                <a:gd name="connsiteX2" fmla="*/ 217714 w 219659"/>
+                <a:gd name="connsiteY2" fmla="*/ 706438 h 1432151"/>
+                <a:gd name="connsiteX3" fmla="*/ 144915 w 219659"/>
+                <a:gd name="connsiteY3" fmla="*/ 1103086 h 1432151"/>
+                <a:gd name="connsiteX4" fmla="*/ 58057 w 219659"/>
+                <a:gd name="connsiteY4" fmla="*/ 1330552 h 1432151"/>
+                <a:gd name="connsiteX5" fmla="*/ 0 w 219659"/>
+                <a:gd name="connsiteY5" fmla="*/ 1432151 h 1432151"/>
+                <a:gd name="connsiteX0" fmla="*/ 55448 w 217715"/>
+                <a:gd name="connsiteY0" fmla="*/ 0 h 1432151"/>
+                <a:gd name="connsiteX1" fmla="*/ 186077 w 217715"/>
+                <a:gd name="connsiteY1" fmla="*/ 348343 h 1432151"/>
+                <a:gd name="connsiteX2" fmla="*/ 217714 w 217715"/>
+                <a:gd name="connsiteY2" fmla="*/ 706438 h 1432151"/>
+                <a:gd name="connsiteX3" fmla="*/ 144915 w 217715"/>
+                <a:gd name="connsiteY3" fmla="*/ 1103086 h 1432151"/>
+                <a:gd name="connsiteX4" fmla="*/ 58057 w 217715"/>
+                <a:gd name="connsiteY4" fmla="*/ 1330552 h 1432151"/>
+                <a:gd name="connsiteX5" fmla="*/ 0 w 217715"/>
+                <a:gd name="connsiteY5" fmla="*/ 1432151 h 1432151"/>
+                <a:gd name="connsiteX0" fmla="*/ 55448 w 217931"/>
+                <a:gd name="connsiteY0" fmla="*/ 0 h 1432151"/>
+                <a:gd name="connsiteX1" fmla="*/ 186077 w 217931"/>
+                <a:gd name="connsiteY1" fmla="*/ 348343 h 1432151"/>
+                <a:gd name="connsiteX2" fmla="*/ 217714 w 217931"/>
+                <a:gd name="connsiteY2" fmla="*/ 706438 h 1432151"/>
+                <a:gd name="connsiteX3" fmla="*/ 197190 w 217931"/>
+                <a:gd name="connsiteY3" fmla="*/ 894671 h 1432151"/>
+                <a:gd name="connsiteX4" fmla="*/ 144915 w 217931"/>
+                <a:gd name="connsiteY4" fmla="*/ 1103086 h 1432151"/>
+                <a:gd name="connsiteX5" fmla="*/ 58057 w 217931"/>
+                <a:gd name="connsiteY5" fmla="*/ 1330552 h 1432151"/>
+                <a:gd name="connsiteX6" fmla="*/ 0 w 217931"/>
+                <a:gd name="connsiteY6" fmla="*/ 1432151 h 1432151"/>
+                <a:gd name="connsiteX0" fmla="*/ 55448 w 217931"/>
+                <a:gd name="connsiteY0" fmla="*/ 0 h 1432151"/>
+                <a:gd name="connsiteX1" fmla="*/ 186077 w 217931"/>
+                <a:gd name="connsiteY1" fmla="*/ 348343 h 1432151"/>
+                <a:gd name="connsiteX2" fmla="*/ 217714 w 217931"/>
+                <a:gd name="connsiteY2" fmla="*/ 706438 h 1432151"/>
+                <a:gd name="connsiteX3" fmla="*/ 197190 w 217931"/>
+                <a:gd name="connsiteY3" fmla="*/ 894671 h 1432151"/>
+                <a:gd name="connsiteX4" fmla="*/ 144915 w 217931"/>
+                <a:gd name="connsiteY4" fmla="*/ 1103086 h 1432151"/>
+                <a:gd name="connsiteX5" fmla="*/ 99558 w 217931"/>
+                <a:gd name="connsiteY5" fmla="*/ 1225664 h 1432151"/>
+                <a:gd name="connsiteX6" fmla="*/ 58057 w 217931"/>
+                <a:gd name="connsiteY6" fmla="*/ 1330552 h 1432151"/>
+                <a:gd name="connsiteX7" fmla="*/ 0 w 217931"/>
+                <a:gd name="connsiteY7" fmla="*/ 1432151 h 1432151"/>
+                <a:gd name="connsiteX0" fmla="*/ 55448 w 217931"/>
+                <a:gd name="connsiteY0" fmla="*/ 0 h 1432151"/>
+                <a:gd name="connsiteX1" fmla="*/ 186077 w 217931"/>
+                <a:gd name="connsiteY1" fmla="*/ 348343 h 1432151"/>
+                <a:gd name="connsiteX2" fmla="*/ 217714 w 217931"/>
+                <a:gd name="connsiteY2" fmla="*/ 706438 h 1432151"/>
+                <a:gd name="connsiteX3" fmla="*/ 197190 w 217931"/>
+                <a:gd name="connsiteY3" fmla="*/ 894671 h 1432151"/>
+                <a:gd name="connsiteX4" fmla="*/ 144915 w 217931"/>
+                <a:gd name="connsiteY4" fmla="*/ 1103086 h 1432151"/>
+                <a:gd name="connsiteX5" fmla="*/ 106702 w 217931"/>
+                <a:gd name="connsiteY5" fmla="*/ 1225664 h 1432151"/>
+                <a:gd name="connsiteX6" fmla="*/ 58057 w 217931"/>
+                <a:gd name="connsiteY6" fmla="*/ 1330552 h 1432151"/>
+                <a:gd name="connsiteX7" fmla="*/ 0 w 217931"/>
+                <a:gd name="connsiteY7" fmla="*/ 1432151 h 1432151"/>
+                <a:gd name="connsiteX0" fmla="*/ 55448 w 217931"/>
+                <a:gd name="connsiteY0" fmla="*/ 0 h 1432151"/>
+                <a:gd name="connsiteX1" fmla="*/ 186077 w 217931"/>
+                <a:gd name="connsiteY1" fmla="*/ 348343 h 1432151"/>
+                <a:gd name="connsiteX2" fmla="*/ 217714 w 217931"/>
+                <a:gd name="connsiteY2" fmla="*/ 706438 h 1432151"/>
+                <a:gd name="connsiteX3" fmla="*/ 197190 w 217931"/>
+                <a:gd name="connsiteY3" fmla="*/ 894671 h 1432151"/>
+                <a:gd name="connsiteX4" fmla="*/ 144915 w 217931"/>
+                <a:gd name="connsiteY4" fmla="*/ 1103086 h 1432151"/>
+                <a:gd name="connsiteX5" fmla="*/ 106702 w 217931"/>
+                <a:gd name="connsiteY5" fmla="*/ 1225664 h 1432151"/>
+                <a:gd name="connsiteX6" fmla="*/ 53295 w 217931"/>
+                <a:gd name="connsiteY6" fmla="*/ 1325790 h 1432151"/>
+                <a:gd name="connsiteX7" fmla="*/ 0 w 217931"/>
+                <a:gd name="connsiteY7" fmla="*/ 1432151 h 1432151"/>
+                <a:gd name="connsiteX0" fmla="*/ 55448 w 217931"/>
+                <a:gd name="connsiteY0" fmla="*/ 0 h 1432151"/>
+                <a:gd name="connsiteX1" fmla="*/ 186077 w 217931"/>
+                <a:gd name="connsiteY1" fmla="*/ 348343 h 1432151"/>
+                <a:gd name="connsiteX2" fmla="*/ 217714 w 217931"/>
+                <a:gd name="connsiteY2" fmla="*/ 706438 h 1432151"/>
+                <a:gd name="connsiteX3" fmla="*/ 197190 w 217931"/>
+                <a:gd name="connsiteY3" fmla="*/ 894671 h 1432151"/>
+                <a:gd name="connsiteX4" fmla="*/ 144915 w 217931"/>
+                <a:gd name="connsiteY4" fmla="*/ 1103086 h 1432151"/>
+                <a:gd name="connsiteX5" fmla="*/ 106702 w 217931"/>
+                <a:gd name="connsiteY5" fmla="*/ 1225664 h 1432151"/>
+                <a:gd name="connsiteX6" fmla="*/ 60438 w 217931"/>
+                <a:gd name="connsiteY6" fmla="*/ 1328171 h 1432151"/>
+                <a:gd name="connsiteX7" fmla="*/ 0 w 217931"/>
+                <a:gd name="connsiteY7" fmla="*/ 1432151 h 1432151"/>
+                <a:gd name="connsiteX0" fmla="*/ 55448 w 217931"/>
+                <a:gd name="connsiteY0" fmla="*/ 0 h 1432151"/>
+                <a:gd name="connsiteX1" fmla="*/ 186077 w 217931"/>
+                <a:gd name="connsiteY1" fmla="*/ 348343 h 1432151"/>
+                <a:gd name="connsiteX2" fmla="*/ 217714 w 217931"/>
+                <a:gd name="connsiteY2" fmla="*/ 706438 h 1432151"/>
+                <a:gd name="connsiteX3" fmla="*/ 197190 w 217931"/>
+                <a:gd name="connsiteY3" fmla="*/ 894671 h 1432151"/>
+                <a:gd name="connsiteX4" fmla="*/ 144915 w 217931"/>
+                <a:gd name="connsiteY4" fmla="*/ 1103086 h 1432151"/>
+                <a:gd name="connsiteX5" fmla="*/ 106702 w 217931"/>
+                <a:gd name="connsiteY5" fmla="*/ 1225664 h 1432151"/>
+                <a:gd name="connsiteX6" fmla="*/ 60438 w 217931"/>
+                <a:gd name="connsiteY6" fmla="*/ 1328171 h 1432151"/>
+                <a:gd name="connsiteX7" fmla="*/ 0 w 217931"/>
+                <a:gd name="connsiteY7" fmla="*/ 1432151 h 1432151"/>
+                <a:gd name="connsiteX0" fmla="*/ 55448 w 217931"/>
+                <a:gd name="connsiteY0" fmla="*/ 0 h 1432151"/>
+                <a:gd name="connsiteX1" fmla="*/ 186077 w 217931"/>
+                <a:gd name="connsiteY1" fmla="*/ 348343 h 1432151"/>
+                <a:gd name="connsiteX2" fmla="*/ 217714 w 217931"/>
+                <a:gd name="connsiteY2" fmla="*/ 706438 h 1432151"/>
+                <a:gd name="connsiteX3" fmla="*/ 197190 w 217931"/>
+                <a:gd name="connsiteY3" fmla="*/ 894671 h 1432151"/>
+                <a:gd name="connsiteX4" fmla="*/ 144915 w 217931"/>
+                <a:gd name="connsiteY4" fmla="*/ 1103086 h 1432151"/>
+                <a:gd name="connsiteX5" fmla="*/ 106702 w 217931"/>
+                <a:gd name="connsiteY5" fmla="*/ 1225664 h 1432151"/>
+                <a:gd name="connsiteX6" fmla="*/ 60438 w 217931"/>
+                <a:gd name="connsiteY6" fmla="*/ 1328171 h 1432151"/>
+                <a:gd name="connsiteX7" fmla="*/ 0 w 217931"/>
+                <a:gd name="connsiteY7" fmla="*/ 1432151 h 1432151"/>
+                <a:gd name="connsiteX0" fmla="*/ 55448 w 208957"/>
+                <a:gd name="connsiteY0" fmla="*/ 0 h 1432151"/>
+                <a:gd name="connsiteX1" fmla="*/ 186077 w 208957"/>
+                <a:gd name="connsiteY1" fmla="*/ 348343 h 1432151"/>
+                <a:gd name="connsiteX2" fmla="*/ 208189 w 208957"/>
+                <a:gd name="connsiteY2" fmla="*/ 699294 h 1432151"/>
+                <a:gd name="connsiteX3" fmla="*/ 197190 w 208957"/>
+                <a:gd name="connsiteY3" fmla="*/ 894671 h 1432151"/>
+                <a:gd name="connsiteX4" fmla="*/ 144915 w 208957"/>
+                <a:gd name="connsiteY4" fmla="*/ 1103086 h 1432151"/>
+                <a:gd name="connsiteX5" fmla="*/ 106702 w 208957"/>
+                <a:gd name="connsiteY5" fmla="*/ 1225664 h 1432151"/>
+                <a:gd name="connsiteX6" fmla="*/ 60438 w 208957"/>
+                <a:gd name="connsiteY6" fmla="*/ 1328171 h 1432151"/>
+                <a:gd name="connsiteX7" fmla="*/ 0 w 208957"/>
+                <a:gd name="connsiteY7" fmla="*/ 1432151 h 1432151"/>
+                <a:gd name="connsiteX0" fmla="*/ 55448 w 210574"/>
+                <a:gd name="connsiteY0" fmla="*/ 0 h 1432151"/>
+                <a:gd name="connsiteX1" fmla="*/ 186077 w 210574"/>
+                <a:gd name="connsiteY1" fmla="*/ 348343 h 1432151"/>
+                <a:gd name="connsiteX2" fmla="*/ 208189 w 210574"/>
+                <a:gd name="connsiteY2" fmla="*/ 699294 h 1432151"/>
+                <a:gd name="connsiteX3" fmla="*/ 197190 w 210574"/>
+                <a:gd name="connsiteY3" fmla="*/ 894671 h 1432151"/>
+                <a:gd name="connsiteX4" fmla="*/ 144915 w 210574"/>
+                <a:gd name="connsiteY4" fmla="*/ 1103086 h 1432151"/>
+                <a:gd name="connsiteX5" fmla="*/ 106702 w 210574"/>
+                <a:gd name="connsiteY5" fmla="*/ 1225664 h 1432151"/>
+                <a:gd name="connsiteX6" fmla="*/ 60438 w 210574"/>
+                <a:gd name="connsiteY6" fmla="*/ 1328171 h 1432151"/>
+                <a:gd name="connsiteX7" fmla="*/ 0 w 210574"/>
+                <a:gd name="connsiteY7" fmla="*/ 1432151 h 1432151"/>
+                <a:gd name="connsiteX0" fmla="*/ 55448 w 208957"/>
+                <a:gd name="connsiteY0" fmla="*/ 0 h 1432151"/>
+                <a:gd name="connsiteX1" fmla="*/ 186077 w 208957"/>
+                <a:gd name="connsiteY1" fmla="*/ 348343 h 1432151"/>
+                <a:gd name="connsiteX2" fmla="*/ 208189 w 208957"/>
+                <a:gd name="connsiteY2" fmla="*/ 699294 h 1432151"/>
+                <a:gd name="connsiteX3" fmla="*/ 197190 w 208957"/>
+                <a:gd name="connsiteY3" fmla="*/ 894671 h 1432151"/>
+                <a:gd name="connsiteX4" fmla="*/ 144915 w 208957"/>
+                <a:gd name="connsiteY4" fmla="*/ 1103086 h 1432151"/>
+                <a:gd name="connsiteX5" fmla="*/ 106702 w 208957"/>
+                <a:gd name="connsiteY5" fmla="*/ 1225664 h 1432151"/>
+                <a:gd name="connsiteX6" fmla="*/ 60438 w 208957"/>
+                <a:gd name="connsiteY6" fmla="*/ 1328171 h 1432151"/>
+                <a:gd name="connsiteX7" fmla="*/ 0 w 208957"/>
+                <a:gd name="connsiteY7" fmla="*/ 1432151 h 1432151"/>
+                <a:gd name="connsiteX0" fmla="*/ 55448 w 209386"/>
+                <a:gd name="connsiteY0" fmla="*/ 0 h 1432151"/>
+                <a:gd name="connsiteX1" fmla="*/ 186077 w 209386"/>
+                <a:gd name="connsiteY1" fmla="*/ 348343 h 1432151"/>
+                <a:gd name="connsiteX2" fmla="*/ 208189 w 209386"/>
+                <a:gd name="connsiteY2" fmla="*/ 699294 h 1432151"/>
+                <a:gd name="connsiteX3" fmla="*/ 197190 w 209386"/>
+                <a:gd name="connsiteY3" fmla="*/ 894671 h 1432151"/>
+                <a:gd name="connsiteX4" fmla="*/ 144915 w 209386"/>
+                <a:gd name="connsiteY4" fmla="*/ 1103086 h 1432151"/>
+                <a:gd name="connsiteX5" fmla="*/ 106702 w 209386"/>
+                <a:gd name="connsiteY5" fmla="*/ 1225664 h 1432151"/>
+                <a:gd name="connsiteX6" fmla="*/ 60438 w 209386"/>
+                <a:gd name="connsiteY6" fmla="*/ 1328171 h 1432151"/>
+                <a:gd name="connsiteX7" fmla="*/ 0 w 209386"/>
+                <a:gd name="connsiteY7" fmla="*/ 1432151 h 1432151"/>
+                <a:gd name="connsiteX0" fmla="*/ 55448 w 209386"/>
+                <a:gd name="connsiteY0" fmla="*/ 0 h 1432151"/>
+                <a:gd name="connsiteX1" fmla="*/ 186077 w 209386"/>
+                <a:gd name="connsiteY1" fmla="*/ 348343 h 1432151"/>
+                <a:gd name="connsiteX2" fmla="*/ 208189 w 209386"/>
+                <a:gd name="connsiteY2" fmla="*/ 699294 h 1432151"/>
+                <a:gd name="connsiteX3" fmla="*/ 197190 w 209386"/>
+                <a:gd name="connsiteY3" fmla="*/ 894671 h 1432151"/>
+                <a:gd name="connsiteX4" fmla="*/ 144915 w 209386"/>
+                <a:gd name="connsiteY4" fmla="*/ 1103086 h 1432151"/>
+                <a:gd name="connsiteX5" fmla="*/ 106702 w 209386"/>
+                <a:gd name="connsiteY5" fmla="*/ 1225664 h 1432151"/>
+                <a:gd name="connsiteX6" fmla="*/ 60438 w 209386"/>
+                <a:gd name="connsiteY6" fmla="*/ 1328171 h 1432151"/>
+                <a:gd name="connsiteX7" fmla="*/ 0 w 209386"/>
+                <a:gd name="connsiteY7" fmla="*/ 1432151 h 1432151"/>
+                <a:gd name="connsiteX0" fmla="*/ 55448 w 209386"/>
+                <a:gd name="connsiteY0" fmla="*/ 0 h 1432151"/>
+                <a:gd name="connsiteX1" fmla="*/ 186077 w 209386"/>
+                <a:gd name="connsiteY1" fmla="*/ 348343 h 1432151"/>
+                <a:gd name="connsiteX2" fmla="*/ 208189 w 209386"/>
+                <a:gd name="connsiteY2" fmla="*/ 699294 h 1432151"/>
+                <a:gd name="connsiteX3" fmla="*/ 197190 w 209386"/>
+                <a:gd name="connsiteY3" fmla="*/ 894671 h 1432151"/>
+                <a:gd name="connsiteX4" fmla="*/ 144915 w 209386"/>
+                <a:gd name="connsiteY4" fmla="*/ 1103086 h 1432151"/>
+                <a:gd name="connsiteX5" fmla="*/ 106702 w 209386"/>
+                <a:gd name="connsiteY5" fmla="*/ 1225664 h 1432151"/>
+                <a:gd name="connsiteX6" fmla="*/ 60438 w 209386"/>
+                <a:gd name="connsiteY6" fmla="*/ 1328171 h 1432151"/>
+                <a:gd name="connsiteX7" fmla="*/ 0 w 209386"/>
+                <a:gd name="connsiteY7" fmla="*/ 1432151 h 1432151"/>
+                <a:gd name="connsiteX0" fmla="*/ 64973 w 209386"/>
+                <a:gd name="connsiteY0" fmla="*/ 0 h 1432151"/>
+                <a:gd name="connsiteX1" fmla="*/ 186077 w 209386"/>
+                <a:gd name="connsiteY1" fmla="*/ 348343 h 1432151"/>
+                <a:gd name="connsiteX2" fmla="*/ 208189 w 209386"/>
+                <a:gd name="connsiteY2" fmla="*/ 699294 h 1432151"/>
+                <a:gd name="connsiteX3" fmla="*/ 197190 w 209386"/>
+                <a:gd name="connsiteY3" fmla="*/ 894671 h 1432151"/>
+                <a:gd name="connsiteX4" fmla="*/ 144915 w 209386"/>
+                <a:gd name="connsiteY4" fmla="*/ 1103086 h 1432151"/>
+                <a:gd name="connsiteX5" fmla="*/ 106702 w 209386"/>
+                <a:gd name="connsiteY5" fmla="*/ 1225664 h 1432151"/>
+                <a:gd name="connsiteX6" fmla="*/ 60438 w 209386"/>
+                <a:gd name="connsiteY6" fmla="*/ 1328171 h 1432151"/>
+                <a:gd name="connsiteX7" fmla="*/ 0 w 209386"/>
+                <a:gd name="connsiteY7" fmla="*/ 1432151 h 1432151"/>
+                <a:gd name="connsiteX0" fmla="*/ 64973 w 209915"/>
+                <a:gd name="connsiteY0" fmla="*/ 0 h 1432151"/>
+                <a:gd name="connsiteX1" fmla="*/ 178934 w 209915"/>
+                <a:gd name="connsiteY1" fmla="*/ 348343 h 1432151"/>
+                <a:gd name="connsiteX2" fmla="*/ 208189 w 209915"/>
+                <a:gd name="connsiteY2" fmla="*/ 699294 h 1432151"/>
+                <a:gd name="connsiteX3" fmla="*/ 197190 w 209915"/>
+                <a:gd name="connsiteY3" fmla="*/ 894671 h 1432151"/>
+                <a:gd name="connsiteX4" fmla="*/ 144915 w 209915"/>
+                <a:gd name="connsiteY4" fmla="*/ 1103086 h 1432151"/>
+                <a:gd name="connsiteX5" fmla="*/ 106702 w 209915"/>
+                <a:gd name="connsiteY5" fmla="*/ 1225664 h 1432151"/>
+                <a:gd name="connsiteX6" fmla="*/ 60438 w 209915"/>
+                <a:gd name="connsiteY6" fmla="*/ 1328171 h 1432151"/>
+                <a:gd name="connsiteX7" fmla="*/ 0 w 209915"/>
+                <a:gd name="connsiteY7" fmla="*/ 1432151 h 1432151"/>
+                <a:gd name="connsiteX0" fmla="*/ 64973 w 209915"/>
+                <a:gd name="connsiteY0" fmla="*/ 0 h 1432151"/>
+                <a:gd name="connsiteX1" fmla="*/ 178934 w 209915"/>
+                <a:gd name="connsiteY1" fmla="*/ 348343 h 1432151"/>
+                <a:gd name="connsiteX2" fmla="*/ 208189 w 209915"/>
+                <a:gd name="connsiteY2" fmla="*/ 699294 h 1432151"/>
+                <a:gd name="connsiteX3" fmla="*/ 197190 w 209915"/>
+                <a:gd name="connsiteY3" fmla="*/ 894671 h 1432151"/>
+                <a:gd name="connsiteX4" fmla="*/ 144915 w 209915"/>
+                <a:gd name="connsiteY4" fmla="*/ 1103086 h 1432151"/>
+                <a:gd name="connsiteX5" fmla="*/ 106702 w 209915"/>
+                <a:gd name="connsiteY5" fmla="*/ 1225664 h 1432151"/>
+                <a:gd name="connsiteX6" fmla="*/ 60438 w 209915"/>
+                <a:gd name="connsiteY6" fmla="*/ 1328171 h 1432151"/>
+                <a:gd name="connsiteX7" fmla="*/ 0 w 209915"/>
+                <a:gd name="connsiteY7" fmla="*/ 1432151 h 1432151"/>
+                <a:gd name="connsiteX0" fmla="*/ 64973 w 209915"/>
+                <a:gd name="connsiteY0" fmla="*/ 0 h 1432151"/>
+                <a:gd name="connsiteX1" fmla="*/ 116226 w 209915"/>
+                <a:gd name="connsiteY1" fmla="*/ 142196 h 1432151"/>
+                <a:gd name="connsiteX2" fmla="*/ 178934 w 209915"/>
+                <a:gd name="connsiteY2" fmla="*/ 348343 h 1432151"/>
+                <a:gd name="connsiteX3" fmla="*/ 208189 w 209915"/>
+                <a:gd name="connsiteY3" fmla="*/ 699294 h 1432151"/>
+                <a:gd name="connsiteX4" fmla="*/ 197190 w 209915"/>
+                <a:gd name="connsiteY4" fmla="*/ 894671 h 1432151"/>
+                <a:gd name="connsiteX5" fmla="*/ 144915 w 209915"/>
+                <a:gd name="connsiteY5" fmla="*/ 1103086 h 1432151"/>
+                <a:gd name="connsiteX6" fmla="*/ 106702 w 209915"/>
+                <a:gd name="connsiteY6" fmla="*/ 1225664 h 1432151"/>
+                <a:gd name="connsiteX7" fmla="*/ 60438 w 209915"/>
+                <a:gd name="connsiteY7" fmla="*/ 1328171 h 1432151"/>
+                <a:gd name="connsiteX8" fmla="*/ 0 w 209915"/>
+                <a:gd name="connsiteY8" fmla="*/ 1432151 h 1432151"/>
+                <a:gd name="connsiteX0" fmla="*/ 64973 w 209915"/>
+                <a:gd name="connsiteY0" fmla="*/ 0 h 1432151"/>
+                <a:gd name="connsiteX1" fmla="*/ 123370 w 209915"/>
+                <a:gd name="connsiteY1" fmla="*/ 139815 h 1432151"/>
+                <a:gd name="connsiteX2" fmla="*/ 178934 w 209915"/>
+                <a:gd name="connsiteY2" fmla="*/ 348343 h 1432151"/>
+                <a:gd name="connsiteX3" fmla="*/ 208189 w 209915"/>
+                <a:gd name="connsiteY3" fmla="*/ 699294 h 1432151"/>
+                <a:gd name="connsiteX4" fmla="*/ 197190 w 209915"/>
+                <a:gd name="connsiteY4" fmla="*/ 894671 h 1432151"/>
+                <a:gd name="connsiteX5" fmla="*/ 144915 w 209915"/>
+                <a:gd name="connsiteY5" fmla="*/ 1103086 h 1432151"/>
+                <a:gd name="connsiteX6" fmla="*/ 106702 w 209915"/>
+                <a:gd name="connsiteY6" fmla="*/ 1225664 h 1432151"/>
+                <a:gd name="connsiteX7" fmla="*/ 60438 w 209915"/>
+                <a:gd name="connsiteY7" fmla="*/ 1328171 h 1432151"/>
+                <a:gd name="connsiteX8" fmla="*/ 0 w 209915"/>
+                <a:gd name="connsiteY8" fmla="*/ 1432151 h 1432151"/>
+                <a:gd name="connsiteX0" fmla="*/ 64973 w 209915"/>
+                <a:gd name="connsiteY0" fmla="*/ 0 h 1432151"/>
+                <a:gd name="connsiteX1" fmla="*/ 123370 w 209915"/>
+                <a:gd name="connsiteY1" fmla="*/ 139815 h 1432151"/>
+                <a:gd name="connsiteX2" fmla="*/ 178934 w 209915"/>
+                <a:gd name="connsiteY2" fmla="*/ 348343 h 1432151"/>
+                <a:gd name="connsiteX3" fmla="*/ 208189 w 209915"/>
+                <a:gd name="connsiteY3" fmla="*/ 699294 h 1432151"/>
+                <a:gd name="connsiteX4" fmla="*/ 197190 w 209915"/>
+                <a:gd name="connsiteY4" fmla="*/ 894671 h 1432151"/>
+                <a:gd name="connsiteX5" fmla="*/ 144915 w 209915"/>
+                <a:gd name="connsiteY5" fmla="*/ 1103086 h 1432151"/>
+                <a:gd name="connsiteX6" fmla="*/ 106702 w 209915"/>
+                <a:gd name="connsiteY6" fmla="*/ 1225664 h 1432151"/>
+                <a:gd name="connsiteX7" fmla="*/ 60438 w 209915"/>
+                <a:gd name="connsiteY7" fmla="*/ 1328171 h 1432151"/>
+                <a:gd name="connsiteX8" fmla="*/ 0 w 209915"/>
+                <a:gd name="connsiteY8" fmla="*/ 1432151 h 1432151"/>
+                <a:gd name="connsiteX0" fmla="*/ 64973 w 209915"/>
+                <a:gd name="connsiteY0" fmla="*/ 0 h 1432151"/>
+                <a:gd name="connsiteX1" fmla="*/ 123370 w 209915"/>
+                <a:gd name="connsiteY1" fmla="*/ 139815 h 1432151"/>
+                <a:gd name="connsiteX2" fmla="*/ 178934 w 209915"/>
+                <a:gd name="connsiteY2" fmla="*/ 348343 h 1432151"/>
+                <a:gd name="connsiteX3" fmla="*/ 208189 w 209915"/>
+                <a:gd name="connsiteY3" fmla="*/ 699294 h 1432151"/>
+                <a:gd name="connsiteX4" fmla="*/ 197190 w 209915"/>
+                <a:gd name="connsiteY4" fmla="*/ 894671 h 1432151"/>
+                <a:gd name="connsiteX5" fmla="*/ 144915 w 209915"/>
+                <a:gd name="connsiteY5" fmla="*/ 1103086 h 1432151"/>
+                <a:gd name="connsiteX6" fmla="*/ 106702 w 209915"/>
+                <a:gd name="connsiteY6" fmla="*/ 1225664 h 1432151"/>
+                <a:gd name="connsiteX7" fmla="*/ 60438 w 209915"/>
+                <a:gd name="connsiteY7" fmla="*/ 1328171 h 1432151"/>
+                <a:gd name="connsiteX8" fmla="*/ 0 w 209915"/>
+                <a:gd name="connsiteY8" fmla="*/ 1432151 h 1432151"/>
+                <a:gd name="connsiteX0" fmla="*/ 64973 w 209915"/>
+                <a:gd name="connsiteY0" fmla="*/ 0 h 1432151"/>
+                <a:gd name="connsiteX1" fmla="*/ 123370 w 209915"/>
+                <a:gd name="connsiteY1" fmla="*/ 139815 h 1432151"/>
+                <a:gd name="connsiteX2" fmla="*/ 178934 w 209915"/>
+                <a:gd name="connsiteY2" fmla="*/ 348343 h 1432151"/>
+                <a:gd name="connsiteX3" fmla="*/ 208189 w 209915"/>
+                <a:gd name="connsiteY3" fmla="*/ 699294 h 1432151"/>
+                <a:gd name="connsiteX4" fmla="*/ 197190 w 209915"/>
+                <a:gd name="connsiteY4" fmla="*/ 894671 h 1432151"/>
+                <a:gd name="connsiteX5" fmla="*/ 144915 w 209915"/>
+                <a:gd name="connsiteY5" fmla="*/ 1103086 h 1432151"/>
+                <a:gd name="connsiteX6" fmla="*/ 106702 w 209915"/>
+                <a:gd name="connsiteY6" fmla="*/ 1225664 h 1432151"/>
+                <a:gd name="connsiteX7" fmla="*/ 60438 w 209915"/>
+                <a:gd name="connsiteY7" fmla="*/ 1328171 h 1432151"/>
+                <a:gd name="connsiteX8" fmla="*/ 0 w 209915"/>
+                <a:gd name="connsiteY8" fmla="*/ 1432151 h 1432151"/>
+                <a:gd name="connsiteX0" fmla="*/ 64973 w 209915"/>
+                <a:gd name="connsiteY0" fmla="*/ 0 h 1432151"/>
+                <a:gd name="connsiteX1" fmla="*/ 123370 w 209915"/>
+                <a:gd name="connsiteY1" fmla="*/ 139815 h 1432151"/>
+                <a:gd name="connsiteX2" fmla="*/ 178934 w 209915"/>
+                <a:gd name="connsiteY2" fmla="*/ 348343 h 1432151"/>
+                <a:gd name="connsiteX3" fmla="*/ 208189 w 209915"/>
+                <a:gd name="connsiteY3" fmla="*/ 699294 h 1432151"/>
+                <a:gd name="connsiteX4" fmla="*/ 197190 w 209915"/>
+                <a:gd name="connsiteY4" fmla="*/ 894671 h 1432151"/>
+                <a:gd name="connsiteX5" fmla="*/ 144915 w 209915"/>
+                <a:gd name="connsiteY5" fmla="*/ 1103086 h 1432151"/>
+                <a:gd name="connsiteX6" fmla="*/ 106702 w 209915"/>
+                <a:gd name="connsiteY6" fmla="*/ 1225664 h 1432151"/>
+                <a:gd name="connsiteX7" fmla="*/ 60438 w 209915"/>
+                <a:gd name="connsiteY7" fmla="*/ 1328171 h 1432151"/>
+                <a:gd name="connsiteX8" fmla="*/ 0 w 209915"/>
+                <a:gd name="connsiteY8" fmla="*/ 1432151 h 1432151"/>
+                <a:gd name="connsiteX0" fmla="*/ 64973 w 209915"/>
+                <a:gd name="connsiteY0" fmla="*/ 0 h 1432151"/>
+                <a:gd name="connsiteX1" fmla="*/ 123370 w 209915"/>
+                <a:gd name="connsiteY1" fmla="*/ 139815 h 1432151"/>
+                <a:gd name="connsiteX2" fmla="*/ 178934 w 209915"/>
+                <a:gd name="connsiteY2" fmla="*/ 348343 h 1432151"/>
+                <a:gd name="connsiteX3" fmla="*/ 208189 w 209915"/>
+                <a:gd name="connsiteY3" fmla="*/ 699294 h 1432151"/>
+                <a:gd name="connsiteX4" fmla="*/ 197190 w 209915"/>
+                <a:gd name="connsiteY4" fmla="*/ 894671 h 1432151"/>
+                <a:gd name="connsiteX5" fmla="*/ 144915 w 209915"/>
+                <a:gd name="connsiteY5" fmla="*/ 1103086 h 1432151"/>
+                <a:gd name="connsiteX6" fmla="*/ 106702 w 209915"/>
+                <a:gd name="connsiteY6" fmla="*/ 1225664 h 1432151"/>
+                <a:gd name="connsiteX7" fmla="*/ 60438 w 209915"/>
+                <a:gd name="connsiteY7" fmla="*/ 1328171 h 1432151"/>
+                <a:gd name="connsiteX8" fmla="*/ 0 w 209915"/>
+                <a:gd name="connsiteY8" fmla="*/ 1432151 h 1432151"/>
+                <a:gd name="connsiteX0" fmla="*/ 64973 w 209915"/>
+                <a:gd name="connsiteY0" fmla="*/ 0 h 1432151"/>
+                <a:gd name="connsiteX1" fmla="*/ 123370 w 209915"/>
+                <a:gd name="connsiteY1" fmla="*/ 139815 h 1432151"/>
+                <a:gd name="connsiteX2" fmla="*/ 178934 w 209915"/>
+                <a:gd name="connsiteY2" fmla="*/ 348343 h 1432151"/>
+                <a:gd name="connsiteX3" fmla="*/ 208189 w 209915"/>
+                <a:gd name="connsiteY3" fmla="*/ 699294 h 1432151"/>
+                <a:gd name="connsiteX4" fmla="*/ 197190 w 209915"/>
+                <a:gd name="connsiteY4" fmla="*/ 894671 h 1432151"/>
+                <a:gd name="connsiteX5" fmla="*/ 144915 w 209915"/>
+                <a:gd name="connsiteY5" fmla="*/ 1103086 h 1432151"/>
+                <a:gd name="connsiteX6" fmla="*/ 106702 w 209915"/>
+                <a:gd name="connsiteY6" fmla="*/ 1225664 h 1432151"/>
+                <a:gd name="connsiteX7" fmla="*/ 60438 w 209915"/>
+                <a:gd name="connsiteY7" fmla="*/ 1328171 h 1432151"/>
+                <a:gd name="connsiteX8" fmla="*/ 0 w 209915"/>
+                <a:gd name="connsiteY8" fmla="*/ 1432151 h 1432151"/>
+                <a:gd name="connsiteX0" fmla="*/ 64973 w 209915"/>
+                <a:gd name="connsiteY0" fmla="*/ 0 h 1432151"/>
+                <a:gd name="connsiteX1" fmla="*/ 123370 w 209915"/>
+                <a:gd name="connsiteY1" fmla="*/ 139815 h 1432151"/>
+                <a:gd name="connsiteX2" fmla="*/ 178934 w 209915"/>
+                <a:gd name="connsiteY2" fmla="*/ 348343 h 1432151"/>
+                <a:gd name="connsiteX3" fmla="*/ 208189 w 209915"/>
+                <a:gd name="connsiteY3" fmla="*/ 699294 h 1432151"/>
+                <a:gd name="connsiteX4" fmla="*/ 197190 w 209915"/>
+                <a:gd name="connsiteY4" fmla="*/ 894671 h 1432151"/>
+                <a:gd name="connsiteX5" fmla="*/ 144915 w 209915"/>
+                <a:gd name="connsiteY5" fmla="*/ 1103086 h 1432151"/>
+                <a:gd name="connsiteX6" fmla="*/ 106702 w 209915"/>
+                <a:gd name="connsiteY6" fmla="*/ 1225664 h 1432151"/>
+                <a:gd name="connsiteX7" fmla="*/ 60438 w 209915"/>
+                <a:gd name="connsiteY7" fmla="*/ 1328171 h 1432151"/>
+                <a:gd name="connsiteX8" fmla="*/ 0 w 209915"/>
+                <a:gd name="connsiteY8" fmla="*/ 1432151 h 1432151"/>
+                <a:gd name="connsiteX0" fmla="*/ 64973 w 208386"/>
+                <a:gd name="connsiteY0" fmla="*/ 0 h 1432151"/>
+                <a:gd name="connsiteX1" fmla="*/ 123370 w 208386"/>
+                <a:gd name="connsiteY1" fmla="*/ 139815 h 1432151"/>
+                <a:gd name="connsiteX2" fmla="*/ 178934 w 208386"/>
+                <a:gd name="connsiteY2" fmla="*/ 348343 h 1432151"/>
+                <a:gd name="connsiteX3" fmla="*/ 199570 w 208386"/>
+                <a:gd name="connsiteY3" fmla="*/ 539864 h 1432151"/>
+                <a:gd name="connsiteX4" fmla="*/ 208189 w 208386"/>
+                <a:gd name="connsiteY4" fmla="*/ 699294 h 1432151"/>
+                <a:gd name="connsiteX5" fmla="*/ 197190 w 208386"/>
+                <a:gd name="connsiteY5" fmla="*/ 894671 h 1432151"/>
+                <a:gd name="connsiteX6" fmla="*/ 144915 w 208386"/>
+                <a:gd name="connsiteY6" fmla="*/ 1103086 h 1432151"/>
+                <a:gd name="connsiteX7" fmla="*/ 106702 w 208386"/>
+                <a:gd name="connsiteY7" fmla="*/ 1225664 h 1432151"/>
+                <a:gd name="connsiteX8" fmla="*/ 60438 w 208386"/>
+                <a:gd name="connsiteY8" fmla="*/ 1328171 h 1432151"/>
+                <a:gd name="connsiteX9" fmla="*/ 0 w 208386"/>
+                <a:gd name="connsiteY9" fmla="*/ 1432151 h 1432151"/>
+                <a:gd name="connsiteX0" fmla="*/ 64973 w 209876"/>
+                <a:gd name="connsiteY0" fmla="*/ 0 h 1432151"/>
+                <a:gd name="connsiteX1" fmla="*/ 123370 w 209876"/>
+                <a:gd name="connsiteY1" fmla="*/ 139815 h 1432151"/>
+                <a:gd name="connsiteX2" fmla="*/ 178934 w 209876"/>
+                <a:gd name="connsiteY2" fmla="*/ 348343 h 1432151"/>
+                <a:gd name="connsiteX3" fmla="*/ 206714 w 209876"/>
+                <a:gd name="connsiteY3" fmla="*/ 539864 h 1432151"/>
+                <a:gd name="connsiteX4" fmla="*/ 208189 w 209876"/>
+                <a:gd name="connsiteY4" fmla="*/ 699294 h 1432151"/>
+                <a:gd name="connsiteX5" fmla="*/ 197190 w 209876"/>
+                <a:gd name="connsiteY5" fmla="*/ 894671 h 1432151"/>
+                <a:gd name="connsiteX6" fmla="*/ 144915 w 209876"/>
+                <a:gd name="connsiteY6" fmla="*/ 1103086 h 1432151"/>
+                <a:gd name="connsiteX7" fmla="*/ 106702 w 209876"/>
+                <a:gd name="connsiteY7" fmla="*/ 1225664 h 1432151"/>
+                <a:gd name="connsiteX8" fmla="*/ 60438 w 209876"/>
+                <a:gd name="connsiteY8" fmla="*/ 1328171 h 1432151"/>
+                <a:gd name="connsiteX9" fmla="*/ 0 w 209876"/>
+                <a:gd name="connsiteY9" fmla="*/ 1432151 h 1432151"/>
+              </a:gdLst>
+              <a:ahLst/>
+              <a:cxnLst>
+                <a:cxn ang="0">
+                  <a:pos x="connsiteX0" y="connsiteY0"/>
+                </a:cxn>
+                <a:cxn ang="0">
+                  <a:pos x="connsiteX1" y="connsiteY1"/>
+                </a:cxn>
+                <a:cxn ang="0">
+                  <a:pos x="connsiteX2" y="connsiteY2"/>
+                </a:cxn>
+                <a:cxn ang="0">
+                  <a:pos x="connsiteX3" y="connsiteY3"/>
+                </a:cxn>
+                <a:cxn ang="0">
+                  <a:pos x="connsiteX4" y="connsiteY4"/>
+                </a:cxn>
+                <a:cxn ang="0">
+                  <a:pos x="connsiteX5" y="connsiteY5"/>
+                </a:cxn>
+                <a:cxn ang="0">
+                  <a:pos x="connsiteX6" y="connsiteY6"/>
+                </a:cxn>
+                <a:cxn ang="0">
+                  <a:pos x="connsiteX7" y="connsiteY7"/>
+                </a:cxn>
+                <a:cxn ang="0">
+                  <a:pos x="connsiteX8" y="connsiteY8"/>
+                </a:cxn>
+                <a:cxn ang="0">
+                  <a:pos x="connsiteX9" y="connsiteY9"/>
+                </a:cxn>
+              </a:cxnLst>
+              <a:rect l="l" t="t" r="r" b="b"/>
+              <a:pathLst>
+                <a:path w="209876" h="1432151">
+                  <a:moveTo>
+                    <a:pt x="64973" y="0"/>
+                  </a:moveTo>
+                  <a:cubicBezTo>
+                    <a:pt x="73515" y="23699"/>
+                    <a:pt x="104377" y="81758"/>
+                    <a:pt x="123370" y="139815"/>
+                  </a:cubicBezTo>
+                  <a:cubicBezTo>
+                    <a:pt x="175701" y="305029"/>
+                    <a:pt x="165043" y="281668"/>
+                    <a:pt x="178934" y="348343"/>
+                  </a:cubicBezTo>
+                  <a:cubicBezTo>
+                    <a:pt x="192825" y="415018"/>
+                    <a:pt x="201838" y="481372"/>
+                    <a:pt x="206714" y="539864"/>
+                  </a:cubicBezTo>
+                  <a:cubicBezTo>
+                    <a:pt x="211590" y="598356"/>
+                    <a:pt x="209776" y="640160"/>
+                    <a:pt x="208189" y="699294"/>
+                  </a:cubicBezTo>
+                  <a:cubicBezTo>
+                    <a:pt x="206602" y="758429"/>
+                    <a:pt x="211704" y="809513"/>
+                    <a:pt x="197190" y="894671"/>
+                  </a:cubicBezTo>
+                  <a:cubicBezTo>
+                    <a:pt x="185057" y="960779"/>
+                    <a:pt x="159996" y="1047921"/>
+                    <a:pt x="144915" y="1103086"/>
+                  </a:cubicBezTo>
+                  <a:cubicBezTo>
+                    <a:pt x="129834" y="1158251"/>
+                    <a:pt x="121178" y="1187753"/>
+                    <a:pt x="106702" y="1225664"/>
+                  </a:cubicBezTo>
+                  <a:cubicBezTo>
+                    <a:pt x="82701" y="1275481"/>
+                    <a:pt x="78222" y="1291376"/>
+                    <a:pt x="60438" y="1328171"/>
+                  </a:cubicBezTo>
+                  <a:cubicBezTo>
+                    <a:pt x="42654" y="1364966"/>
+                    <a:pt x="32430" y="1375832"/>
+                    <a:pt x="0" y="1432151"/>
+                  </a:cubicBezTo>
+                </a:path>
+              </a:pathLst>
+            </a:custGeom>
+            <a:noFill/>
+            <a:ln w="63500">
+              <a:solidFill>
+                <a:srgbClr val="00B050"/>
+              </a:solidFill>
+            </a:ln>
+          </p:spPr>
+          <p:style>
+            <a:lnRef idx="2">
+              <a:schemeClr val="accent1">
+                <a:shade val="50000"/>
+              </a:schemeClr>
+            </a:lnRef>
+            <a:fillRef idx="1">
+              <a:schemeClr val="accent1"/>
+            </a:fillRef>
+            <a:effectRef idx="0">
+              <a:schemeClr val="accent1"/>
+            </a:effectRef>
+            <a:fontRef idx="minor">
+              <a:schemeClr val="lt1"/>
+            </a:fontRef>
+          </p:style>
+          <p:txBody>
+            <a:bodyPr rtlCol="0" anchor="ctr"/>
+            <a:lstStyle/>
+            <a:p>
+              <a:pPr algn="ctr"/>
+              <a:endParaRPr lang="de-DE"/>
+            </a:p>
+          </p:txBody>
+        </p:sp>
+        <p:cxnSp>
+          <p:nvCxnSpPr>
+            <p:cNvPr id="21" name="Gerade Verbindung 20"/>
+            <p:cNvCxnSpPr/>
+            <p:nvPr/>
+          </p:nvCxnSpPr>
+          <p:spPr>
+            <a:xfrm>
+              <a:off x="654541" y="3501008"/>
+              <a:ext cx="631320" cy="0"/>
+            </a:xfrm>
+            <a:prstGeom prst="line">
+              <a:avLst/>
+            </a:prstGeom>
+            <a:noFill/>
+            <a:ln w="63500">
+              <a:solidFill>
+                <a:srgbClr val="00B050"/>
+              </a:solidFill>
+            </a:ln>
+          </p:spPr>
+          <p:style>
+            <a:lnRef idx="2">
+              <a:schemeClr val="accent1">
+                <a:shade val="50000"/>
+              </a:schemeClr>
+            </a:lnRef>
+            <a:fillRef idx="1">
+              <a:schemeClr val="accent1"/>
+            </a:fillRef>
+            <a:effectRef idx="0">
+              <a:schemeClr val="accent1"/>
+            </a:effectRef>
+            <a:fontRef idx="minor">
+              <a:schemeClr val="lt1"/>
+            </a:fontRef>
+          </p:style>
+        </p:cxnSp>
+        <p:cxnSp>
+          <p:nvCxnSpPr>
+            <p:cNvPr id="23" name="Gerade Verbindung 22"/>
+            <p:cNvCxnSpPr/>
+            <p:nvPr/>
+          </p:nvCxnSpPr>
+          <p:spPr>
+            <a:xfrm>
+              <a:off x="3131839" y="3501008"/>
+              <a:ext cx="576064" cy="0"/>
+            </a:xfrm>
+            <a:prstGeom prst="line">
+              <a:avLst/>
+            </a:prstGeom>
+            <a:noFill/>
+            <a:ln w="63500">
+              <a:solidFill>
+                <a:srgbClr val="00B050"/>
+              </a:solidFill>
+            </a:ln>
+          </p:spPr>
+          <p:style>
+            <a:lnRef idx="2">
+              <a:schemeClr val="accent1">
+                <a:shade val="50000"/>
+              </a:schemeClr>
+            </a:lnRef>
+            <a:fillRef idx="1">
+              <a:schemeClr val="accent1"/>
+            </a:fillRef>
+            <a:effectRef idx="0">
+              <a:schemeClr val="accent1"/>
+            </a:effectRef>
+            <a:fontRef idx="minor">
+              <a:schemeClr val="lt1"/>
+            </a:fontRef>
+          </p:style>
+        </p:cxnSp>
+        <mc:AlternateContent xmlns:mc="http://schemas.openxmlformats.org/markup-compatibility/2006">
+          <mc:Choice xmlns:a14="http://schemas.microsoft.com/office/drawing/2010/main" Requires="a14">
+            <p:sp>
+              <p:nvSpPr>
+                <p:cNvPr id="27" name="Textfeld 26"/>
+                <p:cNvSpPr txBox="1"/>
+                <p:nvPr/>
+              </p:nvSpPr>
+              <p:spPr>
+                <a:xfrm>
+                  <a:off x="7922683" y="3563969"/>
+                  <a:ext cx="1221317" cy="707886"/>
+                </a:xfrm>
+                <a:prstGeom prst="rect">
+                  <a:avLst/>
+                </a:prstGeom>
+                <a:noFill/>
+              </p:spPr>
+              <p:txBody>
+                <a:bodyPr wrap="square" rtlCol="0">
+                  <a:spAutoFit/>
+                </a:bodyPr>
+                <a:lstStyle/>
+                <a:p>
+                  <a14:m>
+                    <m:oMath xmlns:m="http://schemas.openxmlformats.org/officeDocument/2006/math">
+                      <m:r>
+                        <a:rPr lang="de-DE" sz="2000" b="1" i="1" dirty="0" smtClean="0">
+                          <a:solidFill>
+                            <a:srgbClr val="00B050"/>
+                          </a:solidFill>
+                          <a:latin typeface="Cambria Math"/>
+                        </a:rPr>
+                        <m:t>:=</m:t>
+                      </m:r>
+                      <m:r>
+                        <a:rPr lang="de-DE" sz="2000" b="1" i="1" dirty="0" smtClean="0">
+                          <a:solidFill>
+                            <a:srgbClr val="00B050"/>
+                          </a:solidFill>
+                          <a:latin typeface="Cambria Math"/>
+                        </a:rPr>
+                        <m:t>𝑼</m:t>
+                      </m:r>
+                      <m:r>
+                        <a:rPr lang="de-DE" sz="2000" b="1" i="1" dirty="0" smtClean="0">
+                          <a:solidFill>
+                            <a:srgbClr val="00B050"/>
+                          </a:solidFill>
+                          <a:latin typeface="Cambria Math"/>
+                        </a:rPr>
+                        <m:t> </m:t>
+                      </m:r>
+                    </m:oMath>
+                  </a14:m>
+                  <a:r>
+                    <a:rPr lang="de-DE" sz="2000" b="1" dirty="0" smtClean="0">
+                      <a:solidFill>
+                        <a:srgbClr val="00B050"/>
+                      </a:solidFill>
+                    </a:rPr>
+                    <a:t>ist offen</a:t>
+                  </a:r>
+                  <a:endParaRPr lang="de-DE" sz="2000" b="1" dirty="0">
+                    <a:solidFill>
+                      <a:srgbClr val="00B050"/>
+                    </a:solidFill>
+                  </a:endParaRPr>
+                </a:p>
+              </p:txBody>
+            </p:sp>
+          </mc:Choice>
+          <mc:Fallback>
+            <p:sp>
+              <p:nvSpPr>
+                <p:cNvPr id="27" name="Textfeld 26"/>
+                <p:cNvSpPr txBox="1">
+                  <a:spLocks noRot="1" noChangeAspect="1" noMove="1" noResize="1" noEditPoints="1" noAdjustHandles="1" noChangeArrowheads="1" noChangeShapeType="1" noTextEdit="1"/>
+                </p:cNvSpPr>
+                <p:nvPr/>
+              </p:nvSpPr>
+              <p:spPr>
+                <a:xfrm>
+                  <a:off x="7922683" y="3563969"/>
+                  <a:ext cx="1221317" cy="707886"/>
+                </a:xfrm>
+                <a:prstGeom prst="rect">
+                  <a:avLst/>
+                </a:prstGeom>
+                <a:blipFill rotWithShape="1">
+                  <a:blip r:embed="rId4"/>
+                  <a:stretch>
+                    <a:fillRect l="-5500" t="-4310" b="-14655"/>
+                  </a:stretch>
+                </a:blipFill>
+              </p:spPr>
+              <p:txBody>
+                <a:bodyPr/>
+                <a:lstStyle/>
+                <a:p>
+                  <a:r>
+                    <a:rPr lang="de-DE">
+                      <a:noFill/>
+                    </a:rPr>
+                    <a:t> </a:t>
+                  </a:r>
+                </a:p>
+              </p:txBody>
+            </p:sp>
+          </mc:Fallback>
+        </mc:AlternateContent>
+        <p:cxnSp>
+          <p:nvCxnSpPr>
+            <p:cNvPr id="29" name="Gerade Verbindung mit Pfeil 28"/>
+            <p:cNvCxnSpPr/>
+            <p:nvPr/>
+          </p:nvCxnSpPr>
+          <p:spPr>
+            <a:xfrm>
+              <a:off x="2555776" y="2636912"/>
+              <a:ext cx="576063" cy="475028"/>
+            </a:xfrm>
+            <a:prstGeom prst="straightConnector1">
+              <a:avLst/>
+            </a:prstGeom>
+            <a:noFill/>
+            <a:ln w="63500">
+              <a:solidFill>
+                <a:srgbClr val="00B050"/>
+              </a:solidFill>
+              <a:tailEnd type="triangle" w="med" len="med"/>
+            </a:ln>
+          </p:spPr>
+          <p:style>
+            <a:lnRef idx="2">
+              <a:schemeClr val="accent1">
+                <a:shade val="50000"/>
+              </a:schemeClr>
+            </a:lnRef>
+            <a:fillRef idx="1">
+              <a:schemeClr val="accent1"/>
+            </a:fillRef>
+            <a:effectRef idx="0">
+              <a:schemeClr val="accent1"/>
+            </a:effectRef>
+            <a:fontRef idx="minor">
+              <a:schemeClr val="lt1"/>
+            </a:fontRef>
+          </p:style>
+        </p:cxnSp>
+        <p:cxnSp>
+          <p:nvCxnSpPr>
+            <p:cNvPr id="31" name="Gerade Verbindung mit Pfeil 30"/>
+            <p:cNvCxnSpPr/>
+            <p:nvPr/>
+          </p:nvCxnSpPr>
+          <p:spPr>
+            <a:xfrm flipH="1">
+              <a:off x="1115616" y="2636912"/>
+              <a:ext cx="594066" cy="439452"/>
+            </a:xfrm>
+            <a:prstGeom prst="straightConnector1">
+              <a:avLst/>
+            </a:prstGeom>
+            <a:noFill/>
+            <a:ln w="63500">
+              <a:solidFill>
+                <a:srgbClr val="00B050"/>
+              </a:solidFill>
+              <a:tailEnd type="triangle" w="med" len="med"/>
+            </a:ln>
+          </p:spPr>
+          <p:style>
+            <a:lnRef idx="2">
+              <a:schemeClr val="accent1">
+                <a:shade val="50000"/>
+              </a:schemeClr>
+            </a:lnRef>
+            <a:fillRef idx="1">
+              <a:schemeClr val="accent1"/>
+            </a:fillRef>
+            <a:effectRef idx="0">
+              <a:schemeClr val="accent1"/>
+            </a:effectRef>
+            <a:fontRef idx="minor">
+              <a:schemeClr val="lt1"/>
+            </a:fontRef>
+          </p:style>
+        </p:cxnSp>
+        <mc:AlternateContent xmlns:mc="http://schemas.openxmlformats.org/markup-compatibility/2006">
+          <mc:Choice xmlns:a14="http://schemas.microsoft.com/office/drawing/2010/main" Requires="a14">
+            <p:sp>
+              <p:nvSpPr>
+                <p:cNvPr id="34" name="Textfeld 33"/>
+                <p:cNvSpPr txBox="1"/>
+                <p:nvPr/>
+              </p:nvSpPr>
+              <p:spPr>
+                <a:xfrm>
+                  <a:off x="1643376" y="2021239"/>
+                  <a:ext cx="1320743" cy="734240"/>
+                </a:xfrm>
+                <a:prstGeom prst="rect">
+                  <a:avLst/>
+                </a:prstGeom>
+                <a:noFill/>
+              </p:spPr>
+              <p:txBody>
+                <a:bodyPr wrap="square" rtlCol="0">
+                  <a:spAutoFit/>
+                </a:bodyPr>
+                <a:lstStyle/>
+                <a:p>
+                  <a14:m>
+                    <m:oMath xmlns:m="http://schemas.openxmlformats.org/officeDocument/2006/math">
+                      <m:sSup>
+                        <m:sSupPr>
+                          <m:ctrlPr>
+                            <a:rPr lang="de-DE" sz="2000" b="1" i="1" smtClean="0">
+                              <a:solidFill>
+                                <a:srgbClr val="00B050"/>
+                              </a:solidFill>
+                              <a:latin typeface="Cambria Math"/>
+                            </a:rPr>
+                          </m:ctrlPr>
+                        </m:sSupPr>
+                        <m:e>
+                          <m:r>
+                            <a:rPr lang="de-DE" sz="2000" b="1" i="1" smtClean="0">
+                              <a:solidFill>
+                                <a:srgbClr val="00B050"/>
+                              </a:solidFill>
+                              <a:latin typeface="Cambria Math"/>
+                            </a:rPr>
+                            <m:t>𝒇</m:t>
+                          </m:r>
+                        </m:e>
+                        <m:sup>
+                          <m:r>
+                            <a:rPr lang="de-DE" sz="2000" b="1" i="1" smtClean="0">
+                              <a:solidFill>
+                                <a:srgbClr val="00B050"/>
+                              </a:solidFill>
+                              <a:latin typeface="Cambria Math"/>
+                            </a:rPr>
+                            <m:t>−</m:t>
+                          </m:r>
+                          <m:r>
+                            <a:rPr lang="de-DE" sz="2000" b="1" i="1" smtClean="0">
+                              <a:solidFill>
+                                <a:srgbClr val="00B050"/>
+                              </a:solidFill>
+                              <a:latin typeface="Cambria Math"/>
+                            </a:rPr>
+                            <m:t>𝟏</m:t>
+                          </m:r>
+                        </m:sup>
+                      </m:sSup>
+                      <m:d>
+                        <m:dPr>
+                          <m:ctrlPr>
+                            <a:rPr lang="de-DE" sz="2000" b="1" i="1" smtClean="0">
+                              <a:solidFill>
+                                <a:srgbClr val="00B050"/>
+                              </a:solidFill>
+                              <a:latin typeface="Cambria Math"/>
+                            </a:rPr>
+                          </m:ctrlPr>
+                        </m:dPr>
+                        <m:e>
+                          <m:r>
+                            <a:rPr lang="de-DE" sz="2000" b="1" i="1" smtClean="0">
+                              <a:solidFill>
+                                <a:srgbClr val="00B050"/>
+                              </a:solidFill>
+                              <a:latin typeface="Cambria Math"/>
+                            </a:rPr>
+                            <m:t>𝑼</m:t>
+                          </m:r>
+                        </m:e>
+                      </m:d>
+                      <m:r>
+                        <a:rPr lang="de-DE" sz="2000" b="1" i="1" smtClean="0">
+                          <a:solidFill>
+                            <a:srgbClr val="00B050"/>
+                          </a:solidFill>
+                          <a:latin typeface="Cambria Math"/>
+                        </a:rPr>
+                        <m:t> </m:t>
+                      </m:r>
+                    </m:oMath>
+                  </a14:m>
+                  <a:r>
+                    <a:rPr lang="de-DE" sz="2000" b="1" dirty="0" smtClean="0">
+                      <a:solidFill>
+                        <a:srgbClr val="00B050"/>
+                      </a:solidFill>
+                    </a:rPr>
+                    <a:t>ist offen</a:t>
+                  </a:r>
+                  <a:endParaRPr lang="de-DE" sz="2000" b="1" dirty="0">
+                    <a:solidFill>
+                      <a:srgbClr val="00B050"/>
+                    </a:solidFill>
+                  </a:endParaRPr>
+                </a:p>
+              </p:txBody>
+            </p:sp>
+          </mc:Choice>
+          <mc:Fallback>
+            <p:sp>
+              <p:nvSpPr>
+                <p:cNvPr id="34" name="Textfeld 33"/>
+                <p:cNvSpPr txBox="1">
+                  <a:spLocks noRot="1" noChangeAspect="1" noMove="1" noResize="1" noEditPoints="1" noAdjustHandles="1" noChangeArrowheads="1" noChangeShapeType="1" noTextEdit="1"/>
+                </p:cNvSpPr>
+                <p:nvPr/>
+              </p:nvSpPr>
+              <p:spPr>
+                <a:xfrm>
+                  <a:off x="1643376" y="2021239"/>
+                  <a:ext cx="1320743" cy="734240"/>
+                </a:xfrm>
+                <a:prstGeom prst="rect">
+                  <a:avLst/>
+                </a:prstGeom>
+                <a:blipFill rotWithShape="1">
+                  <a:blip r:embed="rId5"/>
+                  <a:stretch>
+                    <a:fillRect l="-5093" t="-2500" r="-6019" b="-11667"/>
+                  </a:stretch>
+                </a:blipFill>
+              </p:spPr>
+              <p:txBody>
+                <a:bodyPr/>
+                <a:lstStyle/>
+                <a:p>
+                  <a:r>
+                    <a:rPr lang="de-DE">
+                      <a:noFill/>
+                    </a:rPr>
+                    <a:t> </a:t>
+                  </a:r>
+                </a:p>
+              </p:txBody>
+            </p:sp>
+          </mc:Fallback>
+        </mc:AlternateContent>
+      </p:grpSp>
     </p:spTree>
     <p:extLst>
       <p:ext uri="{BB962C8B-B14F-4D97-AF65-F5344CB8AC3E}">
@@ -4879,6 +8654,13 @@
   <p:clrMapOvr>
     <a:masterClrMapping/>
   </p:clrMapOvr>
+  <p:timing>
+    <p:tnLst>
+      <p:par>
+        <p:cTn id="1" dur="indefinite" restart="never" nodeType="tmRoot"/>
+      </p:par>
+    </p:tnLst>
+  </p:timing>
 </p:sld>
 </file>
 
@@ -4899,6 +8681,1154 @@
           <a:chExt cx="0" cy="0"/>
         </a:xfrm>
       </p:grpSpPr>
+      <p:grpSp>
+        <p:nvGrpSpPr>
+          <p:cNvPr id="21" name="Gruppieren 20"/>
+          <p:cNvGrpSpPr/>
+          <p:nvPr/>
+        </p:nvGrpSpPr>
+        <p:grpSpPr>
+          <a:xfrm>
+            <a:off x="572762" y="922767"/>
+            <a:ext cx="8298227" cy="4274978"/>
+            <a:chOff x="572762" y="922767"/>
+            <a:chExt cx="8298227" cy="4274978"/>
+          </a:xfrm>
+        </p:grpSpPr>
+        <p:sp>
+          <p:nvSpPr>
+            <p:cNvPr id="2" name="Ellipse 1"/>
+            <p:cNvSpPr/>
+            <p:nvPr/>
+          </p:nvSpPr>
+          <p:spPr>
+            <a:xfrm>
+              <a:off x="5436096" y="1628800"/>
+              <a:ext cx="3024336" cy="3024336"/>
+            </a:xfrm>
+            <a:prstGeom prst="ellipse">
+              <a:avLst/>
+            </a:prstGeom>
+            <a:noFill/>
+            <a:ln w="63500">
+              <a:solidFill>
+                <a:schemeClr val="tx1"/>
+              </a:solidFill>
+            </a:ln>
+          </p:spPr>
+          <p:style>
+            <a:lnRef idx="2">
+              <a:schemeClr val="accent1">
+                <a:shade val="50000"/>
+              </a:schemeClr>
+            </a:lnRef>
+            <a:fillRef idx="1">
+              <a:schemeClr val="accent1"/>
+            </a:fillRef>
+            <a:effectRef idx="0">
+              <a:schemeClr val="accent1"/>
+            </a:effectRef>
+            <a:fontRef idx="minor">
+              <a:schemeClr val="lt1"/>
+            </a:fontRef>
+          </p:style>
+          <p:txBody>
+            <a:bodyPr rtlCol="0" anchor="ctr"/>
+            <a:lstStyle/>
+            <a:p>
+              <a:pPr algn="ctr"/>
+              <a:endParaRPr lang="de-DE"/>
+            </a:p>
+          </p:txBody>
+        </p:sp>
+        <p:cxnSp>
+          <p:nvCxnSpPr>
+            <p:cNvPr id="3" name="Gerade Verbindung 2"/>
+            <p:cNvCxnSpPr/>
+            <p:nvPr/>
+          </p:nvCxnSpPr>
+          <p:spPr>
+            <a:xfrm>
+              <a:off x="683568" y="3501008"/>
+              <a:ext cx="3024336" cy="0"/>
+            </a:xfrm>
+            <a:prstGeom prst="line">
+              <a:avLst/>
+            </a:prstGeom>
+            <a:noFill/>
+            <a:ln w="63500">
+              <a:solidFill>
+                <a:schemeClr val="tx1"/>
+              </a:solidFill>
+            </a:ln>
+          </p:spPr>
+          <p:style>
+            <a:lnRef idx="2">
+              <a:schemeClr val="accent1">
+                <a:shade val="50000"/>
+              </a:schemeClr>
+            </a:lnRef>
+            <a:fillRef idx="1">
+              <a:schemeClr val="accent1"/>
+            </a:fillRef>
+            <a:effectRef idx="0">
+              <a:schemeClr val="accent1"/>
+            </a:effectRef>
+            <a:fontRef idx="minor">
+              <a:schemeClr val="lt1"/>
+            </a:fontRef>
+          </p:style>
+        </p:cxnSp>
+        <p:sp>
+          <p:nvSpPr>
+            <p:cNvPr id="4" name="Freihandform 3"/>
+            <p:cNvSpPr/>
+            <p:nvPr/>
+          </p:nvSpPr>
+          <p:spPr>
+            <a:xfrm>
+              <a:off x="3265714" y="1315020"/>
+              <a:ext cx="1944915" cy="1210466"/>
+            </a:xfrm>
+            <a:custGeom>
+              <a:avLst/>
+              <a:gdLst>
+                <a:gd name="connsiteX0" fmla="*/ 0 w 1944915"/>
+                <a:gd name="connsiteY0" fmla="*/ 1201728 h 1201728"/>
+                <a:gd name="connsiteX1" fmla="*/ 986972 w 1944915"/>
+                <a:gd name="connsiteY1" fmla="*/ 11556 h 1201728"/>
+                <a:gd name="connsiteX2" fmla="*/ 1944915 w 1944915"/>
+                <a:gd name="connsiteY2" fmla="*/ 577613 h 1201728"/>
+                <a:gd name="connsiteX0" fmla="*/ 0 w 1944915"/>
+                <a:gd name="connsiteY0" fmla="*/ 1210466 h 1210466"/>
+                <a:gd name="connsiteX1" fmla="*/ 986972 w 1944915"/>
+                <a:gd name="connsiteY1" fmla="*/ 20294 h 1210466"/>
+                <a:gd name="connsiteX2" fmla="*/ 1944915 w 1944915"/>
+                <a:gd name="connsiteY2" fmla="*/ 586351 h 1210466"/>
+              </a:gdLst>
+              <a:ahLst/>
+              <a:cxnLst>
+                <a:cxn ang="0">
+                  <a:pos x="connsiteX0" y="connsiteY0"/>
+                </a:cxn>
+                <a:cxn ang="0">
+                  <a:pos x="connsiteX1" y="connsiteY1"/>
+                </a:cxn>
+                <a:cxn ang="0">
+                  <a:pos x="connsiteX2" y="connsiteY2"/>
+                </a:cxn>
+              </a:cxnLst>
+              <a:rect l="l" t="t" r="r" b="b"/>
+              <a:pathLst>
+                <a:path w="1944915" h="1210466">
+                  <a:moveTo>
+                    <a:pt x="0" y="1210466"/>
+                  </a:moveTo>
+                  <a:cubicBezTo>
+                    <a:pt x="331410" y="667389"/>
+                    <a:pt x="662820" y="124313"/>
+                    <a:pt x="986972" y="20294"/>
+                  </a:cubicBezTo>
+                  <a:cubicBezTo>
+                    <a:pt x="1311124" y="-83725"/>
+                    <a:pt x="1654630" y="228332"/>
+                    <a:pt x="1944915" y="586351"/>
+                  </a:cubicBezTo>
+                </a:path>
+              </a:pathLst>
+            </a:custGeom>
+            <a:noFill/>
+            <a:ln>
+              <a:tailEnd type="triangle" w="lg" len="lg"/>
+            </a:ln>
+          </p:spPr>
+          <p:style>
+            <a:lnRef idx="2">
+              <a:schemeClr val="accent1">
+                <a:shade val="50000"/>
+              </a:schemeClr>
+            </a:lnRef>
+            <a:fillRef idx="1">
+              <a:schemeClr val="accent1"/>
+            </a:fillRef>
+            <a:effectRef idx="0">
+              <a:schemeClr val="accent1"/>
+            </a:effectRef>
+            <a:fontRef idx="minor">
+              <a:schemeClr val="lt1"/>
+            </a:fontRef>
+          </p:style>
+          <p:txBody>
+            <a:bodyPr rtlCol="0" anchor="ctr"/>
+            <a:lstStyle/>
+            <a:p>
+              <a:pPr algn="ctr"/>
+              <a:endParaRPr lang="de-DE"/>
+            </a:p>
+          </p:txBody>
+        </p:sp>
+        <p:sp>
+          <p:nvSpPr>
+            <p:cNvPr id="5" name="Textfeld 4"/>
+            <p:cNvSpPr txBox="1"/>
+            <p:nvPr/>
+          </p:nvSpPr>
+          <p:spPr>
+            <a:xfrm>
+              <a:off x="3972542" y="922767"/>
+              <a:ext cx="1296144" cy="523220"/>
+            </a:xfrm>
+            <a:prstGeom prst="rect">
+              <a:avLst/>
+            </a:prstGeom>
+            <a:noFill/>
+          </p:spPr>
+          <p:txBody>
+            <a:bodyPr wrap="square" rtlCol="0">
+              <a:spAutoFit/>
+            </a:bodyPr>
+            <a:lstStyle/>
+            <a:p>
+              <a:r>
+                <a:rPr lang="de-DE" sz="2800" dirty="0" smtClean="0">
+                  <a:solidFill>
+                    <a:schemeClr val="accent1">
+                      <a:lumMod val="75000"/>
+                    </a:schemeClr>
+                  </a:solidFill>
+                </a:rPr>
+                <a:t>f</a:t>
+              </a:r>
+              <a:endParaRPr lang="de-DE" sz="2800" dirty="0">
+                <a:solidFill>
+                  <a:schemeClr val="accent1">
+                    <a:lumMod val="75000"/>
+                  </a:schemeClr>
+                </a:solidFill>
+              </a:endParaRPr>
+            </a:p>
+          </p:txBody>
+        </p:sp>
+        <p:sp>
+          <p:nvSpPr>
+            <p:cNvPr id="6" name="Textfeld 5"/>
+            <p:cNvSpPr txBox="1"/>
+            <p:nvPr/>
+          </p:nvSpPr>
+          <p:spPr>
+            <a:xfrm>
+              <a:off x="1976917" y="3606079"/>
+              <a:ext cx="1656184" cy="523220"/>
+            </a:xfrm>
+            <a:prstGeom prst="rect">
+              <a:avLst/>
+            </a:prstGeom>
+            <a:noFill/>
+          </p:spPr>
+          <p:txBody>
+            <a:bodyPr wrap="square" rtlCol="0">
+              <a:spAutoFit/>
+            </a:bodyPr>
+            <a:lstStyle/>
+            <a:p>
+              <a:r>
+                <a:rPr lang="de-DE" sz="2800" dirty="0" smtClean="0"/>
+                <a:t>X=[0,1)</a:t>
+              </a:r>
+              <a:endParaRPr lang="de-DE" sz="2800" dirty="0"/>
+            </a:p>
+          </p:txBody>
+        </p:sp>
+        <mc:AlternateContent xmlns:mc="http://schemas.openxmlformats.org/markup-compatibility/2006">
+          <mc:Choice xmlns:a14="http://schemas.microsoft.com/office/drawing/2010/main" Requires="a14">
+            <p:sp>
+              <p:nvSpPr>
+                <p:cNvPr id="7" name="Textfeld 6"/>
+                <p:cNvSpPr txBox="1"/>
+                <p:nvPr/>
+              </p:nvSpPr>
+              <p:spPr>
+                <a:xfrm>
+                  <a:off x="5868144" y="4674525"/>
+                  <a:ext cx="1656184" cy="523220"/>
+                </a:xfrm>
+                <a:prstGeom prst="rect">
+                  <a:avLst/>
+                </a:prstGeom>
+                <a:noFill/>
+              </p:spPr>
+              <p:txBody>
+                <a:bodyPr wrap="square" rtlCol="0">
+                  <a:spAutoFit/>
+                </a:bodyPr>
+                <a:lstStyle/>
+                <a:p>
+                  <a:r>
+                    <a:rPr lang="de-DE" sz="2800" dirty="0" smtClean="0"/>
+                    <a:t>Y=</a:t>
+                  </a:r>
+                  <a14:m>
+                    <m:oMath xmlns:m="http://schemas.openxmlformats.org/officeDocument/2006/math">
+                      <m:sSup>
+                        <m:sSupPr>
+                          <m:ctrlPr>
+                            <a:rPr lang="de-DE" sz="2800" i="1" smtClean="0">
+                              <a:latin typeface="Cambria Math"/>
+                            </a:rPr>
+                          </m:ctrlPr>
+                        </m:sSupPr>
+                        <m:e>
+                          <m:r>
+                            <a:rPr lang="de-DE" sz="2800" b="0" i="1" smtClean="0">
+                              <a:latin typeface="Cambria Math"/>
+                            </a:rPr>
+                            <m:t>𝑆</m:t>
+                          </m:r>
+                        </m:e>
+                        <m:sup>
+                          <m:r>
+                            <a:rPr lang="de-DE" sz="2800" b="0" i="1" smtClean="0">
+                              <a:latin typeface="Cambria Math"/>
+                            </a:rPr>
+                            <m:t>1</m:t>
+                          </m:r>
+                        </m:sup>
+                      </m:sSup>
+                    </m:oMath>
+                  </a14:m>
+                  <a:endParaRPr lang="de-DE" sz="2800" dirty="0"/>
+                </a:p>
+              </p:txBody>
+            </p:sp>
+          </mc:Choice>
+          <mc:Fallback>
+            <p:sp>
+              <p:nvSpPr>
+                <p:cNvPr id="7" name="Textfeld 6"/>
+                <p:cNvSpPr txBox="1">
+                  <a:spLocks noRot="1" noChangeAspect="1" noMove="1" noResize="1" noEditPoints="1" noAdjustHandles="1" noChangeArrowheads="1" noChangeShapeType="1" noTextEdit="1"/>
+                </p:cNvSpPr>
+                <p:nvPr/>
+              </p:nvSpPr>
+              <p:spPr>
+                <a:xfrm>
+                  <a:off x="5868144" y="4674525"/>
+                  <a:ext cx="1656184" cy="523220"/>
+                </a:xfrm>
+                <a:prstGeom prst="rect">
+                  <a:avLst/>
+                </a:prstGeom>
+                <a:blipFill rotWithShape="1">
+                  <a:blip r:embed="rId2"/>
+                  <a:stretch>
+                    <a:fillRect l="-7749" t="-10465" b="-32558"/>
+                  </a:stretch>
+                </a:blipFill>
+              </p:spPr>
+              <p:txBody>
+                <a:bodyPr/>
+                <a:lstStyle/>
+                <a:p>
+                  <a:r>
+                    <a:rPr lang="de-DE">
+                      <a:noFill/>
+                    </a:rPr>
+                    <a:t> </a:t>
+                  </a:r>
+                </a:p>
+              </p:txBody>
+            </p:sp>
+          </mc:Fallback>
+        </mc:AlternateContent>
+        <p:sp>
+          <p:nvSpPr>
+            <p:cNvPr id="8" name="Freihandform 7"/>
+            <p:cNvSpPr/>
+            <p:nvPr/>
+          </p:nvSpPr>
+          <p:spPr>
+            <a:xfrm>
+              <a:off x="654541" y="3215796"/>
+              <a:ext cx="179873" cy="570424"/>
+            </a:xfrm>
+            <a:custGeom>
+              <a:avLst/>
+              <a:gdLst>
+                <a:gd name="connsiteX0" fmla="*/ 1480457 w 1480457"/>
+                <a:gd name="connsiteY0" fmla="*/ 0 h 914400"/>
+                <a:gd name="connsiteX1" fmla="*/ 0 w 1480457"/>
+                <a:gd name="connsiteY1" fmla="*/ 0 h 914400"/>
+                <a:gd name="connsiteX2" fmla="*/ 0 w 1480457"/>
+                <a:gd name="connsiteY2" fmla="*/ 914400 h 914400"/>
+                <a:gd name="connsiteX3" fmla="*/ 1465943 w 1480457"/>
+                <a:gd name="connsiteY3" fmla="*/ 914400 h 914400"/>
+              </a:gdLst>
+              <a:ahLst/>
+              <a:cxnLst>
+                <a:cxn ang="0">
+                  <a:pos x="connsiteX0" y="connsiteY0"/>
+                </a:cxn>
+                <a:cxn ang="0">
+                  <a:pos x="connsiteX1" y="connsiteY1"/>
+                </a:cxn>
+                <a:cxn ang="0">
+                  <a:pos x="connsiteX2" y="connsiteY2"/>
+                </a:cxn>
+                <a:cxn ang="0">
+                  <a:pos x="connsiteX3" y="connsiteY3"/>
+                </a:cxn>
+              </a:cxnLst>
+              <a:rect l="l" t="t" r="r" b="b"/>
+              <a:pathLst>
+                <a:path w="1480457" h="914400">
+                  <a:moveTo>
+                    <a:pt x="1480457" y="0"/>
+                  </a:moveTo>
+                  <a:lnTo>
+                    <a:pt x="0" y="0"/>
+                  </a:lnTo>
+                  <a:lnTo>
+                    <a:pt x="0" y="914400"/>
+                  </a:lnTo>
+                  <a:lnTo>
+                    <a:pt x="1465943" y="914400"/>
+                  </a:lnTo>
+                </a:path>
+              </a:pathLst>
+            </a:custGeom>
+            <a:noFill/>
+            <a:ln w="63500">
+              <a:solidFill>
+                <a:srgbClr val="00B050"/>
+              </a:solidFill>
+            </a:ln>
+          </p:spPr>
+          <p:style>
+            <a:lnRef idx="2">
+              <a:schemeClr val="accent1">
+                <a:shade val="50000"/>
+              </a:schemeClr>
+            </a:lnRef>
+            <a:fillRef idx="1">
+              <a:schemeClr val="accent1"/>
+            </a:fillRef>
+            <a:effectRef idx="0">
+              <a:schemeClr val="accent1"/>
+            </a:effectRef>
+            <a:fontRef idx="minor">
+              <a:schemeClr val="lt1"/>
+            </a:fontRef>
+          </p:style>
+          <p:txBody>
+            <a:bodyPr rtlCol="0" anchor="ctr"/>
+            <a:lstStyle/>
+            <a:p>
+              <a:pPr algn="ctr"/>
+              <a:endParaRPr lang="de-DE">
+                <a:solidFill>
+                  <a:srgbClr val="00B050"/>
+                </a:solidFill>
+              </a:endParaRPr>
+            </a:p>
+          </p:txBody>
+        </p:sp>
+        <p:sp>
+          <p:nvSpPr>
+            <p:cNvPr id="9" name="Freihandform 8"/>
+            <p:cNvSpPr/>
+            <p:nvPr/>
+          </p:nvSpPr>
+          <p:spPr>
+            <a:xfrm rot="16200000">
+              <a:off x="8370496" y="2765819"/>
+              <a:ext cx="179873" cy="570424"/>
+            </a:xfrm>
+            <a:custGeom>
+              <a:avLst/>
+              <a:gdLst>
+                <a:gd name="connsiteX0" fmla="*/ 1480457 w 1480457"/>
+                <a:gd name="connsiteY0" fmla="*/ 0 h 914400"/>
+                <a:gd name="connsiteX1" fmla="*/ 0 w 1480457"/>
+                <a:gd name="connsiteY1" fmla="*/ 0 h 914400"/>
+                <a:gd name="connsiteX2" fmla="*/ 0 w 1480457"/>
+                <a:gd name="connsiteY2" fmla="*/ 914400 h 914400"/>
+                <a:gd name="connsiteX3" fmla="*/ 1465943 w 1480457"/>
+                <a:gd name="connsiteY3" fmla="*/ 914400 h 914400"/>
+              </a:gdLst>
+              <a:ahLst/>
+              <a:cxnLst>
+                <a:cxn ang="0">
+                  <a:pos x="connsiteX0" y="connsiteY0"/>
+                </a:cxn>
+                <a:cxn ang="0">
+                  <a:pos x="connsiteX1" y="connsiteY1"/>
+                </a:cxn>
+                <a:cxn ang="0">
+                  <a:pos x="connsiteX2" y="connsiteY2"/>
+                </a:cxn>
+                <a:cxn ang="0">
+                  <a:pos x="connsiteX3" y="connsiteY3"/>
+                </a:cxn>
+              </a:cxnLst>
+              <a:rect l="l" t="t" r="r" b="b"/>
+              <a:pathLst>
+                <a:path w="1480457" h="914400">
+                  <a:moveTo>
+                    <a:pt x="1480457" y="0"/>
+                  </a:moveTo>
+                  <a:lnTo>
+                    <a:pt x="0" y="0"/>
+                  </a:lnTo>
+                  <a:lnTo>
+                    <a:pt x="0" y="914400"/>
+                  </a:lnTo>
+                  <a:lnTo>
+                    <a:pt x="1465943" y="914400"/>
+                  </a:lnTo>
+                </a:path>
+              </a:pathLst>
+            </a:custGeom>
+            <a:noFill/>
+            <a:ln w="63500">
+              <a:solidFill>
+                <a:srgbClr val="C00000"/>
+              </a:solidFill>
+            </a:ln>
+          </p:spPr>
+          <p:style>
+            <a:lnRef idx="2">
+              <a:schemeClr val="accent1">
+                <a:shade val="50000"/>
+              </a:schemeClr>
+            </a:lnRef>
+            <a:fillRef idx="1">
+              <a:schemeClr val="accent1"/>
+            </a:fillRef>
+            <a:effectRef idx="0">
+              <a:schemeClr val="accent1"/>
+            </a:effectRef>
+            <a:fontRef idx="minor">
+              <a:schemeClr val="lt1"/>
+            </a:fontRef>
+          </p:style>
+          <p:txBody>
+            <a:bodyPr rtlCol="0" anchor="ctr"/>
+            <a:lstStyle/>
+            <a:p>
+              <a:pPr algn="ctr"/>
+              <a:endParaRPr lang="de-DE"/>
+            </a:p>
+          </p:txBody>
+        </p:sp>
+        <p:sp>
+          <p:nvSpPr>
+            <p:cNvPr id="10" name="Bogen 9"/>
+            <p:cNvSpPr/>
+            <p:nvPr/>
+          </p:nvSpPr>
+          <p:spPr>
+            <a:xfrm rot="5400000">
+              <a:off x="2845899" y="3055870"/>
+              <a:ext cx="821115" cy="902894"/>
+            </a:xfrm>
+            <a:prstGeom prst="arc">
+              <a:avLst>
+                <a:gd name="adj1" fmla="val 13243218"/>
+                <a:gd name="adj2" fmla="val 19291918"/>
+              </a:avLst>
+            </a:prstGeom>
+            <a:noFill/>
+            <a:ln w="63500">
+              <a:solidFill>
+                <a:schemeClr val="tx1"/>
+              </a:solidFill>
+            </a:ln>
+          </p:spPr>
+          <p:style>
+            <a:lnRef idx="2">
+              <a:schemeClr val="accent1">
+                <a:shade val="50000"/>
+              </a:schemeClr>
+            </a:lnRef>
+            <a:fillRef idx="1">
+              <a:schemeClr val="accent1"/>
+            </a:fillRef>
+            <a:effectRef idx="0">
+              <a:schemeClr val="accent1"/>
+            </a:effectRef>
+            <a:fontRef idx="minor">
+              <a:schemeClr val="lt1"/>
+            </a:fontRef>
+          </p:style>
+          <p:txBody>
+            <a:bodyPr rtlCol="0" anchor="ctr"/>
+            <a:lstStyle/>
+            <a:p>
+              <a:pPr algn="ctr"/>
+              <a:endParaRPr lang="de-DE"/>
+            </a:p>
+          </p:txBody>
+        </p:sp>
+        <p:sp>
+          <p:nvSpPr>
+            <p:cNvPr id="11" name="Bogen 10"/>
+            <p:cNvSpPr/>
+            <p:nvPr/>
+          </p:nvSpPr>
+          <p:spPr>
+            <a:xfrm>
+              <a:off x="8049874" y="3165878"/>
+              <a:ext cx="821115" cy="902894"/>
+            </a:xfrm>
+            <a:prstGeom prst="arc">
+              <a:avLst>
+                <a:gd name="adj1" fmla="val 13243218"/>
+                <a:gd name="adj2" fmla="val 19291918"/>
+              </a:avLst>
+            </a:prstGeom>
+            <a:noFill/>
+            <a:ln w="63500">
+              <a:solidFill>
+                <a:schemeClr val="tx1"/>
+              </a:solidFill>
+            </a:ln>
+          </p:spPr>
+          <p:style>
+            <a:lnRef idx="2">
+              <a:schemeClr val="accent1">
+                <a:shade val="50000"/>
+              </a:schemeClr>
+            </a:lnRef>
+            <a:fillRef idx="1">
+              <a:schemeClr val="accent1"/>
+            </a:fillRef>
+            <a:effectRef idx="0">
+              <a:schemeClr val="accent1"/>
+            </a:effectRef>
+            <a:fontRef idx="minor">
+              <a:schemeClr val="lt1"/>
+            </a:fontRef>
+          </p:style>
+          <p:txBody>
+            <a:bodyPr rtlCol="0" anchor="ctr"/>
+            <a:lstStyle/>
+            <a:p>
+              <a:pPr algn="ctr"/>
+              <a:endParaRPr lang="de-DE"/>
+            </a:p>
+          </p:txBody>
+        </p:sp>
+        <p:sp>
+          <p:nvSpPr>
+            <p:cNvPr id="12" name="Bogen 11"/>
+            <p:cNvSpPr/>
+            <p:nvPr/>
+          </p:nvSpPr>
+          <p:spPr>
+            <a:xfrm rot="5400000">
+              <a:off x="613651" y="3049560"/>
+              <a:ext cx="821115" cy="902894"/>
+            </a:xfrm>
+            <a:prstGeom prst="arc">
+              <a:avLst>
+                <a:gd name="adj1" fmla="val 13243218"/>
+                <a:gd name="adj2" fmla="val 19291918"/>
+              </a:avLst>
+            </a:prstGeom>
+            <a:noFill/>
+            <a:ln w="63500">
+              <a:solidFill>
+                <a:srgbClr val="00B050"/>
+              </a:solidFill>
+            </a:ln>
+          </p:spPr>
+          <p:style>
+            <a:lnRef idx="2">
+              <a:schemeClr val="accent1">
+                <a:shade val="50000"/>
+              </a:schemeClr>
+            </a:lnRef>
+            <a:fillRef idx="1">
+              <a:schemeClr val="accent1"/>
+            </a:fillRef>
+            <a:effectRef idx="0">
+              <a:schemeClr val="accent1"/>
+            </a:effectRef>
+            <a:fontRef idx="minor">
+              <a:schemeClr val="lt1"/>
+            </a:fontRef>
+          </p:style>
+          <p:txBody>
+            <a:bodyPr rtlCol="0" anchor="ctr"/>
+            <a:lstStyle/>
+            <a:p>
+              <a:pPr algn="ctr"/>
+              <a:endParaRPr lang="de-DE">
+                <a:solidFill>
+                  <a:srgbClr val="00B050"/>
+                </a:solidFill>
+              </a:endParaRPr>
+            </a:p>
+          </p:txBody>
+        </p:sp>
+        <p:cxnSp>
+          <p:nvCxnSpPr>
+            <p:cNvPr id="13" name="Gerade Verbindung 12"/>
+            <p:cNvCxnSpPr/>
+            <p:nvPr/>
+          </p:nvCxnSpPr>
+          <p:spPr>
+            <a:xfrm>
+              <a:off x="654541" y="3501007"/>
+              <a:ext cx="821115" cy="0"/>
+            </a:xfrm>
+            <a:prstGeom prst="line">
+              <a:avLst/>
+            </a:prstGeom>
+            <a:noFill/>
+            <a:ln w="63500">
+              <a:solidFill>
+                <a:srgbClr val="00B050"/>
+              </a:solidFill>
+            </a:ln>
+          </p:spPr>
+          <p:style>
+            <a:lnRef idx="2">
+              <a:schemeClr val="accent1">
+                <a:shade val="50000"/>
+              </a:schemeClr>
+            </a:lnRef>
+            <a:fillRef idx="1">
+              <a:schemeClr val="accent1"/>
+            </a:fillRef>
+            <a:effectRef idx="0">
+              <a:schemeClr val="accent1"/>
+            </a:effectRef>
+            <a:fontRef idx="minor">
+              <a:schemeClr val="lt1"/>
+            </a:fontRef>
+          </p:style>
+        </p:cxnSp>
+        <p:sp>
+          <p:nvSpPr>
+            <p:cNvPr id="16" name="Bogen 15"/>
+            <p:cNvSpPr/>
+            <p:nvPr/>
+          </p:nvSpPr>
+          <p:spPr>
+            <a:xfrm rot="20358923">
+              <a:off x="7953641" y="2209064"/>
+              <a:ext cx="821115" cy="902894"/>
+            </a:xfrm>
+            <a:prstGeom prst="arc">
+              <a:avLst>
+                <a:gd name="adj1" fmla="val 13243218"/>
+                <a:gd name="adj2" fmla="val 19291918"/>
+              </a:avLst>
+            </a:prstGeom>
+            <a:noFill/>
+            <a:ln w="63500">
+              <a:solidFill>
+                <a:srgbClr val="C00000"/>
+              </a:solidFill>
+            </a:ln>
+          </p:spPr>
+          <p:style>
+            <a:lnRef idx="2">
+              <a:schemeClr val="accent1">
+                <a:shade val="50000"/>
+              </a:schemeClr>
+            </a:lnRef>
+            <a:fillRef idx="1">
+              <a:schemeClr val="accent1"/>
+            </a:fillRef>
+            <a:effectRef idx="0">
+              <a:schemeClr val="accent1"/>
+            </a:effectRef>
+            <a:fontRef idx="minor">
+              <a:schemeClr val="lt1"/>
+            </a:fontRef>
+          </p:style>
+          <p:txBody>
+            <a:bodyPr rtlCol="0" anchor="ctr"/>
+            <a:lstStyle/>
+            <a:p>
+              <a:pPr algn="ctr"/>
+              <a:endParaRPr lang="de-DE"/>
+            </a:p>
+          </p:txBody>
+        </p:sp>
+        <p:sp>
+          <p:nvSpPr>
+            <p:cNvPr id="17" name="Bogen 16"/>
+            <p:cNvSpPr/>
+            <p:nvPr/>
+          </p:nvSpPr>
+          <p:spPr>
+            <a:xfrm>
+              <a:off x="5436096" y="1628800"/>
+              <a:ext cx="3024335" cy="3024336"/>
+            </a:xfrm>
+            <a:prstGeom prst="arc">
+              <a:avLst>
+                <a:gd name="adj1" fmla="val 19416270"/>
+                <a:gd name="adj2" fmla="val 21584356"/>
+              </a:avLst>
+            </a:prstGeom>
+            <a:noFill/>
+            <a:ln w="63500">
+              <a:solidFill>
+                <a:srgbClr val="C00000"/>
+              </a:solidFill>
+            </a:ln>
+          </p:spPr>
+          <p:style>
+            <a:lnRef idx="2">
+              <a:schemeClr val="accent1">
+                <a:shade val="50000"/>
+              </a:schemeClr>
+            </a:lnRef>
+            <a:fillRef idx="1">
+              <a:schemeClr val="accent1"/>
+            </a:fillRef>
+            <a:effectRef idx="0">
+              <a:schemeClr val="accent1"/>
+            </a:effectRef>
+            <a:fontRef idx="minor">
+              <a:schemeClr val="lt1"/>
+            </a:fontRef>
+          </p:style>
+          <p:txBody>
+            <a:bodyPr rtlCol="0" anchor="ctr"/>
+            <a:lstStyle/>
+            <a:p>
+              <a:pPr algn="ctr"/>
+              <a:endParaRPr lang="de-DE"/>
+            </a:p>
+          </p:txBody>
+        </p:sp>
+        <mc:AlternateContent xmlns:mc="http://schemas.openxmlformats.org/markup-compatibility/2006">
+          <mc:Choice xmlns:a14="http://schemas.microsoft.com/office/drawing/2010/main" Requires="a14">
+            <p:sp>
+              <p:nvSpPr>
+                <p:cNvPr id="18" name="Textfeld 17"/>
+                <p:cNvSpPr txBox="1"/>
+                <p:nvPr/>
+              </p:nvSpPr>
+              <p:spPr>
+                <a:xfrm>
+                  <a:off x="1475656" y="2948656"/>
+                  <a:ext cx="1739911" cy="369332"/>
+                </a:xfrm>
+                <a:prstGeom prst="rect">
+                  <a:avLst/>
+                </a:prstGeom>
+                <a:noFill/>
+              </p:spPr>
+              <p:txBody>
+                <a:bodyPr wrap="square" rtlCol="0">
+                  <a:spAutoFit/>
+                </a:bodyPr>
+                <a:lstStyle/>
+                <a:p>
+                  <a14:m>
+                    <m:oMath xmlns:m="http://schemas.openxmlformats.org/officeDocument/2006/math">
+                      <m:r>
+                        <a:rPr lang="de-DE" b="1" i="1" dirty="0">
+                          <a:solidFill>
+                            <a:srgbClr val="00B050"/>
+                          </a:solidFill>
+                          <a:latin typeface="Cambria Math"/>
+                        </a:rPr>
+                        <m:t>:=</m:t>
+                      </m:r>
+                      <m:r>
+                        <a:rPr lang="de-DE" b="1" i="1" dirty="0">
+                          <a:solidFill>
+                            <a:srgbClr val="00B050"/>
+                          </a:solidFill>
+                          <a:latin typeface="Cambria Math"/>
+                        </a:rPr>
+                        <m:t>𝑼</m:t>
+                      </m:r>
+                      <m:r>
+                        <a:rPr lang="de-DE" b="1" i="1" dirty="0">
+                          <a:solidFill>
+                            <a:srgbClr val="00B050"/>
+                          </a:solidFill>
+                          <a:latin typeface="Cambria Math"/>
+                        </a:rPr>
+                        <m:t> </m:t>
+                      </m:r>
+                    </m:oMath>
+                  </a14:m>
+                  <a:r>
+                    <a:rPr lang="de-DE" b="1" dirty="0">
+                      <a:solidFill>
+                        <a:srgbClr val="00B050"/>
+                      </a:solidFill>
+                    </a:rPr>
+                    <a:t>ist offen</a:t>
+                  </a:r>
+                  <a:endParaRPr lang="de-DE" b="1" dirty="0">
+                    <a:solidFill>
+                      <a:srgbClr val="00B050"/>
+                    </a:solidFill>
+                  </a:endParaRPr>
+                </a:p>
+              </p:txBody>
+            </p:sp>
+          </mc:Choice>
+          <mc:Fallback>
+            <p:sp>
+              <p:nvSpPr>
+                <p:cNvPr id="18" name="Textfeld 17"/>
+                <p:cNvSpPr txBox="1">
+                  <a:spLocks noRot="1" noChangeAspect="1" noMove="1" noResize="1" noEditPoints="1" noAdjustHandles="1" noChangeArrowheads="1" noChangeShapeType="1" noTextEdit="1"/>
+                </p:cNvSpPr>
+                <p:nvPr/>
+              </p:nvSpPr>
+              <p:spPr>
+                <a:xfrm>
+                  <a:off x="1475656" y="2948656"/>
+                  <a:ext cx="1739911" cy="369332"/>
+                </a:xfrm>
+                <a:prstGeom prst="rect">
+                  <a:avLst/>
+                </a:prstGeom>
+                <a:blipFill rotWithShape="1">
+                  <a:blip r:embed="rId3"/>
+                  <a:stretch>
+                    <a:fillRect t="-8333" b="-26667"/>
+                  </a:stretch>
+                </a:blipFill>
+              </p:spPr>
+              <p:txBody>
+                <a:bodyPr/>
+                <a:lstStyle/>
+                <a:p>
+                  <a:r>
+                    <a:rPr lang="de-DE">
+                      <a:noFill/>
+                    </a:rPr>
+                    <a:t> </a:t>
+                  </a:r>
+                </a:p>
+              </p:txBody>
+            </p:sp>
+          </mc:Fallback>
+        </mc:AlternateContent>
+        <mc:AlternateContent xmlns:mc="http://schemas.openxmlformats.org/markup-compatibility/2006">
+          <mc:Choice xmlns:a14="http://schemas.microsoft.com/office/drawing/2010/main" Requires="a14">
+            <p:sp>
+              <p:nvSpPr>
+                <p:cNvPr id="20" name="Textfeld 19"/>
+                <p:cNvSpPr txBox="1"/>
+                <p:nvPr/>
+              </p:nvSpPr>
+              <p:spPr>
+                <a:xfrm>
+                  <a:off x="6537706" y="2575325"/>
+                  <a:ext cx="1512168" cy="652551"/>
+                </a:xfrm>
+                <a:prstGeom prst="rect">
+                  <a:avLst/>
+                </a:prstGeom>
+                <a:noFill/>
+              </p:spPr>
+              <p:txBody>
+                <a:bodyPr wrap="square" rtlCol="0">
+                  <a:spAutoFit/>
+                </a:bodyPr>
+                <a:lstStyle/>
+                <a:p>
+                  <a14:m>
+                    <m:oMath xmlns:m="http://schemas.openxmlformats.org/officeDocument/2006/math">
+                      <m:sSup>
+                        <m:sSupPr>
+                          <m:ctrlPr>
+                            <a:rPr lang="de-DE" b="1" i="1" smtClean="0">
+                              <a:solidFill>
+                                <a:srgbClr val="C00000"/>
+                              </a:solidFill>
+                              <a:latin typeface="Cambria Math"/>
+                            </a:rPr>
+                          </m:ctrlPr>
+                        </m:sSupPr>
+                        <m:e>
+                          <m:r>
+                            <a:rPr lang="de-DE" b="1" i="1" smtClean="0">
+                              <a:solidFill>
+                                <a:srgbClr val="C00000"/>
+                              </a:solidFill>
+                              <a:latin typeface="Cambria Math"/>
+                            </a:rPr>
+                            <m:t>(</m:t>
+                          </m:r>
+                          <m:r>
+                            <a:rPr lang="de-DE" b="1" i="1">
+                              <a:solidFill>
+                                <a:srgbClr val="C00000"/>
+                              </a:solidFill>
+                              <a:latin typeface="Cambria Math"/>
+                            </a:rPr>
+                            <m:t>𝒇</m:t>
+                          </m:r>
+                        </m:e>
+                        <m:sup>
+                          <m:r>
+                            <a:rPr lang="de-DE" b="1" i="1">
+                              <a:solidFill>
+                                <a:srgbClr val="C00000"/>
+                              </a:solidFill>
+                              <a:latin typeface="Cambria Math"/>
+                            </a:rPr>
+                            <m:t>−</m:t>
+                          </m:r>
+                          <m:r>
+                            <a:rPr lang="de-DE" b="1" i="1">
+                              <a:solidFill>
+                                <a:srgbClr val="C00000"/>
+                              </a:solidFill>
+                              <a:latin typeface="Cambria Math"/>
+                            </a:rPr>
+                            <m:t>𝟏</m:t>
+                          </m:r>
+                        </m:sup>
+                      </m:sSup>
+                      <m:sSup>
+                        <m:sSupPr>
+                          <m:ctrlPr>
+                            <a:rPr lang="de-DE" b="1" i="1" smtClean="0">
+                              <a:solidFill>
+                                <a:srgbClr val="C00000"/>
+                              </a:solidFill>
+                              <a:latin typeface="Cambria Math"/>
+                            </a:rPr>
+                          </m:ctrlPr>
+                        </m:sSupPr>
+                        <m:e>
+                          <m:r>
+                            <a:rPr lang="de-DE" b="1" i="1" smtClean="0">
+                              <a:solidFill>
+                                <a:srgbClr val="C00000"/>
+                              </a:solidFill>
+                              <a:latin typeface="Cambria Math"/>
+                            </a:rPr>
+                            <m:t>)</m:t>
+                          </m:r>
+                        </m:e>
+                        <m:sup>
+                          <m:r>
+                            <a:rPr lang="de-DE" b="1" i="1" smtClean="0">
+                              <a:solidFill>
+                                <a:srgbClr val="C00000"/>
+                              </a:solidFill>
+                              <a:latin typeface="Cambria Math"/>
+                            </a:rPr>
+                            <m:t>−</m:t>
+                          </m:r>
+                          <m:r>
+                            <a:rPr lang="de-DE" b="1" i="1" smtClean="0">
+                              <a:solidFill>
+                                <a:srgbClr val="C00000"/>
+                              </a:solidFill>
+                              <a:latin typeface="Cambria Math"/>
+                            </a:rPr>
+                            <m:t>𝟏</m:t>
+                          </m:r>
+                        </m:sup>
+                      </m:sSup>
+                      <m:d>
+                        <m:dPr>
+                          <m:ctrlPr>
+                            <a:rPr lang="de-DE" b="1" i="1">
+                              <a:solidFill>
+                                <a:srgbClr val="C00000"/>
+                              </a:solidFill>
+                              <a:latin typeface="Cambria Math"/>
+                            </a:rPr>
+                          </m:ctrlPr>
+                        </m:dPr>
+                        <m:e>
+                          <m:r>
+                            <a:rPr lang="de-DE" b="1" i="1">
+                              <a:solidFill>
+                                <a:srgbClr val="C00000"/>
+                              </a:solidFill>
+                              <a:latin typeface="Cambria Math"/>
+                            </a:rPr>
+                            <m:t>𝑼</m:t>
+                          </m:r>
+                        </m:e>
+                      </m:d>
+                    </m:oMath>
+                  </a14:m>
+                  <a:r>
+                    <a:rPr lang="de-DE" dirty="0" smtClean="0">
+                      <a:solidFill>
+                        <a:srgbClr val="C00000"/>
+                      </a:solidFill>
+                    </a:rPr>
+                    <a:t> </a:t>
+                  </a:r>
+                  <a:r>
+                    <a:rPr lang="de-DE" b="1" dirty="0">
+                      <a:solidFill>
+                        <a:srgbClr val="C00000"/>
+                      </a:solidFill>
+                    </a:rPr>
+                    <a:t>ist nicht offen</a:t>
+                  </a:r>
+                  <a:endParaRPr lang="de-DE" b="1" dirty="0">
+                    <a:solidFill>
+                      <a:srgbClr val="C00000"/>
+                    </a:solidFill>
+                  </a:endParaRPr>
+                </a:p>
+              </p:txBody>
+            </p:sp>
+          </mc:Choice>
+          <mc:Fallback>
+            <p:sp>
+              <p:nvSpPr>
+                <p:cNvPr id="20" name="Textfeld 19"/>
+                <p:cNvSpPr txBox="1">
+                  <a:spLocks noRot="1" noChangeAspect="1" noMove="1" noResize="1" noEditPoints="1" noAdjustHandles="1" noChangeArrowheads="1" noChangeShapeType="1" noTextEdit="1"/>
+                </p:cNvSpPr>
+                <p:nvPr/>
+              </p:nvSpPr>
+              <p:spPr>
+                <a:xfrm>
+                  <a:off x="6537706" y="2575325"/>
+                  <a:ext cx="1512168" cy="652551"/>
+                </a:xfrm>
+                <a:prstGeom prst="rect">
+                  <a:avLst/>
+                </a:prstGeom>
+                <a:blipFill rotWithShape="1">
+                  <a:blip r:embed="rId4"/>
+                  <a:stretch>
+                    <a:fillRect l="-3213" r="-1205" b="-12963"/>
+                  </a:stretch>
+                </a:blipFill>
+              </p:spPr>
+              <p:txBody>
+                <a:bodyPr/>
+                <a:lstStyle/>
+                <a:p>
+                  <a:r>
+                    <a:rPr lang="de-DE">
+                      <a:noFill/>
+                    </a:rPr>
+                    <a:t> </a:t>
+                  </a:r>
+                </a:p>
+              </p:txBody>
+            </p:sp>
+          </mc:Fallback>
+        </mc:AlternateContent>
+      </p:grpSp>
     </p:spTree>
     <p:extLst>
       <p:ext uri="{BB962C8B-B14F-4D97-AF65-F5344CB8AC3E}">
@@ -4909,6 +9839,50 @@
   <p:clrMapOvr>
     <a:masterClrMapping/>
   </p:clrMapOvr>
+  <p:timing>
+    <p:tnLst>
+      <p:par>
+        <p:cTn id="1" dur="indefinite" restart="never" nodeType="tmRoot"/>
+      </p:par>
+    </p:tnLst>
+  </p:timing>
+</p:sld>
+</file>
+
+<file path=ppt/slides/slide14.xml><?xml version="1.0" encoding="utf-8"?>
+<p:sld xmlns:a="http://schemas.openxmlformats.org/drawingml/2006/main" xmlns:r="http://schemas.openxmlformats.org/officeDocument/2006/relationships" xmlns:p="http://schemas.openxmlformats.org/presentationml/2006/main">
+  <p:cSld>
+    <p:spTree>
+      <p:nvGrpSpPr>
+        <p:cNvPr id="1" name=""/>
+        <p:cNvGrpSpPr/>
+        <p:nvPr/>
+      </p:nvGrpSpPr>
+      <p:grpSpPr>
+        <a:xfrm>
+          <a:off x="0" y="0"/>
+          <a:ext cx="0" cy="0"/>
+          <a:chOff x="0" y="0"/>
+          <a:chExt cx="0" cy="0"/>
+        </a:xfrm>
+      </p:grpSpPr>
+    </p:spTree>
+    <p:extLst>
+      <p:ext uri="{BB962C8B-B14F-4D97-AF65-F5344CB8AC3E}">
+        <p14:creationId xmlns:p14="http://schemas.microsoft.com/office/powerpoint/2010/main" val="2475387953"/>
+      </p:ext>
+    </p:extLst>
+  </p:cSld>
+  <p:clrMapOvr>
+    <a:masterClrMapping/>
+  </p:clrMapOvr>
+  <p:timing>
+    <p:tnLst>
+      <p:par>
+        <p:cTn id="1" dur="indefinite" restart="never" nodeType="tmRoot"/>
+      </p:par>
+    </p:tnLst>
+  </p:timing>
 </p:sld>
 </file>
 
@@ -5788,6 +10762,13 @@
   <p:clrMapOvr>
     <a:masterClrMapping/>
   </p:clrMapOvr>
+  <p:timing>
+    <p:tnLst>
+      <p:par>
+        <p:cTn id="1" dur="indefinite" restart="never" nodeType="tmRoot"/>
+      </p:par>
+    </p:tnLst>
+  </p:timing>
 </p:sld>
 </file>
 
@@ -6640,6 +11621,13 @@
   <p:clrMapOvr>
     <a:masterClrMapping/>
   </p:clrMapOvr>
+  <p:timing>
+    <p:tnLst>
+      <p:par>
+        <p:cTn id="1" dur="indefinite" restart="never" nodeType="tmRoot"/>
+      </p:par>
+    </p:tnLst>
+  </p:timing>
 </p:sld>
 </file>
 
@@ -7340,6 +12328,13 @@
   <p:clrMapOvr>
     <a:masterClrMapping/>
   </p:clrMapOvr>
+  <p:timing>
+    <p:tnLst>
+      <p:par>
+        <p:cTn id="1" dur="indefinite" restart="never" nodeType="tmRoot"/>
+      </p:par>
+    </p:tnLst>
+  </p:timing>
 </p:sld>
 </file>
 
@@ -9544,6 +14539,13 @@
   <p:clrMapOvr>
     <a:masterClrMapping/>
   </p:clrMapOvr>
+  <p:timing>
+    <p:tnLst>
+      <p:par>
+        <p:cTn id="1" dur="indefinite" restart="never" nodeType="tmRoot"/>
+      </p:par>
+    </p:tnLst>
+  </p:timing>
 </p:sld>
 </file>
 
@@ -10652,6 +15654,13 @@
   <p:clrMapOvr>
     <a:masterClrMapping/>
   </p:clrMapOvr>
+  <p:timing>
+    <p:tnLst>
+      <p:par>
+        <p:cTn id="1" dur="indefinite" restart="never" nodeType="tmRoot"/>
+      </p:par>
+    </p:tnLst>
+  </p:timing>
 </p:sld>
 </file>
 
@@ -12723,6 +17732,13 @@
   <p:clrMapOvr>
     <a:masterClrMapping/>
   </p:clrMapOvr>
+  <p:timing>
+    <p:tnLst>
+      <p:par>
+        <p:cTn id="1" dur="indefinite" restart="never" nodeType="tmRoot"/>
+      </p:par>
+    </p:tnLst>
+  </p:timing>
 </p:sld>
 </file>
 
@@ -12743,6 +17759,114 @@
           <a:chExt cx="0" cy="0"/>
         </a:xfrm>
       </p:grpSpPr>
+      <p:sp>
+        <p:nvSpPr>
+          <p:cNvPr id="4" name="Ellipse 3"/>
+          <p:cNvSpPr/>
+          <p:nvPr/>
+        </p:nvSpPr>
+        <p:spPr>
+          <a:xfrm>
+            <a:off x="971600" y="2492896"/>
+            <a:ext cx="2592288" cy="2592288"/>
+          </a:xfrm>
+          <a:prstGeom prst="ellipse">
+            <a:avLst/>
+          </a:prstGeom>
+          <a:pattFill prst="pct25">
+            <a:fgClr>
+              <a:srgbClr val="FF0000"/>
+            </a:fgClr>
+            <a:bgClr>
+              <a:schemeClr val="bg1"/>
+            </a:bgClr>
+          </a:pattFill>
+          <a:ln w="50800">
+            <a:solidFill>
+              <a:srgbClr val="FF0000"/>
+            </a:solidFill>
+            <a:prstDash val="dash"/>
+          </a:ln>
+        </p:spPr>
+        <p:style>
+          <a:lnRef idx="2">
+            <a:schemeClr val="accent1">
+              <a:shade val="50000"/>
+            </a:schemeClr>
+          </a:lnRef>
+          <a:fillRef idx="1">
+            <a:schemeClr val="accent1"/>
+          </a:fillRef>
+          <a:effectRef idx="0">
+            <a:schemeClr val="accent1"/>
+          </a:effectRef>
+          <a:fontRef idx="minor">
+            <a:schemeClr val="lt1"/>
+          </a:fontRef>
+        </p:style>
+        <p:txBody>
+          <a:bodyPr rtlCol="0" anchor="ctr"/>
+          <a:lstStyle/>
+          <a:p>
+            <a:pPr algn="ctr"/>
+            <a:endParaRPr lang="de-DE"/>
+          </a:p>
+        </p:txBody>
+      </p:sp>
+      <p:sp>
+        <p:nvSpPr>
+          <p:cNvPr id="5" name="Rechteck 4"/>
+          <p:cNvSpPr/>
+          <p:nvPr/>
+        </p:nvSpPr>
+        <p:spPr>
+          <a:xfrm>
+            <a:off x="4716016" y="2060848"/>
+            <a:ext cx="2736304" cy="2736304"/>
+          </a:xfrm>
+          <a:prstGeom prst="rect">
+            <a:avLst/>
+          </a:prstGeom>
+          <a:pattFill prst="pct25">
+            <a:fgClr>
+              <a:srgbClr val="FF0000"/>
+            </a:fgClr>
+            <a:bgClr>
+              <a:schemeClr val="bg1"/>
+            </a:bgClr>
+          </a:pattFill>
+          <a:ln w="50800">
+            <a:solidFill>
+              <a:srgbClr val="FF0000"/>
+            </a:solidFill>
+            <a:prstDash val="dash"/>
+          </a:ln>
+        </p:spPr>
+        <p:style>
+          <a:lnRef idx="2">
+            <a:schemeClr val="accent1">
+              <a:shade val="50000"/>
+            </a:schemeClr>
+          </a:lnRef>
+          <a:fillRef idx="1">
+            <a:schemeClr val="accent1"/>
+          </a:fillRef>
+          <a:effectRef idx="0">
+            <a:schemeClr val="accent1"/>
+          </a:effectRef>
+          <a:fontRef idx="minor">
+            <a:schemeClr val="lt1"/>
+          </a:fontRef>
+        </p:style>
+        <p:txBody>
+          <a:bodyPr rtlCol="0" anchor="ctr"/>
+          <a:lstStyle/>
+          <a:p>
+            <a:pPr algn="ctr"/>
+            <a:endParaRPr lang="de-DE"/>
+          </a:p>
+        </p:txBody>
+      </p:sp>
     </p:spTree>
     <p:extLst>
       <p:ext uri="{BB962C8B-B14F-4D97-AF65-F5344CB8AC3E}">
@@ -12753,6 +17877,13 @@
   <p:clrMapOvr>
     <a:masterClrMapping/>
   </p:clrMapOvr>
+  <p:timing>
+    <p:tnLst>
+      <p:par>
+        <p:cTn id="1" dur="indefinite" restart="never" nodeType="tmRoot"/>
+      </p:par>
+    </p:tnLst>
+  </p:timing>
 </p:sld>
 </file>
 
@@ -12773,6 +17904,587 @@
           <a:chExt cx="0" cy="0"/>
         </a:xfrm>
       </p:grpSpPr>
+      <p:grpSp>
+        <p:nvGrpSpPr>
+          <p:cNvPr id="9" name="Gruppieren 8"/>
+          <p:cNvGrpSpPr/>
+          <p:nvPr/>
+        </p:nvGrpSpPr>
+        <p:grpSpPr>
+          <a:xfrm>
+            <a:off x="755576" y="404664"/>
+            <a:ext cx="4320480" cy="2624382"/>
+            <a:chOff x="755576" y="404664"/>
+            <a:chExt cx="4320480" cy="2624382"/>
+          </a:xfrm>
+        </p:grpSpPr>
+        <p:sp>
+          <p:nvSpPr>
+            <p:cNvPr id="2" name="Ellipse 1"/>
+            <p:cNvSpPr/>
+            <p:nvPr/>
+          </p:nvSpPr>
+          <p:spPr>
+            <a:xfrm>
+              <a:off x="755576" y="404664"/>
+              <a:ext cx="2592288" cy="2592288"/>
+            </a:xfrm>
+            <a:prstGeom prst="ellipse">
+              <a:avLst/>
+            </a:prstGeom>
+            <a:solidFill>
+              <a:srgbClr val="FF0000">
+                <a:alpha val="36000"/>
+              </a:srgbClr>
+            </a:solidFill>
+            <a:ln w="50800">
+              <a:solidFill>
+                <a:srgbClr val="FF0000"/>
+              </a:solidFill>
+              <a:prstDash val="dash"/>
+            </a:ln>
+          </p:spPr>
+          <p:style>
+            <a:lnRef idx="2">
+              <a:schemeClr val="accent1">
+                <a:shade val="50000"/>
+              </a:schemeClr>
+            </a:lnRef>
+            <a:fillRef idx="1">
+              <a:schemeClr val="accent1"/>
+            </a:fillRef>
+            <a:effectRef idx="0">
+              <a:schemeClr val="accent1"/>
+            </a:effectRef>
+            <a:fontRef idx="minor">
+              <a:schemeClr val="lt1"/>
+            </a:fontRef>
+          </p:style>
+          <p:txBody>
+            <a:bodyPr rtlCol="0" anchor="ctr"/>
+            <a:lstStyle/>
+            <a:p>
+              <a:pPr algn="ctr"/>
+              <a:endParaRPr lang="de-DE"/>
+            </a:p>
+          </p:txBody>
+        </p:sp>
+        <p:sp>
+          <p:nvSpPr>
+            <p:cNvPr id="3" name="Ellipse 2"/>
+            <p:cNvSpPr/>
+            <p:nvPr/>
+          </p:nvSpPr>
+          <p:spPr>
+            <a:xfrm>
+              <a:off x="2483768" y="436758"/>
+              <a:ext cx="2592288" cy="2592288"/>
+            </a:xfrm>
+            <a:prstGeom prst="ellipse">
+              <a:avLst/>
+            </a:prstGeom>
+            <a:solidFill>
+              <a:srgbClr val="00B050">
+                <a:alpha val="36000"/>
+              </a:srgbClr>
+            </a:solidFill>
+            <a:ln w="50800">
+              <a:solidFill>
+                <a:srgbClr val="00B050"/>
+              </a:solidFill>
+              <a:prstDash val="dash"/>
+            </a:ln>
+          </p:spPr>
+          <p:style>
+            <a:lnRef idx="2">
+              <a:schemeClr val="accent1">
+                <a:shade val="50000"/>
+              </a:schemeClr>
+            </a:lnRef>
+            <a:fillRef idx="1">
+              <a:schemeClr val="accent1"/>
+            </a:fillRef>
+            <a:effectRef idx="0">
+              <a:schemeClr val="accent1"/>
+            </a:effectRef>
+            <a:fontRef idx="minor">
+              <a:schemeClr val="lt1"/>
+            </a:fontRef>
+          </p:style>
+          <p:txBody>
+            <a:bodyPr rtlCol="0" anchor="ctr"/>
+            <a:lstStyle/>
+            <a:p>
+              <a:pPr algn="ctr"/>
+              <a:endParaRPr lang="de-DE"/>
+            </a:p>
+          </p:txBody>
+        </p:sp>
+        <p:sp>
+          <p:nvSpPr>
+            <p:cNvPr id="4" name="Freihandform 3"/>
+            <p:cNvSpPr/>
+            <p:nvPr/>
+          </p:nvSpPr>
+          <p:spPr>
+            <a:xfrm>
+              <a:off x="2468961" y="756518"/>
+              <a:ext cx="871602" cy="1959873"/>
+            </a:xfrm>
+            <a:custGeom>
+              <a:avLst/>
+              <a:gdLst>
+                <a:gd name="connsiteX0" fmla="*/ 450214 w 900498"/>
+                <a:gd name="connsiteY0" fmla="*/ 0 h 1959428"/>
+                <a:gd name="connsiteX1" fmla="*/ 271 w 900498"/>
+                <a:gd name="connsiteY1" fmla="*/ 943428 h 1959428"/>
+                <a:gd name="connsiteX2" fmla="*/ 392157 w 900498"/>
+                <a:gd name="connsiteY2" fmla="*/ 1959428 h 1959428"/>
+                <a:gd name="connsiteX3" fmla="*/ 900157 w 900498"/>
+                <a:gd name="connsiteY3" fmla="*/ 943428 h 1959428"/>
+                <a:gd name="connsiteX4" fmla="*/ 450214 w 900498"/>
+                <a:gd name="connsiteY4" fmla="*/ 0 h 1959428"/>
+                <a:gd name="connsiteX0" fmla="*/ 450006 w 900005"/>
+                <a:gd name="connsiteY0" fmla="*/ 0 h 1973942"/>
+                <a:gd name="connsiteX1" fmla="*/ 63 w 900005"/>
+                <a:gd name="connsiteY1" fmla="*/ 943428 h 1973942"/>
+                <a:gd name="connsiteX2" fmla="*/ 420978 w 900005"/>
+                <a:gd name="connsiteY2" fmla="*/ 1973942 h 1973942"/>
+                <a:gd name="connsiteX3" fmla="*/ 899949 w 900005"/>
+                <a:gd name="connsiteY3" fmla="*/ 943428 h 1973942"/>
+                <a:gd name="connsiteX4" fmla="*/ 450006 w 900005"/>
+                <a:gd name="connsiteY4" fmla="*/ 0 h 1973942"/>
+                <a:gd name="connsiteX0" fmla="*/ 450006 w 900005"/>
+                <a:gd name="connsiteY0" fmla="*/ 0 h 1974159"/>
+                <a:gd name="connsiteX1" fmla="*/ 63 w 900005"/>
+                <a:gd name="connsiteY1" fmla="*/ 943428 h 1974159"/>
+                <a:gd name="connsiteX2" fmla="*/ 420978 w 900005"/>
+                <a:gd name="connsiteY2" fmla="*/ 1973942 h 1974159"/>
+                <a:gd name="connsiteX3" fmla="*/ 899949 w 900005"/>
+                <a:gd name="connsiteY3" fmla="*/ 943428 h 1974159"/>
+                <a:gd name="connsiteX4" fmla="*/ 450006 w 900005"/>
+                <a:gd name="connsiteY4" fmla="*/ 0 h 1974159"/>
+                <a:gd name="connsiteX0" fmla="*/ 449984 w 899983"/>
+                <a:gd name="connsiteY0" fmla="*/ 0 h 1974159"/>
+                <a:gd name="connsiteX1" fmla="*/ 41 w 899983"/>
+                <a:gd name="connsiteY1" fmla="*/ 943428 h 1974159"/>
+                <a:gd name="connsiteX2" fmla="*/ 420956 w 899983"/>
+                <a:gd name="connsiteY2" fmla="*/ 1973942 h 1974159"/>
+                <a:gd name="connsiteX3" fmla="*/ 899927 w 899983"/>
+                <a:gd name="connsiteY3" fmla="*/ 943428 h 1974159"/>
+                <a:gd name="connsiteX4" fmla="*/ 449984 w 899983"/>
+                <a:gd name="connsiteY4" fmla="*/ 0 h 1974159"/>
+                <a:gd name="connsiteX0" fmla="*/ 449984 w 899967"/>
+                <a:gd name="connsiteY0" fmla="*/ 246 h 1974405"/>
+                <a:gd name="connsiteX1" fmla="*/ 41 w 899967"/>
+                <a:gd name="connsiteY1" fmla="*/ 943674 h 1974405"/>
+                <a:gd name="connsiteX2" fmla="*/ 420956 w 899967"/>
+                <a:gd name="connsiteY2" fmla="*/ 1974188 h 1974405"/>
+                <a:gd name="connsiteX3" fmla="*/ 899927 w 899967"/>
+                <a:gd name="connsiteY3" fmla="*/ 943674 h 1974405"/>
+                <a:gd name="connsiteX4" fmla="*/ 449984 w 899967"/>
+                <a:gd name="connsiteY4" fmla="*/ 246 h 1974405"/>
+                <a:gd name="connsiteX0" fmla="*/ 450549 w 900532"/>
+                <a:gd name="connsiteY0" fmla="*/ 246 h 1974405"/>
+                <a:gd name="connsiteX1" fmla="*/ 606 w 900532"/>
+                <a:gd name="connsiteY1" fmla="*/ 943674 h 1974405"/>
+                <a:gd name="connsiteX2" fmla="*/ 421521 w 900532"/>
+                <a:gd name="connsiteY2" fmla="*/ 1974188 h 1974405"/>
+                <a:gd name="connsiteX3" fmla="*/ 900492 w 900532"/>
+                <a:gd name="connsiteY3" fmla="*/ 943674 h 1974405"/>
+                <a:gd name="connsiteX4" fmla="*/ 450549 w 900532"/>
+                <a:gd name="connsiteY4" fmla="*/ 246 h 1974405"/>
+                <a:gd name="connsiteX0" fmla="*/ 450549 w 901345"/>
+                <a:gd name="connsiteY0" fmla="*/ 509 h 1974849"/>
+                <a:gd name="connsiteX1" fmla="*/ 606 w 901345"/>
+                <a:gd name="connsiteY1" fmla="*/ 943937 h 1974849"/>
+                <a:gd name="connsiteX2" fmla="*/ 421521 w 901345"/>
+                <a:gd name="connsiteY2" fmla="*/ 1974451 h 1974849"/>
+                <a:gd name="connsiteX3" fmla="*/ 900492 w 901345"/>
+                <a:gd name="connsiteY3" fmla="*/ 943937 h 1974849"/>
+                <a:gd name="connsiteX4" fmla="*/ 450549 w 901345"/>
+                <a:gd name="connsiteY4" fmla="*/ 509 h 1974849"/>
+                <a:gd name="connsiteX0" fmla="*/ 450549 w 857880"/>
+                <a:gd name="connsiteY0" fmla="*/ 17 h 1974343"/>
+                <a:gd name="connsiteX1" fmla="*/ 606 w 857880"/>
+                <a:gd name="connsiteY1" fmla="*/ 943445 h 1974343"/>
+                <a:gd name="connsiteX2" fmla="*/ 421521 w 857880"/>
+                <a:gd name="connsiteY2" fmla="*/ 1973959 h 1974343"/>
+                <a:gd name="connsiteX3" fmla="*/ 856949 w 857880"/>
+                <a:gd name="connsiteY3" fmla="*/ 928931 h 1974343"/>
+                <a:gd name="connsiteX4" fmla="*/ 450549 w 857880"/>
+                <a:gd name="connsiteY4" fmla="*/ 17 h 1974343"/>
+                <a:gd name="connsiteX0" fmla="*/ 450549 w 863276"/>
+                <a:gd name="connsiteY0" fmla="*/ 17 h 1974343"/>
+                <a:gd name="connsiteX1" fmla="*/ 606 w 863276"/>
+                <a:gd name="connsiteY1" fmla="*/ 943445 h 1974343"/>
+                <a:gd name="connsiteX2" fmla="*/ 421521 w 863276"/>
+                <a:gd name="connsiteY2" fmla="*/ 1973959 h 1974343"/>
+                <a:gd name="connsiteX3" fmla="*/ 856949 w 863276"/>
+                <a:gd name="connsiteY3" fmla="*/ 928931 h 1974343"/>
+                <a:gd name="connsiteX4" fmla="*/ 450549 w 863276"/>
+                <a:gd name="connsiteY4" fmla="*/ 17 h 1974343"/>
+                <a:gd name="connsiteX0" fmla="*/ 479130 w 856779"/>
+                <a:gd name="connsiteY0" fmla="*/ 8 h 1959648"/>
+                <a:gd name="connsiteX1" fmla="*/ 158 w 856779"/>
+                <a:gd name="connsiteY1" fmla="*/ 928922 h 1959648"/>
+                <a:gd name="connsiteX2" fmla="*/ 421073 w 856779"/>
+                <a:gd name="connsiteY2" fmla="*/ 1959436 h 1959648"/>
+                <a:gd name="connsiteX3" fmla="*/ 856501 w 856779"/>
+                <a:gd name="connsiteY3" fmla="*/ 914408 h 1959648"/>
+                <a:gd name="connsiteX4" fmla="*/ 479130 w 856779"/>
+                <a:gd name="connsiteY4" fmla="*/ 8 h 1959648"/>
+                <a:gd name="connsiteX0" fmla="*/ 479130 w 858266"/>
+                <a:gd name="connsiteY0" fmla="*/ 21 h 1959893"/>
+                <a:gd name="connsiteX1" fmla="*/ 158 w 858266"/>
+                <a:gd name="connsiteY1" fmla="*/ 928935 h 1959893"/>
+                <a:gd name="connsiteX2" fmla="*/ 421073 w 858266"/>
+                <a:gd name="connsiteY2" fmla="*/ 1959449 h 1959893"/>
+                <a:gd name="connsiteX3" fmla="*/ 856501 w 858266"/>
+                <a:gd name="connsiteY3" fmla="*/ 914421 h 1959893"/>
+                <a:gd name="connsiteX4" fmla="*/ 479130 w 858266"/>
+                <a:gd name="connsiteY4" fmla="*/ 21 h 1959893"/>
+                <a:gd name="connsiteX0" fmla="*/ 479130 w 858266"/>
+                <a:gd name="connsiteY0" fmla="*/ 21 h 1959893"/>
+                <a:gd name="connsiteX1" fmla="*/ 158 w 858266"/>
+                <a:gd name="connsiteY1" fmla="*/ 928935 h 1959893"/>
+                <a:gd name="connsiteX2" fmla="*/ 421073 w 858266"/>
+                <a:gd name="connsiteY2" fmla="*/ 1959449 h 1959893"/>
+                <a:gd name="connsiteX3" fmla="*/ 856501 w 858266"/>
+                <a:gd name="connsiteY3" fmla="*/ 914421 h 1959893"/>
+                <a:gd name="connsiteX4" fmla="*/ 479130 w 858266"/>
+                <a:gd name="connsiteY4" fmla="*/ 21 h 1959893"/>
+                <a:gd name="connsiteX0" fmla="*/ 479130 w 872729"/>
+                <a:gd name="connsiteY0" fmla="*/ 28 h 1959960"/>
+                <a:gd name="connsiteX1" fmla="*/ 158 w 872729"/>
+                <a:gd name="connsiteY1" fmla="*/ 928942 h 1959960"/>
+                <a:gd name="connsiteX2" fmla="*/ 421073 w 872729"/>
+                <a:gd name="connsiteY2" fmla="*/ 1959456 h 1959960"/>
+                <a:gd name="connsiteX3" fmla="*/ 871015 w 872729"/>
+                <a:gd name="connsiteY3" fmla="*/ 957971 h 1959960"/>
+                <a:gd name="connsiteX4" fmla="*/ 479130 w 872729"/>
+                <a:gd name="connsiteY4" fmla="*/ 28 h 1959960"/>
+                <a:gd name="connsiteX0" fmla="*/ 479130 w 874352"/>
+                <a:gd name="connsiteY0" fmla="*/ 28 h 1959696"/>
+                <a:gd name="connsiteX1" fmla="*/ 158 w 874352"/>
+                <a:gd name="connsiteY1" fmla="*/ 928942 h 1959696"/>
+                <a:gd name="connsiteX2" fmla="*/ 421073 w 874352"/>
+                <a:gd name="connsiteY2" fmla="*/ 1959456 h 1959696"/>
+                <a:gd name="connsiteX3" fmla="*/ 871015 w 874352"/>
+                <a:gd name="connsiteY3" fmla="*/ 957971 h 1959696"/>
+                <a:gd name="connsiteX4" fmla="*/ 479130 w 874352"/>
+                <a:gd name="connsiteY4" fmla="*/ 28 h 1959696"/>
+                <a:gd name="connsiteX0" fmla="*/ 487907 w 883129"/>
+                <a:gd name="connsiteY0" fmla="*/ 54 h 1959722"/>
+                <a:gd name="connsiteX1" fmla="*/ 8935 w 883129"/>
+                <a:gd name="connsiteY1" fmla="*/ 928968 h 1959722"/>
+                <a:gd name="connsiteX2" fmla="*/ 429850 w 883129"/>
+                <a:gd name="connsiteY2" fmla="*/ 1959482 h 1959722"/>
+                <a:gd name="connsiteX3" fmla="*/ 879792 w 883129"/>
+                <a:gd name="connsiteY3" fmla="*/ 957997 h 1959722"/>
+                <a:gd name="connsiteX4" fmla="*/ 487907 w 883129"/>
+                <a:gd name="connsiteY4" fmla="*/ 54 h 1959722"/>
+                <a:gd name="connsiteX0" fmla="*/ 487907 w 883129"/>
+                <a:gd name="connsiteY0" fmla="*/ 54 h 1959722"/>
+                <a:gd name="connsiteX1" fmla="*/ 8935 w 883129"/>
+                <a:gd name="connsiteY1" fmla="*/ 928968 h 1959722"/>
+                <a:gd name="connsiteX2" fmla="*/ 429850 w 883129"/>
+                <a:gd name="connsiteY2" fmla="*/ 1959482 h 1959722"/>
+                <a:gd name="connsiteX3" fmla="*/ 879792 w 883129"/>
+                <a:gd name="connsiteY3" fmla="*/ 957997 h 1959722"/>
+                <a:gd name="connsiteX4" fmla="*/ 487907 w 883129"/>
+                <a:gd name="connsiteY4" fmla="*/ 54 h 1959722"/>
+                <a:gd name="connsiteX0" fmla="*/ 487907 w 880842"/>
+                <a:gd name="connsiteY0" fmla="*/ 54 h 1959878"/>
+                <a:gd name="connsiteX1" fmla="*/ 8935 w 880842"/>
+                <a:gd name="connsiteY1" fmla="*/ 928968 h 1959878"/>
+                <a:gd name="connsiteX2" fmla="*/ 429850 w 880842"/>
+                <a:gd name="connsiteY2" fmla="*/ 1959482 h 1959878"/>
+                <a:gd name="connsiteX3" fmla="*/ 879792 w 880842"/>
+                <a:gd name="connsiteY3" fmla="*/ 957997 h 1959878"/>
+                <a:gd name="connsiteX4" fmla="*/ 487907 w 880842"/>
+                <a:gd name="connsiteY4" fmla="*/ 54 h 1959878"/>
+                <a:gd name="connsiteX0" fmla="*/ 479010 w 871945"/>
+                <a:gd name="connsiteY0" fmla="*/ 57 h 1959881"/>
+                <a:gd name="connsiteX1" fmla="*/ 38 w 871945"/>
+                <a:gd name="connsiteY1" fmla="*/ 928971 h 1959881"/>
+                <a:gd name="connsiteX2" fmla="*/ 420953 w 871945"/>
+                <a:gd name="connsiteY2" fmla="*/ 1959485 h 1959881"/>
+                <a:gd name="connsiteX3" fmla="*/ 870895 w 871945"/>
+                <a:gd name="connsiteY3" fmla="*/ 958000 h 1959881"/>
+                <a:gd name="connsiteX4" fmla="*/ 479010 w 871945"/>
+                <a:gd name="connsiteY4" fmla="*/ 57 h 1959881"/>
+                <a:gd name="connsiteX0" fmla="*/ 479010 w 871483"/>
+                <a:gd name="connsiteY0" fmla="*/ 57 h 1959881"/>
+                <a:gd name="connsiteX1" fmla="*/ 38 w 871483"/>
+                <a:gd name="connsiteY1" fmla="*/ 928971 h 1959881"/>
+                <a:gd name="connsiteX2" fmla="*/ 420953 w 871483"/>
+                <a:gd name="connsiteY2" fmla="*/ 1959485 h 1959881"/>
+                <a:gd name="connsiteX3" fmla="*/ 870895 w 871483"/>
+                <a:gd name="connsiteY3" fmla="*/ 958000 h 1959881"/>
+                <a:gd name="connsiteX4" fmla="*/ 479010 w 871483"/>
+                <a:gd name="connsiteY4" fmla="*/ 57 h 1959881"/>
+                <a:gd name="connsiteX0" fmla="*/ 479129 w 871602"/>
+                <a:gd name="connsiteY0" fmla="*/ 49 h 1959873"/>
+                <a:gd name="connsiteX1" fmla="*/ 157 w 871602"/>
+                <a:gd name="connsiteY1" fmla="*/ 928963 h 1959873"/>
+                <a:gd name="connsiteX2" fmla="*/ 421072 w 871602"/>
+                <a:gd name="connsiteY2" fmla="*/ 1959477 h 1959873"/>
+                <a:gd name="connsiteX3" fmla="*/ 871014 w 871602"/>
+                <a:gd name="connsiteY3" fmla="*/ 957992 h 1959873"/>
+                <a:gd name="connsiteX4" fmla="*/ 479129 w 871602"/>
+                <a:gd name="connsiteY4" fmla="*/ 49 h 1959873"/>
+              </a:gdLst>
+              <a:ahLst/>
+              <a:cxnLst>
+                <a:cxn ang="0">
+                  <a:pos x="connsiteX0" y="connsiteY0"/>
+                </a:cxn>
+                <a:cxn ang="0">
+                  <a:pos x="connsiteX1" y="connsiteY1"/>
+                </a:cxn>
+                <a:cxn ang="0">
+                  <a:pos x="connsiteX2" y="connsiteY2"/>
+                </a:cxn>
+                <a:cxn ang="0">
+                  <a:pos x="connsiteX3" y="connsiteY3"/>
+                </a:cxn>
+                <a:cxn ang="0">
+                  <a:pos x="connsiteX4" y="connsiteY4"/>
+                </a:cxn>
+              </a:cxnLst>
+              <a:rect l="l" t="t" r="r" b="b"/>
+              <a:pathLst>
+                <a:path w="871602" h="1959873">
+                  <a:moveTo>
+                    <a:pt x="479129" y="49"/>
+                  </a:moveTo>
+                  <a:cubicBezTo>
+                    <a:pt x="464614" y="-4789"/>
+                    <a:pt x="9833" y="355651"/>
+                    <a:pt x="157" y="928963"/>
+                  </a:cubicBezTo>
+                  <a:cubicBezTo>
+                    <a:pt x="-9519" y="1502275"/>
+                    <a:pt x="430748" y="1959477"/>
+                    <a:pt x="421072" y="1959477"/>
+                  </a:cubicBezTo>
+                  <a:cubicBezTo>
+                    <a:pt x="425910" y="1973991"/>
+                    <a:pt x="890367" y="1589363"/>
+                    <a:pt x="871014" y="957992"/>
+                  </a:cubicBezTo>
+                  <a:cubicBezTo>
+                    <a:pt x="851661" y="326621"/>
+                    <a:pt x="493644" y="4887"/>
+                    <a:pt x="479129" y="49"/>
+                  </a:cubicBezTo>
+                  <a:close/>
+                </a:path>
+              </a:pathLst>
+            </a:custGeom>
+            <a:solidFill>
+              <a:schemeClr val="accent1">
+                <a:lumMod val="60000"/>
+                <a:lumOff val="40000"/>
+              </a:schemeClr>
+            </a:solidFill>
+            <a:ln w="63500">
+              <a:prstDash val="dash"/>
+            </a:ln>
+          </p:spPr>
+          <p:style>
+            <a:lnRef idx="2">
+              <a:schemeClr val="accent1">
+                <a:shade val="50000"/>
+              </a:schemeClr>
+            </a:lnRef>
+            <a:fillRef idx="1">
+              <a:schemeClr val="accent1"/>
+            </a:fillRef>
+            <a:effectRef idx="0">
+              <a:schemeClr val="accent1"/>
+            </a:effectRef>
+            <a:fontRef idx="minor">
+              <a:schemeClr val="lt1"/>
+            </a:fontRef>
+          </p:style>
+          <p:txBody>
+            <a:bodyPr rtlCol="0" anchor="ctr"/>
+            <a:lstStyle/>
+            <a:p>
+              <a:pPr algn="ctr"/>
+              <a:endParaRPr lang="de-DE"/>
+            </a:p>
+          </p:txBody>
+        </p:sp>
+      </p:grpSp>
+      <p:grpSp>
+        <p:nvGrpSpPr>
+          <p:cNvPr id="10" name="Gruppieren 9"/>
+          <p:cNvGrpSpPr/>
+          <p:nvPr/>
+        </p:nvGrpSpPr>
+        <p:grpSpPr>
+          <a:xfrm rot="5400000">
+            <a:off x="3394658" y="3182792"/>
+            <a:ext cx="2664296" cy="3520921"/>
+            <a:chOff x="5076056" y="2716391"/>
+            <a:chExt cx="2664296" cy="3520921"/>
+          </a:xfrm>
+        </p:grpSpPr>
+        <p:sp>
+          <p:nvSpPr>
+            <p:cNvPr id="6" name="Rechteck 5"/>
+            <p:cNvSpPr/>
+            <p:nvPr/>
+          </p:nvSpPr>
+          <p:spPr>
+            <a:xfrm>
+              <a:off x="5580112" y="2716391"/>
+              <a:ext cx="2160240" cy="2160240"/>
+            </a:xfrm>
+            <a:prstGeom prst="rect">
+              <a:avLst/>
+            </a:prstGeom>
+            <a:solidFill>
+              <a:srgbClr val="00B050">
+                <a:alpha val="36000"/>
+              </a:srgbClr>
+            </a:solidFill>
+            <a:ln w="50800">
+              <a:solidFill>
+                <a:srgbClr val="00B050"/>
+              </a:solidFill>
+              <a:prstDash val="dash"/>
+            </a:ln>
+          </p:spPr>
+          <p:style>
+            <a:lnRef idx="2">
+              <a:schemeClr val="accent1">
+                <a:shade val="50000"/>
+              </a:schemeClr>
+            </a:lnRef>
+            <a:fillRef idx="1">
+              <a:schemeClr val="accent1"/>
+            </a:fillRef>
+            <a:effectRef idx="0">
+              <a:schemeClr val="accent1"/>
+            </a:effectRef>
+            <a:fontRef idx="minor">
+              <a:schemeClr val="lt1"/>
+            </a:fontRef>
+          </p:style>
+          <p:txBody>
+            <a:bodyPr rtlCol="0" anchor="ctr"/>
+            <a:lstStyle/>
+            <a:p>
+              <a:pPr algn="ctr"/>
+              <a:endParaRPr lang="de-DE"/>
+            </a:p>
+          </p:txBody>
+        </p:sp>
+        <p:sp>
+          <p:nvSpPr>
+            <p:cNvPr id="7" name="Rechteck 6"/>
+            <p:cNvSpPr/>
+            <p:nvPr/>
+          </p:nvSpPr>
+          <p:spPr>
+            <a:xfrm>
+              <a:off x="5076056" y="3933056"/>
+              <a:ext cx="2304256" cy="2304256"/>
+            </a:xfrm>
+            <a:prstGeom prst="rect">
+              <a:avLst/>
+            </a:prstGeom>
+            <a:solidFill>
+              <a:srgbClr val="FF0000">
+                <a:alpha val="36000"/>
+              </a:srgbClr>
+            </a:solidFill>
+            <a:ln w="50800">
+              <a:solidFill>
+                <a:srgbClr val="FF0000"/>
+              </a:solidFill>
+              <a:prstDash val="dash"/>
+            </a:ln>
+          </p:spPr>
+          <p:style>
+            <a:lnRef idx="2">
+              <a:schemeClr val="accent1">
+                <a:shade val="50000"/>
+              </a:schemeClr>
+            </a:lnRef>
+            <a:fillRef idx="1">
+              <a:schemeClr val="accent1"/>
+            </a:fillRef>
+            <a:effectRef idx="0">
+              <a:schemeClr val="accent1"/>
+            </a:effectRef>
+            <a:fontRef idx="minor">
+              <a:schemeClr val="lt1"/>
+            </a:fontRef>
+          </p:style>
+          <p:txBody>
+            <a:bodyPr rtlCol="0" anchor="ctr"/>
+            <a:lstStyle/>
+            <a:p>
+              <a:pPr algn="ctr"/>
+              <a:endParaRPr lang="de-DE"/>
+            </a:p>
+          </p:txBody>
+        </p:sp>
+        <p:sp>
+          <p:nvSpPr>
+            <p:cNvPr id="8" name="Rechteck 7"/>
+            <p:cNvSpPr/>
+            <p:nvPr/>
+          </p:nvSpPr>
+          <p:spPr>
+            <a:xfrm>
+              <a:off x="5580112" y="3933056"/>
+              <a:ext cx="1800200" cy="943575"/>
+            </a:xfrm>
+            <a:prstGeom prst="rect">
+              <a:avLst/>
+            </a:prstGeom>
+            <a:solidFill>
+              <a:schemeClr val="accent1">
+                <a:lumMod val="60000"/>
+                <a:lumOff val="40000"/>
+              </a:schemeClr>
+            </a:solidFill>
+            <a:ln w="63500">
+              <a:prstDash val="dash"/>
+            </a:ln>
+          </p:spPr>
+          <p:style>
+            <a:lnRef idx="2">
+              <a:schemeClr val="accent1">
+                <a:shade val="50000"/>
+              </a:schemeClr>
+            </a:lnRef>
+            <a:fillRef idx="1">
+              <a:schemeClr val="accent1"/>
+            </a:fillRef>
+            <a:effectRef idx="0">
+              <a:schemeClr val="accent1"/>
+            </a:effectRef>
+            <a:fontRef idx="minor">
+              <a:schemeClr val="lt1"/>
+            </a:fontRef>
+          </p:style>
+          <p:txBody>
+            <a:bodyPr rtlCol="0" anchor="ctr"/>
+            <a:lstStyle/>
+            <a:p>
+              <a:pPr algn="ctr"/>
+              <a:endParaRPr lang="de-DE"/>
+            </a:p>
+          </p:txBody>
+        </p:sp>
+      </p:grpSp>
     </p:spTree>
     <p:extLst>
       <p:ext uri="{BB962C8B-B14F-4D97-AF65-F5344CB8AC3E}">
@@ -12783,6 +18495,13 @@
   <p:clrMapOvr>
     <a:masterClrMapping/>
   </p:clrMapOvr>
+  <p:timing>
+    <p:tnLst>
+      <p:par>
+        <p:cTn id="1" dur="indefinite" restart="never" nodeType="tmRoot"/>
+      </p:par>
+    </p:tnLst>
+  </p:timing>
 </p:sld>
 </file>
 

--- a/images/Bilder.pptx
+++ b/images/Bilder.pptx
@@ -5,7 +5,7 @@
     <p:sldMasterId id="2147483648" r:id="rId1"/>
   </p:sldMasterIdLst>
   <p:notesMasterIdLst>
-    <p:notesMasterId r:id="rId23"/>
+    <p:notesMasterId r:id="rId27"/>
   </p:notesMasterIdLst>
   <p:sldIdLst>
     <p:sldId id="277" r:id="rId2"/>
@@ -29,6 +29,10 @@
     <p:sldId id="274" r:id="rId20"/>
     <p:sldId id="275" r:id="rId21"/>
     <p:sldId id="276" r:id="rId22"/>
+    <p:sldId id="278" r:id="rId23"/>
+    <p:sldId id="279" r:id="rId24"/>
+    <p:sldId id="280" r:id="rId25"/>
+    <p:sldId id="281" r:id="rId26"/>
   </p:sldIdLst>
   <p:sldSz cx="9144000" cy="6858000" type="screen4x3"/>
   <p:notesSz cx="6858000" cy="9144000"/>
@@ -212,7 +216,7 @@
           <a:p>
             <a:fld id="{3BBBF523-3F2F-4B36-8FF3-17782FE472EA}" type="datetimeFigureOut">
               <a:rPr lang="de-DE" smtClean="0"/>
-              <a:t>03.11.2011</a:t>
+              <a:t>04.11.2011</a:t>
             </a:fld>
             <a:endParaRPr lang="de-DE"/>
           </a:p>
@@ -745,7 +749,7 @@
           <a:p>
             <a:fld id="{524FE5FC-09EE-48EE-B29E-ACC0AF1ED372}" type="datetimeFigureOut">
               <a:rPr lang="de-DE" smtClean="0"/>
-              <a:t>03.11.2011</a:t>
+              <a:t>04.11.2011</a:t>
             </a:fld>
             <a:endParaRPr lang="de-DE"/>
           </a:p>
@@ -915,7 +919,7 @@
           <a:p>
             <a:fld id="{524FE5FC-09EE-48EE-B29E-ACC0AF1ED372}" type="datetimeFigureOut">
               <a:rPr lang="de-DE" smtClean="0"/>
-              <a:t>03.11.2011</a:t>
+              <a:t>04.11.2011</a:t>
             </a:fld>
             <a:endParaRPr lang="de-DE"/>
           </a:p>
@@ -1095,7 +1099,7 @@
           <a:p>
             <a:fld id="{524FE5FC-09EE-48EE-B29E-ACC0AF1ED372}" type="datetimeFigureOut">
               <a:rPr lang="de-DE" smtClean="0"/>
-              <a:t>03.11.2011</a:t>
+              <a:t>04.11.2011</a:t>
             </a:fld>
             <a:endParaRPr lang="de-DE"/>
           </a:p>
@@ -1265,7 +1269,7 @@
           <a:p>
             <a:fld id="{524FE5FC-09EE-48EE-B29E-ACC0AF1ED372}" type="datetimeFigureOut">
               <a:rPr lang="de-DE" smtClean="0"/>
-              <a:t>03.11.2011</a:t>
+              <a:t>04.11.2011</a:t>
             </a:fld>
             <a:endParaRPr lang="de-DE"/>
           </a:p>
@@ -1511,7 +1515,7 @@
           <a:p>
             <a:fld id="{524FE5FC-09EE-48EE-B29E-ACC0AF1ED372}" type="datetimeFigureOut">
               <a:rPr lang="de-DE" smtClean="0"/>
-              <a:t>03.11.2011</a:t>
+              <a:t>04.11.2011</a:t>
             </a:fld>
             <a:endParaRPr lang="de-DE"/>
           </a:p>
@@ -1799,7 +1803,7 @@
           <a:p>
             <a:fld id="{524FE5FC-09EE-48EE-B29E-ACC0AF1ED372}" type="datetimeFigureOut">
               <a:rPr lang="de-DE" smtClean="0"/>
-              <a:t>03.11.2011</a:t>
+              <a:t>04.11.2011</a:t>
             </a:fld>
             <a:endParaRPr lang="de-DE"/>
           </a:p>
@@ -2221,7 +2225,7 @@
           <a:p>
             <a:fld id="{524FE5FC-09EE-48EE-B29E-ACC0AF1ED372}" type="datetimeFigureOut">
               <a:rPr lang="de-DE" smtClean="0"/>
-              <a:t>03.11.2011</a:t>
+              <a:t>04.11.2011</a:t>
             </a:fld>
             <a:endParaRPr lang="de-DE"/>
           </a:p>
@@ -2339,7 +2343,7 @@
           <a:p>
             <a:fld id="{524FE5FC-09EE-48EE-B29E-ACC0AF1ED372}" type="datetimeFigureOut">
               <a:rPr lang="de-DE" smtClean="0"/>
-              <a:t>03.11.2011</a:t>
+              <a:t>04.11.2011</a:t>
             </a:fld>
             <a:endParaRPr lang="de-DE"/>
           </a:p>
@@ -2434,7 +2438,7 @@
           <a:p>
             <a:fld id="{524FE5FC-09EE-48EE-B29E-ACC0AF1ED372}" type="datetimeFigureOut">
               <a:rPr lang="de-DE" smtClean="0"/>
-              <a:t>03.11.2011</a:t>
+              <a:t>04.11.2011</a:t>
             </a:fld>
             <a:endParaRPr lang="de-DE"/>
           </a:p>
@@ -2711,7 +2715,7 @@
           <a:p>
             <a:fld id="{524FE5FC-09EE-48EE-B29E-ACC0AF1ED372}" type="datetimeFigureOut">
               <a:rPr lang="de-DE" smtClean="0"/>
-              <a:t>03.11.2011</a:t>
+              <a:t>04.11.2011</a:t>
             </a:fld>
             <a:endParaRPr lang="de-DE"/>
           </a:p>
@@ -2964,7 +2968,7 @@
           <a:p>
             <a:fld id="{524FE5FC-09EE-48EE-B29E-ACC0AF1ED372}" type="datetimeFigureOut">
               <a:rPr lang="de-DE" smtClean="0"/>
-              <a:t>03.11.2011</a:t>
+              <a:t>04.11.2011</a:t>
             </a:fld>
             <a:endParaRPr lang="de-DE"/>
           </a:p>
@@ -3177,7 +3181,7 @@
           <a:p>
             <a:fld id="{524FE5FC-09EE-48EE-B29E-ACC0AF1ED372}" type="datetimeFigureOut">
               <a:rPr lang="de-DE" smtClean="0"/>
-              <a:t>03.11.2011</a:t>
+              <a:t>04.11.2011</a:t>
             </a:fld>
             <a:endParaRPr lang="de-DE"/>
           </a:p>
@@ -15496,8 +15500,8 @@
             </a:p>
           </p:txBody>
         </p:sp>
-        <mc:AlternateContent xmlns:mc="http://schemas.openxmlformats.org/markup-compatibility/2006">
-          <mc:Choice xmlns:a14="http://schemas.microsoft.com/office/drawing/2010/main" Requires="a14">
+        <mc:AlternateContent xmlns:mc="http://schemas.openxmlformats.org/markup-compatibility/2006" xmlns:a14="http://schemas.microsoft.com/office/drawing/2010/main">
+          <mc:Choice Requires="a14">
             <p:sp>
               <p:nvSpPr>
                 <p:cNvPr id="12" name="Textfeld 11"/>
@@ -15520,6 +15524,7 @@
                 </a:bodyPr>
                 <a:lstStyle/>
                 <a:p>
+                  <a:pPr/>
                   <a14:m>
                     <m:oMathPara xmlns:m="http://schemas.openxmlformats.org/officeDocument/2006/math">
                       <m:oMathParaPr>
@@ -15583,7 +15588,7 @@
               </p:txBody>
             </p:sp>
           </mc:Choice>
-          <mc:Fallback>
+          <mc:Fallback xmlns="">
             <p:sp>
               <p:nvSpPr>
                 <p:cNvPr id="12" name="Textfeld 11"/>
@@ -15622,8 +15627,8 @@
             </p:sp>
           </mc:Fallback>
         </mc:AlternateContent>
-        <mc:AlternateContent xmlns:mc="http://schemas.openxmlformats.org/markup-compatibility/2006">
-          <mc:Choice xmlns:a14="http://schemas.microsoft.com/office/drawing/2010/main" Requires="a14">
+        <mc:AlternateContent xmlns:mc="http://schemas.openxmlformats.org/markup-compatibility/2006" xmlns:a14="http://schemas.microsoft.com/office/drawing/2010/main">
+          <mc:Choice Requires="a14">
             <p:sp>
               <p:nvSpPr>
                 <p:cNvPr id="14" name="Textfeld 13"/>
@@ -15646,6 +15651,7 @@
                 </a:bodyPr>
                 <a:lstStyle/>
                 <a:p>
+                  <a:pPr/>
                   <a14:m>
                     <m:oMathPara xmlns:m="http://schemas.openxmlformats.org/officeDocument/2006/math">
                       <m:oMathParaPr>
@@ -15709,7 +15715,7 @@
               </p:txBody>
             </p:sp>
           </mc:Choice>
-          <mc:Fallback>
+          <mc:Fallback xmlns="">
             <p:sp>
               <p:nvSpPr>
                 <p:cNvPr id="14" name="Textfeld 13"/>
@@ -15748,8 +15754,8 @@
             </p:sp>
           </mc:Fallback>
         </mc:AlternateContent>
-        <mc:AlternateContent xmlns:mc="http://schemas.openxmlformats.org/markup-compatibility/2006">
-          <mc:Choice xmlns:a14="http://schemas.microsoft.com/office/drawing/2010/main" Requires="a14">
+        <mc:AlternateContent xmlns:mc="http://schemas.openxmlformats.org/markup-compatibility/2006" xmlns:a14="http://schemas.microsoft.com/office/drawing/2010/main">
+          <mc:Choice Requires="a14">
             <p:sp>
               <p:nvSpPr>
                 <p:cNvPr id="15" name="Textfeld 14"/>
@@ -15772,6 +15778,7 @@
                 </a:bodyPr>
                 <a:lstStyle/>
                 <a:p>
+                  <a:pPr/>
                   <a14:m>
                     <m:oMathPara xmlns:m="http://schemas.openxmlformats.org/officeDocument/2006/math">
                       <m:oMathParaPr>
@@ -15835,7 +15842,7 @@
               </p:txBody>
             </p:sp>
           </mc:Choice>
-          <mc:Fallback>
+          <mc:Fallback xmlns="">
             <p:sp>
               <p:nvSpPr>
                 <p:cNvPr id="15" name="Textfeld 14"/>
@@ -15874,8 +15881,8 @@
             </p:sp>
           </mc:Fallback>
         </mc:AlternateContent>
-        <mc:AlternateContent xmlns:mc="http://schemas.openxmlformats.org/markup-compatibility/2006">
-          <mc:Choice xmlns:a14="http://schemas.microsoft.com/office/drawing/2010/main" Requires="a14">
+        <mc:AlternateContent xmlns:mc="http://schemas.openxmlformats.org/markup-compatibility/2006" xmlns:a14="http://schemas.microsoft.com/office/drawing/2010/main">
+          <mc:Choice Requires="a14">
             <p:sp>
               <p:nvSpPr>
                 <p:cNvPr id="16" name="Textfeld 15"/>
@@ -15898,6 +15905,7 @@
                 </a:bodyPr>
                 <a:lstStyle/>
                 <a:p>
+                  <a:pPr/>
                   <a14:m>
                     <m:oMathPara xmlns:m="http://schemas.openxmlformats.org/officeDocument/2006/math">
                       <m:oMathParaPr>
@@ -15961,7 +15969,7 @@
               </p:txBody>
             </p:sp>
           </mc:Choice>
-          <mc:Fallback>
+          <mc:Fallback xmlns="">
             <p:sp>
               <p:nvSpPr>
                 <p:cNvPr id="16" name="Textfeld 15"/>
@@ -16000,8 +16008,8 @@
             </p:sp>
           </mc:Fallback>
         </mc:AlternateContent>
-        <mc:AlternateContent xmlns:mc="http://schemas.openxmlformats.org/markup-compatibility/2006">
-          <mc:Choice xmlns:a14="http://schemas.microsoft.com/office/drawing/2010/main" Requires="a14">
+        <mc:AlternateContent xmlns:mc="http://schemas.openxmlformats.org/markup-compatibility/2006" xmlns:a14="http://schemas.microsoft.com/office/drawing/2010/main">
+          <mc:Choice Requires="a14">
             <p:sp>
               <p:nvSpPr>
                 <p:cNvPr id="17" name="Textfeld 16"/>
@@ -16024,6 +16032,7 @@
                 </a:bodyPr>
                 <a:lstStyle/>
                 <a:p>
+                  <a:pPr/>
                   <a14:m>
                     <m:oMathPara xmlns:m="http://schemas.openxmlformats.org/officeDocument/2006/math">
                       <m:oMathParaPr>
@@ -16087,7 +16096,7 @@
               </p:txBody>
             </p:sp>
           </mc:Choice>
-          <mc:Fallback>
+          <mc:Fallback xmlns="">
             <p:sp>
               <p:nvSpPr>
                 <p:cNvPr id="17" name="Textfeld 16"/>
@@ -16126,8 +16135,8 @@
             </p:sp>
           </mc:Fallback>
         </mc:AlternateContent>
-        <mc:AlternateContent xmlns:mc="http://schemas.openxmlformats.org/markup-compatibility/2006">
-          <mc:Choice xmlns:a14="http://schemas.microsoft.com/office/drawing/2010/main" Requires="a14">
+        <mc:AlternateContent xmlns:mc="http://schemas.openxmlformats.org/markup-compatibility/2006" xmlns:a14="http://schemas.microsoft.com/office/drawing/2010/main">
+          <mc:Choice Requires="a14">
             <p:sp>
               <p:nvSpPr>
                 <p:cNvPr id="18" name="Textfeld 17"/>
@@ -16150,6 +16159,7 @@
                 </a:bodyPr>
                 <a:lstStyle/>
                 <a:p>
+                  <a:pPr/>
                   <a14:m>
                     <m:oMathPara xmlns:m="http://schemas.openxmlformats.org/officeDocument/2006/math">
                       <m:oMathParaPr>
@@ -16213,7 +16223,7 @@
               </p:txBody>
             </p:sp>
           </mc:Choice>
-          <mc:Fallback>
+          <mc:Fallback xmlns="">
             <p:sp>
               <p:nvSpPr>
                 <p:cNvPr id="18" name="Textfeld 17"/>
@@ -17274,7 +17284,7 @@
       </p:grpSpPr>
       <p:grpSp>
         <p:nvGrpSpPr>
-          <p:cNvPr id="34" name="Gruppieren 33"/>
+          <p:cNvPr id="2" name="Gruppieren 1"/>
           <p:cNvGrpSpPr/>
           <p:nvPr/>
         </p:nvGrpSpPr>
@@ -17524,11 +17534,7 @@
             <a:p>
               <a:r>
                 <a:rPr lang="de-DE" sz="2800" dirty="0" smtClean="0"/>
-                <a:t>[0,1</a:t>
-              </a:r>
-              <a:r>
-                <a:rPr lang="de-DE" sz="2800" dirty="0" smtClean="0"/>
-                <a:t>)</a:t>
+                <a:t>[0,1)</a:t>
               </a:r>
               <a:endParaRPr lang="de-DE" sz="2800" dirty="0"/>
             </a:p>
@@ -17558,6 +17564,7 @@
                 </a:bodyPr>
                 <a:lstStyle/>
                 <a:p>
+                  <a:pPr/>
                   <a14:m>
                     <m:oMathPara xmlns:m="http://schemas.openxmlformats.org/officeDocument/2006/math">
                       <m:oMathParaPr>
@@ -21643,6 +21650,493 @@
           <a:chExt cx="0" cy="0"/>
         </a:xfrm>
       </p:grpSpPr>
+      <p:grpSp>
+        <p:nvGrpSpPr>
+          <p:cNvPr id="14" name="Gruppieren 13"/>
+          <p:cNvGrpSpPr/>
+          <p:nvPr/>
+        </p:nvGrpSpPr>
+        <p:grpSpPr>
+          <a:xfrm>
+            <a:off x="3923928" y="692696"/>
+            <a:ext cx="3096344" cy="2592288"/>
+            <a:chOff x="3923928" y="692696"/>
+            <a:chExt cx="3096344" cy="2592288"/>
+          </a:xfrm>
+        </p:grpSpPr>
+        <p:sp>
+          <p:nvSpPr>
+            <p:cNvPr id="2" name="Ellipse 1"/>
+            <p:cNvSpPr/>
+            <p:nvPr/>
+          </p:nvSpPr>
+          <p:spPr>
+            <a:xfrm>
+              <a:off x="4427984" y="692696"/>
+              <a:ext cx="2592288" cy="2592288"/>
+            </a:xfrm>
+            <a:prstGeom prst="ellipse">
+              <a:avLst/>
+            </a:prstGeom>
+            <a:pattFill prst="pct25">
+              <a:fgClr>
+                <a:srgbClr val="FF0000"/>
+              </a:fgClr>
+              <a:bgClr>
+                <a:schemeClr val="bg1"/>
+              </a:bgClr>
+            </a:pattFill>
+            <a:ln w="50800">
+              <a:solidFill>
+                <a:srgbClr val="FF0000"/>
+              </a:solidFill>
+              <a:prstDash val="dash"/>
+            </a:ln>
+          </p:spPr>
+          <p:style>
+            <a:lnRef idx="2">
+              <a:schemeClr val="accent1">
+                <a:shade val="50000"/>
+              </a:schemeClr>
+            </a:lnRef>
+            <a:fillRef idx="1">
+              <a:schemeClr val="accent1"/>
+            </a:fillRef>
+            <a:effectRef idx="0">
+              <a:schemeClr val="accent1"/>
+            </a:effectRef>
+            <a:fontRef idx="minor">
+              <a:schemeClr val="lt1"/>
+            </a:fontRef>
+          </p:style>
+          <p:txBody>
+            <a:bodyPr rtlCol="0" anchor="ctr"/>
+            <a:lstStyle/>
+            <a:p>
+              <a:pPr algn="ctr"/>
+              <a:endParaRPr lang="de-DE"/>
+            </a:p>
+          </p:txBody>
+        </p:sp>
+        <p:sp>
+          <p:nvSpPr>
+            <p:cNvPr id="3" name="Kreuz 2"/>
+            <p:cNvSpPr/>
+            <p:nvPr/>
+          </p:nvSpPr>
+          <p:spPr>
+            <a:xfrm rot="2700000">
+              <a:off x="5201540" y="2186331"/>
+              <a:ext cx="258206" cy="258206"/>
+            </a:xfrm>
+            <a:prstGeom prst="plus">
+              <a:avLst>
+                <a:gd name="adj" fmla="val 41125"/>
+              </a:avLst>
+            </a:prstGeom>
+            <a:solidFill>
+              <a:schemeClr val="bg1"/>
+            </a:solidFill>
+            <a:ln w="6350">
+              <a:solidFill>
+                <a:schemeClr val="tx1"/>
+              </a:solidFill>
+            </a:ln>
+          </p:spPr>
+          <p:style>
+            <a:lnRef idx="2">
+              <a:schemeClr val="accent1">
+                <a:shade val="50000"/>
+              </a:schemeClr>
+            </a:lnRef>
+            <a:fillRef idx="1">
+              <a:schemeClr val="accent1"/>
+            </a:fillRef>
+            <a:effectRef idx="0">
+              <a:schemeClr val="accent1"/>
+            </a:effectRef>
+            <a:fontRef idx="minor">
+              <a:schemeClr val="lt1"/>
+            </a:fontRef>
+          </p:style>
+          <p:txBody>
+            <a:bodyPr rtlCol="0" anchor="ctr"/>
+            <a:lstStyle/>
+            <a:p>
+              <a:pPr algn="ctr"/>
+              <a:endParaRPr lang="de-DE"/>
+            </a:p>
+          </p:txBody>
+        </p:sp>
+        <p:sp>
+          <p:nvSpPr>
+            <p:cNvPr id="4" name="Textfeld 3"/>
+            <p:cNvSpPr txBox="1"/>
+            <p:nvPr/>
+          </p:nvSpPr>
+          <p:spPr>
+            <a:xfrm>
+              <a:off x="5436096" y="1988840"/>
+              <a:ext cx="576064" cy="646331"/>
+            </a:xfrm>
+            <a:prstGeom prst="rect">
+              <a:avLst/>
+            </a:prstGeom>
+            <a:noFill/>
+          </p:spPr>
+          <p:txBody>
+            <a:bodyPr wrap="square" rtlCol="0">
+              <a:spAutoFit/>
+            </a:bodyPr>
+            <a:lstStyle/>
+            <a:p>
+              <a:r>
+                <a:rPr lang="de-DE" sz="3600" b="1" dirty="0" smtClean="0">
+                  <a:ln>
+                    <a:solidFill>
+                      <a:schemeClr val="tx1"/>
+                    </a:solidFill>
+                  </a:ln>
+                  <a:solidFill>
+                    <a:schemeClr val="bg1"/>
+                  </a:solidFill>
+                </a:rPr>
+                <a:t>p</a:t>
+              </a:r>
+              <a:endParaRPr lang="de-DE" sz="3600" b="1" dirty="0">
+                <a:ln>
+                  <a:solidFill>
+                    <a:schemeClr val="tx1"/>
+                  </a:solidFill>
+                </a:ln>
+                <a:solidFill>
+                  <a:schemeClr val="bg1"/>
+                </a:solidFill>
+              </a:endParaRPr>
+            </a:p>
+          </p:txBody>
+        </p:sp>
+        <p:sp>
+          <p:nvSpPr>
+            <p:cNvPr id="5" name="Textfeld 4"/>
+            <p:cNvSpPr txBox="1"/>
+            <p:nvPr/>
+          </p:nvSpPr>
+          <p:spPr>
+            <a:xfrm>
+              <a:off x="3923928" y="692696"/>
+              <a:ext cx="792088" cy="523220"/>
+            </a:xfrm>
+            <a:prstGeom prst="rect">
+              <a:avLst/>
+            </a:prstGeom>
+            <a:noFill/>
+          </p:spPr>
+          <p:txBody>
+            <a:bodyPr wrap="square" rtlCol="0">
+              <a:spAutoFit/>
+            </a:bodyPr>
+            <a:lstStyle/>
+            <a:p>
+              <a:r>
+                <a:rPr lang="de-DE" sz="2800" dirty="0" smtClean="0">
+                  <a:solidFill>
+                    <a:srgbClr val="FF0000"/>
+                  </a:solidFill>
+                </a:rPr>
+                <a:t>n=2</a:t>
+              </a:r>
+              <a:endParaRPr lang="de-DE" sz="2800" dirty="0">
+                <a:solidFill>
+                  <a:srgbClr val="FF0000"/>
+                </a:solidFill>
+              </a:endParaRPr>
+            </a:p>
+          </p:txBody>
+        </p:sp>
+      </p:grpSp>
+      <p:grpSp>
+        <p:nvGrpSpPr>
+          <p:cNvPr id="15" name="Gruppieren 14"/>
+          <p:cNvGrpSpPr/>
+          <p:nvPr/>
+        </p:nvGrpSpPr>
+        <p:grpSpPr>
+          <a:xfrm>
+            <a:off x="1263994" y="4573016"/>
+            <a:ext cx="4071720" cy="1140869"/>
+            <a:chOff x="1263994" y="4573016"/>
+            <a:chExt cx="4071720" cy="1140869"/>
+          </a:xfrm>
+        </p:grpSpPr>
+        <p:sp>
+          <p:nvSpPr>
+            <p:cNvPr id="6" name="Textfeld 5"/>
+            <p:cNvSpPr txBox="1"/>
+            <p:nvPr/>
+          </p:nvSpPr>
+          <p:spPr>
+            <a:xfrm>
+              <a:off x="2233290" y="4573016"/>
+              <a:ext cx="545342" cy="646331"/>
+            </a:xfrm>
+            <a:prstGeom prst="rect">
+              <a:avLst/>
+            </a:prstGeom>
+            <a:noFill/>
+          </p:spPr>
+          <p:txBody>
+            <a:bodyPr wrap="none" rtlCol="0">
+              <a:spAutoFit/>
+            </a:bodyPr>
+            <a:lstStyle/>
+            <a:p>
+              <a:r>
+                <a:rPr lang="de-DE" sz="3600" dirty="0" smtClean="0">
+                  <a:latin typeface="Lucida Sans Unicode"/>
+                  <a:cs typeface="Lucida Sans Unicode"/>
+                </a:rPr>
+                <a:t>ℝ</a:t>
+              </a:r>
+              <a:endParaRPr lang="de-DE" sz="3600" dirty="0"/>
+            </a:p>
+          </p:txBody>
+        </p:sp>
+        <p:cxnSp>
+          <p:nvCxnSpPr>
+            <p:cNvPr id="8" name="Gerade Verbindung 7"/>
+            <p:cNvCxnSpPr/>
+            <p:nvPr/>
+          </p:nvCxnSpPr>
+          <p:spPr>
+            <a:xfrm>
+              <a:off x="1263994" y="5301208"/>
+              <a:ext cx="4066649" cy="0"/>
+            </a:xfrm>
+            <a:prstGeom prst="line">
+              <a:avLst/>
+            </a:prstGeom>
+            <a:noFill/>
+            <a:ln w="63500">
+              <a:solidFill>
+                <a:schemeClr val="tx1"/>
+              </a:solidFill>
+            </a:ln>
+          </p:spPr>
+          <p:style>
+            <a:lnRef idx="2">
+              <a:schemeClr val="accent1">
+                <a:shade val="50000"/>
+              </a:schemeClr>
+            </a:lnRef>
+            <a:fillRef idx="1">
+              <a:schemeClr val="accent1"/>
+            </a:fillRef>
+            <a:effectRef idx="0">
+              <a:schemeClr val="accent1"/>
+            </a:effectRef>
+            <a:fontRef idx="minor">
+              <a:schemeClr val="lt1"/>
+            </a:fontRef>
+          </p:style>
+        </p:cxnSp>
+        <p:sp>
+          <p:nvSpPr>
+            <p:cNvPr id="10" name="Bogen 9"/>
+            <p:cNvSpPr/>
+            <p:nvPr/>
+          </p:nvSpPr>
+          <p:spPr>
+            <a:xfrm rot="16200000">
+              <a:off x="1304883" y="4849762"/>
+              <a:ext cx="821115" cy="902894"/>
+            </a:xfrm>
+            <a:prstGeom prst="arc">
+              <a:avLst>
+                <a:gd name="adj1" fmla="val 13243218"/>
+                <a:gd name="adj2" fmla="val 19291918"/>
+              </a:avLst>
+            </a:prstGeom>
+            <a:noFill/>
+            <a:ln w="63500">
+              <a:solidFill>
+                <a:schemeClr val="tx1"/>
+              </a:solidFill>
+            </a:ln>
+          </p:spPr>
+          <p:style>
+            <a:lnRef idx="2">
+              <a:schemeClr val="accent1">
+                <a:shade val="50000"/>
+              </a:schemeClr>
+            </a:lnRef>
+            <a:fillRef idx="1">
+              <a:schemeClr val="accent1"/>
+            </a:fillRef>
+            <a:effectRef idx="0">
+              <a:schemeClr val="accent1"/>
+            </a:effectRef>
+            <a:fontRef idx="minor">
+              <a:schemeClr val="lt1"/>
+            </a:fontRef>
+          </p:style>
+          <p:txBody>
+            <a:bodyPr rtlCol="0" anchor="ctr"/>
+            <a:lstStyle/>
+            <a:p>
+              <a:pPr algn="ctr"/>
+              <a:endParaRPr lang="de-DE"/>
+            </a:p>
+          </p:txBody>
+        </p:sp>
+        <p:sp>
+          <p:nvSpPr>
+            <p:cNvPr id="11" name="Bogen 10"/>
+            <p:cNvSpPr/>
+            <p:nvPr/>
+          </p:nvSpPr>
+          <p:spPr>
+            <a:xfrm rot="5400000">
+              <a:off x="2546851" y="4849762"/>
+              <a:ext cx="821115" cy="902894"/>
+            </a:xfrm>
+            <a:prstGeom prst="arc">
+              <a:avLst>
+                <a:gd name="adj1" fmla="val 13243218"/>
+                <a:gd name="adj2" fmla="val 19291918"/>
+              </a:avLst>
+            </a:prstGeom>
+            <a:noFill/>
+            <a:ln w="63500">
+              <a:solidFill>
+                <a:schemeClr val="tx1"/>
+              </a:solidFill>
+            </a:ln>
+          </p:spPr>
+          <p:style>
+            <a:lnRef idx="2">
+              <a:schemeClr val="accent1">
+                <a:shade val="50000"/>
+              </a:schemeClr>
+            </a:lnRef>
+            <a:fillRef idx="1">
+              <a:schemeClr val="accent1"/>
+            </a:fillRef>
+            <a:effectRef idx="0">
+              <a:schemeClr val="accent1"/>
+            </a:effectRef>
+            <a:fontRef idx="minor">
+              <a:schemeClr val="lt1"/>
+            </a:fontRef>
+          </p:style>
+          <p:txBody>
+            <a:bodyPr rtlCol="0" anchor="ctr"/>
+            <a:lstStyle/>
+            <a:p>
+              <a:pPr algn="ctr"/>
+              <a:endParaRPr lang="de-DE"/>
+            </a:p>
+          </p:txBody>
+        </p:sp>
+        <p:sp>
+          <p:nvSpPr>
+            <p:cNvPr id="12" name="Bogen 11"/>
+            <p:cNvSpPr/>
+            <p:nvPr/>
+          </p:nvSpPr>
+          <p:spPr>
+            <a:xfrm rot="5400000">
+              <a:off x="4473709" y="4849761"/>
+              <a:ext cx="821115" cy="902894"/>
+            </a:xfrm>
+            <a:prstGeom prst="arc">
+              <a:avLst>
+                <a:gd name="adj1" fmla="val 13243218"/>
+                <a:gd name="adj2" fmla="val 19291918"/>
+              </a:avLst>
+            </a:prstGeom>
+            <a:noFill/>
+            <a:ln w="63500">
+              <a:solidFill>
+                <a:schemeClr val="tx1"/>
+              </a:solidFill>
+            </a:ln>
+          </p:spPr>
+          <p:style>
+            <a:lnRef idx="2">
+              <a:schemeClr val="accent1">
+                <a:shade val="50000"/>
+              </a:schemeClr>
+            </a:lnRef>
+            <a:fillRef idx="1">
+              <a:schemeClr val="accent1"/>
+            </a:fillRef>
+            <a:effectRef idx="0">
+              <a:schemeClr val="accent1"/>
+            </a:effectRef>
+            <a:fontRef idx="minor">
+              <a:schemeClr val="lt1"/>
+            </a:fontRef>
+          </p:style>
+          <p:txBody>
+            <a:bodyPr rtlCol="0" anchor="ctr"/>
+            <a:lstStyle/>
+            <a:p>
+              <a:pPr algn="ctr"/>
+              <a:endParaRPr lang="de-DE"/>
+            </a:p>
+          </p:txBody>
+        </p:sp>
+        <p:sp>
+          <p:nvSpPr>
+            <p:cNvPr id="13" name="Bogen 12"/>
+            <p:cNvSpPr/>
+            <p:nvPr/>
+          </p:nvSpPr>
+          <p:spPr>
+            <a:xfrm rot="16200000">
+              <a:off x="3513371" y="4851881"/>
+              <a:ext cx="821115" cy="902894"/>
+            </a:xfrm>
+            <a:prstGeom prst="arc">
+              <a:avLst>
+                <a:gd name="adj1" fmla="val 13243218"/>
+                <a:gd name="adj2" fmla="val 19291918"/>
+              </a:avLst>
+            </a:prstGeom>
+            <a:noFill/>
+            <a:ln w="63500">
+              <a:solidFill>
+                <a:schemeClr val="tx1"/>
+              </a:solidFill>
+            </a:ln>
+          </p:spPr>
+          <p:style>
+            <a:lnRef idx="2">
+              <a:schemeClr val="accent1">
+                <a:shade val="50000"/>
+              </a:schemeClr>
+            </a:lnRef>
+            <a:fillRef idx="1">
+              <a:schemeClr val="accent1"/>
+            </a:fillRef>
+            <a:effectRef idx="0">
+              <a:schemeClr val="accent1"/>
+            </a:effectRef>
+            <a:fontRef idx="minor">
+              <a:schemeClr val="lt1"/>
+            </a:fontRef>
+          </p:style>
+          <p:txBody>
+            <a:bodyPr rtlCol="0" anchor="ctr"/>
+            <a:lstStyle/>
+            <a:p>
+              <a:pPr algn="ctr"/>
+              <a:endParaRPr lang="de-DE"/>
+            </a:p>
+          </p:txBody>
+        </p:sp>
+      </p:grpSp>
     </p:spTree>
     <p:extLst>
       <p:ext uri="{BB962C8B-B14F-4D97-AF65-F5344CB8AC3E}">
@@ -21680,10 +22174,3824 @@
           <a:chExt cx="0" cy="0"/>
         </a:xfrm>
       </p:grpSpPr>
+      <p:sp>
+        <p:nvSpPr>
+          <p:cNvPr id="2" name="Freihandform 1"/>
+          <p:cNvSpPr/>
+          <p:nvPr/>
+        </p:nvSpPr>
+        <p:spPr>
+          <a:xfrm>
+            <a:off x="2639159" y="1636953"/>
+            <a:ext cx="3179828" cy="3568363"/>
+          </a:xfrm>
+          <a:custGeom>
+            <a:avLst/>
+            <a:gdLst>
+              <a:gd name="connsiteX0" fmla="*/ 1200839 w 3179828"/>
+              <a:gd name="connsiteY0" fmla="*/ 578418 h 3568363"/>
+              <a:gd name="connsiteX1" fmla="*/ 475125 w 3179828"/>
+              <a:gd name="connsiteY1" fmla="*/ 694533 h 3568363"/>
+              <a:gd name="connsiteX2" fmla="*/ 504153 w 3179828"/>
+              <a:gd name="connsiteY2" fmla="*/ 346190 h 3568363"/>
+              <a:gd name="connsiteX3" fmla="*/ 286439 w 3179828"/>
+              <a:gd name="connsiteY3" fmla="*/ 244590 h 3568363"/>
+              <a:gd name="connsiteX4" fmla="*/ 10668 w 3179828"/>
+              <a:gd name="connsiteY4" fmla="*/ 781618 h 3568363"/>
+              <a:gd name="connsiteX5" fmla="*/ 112268 w 3179828"/>
+              <a:gd name="connsiteY5" fmla="*/ 1725047 h 3568363"/>
+              <a:gd name="connsiteX6" fmla="*/ 620268 w 3179828"/>
+              <a:gd name="connsiteY6" fmla="*/ 1579904 h 3568363"/>
+              <a:gd name="connsiteX7" fmla="*/ 939582 w 3179828"/>
+              <a:gd name="connsiteY7" fmla="*/ 2131447 h 3568363"/>
+              <a:gd name="connsiteX8" fmla="*/ 199353 w 3179828"/>
+              <a:gd name="connsiteY8" fmla="*/ 2842647 h 3568363"/>
+              <a:gd name="connsiteX9" fmla="*/ 1055696 w 3179828"/>
+              <a:gd name="connsiteY9" fmla="*/ 3205504 h 3568363"/>
+              <a:gd name="connsiteX10" fmla="*/ 1549182 w 3179828"/>
+              <a:gd name="connsiteY10" fmla="*/ 1971790 h 3568363"/>
+              <a:gd name="connsiteX11" fmla="*/ 2100725 w 3179828"/>
+              <a:gd name="connsiteY11" fmla="*/ 3568361 h 3568363"/>
+              <a:gd name="connsiteX12" fmla="*/ 2710325 w 3179828"/>
+              <a:gd name="connsiteY12" fmla="*/ 1957275 h 3568363"/>
+              <a:gd name="connsiteX13" fmla="*/ 2652268 w 3179828"/>
+              <a:gd name="connsiteY13" fmla="*/ 796133 h 3568363"/>
+              <a:gd name="connsiteX14" fmla="*/ 3160268 w 3179828"/>
+              <a:gd name="connsiteY14" fmla="*/ 230075 h 3568363"/>
+              <a:gd name="connsiteX15" fmla="*/ 1868496 w 3179828"/>
+              <a:gd name="connsiteY15" fmla="*/ 12361 h 3568363"/>
+              <a:gd name="connsiteX16" fmla="*/ 1200839 w 3179828"/>
+              <a:gd name="connsiteY16" fmla="*/ 578418 h 3568363"/>
+            </a:gdLst>
+            <a:ahLst/>
+            <a:cxnLst>
+              <a:cxn ang="0">
+                <a:pos x="connsiteX0" y="connsiteY0"/>
+              </a:cxn>
+              <a:cxn ang="0">
+                <a:pos x="connsiteX1" y="connsiteY1"/>
+              </a:cxn>
+              <a:cxn ang="0">
+                <a:pos x="connsiteX2" y="connsiteY2"/>
+              </a:cxn>
+              <a:cxn ang="0">
+                <a:pos x="connsiteX3" y="connsiteY3"/>
+              </a:cxn>
+              <a:cxn ang="0">
+                <a:pos x="connsiteX4" y="connsiteY4"/>
+              </a:cxn>
+              <a:cxn ang="0">
+                <a:pos x="connsiteX5" y="connsiteY5"/>
+              </a:cxn>
+              <a:cxn ang="0">
+                <a:pos x="connsiteX6" y="connsiteY6"/>
+              </a:cxn>
+              <a:cxn ang="0">
+                <a:pos x="connsiteX7" y="connsiteY7"/>
+              </a:cxn>
+              <a:cxn ang="0">
+                <a:pos x="connsiteX8" y="connsiteY8"/>
+              </a:cxn>
+              <a:cxn ang="0">
+                <a:pos x="connsiteX9" y="connsiteY9"/>
+              </a:cxn>
+              <a:cxn ang="0">
+                <a:pos x="connsiteX10" y="connsiteY10"/>
+              </a:cxn>
+              <a:cxn ang="0">
+                <a:pos x="connsiteX11" y="connsiteY11"/>
+              </a:cxn>
+              <a:cxn ang="0">
+                <a:pos x="connsiteX12" y="connsiteY12"/>
+              </a:cxn>
+              <a:cxn ang="0">
+                <a:pos x="connsiteX13" y="connsiteY13"/>
+              </a:cxn>
+              <a:cxn ang="0">
+                <a:pos x="connsiteX14" y="connsiteY14"/>
+              </a:cxn>
+              <a:cxn ang="0">
+                <a:pos x="connsiteX15" y="connsiteY15"/>
+              </a:cxn>
+              <a:cxn ang="0">
+                <a:pos x="connsiteX16" y="connsiteY16"/>
+              </a:cxn>
+            </a:cxnLst>
+            <a:rect l="l" t="t" r="r" b="b"/>
+            <a:pathLst>
+              <a:path w="3179828" h="3568363">
+                <a:moveTo>
+                  <a:pt x="1200839" y="578418"/>
+                </a:moveTo>
+                <a:cubicBezTo>
+                  <a:pt x="968611" y="692113"/>
+                  <a:pt x="591239" y="733238"/>
+                  <a:pt x="475125" y="694533"/>
+                </a:cubicBezTo>
+                <a:cubicBezTo>
+                  <a:pt x="359011" y="655828"/>
+                  <a:pt x="535601" y="421180"/>
+                  <a:pt x="504153" y="346190"/>
+                </a:cubicBezTo>
+                <a:cubicBezTo>
+                  <a:pt x="472705" y="271200"/>
+                  <a:pt x="368686" y="172019"/>
+                  <a:pt x="286439" y="244590"/>
+                </a:cubicBezTo>
+                <a:cubicBezTo>
+                  <a:pt x="204191" y="317161"/>
+                  <a:pt x="39696" y="534875"/>
+                  <a:pt x="10668" y="781618"/>
+                </a:cubicBezTo>
+                <a:cubicBezTo>
+                  <a:pt x="-18360" y="1028361"/>
+                  <a:pt x="10668" y="1591999"/>
+                  <a:pt x="112268" y="1725047"/>
+                </a:cubicBezTo>
+                <a:cubicBezTo>
+                  <a:pt x="213868" y="1858095"/>
+                  <a:pt x="482382" y="1512171"/>
+                  <a:pt x="620268" y="1579904"/>
+                </a:cubicBezTo>
+                <a:cubicBezTo>
+                  <a:pt x="758154" y="1647637"/>
+                  <a:pt x="1009735" y="1920990"/>
+                  <a:pt x="939582" y="2131447"/>
+                </a:cubicBezTo>
+                <a:cubicBezTo>
+                  <a:pt x="869429" y="2341904"/>
+                  <a:pt x="180001" y="2663638"/>
+                  <a:pt x="199353" y="2842647"/>
+                </a:cubicBezTo>
+                <a:cubicBezTo>
+                  <a:pt x="218705" y="3021657"/>
+                  <a:pt x="830725" y="3350647"/>
+                  <a:pt x="1055696" y="3205504"/>
+                </a:cubicBezTo>
+                <a:cubicBezTo>
+                  <a:pt x="1280667" y="3060361"/>
+                  <a:pt x="1375011" y="1911314"/>
+                  <a:pt x="1549182" y="1971790"/>
+                </a:cubicBezTo>
+                <a:cubicBezTo>
+                  <a:pt x="1723353" y="2032266"/>
+                  <a:pt x="1907201" y="3570780"/>
+                  <a:pt x="2100725" y="3568361"/>
+                </a:cubicBezTo>
+                <a:cubicBezTo>
+                  <a:pt x="2294249" y="3565942"/>
+                  <a:pt x="2618401" y="2419313"/>
+                  <a:pt x="2710325" y="1957275"/>
+                </a:cubicBezTo>
+                <a:cubicBezTo>
+                  <a:pt x="2802249" y="1495237"/>
+                  <a:pt x="2577278" y="1084000"/>
+                  <a:pt x="2652268" y="796133"/>
+                </a:cubicBezTo>
+                <a:cubicBezTo>
+                  <a:pt x="2727258" y="508266"/>
+                  <a:pt x="3290897" y="360704"/>
+                  <a:pt x="3160268" y="230075"/>
+                </a:cubicBezTo>
+                <a:cubicBezTo>
+                  <a:pt x="3029639" y="99446"/>
+                  <a:pt x="2190229" y="-43277"/>
+                  <a:pt x="1868496" y="12361"/>
+                </a:cubicBezTo>
+                <a:cubicBezTo>
+                  <a:pt x="1546763" y="67999"/>
+                  <a:pt x="1433067" y="464723"/>
+                  <a:pt x="1200839" y="578418"/>
+                </a:cubicBezTo>
+                <a:close/>
+              </a:path>
+            </a:pathLst>
+          </a:custGeom>
+          <a:solidFill>
+            <a:schemeClr val="bg1">
+              <a:lumMod val="75000"/>
+            </a:schemeClr>
+          </a:solidFill>
+          <a:ln>
+            <a:solidFill>
+              <a:schemeClr val="tx1"/>
+            </a:solidFill>
+          </a:ln>
+        </p:spPr>
+        <p:style>
+          <a:lnRef idx="2">
+            <a:schemeClr val="accent1">
+              <a:shade val="50000"/>
+            </a:schemeClr>
+          </a:lnRef>
+          <a:fillRef idx="1">
+            <a:schemeClr val="accent1"/>
+          </a:fillRef>
+          <a:effectRef idx="0">
+            <a:schemeClr val="accent1"/>
+          </a:effectRef>
+          <a:fontRef idx="minor">
+            <a:schemeClr val="lt1"/>
+          </a:fontRef>
+        </p:style>
+        <p:txBody>
+          <a:bodyPr rtlCol="0" anchor="ctr"/>
+          <a:lstStyle/>
+          <a:p>
+            <a:pPr algn="ctr"/>
+            <a:endParaRPr lang="de-DE"/>
+          </a:p>
+        </p:txBody>
+      </p:sp>
+      <p:sp>
+        <p:nvSpPr>
+          <p:cNvPr id="3" name="Freihandform 2"/>
+          <p:cNvSpPr/>
+          <p:nvPr/>
+        </p:nvSpPr>
+        <p:spPr>
+          <a:xfrm>
+            <a:off x="3708520" y="2914858"/>
+            <a:ext cx="332237" cy="493053"/>
+          </a:xfrm>
+          <a:custGeom>
+            <a:avLst/>
+            <a:gdLst>
+              <a:gd name="connsiteX0" fmla="*/ 348343 w 664475"/>
+              <a:gd name="connsiteY0" fmla="*/ 89652 h 794216"/>
+              <a:gd name="connsiteX1" fmla="*/ 0 w 664475"/>
+              <a:gd name="connsiteY1" fmla="*/ 612166 h 794216"/>
+              <a:gd name="connsiteX2" fmla="*/ 348343 w 664475"/>
+              <a:gd name="connsiteY2" fmla="*/ 786337 h 794216"/>
+              <a:gd name="connsiteX3" fmla="*/ 580572 w 664475"/>
+              <a:gd name="connsiteY3" fmla="*/ 394452 h 794216"/>
+              <a:gd name="connsiteX4" fmla="*/ 653143 w 664475"/>
+              <a:gd name="connsiteY4" fmla="*/ 31594 h 794216"/>
+              <a:gd name="connsiteX5" fmla="*/ 348343 w 664475"/>
+              <a:gd name="connsiteY5" fmla="*/ 89652 h 794216"/>
+            </a:gdLst>
+            <a:ahLst/>
+            <a:cxnLst>
+              <a:cxn ang="0">
+                <a:pos x="connsiteX0" y="connsiteY0"/>
+              </a:cxn>
+              <a:cxn ang="0">
+                <a:pos x="connsiteX1" y="connsiteY1"/>
+              </a:cxn>
+              <a:cxn ang="0">
+                <a:pos x="connsiteX2" y="connsiteY2"/>
+              </a:cxn>
+              <a:cxn ang="0">
+                <a:pos x="connsiteX3" y="connsiteY3"/>
+              </a:cxn>
+              <a:cxn ang="0">
+                <a:pos x="connsiteX4" y="connsiteY4"/>
+              </a:cxn>
+              <a:cxn ang="0">
+                <a:pos x="connsiteX5" y="connsiteY5"/>
+              </a:cxn>
+            </a:cxnLst>
+            <a:rect l="l" t="t" r="r" b="b"/>
+            <a:pathLst>
+              <a:path w="664475" h="794216">
+                <a:moveTo>
+                  <a:pt x="348343" y="89652"/>
+                </a:moveTo>
+                <a:cubicBezTo>
+                  <a:pt x="239486" y="186414"/>
+                  <a:pt x="0" y="496052"/>
+                  <a:pt x="0" y="612166"/>
+                </a:cubicBezTo>
+                <a:cubicBezTo>
+                  <a:pt x="0" y="728280"/>
+                  <a:pt x="251581" y="822623"/>
+                  <a:pt x="348343" y="786337"/>
+                </a:cubicBezTo>
+                <a:cubicBezTo>
+                  <a:pt x="445105" y="750051"/>
+                  <a:pt x="529772" y="520243"/>
+                  <a:pt x="580572" y="394452"/>
+                </a:cubicBezTo>
+                <a:cubicBezTo>
+                  <a:pt x="631372" y="268661"/>
+                  <a:pt x="689429" y="87232"/>
+                  <a:pt x="653143" y="31594"/>
+                </a:cubicBezTo>
+                <a:cubicBezTo>
+                  <a:pt x="616857" y="-24044"/>
+                  <a:pt x="457200" y="-7110"/>
+                  <a:pt x="348343" y="89652"/>
+                </a:cubicBezTo>
+                <a:close/>
+              </a:path>
+            </a:pathLst>
+          </a:custGeom>
+          <a:solidFill>
+            <a:schemeClr val="bg1"/>
+          </a:solidFill>
+          <a:ln>
+            <a:solidFill>
+              <a:schemeClr val="tx1"/>
+            </a:solidFill>
+          </a:ln>
+        </p:spPr>
+        <p:style>
+          <a:lnRef idx="2">
+            <a:schemeClr val="accent1">
+              <a:shade val="50000"/>
+            </a:schemeClr>
+          </a:lnRef>
+          <a:fillRef idx="1">
+            <a:schemeClr val="accent1"/>
+          </a:fillRef>
+          <a:effectRef idx="0">
+            <a:schemeClr val="accent1"/>
+          </a:effectRef>
+          <a:fontRef idx="minor">
+            <a:schemeClr val="lt1"/>
+          </a:fontRef>
+        </p:style>
+        <p:txBody>
+          <a:bodyPr rtlCol="0" anchor="ctr"/>
+          <a:lstStyle/>
+          <a:p>
+            <a:pPr algn="ctr"/>
+            <a:endParaRPr lang="de-DE"/>
+          </a:p>
+        </p:txBody>
+      </p:sp>
+      <p:sp>
+        <p:nvSpPr>
+          <p:cNvPr id="4" name="Freihandform 3"/>
+          <p:cNvSpPr/>
+          <p:nvPr/>
+        </p:nvSpPr>
+        <p:spPr>
+          <a:xfrm>
+            <a:off x="4533438" y="2063985"/>
+            <a:ext cx="598216" cy="656225"/>
+          </a:xfrm>
+          <a:custGeom>
+            <a:avLst/>
+            <a:gdLst>
+              <a:gd name="connsiteX0" fmla="*/ 690635 w 1196433"/>
+              <a:gd name="connsiteY0" fmla="*/ 435710 h 871308"/>
+              <a:gd name="connsiteX1" fmla="*/ 211663 w 1196433"/>
+              <a:gd name="connsiteY1" fmla="*/ 871138 h 871308"/>
+              <a:gd name="connsiteX2" fmla="*/ 8463 w 1196433"/>
+              <a:gd name="connsiteY2" fmla="*/ 377653 h 871308"/>
+              <a:gd name="connsiteX3" fmla="*/ 472920 w 1196433"/>
+              <a:gd name="connsiteY3" fmla="*/ 281 h 871308"/>
+              <a:gd name="connsiteX4" fmla="*/ 1184120 w 1196433"/>
+              <a:gd name="connsiteY4" fmla="*/ 435710 h 871308"/>
+              <a:gd name="connsiteX5" fmla="*/ 908349 w 1196433"/>
+              <a:gd name="connsiteY5" fmla="*/ 638910 h 871308"/>
+              <a:gd name="connsiteX6" fmla="*/ 690635 w 1196433"/>
+              <a:gd name="connsiteY6" fmla="*/ 435710 h 871308"/>
+            </a:gdLst>
+            <a:ahLst/>
+            <a:cxnLst>
+              <a:cxn ang="0">
+                <a:pos x="connsiteX0" y="connsiteY0"/>
+              </a:cxn>
+              <a:cxn ang="0">
+                <a:pos x="connsiteX1" y="connsiteY1"/>
+              </a:cxn>
+              <a:cxn ang="0">
+                <a:pos x="connsiteX2" y="connsiteY2"/>
+              </a:cxn>
+              <a:cxn ang="0">
+                <a:pos x="connsiteX3" y="connsiteY3"/>
+              </a:cxn>
+              <a:cxn ang="0">
+                <a:pos x="connsiteX4" y="connsiteY4"/>
+              </a:cxn>
+              <a:cxn ang="0">
+                <a:pos x="connsiteX5" y="connsiteY5"/>
+              </a:cxn>
+              <a:cxn ang="0">
+                <a:pos x="connsiteX6" y="connsiteY6"/>
+              </a:cxn>
+            </a:cxnLst>
+            <a:rect l="l" t="t" r="r" b="b"/>
+            <a:pathLst>
+              <a:path w="1196433" h="871308">
+                <a:moveTo>
+                  <a:pt x="690635" y="435710"/>
+                </a:moveTo>
+                <a:cubicBezTo>
+                  <a:pt x="574521" y="474415"/>
+                  <a:pt x="325358" y="880814"/>
+                  <a:pt x="211663" y="871138"/>
+                </a:cubicBezTo>
+                <a:cubicBezTo>
+                  <a:pt x="97968" y="861462"/>
+                  <a:pt x="-35080" y="522796"/>
+                  <a:pt x="8463" y="377653"/>
+                </a:cubicBezTo>
+                <a:cubicBezTo>
+                  <a:pt x="52006" y="232510"/>
+                  <a:pt x="276977" y="-9395"/>
+                  <a:pt x="472920" y="281"/>
+                </a:cubicBezTo>
+                <a:cubicBezTo>
+                  <a:pt x="668863" y="9957"/>
+                  <a:pt x="1111549" y="329272"/>
+                  <a:pt x="1184120" y="435710"/>
+                </a:cubicBezTo>
+                <a:cubicBezTo>
+                  <a:pt x="1256692" y="542148"/>
+                  <a:pt x="988177" y="631653"/>
+                  <a:pt x="908349" y="638910"/>
+                </a:cubicBezTo>
+                <a:cubicBezTo>
+                  <a:pt x="828521" y="646167"/>
+                  <a:pt x="806749" y="397005"/>
+                  <a:pt x="690635" y="435710"/>
+                </a:cubicBezTo>
+                <a:close/>
+              </a:path>
+            </a:pathLst>
+          </a:custGeom>
+          <a:solidFill>
+            <a:schemeClr val="bg1"/>
+          </a:solidFill>
+          <a:ln>
+            <a:solidFill>
+              <a:schemeClr val="tx1"/>
+            </a:solidFill>
+          </a:ln>
+        </p:spPr>
+        <p:style>
+          <a:lnRef idx="2">
+            <a:schemeClr val="accent1">
+              <a:shade val="50000"/>
+            </a:schemeClr>
+          </a:lnRef>
+          <a:fillRef idx="1">
+            <a:schemeClr val="accent1"/>
+          </a:fillRef>
+          <a:effectRef idx="0">
+            <a:schemeClr val="accent1"/>
+          </a:effectRef>
+          <a:fontRef idx="minor">
+            <a:schemeClr val="lt1"/>
+          </a:fontRef>
+        </p:style>
+        <p:txBody>
+          <a:bodyPr rtlCol="0" anchor="ctr"/>
+          <a:lstStyle/>
+          <a:p>
+            <a:pPr algn="ctr"/>
+            <a:endParaRPr lang="de-DE"/>
+          </a:p>
+        </p:txBody>
+      </p:sp>
+      <p:cxnSp>
+        <p:nvCxnSpPr>
+          <p:cNvPr id="6" name="Gerade Verbindung mit Pfeil 5"/>
+          <p:cNvCxnSpPr/>
+          <p:nvPr/>
+        </p:nvCxnSpPr>
+        <p:spPr>
+          <a:xfrm flipV="1">
+            <a:off x="4533438" y="3068960"/>
+            <a:ext cx="2558842" cy="3096344"/>
+          </a:xfrm>
+          <a:prstGeom prst="straightConnector1">
+            <a:avLst/>
+          </a:prstGeom>
+          <a:ln w="63500">
+            <a:solidFill>
+              <a:schemeClr val="tx2">
+                <a:lumMod val="75000"/>
+              </a:schemeClr>
+            </a:solidFill>
+            <a:tailEnd type="arrow"/>
+          </a:ln>
+        </p:spPr>
+        <p:style>
+          <a:lnRef idx="1">
+            <a:schemeClr val="accent1"/>
+          </a:lnRef>
+          <a:fillRef idx="0">
+            <a:schemeClr val="accent1"/>
+          </a:fillRef>
+          <a:effectRef idx="0">
+            <a:schemeClr val="accent1"/>
+          </a:effectRef>
+          <a:fontRef idx="minor">
+            <a:schemeClr val="tx1"/>
+          </a:fontRef>
+        </p:style>
+      </p:cxnSp>
+      <p:cxnSp>
+        <p:nvCxnSpPr>
+          <p:cNvPr id="8" name="Gerade Verbindung 7"/>
+          <p:cNvCxnSpPr/>
+          <p:nvPr/>
+        </p:nvCxnSpPr>
+        <p:spPr>
+          <a:xfrm>
+            <a:off x="2267744" y="692696"/>
+            <a:ext cx="4464496" cy="4968552"/>
+          </a:xfrm>
+          <a:prstGeom prst="line">
+            <a:avLst/>
+          </a:prstGeom>
+          <a:ln w="38100">
+            <a:solidFill>
+              <a:schemeClr val="tx1"/>
+            </a:solidFill>
+            <a:tailEnd type="triangle"/>
+          </a:ln>
+        </p:spPr>
+        <p:style>
+          <a:lnRef idx="1">
+            <a:schemeClr val="accent1"/>
+          </a:lnRef>
+          <a:fillRef idx="0">
+            <a:schemeClr val="accent1"/>
+          </a:fillRef>
+          <a:effectRef idx="0">
+            <a:schemeClr val="accent1"/>
+          </a:effectRef>
+          <a:fontRef idx="minor">
+            <a:schemeClr val="tx1"/>
+          </a:fontRef>
+        </p:style>
+      </p:cxnSp>
+      <p:cxnSp>
+        <p:nvCxnSpPr>
+          <p:cNvPr id="10" name="Gerade Verbindung mit Pfeil 9"/>
+          <p:cNvCxnSpPr/>
+          <p:nvPr/>
+        </p:nvCxnSpPr>
+        <p:spPr>
+          <a:xfrm flipV="1">
+            <a:off x="1664033" y="277416"/>
+            <a:ext cx="2558842" cy="3096344"/>
+          </a:xfrm>
+          <a:prstGeom prst="straightConnector1">
+            <a:avLst/>
+          </a:prstGeom>
+          <a:ln w="38100">
+            <a:solidFill>
+              <a:srgbClr val="FF0000"/>
+            </a:solidFill>
+            <a:tailEnd type="none"/>
+          </a:ln>
+        </p:spPr>
+        <p:style>
+          <a:lnRef idx="1">
+            <a:schemeClr val="accent1"/>
+          </a:lnRef>
+          <a:fillRef idx="0">
+            <a:schemeClr val="accent1"/>
+          </a:fillRef>
+          <a:effectRef idx="0">
+            <a:schemeClr val="accent1"/>
+          </a:effectRef>
+          <a:fontRef idx="minor">
+            <a:schemeClr val="tx1"/>
+          </a:fontRef>
+        </p:style>
+      </p:cxnSp>
+      <p:cxnSp>
+        <p:nvCxnSpPr>
+          <p:cNvPr id="11" name="Gerade Verbindung mit Pfeil 10"/>
+          <p:cNvCxnSpPr/>
+          <p:nvPr/>
+        </p:nvCxnSpPr>
+        <p:spPr>
+          <a:xfrm flipV="1">
+            <a:off x="4140000" y="2914858"/>
+            <a:ext cx="2558842" cy="3096344"/>
+          </a:xfrm>
+          <a:prstGeom prst="straightConnector1">
+            <a:avLst/>
+          </a:prstGeom>
+          <a:ln w="38100">
+            <a:solidFill>
+              <a:srgbClr val="FF0000"/>
+            </a:solidFill>
+            <a:tailEnd type="none"/>
+          </a:ln>
+        </p:spPr>
+        <p:style>
+          <a:lnRef idx="1">
+            <a:schemeClr val="accent1"/>
+          </a:lnRef>
+          <a:fillRef idx="0">
+            <a:schemeClr val="accent1"/>
+          </a:fillRef>
+          <a:effectRef idx="0">
+            <a:schemeClr val="accent1"/>
+          </a:effectRef>
+          <a:fontRef idx="minor">
+            <a:schemeClr val="tx1"/>
+          </a:fontRef>
+        </p:style>
+      </p:cxnSp>
+      <p:cxnSp>
+        <p:nvCxnSpPr>
+          <p:cNvPr id="12" name="Gerade Verbindung mit Pfeil 11"/>
+          <p:cNvCxnSpPr/>
+          <p:nvPr/>
+        </p:nvCxnSpPr>
+        <p:spPr>
+          <a:xfrm flipV="1">
+            <a:off x="2431796" y="980728"/>
+            <a:ext cx="2558842" cy="3096344"/>
+          </a:xfrm>
+          <a:prstGeom prst="straightConnector1">
+            <a:avLst/>
+          </a:prstGeom>
+          <a:ln w="38100">
+            <a:solidFill>
+              <a:srgbClr val="FF0000"/>
+            </a:solidFill>
+            <a:prstDash val="dash"/>
+            <a:tailEnd type="none"/>
+          </a:ln>
+        </p:spPr>
+        <p:style>
+          <a:lnRef idx="1">
+            <a:schemeClr val="accent1"/>
+          </a:lnRef>
+          <a:fillRef idx="0">
+            <a:schemeClr val="accent1"/>
+          </a:fillRef>
+          <a:effectRef idx="0">
+            <a:schemeClr val="accent1"/>
+          </a:effectRef>
+          <a:fontRef idx="minor">
+            <a:schemeClr val="tx1"/>
+          </a:fontRef>
+        </p:style>
+      </p:cxnSp>
+      <p:cxnSp>
+        <p:nvCxnSpPr>
+          <p:cNvPr id="13" name="Gerade Verbindung mit Pfeil 12"/>
+          <p:cNvCxnSpPr/>
+          <p:nvPr/>
+        </p:nvCxnSpPr>
+        <p:spPr>
+          <a:xfrm flipV="1">
+            <a:off x="3553125" y="2130388"/>
+            <a:ext cx="2558842" cy="3096344"/>
+          </a:xfrm>
+          <a:prstGeom prst="straightConnector1">
+            <a:avLst/>
+          </a:prstGeom>
+          <a:ln w="38100">
+            <a:solidFill>
+              <a:srgbClr val="FF0000"/>
+            </a:solidFill>
+            <a:prstDash val="dash"/>
+            <a:tailEnd type="none"/>
+          </a:ln>
+        </p:spPr>
+        <p:style>
+          <a:lnRef idx="1">
+            <a:schemeClr val="accent1"/>
+          </a:lnRef>
+          <a:fillRef idx="0">
+            <a:schemeClr val="accent1"/>
+          </a:fillRef>
+          <a:effectRef idx="0">
+            <a:schemeClr val="accent1"/>
+          </a:effectRef>
+          <a:fontRef idx="minor">
+            <a:schemeClr val="tx1"/>
+          </a:fontRef>
+        </p:style>
+      </p:cxnSp>
+      <mc:AlternateContent xmlns:mc="http://schemas.openxmlformats.org/markup-compatibility/2006">
+        <mc:Choice xmlns:a14="http://schemas.microsoft.com/office/drawing/2010/main" Requires="a14">
+          <p:sp>
+            <p:nvSpPr>
+              <p:cNvPr id="14" name="Textfeld 13"/>
+              <p:cNvSpPr txBox="1"/>
+              <p:nvPr/>
+            </p:nvSpPr>
+            <p:spPr>
+              <a:xfrm>
+                <a:off x="6300192" y="3861048"/>
+                <a:ext cx="2232248" cy="506421"/>
+              </a:xfrm>
+              <a:prstGeom prst="rect">
+                <a:avLst/>
+              </a:prstGeom>
+              <a:noFill/>
+            </p:spPr>
+            <p:txBody>
+              <a:bodyPr wrap="square" rtlCol="0">
+                <a:spAutoFit/>
+              </a:bodyPr>
+              <a:lstStyle/>
+              <a:p>
+                <a14:m>
+                  <m:oMathPara xmlns:m="http://schemas.openxmlformats.org/officeDocument/2006/math">
+                    <m:oMathParaPr>
+                      <m:jc m:val="centerGroup"/>
+                    </m:oMathParaPr>
+                    <m:oMath xmlns:m="http://schemas.openxmlformats.org/officeDocument/2006/math">
+                      <m:acc>
+                        <m:accPr>
+                          <m:chr m:val="⃗"/>
+                          <m:ctrlPr>
+                            <a:rPr lang="de-DE" sz="2400" i="1" smtClean="0">
+                              <a:solidFill>
+                                <a:schemeClr val="tx2">
+                                  <a:lumMod val="75000"/>
+                                </a:schemeClr>
+                              </a:solidFill>
+                              <a:latin typeface="Cambria Math"/>
+                            </a:rPr>
+                          </m:ctrlPr>
+                        </m:accPr>
+                        <m:e>
+                          <m:r>
+                            <a:rPr lang="de-DE" sz="2400" b="0" i="1" smtClean="0">
+                              <a:solidFill>
+                                <a:schemeClr val="tx2">
+                                  <a:lumMod val="75000"/>
+                                </a:schemeClr>
+                              </a:solidFill>
+                              <a:latin typeface="Cambria Math"/>
+                            </a:rPr>
+                            <m:t>𝑅</m:t>
+                          </m:r>
+                        </m:e>
+                      </m:acc>
+                      <m:r>
+                        <a:rPr lang="de-DE" sz="2400" i="1" smtClean="0">
+                          <a:solidFill>
+                            <a:schemeClr val="tx2">
+                              <a:lumMod val="75000"/>
+                            </a:schemeClr>
+                          </a:solidFill>
+                          <a:latin typeface="Cambria Math"/>
+                        </a:rPr>
+                        <m:t>≙</m:t>
+                      </m:r>
+                      <m:r>
+                        <m:rPr>
+                          <m:sty m:val="p"/>
+                        </m:rPr>
+                        <a:rPr lang="de-DE" sz="2400" b="0" i="0" smtClean="0">
+                          <a:solidFill>
+                            <a:schemeClr val="tx2">
+                              <a:lumMod val="75000"/>
+                            </a:schemeClr>
+                          </a:solidFill>
+                          <a:latin typeface="Cambria Math"/>
+                        </a:rPr>
+                        <m:t>y</m:t>
+                      </m:r>
+                      <m:r>
+                        <a:rPr lang="de-DE" sz="2400" b="0" i="0" smtClean="0">
+                          <a:solidFill>
+                            <a:schemeClr val="tx2">
+                              <a:lumMod val="75000"/>
+                            </a:schemeClr>
+                          </a:solidFill>
+                          <a:latin typeface="Cambria Math"/>
+                        </a:rPr>
+                        <m:t>−</m:t>
+                      </m:r>
+                      <m:r>
+                        <m:rPr>
+                          <m:sty m:val="p"/>
+                        </m:rPr>
+                        <a:rPr lang="de-DE" sz="2400" b="0" i="0" smtClean="0">
+                          <a:solidFill>
+                            <a:schemeClr val="tx2">
+                              <a:lumMod val="75000"/>
+                            </a:schemeClr>
+                          </a:solidFill>
+                          <a:latin typeface="Cambria Math"/>
+                        </a:rPr>
+                        <m:t>Achse</m:t>
+                      </m:r>
+                    </m:oMath>
+                  </m:oMathPara>
+                </a14:m>
+                <a:endParaRPr lang="de-DE" sz="2400" dirty="0">
+                  <a:solidFill>
+                    <a:schemeClr val="tx2">
+                      <a:lumMod val="75000"/>
+                    </a:schemeClr>
+                  </a:solidFill>
+                </a:endParaRPr>
+              </a:p>
+            </p:txBody>
+          </p:sp>
+        </mc:Choice>
+        <mc:Fallback>
+          <p:sp>
+            <p:nvSpPr>
+              <p:cNvPr id="14" name="Textfeld 13"/>
+              <p:cNvSpPr txBox="1">
+                <a:spLocks noRot="1" noChangeAspect="1" noMove="1" noResize="1" noEditPoints="1" noAdjustHandles="1" noChangeArrowheads="1" noChangeShapeType="1" noTextEdit="1"/>
+              </p:cNvSpPr>
+              <p:nvPr/>
+            </p:nvSpPr>
+            <p:spPr>
+              <a:xfrm>
+                <a:off x="6300192" y="3861048"/>
+                <a:ext cx="2232248" cy="506421"/>
+              </a:xfrm>
+              <a:prstGeom prst="rect">
+                <a:avLst/>
+              </a:prstGeom>
+              <a:blipFill rotWithShape="1">
+                <a:blip r:embed="rId2"/>
+                <a:stretch>
+                  <a:fillRect/>
+                </a:stretch>
+              </a:blipFill>
+            </p:spPr>
+            <p:txBody>
+              <a:bodyPr/>
+              <a:lstStyle/>
+              <a:p>
+                <a:r>
+                  <a:rPr lang="de-DE">
+                    <a:noFill/>
+                  </a:rPr>
+                  <a:t> </a:t>
+                </a:r>
+              </a:p>
+            </p:txBody>
+          </p:sp>
+        </mc:Fallback>
+      </mc:AlternateContent>
+      <mc:AlternateContent xmlns:mc="http://schemas.openxmlformats.org/markup-compatibility/2006">
+        <mc:Choice xmlns:a14="http://schemas.microsoft.com/office/drawing/2010/main" Requires="a14">
+          <p:sp>
+            <p:nvSpPr>
+              <p:cNvPr id="15" name="Textfeld 14"/>
+              <p:cNvSpPr txBox="1"/>
+              <p:nvPr/>
+            </p:nvSpPr>
+            <p:spPr>
+              <a:xfrm>
+                <a:off x="847619" y="836712"/>
+                <a:ext cx="1584177" cy="461665"/>
+              </a:xfrm>
+              <a:prstGeom prst="rect">
+                <a:avLst/>
+              </a:prstGeom>
+              <a:noFill/>
+            </p:spPr>
+            <p:txBody>
+              <a:bodyPr wrap="square" rtlCol="0">
+                <a:spAutoFit/>
+              </a:bodyPr>
+              <a:lstStyle/>
+              <a:p>
+                <a14:m>
+                  <m:oMathPara xmlns:m="http://schemas.openxmlformats.org/officeDocument/2006/math">
+                    <m:oMathParaPr>
+                      <m:jc m:val="centerGroup"/>
+                    </m:oMathParaPr>
+                    <m:oMath xmlns:m="http://schemas.openxmlformats.org/officeDocument/2006/math">
+                      <m:r>
+                        <m:rPr>
+                          <m:sty m:val="p"/>
+                        </m:rPr>
+                        <a:rPr lang="de-DE" sz="2400" b="0" i="0" smtClean="0">
+                          <a:solidFill>
+                            <a:schemeClr val="tx1"/>
+                          </a:solidFill>
+                          <a:latin typeface="Cambria Math"/>
+                        </a:rPr>
+                        <m:t>t</m:t>
+                      </m:r>
+                      <m:r>
+                        <a:rPr lang="de-DE" sz="2400" smtClean="0">
+                          <a:solidFill>
+                            <a:schemeClr val="tx1"/>
+                          </a:solidFill>
+                          <a:latin typeface="Cambria Math"/>
+                        </a:rPr>
+                        <m:t>−</m:t>
+                      </m:r>
+                      <m:r>
+                        <m:rPr>
+                          <m:sty m:val="p"/>
+                        </m:rPr>
+                        <a:rPr lang="de-DE" sz="2400" smtClean="0">
+                          <a:solidFill>
+                            <a:schemeClr val="tx1"/>
+                          </a:solidFill>
+                          <a:latin typeface="Cambria Math"/>
+                        </a:rPr>
+                        <m:t>Achse</m:t>
+                      </m:r>
+                    </m:oMath>
+                  </m:oMathPara>
+                </a14:m>
+                <a:endParaRPr lang="de-DE" sz="2400" dirty="0">
+                  <a:solidFill>
+                    <a:schemeClr val="tx1"/>
+                  </a:solidFill>
+                </a:endParaRPr>
+              </a:p>
+            </p:txBody>
+          </p:sp>
+        </mc:Choice>
+        <mc:Fallback>
+          <p:sp>
+            <p:nvSpPr>
+              <p:cNvPr id="15" name="Textfeld 14"/>
+              <p:cNvSpPr txBox="1">
+                <a:spLocks noRot="1" noChangeAspect="1" noMove="1" noResize="1" noEditPoints="1" noAdjustHandles="1" noChangeArrowheads="1" noChangeShapeType="1" noTextEdit="1"/>
+              </p:cNvSpPr>
+              <p:nvPr/>
+            </p:nvSpPr>
+            <p:spPr>
+              <a:xfrm>
+                <a:off x="847619" y="836712"/>
+                <a:ext cx="1584177" cy="461665"/>
+              </a:xfrm>
+              <a:prstGeom prst="rect">
+                <a:avLst/>
+              </a:prstGeom>
+              <a:blipFill rotWithShape="1">
+                <a:blip r:embed="rId3"/>
+                <a:stretch>
+                  <a:fillRect/>
+                </a:stretch>
+              </a:blipFill>
+            </p:spPr>
+            <p:txBody>
+              <a:bodyPr/>
+              <a:lstStyle/>
+              <a:p>
+                <a:r>
+                  <a:rPr lang="de-DE">
+                    <a:noFill/>
+                  </a:rPr>
+                  <a:t> </a:t>
+                </a:r>
+              </a:p>
+            </p:txBody>
+          </p:sp>
+        </mc:Fallback>
+      </mc:AlternateContent>
+      <mc:AlternateContent xmlns:mc="http://schemas.openxmlformats.org/markup-compatibility/2006">
+        <mc:Choice xmlns:a14="http://schemas.microsoft.com/office/drawing/2010/main" Requires="a14">
+          <p:sp>
+            <p:nvSpPr>
+              <p:cNvPr id="16" name="Textfeld 15"/>
+              <p:cNvSpPr txBox="1"/>
+              <p:nvPr/>
+            </p:nvSpPr>
+            <p:spPr>
+              <a:xfrm>
+                <a:off x="1231500" y="3373760"/>
+                <a:ext cx="816414" cy="400110"/>
+              </a:xfrm>
+              <a:prstGeom prst="rect">
+                <a:avLst/>
+              </a:prstGeom>
+              <a:noFill/>
+            </p:spPr>
+            <p:txBody>
+              <a:bodyPr wrap="square" rtlCol="0">
+                <a:spAutoFit/>
+              </a:bodyPr>
+              <a:lstStyle/>
+              <a:p>
+                <a14:m>
+                  <m:oMathPara xmlns:m="http://schemas.openxmlformats.org/officeDocument/2006/math">
+                    <m:oMathParaPr>
+                      <m:jc m:val="centerGroup"/>
+                    </m:oMathParaPr>
+                    <m:oMath xmlns:m="http://schemas.openxmlformats.org/officeDocument/2006/math">
+                      <m:sSub>
+                        <m:sSubPr>
+                          <m:ctrlPr>
+                            <a:rPr lang="de-DE" sz="2000" i="1" smtClean="0">
+                              <a:solidFill>
+                                <a:srgbClr val="FF0000"/>
+                              </a:solidFill>
+                              <a:latin typeface="Cambria Math"/>
+                            </a:rPr>
+                          </m:ctrlPr>
+                        </m:sSubPr>
+                        <m:e>
+                          <m:r>
+                            <a:rPr lang="de-DE" sz="2000" b="0" i="1" smtClean="0">
+                              <a:solidFill>
+                                <a:srgbClr val="FF0000"/>
+                              </a:solidFill>
+                              <a:latin typeface="Cambria Math"/>
+                            </a:rPr>
+                            <m:t>𝑡</m:t>
+                          </m:r>
+                        </m:e>
+                        <m:sub>
+                          <m:r>
+                            <a:rPr lang="de-DE" sz="2000" b="0" i="1" smtClean="0">
+                              <a:solidFill>
+                                <a:srgbClr val="FF0000"/>
+                              </a:solidFill>
+                              <a:latin typeface="Cambria Math"/>
+                            </a:rPr>
+                            <m:t>0</m:t>
+                          </m:r>
+                        </m:sub>
+                      </m:sSub>
+                    </m:oMath>
+                  </m:oMathPara>
+                </a14:m>
+                <a:endParaRPr lang="de-DE" dirty="0"/>
+              </a:p>
+            </p:txBody>
+          </p:sp>
+        </mc:Choice>
+        <mc:Fallback>
+          <p:sp>
+            <p:nvSpPr>
+              <p:cNvPr id="16" name="Textfeld 15"/>
+              <p:cNvSpPr txBox="1">
+                <a:spLocks noRot="1" noChangeAspect="1" noMove="1" noResize="1" noEditPoints="1" noAdjustHandles="1" noChangeArrowheads="1" noChangeShapeType="1" noTextEdit="1"/>
+              </p:cNvSpPr>
+              <p:nvPr/>
+            </p:nvSpPr>
+            <p:spPr>
+              <a:xfrm>
+                <a:off x="1231500" y="3373760"/>
+                <a:ext cx="816414" cy="400110"/>
+              </a:xfrm>
+              <a:prstGeom prst="rect">
+                <a:avLst/>
+              </a:prstGeom>
+              <a:blipFill rotWithShape="1">
+                <a:blip r:embed="rId4"/>
+                <a:stretch>
+                  <a:fillRect/>
+                </a:stretch>
+              </a:blipFill>
+            </p:spPr>
+            <p:txBody>
+              <a:bodyPr/>
+              <a:lstStyle/>
+              <a:p>
+                <a:r>
+                  <a:rPr lang="de-DE">
+                    <a:noFill/>
+                  </a:rPr>
+                  <a:t> </a:t>
+                </a:r>
+              </a:p>
+            </p:txBody>
+          </p:sp>
+        </mc:Fallback>
+      </mc:AlternateContent>
+      <mc:AlternateContent xmlns:mc="http://schemas.openxmlformats.org/markup-compatibility/2006">
+        <mc:Choice xmlns:a14="http://schemas.microsoft.com/office/drawing/2010/main" Requires="a14">
+          <p:sp>
+            <p:nvSpPr>
+              <p:cNvPr id="17" name="Textfeld 16"/>
+              <p:cNvSpPr txBox="1"/>
+              <p:nvPr/>
+            </p:nvSpPr>
+            <p:spPr>
+              <a:xfrm>
+                <a:off x="1882202" y="3995576"/>
+                <a:ext cx="816414" cy="400110"/>
+              </a:xfrm>
+              <a:prstGeom prst="rect">
+                <a:avLst/>
+              </a:prstGeom>
+              <a:noFill/>
+            </p:spPr>
+            <p:txBody>
+              <a:bodyPr wrap="square" rtlCol="0">
+                <a:spAutoFit/>
+              </a:bodyPr>
+              <a:lstStyle/>
+              <a:p>
+                <a14:m>
+                  <m:oMathPara xmlns:m="http://schemas.openxmlformats.org/officeDocument/2006/math">
+                    <m:oMathParaPr>
+                      <m:jc m:val="centerGroup"/>
+                    </m:oMathParaPr>
+                    <m:oMath xmlns:m="http://schemas.openxmlformats.org/officeDocument/2006/math">
+                      <m:sSub>
+                        <m:sSubPr>
+                          <m:ctrlPr>
+                            <a:rPr lang="de-DE" sz="2000" i="1" smtClean="0">
+                              <a:solidFill>
+                                <a:srgbClr val="FF0000"/>
+                              </a:solidFill>
+                              <a:latin typeface="Cambria Math"/>
+                            </a:rPr>
+                          </m:ctrlPr>
+                        </m:sSubPr>
+                        <m:e>
+                          <m:r>
+                            <a:rPr lang="de-DE" sz="2000" b="0" i="1" smtClean="0">
+                              <a:solidFill>
+                                <a:srgbClr val="FF0000"/>
+                              </a:solidFill>
+                              <a:latin typeface="Cambria Math"/>
+                            </a:rPr>
+                            <m:t>𝑡</m:t>
+                          </m:r>
+                        </m:e>
+                        <m:sub>
+                          <m:r>
+                            <a:rPr lang="de-DE" sz="2000" b="0" i="1" smtClean="0">
+                              <a:solidFill>
+                                <a:srgbClr val="FF0000"/>
+                              </a:solidFill>
+                              <a:latin typeface="Cambria Math"/>
+                            </a:rPr>
+                            <m:t>1</m:t>
+                          </m:r>
+                        </m:sub>
+                      </m:sSub>
+                    </m:oMath>
+                  </m:oMathPara>
+                </a14:m>
+                <a:endParaRPr lang="de-DE" dirty="0"/>
+              </a:p>
+            </p:txBody>
+          </p:sp>
+        </mc:Choice>
+        <mc:Fallback>
+          <p:sp>
+            <p:nvSpPr>
+              <p:cNvPr id="17" name="Textfeld 16"/>
+              <p:cNvSpPr txBox="1">
+                <a:spLocks noRot="1" noChangeAspect="1" noMove="1" noResize="1" noEditPoints="1" noAdjustHandles="1" noChangeArrowheads="1" noChangeShapeType="1" noTextEdit="1"/>
+              </p:cNvSpPr>
+              <p:nvPr/>
+            </p:nvSpPr>
+            <p:spPr>
+              <a:xfrm>
+                <a:off x="1882202" y="3995576"/>
+                <a:ext cx="816414" cy="400110"/>
+              </a:xfrm>
+              <a:prstGeom prst="rect">
+                <a:avLst/>
+              </a:prstGeom>
+              <a:blipFill rotWithShape="1">
+                <a:blip r:embed="rId5"/>
+                <a:stretch>
+                  <a:fillRect/>
+                </a:stretch>
+              </a:blipFill>
+            </p:spPr>
+            <p:txBody>
+              <a:bodyPr/>
+              <a:lstStyle/>
+              <a:p>
+                <a:r>
+                  <a:rPr lang="de-DE">
+                    <a:noFill/>
+                  </a:rPr>
+                  <a:t> </a:t>
+                </a:r>
+              </a:p>
+            </p:txBody>
+          </p:sp>
+        </mc:Fallback>
+      </mc:AlternateContent>
+      <mc:AlternateContent xmlns:mc="http://schemas.openxmlformats.org/markup-compatibility/2006">
+        <mc:Choice xmlns:a14="http://schemas.microsoft.com/office/drawing/2010/main" Requires="a14">
+          <p:sp>
+            <p:nvSpPr>
+              <p:cNvPr id="18" name="Textfeld 17"/>
+              <p:cNvSpPr txBox="1"/>
+              <p:nvPr/>
+            </p:nvSpPr>
+            <p:spPr>
+              <a:xfrm>
+                <a:off x="2938518" y="5031411"/>
+                <a:ext cx="816414" cy="400110"/>
+              </a:xfrm>
+              <a:prstGeom prst="rect">
+                <a:avLst/>
+              </a:prstGeom>
+              <a:noFill/>
+            </p:spPr>
+            <p:txBody>
+              <a:bodyPr wrap="square" rtlCol="0">
+                <a:spAutoFit/>
+              </a:bodyPr>
+              <a:lstStyle/>
+              <a:p>
+                <a14:m>
+                  <m:oMathPara xmlns:m="http://schemas.openxmlformats.org/officeDocument/2006/math">
+                    <m:oMathParaPr>
+                      <m:jc m:val="centerGroup"/>
+                    </m:oMathParaPr>
+                    <m:oMath xmlns:m="http://schemas.openxmlformats.org/officeDocument/2006/math">
+                      <m:sSub>
+                        <m:sSubPr>
+                          <m:ctrlPr>
+                            <a:rPr lang="de-DE" sz="2000" i="1" smtClean="0">
+                              <a:solidFill>
+                                <a:srgbClr val="FF0000"/>
+                              </a:solidFill>
+                              <a:latin typeface="Cambria Math"/>
+                            </a:rPr>
+                          </m:ctrlPr>
+                        </m:sSubPr>
+                        <m:e>
+                          <m:r>
+                            <a:rPr lang="de-DE" sz="2000" b="0" i="1" smtClean="0">
+                              <a:solidFill>
+                                <a:srgbClr val="FF0000"/>
+                              </a:solidFill>
+                              <a:latin typeface="Cambria Math"/>
+                            </a:rPr>
+                            <m:t>𝑡</m:t>
+                          </m:r>
+                        </m:e>
+                        <m:sub>
+                          <m:r>
+                            <a:rPr lang="de-DE" sz="2000" b="0" i="1" smtClean="0">
+                              <a:solidFill>
+                                <a:srgbClr val="FF0000"/>
+                              </a:solidFill>
+                              <a:latin typeface="Cambria Math"/>
+                            </a:rPr>
+                            <m:t>2</m:t>
+                          </m:r>
+                        </m:sub>
+                      </m:sSub>
+                    </m:oMath>
+                  </m:oMathPara>
+                </a14:m>
+                <a:endParaRPr lang="de-DE" dirty="0"/>
+              </a:p>
+            </p:txBody>
+          </p:sp>
+        </mc:Choice>
+        <mc:Fallback>
+          <p:sp>
+            <p:nvSpPr>
+              <p:cNvPr id="18" name="Textfeld 17"/>
+              <p:cNvSpPr txBox="1">
+                <a:spLocks noRot="1" noChangeAspect="1" noMove="1" noResize="1" noEditPoints="1" noAdjustHandles="1" noChangeArrowheads="1" noChangeShapeType="1" noTextEdit="1"/>
+              </p:cNvSpPr>
+              <p:nvPr/>
+            </p:nvSpPr>
+            <p:spPr>
+              <a:xfrm>
+                <a:off x="2938518" y="5031411"/>
+                <a:ext cx="816414" cy="400110"/>
+              </a:xfrm>
+              <a:prstGeom prst="rect">
+                <a:avLst/>
+              </a:prstGeom>
+              <a:blipFill rotWithShape="1">
+                <a:blip r:embed="rId6"/>
+                <a:stretch>
+                  <a:fillRect/>
+                </a:stretch>
+              </a:blipFill>
+            </p:spPr>
+            <p:txBody>
+              <a:bodyPr/>
+              <a:lstStyle/>
+              <a:p>
+                <a:r>
+                  <a:rPr lang="de-DE">
+                    <a:noFill/>
+                  </a:rPr>
+                  <a:t> </a:t>
+                </a:r>
+              </a:p>
+            </p:txBody>
+          </p:sp>
+        </mc:Fallback>
+      </mc:AlternateContent>
+      <mc:AlternateContent xmlns:mc="http://schemas.openxmlformats.org/markup-compatibility/2006">
+        <mc:Choice xmlns:a14="http://schemas.microsoft.com/office/drawing/2010/main" Requires="a14">
+          <p:sp>
+            <p:nvSpPr>
+              <p:cNvPr id="19" name="Textfeld 18"/>
+              <p:cNvSpPr txBox="1"/>
+              <p:nvPr/>
+            </p:nvSpPr>
+            <p:spPr>
+              <a:xfrm>
+                <a:off x="3523420" y="5661248"/>
+                <a:ext cx="816414" cy="400110"/>
+              </a:xfrm>
+              <a:prstGeom prst="rect">
+                <a:avLst/>
+              </a:prstGeom>
+              <a:noFill/>
+            </p:spPr>
+            <p:txBody>
+              <a:bodyPr wrap="square" rtlCol="0">
+                <a:spAutoFit/>
+              </a:bodyPr>
+              <a:lstStyle/>
+              <a:p>
+                <a14:m>
+                  <m:oMathPara xmlns:m="http://schemas.openxmlformats.org/officeDocument/2006/math">
+                    <m:oMathParaPr>
+                      <m:jc m:val="centerGroup"/>
+                    </m:oMathParaPr>
+                    <m:oMath xmlns:m="http://schemas.openxmlformats.org/officeDocument/2006/math">
+                      <m:sSub>
+                        <m:sSubPr>
+                          <m:ctrlPr>
+                            <a:rPr lang="de-DE" sz="2000" i="1" smtClean="0">
+                              <a:solidFill>
+                                <a:srgbClr val="FF0000"/>
+                              </a:solidFill>
+                              <a:latin typeface="Cambria Math"/>
+                            </a:rPr>
+                          </m:ctrlPr>
+                        </m:sSubPr>
+                        <m:e>
+                          <m:r>
+                            <a:rPr lang="de-DE" sz="2000" b="0" i="1" smtClean="0">
+                              <a:solidFill>
+                                <a:srgbClr val="FF0000"/>
+                              </a:solidFill>
+                              <a:latin typeface="Cambria Math"/>
+                            </a:rPr>
+                            <m:t>𝑡</m:t>
+                          </m:r>
+                        </m:e>
+                        <m:sub>
+                          <m:r>
+                            <a:rPr lang="de-DE" sz="2000" b="0" i="1" smtClean="0">
+                              <a:solidFill>
+                                <a:srgbClr val="FF0000"/>
+                              </a:solidFill>
+                              <a:latin typeface="Cambria Math"/>
+                            </a:rPr>
+                            <m:t>3</m:t>
+                          </m:r>
+                        </m:sub>
+                      </m:sSub>
+                    </m:oMath>
+                  </m:oMathPara>
+                </a14:m>
+                <a:endParaRPr lang="de-DE" dirty="0"/>
+              </a:p>
+            </p:txBody>
+          </p:sp>
+        </mc:Choice>
+        <mc:Fallback>
+          <p:sp>
+            <p:nvSpPr>
+              <p:cNvPr id="19" name="Textfeld 18"/>
+              <p:cNvSpPr txBox="1">
+                <a:spLocks noRot="1" noChangeAspect="1" noMove="1" noResize="1" noEditPoints="1" noAdjustHandles="1" noChangeArrowheads="1" noChangeShapeType="1" noTextEdit="1"/>
+              </p:cNvSpPr>
+              <p:nvPr/>
+            </p:nvSpPr>
+            <p:spPr>
+              <a:xfrm>
+                <a:off x="3523420" y="5661248"/>
+                <a:ext cx="816414" cy="400110"/>
+              </a:xfrm>
+              <a:prstGeom prst="rect">
+                <a:avLst/>
+              </a:prstGeom>
+              <a:blipFill rotWithShape="1">
+                <a:blip r:embed="rId7"/>
+                <a:stretch>
+                  <a:fillRect b="-1538"/>
+                </a:stretch>
+              </a:blipFill>
+            </p:spPr>
+            <p:txBody>
+              <a:bodyPr/>
+              <a:lstStyle/>
+              <a:p>
+                <a:r>
+                  <a:rPr lang="de-DE">
+                    <a:noFill/>
+                  </a:rPr>
+                  <a:t> </a:t>
+                </a:r>
+              </a:p>
+            </p:txBody>
+          </p:sp>
+        </mc:Fallback>
+      </mc:AlternateContent>
     </p:spTree>
     <p:extLst>
       <p:ext uri="{BB962C8B-B14F-4D97-AF65-F5344CB8AC3E}">
         <p14:creationId xmlns:p14="http://schemas.microsoft.com/office/powerpoint/2010/main" val="3402120082"/>
+      </p:ext>
+    </p:extLst>
+  </p:cSld>
+  <p:clrMapOvr>
+    <a:masterClrMapping/>
+  </p:clrMapOvr>
+  <p:timing>
+    <p:tnLst>
+      <p:par>
+        <p:cTn id="1" dur="indefinite" restart="never" nodeType="tmRoot"/>
+      </p:par>
+    </p:tnLst>
+  </p:timing>
+</p:sld>
+</file>
+
+<file path=ppt/slides/slide22.xml><?xml version="1.0" encoding="utf-8"?>
+<p:sld xmlns:a="http://schemas.openxmlformats.org/drawingml/2006/main" xmlns:r="http://schemas.openxmlformats.org/officeDocument/2006/relationships" xmlns:p="http://schemas.openxmlformats.org/presentationml/2006/main">
+  <p:cSld>
+    <p:spTree>
+      <p:nvGrpSpPr>
+        <p:cNvPr id="1" name=""/>
+        <p:cNvGrpSpPr/>
+        <p:nvPr/>
+      </p:nvGrpSpPr>
+      <p:grpSpPr>
+        <a:xfrm>
+          <a:off x="0" y="0"/>
+          <a:ext cx="0" cy="0"/>
+          <a:chOff x="0" y="0"/>
+          <a:chExt cx="0" cy="0"/>
+        </a:xfrm>
+      </p:grpSpPr>
+      <p:cxnSp>
+        <p:nvCxnSpPr>
+          <p:cNvPr id="2" name="Gerade Verbindung mit Pfeil 1"/>
+          <p:cNvCxnSpPr/>
+          <p:nvPr/>
+        </p:nvCxnSpPr>
+        <p:spPr>
+          <a:xfrm flipV="1">
+            <a:off x="1664033" y="277416"/>
+            <a:ext cx="2558842" cy="3096344"/>
+          </a:xfrm>
+          <a:prstGeom prst="straightConnector1">
+            <a:avLst/>
+          </a:prstGeom>
+          <a:ln w="38100">
+            <a:solidFill>
+              <a:srgbClr val="FF0000"/>
+            </a:solidFill>
+            <a:tailEnd type="none"/>
+          </a:ln>
+        </p:spPr>
+        <p:style>
+          <a:lnRef idx="1">
+            <a:schemeClr val="accent1"/>
+          </a:lnRef>
+          <a:fillRef idx="0">
+            <a:schemeClr val="accent1"/>
+          </a:fillRef>
+          <a:effectRef idx="0">
+            <a:schemeClr val="accent1"/>
+          </a:effectRef>
+          <a:fontRef idx="minor">
+            <a:schemeClr val="tx1"/>
+          </a:fontRef>
+        </p:style>
+      </p:cxnSp>
+      <mc:AlternateContent xmlns:mc="http://schemas.openxmlformats.org/markup-compatibility/2006">
+        <mc:Choice xmlns:a14="http://schemas.microsoft.com/office/drawing/2010/main" Requires="a14">
+          <p:sp>
+            <p:nvSpPr>
+              <p:cNvPr id="3" name="Textfeld 2"/>
+              <p:cNvSpPr txBox="1"/>
+              <p:nvPr/>
+            </p:nvSpPr>
+            <p:spPr>
+              <a:xfrm>
+                <a:off x="1231500" y="3373760"/>
+                <a:ext cx="816414" cy="400110"/>
+              </a:xfrm>
+              <a:prstGeom prst="rect">
+                <a:avLst/>
+              </a:prstGeom>
+              <a:noFill/>
+            </p:spPr>
+            <p:txBody>
+              <a:bodyPr wrap="square" rtlCol="0">
+                <a:spAutoFit/>
+              </a:bodyPr>
+              <a:lstStyle/>
+              <a:p>
+                <a14:m>
+                  <m:oMathPara xmlns:m="http://schemas.openxmlformats.org/officeDocument/2006/math">
+                    <m:oMathParaPr>
+                      <m:jc m:val="centerGroup"/>
+                    </m:oMathParaPr>
+                    <m:oMath xmlns:m="http://schemas.openxmlformats.org/officeDocument/2006/math">
+                      <m:sSub>
+                        <m:sSubPr>
+                          <m:ctrlPr>
+                            <a:rPr lang="de-DE" sz="2000" i="1" smtClean="0">
+                              <a:solidFill>
+                                <a:srgbClr val="FF0000"/>
+                              </a:solidFill>
+                              <a:latin typeface="Cambria Math"/>
+                            </a:rPr>
+                          </m:ctrlPr>
+                        </m:sSubPr>
+                        <m:e>
+                          <m:r>
+                            <a:rPr lang="de-DE" sz="2000" b="0" i="1" smtClean="0">
+                              <a:solidFill>
+                                <a:srgbClr val="FF0000"/>
+                              </a:solidFill>
+                              <a:latin typeface="Cambria Math"/>
+                            </a:rPr>
+                            <m:t>𝑡</m:t>
+                          </m:r>
+                        </m:e>
+                        <m:sub>
+                          <m:r>
+                            <a:rPr lang="de-DE" sz="2000" b="0" i="1" smtClean="0">
+                              <a:solidFill>
+                                <a:srgbClr val="FF0000"/>
+                              </a:solidFill>
+                              <a:latin typeface="Cambria Math"/>
+                            </a:rPr>
+                            <m:t>0</m:t>
+                          </m:r>
+                        </m:sub>
+                      </m:sSub>
+                    </m:oMath>
+                  </m:oMathPara>
+                </a14:m>
+                <a:endParaRPr lang="de-DE" dirty="0"/>
+              </a:p>
+            </p:txBody>
+          </p:sp>
+        </mc:Choice>
+        <mc:Fallback>
+          <p:sp>
+            <p:nvSpPr>
+              <p:cNvPr id="3" name="Textfeld 2"/>
+              <p:cNvSpPr txBox="1">
+                <a:spLocks noRot="1" noChangeAspect="1" noMove="1" noResize="1" noEditPoints="1" noAdjustHandles="1" noChangeArrowheads="1" noChangeShapeType="1" noTextEdit="1"/>
+              </p:cNvSpPr>
+              <p:nvPr/>
+            </p:nvSpPr>
+            <p:spPr>
+              <a:xfrm>
+                <a:off x="1231500" y="3373760"/>
+                <a:ext cx="816414" cy="400110"/>
+              </a:xfrm>
+              <a:prstGeom prst="rect">
+                <a:avLst/>
+              </a:prstGeom>
+              <a:blipFill rotWithShape="1">
+                <a:blip r:embed="rId2"/>
+                <a:stretch>
+                  <a:fillRect/>
+                </a:stretch>
+              </a:blipFill>
+            </p:spPr>
+            <p:txBody>
+              <a:bodyPr/>
+              <a:lstStyle/>
+              <a:p>
+                <a:r>
+                  <a:rPr lang="de-DE">
+                    <a:noFill/>
+                  </a:rPr>
+                  <a:t> </a:t>
+                </a:r>
+              </a:p>
+            </p:txBody>
+          </p:sp>
+        </mc:Fallback>
+      </mc:AlternateContent>
+      <p:sp>
+        <p:nvSpPr>
+          <p:cNvPr id="4" name="Freihandform 3"/>
+          <p:cNvSpPr/>
+          <p:nvPr/>
+        </p:nvSpPr>
+        <p:spPr>
+          <a:xfrm>
+            <a:off x="2445629" y="1126892"/>
+            <a:ext cx="2277247" cy="3153254"/>
+          </a:xfrm>
+          <a:custGeom>
+            <a:avLst/>
+            <a:gdLst>
+              <a:gd name="connsiteX0" fmla="*/ 2013213 w 3363106"/>
+              <a:gd name="connsiteY0" fmla="*/ 172156 h 4094380"/>
+              <a:gd name="connsiteX1" fmla="*/ 271499 w 3363106"/>
+              <a:gd name="connsiteY1" fmla="*/ 2639585 h 4094380"/>
+              <a:gd name="connsiteX2" fmla="*/ 126356 w 3363106"/>
+              <a:gd name="connsiteY2" fmla="*/ 3974899 h 4094380"/>
+              <a:gd name="connsiteX3" fmla="*/ 1476185 w 3363106"/>
+              <a:gd name="connsiteY3" fmla="*/ 3931356 h 4094380"/>
+              <a:gd name="connsiteX4" fmla="*/ 2695385 w 3363106"/>
+              <a:gd name="connsiteY4" fmla="*/ 3104042 h 4094380"/>
+              <a:gd name="connsiteX5" fmla="*/ 2796985 w 3363106"/>
+              <a:gd name="connsiteY5" fmla="*/ 1768728 h 4094380"/>
+              <a:gd name="connsiteX6" fmla="*/ 2056756 w 3363106"/>
+              <a:gd name="connsiteY6" fmla="*/ 1812271 h 4094380"/>
+              <a:gd name="connsiteX7" fmla="*/ 2071270 w 3363106"/>
+              <a:gd name="connsiteY7" fmla="*/ 1028499 h 4094380"/>
+              <a:gd name="connsiteX8" fmla="*/ 3363042 w 3363106"/>
+              <a:gd name="connsiteY8" fmla="*/ 302785 h 4094380"/>
+              <a:gd name="connsiteX9" fmla="*/ 2013213 w 3363106"/>
+              <a:gd name="connsiteY9" fmla="*/ 172156 h 4094380"/>
+              <a:gd name="connsiteX0" fmla="*/ 2339029 w 3688922"/>
+              <a:gd name="connsiteY0" fmla="*/ 172156 h 4105915"/>
+              <a:gd name="connsiteX1" fmla="*/ 597315 w 3688922"/>
+              <a:gd name="connsiteY1" fmla="*/ 2639585 h 4105915"/>
+              <a:gd name="connsiteX2" fmla="*/ 2229 w 3688922"/>
+              <a:gd name="connsiteY2" fmla="*/ 2479928 h 4105915"/>
+              <a:gd name="connsiteX3" fmla="*/ 452172 w 3688922"/>
+              <a:gd name="connsiteY3" fmla="*/ 3974899 h 4105915"/>
+              <a:gd name="connsiteX4" fmla="*/ 1802001 w 3688922"/>
+              <a:gd name="connsiteY4" fmla="*/ 3931356 h 4105915"/>
+              <a:gd name="connsiteX5" fmla="*/ 3021201 w 3688922"/>
+              <a:gd name="connsiteY5" fmla="*/ 3104042 h 4105915"/>
+              <a:gd name="connsiteX6" fmla="*/ 3122801 w 3688922"/>
+              <a:gd name="connsiteY6" fmla="*/ 1768728 h 4105915"/>
+              <a:gd name="connsiteX7" fmla="*/ 2382572 w 3688922"/>
+              <a:gd name="connsiteY7" fmla="*/ 1812271 h 4105915"/>
+              <a:gd name="connsiteX8" fmla="*/ 2397086 w 3688922"/>
+              <a:gd name="connsiteY8" fmla="*/ 1028499 h 4105915"/>
+              <a:gd name="connsiteX9" fmla="*/ 3688858 w 3688922"/>
+              <a:gd name="connsiteY9" fmla="*/ 302785 h 4105915"/>
+              <a:gd name="connsiteX10" fmla="*/ 2339029 w 3688922"/>
+              <a:gd name="connsiteY10" fmla="*/ 172156 h 4105915"/>
+              <a:gd name="connsiteX0" fmla="*/ 2339029 w 3688922"/>
+              <a:gd name="connsiteY0" fmla="*/ 107717 h 4041476"/>
+              <a:gd name="connsiteX1" fmla="*/ 742458 w 3688922"/>
+              <a:gd name="connsiteY1" fmla="*/ 1704289 h 4041476"/>
+              <a:gd name="connsiteX2" fmla="*/ 2229 w 3688922"/>
+              <a:gd name="connsiteY2" fmla="*/ 2415489 h 4041476"/>
+              <a:gd name="connsiteX3" fmla="*/ 452172 w 3688922"/>
+              <a:gd name="connsiteY3" fmla="*/ 3910460 h 4041476"/>
+              <a:gd name="connsiteX4" fmla="*/ 1802001 w 3688922"/>
+              <a:gd name="connsiteY4" fmla="*/ 3866917 h 4041476"/>
+              <a:gd name="connsiteX5" fmla="*/ 3021201 w 3688922"/>
+              <a:gd name="connsiteY5" fmla="*/ 3039603 h 4041476"/>
+              <a:gd name="connsiteX6" fmla="*/ 3122801 w 3688922"/>
+              <a:gd name="connsiteY6" fmla="*/ 1704289 h 4041476"/>
+              <a:gd name="connsiteX7" fmla="*/ 2382572 w 3688922"/>
+              <a:gd name="connsiteY7" fmla="*/ 1747832 h 4041476"/>
+              <a:gd name="connsiteX8" fmla="*/ 2397086 w 3688922"/>
+              <a:gd name="connsiteY8" fmla="*/ 964060 h 4041476"/>
+              <a:gd name="connsiteX9" fmla="*/ 3688858 w 3688922"/>
+              <a:gd name="connsiteY9" fmla="*/ 238346 h 4041476"/>
+              <a:gd name="connsiteX10" fmla="*/ 2339029 w 3688922"/>
+              <a:gd name="connsiteY10" fmla="*/ 107717 h 4041476"/>
+              <a:gd name="connsiteX0" fmla="*/ 1916909 w 3266802"/>
+              <a:gd name="connsiteY0" fmla="*/ 107717 h 4019518"/>
+              <a:gd name="connsiteX1" fmla="*/ 320338 w 3266802"/>
+              <a:gd name="connsiteY1" fmla="*/ 1704289 h 4019518"/>
+              <a:gd name="connsiteX2" fmla="*/ 421937 w 3266802"/>
+              <a:gd name="connsiteY2" fmla="*/ 2720289 h 4019518"/>
+              <a:gd name="connsiteX3" fmla="*/ 30052 w 3266802"/>
+              <a:gd name="connsiteY3" fmla="*/ 3910460 h 4019518"/>
+              <a:gd name="connsiteX4" fmla="*/ 1379881 w 3266802"/>
+              <a:gd name="connsiteY4" fmla="*/ 3866917 h 4019518"/>
+              <a:gd name="connsiteX5" fmla="*/ 2599081 w 3266802"/>
+              <a:gd name="connsiteY5" fmla="*/ 3039603 h 4019518"/>
+              <a:gd name="connsiteX6" fmla="*/ 2700681 w 3266802"/>
+              <a:gd name="connsiteY6" fmla="*/ 1704289 h 4019518"/>
+              <a:gd name="connsiteX7" fmla="*/ 1960452 w 3266802"/>
+              <a:gd name="connsiteY7" fmla="*/ 1747832 h 4019518"/>
+              <a:gd name="connsiteX8" fmla="*/ 1974966 w 3266802"/>
+              <a:gd name="connsiteY8" fmla="*/ 964060 h 4019518"/>
+              <a:gd name="connsiteX9" fmla="*/ 3266738 w 3266802"/>
+              <a:gd name="connsiteY9" fmla="*/ 238346 h 4019518"/>
+              <a:gd name="connsiteX10" fmla="*/ 1916909 w 3266802"/>
+              <a:gd name="connsiteY10" fmla="*/ 107717 h 4019518"/>
+              <a:gd name="connsiteX0" fmla="*/ 1682412 w 3032305"/>
+              <a:gd name="connsiteY0" fmla="*/ 107717 h 3866924"/>
+              <a:gd name="connsiteX1" fmla="*/ 85841 w 3032305"/>
+              <a:gd name="connsiteY1" fmla="*/ 1704289 h 3866924"/>
+              <a:gd name="connsiteX2" fmla="*/ 187440 w 3032305"/>
+              <a:gd name="connsiteY2" fmla="*/ 2720289 h 3866924"/>
+              <a:gd name="connsiteX3" fmla="*/ 956698 w 3032305"/>
+              <a:gd name="connsiteY3" fmla="*/ 3054117 h 3866924"/>
+              <a:gd name="connsiteX4" fmla="*/ 1145384 w 3032305"/>
+              <a:gd name="connsiteY4" fmla="*/ 3866917 h 3866924"/>
+              <a:gd name="connsiteX5" fmla="*/ 2364584 w 3032305"/>
+              <a:gd name="connsiteY5" fmla="*/ 3039603 h 3866924"/>
+              <a:gd name="connsiteX6" fmla="*/ 2466184 w 3032305"/>
+              <a:gd name="connsiteY6" fmla="*/ 1704289 h 3866924"/>
+              <a:gd name="connsiteX7" fmla="*/ 1725955 w 3032305"/>
+              <a:gd name="connsiteY7" fmla="*/ 1747832 h 3866924"/>
+              <a:gd name="connsiteX8" fmla="*/ 1740469 w 3032305"/>
+              <a:gd name="connsiteY8" fmla="*/ 964060 h 3866924"/>
+              <a:gd name="connsiteX9" fmla="*/ 3032241 w 3032305"/>
+              <a:gd name="connsiteY9" fmla="*/ 238346 h 3866924"/>
+              <a:gd name="connsiteX10" fmla="*/ 1682412 w 3032305"/>
+              <a:gd name="connsiteY10" fmla="*/ 107717 h 3866924"/>
+              <a:gd name="connsiteX0" fmla="*/ 1736743 w 3086636"/>
+              <a:gd name="connsiteY0" fmla="*/ 107717 h 3866924"/>
+              <a:gd name="connsiteX1" fmla="*/ 140172 w 3086636"/>
+              <a:gd name="connsiteY1" fmla="*/ 1704289 h 3866924"/>
+              <a:gd name="connsiteX2" fmla="*/ 241771 w 3086636"/>
+              <a:gd name="connsiteY2" fmla="*/ 2720289 h 3866924"/>
+              <a:gd name="connsiteX3" fmla="*/ 1011029 w 3086636"/>
+              <a:gd name="connsiteY3" fmla="*/ 3054117 h 3866924"/>
+              <a:gd name="connsiteX4" fmla="*/ 1199715 w 3086636"/>
+              <a:gd name="connsiteY4" fmla="*/ 3866917 h 3866924"/>
+              <a:gd name="connsiteX5" fmla="*/ 2418915 w 3086636"/>
+              <a:gd name="connsiteY5" fmla="*/ 3039603 h 3866924"/>
+              <a:gd name="connsiteX6" fmla="*/ 2520515 w 3086636"/>
+              <a:gd name="connsiteY6" fmla="*/ 1704289 h 3866924"/>
+              <a:gd name="connsiteX7" fmla="*/ 1780286 w 3086636"/>
+              <a:gd name="connsiteY7" fmla="*/ 1747832 h 3866924"/>
+              <a:gd name="connsiteX8" fmla="*/ 1794800 w 3086636"/>
+              <a:gd name="connsiteY8" fmla="*/ 964060 h 3866924"/>
+              <a:gd name="connsiteX9" fmla="*/ 3086572 w 3086636"/>
+              <a:gd name="connsiteY9" fmla="*/ 238346 h 3866924"/>
+              <a:gd name="connsiteX10" fmla="*/ 1736743 w 3086636"/>
+              <a:gd name="connsiteY10" fmla="*/ 107717 h 3866924"/>
+              <a:gd name="connsiteX0" fmla="*/ 1736743 w 3086636"/>
+              <a:gd name="connsiteY0" fmla="*/ 107717 h 3866924"/>
+              <a:gd name="connsiteX1" fmla="*/ 140172 w 3086636"/>
+              <a:gd name="connsiteY1" fmla="*/ 1704289 h 3866924"/>
+              <a:gd name="connsiteX2" fmla="*/ 241771 w 3086636"/>
+              <a:gd name="connsiteY2" fmla="*/ 2720289 h 3866924"/>
+              <a:gd name="connsiteX3" fmla="*/ 1011029 w 3086636"/>
+              <a:gd name="connsiteY3" fmla="*/ 3054117 h 3866924"/>
+              <a:gd name="connsiteX4" fmla="*/ 1199715 w 3086636"/>
+              <a:gd name="connsiteY4" fmla="*/ 3866917 h 3866924"/>
+              <a:gd name="connsiteX5" fmla="*/ 2418915 w 3086636"/>
+              <a:gd name="connsiteY5" fmla="*/ 3039603 h 3866924"/>
+              <a:gd name="connsiteX6" fmla="*/ 2520515 w 3086636"/>
+              <a:gd name="connsiteY6" fmla="*/ 1704289 h 3866924"/>
+              <a:gd name="connsiteX7" fmla="*/ 1780286 w 3086636"/>
+              <a:gd name="connsiteY7" fmla="*/ 1747832 h 3866924"/>
+              <a:gd name="connsiteX8" fmla="*/ 1794800 w 3086636"/>
+              <a:gd name="connsiteY8" fmla="*/ 964060 h 3866924"/>
+              <a:gd name="connsiteX9" fmla="*/ 3086572 w 3086636"/>
+              <a:gd name="connsiteY9" fmla="*/ 238346 h 3866924"/>
+              <a:gd name="connsiteX10" fmla="*/ 1736743 w 3086636"/>
+              <a:gd name="connsiteY10" fmla="*/ 107717 h 3866924"/>
+              <a:gd name="connsiteX0" fmla="*/ 1893626 w 3243519"/>
+              <a:gd name="connsiteY0" fmla="*/ 105086 h 3864293"/>
+              <a:gd name="connsiteX1" fmla="*/ 90326 w 3243519"/>
+              <a:gd name="connsiteY1" fmla="*/ 1666083 h 3864293"/>
+              <a:gd name="connsiteX2" fmla="*/ 398654 w 3243519"/>
+              <a:gd name="connsiteY2" fmla="*/ 2717658 h 3864293"/>
+              <a:gd name="connsiteX3" fmla="*/ 1167912 w 3243519"/>
+              <a:gd name="connsiteY3" fmla="*/ 3051486 h 3864293"/>
+              <a:gd name="connsiteX4" fmla="*/ 1356598 w 3243519"/>
+              <a:gd name="connsiteY4" fmla="*/ 3864286 h 3864293"/>
+              <a:gd name="connsiteX5" fmla="*/ 2575798 w 3243519"/>
+              <a:gd name="connsiteY5" fmla="*/ 3036972 h 3864293"/>
+              <a:gd name="connsiteX6" fmla="*/ 2677398 w 3243519"/>
+              <a:gd name="connsiteY6" fmla="*/ 1701658 h 3864293"/>
+              <a:gd name="connsiteX7" fmla="*/ 1937169 w 3243519"/>
+              <a:gd name="connsiteY7" fmla="*/ 1745201 h 3864293"/>
+              <a:gd name="connsiteX8" fmla="*/ 1951683 w 3243519"/>
+              <a:gd name="connsiteY8" fmla="*/ 961429 h 3864293"/>
+              <a:gd name="connsiteX9" fmla="*/ 3243455 w 3243519"/>
+              <a:gd name="connsiteY9" fmla="*/ 235715 h 3864293"/>
+              <a:gd name="connsiteX10" fmla="*/ 1893626 w 3243519"/>
+              <a:gd name="connsiteY10" fmla="*/ 105086 h 3864293"/>
+            </a:gdLst>
+            <a:ahLst/>
+            <a:cxnLst>
+              <a:cxn ang="0">
+                <a:pos x="connsiteX0" y="connsiteY0"/>
+              </a:cxn>
+              <a:cxn ang="0">
+                <a:pos x="connsiteX1" y="connsiteY1"/>
+              </a:cxn>
+              <a:cxn ang="0">
+                <a:pos x="connsiteX2" y="connsiteY2"/>
+              </a:cxn>
+              <a:cxn ang="0">
+                <a:pos x="connsiteX3" y="connsiteY3"/>
+              </a:cxn>
+              <a:cxn ang="0">
+                <a:pos x="connsiteX4" y="connsiteY4"/>
+              </a:cxn>
+              <a:cxn ang="0">
+                <a:pos x="connsiteX5" y="connsiteY5"/>
+              </a:cxn>
+              <a:cxn ang="0">
+                <a:pos x="connsiteX6" y="connsiteY6"/>
+              </a:cxn>
+              <a:cxn ang="0">
+                <a:pos x="connsiteX7" y="connsiteY7"/>
+              </a:cxn>
+              <a:cxn ang="0">
+                <a:pos x="connsiteX8" y="connsiteY8"/>
+              </a:cxn>
+              <a:cxn ang="0">
+                <a:pos x="connsiteX9" y="connsiteY9"/>
+              </a:cxn>
+              <a:cxn ang="0">
+                <a:pos x="connsiteX10" y="connsiteY10"/>
+              </a:cxn>
+            </a:cxnLst>
+            <a:rect l="l" t="t" r="r" b="b"/>
+            <a:pathLst>
+              <a:path w="3243519" h="3864293">
+                <a:moveTo>
+                  <a:pt x="1893626" y="105086"/>
+                </a:moveTo>
+                <a:cubicBezTo>
+                  <a:pt x="1368105" y="343481"/>
+                  <a:pt x="339488" y="1230654"/>
+                  <a:pt x="90326" y="1666083"/>
+                </a:cubicBezTo>
+                <a:cubicBezTo>
+                  <a:pt x="-158836" y="2101512"/>
+                  <a:pt x="161588" y="2451564"/>
+                  <a:pt x="398654" y="2717658"/>
+                </a:cubicBezTo>
+                <a:cubicBezTo>
+                  <a:pt x="737321" y="3012781"/>
+                  <a:pt x="1008255" y="2860381"/>
+                  <a:pt x="1167912" y="3051486"/>
+                </a:cubicBezTo>
+                <a:cubicBezTo>
+                  <a:pt x="1327569" y="3242591"/>
+                  <a:pt x="1121950" y="3866705"/>
+                  <a:pt x="1356598" y="3864286"/>
+                </a:cubicBezTo>
+                <a:cubicBezTo>
+                  <a:pt x="1591246" y="3861867"/>
+                  <a:pt x="2355665" y="3397410"/>
+                  <a:pt x="2575798" y="3036972"/>
+                </a:cubicBezTo>
+                <a:cubicBezTo>
+                  <a:pt x="2795931" y="2676534"/>
+                  <a:pt x="2783836" y="1916953"/>
+                  <a:pt x="2677398" y="1701658"/>
+                </a:cubicBezTo>
+                <a:cubicBezTo>
+                  <a:pt x="2570960" y="1486363"/>
+                  <a:pt x="2058122" y="1868573"/>
+                  <a:pt x="1937169" y="1745201"/>
+                </a:cubicBezTo>
+                <a:cubicBezTo>
+                  <a:pt x="1816216" y="1621830"/>
+                  <a:pt x="1733969" y="1213010"/>
+                  <a:pt x="1951683" y="961429"/>
+                </a:cubicBezTo>
+                <a:cubicBezTo>
+                  <a:pt x="2169397" y="709848"/>
+                  <a:pt x="3253131" y="383277"/>
+                  <a:pt x="3243455" y="235715"/>
+                </a:cubicBezTo>
+                <a:cubicBezTo>
+                  <a:pt x="3233779" y="88153"/>
+                  <a:pt x="2419147" y="-133309"/>
+                  <a:pt x="1893626" y="105086"/>
+                </a:cubicBezTo>
+                <a:close/>
+              </a:path>
+            </a:pathLst>
+          </a:custGeom>
+          <a:solidFill>
+            <a:schemeClr val="bg1">
+              <a:lumMod val="75000"/>
+            </a:schemeClr>
+          </a:solidFill>
+          <a:ln>
+            <a:solidFill>
+              <a:schemeClr val="tx1"/>
+            </a:solidFill>
+          </a:ln>
+        </p:spPr>
+        <p:style>
+          <a:lnRef idx="2">
+            <a:schemeClr val="accent1">
+              <a:shade val="50000"/>
+            </a:schemeClr>
+          </a:lnRef>
+          <a:fillRef idx="1">
+            <a:schemeClr val="accent1"/>
+          </a:fillRef>
+          <a:effectRef idx="0">
+            <a:schemeClr val="accent1"/>
+          </a:effectRef>
+          <a:fontRef idx="minor">
+            <a:schemeClr val="lt1"/>
+          </a:fontRef>
+        </p:style>
+        <p:txBody>
+          <a:bodyPr rtlCol="0" anchor="ctr"/>
+          <a:lstStyle/>
+          <a:p>
+            <a:pPr algn="ctr"/>
+            <a:endParaRPr lang="de-DE"/>
+          </a:p>
+        </p:txBody>
+      </p:sp>
+      <p:cxnSp>
+        <p:nvCxnSpPr>
+          <p:cNvPr id="5" name="Gerade Verbindung mit Pfeil 4"/>
+          <p:cNvCxnSpPr/>
+          <p:nvPr/>
+        </p:nvCxnSpPr>
+        <p:spPr>
+          <a:xfrm flipV="1">
+            <a:off x="3546000" y="1440000"/>
+            <a:ext cx="2558842" cy="3096344"/>
+          </a:xfrm>
+          <a:prstGeom prst="straightConnector1">
+            <a:avLst/>
+          </a:prstGeom>
+          <a:ln w="38100">
+            <a:solidFill>
+              <a:srgbClr val="FF0000"/>
+            </a:solidFill>
+            <a:prstDash val="dash"/>
+            <a:tailEnd type="none"/>
+          </a:ln>
+        </p:spPr>
+        <p:style>
+          <a:lnRef idx="1">
+            <a:schemeClr val="accent1"/>
+          </a:lnRef>
+          <a:fillRef idx="0">
+            <a:schemeClr val="accent1"/>
+          </a:fillRef>
+          <a:effectRef idx="0">
+            <a:schemeClr val="accent1"/>
+          </a:effectRef>
+          <a:fontRef idx="minor">
+            <a:schemeClr val="tx1"/>
+          </a:fontRef>
+        </p:style>
+      </p:cxnSp>
+      <mc:AlternateContent xmlns:mc="http://schemas.openxmlformats.org/markup-compatibility/2006">
+        <mc:Choice xmlns:a14="http://schemas.microsoft.com/office/drawing/2010/main" Requires="a14">
+          <p:sp>
+            <p:nvSpPr>
+              <p:cNvPr id="6" name="Textfeld 5"/>
+              <p:cNvSpPr txBox="1"/>
+              <p:nvPr/>
+            </p:nvSpPr>
+            <p:spPr>
+              <a:xfrm>
+                <a:off x="2910053" y="4347181"/>
+                <a:ext cx="816414" cy="400110"/>
+              </a:xfrm>
+              <a:prstGeom prst="rect">
+                <a:avLst/>
+              </a:prstGeom>
+              <a:noFill/>
+            </p:spPr>
+            <p:txBody>
+              <a:bodyPr wrap="square" rtlCol="0">
+                <a:spAutoFit/>
+              </a:bodyPr>
+              <a:lstStyle/>
+              <a:p>
+                <a14:m>
+                  <m:oMathPara xmlns:m="http://schemas.openxmlformats.org/officeDocument/2006/math">
+                    <m:oMathParaPr>
+                      <m:jc m:val="centerGroup"/>
+                    </m:oMathParaPr>
+                    <m:oMath xmlns:m="http://schemas.openxmlformats.org/officeDocument/2006/math">
+                      <m:sSub>
+                        <m:sSubPr>
+                          <m:ctrlPr>
+                            <a:rPr lang="de-DE" sz="2000" i="1" smtClean="0">
+                              <a:solidFill>
+                                <a:srgbClr val="FF0000"/>
+                              </a:solidFill>
+                              <a:latin typeface="Cambria Math"/>
+                            </a:rPr>
+                          </m:ctrlPr>
+                        </m:sSubPr>
+                        <m:e>
+                          <m:r>
+                            <a:rPr lang="de-DE" sz="2000" b="0" i="1" smtClean="0">
+                              <a:solidFill>
+                                <a:srgbClr val="FF0000"/>
+                              </a:solidFill>
+                              <a:latin typeface="Cambria Math"/>
+                            </a:rPr>
+                            <m:t>𝑡</m:t>
+                          </m:r>
+                        </m:e>
+                        <m:sub>
+                          <m:r>
+                            <a:rPr lang="de-DE" sz="2000" b="0" i="1" smtClean="0">
+                              <a:solidFill>
+                                <a:srgbClr val="FF0000"/>
+                              </a:solidFill>
+                              <a:latin typeface="Cambria Math"/>
+                            </a:rPr>
+                            <m:t>1</m:t>
+                          </m:r>
+                        </m:sub>
+                      </m:sSub>
+                    </m:oMath>
+                  </m:oMathPara>
+                </a14:m>
+                <a:endParaRPr lang="de-DE" dirty="0"/>
+              </a:p>
+            </p:txBody>
+          </p:sp>
+        </mc:Choice>
+        <mc:Fallback>
+          <p:sp>
+            <p:nvSpPr>
+              <p:cNvPr id="6" name="Textfeld 5"/>
+              <p:cNvSpPr txBox="1">
+                <a:spLocks noRot="1" noChangeAspect="1" noMove="1" noResize="1" noEditPoints="1" noAdjustHandles="1" noChangeArrowheads="1" noChangeShapeType="1" noTextEdit="1"/>
+              </p:cNvSpPr>
+              <p:nvPr/>
+            </p:nvSpPr>
+            <p:spPr>
+              <a:xfrm>
+                <a:off x="2910053" y="4347181"/>
+                <a:ext cx="816414" cy="400110"/>
+              </a:xfrm>
+              <a:prstGeom prst="rect">
+                <a:avLst/>
+              </a:prstGeom>
+              <a:blipFill rotWithShape="1">
+                <a:blip r:embed="rId3"/>
+                <a:stretch>
+                  <a:fillRect/>
+                </a:stretch>
+              </a:blipFill>
+            </p:spPr>
+            <p:txBody>
+              <a:bodyPr/>
+              <a:lstStyle/>
+              <a:p>
+                <a:r>
+                  <a:rPr lang="de-DE">
+                    <a:noFill/>
+                  </a:rPr>
+                  <a:t> </a:t>
+                </a:r>
+              </a:p>
+            </p:txBody>
+          </p:sp>
+        </mc:Fallback>
+      </mc:AlternateContent>
+      <p:cxnSp>
+        <p:nvCxnSpPr>
+          <p:cNvPr id="7" name="Gerade Verbindung mit Pfeil 6"/>
+          <p:cNvCxnSpPr/>
+          <p:nvPr/>
+        </p:nvCxnSpPr>
+        <p:spPr>
+          <a:xfrm flipV="1">
+            <a:off x="3953425" y="1645501"/>
+            <a:ext cx="2558842" cy="3096344"/>
+          </a:xfrm>
+          <a:prstGeom prst="straightConnector1">
+            <a:avLst/>
+          </a:prstGeom>
+          <a:ln w="38100">
+            <a:solidFill>
+              <a:srgbClr val="FF0000"/>
+            </a:solidFill>
+            <a:prstDash val="dash"/>
+            <a:tailEnd type="none"/>
+          </a:ln>
+        </p:spPr>
+        <p:style>
+          <a:lnRef idx="1">
+            <a:schemeClr val="accent1"/>
+          </a:lnRef>
+          <a:fillRef idx="0">
+            <a:schemeClr val="accent1"/>
+          </a:fillRef>
+          <a:effectRef idx="0">
+            <a:schemeClr val="accent1"/>
+          </a:effectRef>
+          <a:fontRef idx="minor">
+            <a:schemeClr val="tx1"/>
+          </a:fontRef>
+        </p:style>
+      </p:cxnSp>
+      <mc:AlternateContent xmlns:mc="http://schemas.openxmlformats.org/markup-compatibility/2006">
+        <mc:Choice xmlns:a14="http://schemas.microsoft.com/office/drawing/2010/main" Requires="a14">
+          <p:sp>
+            <p:nvSpPr>
+              <p:cNvPr id="8" name="Textfeld 7"/>
+              <p:cNvSpPr txBox="1"/>
+              <p:nvPr/>
+            </p:nvSpPr>
+            <p:spPr>
+              <a:xfrm>
+                <a:off x="3559144" y="4747291"/>
+                <a:ext cx="816414" cy="400110"/>
+              </a:xfrm>
+              <a:prstGeom prst="rect">
+                <a:avLst/>
+              </a:prstGeom>
+              <a:noFill/>
+            </p:spPr>
+            <p:txBody>
+              <a:bodyPr wrap="square" rtlCol="0">
+                <a:spAutoFit/>
+              </a:bodyPr>
+              <a:lstStyle/>
+              <a:p>
+                <a14:m>
+                  <m:oMathPara xmlns:m="http://schemas.openxmlformats.org/officeDocument/2006/math">
+                    <m:oMathParaPr>
+                      <m:jc m:val="centerGroup"/>
+                    </m:oMathParaPr>
+                    <m:oMath xmlns:m="http://schemas.openxmlformats.org/officeDocument/2006/math">
+                      <m:sSub>
+                        <m:sSubPr>
+                          <m:ctrlPr>
+                            <a:rPr lang="de-DE" sz="2000" i="1" smtClean="0">
+                              <a:solidFill>
+                                <a:srgbClr val="FF0000"/>
+                              </a:solidFill>
+                              <a:latin typeface="Cambria Math"/>
+                            </a:rPr>
+                          </m:ctrlPr>
+                        </m:sSubPr>
+                        <m:e>
+                          <m:r>
+                            <a:rPr lang="de-DE" sz="2000" b="0" i="1" smtClean="0">
+                              <a:solidFill>
+                                <a:srgbClr val="FF0000"/>
+                              </a:solidFill>
+                              <a:latin typeface="Cambria Math"/>
+                            </a:rPr>
+                            <m:t>𝑡</m:t>
+                          </m:r>
+                        </m:e>
+                        <m:sub>
+                          <m:r>
+                            <a:rPr lang="de-DE" sz="2000" b="0" i="1" smtClean="0">
+                              <a:solidFill>
+                                <a:srgbClr val="FF0000"/>
+                              </a:solidFill>
+                              <a:latin typeface="Cambria Math"/>
+                            </a:rPr>
+                            <m:t>2</m:t>
+                          </m:r>
+                        </m:sub>
+                      </m:sSub>
+                    </m:oMath>
+                  </m:oMathPara>
+                </a14:m>
+                <a:endParaRPr lang="de-DE" dirty="0"/>
+              </a:p>
+            </p:txBody>
+          </p:sp>
+        </mc:Choice>
+        <mc:Fallback>
+          <p:sp>
+            <p:nvSpPr>
+              <p:cNvPr id="8" name="Textfeld 7"/>
+              <p:cNvSpPr txBox="1">
+                <a:spLocks noRot="1" noChangeAspect="1" noMove="1" noResize="1" noEditPoints="1" noAdjustHandles="1" noChangeArrowheads="1" noChangeShapeType="1" noTextEdit="1"/>
+              </p:cNvSpPr>
+              <p:nvPr/>
+            </p:nvSpPr>
+            <p:spPr>
+              <a:xfrm>
+                <a:off x="3559144" y="4747291"/>
+                <a:ext cx="816414" cy="400110"/>
+              </a:xfrm>
+              <a:prstGeom prst="rect">
+                <a:avLst/>
+              </a:prstGeom>
+              <a:blipFill rotWithShape="1">
+                <a:blip r:embed="rId4"/>
+                <a:stretch>
+                  <a:fillRect b="-1538"/>
+                </a:stretch>
+              </a:blipFill>
+            </p:spPr>
+            <p:txBody>
+              <a:bodyPr/>
+              <a:lstStyle/>
+              <a:p>
+                <a:r>
+                  <a:rPr lang="de-DE">
+                    <a:noFill/>
+                  </a:rPr>
+                  <a:t> </a:t>
+                </a:r>
+              </a:p>
+            </p:txBody>
+          </p:sp>
+        </mc:Fallback>
+      </mc:AlternateContent>
+      <p:sp>
+        <p:nvSpPr>
+          <p:cNvPr id="9" name="Freihandform 8"/>
+          <p:cNvSpPr/>
+          <p:nvPr/>
+        </p:nvSpPr>
+        <p:spPr>
+          <a:xfrm>
+            <a:off x="6003819" y="1846494"/>
+            <a:ext cx="1268747" cy="1444077"/>
+          </a:xfrm>
+          <a:custGeom>
+            <a:avLst/>
+            <a:gdLst>
+              <a:gd name="connsiteX0" fmla="*/ 498581 w 1268747"/>
+              <a:gd name="connsiteY0" fmla="*/ 185506 h 1444077"/>
+              <a:gd name="connsiteX1" fmla="*/ 5095 w 1268747"/>
+              <a:gd name="connsiteY1" fmla="*/ 1346649 h 1444077"/>
+              <a:gd name="connsiteX2" fmla="*/ 817895 w 1268747"/>
+              <a:gd name="connsiteY2" fmla="*/ 1303106 h 1444077"/>
+              <a:gd name="connsiteX3" fmla="*/ 1093667 w 1268747"/>
+              <a:gd name="connsiteY3" fmla="*/ 678992 h 1444077"/>
+              <a:gd name="connsiteX4" fmla="*/ 1267838 w 1268747"/>
+              <a:gd name="connsiteY4" fmla="*/ 403220 h 1444077"/>
+              <a:gd name="connsiteX5" fmla="*/ 1021095 w 1268747"/>
+              <a:gd name="connsiteY5" fmla="*/ 25849 h 1444077"/>
+              <a:gd name="connsiteX6" fmla="*/ 498581 w 1268747"/>
+              <a:gd name="connsiteY6" fmla="*/ 185506 h 1444077"/>
+            </a:gdLst>
+            <a:ahLst/>
+            <a:cxnLst>
+              <a:cxn ang="0">
+                <a:pos x="connsiteX0" y="connsiteY0"/>
+              </a:cxn>
+              <a:cxn ang="0">
+                <a:pos x="connsiteX1" y="connsiteY1"/>
+              </a:cxn>
+              <a:cxn ang="0">
+                <a:pos x="connsiteX2" y="connsiteY2"/>
+              </a:cxn>
+              <a:cxn ang="0">
+                <a:pos x="connsiteX3" y="connsiteY3"/>
+              </a:cxn>
+              <a:cxn ang="0">
+                <a:pos x="connsiteX4" y="connsiteY4"/>
+              </a:cxn>
+              <a:cxn ang="0">
+                <a:pos x="connsiteX5" y="connsiteY5"/>
+              </a:cxn>
+              <a:cxn ang="0">
+                <a:pos x="connsiteX6" y="connsiteY6"/>
+              </a:cxn>
+            </a:cxnLst>
+            <a:rect l="l" t="t" r="r" b="b"/>
+            <a:pathLst>
+              <a:path w="1268747" h="1444077">
+                <a:moveTo>
+                  <a:pt x="498581" y="185506"/>
+                </a:moveTo>
+                <a:cubicBezTo>
+                  <a:pt x="329248" y="405639"/>
+                  <a:pt x="-48124" y="1160382"/>
+                  <a:pt x="5095" y="1346649"/>
+                </a:cubicBezTo>
+                <a:cubicBezTo>
+                  <a:pt x="58314" y="1532916"/>
+                  <a:pt x="636466" y="1414382"/>
+                  <a:pt x="817895" y="1303106"/>
+                </a:cubicBezTo>
+                <a:cubicBezTo>
+                  <a:pt x="999324" y="1191830"/>
+                  <a:pt x="1018677" y="828973"/>
+                  <a:pt x="1093667" y="678992"/>
+                </a:cubicBezTo>
+                <a:cubicBezTo>
+                  <a:pt x="1168658" y="529011"/>
+                  <a:pt x="1279933" y="512077"/>
+                  <a:pt x="1267838" y="403220"/>
+                </a:cubicBezTo>
+                <a:cubicBezTo>
+                  <a:pt x="1255743" y="294363"/>
+                  <a:pt x="1146885" y="66973"/>
+                  <a:pt x="1021095" y="25849"/>
+                </a:cubicBezTo>
+                <a:cubicBezTo>
+                  <a:pt x="895305" y="-15275"/>
+                  <a:pt x="667914" y="-34627"/>
+                  <a:pt x="498581" y="185506"/>
+                </a:cubicBezTo>
+                <a:close/>
+              </a:path>
+            </a:pathLst>
+          </a:custGeom>
+          <a:solidFill>
+            <a:schemeClr val="bg1">
+              <a:lumMod val="75000"/>
+            </a:schemeClr>
+          </a:solidFill>
+          <a:ln>
+            <a:solidFill>
+              <a:schemeClr val="tx1"/>
+            </a:solidFill>
+          </a:ln>
+        </p:spPr>
+        <p:style>
+          <a:lnRef idx="2">
+            <a:schemeClr val="accent1">
+              <a:shade val="50000"/>
+            </a:schemeClr>
+          </a:lnRef>
+          <a:fillRef idx="1">
+            <a:schemeClr val="accent1"/>
+          </a:fillRef>
+          <a:effectRef idx="0">
+            <a:schemeClr val="accent1"/>
+          </a:effectRef>
+          <a:fontRef idx="minor">
+            <a:schemeClr val="lt1"/>
+          </a:fontRef>
+        </p:style>
+        <p:txBody>
+          <a:bodyPr rtlCol="0" anchor="ctr"/>
+          <a:lstStyle/>
+          <a:p>
+            <a:pPr algn="ctr"/>
+            <a:endParaRPr lang="de-DE"/>
+          </a:p>
+        </p:txBody>
+      </p:sp>
+      <p:sp>
+        <p:nvSpPr>
+          <p:cNvPr id="10" name="Freihandform 9"/>
+          <p:cNvSpPr/>
+          <p:nvPr/>
+        </p:nvSpPr>
+        <p:spPr>
+          <a:xfrm>
+            <a:off x="4755987" y="3529896"/>
+            <a:ext cx="915521" cy="869147"/>
+          </a:xfrm>
+          <a:custGeom>
+            <a:avLst/>
+            <a:gdLst>
+              <a:gd name="connsiteX0" fmla="*/ 4699 w 915521"/>
+              <a:gd name="connsiteY0" fmla="*/ 272847 h 869147"/>
+              <a:gd name="connsiteX1" fmla="*/ 353042 w 915521"/>
+              <a:gd name="connsiteY1" fmla="*/ 69647 h 869147"/>
+              <a:gd name="connsiteX2" fmla="*/ 832013 w 915521"/>
+              <a:gd name="connsiteY2" fmla="*/ 26104 h 869147"/>
+              <a:gd name="connsiteX3" fmla="*/ 890070 w 915521"/>
+              <a:gd name="connsiteY3" fmla="*/ 447018 h 869147"/>
+              <a:gd name="connsiteX4" fmla="*/ 556242 w 915521"/>
+              <a:gd name="connsiteY4" fmla="*/ 853418 h 869147"/>
+              <a:gd name="connsiteX5" fmla="*/ 178870 w 915521"/>
+              <a:gd name="connsiteY5" fmla="*/ 737304 h 869147"/>
+              <a:gd name="connsiteX6" fmla="*/ 4699 w 915521"/>
+              <a:gd name="connsiteY6" fmla="*/ 272847 h 869147"/>
+            </a:gdLst>
+            <a:ahLst/>
+            <a:cxnLst>
+              <a:cxn ang="0">
+                <a:pos x="connsiteX0" y="connsiteY0"/>
+              </a:cxn>
+              <a:cxn ang="0">
+                <a:pos x="connsiteX1" y="connsiteY1"/>
+              </a:cxn>
+              <a:cxn ang="0">
+                <a:pos x="connsiteX2" y="connsiteY2"/>
+              </a:cxn>
+              <a:cxn ang="0">
+                <a:pos x="connsiteX3" y="connsiteY3"/>
+              </a:cxn>
+              <a:cxn ang="0">
+                <a:pos x="connsiteX4" y="connsiteY4"/>
+              </a:cxn>
+              <a:cxn ang="0">
+                <a:pos x="connsiteX5" y="connsiteY5"/>
+              </a:cxn>
+              <a:cxn ang="0">
+                <a:pos x="connsiteX6" y="connsiteY6"/>
+              </a:cxn>
+            </a:cxnLst>
+            <a:rect l="l" t="t" r="r" b="b"/>
+            <a:pathLst>
+              <a:path w="915521" h="869147">
+                <a:moveTo>
+                  <a:pt x="4699" y="272847"/>
+                </a:moveTo>
+                <a:cubicBezTo>
+                  <a:pt x="33728" y="161571"/>
+                  <a:pt x="215156" y="110771"/>
+                  <a:pt x="353042" y="69647"/>
+                </a:cubicBezTo>
+                <a:cubicBezTo>
+                  <a:pt x="490928" y="28523"/>
+                  <a:pt x="742508" y="-36791"/>
+                  <a:pt x="832013" y="26104"/>
+                </a:cubicBezTo>
+                <a:cubicBezTo>
+                  <a:pt x="921518" y="88999"/>
+                  <a:pt x="936032" y="309132"/>
+                  <a:pt x="890070" y="447018"/>
+                </a:cubicBezTo>
+                <a:cubicBezTo>
+                  <a:pt x="844108" y="584904"/>
+                  <a:pt x="674775" y="805037"/>
+                  <a:pt x="556242" y="853418"/>
+                </a:cubicBezTo>
+                <a:cubicBezTo>
+                  <a:pt x="437709" y="901799"/>
+                  <a:pt x="270794" y="831647"/>
+                  <a:pt x="178870" y="737304"/>
+                </a:cubicBezTo>
+                <a:cubicBezTo>
+                  <a:pt x="86946" y="642961"/>
+                  <a:pt x="-24330" y="384123"/>
+                  <a:pt x="4699" y="272847"/>
+                </a:cubicBezTo>
+                <a:close/>
+              </a:path>
+            </a:pathLst>
+          </a:custGeom>
+          <a:solidFill>
+            <a:schemeClr val="bg1">
+              <a:lumMod val="75000"/>
+            </a:schemeClr>
+          </a:solidFill>
+          <a:ln>
+            <a:solidFill>
+              <a:schemeClr val="tx1"/>
+            </a:solidFill>
+          </a:ln>
+        </p:spPr>
+        <p:style>
+          <a:lnRef idx="2">
+            <a:schemeClr val="accent1">
+              <a:shade val="50000"/>
+            </a:schemeClr>
+          </a:lnRef>
+          <a:fillRef idx="1">
+            <a:schemeClr val="accent1"/>
+          </a:fillRef>
+          <a:effectRef idx="0">
+            <a:schemeClr val="accent1"/>
+          </a:effectRef>
+          <a:fontRef idx="minor">
+            <a:schemeClr val="lt1"/>
+          </a:fontRef>
+        </p:style>
+        <p:txBody>
+          <a:bodyPr rtlCol="0" anchor="ctr"/>
+          <a:lstStyle/>
+          <a:p>
+            <a:pPr algn="ctr"/>
+            <a:endParaRPr lang="de-DE"/>
+          </a:p>
+        </p:txBody>
+      </p:sp>
+      <p:cxnSp>
+        <p:nvCxnSpPr>
+          <p:cNvPr id="11" name="Gerade Verbindung mit Pfeil 10"/>
+          <p:cNvCxnSpPr/>
+          <p:nvPr/>
+        </p:nvCxnSpPr>
+        <p:spPr>
+          <a:xfrm flipV="1">
+            <a:off x="5358771" y="1881968"/>
+            <a:ext cx="2558842" cy="3096344"/>
+          </a:xfrm>
+          <a:prstGeom prst="straightConnector1">
+            <a:avLst/>
+          </a:prstGeom>
+          <a:ln w="38100">
+            <a:solidFill>
+              <a:srgbClr val="FF0000"/>
+            </a:solidFill>
+            <a:tailEnd type="none"/>
+          </a:ln>
+        </p:spPr>
+        <p:style>
+          <a:lnRef idx="1">
+            <a:schemeClr val="accent1"/>
+          </a:lnRef>
+          <a:fillRef idx="0">
+            <a:schemeClr val="accent1"/>
+          </a:fillRef>
+          <a:effectRef idx="0">
+            <a:schemeClr val="accent1"/>
+          </a:effectRef>
+          <a:fontRef idx="minor">
+            <a:schemeClr val="tx1"/>
+          </a:fontRef>
+        </p:style>
+      </p:cxnSp>
+      <mc:AlternateContent xmlns:mc="http://schemas.openxmlformats.org/markup-compatibility/2006">
+        <mc:Choice xmlns:a14="http://schemas.microsoft.com/office/drawing/2010/main" Requires="a14">
+          <p:sp>
+            <p:nvSpPr>
+              <p:cNvPr id="12" name="Textfeld 11"/>
+              <p:cNvSpPr txBox="1"/>
+              <p:nvPr/>
+            </p:nvSpPr>
+            <p:spPr>
+              <a:xfrm>
+                <a:off x="4926238" y="4978312"/>
+                <a:ext cx="816414" cy="400110"/>
+              </a:xfrm>
+              <a:prstGeom prst="rect">
+                <a:avLst/>
+              </a:prstGeom>
+              <a:noFill/>
+            </p:spPr>
+            <p:txBody>
+              <a:bodyPr wrap="square" rtlCol="0">
+                <a:spAutoFit/>
+              </a:bodyPr>
+              <a:lstStyle/>
+              <a:p>
+                <a14:m>
+                  <m:oMathPara xmlns:m="http://schemas.openxmlformats.org/officeDocument/2006/math">
+                    <m:oMathParaPr>
+                      <m:jc m:val="centerGroup"/>
+                    </m:oMathParaPr>
+                    <m:oMath xmlns:m="http://schemas.openxmlformats.org/officeDocument/2006/math">
+                      <m:sSub>
+                        <m:sSubPr>
+                          <m:ctrlPr>
+                            <a:rPr lang="de-DE" sz="2000" i="1" smtClean="0">
+                              <a:solidFill>
+                                <a:srgbClr val="FF0000"/>
+                              </a:solidFill>
+                              <a:latin typeface="Cambria Math"/>
+                            </a:rPr>
+                          </m:ctrlPr>
+                        </m:sSubPr>
+                        <m:e>
+                          <m:r>
+                            <a:rPr lang="de-DE" sz="2000" b="0" i="1" smtClean="0">
+                              <a:solidFill>
+                                <a:srgbClr val="FF0000"/>
+                              </a:solidFill>
+                              <a:latin typeface="Cambria Math"/>
+                            </a:rPr>
+                            <m:t>𝑡</m:t>
+                          </m:r>
+                        </m:e>
+                        <m:sub>
+                          <m:r>
+                            <a:rPr lang="de-DE" sz="2000" b="0" i="1" smtClean="0">
+                              <a:solidFill>
+                                <a:srgbClr val="FF0000"/>
+                              </a:solidFill>
+                              <a:latin typeface="Cambria Math"/>
+                            </a:rPr>
+                            <m:t>3</m:t>
+                          </m:r>
+                        </m:sub>
+                      </m:sSub>
+                    </m:oMath>
+                  </m:oMathPara>
+                </a14:m>
+                <a:endParaRPr lang="de-DE" dirty="0"/>
+              </a:p>
+            </p:txBody>
+          </p:sp>
+        </mc:Choice>
+        <mc:Fallback>
+          <p:sp>
+            <p:nvSpPr>
+              <p:cNvPr id="12" name="Textfeld 11"/>
+              <p:cNvSpPr txBox="1">
+                <a:spLocks noRot="1" noChangeAspect="1" noMove="1" noResize="1" noEditPoints="1" noAdjustHandles="1" noChangeArrowheads="1" noChangeShapeType="1" noTextEdit="1"/>
+              </p:cNvSpPr>
+              <p:nvPr/>
+            </p:nvSpPr>
+            <p:spPr>
+              <a:xfrm>
+                <a:off x="4926238" y="4978312"/>
+                <a:ext cx="816414" cy="400110"/>
+              </a:xfrm>
+              <a:prstGeom prst="rect">
+                <a:avLst/>
+              </a:prstGeom>
+              <a:blipFill rotWithShape="1">
+                <a:blip r:embed="rId5"/>
+                <a:stretch>
+                  <a:fillRect b="-1538"/>
+                </a:stretch>
+              </a:blipFill>
+            </p:spPr>
+            <p:txBody>
+              <a:bodyPr/>
+              <a:lstStyle/>
+              <a:p>
+                <a:r>
+                  <a:rPr lang="de-DE">
+                    <a:noFill/>
+                  </a:rPr>
+                  <a:t> </a:t>
+                </a:r>
+              </a:p>
+            </p:txBody>
+          </p:sp>
+        </mc:Fallback>
+      </mc:AlternateContent>
+    </p:spTree>
+    <p:extLst>
+      <p:ext uri="{BB962C8B-B14F-4D97-AF65-F5344CB8AC3E}">
+        <p14:creationId xmlns:p14="http://schemas.microsoft.com/office/powerpoint/2010/main" val="3030197453"/>
+      </p:ext>
+    </p:extLst>
+  </p:cSld>
+  <p:clrMapOvr>
+    <a:masterClrMapping/>
+  </p:clrMapOvr>
+  <p:timing>
+    <p:tnLst>
+      <p:par>
+        <p:cTn id="1" dur="indefinite" restart="never" nodeType="tmRoot"/>
+      </p:par>
+    </p:tnLst>
+  </p:timing>
+</p:sld>
+</file>
+
+<file path=ppt/slides/slide23.xml><?xml version="1.0" encoding="utf-8"?>
+<p:sld xmlns:a="http://schemas.openxmlformats.org/drawingml/2006/main" xmlns:r="http://schemas.openxmlformats.org/officeDocument/2006/relationships" xmlns:p="http://schemas.openxmlformats.org/presentationml/2006/main">
+  <p:cSld>
+    <p:spTree>
+      <p:nvGrpSpPr>
+        <p:cNvPr id="1" name=""/>
+        <p:cNvGrpSpPr/>
+        <p:nvPr/>
+      </p:nvGrpSpPr>
+      <p:grpSpPr>
+        <a:xfrm>
+          <a:off x="0" y="0"/>
+          <a:ext cx="0" cy="0"/>
+          <a:chOff x="0" y="0"/>
+          <a:chExt cx="0" cy="0"/>
+        </a:xfrm>
+      </p:grpSpPr>
+      <p:cxnSp>
+        <p:nvCxnSpPr>
+          <p:cNvPr id="4" name="Gerade Verbindung 3"/>
+          <p:cNvCxnSpPr/>
+          <p:nvPr/>
+        </p:nvCxnSpPr>
+        <p:spPr>
+          <a:xfrm>
+            <a:off x="3160948" y="1183000"/>
+            <a:ext cx="0" cy="4260847"/>
+          </a:xfrm>
+          <a:prstGeom prst="line">
+            <a:avLst/>
+          </a:prstGeom>
+          <a:noFill/>
+          <a:ln w="63500">
+            <a:solidFill>
+              <a:schemeClr val="accent1">
+                <a:lumMod val="75000"/>
+              </a:schemeClr>
+            </a:solidFill>
+            <a:headEnd type="triangle" w="lg" len="lg"/>
+            <a:tailEnd type="none" w="lg" len="lg"/>
+          </a:ln>
+        </p:spPr>
+        <p:style>
+          <a:lnRef idx="2">
+            <a:schemeClr val="accent1">
+              <a:shade val="50000"/>
+            </a:schemeClr>
+          </a:lnRef>
+          <a:fillRef idx="1">
+            <a:schemeClr val="accent1"/>
+          </a:fillRef>
+          <a:effectRef idx="0">
+            <a:schemeClr val="accent1"/>
+          </a:effectRef>
+          <a:fontRef idx="minor">
+            <a:schemeClr val="lt1"/>
+          </a:fontRef>
+        </p:style>
+      </p:cxnSp>
+      <p:cxnSp>
+        <p:nvCxnSpPr>
+          <p:cNvPr id="5" name="Gerade Verbindung 4"/>
+          <p:cNvCxnSpPr/>
+          <p:nvPr/>
+        </p:nvCxnSpPr>
+        <p:spPr>
+          <a:xfrm>
+            <a:off x="1043608" y="5013176"/>
+            <a:ext cx="7128792" cy="0"/>
+          </a:xfrm>
+          <a:prstGeom prst="line">
+            <a:avLst/>
+          </a:prstGeom>
+          <a:noFill/>
+          <a:ln w="63500">
+            <a:solidFill>
+              <a:schemeClr val="accent1">
+                <a:lumMod val="75000"/>
+              </a:schemeClr>
+            </a:solidFill>
+            <a:headEnd type="none"/>
+            <a:tailEnd type="triangle" w="lg" len="lg"/>
+          </a:ln>
+        </p:spPr>
+        <p:style>
+          <a:lnRef idx="2">
+            <a:schemeClr val="accent1">
+              <a:shade val="50000"/>
+            </a:schemeClr>
+          </a:lnRef>
+          <a:fillRef idx="1">
+            <a:schemeClr val="accent1"/>
+          </a:fillRef>
+          <a:effectRef idx="0">
+            <a:schemeClr val="accent1"/>
+          </a:effectRef>
+          <a:fontRef idx="minor">
+            <a:schemeClr val="lt1"/>
+          </a:fontRef>
+        </p:style>
+      </p:cxnSp>
+      <p:cxnSp>
+        <p:nvCxnSpPr>
+          <p:cNvPr id="9" name="Gerade Verbindung 8"/>
+          <p:cNvCxnSpPr/>
+          <p:nvPr/>
+        </p:nvCxnSpPr>
+        <p:spPr>
+          <a:xfrm>
+            <a:off x="1907704" y="4833156"/>
+            <a:ext cx="0" cy="360040"/>
+          </a:xfrm>
+          <a:prstGeom prst="line">
+            <a:avLst/>
+          </a:prstGeom>
+          <a:ln w="50800">
+            <a:solidFill>
+              <a:srgbClr val="FF0000"/>
+            </a:solidFill>
+          </a:ln>
+        </p:spPr>
+        <p:style>
+          <a:lnRef idx="1">
+            <a:schemeClr val="accent1"/>
+          </a:lnRef>
+          <a:fillRef idx="0">
+            <a:schemeClr val="accent1"/>
+          </a:fillRef>
+          <a:effectRef idx="0">
+            <a:schemeClr val="accent1"/>
+          </a:effectRef>
+          <a:fontRef idx="minor">
+            <a:schemeClr val="tx1"/>
+          </a:fontRef>
+        </p:style>
+      </p:cxnSp>
+      <p:cxnSp>
+        <p:nvCxnSpPr>
+          <p:cNvPr id="10" name="Gerade Verbindung 9"/>
+          <p:cNvCxnSpPr/>
+          <p:nvPr/>
+        </p:nvCxnSpPr>
+        <p:spPr>
+          <a:xfrm>
+            <a:off x="4139952" y="4833156"/>
+            <a:ext cx="0" cy="360040"/>
+          </a:xfrm>
+          <a:prstGeom prst="line">
+            <a:avLst/>
+          </a:prstGeom>
+          <a:ln w="50800">
+            <a:solidFill>
+              <a:srgbClr val="FF0000"/>
+            </a:solidFill>
+          </a:ln>
+        </p:spPr>
+        <p:style>
+          <a:lnRef idx="1">
+            <a:schemeClr val="accent1"/>
+          </a:lnRef>
+          <a:fillRef idx="0">
+            <a:schemeClr val="accent1"/>
+          </a:fillRef>
+          <a:effectRef idx="0">
+            <a:schemeClr val="accent1"/>
+          </a:effectRef>
+          <a:fontRef idx="minor">
+            <a:schemeClr val="tx1"/>
+          </a:fontRef>
+        </p:style>
+      </p:cxnSp>
+      <p:cxnSp>
+        <p:nvCxnSpPr>
+          <p:cNvPr id="11" name="Gerade Verbindung 10"/>
+          <p:cNvCxnSpPr/>
+          <p:nvPr/>
+        </p:nvCxnSpPr>
+        <p:spPr>
+          <a:xfrm>
+            <a:off x="5004048" y="4833156"/>
+            <a:ext cx="0" cy="360040"/>
+          </a:xfrm>
+          <a:prstGeom prst="line">
+            <a:avLst/>
+          </a:prstGeom>
+          <a:ln w="50800">
+            <a:solidFill>
+              <a:srgbClr val="FF0000"/>
+            </a:solidFill>
+          </a:ln>
+        </p:spPr>
+        <p:style>
+          <a:lnRef idx="1">
+            <a:schemeClr val="accent1"/>
+          </a:lnRef>
+          <a:fillRef idx="0">
+            <a:schemeClr val="accent1"/>
+          </a:fillRef>
+          <a:effectRef idx="0">
+            <a:schemeClr val="accent1"/>
+          </a:effectRef>
+          <a:fontRef idx="minor">
+            <a:schemeClr val="tx1"/>
+          </a:fontRef>
+        </p:style>
+      </p:cxnSp>
+      <p:cxnSp>
+        <p:nvCxnSpPr>
+          <p:cNvPr id="12" name="Gerade Verbindung 11"/>
+          <p:cNvCxnSpPr/>
+          <p:nvPr/>
+        </p:nvCxnSpPr>
+        <p:spPr>
+          <a:xfrm>
+            <a:off x="6660232" y="4833156"/>
+            <a:ext cx="0" cy="360040"/>
+          </a:xfrm>
+          <a:prstGeom prst="line">
+            <a:avLst/>
+          </a:prstGeom>
+          <a:ln w="50800">
+            <a:solidFill>
+              <a:srgbClr val="FF0000"/>
+            </a:solidFill>
+          </a:ln>
+        </p:spPr>
+        <p:style>
+          <a:lnRef idx="1">
+            <a:schemeClr val="accent1"/>
+          </a:lnRef>
+          <a:fillRef idx="0">
+            <a:schemeClr val="accent1"/>
+          </a:fillRef>
+          <a:effectRef idx="0">
+            <a:schemeClr val="accent1"/>
+          </a:effectRef>
+          <a:fontRef idx="minor">
+            <a:schemeClr val="tx1"/>
+          </a:fontRef>
+        </p:style>
+      </p:cxnSp>
+      <mc:AlternateContent xmlns:mc="http://schemas.openxmlformats.org/markup-compatibility/2006">
+        <mc:Choice xmlns:a14="http://schemas.microsoft.com/office/drawing/2010/main" Requires="a14">
+          <p:sp>
+            <p:nvSpPr>
+              <p:cNvPr id="13" name="Textfeld 12"/>
+              <p:cNvSpPr txBox="1"/>
+              <p:nvPr/>
+            </p:nvSpPr>
+            <p:spPr>
+              <a:xfrm>
+                <a:off x="1499497" y="5243792"/>
+                <a:ext cx="816414" cy="400110"/>
+              </a:xfrm>
+              <a:prstGeom prst="rect">
+                <a:avLst/>
+              </a:prstGeom>
+              <a:noFill/>
+            </p:spPr>
+            <p:txBody>
+              <a:bodyPr wrap="square" rtlCol="0">
+                <a:spAutoFit/>
+              </a:bodyPr>
+              <a:lstStyle/>
+              <a:p>
+                <a14:m>
+                  <m:oMathPara xmlns:m="http://schemas.openxmlformats.org/officeDocument/2006/math">
+                    <m:oMathParaPr>
+                      <m:jc m:val="centerGroup"/>
+                    </m:oMathParaPr>
+                    <m:oMath xmlns:m="http://schemas.openxmlformats.org/officeDocument/2006/math">
+                      <m:sSub>
+                        <m:sSubPr>
+                          <m:ctrlPr>
+                            <a:rPr lang="de-DE" sz="2000" i="1" smtClean="0">
+                              <a:solidFill>
+                                <a:srgbClr val="FF0000"/>
+                              </a:solidFill>
+                              <a:latin typeface="Cambria Math"/>
+                            </a:rPr>
+                          </m:ctrlPr>
+                        </m:sSubPr>
+                        <m:e>
+                          <m:r>
+                            <a:rPr lang="de-DE" sz="2000" b="0" i="1" smtClean="0">
+                              <a:solidFill>
+                                <a:srgbClr val="FF0000"/>
+                              </a:solidFill>
+                              <a:latin typeface="Cambria Math"/>
+                            </a:rPr>
+                            <m:t>𝑡</m:t>
+                          </m:r>
+                        </m:e>
+                        <m:sub>
+                          <m:r>
+                            <a:rPr lang="de-DE" sz="2000" b="0" i="1" smtClean="0">
+                              <a:solidFill>
+                                <a:srgbClr val="FF0000"/>
+                              </a:solidFill>
+                              <a:latin typeface="Cambria Math"/>
+                            </a:rPr>
+                            <m:t>0</m:t>
+                          </m:r>
+                        </m:sub>
+                      </m:sSub>
+                    </m:oMath>
+                  </m:oMathPara>
+                </a14:m>
+                <a:endParaRPr lang="de-DE" dirty="0"/>
+              </a:p>
+            </p:txBody>
+          </p:sp>
+        </mc:Choice>
+        <mc:Fallback>
+          <p:sp>
+            <p:nvSpPr>
+              <p:cNvPr id="13" name="Textfeld 12"/>
+              <p:cNvSpPr txBox="1">
+                <a:spLocks noRot="1" noChangeAspect="1" noMove="1" noResize="1" noEditPoints="1" noAdjustHandles="1" noChangeArrowheads="1" noChangeShapeType="1" noTextEdit="1"/>
+              </p:cNvSpPr>
+              <p:nvPr/>
+            </p:nvSpPr>
+            <p:spPr>
+              <a:xfrm>
+                <a:off x="1499497" y="5243792"/>
+                <a:ext cx="816414" cy="400110"/>
+              </a:xfrm>
+              <a:prstGeom prst="rect">
+                <a:avLst/>
+              </a:prstGeom>
+              <a:blipFill rotWithShape="1">
+                <a:blip r:embed="rId2"/>
+                <a:stretch>
+                  <a:fillRect/>
+                </a:stretch>
+              </a:blipFill>
+            </p:spPr>
+            <p:txBody>
+              <a:bodyPr/>
+              <a:lstStyle/>
+              <a:p>
+                <a:r>
+                  <a:rPr lang="de-DE">
+                    <a:noFill/>
+                  </a:rPr>
+                  <a:t> </a:t>
+                </a:r>
+              </a:p>
+            </p:txBody>
+          </p:sp>
+        </mc:Fallback>
+      </mc:AlternateContent>
+      <mc:AlternateContent xmlns:mc="http://schemas.openxmlformats.org/markup-compatibility/2006">
+        <mc:Choice xmlns:a14="http://schemas.microsoft.com/office/drawing/2010/main" Requires="a14">
+          <p:sp>
+            <p:nvSpPr>
+              <p:cNvPr id="14" name="Textfeld 13"/>
+              <p:cNvSpPr txBox="1"/>
+              <p:nvPr/>
+            </p:nvSpPr>
+            <p:spPr>
+              <a:xfrm>
+                <a:off x="3731745" y="5229319"/>
+                <a:ext cx="816414" cy="400110"/>
+              </a:xfrm>
+              <a:prstGeom prst="rect">
+                <a:avLst/>
+              </a:prstGeom>
+              <a:noFill/>
+            </p:spPr>
+            <p:txBody>
+              <a:bodyPr wrap="square" rtlCol="0">
+                <a:spAutoFit/>
+              </a:bodyPr>
+              <a:lstStyle/>
+              <a:p>
+                <a14:m>
+                  <m:oMathPara xmlns:m="http://schemas.openxmlformats.org/officeDocument/2006/math">
+                    <m:oMathParaPr>
+                      <m:jc m:val="centerGroup"/>
+                    </m:oMathParaPr>
+                    <m:oMath xmlns:m="http://schemas.openxmlformats.org/officeDocument/2006/math">
+                      <m:sSub>
+                        <m:sSubPr>
+                          <m:ctrlPr>
+                            <a:rPr lang="de-DE" sz="2000" i="1" smtClean="0">
+                              <a:solidFill>
+                                <a:srgbClr val="FF0000"/>
+                              </a:solidFill>
+                              <a:latin typeface="Cambria Math"/>
+                            </a:rPr>
+                          </m:ctrlPr>
+                        </m:sSubPr>
+                        <m:e>
+                          <m:r>
+                            <a:rPr lang="de-DE" sz="2000" b="0" i="1" smtClean="0">
+                              <a:solidFill>
+                                <a:srgbClr val="FF0000"/>
+                              </a:solidFill>
+                              <a:latin typeface="Cambria Math"/>
+                            </a:rPr>
+                            <m:t>𝑡</m:t>
+                          </m:r>
+                        </m:e>
+                        <m:sub>
+                          <m:r>
+                            <a:rPr lang="de-DE" sz="2000" b="0" i="1" smtClean="0">
+                              <a:solidFill>
+                                <a:srgbClr val="FF0000"/>
+                              </a:solidFill>
+                              <a:latin typeface="Cambria Math"/>
+                            </a:rPr>
+                            <m:t>1</m:t>
+                          </m:r>
+                        </m:sub>
+                      </m:sSub>
+                    </m:oMath>
+                  </m:oMathPara>
+                </a14:m>
+                <a:endParaRPr lang="de-DE" dirty="0"/>
+              </a:p>
+            </p:txBody>
+          </p:sp>
+        </mc:Choice>
+        <mc:Fallback>
+          <p:sp>
+            <p:nvSpPr>
+              <p:cNvPr id="14" name="Textfeld 13"/>
+              <p:cNvSpPr txBox="1">
+                <a:spLocks noRot="1" noChangeAspect="1" noMove="1" noResize="1" noEditPoints="1" noAdjustHandles="1" noChangeArrowheads="1" noChangeShapeType="1" noTextEdit="1"/>
+              </p:cNvSpPr>
+              <p:nvPr/>
+            </p:nvSpPr>
+            <p:spPr>
+              <a:xfrm>
+                <a:off x="3731745" y="5229319"/>
+                <a:ext cx="816414" cy="400110"/>
+              </a:xfrm>
+              <a:prstGeom prst="rect">
+                <a:avLst/>
+              </a:prstGeom>
+              <a:blipFill rotWithShape="1">
+                <a:blip r:embed="rId3"/>
+                <a:stretch>
+                  <a:fillRect/>
+                </a:stretch>
+              </a:blipFill>
+            </p:spPr>
+            <p:txBody>
+              <a:bodyPr/>
+              <a:lstStyle/>
+              <a:p>
+                <a:r>
+                  <a:rPr lang="de-DE">
+                    <a:noFill/>
+                  </a:rPr>
+                  <a:t> </a:t>
+                </a:r>
+              </a:p>
+            </p:txBody>
+          </p:sp>
+        </mc:Fallback>
+      </mc:AlternateContent>
+      <mc:AlternateContent xmlns:mc="http://schemas.openxmlformats.org/markup-compatibility/2006">
+        <mc:Choice xmlns:a14="http://schemas.microsoft.com/office/drawing/2010/main" Requires="a14">
+          <p:sp>
+            <p:nvSpPr>
+              <p:cNvPr id="15" name="Textfeld 14"/>
+              <p:cNvSpPr txBox="1"/>
+              <p:nvPr/>
+            </p:nvSpPr>
+            <p:spPr>
+              <a:xfrm>
+                <a:off x="4608004" y="5229319"/>
+                <a:ext cx="816414" cy="400110"/>
+              </a:xfrm>
+              <a:prstGeom prst="rect">
+                <a:avLst/>
+              </a:prstGeom>
+              <a:noFill/>
+            </p:spPr>
+            <p:txBody>
+              <a:bodyPr wrap="square" rtlCol="0">
+                <a:spAutoFit/>
+              </a:bodyPr>
+              <a:lstStyle/>
+              <a:p>
+                <a14:m>
+                  <m:oMathPara xmlns:m="http://schemas.openxmlformats.org/officeDocument/2006/math">
+                    <m:oMathParaPr>
+                      <m:jc m:val="centerGroup"/>
+                    </m:oMathParaPr>
+                    <m:oMath xmlns:m="http://schemas.openxmlformats.org/officeDocument/2006/math">
+                      <m:sSub>
+                        <m:sSubPr>
+                          <m:ctrlPr>
+                            <a:rPr lang="de-DE" sz="2000" i="1" smtClean="0">
+                              <a:solidFill>
+                                <a:srgbClr val="FF0000"/>
+                              </a:solidFill>
+                              <a:latin typeface="Cambria Math"/>
+                            </a:rPr>
+                          </m:ctrlPr>
+                        </m:sSubPr>
+                        <m:e>
+                          <m:r>
+                            <a:rPr lang="de-DE" sz="2000" b="0" i="1" smtClean="0">
+                              <a:solidFill>
+                                <a:srgbClr val="FF0000"/>
+                              </a:solidFill>
+                              <a:latin typeface="Cambria Math"/>
+                            </a:rPr>
+                            <m:t>𝑡</m:t>
+                          </m:r>
+                        </m:e>
+                        <m:sub>
+                          <m:r>
+                            <a:rPr lang="de-DE" sz="2000" b="0" i="1" smtClean="0">
+                              <a:solidFill>
+                                <a:srgbClr val="FF0000"/>
+                              </a:solidFill>
+                              <a:latin typeface="Cambria Math"/>
+                            </a:rPr>
+                            <m:t>2</m:t>
+                          </m:r>
+                        </m:sub>
+                      </m:sSub>
+                    </m:oMath>
+                  </m:oMathPara>
+                </a14:m>
+                <a:endParaRPr lang="de-DE" dirty="0"/>
+              </a:p>
+            </p:txBody>
+          </p:sp>
+        </mc:Choice>
+        <mc:Fallback>
+          <p:sp>
+            <p:nvSpPr>
+              <p:cNvPr id="15" name="Textfeld 14"/>
+              <p:cNvSpPr txBox="1">
+                <a:spLocks noRot="1" noChangeAspect="1" noMove="1" noResize="1" noEditPoints="1" noAdjustHandles="1" noChangeArrowheads="1" noChangeShapeType="1" noTextEdit="1"/>
+              </p:cNvSpPr>
+              <p:nvPr/>
+            </p:nvSpPr>
+            <p:spPr>
+              <a:xfrm>
+                <a:off x="4608004" y="5229319"/>
+                <a:ext cx="816414" cy="400110"/>
+              </a:xfrm>
+              <a:prstGeom prst="rect">
+                <a:avLst/>
+              </a:prstGeom>
+              <a:blipFill rotWithShape="1">
+                <a:blip r:embed="rId4"/>
+                <a:stretch>
+                  <a:fillRect b="-1538"/>
+                </a:stretch>
+              </a:blipFill>
+            </p:spPr>
+            <p:txBody>
+              <a:bodyPr/>
+              <a:lstStyle/>
+              <a:p>
+                <a:r>
+                  <a:rPr lang="de-DE">
+                    <a:noFill/>
+                  </a:rPr>
+                  <a:t> </a:t>
+                </a:r>
+              </a:p>
+            </p:txBody>
+          </p:sp>
+        </mc:Fallback>
+      </mc:AlternateContent>
+      <mc:AlternateContent xmlns:mc="http://schemas.openxmlformats.org/markup-compatibility/2006">
+        <mc:Choice xmlns:a14="http://schemas.microsoft.com/office/drawing/2010/main" Requires="a14">
+          <p:sp>
+            <p:nvSpPr>
+              <p:cNvPr id="16" name="Textfeld 15"/>
+              <p:cNvSpPr txBox="1"/>
+              <p:nvPr/>
+            </p:nvSpPr>
+            <p:spPr>
+              <a:xfrm>
+                <a:off x="6252025" y="5178367"/>
+                <a:ext cx="816414" cy="400110"/>
+              </a:xfrm>
+              <a:prstGeom prst="rect">
+                <a:avLst/>
+              </a:prstGeom>
+              <a:noFill/>
+            </p:spPr>
+            <p:txBody>
+              <a:bodyPr wrap="square" rtlCol="0">
+                <a:spAutoFit/>
+              </a:bodyPr>
+              <a:lstStyle/>
+              <a:p>
+                <a14:m>
+                  <m:oMathPara xmlns:m="http://schemas.openxmlformats.org/officeDocument/2006/math">
+                    <m:oMathParaPr>
+                      <m:jc m:val="centerGroup"/>
+                    </m:oMathParaPr>
+                    <m:oMath xmlns:m="http://schemas.openxmlformats.org/officeDocument/2006/math">
+                      <m:sSub>
+                        <m:sSubPr>
+                          <m:ctrlPr>
+                            <a:rPr lang="de-DE" sz="2000" i="1" smtClean="0">
+                              <a:solidFill>
+                                <a:srgbClr val="FF0000"/>
+                              </a:solidFill>
+                              <a:latin typeface="Cambria Math"/>
+                            </a:rPr>
+                          </m:ctrlPr>
+                        </m:sSubPr>
+                        <m:e>
+                          <m:r>
+                            <a:rPr lang="de-DE" sz="2000" b="0" i="1" smtClean="0">
+                              <a:solidFill>
+                                <a:srgbClr val="FF0000"/>
+                              </a:solidFill>
+                              <a:latin typeface="Cambria Math"/>
+                            </a:rPr>
+                            <m:t>𝑡</m:t>
+                          </m:r>
+                        </m:e>
+                        <m:sub>
+                          <m:r>
+                            <a:rPr lang="de-DE" sz="2000" b="0" i="1" smtClean="0">
+                              <a:solidFill>
+                                <a:srgbClr val="FF0000"/>
+                              </a:solidFill>
+                              <a:latin typeface="Cambria Math"/>
+                            </a:rPr>
+                            <m:t>3</m:t>
+                          </m:r>
+                        </m:sub>
+                      </m:sSub>
+                    </m:oMath>
+                  </m:oMathPara>
+                </a14:m>
+                <a:endParaRPr lang="de-DE" dirty="0"/>
+              </a:p>
+            </p:txBody>
+          </p:sp>
+        </mc:Choice>
+        <mc:Fallback>
+          <p:sp>
+            <p:nvSpPr>
+              <p:cNvPr id="16" name="Textfeld 15"/>
+              <p:cNvSpPr txBox="1">
+                <a:spLocks noRot="1" noChangeAspect="1" noMove="1" noResize="1" noEditPoints="1" noAdjustHandles="1" noChangeArrowheads="1" noChangeShapeType="1" noTextEdit="1"/>
+              </p:cNvSpPr>
+              <p:nvPr/>
+            </p:nvSpPr>
+            <p:spPr>
+              <a:xfrm>
+                <a:off x="6252025" y="5178367"/>
+                <a:ext cx="816414" cy="400110"/>
+              </a:xfrm>
+              <a:prstGeom prst="rect">
+                <a:avLst/>
+              </a:prstGeom>
+              <a:blipFill rotWithShape="1">
+                <a:blip r:embed="rId5"/>
+                <a:stretch>
+                  <a:fillRect/>
+                </a:stretch>
+              </a:blipFill>
+            </p:spPr>
+            <p:txBody>
+              <a:bodyPr/>
+              <a:lstStyle/>
+              <a:p>
+                <a:r>
+                  <a:rPr lang="de-DE">
+                    <a:noFill/>
+                  </a:rPr>
+                  <a:t> </a:t>
+                </a:r>
+              </a:p>
+            </p:txBody>
+          </p:sp>
+        </mc:Fallback>
+      </mc:AlternateContent>
+      <p:sp>
+        <p:nvSpPr>
+          <p:cNvPr id="17" name="Freihandform 16"/>
+          <p:cNvSpPr/>
+          <p:nvPr/>
+        </p:nvSpPr>
+        <p:spPr>
+          <a:xfrm>
+            <a:off x="1901370" y="1915886"/>
+            <a:ext cx="4804230" cy="3106057"/>
+          </a:xfrm>
+          <a:custGeom>
+            <a:avLst/>
+            <a:gdLst>
+              <a:gd name="connsiteX0" fmla="*/ 0 w 4818743"/>
+              <a:gd name="connsiteY0" fmla="*/ 3062514 h 3062514"/>
+              <a:gd name="connsiteX1" fmla="*/ 275772 w 4818743"/>
+              <a:gd name="connsiteY1" fmla="*/ 2569028 h 3062514"/>
+              <a:gd name="connsiteX2" fmla="*/ 566057 w 4818743"/>
+              <a:gd name="connsiteY2" fmla="*/ 2351314 h 3062514"/>
+              <a:gd name="connsiteX3" fmla="*/ 1001486 w 4818743"/>
+              <a:gd name="connsiteY3" fmla="*/ 2162628 h 3062514"/>
+              <a:gd name="connsiteX4" fmla="*/ 1524000 w 4818743"/>
+              <a:gd name="connsiteY4" fmla="*/ 1959428 h 3062514"/>
+              <a:gd name="connsiteX5" fmla="*/ 2032000 w 4818743"/>
+              <a:gd name="connsiteY5" fmla="*/ 1770743 h 3062514"/>
+              <a:gd name="connsiteX6" fmla="*/ 2235200 w 4818743"/>
+              <a:gd name="connsiteY6" fmla="*/ 1509485 h 3062514"/>
+              <a:gd name="connsiteX7" fmla="*/ 3135086 w 4818743"/>
+              <a:gd name="connsiteY7" fmla="*/ 1465943 h 3062514"/>
+              <a:gd name="connsiteX8" fmla="*/ 3889829 w 4818743"/>
+              <a:gd name="connsiteY8" fmla="*/ 1030514 h 3062514"/>
+              <a:gd name="connsiteX9" fmla="*/ 4339772 w 4818743"/>
+              <a:gd name="connsiteY9" fmla="*/ 798285 h 3062514"/>
+              <a:gd name="connsiteX10" fmla="*/ 4818743 w 4818743"/>
+              <a:gd name="connsiteY10" fmla="*/ 0 h 3062514"/>
+              <a:gd name="connsiteX0" fmla="*/ 0 w 4818743"/>
+              <a:gd name="connsiteY0" fmla="*/ 3062514 h 3062514"/>
+              <a:gd name="connsiteX1" fmla="*/ 275772 w 4818743"/>
+              <a:gd name="connsiteY1" fmla="*/ 2569028 h 3062514"/>
+              <a:gd name="connsiteX2" fmla="*/ 566057 w 4818743"/>
+              <a:gd name="connsiteY2" fmla="*/ 2351314 h 3062514"/>
+              <a:gd name="connsiteX3" fmla="*/ 1001486 w 4818743"/>
+              <a:gd name="connsiteY3" fmla="*/ 2162628 h 3062514"/>
+              <a:gd name="connsiteX4" fmla="*/ 1524000 w 4818743"/>
+              <a:gd name="connsiteY4" fmla="*/ 1959428 h 3062514"/>
+              <a:gd name="connsiteX5" fmla="*/ 2032000 w 4818743"/>
+              <a:gd name="connsiteY5" fmla="*/ 1770743 h 3062514"/>
+              <a:gd name="connsiteX6" fmla="*/ 2235200 w 4818743"/>
+              <a:gd name="connsiteY6" fmla="*/ 1509485 h 3062514"/>
+              <a:gd name="connsiteX7" fmla="*/ 3135086 w 4818743"/>
+              <a:gd name="connsiteY7" fmla="*/ 1465943 h 3062514"/>
+              <a:gd name="connsiteX8" fmla="*/ 3889829 w 4818743"/>
+              <a:gd name="connsiteY8" fmla="*/ 1030514 h 3062514"/>
+              <a:gd name="connsiteX9" fmla="*/ 4339772 w 4818743"/>
+              <a:gd name="connsiteY9" fmla="*/ 798285 h 3062514"/>
+              <a:gd name="connsiteX10" fmla="*/ 4818743 w 4818743"/>
+              <a:gd name="connsiteY10" fmla="*/ 0 h 3062514"/>
+              <a:gd name="connsiteX0" fmla="*/ 0 w 4818743"/>
+              <a:gd name="connsiteY0" fmla="*/ 3062514 h 3062514"/>
+              <a:gd name="connsiteX1" fmla="*/ 275772 w 4818743"/>
+              <a:gd name="connsiteY1" fmla="*/ 2569028 h 3062514"/>
+              <a:gd name="connsiteX2" fmla="*/ 566057 w 4818743"/>
+              <a:gd name="connsiteY2" fmla="*/ 2351314 h 3062514"/>
+              <a:gd name="connsiteX3" fmla="*/ 1001486 w 4818743"/>
+              <a:gd name="connsiteY3" fmla="*/ 2162628 h 3062514"/>
+              <a:gd name="connsiteX4" fmla="*/ 1524000 w 4818743"/>
+              <a:gd name="connsiteY4" fmla="*/ 1959428 h 3062514"/>
+              <a:gd name="connsiteX5" fmla="*/ 2032000 w 4818743"/>
+              <a:gd name="connsiteY5" fmla="*/ 1770743 h 3062514"/>
+              <a:gd name="connsiteX6" fmla="*/ 2235200 w 4818743"/>
+              <a:gd name="connsiteY6" fmla="*/ 1509485 h 3062514"/>
+              <a:gd name="connsiteX7" fmla="*/ 3135086 w 4818743"/>
+              <a:gd name="connsiteY7" fmla="*/ 1465943 h 3062514"/>
+              <a:gd name="connsiteX8" fmla="*/ 3889829 w 4818743"/>
+              <a:gd name="connsiteY8" fmla="*/ 1030514 h 3062514"/>
+              <a:gd name="connsiteX9" fmla="*/ 4339772 w 4818743"/>
+              <a:gd name="connsiteY9" fmla="*/ 798285 h 3062514"/>
+              <a:gd name="connsiteX10" fmla="*/ 4818743 w 4818743"/>
+              <a:gd name="connsiteY10" fmla="*/ 0 h 3062514"/>
+              <a:gd name="connsiteX0" fmla="*/ 0 w 4818743"/>
+              <a:gd name="connsiteY0" fmla="*/ 3062514 h 3062514"/>
+              <a:gd name="connsiteX1" fmla="*/ 275772 w 4818743"/>
+              <a:gd name="connsiteY1" fmla="*/ 2569028 h 3062514"/>
+              <a:gd name="connsiteX2" fmla="*/ 566057 w 4818743"/>
+              <a:gd name="connsiteY2" fmla="*/ 2351314 h 3062514"/>
+              <a:gd name="connsiteX3" fmla="*/ 1001486 w 4818743"/>
+              <a:gd name="connsiteY3" fmla="*/ 2162628 h 3062514"/>
+              <a:gd name="connsiteX4" fmla="*/ 1524000 w 4818743"/>
+              <a:gd name="connsiteY4" fmla="*/ 1959428 h 3062514"/>
+              <a:gd name="connsiteX5" fmla="*/ 2032000 w 4818743"/>
+              <a:gd name="connsiteY5" fmla="*/ 1770743 h 3062514"/>
+              <a:gd name="connsiteX6" fmla="*/ 2235200 w 4818743"/>
+              <a:gd name="connsiteY6" fmla="*/ 1509485 h 3062514"/>
+              <a:gd name="connsiteX7" fmla="*/ 3135086 w 4818743"/>
+              <a:gd name="connsiteY7" fmla="*/ 1465943 h 3062514"/>
+              <a:gd name="connsiteX8" fmla="*/ 3889829 w 4818743"/>
+              <a:gd name="connsiteY8" fmla="*/ 1030514 h 3062514"/>
+              <a:gd name="connsiteX9" fmla="*/ 4339772 w 4818743"/>
+              <a:gd name="connsiteY9" fmla="*/ 798285 h 3062514"/>
+              <a:gd name="connsiteX10" fmla="*/ 4818743 w 4818743"/>
+              <a:gd name="connsiteY10" fmla="*/ 0 h 3062514"/>
+              <a:gd name="connsiteX0" fmla="*/ 0 w 4818743"/>
+              <a:gd name="connsiteY0" fmla="*/ 3062514 h 3062514"/>
+              <a:gd name="connsiteX1" fmla="*/ 275772 w 4818743"/>
+              <a:gd name="connsiteY1" fmla="*/ 2569028 h 3062514"/>
+              <a:gd name="connsiteX2" fmla="*/ 566057 w 4818743"/>
+              <a:gd name="connsiteY2" fmla="*/ 2351314 h 3062514"/>
+              <a:gd name="connsiteX3" fmla="*/ 1001486 w 4818743"/>
+              <a:gd name="connsiteY3" fmla="*/ 2162628 h 3062514"/>
+              <a:gd name="connsiteX4" fmla="*/ 1524000 w 4818743"/>
+              <a:gd name="connsiteY4" fmla="*/ 1959428 h 3062514"/>
+              <a:gd name="connsiteX5" fmla="*/ 2032000 w 4818743"/>
+              <a:gd name="connsiteY5" fmla="*/ 1770743 h 3062514"/>
+              <a:gd name="connsiteX6" fmla="*/ 2235200 w 4818743"/>
+              <a:gd name="connsiteY6" fmla="*/ 1509485 h 3062514"/>
+              <a:gd name="connsiteX7" fmla="*/ 3135086 w 4818743"/>
+              <a:gd name="connsiteY7" fmla="*/ 1524000 h 3062514"/>
+              <a:gd name="connsiteX8" fmla="*/ 3889829 w 4818743"/>
+              <a:gd name="connsiteY8" fmla="*/ 1030514 h 3062514"/>
+              <a:gd name="connsiteX9" fmla="*/ 4339772 w 4818743"/>
+              <a:gd name="connsiteY9" fmla="*/ 798285 h 3062514"/>
+              <a:gd name="connsiteX10" fmla="*/ 4818743 w 4818743"/>
+              <a:gd name="connsiteY10" fmla="*/ 0 h 3062514"/>
+              <a:gd name="connsiteX0" fmla="*/ 0 w 4818743"/>
+              <a:gd name="connsiteY0" fmla="*/ 3062514 h 3062514"/>
+              <a:gd name="connsiteX1" fmla="*/ 275772 w 4818743"/>
+              <a:gd name="connsiteY1" fmla="*/ 2569028 h 3062514"/>
+              <a:gd name="connsiteX2" fmla="*/ 566057 w 4818743"/>
+              <a:gd name="connsiteY2" fmla="*/ 2351314 h 3062514"/>
+              <a:gd name="connsiteX3" fmla="*/ 1001486 w 4818743"/>
+              <a:gd name="connsiteY3" fmla="*/ 2162628 h 3062514"/>
+              <a:gd name="connsiteX4" fmla="*/ 1524000 w 4818743"/>
+              <a:gd name="connsiteY4" fmla="*/ 1959428 h 3062514"/>
+              <a:gd name="connsiteX5" fmla="*/ 2032000 w 4818743"/>
+              <a:gd name="connsiteY5" fmla="*/ 1770743 h 3062514"/>
+              <a:gd name="connsiteX6" fmla="*/ 2235200 w 4818743"/>
+              <a:gd name="connsiteY6" fmla="*/ 1509485 h 3062514"/>
+              <a:gd name="connsiteX7" fmla="*/ 3135086 w 4818743"/>
+              <a:gd name="connsiteY7" fmla="*/ 1480457 h 3062514"/>
+              <a:gd name="connsiteX8" fmla="*/ 3889829 w 4818743"/>
+              <a:gd name="connsiteY8" fmla="*/ 1030514 h 3062514"/>
+              <a:gd name="connsiteX9" fmla="*/ 4339772 w 4818743"/>
+              <a:gd name="connsiteY9" fmla="*/ 798285 h 3062514"/>
+              <a:gd name="connsiteX10" fmla="*/ 4818743 w 4818743"/>
+              <a:gd name="connsiteY10" fmla="*/ 0 h 3062514"/>
+              <a:gd name="connsiteX0" fmla="*/ 0 w 4818743"/>
+              <a:gd name="connsiteY0" fmla="*/ 3062514 h 3062514"/>
+              <a:gd name="connsiteX1" fmla="*/ 275772 w 4818743"/>
+              <a:gd name="connsiteY1" fmla="*/ 2569028 h 3062514"/>
+              <a:gd name="connsiteX2" fmla="*/ 566057 w 4818743"/>
+              <a:gd name="connsiteY2" fmla="*/ 2351314 h 3062514"/>
+              <a:gd name="connsiteX3" fmla="*/ 1001486 w 4818743"/>
+              <a:gd name="connsiteY3" fmla="*/ 2162628 h 3062514"/>
+              <a:gd name="connsiteX4" fmla="*/ 1524000 w 4818743"/>
+              <a:gd name="connsiteY4" fmla="*/ 1959428 h 3062514"/>
+              <a:gd name="connsiteX5" fmla="*/ 2032000 w 4818743"/>
+              <a:gd name="connsiteY5" fmla="*/ 1770743 h 3062514"/>
+              <a:gd name="connsiteX6" fmla="*/ 2235200 w 4818743"/>
+              <a:gd name="connsiteY6" fmla="*/ 1480456 h 3062514"/>
+              <a:gd name="connsiteX7" fmla="*/ 3135086 w 4818743"/>
+              <a:gd name="connsiteY7" fmla="*/ 1480457 h 3062514"/>
+              <a:gd name="connsiteX8" fmla="*/ 3889829 w 4818743"/>
+              <a:gd name="connsiteY8" fmla="*/ 1030514 h 3062514"/>
+              <a:gd name="connsiteX9" fmla="*/ 4339772 w 4818743"/>
+              <a:gd name="connsiteY9" fmla="*/ 798285 h 3062514"/>
+              <a:gd name="connsiteX10" fmla="*/ 4818743 w 4818743"/>
+              <a:gd name="connsiteY10" fmla="*/ 0 h 3062514"/>
+              <a:gd name="connsiteX0" fmla="*/ 0 w 4818743"/>
+              <a:gd name="connsiteY0" fmla="*/ 3062514 h 3062514"/>
+              <a:gd name="connsiteX1" fmla="*/ 275772 w 4818743"/>
+              <a:gd name="connsiteY1" fmla="*/ 2569028 h 3062514"/>
+              <a:gd name="connsiteX2" fmla="*/ 566057 w 4818743"/>
+              <a:gd name="connsiteY2" fmla="*/ 2351314 h 3062514"/>
+              <a:gd name="connsiteX3" fmla="*/ 1001486 w 4818743"/>
+              <a:gd name="connsiteY3" fmla="*/ 2162628 h 3062514"/>
+              <a:gd name="connsiteX4" fmla="*/ 1524000 w 4818743"/>
+              <a:gd name="connsiteY4" fmla="*/ 1959428 h 3062514"/>
+              <a:gd name="connsiteX5" fmla="*/ 2032000 w 4818743"/>
+              <a:gd name="connsiteY5" fmla="*/ 1770743 h 3062514"/>
+              <a:gd name="connsiteX6" fmla="*/ 2235200 w 4818743"/>
+              <a:gd name="connsiteY6" fmla="*/ 1480456 h 3062514"/>
+              <a:gd name="connsiteX7" fmla="*/ 3135086 w 4818743"/>
+              <a:gd name="connsiteY7" fmla="*/ 1480457 h 3062514"/>
+              <a:gd name="connsiteX8" fmla="*/ 3889829 w 4818743"/>
+              <a:gd name="connsiteY8" fmla="*/ 1030514 h 3062514"/>
+              <a:gd name="connsiteX9" fmla="*/ 4339772 w 4818743"/>
+              <a:gd name="connsiteY9" fmla="*/ 798285 h 3062514"/>
+              <a:gd name="connsiteX10" fmla="*/ 4818743 w 4818743"/>
+              <a:gd name="connsiteY10" fmla="*/ 0 h 3062514"/>
+              <a:gd name="connsiteX0" fmla="*/ 0 w 4818743"/>
+              <a:gd name="connsiteY0" fmla="*/ 3062514 h 3062514"/>
+              <a:gd name="connsiteX1" fmla="*/ 348343 w 4818743"/>
+              <a:gd name="connsiteY1" fmla="*/ 2598057 h 3062514"/>
+              <a:gd name="connsiteX2" fmla="*/ 566057 w 4818743"/>
+              <a:gd name="connsiteY2" fmla="*/ 2351314 h 3062514"/>
+              <a:gd name="connsiteX3" fmla="*/ 1001486 w 4818743"/>
+              <a:gd name="connsiteY3" fmla="*/ 2162628 h 3062514"/>
+              <a:gd name="connsiteX4" fmla="*/ 1524000 w 4818743"/>
+              <a:gd name="connsiteY4" fmla="*/ 1959428 h 3062514"/>
+              <a:gd name="connsiteX5" fmla="*/ 2032000 w 4818743"/>
+              <a:gd name="connsiteY5" fmla="*/ 1770743 h 3062514"/>
+              <a:gd name="connsiteX6" fmla="*/ 2235200 w 4818743"/>
+              <a:gd name="connsiteY6" fmla="*/ 1480456 h 3062514"/>
+              <a:gd name="connsiteX7" fmla="*/ 3135086 w 4818743"/>
+              <a:gd name="connsiteY7" fmla="*/ 1480457 h 3062514"/>
+              <a:gd name="connsiteX8" fmla="*/ 3889829 w 4818743"/>
+              <a:gd name="connsiteY8" fmla="*/ 1030514 h 3062514"/>
+              <a:gd name="connsiteX9" fmla="*/ 4339772 w 4818743"/>
+              <a:gd name="connsiteY9" fmla="*/ 798285 h 3062514"/>
+              <a:gd name="connsiteX10" fmla="*/ 4818743 w 4818743"/>
+              <a:gd name="connsiteY10" fmla="*/ 0 h 3062514"/>
+              <a:gd name="connsiteX0" fmla="*/ 0 w 4775201"/>
+              <a:gd name="connsiteY0" fmla="*/ 3062514 h 3062514"/>
+              <a:gd name="connsiteX1" fmla="*/ 304801 w 4775201"/>
+              <a:gd name="connsiteY1" fmla="*/ 2598057 h 3062514"/>
+              <a:gd name="connsiteX2" fmla="*/ 522515 w 4775201"/>
+              <a:gd name="connsiteY2" fmla="*/ 2351314 h 3062514"/>
+              <a:gd name="connsiteX3" fmla="*/ 957944 w 4775201"/>
+              <a:gd name="connsiteY3" fmla="*/ 2162628 h 3062514"/>
+              <a:gd name="connsiteX4" fmla="*/ 1480458 w 4775201"/>
+              <a:gd name="connsiteY4" fmla="*/ 1959428 h 3062514"/>
+              <a:gd name="connsiteX5" fmla="*/ 1988458 w 4775201"/>
+              <a:gd name="connsiteY5" fmla="*/ 1770743 h 3062514"/>
+              <a:gd name="connsiteX6" fmla="*/ 2191658 w 4775201"/>
+              <a:gd name="connsiteY6" fmla="*/ 1480456 h 3062514"/>
+              <a:gd name="connsiteX7" fmla="*/ 3091544 w 4775201"/>
+              <a:gd name="connsiteY7" fmla="*/ 1480457 h 3062514"/>
+              <a:gd name="connsiteX8" fmla="*/ 3846287 w 4775201"/>
+              <a:gd name="connsiteY8" fmla="*/ 1030514 h 3062514"/>
+              <a:gd name="connsiteX9" fmla="*/ 4296230 w 4775201"/>
+              <a:gd name="connsiteY9" fmla="*/ 798285 h 3062514"/>
+              <a:gd name="connsiteX10" fmla="*/ 4775201 w 4775201"/>
+              <a:gd name="connsiteY10" fmla="*/ 0 h 3062514"/>
+              <a:gd name="connsiteX0" fmla="*/ 0 w 4804230"/>
+              <a:gd name="connsiteY0" fmla="*/ 3106057 h 3106057"/>
+              <a:gd name="connsiteX1" fmla="*/ 333830 w 4804230"/>
+              <a:gd name="connsiteY1" fmla="*/ 2598057 h 3106057"/>
+              <a:gd name="connsiteX2" fmla="*/ 551544 w 4804230"/>
+              <a:gd name="connsiteY2" fmla="*/ 2351314 h 3106057"/>
+              <a:gd name="connsiteX3" fmla="*/ 986973 w 4804230"/>
+              <a:gd name="connsiteY3" fmla="*/ 2162628 h 3106057"/>
+              <a:gd name="connsiteX4" fmla="*/ 1509487 w 4804230"/>
+              <a:gd name="connsiteY4" fmla="*/ 1959428 h 3106057"/>
+              <a:gd name="connsiteX5" fmla="*/ 2017487 w 4804230"/>
+              <a:gd name="connsiteY5" fmla="*/ 1770743 h 3106057"/>
+              <a:gd name="connsiteX6" fmla="*/ 2220687 w 4804230"/>
+              <a:gd name="connsiteY6" fmla="*/ 1480456 h 3106057"/>
+              <a:gd name="connsiteX7" fmla="*/ 3120573 w 4804230"/>
+              <a:gd name="connsiteY7" fmla="*/ 1480457 h 3106057"/>
+              <a:gd name="connsiteX8" fmla="*/ 3875316 w 4804230"/>
+              <a:gd name="connsiteY8" fmla="*/ 1030514 h 3106057"/>
+              <a:gd name="connsiteX9" fmla="*/ 4325259 w 4804230"/>
+              <a:gd name="connsiteY9" fmla="*/ 798285 h 3106057"/>
+              <a:gd name="connsiteX10" fmla="*/ 4804230 w 4804230"/>
+              <a:gd name="connsiteY10" fmla="*/ 0 h 3106057"/>
+            </a:gdLst>
+            <a:ahLst/>
+            <a:cxnLst>
+              <a:cxn ang="0">
+                <a:pos x="connsiteX0" y="connsiteY0"/>
+              </a:cxn>
+              <a:cxn ang="0">
+                <a:pos x="connsiteX1" y="connsiteY1"/>
+              </a:cxn>
+              <a:cxn ang="0">
+                <a:pos x="connsiteX2" y="connsiteY2"/>
+              </a:cxn>
+              <a:cxn ang="0">
+                <a:pos x="connsiteX3" y="connsiteY3"/>
+              </a:cxn>
+              <a:cxn ang="0">
+                <a:pos x="connsiteX4" y="connsiteY4"/>
+              </a:cxn>
+              <a:cxn ang="0">
+                <a:pos x="connsiteX5" y="connsiteY5"/>
+              </a:cxn>
+              <a:cxn ang="0">
+                <a:pos x="connsiteX6" y="connsiteY6"/>
+              </a:cxn>
+              <a:cxn ang="0">
+                <a:pos x="connsiteX7" y="connsiteY7"/>
+              </a:cxn>
+              <a:cxn ang="0">
+                <a:pos x="connsiteX8" y="connsiteY8"/>
+              </a:cxn>
+              <a:cxn ang="0">
+                <a:pos x="connsiteX9" y="connsiteY9"/>
+              </a:cxn>
+              <a:cxn ang="0">
+                <a:pos x="connsiteX10" y="connsiteY10"/>
+              </a:cxn>
+            </a:cxnLst>
+            <a:rect l="l" t="t" r="r" b="b"/>
+            <a:pathLst>
+              <a:path w="4804230" h="3106057">
+                <a:moveTo>
+                  <a:pt x="0" y="3106057"/>
+                </a:moveTo>
+                <a:cubicBezTo>
+                  <a:pt x="90714" y="2918580"/>
+                  <a:pt x="241906" y="2723848"/>
+                  <a:pt x="333830" y="2598057"/>
+                </a:cubicBezTo>
+                <a:cubicBezTo>
+                  <a:pt x="425754" y="2472267"/>
+                  <a:pt x="442687" y="2423885"/>
+                  <a:pt x="551544" y="2351314"/>
+                </a:cubicBezTo>
+                <a:cubicBezTo>
+                  <a:pt x="660401" y="2278743"/>
+                  <a:pt x="827316" y="2227942"/>
+                  <a:pt x="986973" y="2162628"/>
+                </a:cubicBezTo>
+                <a:cubicBezTo>
+                  <a:pt x="1146630" y="2097314"/>
+                  <a:pt x="1509487" y="1959428"/>
+                  <a:pt x="1509487" y="1959428"/>
+                </a:cubicBezTo>
+                <a:cubicBezTo>
+                  <a:pt x="1681239" y="1894114"/>
+                  <a:pt x="1898954" y="1850572"/>
+                  <a:pt x="2017487" y="1770743"/>
+                </a:cubicBezTo>
+                <a:cubicBezTo>
+                  <a:pt x="2136020" y="1690914"/>
+                  <a:pt x="2036839" y="1531256"/>
+                  <a:pt x="2220687" y="1480456"/>
+                </a:cubicBezTo>
+                <a:cubicBezTo>
+                  <a:pt x="2985106" y="1487713"/>
+                  <a:pt x="2830287" y="1473201"/>
+                  <a:pt x="3120573" y="1480457"/>
+                </a:cubicBezTo>
+                <a:cubicBezTo>
+                  <a:pt x="3396345" y="1400628"/>
+                  <a:pt x="3674535" y="1144209"/>
+                  <a:pt x="3875316" y="1030514"/>
+                </a:cubicBezTo>
+                <a:cubicBezTo>
+                  <a:pt x="4076097" y="916819"/>
+                  <a:pt x="4170440" y="970037"/>
+                  <a:pt x="4325259" y="798285"/>
+                </a:cubicBezTo>
+                <a:cubicBezTo>
+                  <a:pt x="4480078" y="626533"/>
+                  <a:pt x="4642154" y="313266"/>
+                  <a:pt x="4804230" y="0"/>
+                </a:cubicBezTo>
+              </a:path>
+            </a:pathLst>
+          </a:custGeom>
+          <a:noFill/>
+          <a:ln w="63500">
+            <a:solidFill>
+              <a:schemeClr val="tx1"/>
+            </a:solidFill>
+          </a:ln>
+        </p:spPr>
+        <p:style>
+          <a:lnRef idx="2">
+            <a:schemeClr val="accent1">
+              <a:shade val="50000"/>
+            </a:schemeClr>
+          </a:lnRef>
+          <a:fillRef idx="1">
+            <a:schemeClr val="accent1"/>
+          </a:fillRef>
+          <a:effectRef idx="0">
+            <a:schemeClr val="accent1"/>
+          </a:effectRef>
+          <a:fontRef idx="minor">
+            <a:schemeClr val="lt1"/>
+          </a:fontRef>
+        </p:style>
+        <p:txBody>
+          <a:bodyPr rtlCol="0" anchor="ctr"/>
+          <a:lstStyle/>
+          <a:p>
+            <a:pPr algn="ctr"/>
+            <a:endParaRPr lang="de-DE"/>
+          </a:p>
+        </p:txBody>
+      </p:sp>
+      <p:sp>
+        <p:nvSpPr>
+          <p:cNvPr id="20" name="Textfeld 19"/>
+          <p:cNvSpPr txBox="1"/>
+          <p:nvPr/>
+        </p:nvSpPr>
+        <p:spPr>
+          <a:xfrm>
+            <a:off x="6662057" y="1316945"/>
+            <a:ext cx="671913" cy="830997"/>
+          </a:xfrm>
+          <a:prstGeom prst="rect">
+            <a:avLst/>
+          </a:prstGeom>
+          <a:noFill/>
+        </p:spPr>
+        <p:txBody>
+          <a:bodyPr wrap="square" rtlCol="0">
+            <a:spAutoFit/>
+          </a:bodyPr>
+          <a:lstStyle/>
+          <a:p>
+            <a:r>
+              <a:rPr lang="de-DE" sz="4800" b="1" dirty="0" smtClean="0">
+                <a:latin typeface="Lucida Sans Unicode"/>
+                <a:cs typeface="Lucida Sans Unicode"/>
+              </a:rPr>
+              <a:t>☺</a:t>
+            </a:r>
+            <a:endParaRPr lang="de-DE" sz="4800" b="1" dirty="0"/>
+          </a:p>
+        </p:txBody>
+      </p:sp>
+    </p:spTree>
+    <p:extLst>
+      <p:ext uri="{BB962C8B-B14F-4D97-AF65-F5344CB8AC3E}">
+        <p14:creationId xmlns:p14="http://schemas.microsoft.com/office/powerpoint/2010/main" val="3030197453"/>
+      </p:ext>
+    </p:extLst>
+  </p:cSld>
+  <p:clrMapOvr>
+    <a:masterClrMapping/>
+  </p:clrMapOvr>
+  <p:timing>
+    <p:tnLst>
+      <p:par>
+        <p:cTn id="1" dur="indefinite" restart="never" nodeType="tmRoot"/>
+      </p:par>
+    </p:tnLst>
+  </p:timing>
+</p:sld>
+</file>
+
+<file path=ppt/slides/slide24.xml><?xml version="1.0" encoding="utf-8"?>
+<p:sld xmlns:a="http://schemas.openxmlformats.org/drawingml/2006/main" xmlns:r="http://schemas.openxmlformats.org/officeDocument/2006/relationships" xmlns:p="http://schemas.openxmlformats.org/presentationml/2006/main">
+  <p:cSld>
+    <p:spTree>
+      <p:nvGrpSpPr>
+        <p:cNvPr id="1" name=""/>
+        <p:cNvGrpSpPr/>
+        <p:nvPr/>
+      </p:nvGrpSpPr>
+      <p:grpSpPr>
+        <a:xfrm>
+          <a:off x="0" y="0"/>
+          <a:ext cx="0" cy="0"/>
+          <a:chOff x="0" y="0"/>
+          <a:chExt cx="0" cy="0"/>
+        </a:xfrm>
+      </p:grpSpPr>
+    </p:spTree>
+    <p:extLst>
+      <p:ext uri="{BB962C8B-B14F-4D97-AF65-F5344CB8AC3E}">
+        <p14:creationId xmlns:p14="http://schemas.microsoft.com/office/powerpoint/2010/main" val="3030197453"/>
+      </p:ext>
+    </p:extLst>
+  </p:cSld>
+  <p:clrMapOvr>
+    <a:masterClrMapping/>
+  </p:clrMapOvr>
+  <p:timing>
+    <p:tnLst>
+      <p:par>
+        <p:cTn id="1" dur="indefinite" restart="never" nodeType="tmRoot"/>
+      </p:par>
+    </p:tnLst>
+  </p:timing>
+</p:sld>
+</file>
+
+<file path=ppt/slides/slide25.xml><?xml version="1.0" encoding="utf-8"?>
+<p:sld xmlns:a="http://schemas.openxmlformats.org/drawingml/2006/main" xmlns:r="http://schemas.openxmlformats.org/officeDocument/2006/relationships" xmlns:p="http://schemas.openxmlformats.org/presentationml/2006/main">
+  <p:cSld>
+    <p:spTree>
+      <p:nvGrpSpPr>
+        <p:cNvPr id="1" name=""/>
+        <p:cNvGrpSpPr/>
+        <p:nvPr/>
+      </p:nvGrpSpPr>
+      <p:grpSpPr>
+        <a:xfrm>
+          <a:off x="0" y="0"/>
+          <a:ext cx="0" cy="0"/>
+          <a:chOff x="0" y="0"/>
+          <a:chExt cx="0" cy="0"/>
+        </a:xfrm>
+      </p:grpSpPr>
+    </p:spTree>
+    <p:extLst>
+      <p:ext uri="{BB962C8B-B14F-4D97-AF65-F5344CB8AC3E}">
+        <p14:creationId xmlns:p14="http://schemas.microsoft.com/office/powerpoint/2010/main" val="3030197453"/>
       </p:ext>
     </p:extLst>
   </p:cSld>
